--- a/Slides/Module 03.2 Code Coverage.pptx
+++ b/Slides/Module 03.2 Code Coverage.pptx
@@ -5,7 +5,7 @@
     <p:sldMasterId id="2147483648" r:id="rId1"/>
   </p:sldMasterIdLst>
   <p:notesMasterIdLst>
-    <p:notesMasterId r:id="rId22"/>
+    <p:notesMasterId r:id="rId21"/>
   </p:notesMasterIdLst>
   <p:sldIdLst>
     <p:sldId id="485" r:id="rId2"/>
@@ -17,34 +17,33 @@
     <p:sldId id="586" r:id="rId8"/>
     <p:sldId id="587" r:id="rId9"/>
     <p:sldId id="652" r:id="rId10"/>
-    <p:sldId id="667" r:id="rId11"/>
-    <p:sldId id="668" r:id="rId12"/>
-    <p:sldId id="661" r:id="rId13"/>
-    <p:sldId id="663" r:id="rId14"/>
-    <p:sldId id="589" r:id="rId15"/>
-    <p:sldId id="588" r:id="rId16"/>
-    <p:sldId id="658" r:id="rId17"/>
-    <p:sldId id="659" r:id="rId18"/>
-    <p:sldId id="660" r:id="rId19"/>
-    <p:sldId id="291" r:id="rId20"/>
-    <p:sldId id="669" r:id="rId21"/>
+    <p:sldId id="668" r:id="rId11"/>
+    <p:sldId id="661" r:id="rId12"/>
+    <p:sldId id="663" r:id="rId13"/>
+    <p:sldId id="589" r:id="rId14"/>
+    <p:sldId id="588" r:id="rId15"/>
+    <p:sldId id="658" r:id="rId16"/>
+    <p:sldId id="659" r:id="rId17"/>
+    <p:sldId id="660" r:id="rId18"/>
+    <p:sldId id="291" r:id="rId19"/>
+    <p:sldId id="669" r:id="rId20"/>
   </p:sldIdLst>
   <p:sldSz cx="12192000" cy="6858000"/>
   <p:notesSz cx="6858000" cy="9144000"/>
   <p:embeddedFontLst>
     <p:embeddedFont>
       <p:font typeface="Consolas" panose="020B0609020204030204" pitchFamily="49" charset="0"/>
-      <p:regular r:id="rId23"/>
-      <p:bold r:id="rId24"/>
-      <p:italic r:id="rId25"/>
-      <p:boldItalic r:id="rId26"/>
+      <p:regular r:id="rId22"/>
+      <p:bold r:id="rId23"/>
+      <p:italic r:id="rId24"/>
+      <p:boldItalic r:id="rId25"/>
     </p:embeddedFont>
     <p:embeddedFont>
       <p:font typeface="Verdana" panose="020B0604030504040204" pitchFamily="34" charset="0"/>
-      <p:regular r:id="rId27"/>
-      <p:bold r:id="rId28"/>
-      <p:italic r:id="rId29"/>
-      <p:boldItalic r:id="rId30"/>
+      <p:regular r:id="rId26"/>
+      <p:bold r:id="rId27"/>
+      <p:italic r:id="rId28"/>
+      <p:boldItalic r:id="rId29"/>
     </p:embeddedFont>
   </p:embeddedFontLst>
   <p:defaultTextStyle>
@@ -156,7 +155,6 @@
             <p14:sldId id="586"/>
             <p14:sldId id="587"/>
             <p14:sldId id="652"/>
-            <p14:sldId id="667"/>
             <p14:sldId id="668"/>
             <p14:sldId id="661"/>
             <p14:sldId id="663"/>
@@ -266,7 +264,7 @@
           <a:p>
             <a:fld id="{7C7E5181-6CF5-45F7-A87A-E0E0B1FD7549}" type="datetimeFigureOut">
               <a:rPr lang="en-US" smtClean="0"/>
-              <a:t>12/30/25</a:t>
+              <a:t>1/4/26</a:t>
             </a:fld>
             <a:endParaRPr lang="en-US"/>
           </a:p>
@@ -625,125 +623,6 @@
         <p:cNvPr id="1" name="">
           <a:extLst>
             <a:ext uri="{FF2B5EF4-FFF2-40B4-BE49-F238E27FC236}">
-              <a16:creationId xmlns:a16="http://schemas.microsoft.com/office/drawing/2014/main" id="{E5EE018B-B5C0-8E63-922E-16FFF772EF03}"/>
-            </a:ext>
-          </a:extLst>
-        </p:cNvPr>
-        <p:cNvGrpSpPr/>
-        <p:nvPr/>
-      </p:nvGrpSpPr>
-      <p:grpSpPr>
-        <a:xfrm>
-          <a:off x="0" y="0"/>
-          <a:ext cx="0" cy="0"/>
-          <a:chOff x="0" y="0"/>
-          <a:chExt cx="0" cy="0"/>
-        </a:xfrm>
-      </p:grpSpPr>
-      <p:sp>
-        <p:nvSpPr>
-          <p:cNvPr id="2" name="Slide Image Placeholder 1">
-            <a:extLst>
-              <a:ext uri="{FF2B5EF4-FFF2-40B4-BE49-F238E27FC236}">
-                <a16:creationId xmlns:a16="http://schemas.microsoft.com/office/drawing/2014/main" id="{B5EFC89D-9A7E-D0AD-5328-E8CAA21AA8A4}"/>
-              </a:ext>
-            </a:extLst>
-          </p:cNvPr>
-          <p:cNvSpPr>
-            <a:spLocks noGrp="1" noRot="1" noChangeAspect="1"/>
-          </p:cNvSpPr>
-          <p:nvPr>
-            <p:ph type="sldImg"/>
-          </p:nvPr>
-        </p:nvSpPr>
-        <p:spPr/>
-      </p:sp>
-      <p:sp>
-        <p:nvSpPr>
-          <p:cNvPr id="3" name="Notes Placeholder 2">
-            <a:extLst>
-              <a:ext uri="{FF2B5EF4-FFF2-40B4-BE49-F238E27FC236}">
-                <a16:creationId xmlns:a16="http://schemas.microsoft.com/office/drawing/2014/main" id="{F80BA0FE-C0B5-199C-5FA1-D535ACC1E703}"/>
-              </a:ext>
-            </a:extLst>
-          </p:cNvPr>
-          <p:cNvSpPr>
-            <a:spLocks noGrp="1"/>
-          </p:cNvSpPr>
-          <p:nvPr>
-            <p:ph type="body" idx="1"/>
-          </p:nvPr>
-        </p:nvSpPr>
-        <p:spPr/>
-        <p:txBody>
-          <a:bodyPr/>
-          <a:lstStyle/>
-          <a:p>
-            <a:r>
-              <a:rPr lang="en-US" dirty="0"/>
-              <a:t>(Answer: now getting line coverage is about as easy as getting branch coverage! Here, branch coverage is probably doing a good job of reflecting the fact that </a:t>
-            </a:r>
-            <a:r>
-              <a:rPr lang="en-US" dirty="0" err="1"/>
-              <a:t>zod</a:t>
-            </a:r>
-            <a:r>
-              <a:rPr lang="en-US" dirty="0"/>
-              <a:t> validation is making our code less error-prone.)</a:t>
-            </a:r>
-          </a:p>
-        </p:txBody>
-      </p:sp>
-      <p:sp>
-        <p:nvSpPr>
-          <p:cNvPr id="4" name="Slide Number Placeholder 3">
-            <a:extLst>
-              <a:ext uri="{FF2B5EF4-FFF2-40B4-BE49-F238E27FC236}">
-                <a16:creationId xmlns:a16="http://schemas.microsoft.com/office/drawing/2014/main" id="{E7E1F34A-B2C8-97DF-B7FD-B99B5C8B2671}"/>
-              </a:ext>
-            </a:extLst>
-          </p:cNvPr>
-          <p:cNvSpPr>
-            <a:spLocks noGrp="1"/>
-          </p:cNvSpPr>
-          <p:nvPr>
-            <p:ph type="sldNum" sz="quarter" idx="5"/>
-          </p:nvPr>
-        </p:nvSpPr>
-        <p:spPr/>
-        <p:txBody>
-          <a:bodyPr/>
-          <a:lstStyle/>
-          <a:p>
-            <a:fld id="{07937F07-1250-4CCE-B198-1B2887014F41}" type="slidenum">
-              <a:rPr lang="en-US" smtClean="0"/>
-              <a:t>11</a:t>
-            </a:fld>
-            <a:endParaRPr lang="en-US"/>
-          </a:p>
-        </p:txBody>
-      </p:sp>
-    </p:spTree>
-    <p:extLst>
-      <p:ext uri="{BB962C8B-B14F-4D97-AF65-F5344CB8AC3E}">
-        <p14:creationId xmlns:p14="http://schemas.microsoft.com/office/powerpoint/2010/main" val="2981580793"/>
-      </p:ext>
-    </p:extLst>
-  </p:cSld>
-  <p:clrMapOvr>
-    <a:masterClrMapping/>
-  </p:clrMapOvr>
-</p:notes>
-</file>
-
-<file path=ppt/notesSlides/notesSlide11.xml><?xml version="1.0" encoding="utf-8"?>
-<p:notes xmlns:a="http://schemas.openxmlformats.org/drawingml/2006/main" xmlns:r="http://schemas.openxmlformats.org/officeDocument/2006/relationships" xmlns:p="http://schemas.openxmlformats.org/presentationml/2006/main">
-  <p:cSld>
-    <p:spTree>
-      <p:nvGrpSpPr>
-        <p:cNvPr id="1" name="">
-          <a:extLst>
-            <a:ext uri="{FF2B5EF4-FFF2-40B4-BE49-F238E27FC236}">
               <a16:creationId xmlns:a16="http://schemas.microsoft.com/office/drawing/2014/main" id="{1D7BAAC8-87D3-B43D-06B6-472BAC7A6BEB}"/>
             </a:ext>
           </a:extLst>
@@ -865,7 +744,7 @@
           <a:p>
             <a:fld id="{07937F07-1250-4CCE-B198-1B2887014F41}" type="slidenum">
               <a:rPr lang="en-US" smtClean="0"/>
-              <a:t>12</a:t>
+              <a:t>11</a:t>
             </a:fld>
             <a:endParaRPr lang="en-US"/>
           </a:p>
@@ -884,7 +763,7 @@
 </p:notes>
 </file>
 
-<file path=ppt/notesSlides/notesSlide12.xml><?xml version="1.0" encoding="utf-8"?>
+<file path=ppt/notesSlides/notesSlide11.xml><?xml version="1.0" encoding="utf-8"?>
 <p:notes xmlns:a="http://schemas.openxmlformats.org/drawingml/2006/main" xmlns:r="http://schemas.openxmlformats.org/officeDocument/2006/relationships" xmlns:p="http://schemas.openxmlformats.org/presentationml/2006/main">
   <p:cSld>
     <p:spTree>
@@ -973,7 +852,7 @@
           <a:p>
             <a:fld id="{07937F07-1250-4CCE-B198-1B2887014F41}" type="slidenum">
               <a:rPr lang="en-US" smtClean="0"/>
-              <a:t>13</a:t>
+              <a:t>12</a:t>
             </a:fld>
             <a:endParaRPr lang="en-US"/>
           </a:p>
@@ -983,6 +862,93 @@
     <p:extLst>
       <p:ext uri="{BB962C8B-B14F-4D97-AF65-F5344CB8AC3E}">
         <p14:creationId xmlns:p14="http://schemas.microsoft.com/office/powerpoint/2010/main" val="2943393318"/>
+      </p:ext>
+    </p:extLst>
+  </p:cSld>
+  <p:clrMapOvr>
+    <a:masterClrMapping/>
+  </p:clrMapOvr>
+</p:notes>
+</file>
+
+<file path=ppt/notesSlides/notesSlide12.xml><?xml version="1.0" encoding="utf-8"?>
+<p:notes xmlns:a="http://schemas.openxmlformats.org/drawingml/2006/main" xmlns:r="http://schemas.openxmlformats.org/officeDocument/2006/relationships" xmlns:p="http://schemas.openxmlformats.org/presentationml/2006/main">
+  <p:cSld>
+    <p:spTree>
+      <p:nvGrpSpPr>
+        <p:cNvPr id="1" name=""/>
+        <p:cNvGrpSpPr/>
+        <p:nvPr/>
+      </p:nvGrpSpPr>
+      <p:grpSpPr>
+        <a:xfrm>
+          <a:off x="0" y="0"/>
+          <a:ext cx="0" cy="0"/>
+          <a:chOff x="0" y="0"/>
+          <a:chExt cx="0" cy="0"/>
+        </a:xfrm>
+      </p:grpSpPr>
+      <p:sp>
+        <p:nvSpPr>
+          <p:cNvPr id="2" name="Slide Image Placeholder 1"/>
+          <p:cNvSpPr>
+            <a:spLocks noGrp="1" noRot="1" noChangeAspect="1"/>
+          </p:cNvSpPr>
+          <p:nvPr>
+            <p:ph type="sldImg"/>
+          </p:nvPr>
+        </p:nvSpPr>
+        <p:spPr/>
+      </p:sp>
+      <p:sp>
+        <p:nvSpPr>
+          <p:cNvPr id="3" name="Notes Placeholder 2"/>
+          <p:cNvSpPr>
+            <a:spLocks noGrp="1"/>
+          </p:cNvSpPr>
+          <p:nvPr>
+            <p:ph type="body" idx="1"/>
+          </p:nvPr>
+        </p:nvSpPr>
+        <p:spPr/>
+        <p:txBody>
+          <a:bodyPr/>
+          <a:lstStyle/>
+          <a:p>
+            <a:r>
+              <a:rPr lang="en-US" dirty="0"/>
+              <a:t>(Rob: I’ve been saved more than once by trying to intentionally break my code and noticing that the test I expected to fail didn’t fail — this meant the test wasn’t checking what I expected it to!)</a:t>
+            </a:r>
+          </a:p>
+        </p:txBody>
+      </p:sp>
+      <p:sp>
+        <p:nvSpPr>
+          <p:cNvPr id="4" name="Slide Number Placeholder 3"/>
+          <p:cNvSpPr>
+            <a:spLocks noGrp="1"/>
+          </p:cNvSpPr>
+          <p:nvPr>
+            <p:ph type="sldNum" sz="quarter" idx="5"/>
+          </p:nvPr>
+        </p:nvSpPr>
+        <p:spPr/>
+        <p:txBody>
+          <a:bodyPr/>
+          <a:lstStyle/>
+          <a:p>
+            <a:fld id="{07937F07-1250-4CCE-B198-1B2887014F41}" type="slidenum">
+              <a:rPr lang="en-US" smtClean="0"/>
+              <a:t>13</a:t>
+            </a:fld>
+            <a:endParaRPr lang="en-US"/>
+          </a:p>
+        </p:txBody>
+      </p:sp>
+    </p:spTree>
+    <p:extLst>
+      <p:ext uri="{BB962C8B-B14F-4D97-AF65-F5344CB8AC3E}">
+        <p14:creationId xmlns:p14="http://schemas.microsoft.com/office/powerpoint/2010/main" val="3918090583"/>
       </p:ext>
     </p:extLst>
   </p:cSld>
@@ -1038,8 +1004,32 @@
           <a:p>
             <a:r>
               <a:rPr lang="en-US" dirty="0"/>
-              <a:t>(Rob: I’ve been saved more than once by trying to intentionally break my code and noticing that the test I expected to fail didn’t fail — this meant the test wasn’t checking what I expected it to!)</a:t>
-            </a:r>
+              <a:t>When we need a graph to measure “have we written enough tests,” code coverage is absolutely what everyone uses. But we’ve just seen a couple of ways that this can fail to tell us that we’ve written enough tests — or at least, fail to tell us when our tests are any good.</a:t>
+            </a:r>
+          </a:p>
+          <a:p>
+            <a:endParaRPr lang="en-US" dirty="0"/>
+          </a:p>
+          <a:p>
+            <a:r>
+              <a:rPr lang="en-US" dirty="0"/>
+              <a:t>A much more robust way to think about the question of have I written enough tests is the idea of </a:t>
+            </a:r>
+            <a:r>
+              <a:rPr lang="en-US" i="1" dirty="0"/>
+              <a:t>adversarial testing</a:t>
+            </a:r>
+            <a:r>
+              <a:rPr lang="en-US" i="0" dirty="0"/>
+              <a:t>. Could someone else write a buggy version of your code that your tests would fail to catch?</a:t>
+            </a:r>
+            <a:endParaRPr lang="en-US" dirty="0"/>
+          </a:p>
+          <a:p>
+            <a:endParaRPr lang="en-US" dirty="0"/>
+          </a:p>
+          <a:p>
+            <a:endParaRPr lang="en-US" dirty="0"/>
           </a:p>
         </p:txBody>
       </p:sp>
@@ -1069,7 +1059,7 @@
     </p:spTree>
     <p:extLst>
       <p:ext uri="{BB962C8B-B14F-4D97-AF65-F5344CB8AC3E}">
-        <p14:creationId xmlns:p14="http://schemas.microsoft.com/office/powerpoint/2010/main" val="3918090583"/>
+        <p14:creationId xmlns:p14="http://schemas.microsoft.com/office/powerpoint/2010/main" val="2796793573"/>
       </p:ext>
     </p:extLst>
   </p:cSld>
@@ -1098,117 +1088,6 @@
       </p:grpSpPr>
       <p:sp>
         <p:nvSpPr>
-          <p:cNvPr id="2" name="Slide Image Placeholder 1"/>
-          <p:cNvSpPr>
-            <a:spLocks noGrp="1" noRot="1" noChangeAspect="1"/>
-          </p:cNvSpPr>
-          <p:nvPr>
-            <p:ph type="sldImg"/>
-          </p:nvPr>
-        </p:nvSpPr>
-        <p:spPr/>
-      </p:sp>
-      <p:sp>
-        <p:nvSpPr>
-          <p:cNvPr id="3" name="Notes Placeholder 2"/>
-          <p:cNvSpPr>
-            <a:spLocks noGrp="1"/>
-          </p:cNvSpPr>
-          <p:nvPr>
-            <p:ph type="body" idx="1"/>
-          </p:nvPr>
-        </p:nvSpPr>
-        <p:spPr/>
-        <p:txBody>
-          <a:bodyPr/>
-          <a:lstStyle/>
-          <a:p>
-            <a:r>
-              <a:rPr lang="en-US" dirty="0"/>
-              <a:t>When we need a graph to measure “have we written enough tests,” code coverage is absolutely what everyone uses. But we’ve just seen a couple of ways that this can fail to tell us that we’ve written enough tests — or at least, fail to tell us when our tests are any good.</a:t>
-            </a:r>
-          </a:p>
-          <a:p>
-            <a:endParaRPr lang="en-US" dirty="0"/>
-          </a:p>
-          <a:p>
-            <a:r>
-              <a:rPr lang="en-US" dirty="0"/>
-              <a:t>A much more robust way to think about the question of have I written enough tests is the idea of </a:t>
-            </a:r>
-            <a:r>
-              <a:rPr lang="en-US" i="1" dirty="0"/>
-              <a:t>adversarial testing</a:t>
-            </a:r>
-            <a:r>
-              <a:rPr lang="en-US" i="0" dirty="0"/>
-              <a:t>. Could someone else write a buggy version of your code that your tests would fail to catch?</a:t>
-            </a:r>
-            <a:endParaRPr lang="en-US" dirty="0"/>
-          </a:p>
-          <a:p>
-            <a:endParaRPr lang="en-US" dirty="0"/>
-          </a:p>
-          <a:p>
-            <a:endParaRPr lang="en-US" dirty="0"/>
-          </a:p>
-        </p:txBody>
-      </p:sp>
-      <p:sp>
-        <p:nvSpPr>
-          <p:cNvPr id="4" name="Slide Number Placeholder 3"/>
-          <p:cNvSpPr>
-            <a:spLocks noGrp="1"/>
-          </p:cNvSpPr>
-          <p:nvPr>
-            <p:ph type="sldNum" sz="quarter" idx="5"/>
-          </p:nvPr>
-        </p:nvSpPr>
-        <p:spPr/>
-        <p:txBody>
-          <a:bodyPr/>
-          <a:lstStyle/>
-          <a:p>
-            <a:fld id="{07937F07-1250-4CCE-B198-1B2887014F41}" type="slidenum">
-              <a:rPr lang="en-US" smtClean="0"/>
-              <a:t>15</a:t>
-            </a:fld>
-            <a:endParaRPr lang="en-US"/>
-          </a:p>
-        </p:txBody>
-      </p:sp>
-    </p:spTree>
-    <p:extLst>
-      <p:ext uri="{BB962C8B-B14F-4D97-AF65-F5344CB8AC3E}">
-        <p14:creationId xmlns:p14="http://schemas.microsoft.com/office/powerpoint/2010/main" val="2796793573"/>
-      </p:ext>
-    </p:extLst>
-  </p:cSld>
-  <p:clrMapOvr>
-    <a:masterClrMapping/>
-  </p:clrMapOvr>
-</p:notes>
-</file>
-
-<file path=ppt/notesSlides/notesSlide15.xml><?xml version="1.0" encoding="utf-8"?>
-<p:notes xmlns:a="http://schemas.openxmlformats.org/drawingml/2006/main" xmlns:r="http://schemas.openxmlformats.org/officeDocument/2006/relationships" xmlns:p="http://schemas.openxmlformats.org/presentationml/2006/main">
-  <p:cSld>
-    <p:spTree>
-      <p:nvGrpSpPr>
-        <p:cNvPr id="1" name=""/>
-        <p:cNvGrpSpPr/>
-        <p:nvPr/>
-      </p:nvGrpSpPr>
-      <p:grpSpPr>
-        <a:xfrm>
-          <a:off x="0" y="0"/>
-          <a:ext cx="0" cy="0"/>
-          <a:chOff x="0" y="0"/>
-          <a:chExt cx="0" cy="0"/>
-        </a:xfrm>
-      </p:grpSpPr>
-      <p:sp>
-        <p:nvSpPr>
           <p:cNvPr id="834" name="Shape 834"/>
           <p:cNvSpPr>
             <a:spLocks noGrp="1" noRot="1" noChangeAspect="1"/>
@@ -1324,7 +1203,7 @@
 </p:notes>
 </file>
 
-<file path=ppt/notesSlides/notesSlide16.xml><?xml version="1.0" encoding="utf-8"?>
+<file path=ppt/notesSlides/notesSlide15.xml><?xml version="1.0" encoding="utf-8"?>
 <p:notes xmlns:a="http://schemas.openxmlformats.org/drawingml/2006/main" xmlns:r="http://schemas.openxmlformats.org/officeDocument/2006/relationships" xmlns:p="http://schemas.openxmlformats.org/presentationml/2006/main">
   <p:cSld>
     <p:spTree>
@@ -1435,7 +1314,7 @@
 </p:notes>
 </file>
 
-<file path=ppt/notesSlides/notesSlide17.xml><?xml version="1.0" encoding="utf-8"?>
+<file path=ppt/notesSlides/notesSlide16.xml><?xml version="1.0" encoding="utf-8"?>
 <p:notes xmlns:a="http://schemas.openxmlformats.org/drawingml/2006/main" xmlns:r="http://schemas.openxmlformats.org/officeDocument/2006/relationships" xmlns:p="http://schemas.openxmlformats.org/presentationml/2006/main">
   <p:cSld>
     <p:spTree>
@@ -1518,7 +1397,7 @@
           <a:p>
             <a:r>
               <a:rPr lang="en-US" dirty="0"/>
-              <a:t>Adversarial testing is a game, and sometimes your adversary loses the game because the “mutant” isn’t a big.</a:t>
+              <a:t>Adversarial testing is a game, and sometimes your adversary loses the game because the “mutant” isn’t a bug.</a:t>
             </a:r>
           </a:p>
           <a:p>
@@ -1587,7 +1466,7 @@
 </p:notes>
 </file>
 
-<file path=ppt/notesSlides/notesSlide18.xml><?xml version="1.0" encoding="utf-8"?>
+<file path=ppt/notesSlides/notesSlide17.xml><?xml version="1.0" encoding="utf-8"?>
 <p:notes xmlns:a="http://schemas.openxmlformats.org/drawingml/2006/main" xmlns:r="http://schemas.openxmlformats.org/officeDocument/2006/relationships" xmlns:p="http://schemas.openxmlformats.org/presentationml/2006/main">
   <p:cSld>
     <p:spTree>
@@ -1665,7 +1544,7 @@
 </p:notes>
 </file>
 
-<file path=ppt/notesSlides/notesSlide19.xml><?xml version="1.0" encoding="utf-8"?>
+<file path=ppt/notesSlides/notesSlide18.xml><?xml version="1.0" encoding="utf-8"?>
 <p:notes xmlns:a="http://schemas.openxmlformats.org/drawingml/2006/main" xmlns:r="http://schemas.openxmlformats.org/officeDocument/2006/relationships" xmlns:p="http://schemas.openxmlformats.org/presentationml/2006/main">
   <p:cSld>
     <p:spTree>
@@ -1822,7 +1701,7 @@
                 <a:tabLst/>
                 <a:defRPr/>
               </a:pPr>
-              <a:t>20</a:t>
+              <a:t>19</a:t>
             </a:fld>
             <a:endParaRPr kumimoji="0" lang="en-US" sz="1200" b="0" i="0" u="none" strike="noStrike" kern="1200" cap="none" spc="0" normalizeH="0" baseline="0" noProof="0">
               <a:ln>
@@ -2596,7 +2475,7 @@
         <p:cNvPr id="1" name="">
           <a:extLst>
             <a:ext uri="{FF2B5EF4-FFF2-40B4-BE49-F238E27FC236}">
-              <a16:creationId xmlns:a16="http://schemas.microsoft.com/office/drawing/2014/main" id="{F813C178-5519-2DCA-3A00-92305EDD621F}"/>
+              <a16:creationId xmlns:a16="http://schemas.microsoft.com/office/drawing/2014/main" id="{E5EE018B-B5C0-8E63-922E-16FFF772EF03}"/>
             </a:ext>
           </a:extLst>
         </p:cNvPr>
@@ -2616,7 +2495,7 @@
           <p:cNvPr id="2" name="Slide Image Placeholder 1">
             <a:extLst>
               <a:ext uri="{FF2B5EF4-FFF2-40B4-BE49-F238E27FC236}">
-                <a16:creationId xmlns:a16="http://schemas.microsoft.com/office/drawing/2014/main" id="{BE03BC86-947A-A898-221C-ED8C182A8866}"/>
+                <a16:creationId xmlns:a16="http://schemas.microsoft.com/office/drawing/2014/main" id="{B5EFC89D-9A7E-D0AD-5328-E8CAA21AA8A4}"/>
               </a:ext>
             </a:extLst>
           </p:cNvPr>
@@ -2634,7 +2513,7 @@
           <p:cNvPr id="3" name="Notes Placeholder 2">
             <a:extLst>
               <a:ext uri="{FF2B5EF4-FFF2-40B4-BE49-F238E27FC236}">
-                <a16:creationId xmlns:a16="http://schemas.microsoft.com/office/drawing/2014/main" id="{AD6A5DF5-0743-8473-A6F6-D5FE56DAC79F}"/>
+                <a16:creationId xmlns:a16="http://schemas.microsoft.com/office/drawing/2014/main" id="{F80BA0FE-C0B5-199C-5FA1-D535ACC1E703}"/>
               </a:ext>
             </a:extLst>
           </p:cNvPr>
@@ -2652,8 +2531,17 @@
           <a:p>
             <a:r>
               <a:rPr lang="en-US" dirty="0"/>
-              <a:t>(Answer: line coverage is easy, just a good object and a bad object. But because &amp;&amp; is short circuiting, every &amp;&amp; operation is a branch! Therefore you’d need more than a half-dozen tests to satisfy the coverage checker here.</a:t>
-            </a:r>
+              <a:t>When we take an </a:t>
+            </a:r>
+            <a:r>
+              <a:rPr lang="en-US" i="1" dirty="0"/>
+              <a:t>unknown </a:t>
+            </a:r>
+            <a:r>
+              <a:rPr lang="en-US" i="0" dirty="0"/>
+              <a:t>input and validate it, that puts a branch in our code, and so branch coverage obligates us to write tests that pass and fail authentication.</a:t>
+            </a:r>
+            <a:endParaRPr lang="en-US" dirty="0"/>
           </a:p>
         </p:txBody>
       </p:sp>
@@ -2662,7 +2550,7 @@
           <p:cNvPr id="4" name="Slide Number Placeholder 3">
             <a:extLst>
               <a:ext uri="{FF2B5EF4-FFF2-40B4-BE49-F238E27FC236}">
-                <a16:creationId xmlns:a16="http://schemas.microsoft.com/office/drawing/2014/main" id="{C4BD366A-B609-1121-122D-B3C625296DF3}"/>
+                <a16:creationId xmlns:a16="http://schemas.microsoft.com/office/drawing/2014/main" id="{E7E1F34A-B2C8-97DF-B7FD-B99B5C8B2671}"/>
               </a:ext>
             </a:extLst>
           </p:cNvPr>
@@ -2689,7 +2577,7 @@
     </p:spTree>
     <p:extLst>
       <p:ext uri="{BB962C8B-B14F-4D97-AF65-F5344CB8AC3E}">
-        <p14:creationId xmlns:p14="http://schemas.microsoft.com/office/powerpoint/2010/main" val="1856966521"/>
+        <p14:creationId xmlns:p14="http://schemas.microsoft.com/office/powerpoint/2010/main" val="2981580793"/>
       </p:ext>
     </p:extLst>
   </p:cSld>
@@ -2853,7 +2741,7 @@
           <a:p>
             <a:fld id="{5D2A64DE-480B-420F-9649-4F8E696E08E0}" type="datetime1">
               <a:rPr lang="en-US" smtClean="0"/>
-              <a:t>12/30/25</a:t>
+              <a:t>1/4/26</a:t>
             </a:fld>
             <a:endParaRPr lang="en-US"/>
           </a:p>
@@ -3177,7 +3065,7 @@
           <a:p>
             <a:fld id="{EA476A42-A091-4468-A075-64A31BE59948}" type="datetime1">
               <a:rPr lang="en-US" smtClean="0"/>
-              <a:t>12/30/25</a:t>
+              <a:t>1/4/26</a:t>
             </a:fld>
             <a:endParaRPr lang="en-US"/>
           </a:p>
@@ -3375,7 +3263,7 @@
           <a:p>
             <a:fld id="{0D3616D0-8311-4107-9726-6B805E7D05BA}" type="datetime1">
               <a:rPr lang="en-US" smtClean="0"/>
-              <a:t>12/30/25</a:t>
+              <a:t>1/4/26</a:t>
             </a:fld>
             <a:endParaRPr lang="en-US"/>
           </a:p>
@@ -3583,7 +3471,7 @@
           <a:p>
             <a:fld id="{3BC2557A-5C88-417A-A763-5AC779462A5F}" type="datetime1">
               <a:rPr lang="en-US" smtClean="0"/>
-              <a:t>12/30/25</a:t>
+              <a:t>1/4/26</a:t>
             </a:fld>
             <a:endParaRPr lang="en-US"/>
           </a:p>
@@ -4005,7 +3893,7 @@
           <a:p>
             <a:fld id="{07C7BFD4-467E-4EDE-93EA-052F5B39A4E5}" type="datetime1">
               <a:rPr lang="en-US" smtClean="0"/>
-              <a:t>12/30/25</a:t>
+              <a:t>1/4/26</a:t>
             </a:fld>
             <a:endParaRPr lang="en-US"/>
           </a:p>
@@ -4255,7 +4143,7 @@
           <a:p>
             <a:fld id="{07C7BFD4-467E-4EDE-93EA-052F5B39A4E5}" type="datetime1">
               <a:rPr lang="en-US" smtClean="0"/>
-              <a:t>12/30/25</a:t>
+              <a:t>1/4/26</a:t>
             </a:fld>
             <a:endParaRPr lang="en-US"/>
           </a:p>
@@ -4437,7 +4325,7 @@
           <a:p>
             <a:fld id="{109E55A0-C911-4F03-82FC-7E5926047D46}" type="datetime1">
               <a:rPr lang="en-US" smtClean="0"/>
-              <a:t>12/30/25</a:t>
+              <a:t>1/4/26</a:t>
             </a:fld>
             <a:endParaRPr lang="en-US"/>
           </a:p>
@@ -4750,7 +4638,7 @@
           <a:p>
             <a:fld id="{A533CBE2-D5BE-47AC-ADC2-9CDFC1D0CF90}" type="datetime1">
               <a:rPr lang="en-US" smtClean="0"/>
-              <a:t>12/30/25</a:t>
+              <a:t>1/4/26</a:t>
             </a:fld>
             <a:endParaRPr lang="en-US"/>
           </a:p>
@@ -5051,7 +4939,7 @@
           <a:p>
             <a:fld id="{39B7EDB1-CE74-4951-85A2-0B01C2128E28}" type="datetime1">
               <a:rPr lang="en-US" smtClean="0"/>
-              <a:t>12/30/25</a:t>
+              <a:t>1/4/26</a:t>
             </a:fld>
             <a:endParaRPr lang="en-US"/>
           </a:p>
@@ -5499,7 +5387,7 @@
           <a:p>
             <a:fld id="{2BC7EB92-A5C2-4807-A9DC-9EDE6CBFB241}" type="datetime1">
               <a:rPr lang="en-US" smtClean="0"/>
-              <a:t>12/30/25</a:t>
+              <a:t>1/4/26</a:t>
             </a:fld>
             <a:endParaRPr lang="en-US"/>
           </a:p>
@@ -5612,7 +5500,7 @@
           <a:p>
             <a:fld id="{2B7B7EE0-7771-4CD5-9B2B-3550753A54A1}" type="datetime1">
               <a:rPr lang="en-US" smtClean="0"/>
-              <a:t>12/30/25</a:t>
+              <a:t>1/4/26</a:t>
             </a:fld>
             <a:endParaRPr lang="en-US"/>
           </a:p>
@@ -5923,7 +5811,7 @@
           <a:p>
             <a:fld id="{F8B318B3-0E87-4416-A9B8-D891968C2727}" type="datetime1">
               <a:rPr lang="en-US" smtClean="0"/>
-              <a:t>12/30/25</a:t>
+              <a:t>1/4/26</a:t>
             </a:fld>
             <a:endParaRPr lang="en-US"/>
           </a:p>
@@ -6164,7 +6052,7 @@
           <a:p>
             <a:fld id="{54D997E8-DDEE-43F1-8D9B-F8A1E11DE488}" type="datetime1">
               <a:rPr lang="en-US" smtClean="0"/>
-              <a:t>12/30/25</a:t>
+              <a:t>1/4/26</a:t>
             </a:fld>
             <a:endParaRPr lang="en-US"/>
           </a:p>
@@ -6836,1016 +6724,6 @@
         <p:cNvPr id="1" name="">
           <a:extLst>
             <a:ext uri="{FF2B5EF4-FFF2-40B4-BE49-F238E27FC236}">
-              <a16:creationId xmlns:a16="http://schemas.microsoft.com/office/drawing/2014/main" id="{E2253BF6-84CC-0643-789C-B1BE179CB063}"/>
-            </a:ext>
-          </a:extLst>
-        </p:cNvPr>
-        <p:cNvGrpSpPr/>
-        <p:nvPr/>
-      </p:nvGrpSpPr>
-      <p:grpSpPr>
-        <a:xfrm>
-          <a:off x="0" y="0"/>
-          <a:ext cx="0" cy="0"/>
-          <a:chOff x="0" y="0"/>
-          <a:chExt cx="0" cy="0"/>
-        </a:xfrm>
-      </p:grpSpPr>
-      <p:sp>
-        <p:nvSpPr>
-          <p:cNvPr id="2" name="Title 1">
-            <a:extLst>
-              <a:ext uri="{FF2B5EF4-FFF2-40B4-BE49-F238E27FC236}">
-                <a16:creationId xmlns:a16="http://schemas.microsoft.com/office/drawing/2014/main" id="{BE593A74-8800-4596-CAFA-B2876AD06790}"/>
-              </a:ext>
-            </a:extLst>
-          </p:cNvPr>
-          <p:cNvSpPr>
-            <a:spLocks noGrp="1"/>
-          </p:cNvSpPr>
-          <p:nvPr>
-            <p:ph type="title"/>
-          </p:nvPr>
-        </p:nvSpPr>
-        <p:spPr/>
-        <p:txBody>
-          <a:bodyPr/>
-          <a:lstStyle/>
-          <a:p>
-            <a:r>
-              <a:rPr lang="en-US" dirty="0"/>
-              <a:t>Code Coverage: Example 2</a:t>
-            </a:r>
-          </a:p>
-        </p:txBody>
-      </p:sp>
-      <p:sp>
-        <p:nvSpPr>
-          <p:cNvPr id="3" name="Content Placeholder 2">
-            <a:extLst>
-              <a:ext uri="{FF2B5EF4-FFF2-40B4-BE49-F238E27FC236}">
-                <a16:creationId xmlns:a16="http://schemas.microsoft.com/office/drawing/2014/main" id="{4094BBB2-B0D9-EC6E-875B-B8F9D05A6A6F}"/>
-              </a:ext>
-            </a:extLst>
-          </p:cNvPr>
-          <p:cNvSpPr>
-            <a:spLocks noGrp="1"/>
-          </p:cNvSpPr>
-          <p:nvPr>
-            <p:ph idx="1"/>
-          </p:nvPr>
-        </p:nvSpPr>
-        <p:spPr/>
-        <p:txBody>
-          <a:bodyPr/>
-          <a:lstStyle/>
-          <a:p>
-            <a:pPr marL="0" indent="0">
-              <a:buNone/>
-            </a:pPr>
-            <a:r>
-              <a:rPr lang="en-US" dirty="0"/>
-              <a:t>What tests will get line/branch/path coverage here?</a:t>
-            </a:r>
-          </a:p>
-        </p:txBody>
-      </p:sp>
-      <p:sp>
-        <p:nvSpPr>
-          <p:cNvPr id="4" name="Slide Number Placeholder 3">
-            <a:extLst>
-              <a:ext uri="{FF2B5EF4-FFF2-40B4-BE49-F238E27FC236}">
-                <a16:creationId xmlns:a16="http://schemas.microsoft.com/office/drawing/2014/main" id="{9CE9718B-A5CD-E789-A87E-680E73548AEB}"/>
-              </a:ext>
-            </a:extLst>
-          </p:cNvPr>
-          <p:cNvSpPr>
-            <a:spLocks noGrp="1"/>
-          </p:cNvSpPr>
-          <p:nvPr>
-            <p:ph type="sldNum" sz="quarter" idx="12"/>
-          </p:nvPr>
-        </p:nvSpPr>
-        <p:spPr/>
-        <p:txBody>
-          <a:bodyPr/>
-          <a:lstStyle/>
-          <a:p>
-            <a:fld id="{20F37917-FD3A-4669-9018-DA04BCDD3D75}" type="slidenum">
-              <a:rPr lang="en-US" smtClean="0"/>
-              <a:t>10</a:t>
-            </a:fld>
-            <a:endParaRPr lang="en-US"/>
-          </a:p>
-        </p:txBody>
-      </p:sp>
-      <p:sp>
-        <p:nvSpPr>
-          <p:cNvPr id="6" name="TextBox 5">
-            <a:extLst>
-              <a:ext uri="{FF2B5EF4-FFF2-40B4-BE49-F238E27FC236}">
-                <a16:creationId xmlns:a16="http://schemas.microsoft.com/office/drawing/2014/main" id="{6FC5D7C0-9CEA-9206-D4F9-6F590D453C6C}"/>
-              </a:ext>
-            </a:extLst>
-          </p:cNvPr>
-          <p:cNvSpPr txBox="1"/>
-          <p:nvPr/>
-        </p:nvSpPr>
-        <p:spPr>
-          <a:xfrm>
-            <a:off x="744069" y="2501474"/>
-            <a:ext cx="11354146" cy="4747390"/>
-          </a:xfrm>
-          <a:prstGeom prst="rect">
-            <a:avLst/>
-          </a:prstGeom>
-          <a:noFill/>
-          <a:ln w="12700" cap="flat" cmpd="sng" algn="ctr">
-            <a:noFill/>
-            <a:prstDash val="solid"/>
-            <a:miter lim="800000"/>
-          </a:ln>
-          <a:effectLst/>
-        </p:spPr>
-        <p:style>
-          <a:lnRef idx="2">
-            <a:schemeClr val="accent1">
-              <a:shade val="50000"/>
-            </a:schemeClr>
-          </a:lnRef>
-          <a:fillRef idx="1">
-            <a:schemeClr val="accent1"/>
-          </a:fillRef>
-          <a:effectRef idx="0">
-            <a:schemeClr val="accent1"/>
-          </a:effectRef>
-          <a:fontRef idx="minor">
-            <a:schemeClr val="lt1"/>
-          </a:fontRef>
-        </p:style>
-        <p:txBody>
-          <a:bodyPr wrap="square">
-            <a:spAutoFit/>
-          </a:bodyPr>
-          <a:lstStyle/>
-          <a:p>
-            <a:pPr>
-              <a:lnSpc>
-                <a:spcPct val="110000"/>
-              </a:lnSpc>
-              <a:buNone/>
-            </a:pPr>
-            <a:r>
-              <a:rPr lang="en-US" sz="2000" dirty="0">
-                <a:solidFill>
-                  <a:srgbClr val="002060"/>
-                </a:solidFill>
-                <a:latin typeface="Menlo" panose="020B0609030804020204" pitchFamily="49" charset="0"/>
-              </a:rPr>
-              <a:t>type</a:t>
-            </a:r>
-            <a:r>
-              <a:rPr lang="en-US" sz="2000" dirty="0">
-                <a:solidFill>
-                  <a:srgbClr val="0000FF"/>
-                </a:solidFill>
-                <a:latin typeface="Menlo" panose="020B0609030804020204" pitchFamily="49" charset="0"/>
-              </a:rPr>
-              <a:t> </a:t>
-            </a:r>
-            <a:r>
-              <a:rPr lang="en-US" sz="2000" dirty="0">
-                <a:solidFill>
-                  <a:srgbClr val="0070C0"/>
-                </a:solidFill>
-                <a:latin typeface="Menlo" panose="020B0609030804020204" pitchFamily="49" charset="0"/>
-              </a:rPr>
-              <a:t>Auth</a:t>
-            </a:r>
-            <a:r>
-              <a:rPr lang="en-US" sz="2000" dirty="0">
-                <a:solidFill>
-                  <a:srgbClr val="795E26"/>
-                </a:solidFill>
-                <a:latin typeface="Menlo" panose="020B0609030804020204" pitchFamily="49" charset="0"/>
-              </a:rPr>
-              <a:t> </a:t>
-            </a:r>
-            <a:r>
-              <a:rPr lang="en-US" sz="2000" dirty="0">
-                <a:solidFill>
-                  <a:schemeClr val="tx1"/>
-                </a:solidFill>
-                <a:latin typeface="Menlo" panose="020B0609030804020204" pitchFamily="49" charset="0"/>
-              </a:rPr>
-              <a:t>= { username: </a:t>
-            </a:r>
-            <a:r>
-              <a:rPr lang="en-US" sz="2000" dirty="0">
-                <a:solidFill>
-                  <a:schemeClr val="accent5">
-                    <a:lumMod val="50000"/>
-                  </a:schemeClr>
-                </a:solidFill>
-                <a:latin typeface="Menlo" panose="020B0609030804020204" pitchFamily="49" charset="0"/>
-              </a:rPr>
-              <a:t>string</a:t>
-            </a:r>
-            <a:r>
-              <a:rPr lang="en-US" sz="2000" dirty="0">
-                <a:solidFill>
-                  <a:schemeClr val="tx1"/>
-                </a:solidFill>
-                <a:latin typeface="Menlo" panose="020B0609030804020204" pitchFamily="49" charset="0"/>
-              </a:rPr>
-              <a:t>, password: </a:t>
-            </a:r>
-            <a:r>
-              <a:rPr lang="en-US" sz="2000" dirty="0">
-                <a:solidFill>
-                  <a:schemeClr val="accent5">
-                    <a:lumMod val="50000"/>
-                  </a:schemeClr>
-                </a:solidFill>
-                <a:latin typeface="Menlo" panose="020B0609030804020204" pitchFamily="49" charset="0"/>
-              </a:rPr>
-              <a:t>string</a:t>
-            </a:r>
-            <a:r>
-              <a:rPr lang="en-US" sz="2000" dirty="0">
-                <a:solidFill>
-                  <a:schemeClr val="tx1"/>
-                </a:solidFill>
-                <a:latin typeface="Menlo" panose="020B0609030804020204" pitchFamily="49" charset="0"/>
-              </a:rPr>
-              <a:t> }</a:t>
-            </a:r>
-            <a:endParaRPr lang="en-US" sz="2000" b="0" dirty="0">
-              <a:solidFill>
-                <a:schemeClr val="tx1"/>
-              </a:solidFill>
-              <a:effectLst/>
-              <a:latin typeface="Menlo" panose="020B0609030804020204" pitchFamily="49" charset="0"/>
-            </a:endParaRPr>
-          </a:p>
-          <a:p>
-            <a:pPr>
-              <a:lnSpc>
-                <a:spcPct val="110000"/>
-              </a:lnSpc>
-              <a:buNone/>
-            </a:pPr>
-            <a:endParaRPr lang="en-US" sz="2000" b="0" dirty="0">
-              <a:solidFill>
-                <a:schemeClr val="tx1"/>
-              </a:solidFill>
-              <a:effectLst/>
-              <a:latin typeface="Menlo" panose="020B0609030804020204" pitchFamily="49" charset="0"/>
-              <a:ea typeface="Menlo" panose="020B0609030804020204" pitchFamily="49" charset="0"/>
-              <a:cs typeface="Menlo" panose="020B0609030804020204" pitchFamily="49" charset="0"/>
-            </a:endParaRPr>
-          </a:p>
-          <a:p>
-            <a:r>
-              <a:rPr lang="en-US" sz="2000" dirty="0">
-                <a:solidFill>
-                  <a:srgbClr val="002060"/>
-                </a:solidFill>
-                <a:latin typeface="Menlo" panose="020B0609030804020204" pitchFamily="49" charset="0"/>
-                <a:ea typeface="Menlo" panose="020B0609030804020204" pitchFamily="49" charset="0"/>
-                <a:cs typeface="Menlo" panose="020B0609030804020204" pitchFamily="49" charset="0"/>
-              </a:rPr>
-              <a:t>function</a:t>
-            </a:r>
-            <a:r>
-              <a:rPr lang="en-US" sz="2000" dirty="0">
-                <a:solidFill>
-                  <a:schemeClr val="tx1"/>
-                </a:solidFill>
-                <a:latin typeface="Menlo" panose="020B0609030804020204" pitchFamily="49" charset="0"/>
-                <a:ea typeface="Menlo" panose="020B0609030804020204" pitchFamily="49" charset="0"/>
-                <a:cs typeface="Menlo" panose="020B0609030804020204" pitchFamily="49" charset="0"/>
-              </a:rPr>
-              <a:t> </a:t>
-            </a:r>
-            <a:r>
-              <a:rPr lang="en-US" sz="2000" dirty="0" err="1">
-                <a:solidFill>
-                  <a:schemeClr val="accent4">
-                    <a:lumMod val="50000"/>
-                  </a:schemeClr>
-                </a:solidFill>
-                <a:latin typeface="Menlo" panose="020B0609030804020204" pitchFamily="49" charset="0"/>
-                <a:ea typeface="Menlo" panose="020B0609030804020204" pitchFamily="49" charset="0"/>
-                <a:cs typeface="Menlo" panose="020B0609030804020204" pitchFamily="49" charset="0"/>
-              </a:rPr>
-              <a:t>useAuth</a:t>
-            </a:r>
-            <a:r>
-              <a:rPr lang="en-US" sz="2000" dirty="0">
-                <a:solidFill>
-                  <a:schemeClr val="tx1"/>
-                </a:solidFill>
-                <a:latin typeface="Menlo" panose="020B0609030804020204" pitchFamily="49" charset="0"/>
-                <a:ea typeface="Menlo" panose="020B0609030804020204" pitchFamily="49" charset="0"/>
-                <a:cs typeface="Menlo" panose="020B0609030804020204" pitchFamily="49" charset="0"/>
-              </a:rPr>
-              <a:t>(</a:t>
-            </a:r>
-            <a:r>
-              <a:rPr lang="en-US" sz="2000" dirty="0">
-                <a:solidFill>
-                  <a:srgbClr val="002060"/>
-                </a:solidFill>
-                <a:latin typeface="Menlo" panose="020B0609030804020204" pitchFamily="49" charset="0"/>
-                <a:ea typeface="Menlo" panose="020B0609030804020204" pitchFamily="49" charset="0"/>
-                <a:cs typeface="Menlo" panose="020B0609030804020204" pitchFamily="49" charset="0"/>
-              </a:rPr>
-              <a:t>x</a:t>
-            </a:r>
-            <a:r>
-              <a:rPr lang="en-US" sz="2000" dirty="0">
-                <a:solidFill>
-                  <a:schemeClr val="tx1"/>
-                </a:solidFill>
-                <a:latin typeface="Menlo" panose="020B0609030804020204" pitchFamily="49" charset="0"/>
-                <a:ea typeface="Menlo" panose="020B0609030804020204" pitchFamily="49" charset="0"/>
-                <a:cs typeface="Menlo" panose="020B0609030804020204" pitchFamily="49" charset="0"/>
-              </a:rPr>
-              <a:t>: </a:t>
-            </a:r>
-            <a:r>
-              <a:rPr lang="en-US" sz="2000" dirty="0">
-                <a:solidFill>
-                  <a:srgbClr val="0070C0"/>
-                </a:solidFill>
-                <a:latin typeface="Menlo" panose="020B0609030804020204" pitchFamily="49" charset="0"/>
-                <a:ea typeface="Menlo" panose="020B0609030804020204" pitchFamily="49" charset="0"/>
-                <a:cs typeface="Menlo" panose="020B0609030804020204" pitchFamily="49" charset="0"/>
-              </a:rPr>
-              <a:t>unknown</a:t>
-            </a:r>
-            <a:r>
-              <a:rPr lang="en-US" sz="2000" dirty="0">
-                <a:solidFill>
-                  <a:schemeClr val="tx1"/>
-                </a:solidFill>
-                <a:latin typeface="Menlo" panose="020B0609030804020204" pitchFamily="49" charset="0"/>
-                <a:ea typeface="Menlo" panose="020B0609030804020204" pitchFamily="49" charset="0"/>
-                <a:cs typeface="Menlo" panose="020B0609030804020204" pitchFamily="49" charset="0"/>
-              </a:rPr>
-              <a:t>) {</a:t>
-            </a:r>
-          </a:p>
-          <a:p>
-            <a:r>
-              <a:rPr lang="en-US" sz="2000" dirty="0">
-                <a:solidFill>
-                  <a:schemeClr val="tx1"/>
-                </a:solidFill>
-                <a:latin typeface="Menlo" panose="020B0609030804020204" pitchFamily="49" charset="0"/>
-                <a:ea typeface="Menlo" panose="020B0609030804020204" pitchFamily="49" charset="0"/>
-                <a:cs typeface="Menlo" panose="020B0609030804020204" pitchFamily="49" charset="0"/>
-              </a:rPr>
-              <a:t>  if (</a:t>
-            </a:r>
-          </a:p>
-          <a:p>
-            <a:r>
-              <a:rPr lang="en-US" sz="2000" dirty="0">
-                <a:solidFill>
-                  <a:schemeClr val="tx1"/>
-                </a:solidFill>
-                <a:latin typeface="Menlo" panose="020B0609030804020204" pitchFamily="49" charset="0"/>
-                <a:ea typeface="Menlo" panose="020B0609030804020204" pitchFamily="49" charset="0"/>
-                <a:cs typeface="Menlo" panose="020B0609030804020204" pitchFamily="49" charset="0"/>
-              </a:rPr>
-              <a:t>    (</a:t>
-            </a:r>
-            <a:r>
-              <a:rPr lang="en-US" sz="2000" dirty="0" err="1">
-                <a:solidFill>
-                  <a:srgbClr val="002060"/>
-                </a:solidFill>
-                <a:latin typeface="Menlo" panose="020B0609030804020204" pitchFamily="49" charset="0"/>
-                <a:ea typeface="Menlo" panose="020B0609030804020204" pitchFamily="49" charset="0"/>
-                <a:cs typeface="Menlo" panose="020B0609030804020204" pitchFamily="49" charset="0"/>
-              </a:rPr>
-              <a:t>typeof</a:t>
-            </a:r>
-            <a:r>
-              <a:rPr lang="en-US" sz="2000" dirty="0">
-                <a:solidFill>
-                  <a:srgbClr val="002060"/>
-                </a:solidFill>
-                <a:latin typeface="Menlo" panose="020B0609030804020204" pitchFamily="49" charset="0"/>
-                <a:ea typeface="Menlo" panose="020B0609030804020204" pitchFamily="49" charset="0"/>
-                <a:cs typeface="Menlo" panose="020B0609030804020204" pitchFamily="49" charset="0"/>
-              </a:rPr>
-              <a:t> x </a:t>
-            </a:r>
-            <a:r>
-              <a:rPr lang="en-US" sz="2000" dirty="0">
-                <a:solidFill>
-                  <a:schemeClr val="tx1"/>
-                </a:solidFill>
-                <a:latin typeface="Menlo" panose="020B0609030804020204" pitchFamily="49" charset="0"/>
-                <a:ea typeface="Menlo" panose="020B0609030804020204" pitchFamily="49" charset="0"/>
-                <a:cs typeface="Menlo" panose="020B0609030804020204" pitchFamily="49" charset="0"/>
-              </a:rPr>
-              <a:t>=== </a:t>
-            </a:r>
-            <a:r>
-              <a:rPr lang="en-US" sz="2000" dirty="0">
-                <a:solidFill>
-                  <a:srgbClr val="C00000"/>
-                </a:solidFill>
-                <a:latin typeface="Menlo" panose="020B0609030804020204" pitchFamily="49" charset="0"/>
-                <a:ea typeface="Menlo" panose="020B0609030804020204" pitchFamily="49" charset="0"/>
-                <a:cs typeface="Menlo" panose="020B0609030804020204" pitchFamily="49" charset="0"/>
-              </a:rPr>
-              <a:t>'object' </a:t>
-            </a:r>
-            <a:r>
-              <a:rPr lang="en-US" sz="2000" dirty="0">
-                <a:solidFill>
-                  <a:schemeClr val="tx1"/>
-                </a:solidFill>
-                <a:latin typeface="Menlo" panose="020B0609030804020204" pitchFamily="49" charset="0"/>
-                <a:ea typeface="Menlo" panose="020B0609030804020204" pitchFamily="49" charset="0"/>
-                <a:cs typeface="Menlo" panose="020B0609030804020204" pitchFamily="49" charset="0"/>
-              </a:rPr>
-              <a:t>&amp;&amp; x !== </a:t>
-            </a:r>
-            <a:r>
-              <a:rPr lang="en-US" sz="2000" dirty="0">
-                <a:solidFill>
-                  <a:srgbClr val="002060"/>
-                </a:solidFill>
-                <a:latin typeface="Menlo" panose="020B0609030804020204" pitchFamily="49" charset="0"/>
-                <a:ea typeface="Menlo" panose="020B0609030804020204" pitchFamily="49" charset="0"/>
-                <a:cs typeface="Menlo" panose="020B0609030804020204" pitchFamily="49" charset="0"/>
-              </a:rPr>
-              <a:t>null</a:t>
-            </a:r>
-            <a:r>
-              <a:rPr lang="en-US" sz="2000" dirty="0">
-                <a:solidFill>
-                  <a:schemeClr val="tx1"/>
-                </a:solidFill>
-                <a:latin typeface="Menlo" panose="020B0609030804020204" pitchFamily="49" charset="0"/>
-                <a:ea typeface="Menlo" panose="020B0609030804020204" pitchFamily="49" charset="0"/>
-                <a:cs typeface="Menlo" panose="020B0609030804020204" pitchFamily="49" charset="0"/>
-              </a:rPr>
-              <a:t>) &amp;&amp;</a:t>
-            </a:r>
-          </a:p>
-          <a:p>
-            <a:r>
-              <a:rPr lang="en-US" sz="2000" dirty="0">
-                <a:solidFill>
-                  <a:schemeClr val="tx1"/>
-                </a:solidFill>
-                <a:latin typeface="Menlo" panose="020B0609030804020204" pitchFamily="49" charset="0"/>
-                <a:ea typeface="Menlo" panose="020B0609030804020204" pitchFamily="49" charset="0"/>
-                <a:cs typeface="Menlo" panose="020B0609030804020204" pitchFamily="49" charset="0"/>
-              </a:rPr>
-              <a:t>    (</a:t>
-            </a:r>
-            <a:r>
-              <a:rPr lang="en-US" sz="2000" dirty="0">
-                <a:solidFill>
-                  <a:srgbClr val="C00000"/>
-                </a:solidFill>
-                <a:latin typeface="Menlo" panose="020B0609030804020204" pitchFamily="49" charset="0"/>
-                <a:ea typeface="Menlo" panose="020B0609030804020204" pitchFamily="49" charset="0"/>
-                <a:cs typeface="Menlo" panose="020B0609030804020204" pitchFamily="49" charset="0"/>
-              </a:rPr>
-              <a:t>'username'</a:t>
-            </a:r>
-            <a:r>
-              <a:rPr lang="en-US" sz="2000" dirty="0">
-                <a:solidFill>
-                  <a:schemeClr val="tx1"/>
-                </a:solidFill>
-                <a:latin typeface="Menlo" panose="020B0609030804020204" pitchFamily="49" charset="0"/>
-                <a:ea typeface="Menlo" panose="020B0609030804020204" pitchFamily="49" charset="0"/>
-                <a:cs typeface="Menlo" panose="020B0609030804020204" pitchFamily="49" charset="0"/>
-              </a:rPr>
-              <a:t> </a:t>
-            </a:r>
-            <a:r>
-              <a:rPr lang="en-US" sz="2000" dirty="0">
-                <a:solidFill>
-                  <a:srgbClr val="002060"/>
-                </a:solidFill>
-                <a:latin typeface="Menlo" panose="020B0609030804020204" pitchFamily="49" charset="0"/>
-                <a:ea typeface="Menlo" panose="020B0609030804020204" pitchFamily="49" charset="0"/>
-                <a:cs typeface="Menlo" panose="020B0609030804020204" pitchFamily="49" charset="0"/>
-              </a:rPr>
-              <a:t>in x </a:t>
-            </a:r>
-            <a:r>
-              <a:rPr lang="en-US" sz="2000" dirty="0">
-                <a:solidFill>
-                  <a:schemeClr val="tx1"/>
-                </a:solidFill>
-                <a:latin typeface="Menlo" panose="020B0609030804020204" pitchFamily="49" charset="0"/>
-                <a:ea typeface="Menlo" panose="020B0609030804020204" pitchFamily="49" charset="0"/>
-                <a:cs typeface="Menlo" panose="020B0609030804020204" pitchFamily="49" charset="0"/>
-              </a:rPr>
-              <a:t>&amp;&amp; </a:t>
-            </a:r>
-            <a:r>
-              <a:rPr lang="en-US" sz="2000" dirty="0" err="1">
-                <a:solidFill>
-                  <a:srgbClr val="002060"/>
-                </a:solidFill>
-                <a:latin typeface="Menlo" panose="020B0609030804020204" pitchFamily="49" charset="0"/>
-                <a:ea typeface="Menlo" panose="020B0609030804020204" pitchFamily="49" charset="0"/>
-                <a:cs typeface="Menlo" panose="020B0609030804020204" pitchFamily="49" charset="0"/>
-              </a:rPr>
-              <a:t>typeof</a:t>
-            </a:r>
-            <a:r>
-              <a:rPr lang="en-US" sz="2000" dirty="0">
-                <a:solidFill>
-                  <a:srgbClr val="002060"/>
-                </a:solidFill>
-                <a:latin typeface="Menlo" panose="020B0609030804020204" pitchFamily="49" charset="0"/>
-                <a:ea typeface="Menlo" panose="020B0609030804020204" pitchFamily="49" charset="0"/>
-                <a:cs typeface="Menlo" panose="020B0609030804020204" pitchFamily="49" charset="0"/>
-              </a:rPr>
-              <a:t> </a:t>
-            </a:r>
-            <a:r>
-              <a:rPr lang="en-US" sz="2000" dirty="0" err="1">
-                <a:solidFill>
-                  <a:srgbClr val="002060"/>
-                </a:solidFill>
-                <a:latin typeface="Menlo" panose="020B0609030804020204" pitchFamily="49" charset="0"/>
-                <a:ea typeface="Menlo" panose="020B0609030804020204" pitchFamily="49" charset="0"/>
-                <a:cs typeface="Menlo" panose="020B0609030804020204" pitchFamily="49" charset="0"/>
-              </a:rPr>
-              <a:t>x.username</a:t>
-            </a:r>
-            <a:r>
-              <a:rPr lang="en-US" sz="2000" dirty="0">
-                <a:solidFill>
-                  <a:srgbClr val="002060"/>
-                </a:solidFill>
-                <a:latin typeface="Menlo" panose="020B0609030804020204" pitchFamily="49" charset="0"/>
-                <a:ea typeface="Menlo" panose="020B0609030804020204" pitchFamily="49" charset="0"/>
-                <a:cs typeface="Menlo" panose="020B0609030804020204" pitchFamily="49" charset="0"/>
-              </a:rPr>
-              <a:t> </a:t>
-            </a:r>
-            <a:r>
-              <a:rPr lang="en-US" sz="2000" dirty="0">
-                <a:solidFill>
-                  <a:schemeClr val="tx1"/>
-                </a:solidFill>
-                <a:latin typeface="Menlo" panose="020B0609030804020204" pitchFamily="49" charset="0"/>
-                <a:ea typeface="Menlo" panose="020B0609030804020204" pitchFamily="49" charset="0"/>
-                <a:cs typeface="Menlo" panose="020B0609030804020204" pitchFamily="49" charset="0"/>
-              </a:rPr>
-              <a:t>=== </a:t>
-            </a:r>
-            <a:r>
-              <a:rPr lang="en-US" sz="2000" dirty="0">
-                <a:solidFill>
-                  <a:srgbClr val="C00000"/>
-                </a:solidFill>
-                <a:latin typeface="Menlo" panose="020B0609030804020204" pitchFamily="49" charset="0"/>
-                <a:ea typeface="Menlo" panose="020B0609030804020204" pitchFamily="49" charset="0"/>
-                <a:cs typeface="Menlo" panose="020B0609030804020204" pitchFamily="49" charset="0"/>
-              </a:rPr>
-              <a:t>'string’</a:t>
-            </a:r>
-            <a:r>
-              <a:rPr lang="en-US" sz="2000" dirty="0">
-                <a:solidFill>
-                  <a:schemeClr val="tx1"/>
-                </a:solidFill>
-                <a:latin typeface="Menlo" panose="020B0609030804020204" pitchFamily="49" charset="0"/>
-                <a:ea typeface="Menlo" panose="020B0609030804020204" pitchFamily="49" charset="0"/>
-                <a:cs typeface="Menlo" panose="020B0609030804020204" pitchFamily="49" charset="0"/>
-              </a:rPr>
-              <a:t>) &amp;&amp;</a:t>
-            </a:r>
-          </a:p>
-          <a:p>
-            <a:r>
-              <a:rPr lang="en-US" sz="2000" dirty="0">
-                <a:solidFill>
-                  <a:schemeClr val="tx1"/>
-                </a:solidFill>
-                <a:latin typeface="Menlo" panose="020B0609030804020204" pitchFamily="49" charset="0"/>
-                <a:ea typeface="Menlo" panose="020B0609030804020204" pitchFamily="49" charset="0"/>
-                <a:cs typeface="Menlo" panose="020B0609030804020204" pitchFamily="49" charset="0"/>
-              </a:rPr>
-              <a:t>    (</a:t>
-            </a:r>
-            <a:r>
-              <a:rPr lang="en-US" sz="2000" dirty="0">
-                <a:solidFill>
-                  <a:srgbClr val="C00000"/>
-                </a:solidFill>
-                <a:latin typeface="Menlo" panose="020B0609030804020204" pitchFamily="49" charset="0"/>
-                <a:ea typeface="Menlo" panose="020B0609030804020204" pitchFamily="49" charset="0"/>
-                <a:cs typeface="Menlo" panose="020B0609030804020204" pitchFamily="49" charset="0"/>
-              </a:rPr>
-              <a:t>'password' </a:t>
-            </a:r>
-            <a:r>
-              <a:rPr lang="en-US" sz="2000" dirty="0">
-                <a:solidFill>
-                  <a:srgbClr val="002060"/>
-                </a:solidFill>
-                <a:latin typeface="Menlo" panose="020B0609030804020204" pitchFamily="49" charset="0"/>
-                <a:ea typeface="Menlo" panose="020B0609030804020204" pitchFamily="49" charset="0"/>
-                <a:cs typeface="Menlo" panose="020B0609030804020204" pitchFamily="49" charset="0"/>
-              </a:rPr>
-              <a:t>in x </a:t>
-            </a:r>
-            <a:r>
-              <a:rPr lang="en-US" sz="2000" dirty="0">
-                <a:solidFill>
-                  <a:schemeClr val="tx1"/>
-                </a:solidFill>
-                <a:latin typeface="Menlo" panose="020B0609030804020204" pitchFamily="49" charset="0"/>
-                <a:ea typeface="Menlo" panose="020B0609030804020204" pitchFamily="49" charset="0"/>
-                <a:cs typeface="Menlo" panose="020B0609030804020204" pitchFamily="49" charset="0"/>
-              </a:rPr>
-              <a:t>&amp;&amp; </a:t>
-            </a:r>
-            <a:r>
-              <a:rPr lang="en-US" sz="2000" dirty="0" err="1">
-                <a:solidFill>
-                  <a:srgbClr val="002060"/>
-                </a:solidFill>
-                <a:latin typeface="Menlo" panose="020B0609030804020204" pitchFamily="49" charset="0"/>
-                <a:ea typeface="Menlo" panose="020B0609030804020204" pitchFamily="49" charset="0"/>
-                <a:cs typeface="Menlo" panose="020B0609030804020204" pitchFamily="49" charset="0"/>
-              </a:rPr>
-              <a:t>typeof</a:t>
-            </a:r>
-            <a:r>
-              <a:rPr lang="en-US" sz="2000" dirty="0">
-                <a:solidFill>
-                  <a:srgbClr val="002060"/>
-                </a:solidFill>
-                <a:latin typeface="Menlo" panose="020B0609030804020204" pitchFamily="49" charset="0"/>
-                <a:ea typeface="Menlo" panose="020B0609030804020204" pitchFamily="49" charset="0"/>
-                <a:cs typeface="Menlo" panose="020B0609030804020204" pitchFamily="49" charset="0"/>
-              </a:rPr>
-              <a:t> </a:t>
-            </a:r>
-            <a:r>
-              <a:rPr lang="en-US" sz="2000" dirty="0" err="1">
-                <a:solidFill>
-                  <a:srgbClr val="002060"/>
-                </a:solidFill>
-                <a:latin typeface="Menlo" panose="020B0609030804020204" pitchFamily="49" charset="0"/>
-                <a:ea typeface="Menlo" panose="020B0609030804020204" pitchFamily="49" charset="0"/>
-                <a:cs typeface="Menlo" panose="020B0609030804020204" pitchFamily="49" charset="0"/>
-              </a:rPr>
-              <a:t>x.password</a:t>
-            </a:r>
-            <a:r>
-              <a:rPr lang="en-US" sz="2000" dirty="0">
-                <a:solidFill>
-                  <a:srgbClr val="002060"/>
-                </a:solidFill>
-                <a:latin typeface="Menlo" panose="020B0609030804020204" pitchFamily="49" charset="0"/>
-                <a:ea typeface="Menlo" panose="020B0609030804020204" pitchFamily="49" charset="0"/>
-                <a:cs typeface="Menlo" panose="020B0609030804020204" pitchFamily="49" charset="0"/>
-              </a:rPr>
-              <a:t> </a:t>
-            </a:r>
-            <a:r>
-              <a:rPr lang="en-US" sz="2000" dirty="0">
-                <a:solidFill>
-                  <a:schemeClr val="tx1"/>
-                </a:solidFill>
-                <a:latin typeface="Menlo" panose="020B0609030804020204" pitchFamily="49" charset="0"/>
-                <a:ea typeface="Menlo" panose="020B0609030804020204" pitchFamily="49" charset="0"/>
-                <a:cs typeface="Menlo" panose="020B0609030804020204" pitchFamily="49" charset="0"/>
-              </a:rPr>
-              <a:t>=== </a:t>
-            </a:r>
-            <a:r>
-              <a:rPr lang="en-US" sz="2000" dirty="0">
-                <a:solidFill>
-                  <a:srgbClr val="C00000"/>
-                </a:solidFill>
-                <a:latin typeface="Menlo" panose="020B0609030804020204" pitchFamily="49" charset="0"/>
-                <a:ea typeface="Menlo" panose="020B0609030804020204" pitchFamily="49" charset="0"/>
-                <a:cs typeface="Menlo" panose="020B0609030804020204" pitchFamily="49" charset="0"/>
-              </a:rPr>
-              <a:t>'string’</a:t>
-            </a:r>
-            <a:r>
-              <a:rPr lang="en-US" sz="2000" dirty="0">
-                <a:solidFill>
-                  <a:schemeClr val="tx1"/>
-                </a:solidFill>
-                <a:latin typeface="Menlo" panose="020B0609030804020204" pitchFamily="49" charset="0"/>
-                <a:ea typeface="Menlo" panose="020B0609030804020204" pitchFamily="49" charset="0"/>
-                <a:cs typeface="Menlo" panose="020B0609030804020204" pitchFamily="49" charset="0"/>
-              </a:rPr>
-              <a:t>)</a:t>
-            </a:r>
-          </a:p>
-          <a:p>
-            <a:r>
-              <a:rPr lang="en-US" sz="2000" dirty="0">
-                <a:solidFill>
-                  <a:schemeClr val="tx1"/>
-                </a:solidFill>
-                <a:latin typeface="Menlo" panose="020B0609030804020204" pitchFamily="49" charset="0"/>
-                <a:ea typeface="Menlo" panose="020B0609030804020204" pitchFamily="49" charset="0"/>
-                <a:cs typeface="Menlo" panose="020B0609030804020204" pitchFamily="49" charset="0"/>
-              </a:rPr>
-              <a:t>  ) {</a:t>
-            </a:r>
-          </a:p>
-          <a:p>
-            <a:r>
-              <a:rPr lang="en-US" sz="2000" dirty="0">
-                <a:solidFill>
-                  <a:schemeClr val="tx1"/>
-                </a:solidFill>
-                <a:latin typeface="Menlo" panose="020B0609030804020204" pitchFamily="49" charset="0"/>
-                <a:ea typeface="Menlo" panose="020B0609030804020204" pitchFamily="49" charset="0"/>
-                <a:cs typeface="Menlo" panose="020B0609030804020204" pitchFamily="49" charset="0"/>
-              </a:rPr>
-              <a:t>    </a:t>
-            </a:r>
-            <a:r>
-              <a:rPr lang="en-US" sz="2000" dirty="0">
-                <a:solidFill>
-                  <a:srgbClr val="002060"/>
-                </a:solidFill>
-                <a:latin typeface="Menlo" panose="020B0609030804020204" pitchFamily="49" charset="0"/>
-                <a:ea typeface="Menlo" panose="020B0609030804020204" pitchFamily="49" charset="0"/>
-                <a:cs typeface="Menlo" panose="020B0609030804020204" pitchFamily="49" charset="0"/>
-              </a:rPr>
-              <a:t>const</a:t>
-            </a:r>
-            <a:r>
-              <a:rPr lang="en-US" sz="2000" dirty="0">
-                <a:solidFill>
-                  <a:schemeClr val="tx1"/>
-                </a:solidFill>
-                <a:latin typeface="Menlo" panose="020B0609030804020204" pitchFamily="49" charset="0"/>
-                <a:ea typeface="Menlo" panose="020B0609030804020204" pitchFamily="49" charset="0"/>
-                <a:cs typeface="Menlo" panose="020B0609030804020204" pitchFamily="49" charset="0"/>
-              </a:rPr>
-              <a:t> </a:t>
-            </a:r>
-            <a:r>
-              <a:rPr lang="en-US" sz="2000" dirty="0">
-                <a:solidFill>
-                  <a:srgbClr val="0070C0"/>
-                </a:solidFill>
-                <a:latin typeface="Menlo" panose="020B0609030804020204" pitchFamily="49" charset="0"/>
-                <a:ea typeface="Menlo" panose="020B0609030804020204" pitchFamily="49" charset="0"/>
-                <a:cs typeface="Menlo" panose="020B0609030804020204" pitchFamily="49" charset="0"/>
-              </a:rPr>
-              <a:t>auth</a:t>
-            </a:r>
-            <a:r>
-              <a:rPr lang="en-US" sz="2000" dirty="0">
-                <a:solidFill>
-                  <a:schemeClr val="tx1"/>
-                </a:solidFill>
-                <a:latin typeface="Menlo" panose="020B0609030804020204" pitchFamily="49" charset="0"/>
-                <a:ea typeface="Menlo" panose="020B0609030804020204" pitchFamily="49" charset="0"/>
-                <a:cs typeface="Menlo" panose="020B0609030804020204" pitchFamily="49" charset="0"/>
-              </a:rPr>
-              <a:t>: </a:t>
-            </a:r>
-            <a:r>
-              <a:rPr lang="en-US" sz="2000" dirty="0">
-                <a:solidFill>
-                  <a:srgbClr val="0070C0"/>
-                </a:solidFill>
-                <a:latin typeface="Menlo" panose="020B0609030804020204" pitchFamily="49" charset="0"/>
-                <a:ea typeface="Menlo" panose="020B0609030804020204" pitchFamily="49" charset="0"/>
-                <a:cs typeface="Menlo" panose="020B0609030804020204" pitchFamily="49" charset="0"/>
-              </a:rPr>
-              <a:t>Auth</a:t>
-            </a:r>
-            <a:r>
-              <a:rPr lang="en-US" sz="2000" dirty="0">
-                <a:solidFill>
-                  <a:schemeClr val="tx1"/>
-                </a:solidFill>
-                <a:latin typeface="Menlo" panose="020B0609030804020204" pitchFamily="49" charset="0"/>
-                <a:ea typeface="Menlo" panose="020B0609030804020204" pitchFamily="49" charset="0"/>
-                <a:cs typeface="Menlo" panose="020B0609030804020204" pitchFamily="49" charset="0"/>
-              </a:rPr>
-              <a:t> = { </a:t>
-            </a:r>
-            <a:r>
-              <a:rPr lang="en-US" sz="2000" dirty="0">
-                <a:solidFill>
-                  <a:srgbClr val="002060"/>
-                </a:solidFill>
-                <a:latin typeface="Menlo" panose="020B0609030804020204" pitchFamily="49" charset="0"/>
-                <a:ea typeface="Menlo" panose="020B0609030804020204" pitchFamily="49" charset="0"/>
-                <a:cs typeface="Menlo" panose="020B0609030804020204" pitchFamily="49" charset="0"/>
-              </a:rPr>
-              <a:t>username</a:t>
-            </a:r>
-            <a:r>
-              <a:rPr lang="en-US" sz="2000" dirty="0">
-                <a:solidFill>
-                  <a:schemeClr val="tx1"/>
-                </a:solidFill>
-                <a:latin typeface="Menlo" panose="020B0609030804020204" pitchFamily="49" charset="0"/>
-                <a:ea typeface="Menlo" panose="020B0609030804020204" pitchFamily="49" charset="0"/>
-                <a:cs typeface="Menlo" panose="020B0609030804020204" pitchFamily="49" charset="0"/>
-              </a:rPr>
-              <a:t>: </a:t>
-            </a:r>
-            <a:r>
-              <a:rPr lang="en-US" sz="2000" dirty="0" err="1">
-                <a:solidFill>
-                  <a:srgbClr val="002060"/>
-                </a:solidFill>
-                <a:latin typeface="Menlo" panose="020B0609030804020204" pitchFamily="49" charset="0"/>
-                <a:ea typeface="Menlo" panose="020B0609030804020204" pitchFamily="49" charset="0"/>
-                <a:cs typeface="Menlo" panose="020B0609030804020204" pitchFamily="49" charset="0"/>
-              </a:rPr>
-              <a:t>x.username</a:t>
-            </a:r>
-            <a:r>
-              <a:rPr lang="en-US" sz="2000" dirty="0">
-                <a:solidFill>
-                  <a:schemeClr val="tx1"/>
-                </a:solidFill>
-                <a:latin typeface="Menlo" panose="020B0609030804020204" pitchFamily="49" charset="0"/>
-                <a:ea typeface="Menlo" panose="020B0609030804020204" pitchFamily="49" charset="0"/>
-                <a:cs typeface="Menlo" panose="020B0609030804020204" pitchFamily="49" charset="0"/>
-              </a:rPr>
-              <a:t>, </a:t>
-            </a:r>
-            <a:r>
-              <a:rPr lang="en-US" sz="2000" dirty="0">
-                <a:solidFill>
-                  <a:srgbClr val="002060"/>
-                </a:solidFill>
-                <a:latin typeface="Menlo" panose="020B0609030804020204" pitchFamily="49" charset="0"/>
-                <a:ea typeface="Menlo" panose="020B0609030804020204" pitchFamily="49" charset="0"/>
-                <a:cs typeface="Menlo" panose="020B0609030804020204" pitchFamily="49" charset="0"/>
-              </a:rPr>
-              <a:t>password</a:t>
-            </a:r>
-            <a:r>
-              <a:rPr lang="en-US" sz="2000" dirty="0">
-                <a:solidFill>
-                  <a:schemeClr val="tx1"/>
-                </a:solidFill>
-                <a:latin typeface="Menlo" panose="020B0609030804020204" pitchFamily="49" charset="0"/>
-                <a:ea typeface="Menlo" panose="020B0609030804020204" pitchFamily="49" charset="0"/>
-                <a:cs typeface="Menlo" panose="020B0609030804020204" pitchFamily="49" charset="0"/>
-              </a:rPr>
-              <a:t>: </a:t>
-            </a:r>
-            <a:r>
-              <a:rPr lang="en-US" sz="2000" dirty="0" err="1">
-                <a:solidFill>
-                  <a:srgbClr val="002060"/>
-                </a:solidFill>
-                <a:latin typeface="Menlo" panose="020B0609030804020204" pitchFamily="49" charset="0"/>
-                <a:ea typeface="Menlo" panose="020B0609030804020204" pitchFamily="49" charset="0"/>
-                <a:cs typeface="Menlo" panose="020B0609030804020204" pitchFamily="49" charset="0"/>
-              </a:rPr>
-              <a:t>x.password</a:t>
-            </a:r>
-            <a:r>
-              <a:rPr lang="en-US" sz="2000" dirty="0">
-                <a:solidFill>
-                  <a:srgbClr val="002060"/>
-                </a:solidFill>
-                <a:latin typeface="Menlo" panose="020B0609030804020204" pitchFamily="49" charset="0"/>
-                <a:ea typeface="Menlo" panose="020B0609030804020204" pitchFamily="49" charset="0"/>
-                <a:cs typeface="Menlo" panose="020B0609030804020204" pitchFamily="49" charset="0"/>
-              </a:rPr>
-              <a:t> </a:t>
-            </a:r>
-            <a:r>
-              <a:rPr lang="en-US" sz="2000" dirty="0">
-                <a:solidFill>
-                  <a:schemeClr val="tx1"/>
-                </a:solidFill>
-                <a:latin typeface="Menlo" panose="020B0609030804020204" pitchFamily="49" charset="0"/>
-                <a:ea typeface="Menlo" panose="020B0609030804020204" pitchFamily="49" charset="0"/>
-                <a:cs typeface="Menlo" panose="020B0609030804020204" pitchFamily="49" charset="0"/>
-              </a:rPr>
-              <a:t>};</a:t>
-            </a:r>
-          </a:p>
-          <a:p>
-            <a:r>
-              <a:rPr lang="en-US" sz="2000" dirty="0">
-                <a:solidFill>
-                  <a:schemeClr val="accent6">
-                    <a:lumMod val="50000"/>
-                  </a:schemeClr>
-                </a:solidFill>
-                <a:latin typeface="Menlo" panose="020B0609030804020204" pitchFamily="49" charset="0"/>
-                <a:ea typeface="Menlo" panose="020B0609030804020204" pitchFamily="49" charset="0"/>
-                <a:cs typeface="Menlo" panose="020B0609030804020204" pitchFamily="49" charset="0"/>
-              </a:rPr>
-              <a:t>    // write the code you care about here!</a:t>
-            </a:r>
-          </a:p>
-          <a:p>
-            <a:r>
-              <a:rPr lang="en-US" sz="2000" dirty="0">
-                <a:solidFill>
-                  <a:schemeClr val="tx1"/>
-                </a:solidFill>
-                <a:latin typeface="Menlo" panose="020B0609030804020204" pitchFamily="49" charset="0"/>
-                <a:ea typeface="Menlo" panose="020B0609030804020204" pitchFamily="49" charset="0"/>
-                <a:cs typeface="Menlo" panose="020B0609030804020204" pitchFamily="49" charset="0"/>
-              </a:rPr>
-              <a:t>  }</a:t>
-            </a:r>
-          </a:p>
-          <a:p>
-            <a:r>
-              <a:rPr lang="en-US" sz="2000" dirty="0">
-                <a:solidFill>
-                  <a:schemeClr val="tx1"/>
-                </a:solidFill>
-                <a:latin typeface="Menlo" panose="020B0609030804020204" pitchFamily="49" charset="0"/>
-                <a:ea typeface="Menlo" panose="020B0609030804020204" pitchFamily="49" charset="0"/>
-                <a:cs typeface="Menlo" panose="020B0609030804020204" pitchFamily="49" charset="0"/>
-              </a:rPr>
-              <a:t>}</a:t>
-            </a:r>
-          </a:p>
-          <a:p>
-            <a:br>
-              <a:rPr lang="en-US" sz="2000" dirty="0">
-                <a:solidFill>
-                  <a:schemeClr val="tx1"/>
-                </a:solidFill>
-                <a:latin typeface="Menlo" panose="020B0609030804020204" pitchFamily="49" charset="0"/>
-                <a:ea typeface="Menlo" panose="020B0609030804020204" pitchFamily="49" charset="0"/>
-                <a:cs typeface="Menlo" panose="020B0609030804020204" pitchFamily="49" charset="0"/>
-              </a:rPr>
-            </a:br>
-            <a:endParaRPr lang="en-US" sz="2000" dirty="0">
-              <a:solidFill>
-                <a:schemeClr val="tx1"/>
-              </a:solidFill>
-              <a:latin typeface="Menlo" panose="020B0609030804020204" pitchFamily="49" charset="0"/>
-              <a:ea typeface="Menlo" panose="020B0609030804020204" pitchFamily="49" charset="0"/>
-              <a:cs typeface="Menlo" panose="020B0609030804020204" pitchFamily="49" charset="0"/>
-            </a:endParaRPr>
-          </a:p>
-          <a:p>
-            <a:pPr>
-              <a:lnSpc>
-                <a:spcPct val="110000"/>
-              </a:lnSpc>
-            </a:pPr>
-            <a:endParaRPr lang="en-US" b="0" dirty="0">
-              <a:solidFill>
-                <a:srgbClr val="3B3B3B"/>
-              </a:solidFill>
-              <a:effectLst/>
-              <a:latin typeface="Menlo" panose="020B0609030804020204" pitchFamily="49" charset="0"/>
-            </a:endParaRPr>
-          </a:p>
-        </p:txBody>
-      </p:sp>
-    </p:spTree>
-    <p:extLst>
-      <p:ext uri="{BB962C8B-B14F-4D97-AF65-F5344CB8AC3E}">
-        <p14:creationId xmlns:p14="http://schemas.microsoft.com/office/powerpoint/2010/main" val="2190627639"/>
-      </p:ext>
-    </p:extLst>
-  </p:cSld>
-  <p:clrMapOvr>
-    <a:masterClrMapping/>
-  </p:clrMapOvr>
-</p:sld>
-</file>
-
-<file path=ppt/slides/slide11.xml><?xml version="1.0" encoding="utf-8"?>
-<p:sld xmlns:a="http://schemas.openxmlformats.org/drawingml/2006/main" xmlns:r="http://schemas.openxmlformats.org/officeDocument/2006/relationships" xmlns:p="http://schemas.openxmlformats.org/presentationml/2006/main">
-  <p:cSld>
-    <p:spTree>
-      <p:nvGrpSpPr>
-        <p:cNvPr id="1" name="">
-          <a:extLst>
-            <a:ext uri="{FF2B5EF4-FFF2-40B4-BE49-F238E27FC236}">
               <a16:creationId xmlns:a16="http://schemas.microsoft.com/office/drawing/2014/main" id="{66772A97-DBC8-0F3D-837E-64A8785CC792}"/>
             </a:ext>
           </a:extLst>
@@ -7884,7 +6762,7 @@
           <a:p>
             <a:r>
               <a:rPr lang="en-US" dirty="0"/>
-              <a:t>Code Coverage: Example 2, take 2</a:t>
+              <a:t>Code Coverage: Example 2</a:t>
             </a:r>
           </a:p>
         </p:txBody>
@@ -7943,7 +6821,7 @@
           <a:p>
             <a:fld id="{20F37917-FD3A-4669-9018-DA04BCDD3D75}" type="slidenum">
               <a:rPr lang="en-US" smtClean="0"/>
-              <a:t>11</a:t>
+              <a:t>10</a:t>
             </a:fld>
             <a:endParaRPr lang="en-US"/>
           </a:p>
@@ -8010,7 +6888,8 @@
                 <a:solidFill>
                   <a:srgbClr val="002060"/>
                 </a:solidFill>
-                <a:latin typeface="Menlo" panose="020B0609030804020204" pitchFamily="49" charset="0"/>
+                <a:latin typeface="Consolas" panose="020B0609020204030204" pitchFamily="49" charset="0"/>
+                <a:cs typeface="Consolas" panose="020B0609020204030204" pitchFamily="49" charset="0"/>
               </a:rPr>
               <a:t>type</a:t>
             </a:r>
@@ -8019,7 +6898,8 @@
                 <a:solidFill>
                   <a:srgbClr val="0000FF"/>
                 </a:solidFill>
-                <a:latin typeface="Menlo" panose="020B0609030804020204" pitchFamily="49" charset="0"/>
+                <a:latin typeface="Consolas" panose="020B0609020204030204" pitchFamily="49" charset="0"/>
+                <a:cs typeface="Consolas" panose="020B0609020204030204" pitchFamily="49" charset="0"/>
               </a:rPr>
               <a:t> </a:t>
             </a:r>
@@ -8028,7 +6908,8 @@
                 <a:solidFill>
                   <a:srgbClr val="0070C0"/>
                 </a:solidFill>
-                <a:latin typeface="Menlo" panose="020B0609030804020204" pitchFamily="49" charset="0"/>
+                <a:latin typeface="Consolas" panose="020B0609020204030204" pitchFamily="49" charset="0"/>
+                <a:cs typeface="Consolas" panose="020B0609020204030204" pitchFamily="49" charset="0"/>
               </a:rPr>
               <a:t>zAuth</a:t>
             </a:r>
@@ -8037,7 +6918,8 @@
                 <a:solidFill>
                   <a:srgbClr val="795E26"/>
                 </a:solidFill>
-                <a:latin typeface="Menlo" panose="020B0609030804020204" pitchFamily="49" charset="0"/>
+                <a:latin typeface="Consolas" panose="020B0609020204030204" pitchFamily="49" charset="0"/>
+                <a:cs typeface="Consolas" panose="020B0609020204030204" pitchFamily="49" charset="0"/>
               </a:rPr>
               <a:t> </a:t>
             </a:r>
@@ -8046,7 +6928,8 @@
                 <a:solidFill>
                   <a:schemeClr val="tx1"/>
                 </a:solidFill>
-                <a:latin typeface="Menlo" panose="020B0609030804020204" pitchFamily="49" charset="0"/>
+                <a:latin typeface="Consolas" panose="020B0609020204030204" pitchFamily="49" charset="0"/>
+                <a:cs typeface="Consolas" panose="020B0609020204030204" pitchFamily="49" charset="0"/>
               </a:rPr>
               <a:t>= </a:t>
             </a:r>
@@ -8055,7 +6938,8 @@
                 <a:solidFill>
                   <a:schemeClr val="tx1"/>
                 </a:solidFill>
-                <a:latin typeface="Menlo" panose="020B0609030804020204" pitchFamily="49" charset="0"/>
+                <a:latin typeface="Consolas" panose="020B0609020204030204" pitchFamily="49" charset="0"/>
+                <a:cs typeface="Consolas" panose="020B0609020204030204" pitchFamily="49" charset="0"/>
               </a:rPr>
               <a:t>z.</a:t>
             </a:r>
@@ -8066,7 +6950,8 @@
                     <a:lumMod val="50000"/>
                   </a:schemeClr>
                 </a:solidFill>
-                <a:latin typeface="Menlo" panose="020B0609030804020204" pitchFamily="49" charset="0"/>
+                <a:latin typeface="Consolas" panose="020B0609020204030204" pitchFamily="49" charset="0"/>
+                <a:cs typeface="Consolas" panose="020B0609020204030204" pitchFamily="49" charset="0"/>
               </a:rPr>
               <a:t>object</a:t>
             </a:r>
@@ -8075,7 +6960,8 @@
                 <a:solidFill>
                   <a:schemeClr val="tx1"/>
                 </a:solidFill>
-                <a:latin typeface="Menlo" panose="020B0609030804020204" pitchFamily="49" charset="0"/>
+                <a:latin typeface="Consolas" panose="020B0609020204030204" pitchFamily="49" charset="0"/>
+                <a:cs typeface="Consolas" panose="020B0609020204030204" pitchFamily="49" charset="0"/>
               </a:rPr>
               <a:t>({ username: </a:t>
             </a:r>
@@ -8084,7 +6970,8 @@
                 <a:solidFill>
                   <a:schemeClr val="tx1"/>
                 </a:solidFill>
-                <a:latin typeface="Menlo" panose="020B0609030804020204" pitchFamily="49" charset="0"/>
+                <a:latin typeface="Consolas" panose="020B0609020204030204" pitchFamily="49" charset="0"/>
+                <a:cs typeface="Consolas" panose="020B0609020204030204" pitchFamily="49" charset="0"/>
               </a:rPr>
               <a:t>z.</a:t>
             </a:r>
@@ -8095,7 +6982,8 @@
                     <a:lumMod val="50000"/>
                   </a:schemeClr>
                 </a:solidFill>
-                <a:latin typeface="Menlo" panose="020B0609030804020204" pitchFamily="49" charset="0"/>
+                <a:latin typeface="Consolas" panose="020B0609020204030204" pitchFamily="49" charset="0"/>
+                <a:cs typeface="Consolas" panose="020B0609020204030204" pitchFamily="49" charset="0"/>
               </a:rPr>
               <a:t>string</a:t>
             </a:r>
@@ -8106,7 +6994,8 @@
                     <a:lumMod val="50000"/>
                   </a:schemeClr>
                 </a:solidFill>
-                <a:latin typeface="Menlo" panose="020B0609030804020204" pitchFamily="49" charset="0"/>
+                <a:latin typeface="Consolas" panose="020B0609020204030204" pitchFamily="49" charset="0"/>
+                <a:cs typeface="Consolas" panose="020B0609020204030204" pitchFamily="49" charset="0"/>
               </a:rPr>
               <a:t>()</a:t>
             </a:r>
@@ -8115,7 +7004,8 @@
                 <a:solidFill>
                   <a:schemeClr val="tx1"/>
                 </a:solidFill>
-                <a:latin typeface="Menlo" panose="020B0609030804020204" pitchFamily="49" charset="0"/>
+                <a:latin typeface="Consolas" panose="020B0609020204030204" pitchFamily="49" charset="0"/>
+                <a:cs typeface="Consolas" panose="020B0609020204030204" pitchFamily="49" charset="0"/>
               </a:rPr>
               <a:t>, password: </a:t>
             </a:r>
@@ -8124,7 +7014,8 @@
                 <a:solidFill>
                   <a:schemeClr val="tx1"/>
                 </a:solidFill>
-                <a:latin typeface="Menlo" panose="020B0609030804020204" pitchFamily="49" charset="0"/>
+                <a:latin typeface="Consolas" panose="020B0609020204030204" pitchFamily="49" charset="0"/>
+                <a:cs typeface="Consolas" panose="020B0609020204030204" pitchFamily="49" charset="0"/>
               </a:rPr>
               <a:t>z.</a:t>
             </a:r>
@@ -8135,7 +7026,8 @@
                     <a:lumMod val="50000"/>
                   </a:schemeClr>
                 </a:solidFill>
-                <a:latin typeface="Menlo" panose="020B0609030804020204" pitchFamily="49" charset="0"/>
+                <a:latin typeface="Consolas" panose="020B0609020204030204" pitchFamily="49" charset="0"/>
+                <a:cs typeface="Consolas" panose="020B0609020204030204" pitchFamily="49" charset="0"/>
               </a:rPr>
               <a:t>string</a:t>
             </a:r>
@@ -8146,7 +7038,8 @@
                     <a:lumMod val="50000"/>
                   </a:schemeClr>
                 </a:solidFill>
-                <a:latin typeface="Menlo" panose="020B0609030804020204" pitchFamily="49" charset="0"/>
+                <a:latin typeface="Consolas" panose="020B0609020204030204" pitchFamily="49" charset="0"/>
+                <a:cs typeface="Consolas" panose="020B0609020204030204" pitchFamily="49" charset="0"/>
               </a:rPr>
               <a:t>()</a:t>
             </a:r>
@@ -8155,7 +7048,8 @@
                 <a:solidFill>
                   <a:schemeClr val="tx1"/>
                 </a:solidFill>
-                <a:latin typeface="Menlo" panose="020B0609030804020204" pitchFamily="49" charset="0"/>
+                <a:latin typeface="Consolas" panose="020B0609020204030204" pitchFamily="49" charset="0"/>
+                <a:cs typeface="Consolas" panose="020B0609020204030204" pitchFamily="49" charset="0"/>
               </a:rPr>
               <a:t> })</a:t>
             </a:r>
@@ -8164,7 +7058,8 @@
                 <a:schemeClr val="tx1"/>
               </a:solidFill>
               <a:effectLst/>
-              <a:latin typeface="Menlo" panose="020B0609030804020204" pitchFamily="49" charset="0"/>
+              <a:latin typeface="Consolas" panose="020B0609020204030204" pitchFamily="49" charset="0"/>
+              <a:cs typeface="Consolas" panose="020B0609020204030204" pitchFamily="49" charset="0"/>
             </a:endParaRPr>
           </a:p>
           <a:p>
@@ -8179,9 +7074,9 @@
                 <a:schemeClr val="tx1"/>
               </a:solidFill>
               <a:effectLst/>
-              <a:latin typeface="Menlo" panose="020B0609030804020204" pitchFamily="49" charset="0"/>
+              <a:latin typeface="Consolas" panose="020B0609020204030204" pitchFamily="49" charset="0"/>
               <a:ea typeface="Menlo" panose="020B0609030804020204" pitchFamily="49" charset="0"/>
-              <a:cs typeface="Menlo" panose="020B0609030804020204" pitchFamily="49" charset="0"/>
+              <a:cs typeface="Consolas" panose="020B0609020204030204" pitchFamily="49" charset="0"/>
             </a:endParaRPr>
           </a:p>
           <a:p>
@@ -8190,9 +7085,9 @@
                 <a:solidFill>
                   <a:srgbClr val="002060"/>
                 </a:solidFill>
-                <a:latin typeface="Menlo" panose="020B0609030804020204" pitchFamily="49" charset="0"/>
+                <a:latin typeface="Consolas" panose="020B0609020204030204" pitchFamily="49" charset="0"/>
                 <a:ea typeface="Menlo" panose="020B0609030804020204" pitchFamily="49" charset="0"/>
-                <a:cs typeface="Menlo" panose="020B0609030804020204" pitchFamily="49" charset="0"/>
+                <a:cs typeface="Consolas" panose="020B0609020204030204" pitchFamily="49" charset="0"/>
               </a:rPr>
               <a:t>function</a:t>
             </a:r>
@@ -8201,9 +7096,9 @@
                 <a:solidFill>
                   <a:schemeClr val="tx1"/>
                 </a:solidFill>
-                <a:latin typeface="Menlo" panose="020B0609030804020204" pitchFamily="49" charset="0"/>
+                <a:latin typeface="Consolas" panose="020B0609020204030204" pitchFamily="49" charset="0"/>
                 <a:ea typeface="Menlo" panose="020B0609030804020204" pitchFamily="49" charset="0"/>
-                <a:cs typeface="Menlo" panose="020B0609030804020204" pitchFamily="49" charset="0"/>
+                <a:cs typeface="Consolas" panose="020B0609020204030204" pitchFamily="49" charset="0"/>
               </a:rPr>
               <a:t> </a:t>
             </a:r>
@@ -8214,9 +7109,9 @@
                     <a:lumMod val="50000"/>
                   </a:schemeClr>
                 </a:solidFill>
-                <a:latin typeface="Menlo" panose="020B0609030804020204" pitchFamily="49" charset="0"/>
+                <a:latin typeface="Consolas" panose="020B0609020204030204" pitchFamily="49" charset="0"/>
                 <a:ea typeface="Menlo" panose="020B0609030804020204" pitchFamily="49" charset="0"/>
-                <a:cs typeface="Menlo" panose="020B0609030804020204" pitchFamily="49" charset="0"/>
+                <a:cs typeface="Consolas" panose="020B0609020204030204" pitchFamily="49" charset="0"/>
               </a:rPr>
               <a:t>useAuth</a:t>
             </a:r>
@@ -8225,9 +7120,9 @@
                 <a:solidFill>
                   <a:schemeClr val="tx1"/>
                 </a:solidFill>
-                <a:latin typeface="Menlo" panose="020B0609030804020204" pitchFamily="49" charset="0"/>
+                <a:latin typeface="Consolas" panose="020B0609020204030204" pitchFamily="49" charset="0"/>
                 <a:ea typeface="Menlo" panose="020B0609030804020204" pitchFamily="49" charset="0"/>
-                <a:cs typeface="Menlo" panose="020B0609030804020204" pitchFamily="49" charset="0"/>
+                <a:cs typeface="Consolas" panose="020B0609020204030204" pitchFamily="49" charset="0"/>
               </a:rPr>
               <a:t>(</a:t>
             </a:r>
@@ -8236,9 +7131,9 @@
                 <a:solidFill>
                   <a:srgbClr val="002060"/>
                 </a:solidFill>
-                <a:latin typeface="Menlo" panose="020B0609030804020204" pitchFamily="49" charset="0"/>
+                <a:latin typeface="Consolas" panose="020B0609020204030204" pitchFamily="49" charset="0"/>
                 <a:ea typeface="Menlo" panose="020B0609030804020204" pitchFamily="49" charset="0"/>
-                <a:cs typeface="Menlo" panose="020B0609030804020204" pitchFamily="49" charset="0"/>
+                <a:cs typeface="Consolas" panose="020B0609020204030204" pitchFamily="49" charset="0"/>
               </a:rPr>
               <a:t>x</a:t>
             </a:r>
@@ -8247,9 +7142,9 @@
                 <a:solidFill>
                   <a:schemeClr val="tx1"/>
                 </a:solidFill>
-                <a:latin typeface="Menlo" panose="020B0609030804020204" pitchFamily="49" charset="0"/>
+                <a:latin typeface="Consolas" panose="020B0609020204030204" pitchFamily="49" charset="0"/>
                 <a:ea typeface="Menlo" panose="020B0609030804020204" pitchFamily="49" charset="0"/>
-                <a:cs typeface="Menlo" panose="020B0609030804020204" pitchFamily="49" charset="0"/>
+                <a:cs typeface="Consolas" panose="020B0609020204030204" pitchFamily="49" charset="0"/>
               </a:rPr>
               <a:t>: </a:t>
             </a:r>
@@ -8258,9 +7153,9 @@
                 <a:solidFill>
                   <a:srgbClr val="0070C0"/>
                 </a:solidFill>
-                <a:latin typeface="Menlo" panose="020B0609030804020204" pitchFamily="49" charset="0"/>
+                <a:latin typeface="Consolas" panose="020B0609020204030204" pitchFamily="49" charset="0"/>
                 <a:ea typeface="Menlo" panose="020B0609030804020204" pitchFamily="49" charset="0"/>
-                <a:cs typeface="Menlo" panose="020B0609030804020204" pitchFamily="49" charset="0"/>
+                <a:cs typeface="Consolas" panose="020B0609020204030204" pitchFamily="49" charset="0"/>
               </a:rPr>
               <a:t>unknown</a:t>
             </a:r>
@@ -8269,9 +7164,9 @@
                 <a:solidFill>
                   <a:schemeClr val="tx1"/>
                 </a:solidFill>
-                <a:latin typeface="Menlo" panose="020B0609030804020204" pitchFamily="49" charset="0"/>
+                <a:latin typeface="Consolas" panose="020B0609020204030204" pitchFamily="49" charset="0"/>
                 <a:ea typeface="Menlo" panose="020B0609030804020204" pitchFamily="49" charset="0"/>
-                <a:cs typeface="Menlo" panose="020B0609030804020204" pitchFamily="49" charset="0"/>
+                <a:cs typeface="Consolas" panose="020B0609020204030204" pitchFamily="49" charset="0"/>
               </a:rPr>
               <a:t>) {</a:t>
             </a:r>
@@ -8282,9 +7177,9 @@
                 <a:solidFill>
                   <a:schemeClr val="tx1"/>
                 </a:solidFill>
-                <a:latin typeface="Menlo" panose="020B0609030804020204" pitchFamily="49" charset="0"/>
+                <a:latin typeface="Consolas" panose="020B0609020204030204" pitchFamily="49" charset="0"/>
                 <a:ea typeface="Menlo" panose="020B0609030804020204" pitchFamily="49" charset="0"/>
-                <a:cs typeface="Menlo" panose="020B0609030804020204" pitchFamily="49" charset="0"/>
+                <a:cs typeface="Consolas" panose="020B0609020204030204" pitchFamily="49" charset="0"/>
               </a:rPr>
               <a:t>  const </a:t>
             </a:r>
@@ -8293,9 +7188,9 @@
                 <a:solidFill>
                   <a:srgbClr val="002060"/>
                 </a:solidFill>
-                <a:latin typeface="Menlo" panose="020B0609030804020204" pitchFamily="49" charset="0"/>
+                <a:latin typeface="Consolas" panose="020B0609020204030204" pitchFamily="49" charset="0"/>
                 <a:ea typeface="Menlo" panose="020B0609030804020204" pitchFamily="49" charset="0"/>
-                <a:cs typeface="Menlo" panose="020B0609030804020204" pitchFamily="49" charset="0"/>
+                <a:cs typeface="Consolas" panose="020B0609020204030204" pitchFamily="49" charset="0"/>
               </a:rPr>
               <a:t>auth</a:t>
             </a:r>
@@ -8304,9 +7199,9 @@
                 <a:solidFill>
                   <a:schemeClr val="tx1"/>
                 </a:solidFill>
-                <a:latin typeface="Menlo" panose="020B0609030804020204" pitchFamily="49" charset="0"/>
+                <a:latin typeface="Consolas" panose="020B0609020204030204" pitchFamily="49" charset="0"/>
                 <a:ea typeface="Menlo" panose="020B0609030804020204" pitchFamily="49" charset="0"/>
-                <a:cs typeface="Menlo" panose="020B0609030804020204" pitchFamily="49" charset="0"/>
+                <a:cs typeface="Consolas" panose="020B0609020204030204" pitchFamily="49" charset="0"/>
               </a:rPr>
               <a:t> = </a:t>
             </a:r>
@@ -8315,9 +7210,9 @@
                 <a:solidFill>
                   <a:srgbClr val="002060"/>
                 </a:solidFill>
-                <a:latin typeface="Menlo" panose="020B0609030804020204" pitchFamily="49" charset="0"/>
+                <a:latin typeface="Consolas" panose="020B0609020204030204" pitchFamily="49" charset="0"/>
                 <a:ea typeface="Menlo" panose="020B0609030804020204" pitchFamily="49" charset="0"/>
-                <a:cs typeface="Menlo" panose="020B0609030804020204" pitchFamily="49" charset="0"/>
+                <a:cs typeface="Consolas" panose="020B0609020204030204" pitchFamily="49" charset="0"/>
               </a:rPr>
               <a:t>zAuth</a:t>
             </a:r>
@@ -8326,9 +7221,9 @@
                 <a:solidFill>
                   <a:schemeClr val="tx1"/>
                 </a:solidFill>
-                <a:latin typeface="Menlo" panose="020B0609030804020204" pitchFamily="49" charset="0"/>
+                <a:latin typeface="Consolas" panose="020B0609020204030204" pitchFamily="49" charset="0"/>
                 <a:ea typeface="Menlo" panose="020B0609030804020204" pitchFamily="49" charset="0"/>
-                <a:cs typeface="Menlo" panose="020B0609030804020204" pitchFamily="49" charset="0"/>
+                <a:cs typeface="Consolas" panose="020B0609020204030204" pitchFamily="49" charset="0"/>
               </a:rPr>
               <a:t>.</a:t>
             </a:r>
@@ -8339,9 +7234,9 @@
                     <a:lumMod val="50000"/>
                   </a:schemeClr>
                 </a:solidFill>
-                <a:latin typeface="Menlo" panose="020B0609030804020204" pitchFamily="49" charset="0"/>
+                <a:latin typeface="Consolas" panose="020B0609020204030204" pitchFamily="49" charset="0"/>
                 <a:ea typeface="Menlo" panose="020B0609030804020204" pitchFamily="49" charset="0"/>
-                <a:cs typeface="Menlo" panose="020B0609030804020204" pitchFamily="49" charset="0"/>
+                <a:cs typeface="Consolas" panose="020B0609020204030204" pitchFamily="49" charset="0"/>
               </a:rPr>
               <a:t>safeParse</a:t>
             </a:r>
@@ -8350,9 +7245,9 @@
                 <a:solidFill>
                   <a:schemeClr val="tx1"/>
                 </a:solidFill>
-                <a:latin typeface="Menlo" panose="020B0609030804020204" pitchFamily="49" charset="0"/>
+                <a:latin typeface="Consolas" panose="020B0609020204030204" pitchFamily="49" charset="0"/>
                 <a:ea typeface="Menlo" panose="020B0609030804020204" pitchFamily="49" charset="0"/>
-                <a:cs typeface="Menlo" panose="020B0609030804020204" pitchFamily="49" charset="0"/>
+                <a:cs typeface="Consolas" panose="020B0609020204030204" pitchFamily="49" charset="0"/>
               </a:rPr>
               <a:t>(x);</a:t>
             </a:r>
@@ -8363,9 +7258,9 @@
                 <a:solidFill>
                   <a:schemeClr val="tx1"/>
                 </a:solidFill>
-                <a:latin typeface="Menlo" panose="020B0609030804020204" pitchFamily="49" charset="0"/>
+                <a:latin typeface="Consolas" panose="020B0609020204030204" pitchFamily="49" charset="0"/>
                 <a:ea typeface="Menlo" panose="020B0609030804020204" pitchFamily="49" charset="0"/>
-                <a:cs typeface="Menlo" panose="020B0609030804020204" pitchFamily="49" charset="0"/>
+                <a:cs typeface="Consolas" panose="020B0609020204030204" pitchFamily="49" charset="0"/>
               </a:rPr>
               <a:t>  if (!</a:t>
             </a:r>
@@ -8374,9 +7269,9 @@
                 <a:solidFill>
                   <a:srgbClr val="002060"/>
                 </a:solidFill>
-                <a:latin typeface="Menlo" panose="020B0609030804020204" pitchFamily="49" charset="0"/>
+                <a:latin typeface="Consolas" panose="020B0609020204030204" pitchFamily="49" charset="0"/>
                 <a:ea typeface="Menlo" panose="020B0609030804020204" pitchFamily="49" charset="0"/>
-                <a:cs typeface="Menlo" panose="020B0609030804020204" pitchFamily="49" charset="0"/>
+                <a:cs typeface="Consolas" panose="020B0609020204030204" pitchFamily="49" charset="0"/>
               </a:rPr>
               <a:t>auth.error</a:t>
             </a:r>
@@ -8385,9 +7280,9 @@
                 <a:solidFill>
                   <a:schemeClr val="tx1"/>
                 </a:solidFill>
-                <a:latin typeface="Menlo" panose="020B0609030804020204" pitchFamily="49" charset="0"/>
+                <a:latin typeface="Consolas" panose="020B0609020204030204" pitchFamily="49" charset="0"/>
                 <a:ea typeface="Menlo" panose="020B0609030804020204" pitchFamily="49" charset="0"/>
-                <a:cs typeface="Menlo" panose="020B0609030804020204" pitchFamily="49" charset="0"/>
+                <a:cs typeface="Consolas" panose="020B0609020204030204" pitchFamily="49" charset="0"/>
               </a:rPr>
               <a:t>) {</a:t>
             </a:r>
@@ -8400,9 +7295,9 @@
                     <a:lumMod val="50000"/>
                   </a:schemeClr>
                 </a:solidFill>
-                <a:latin typeface="Menlo" panose="020B0609030804020204" pitchFamily="49" charset="0"/>
+                <a:latin typeface="Consolas" panose="020B0609020204030204" pitchFamily="49" charset="0"/>
                 <a:ea typeface="Menlo" panose="020B0609030804020204" pitchFamily="49" charset="0"/>
-                <a:cs typeface="Menlo" panose="020B0609030804020204" pitchFamily="49" charset="0"/>
+                <a:cs typeface="Consolas" panose="020B0609020204030204" pitchFamily="49" charset="0"/>
               </a:rPr>
               <a:t>    // write the code you care about here!</a:t>
             </a:r>
@@ -8413,9 +7308,9 @@
                 <a:solidFill>
                   <a:schemeClr val="tx1"/>
                 </a:solidFill>
-                <a:latin typeface="Menlo" panose="020B0609030804020204" pitchFamily="49" charset="0"/>
+                <a:latin typeface="Consolas" panose="020B0609020204030204" pitchFamily="49" charset="0"/>
                 <a:ea typeface="Menlo" panose="020B0609030804020204" pitchFamily="49" charset="0"/>
-                <a:cs typeface="Menlo" panose="020B0609030804020204" pitchFamily="49" charset="0"/>
+                <a:cs typeface="Consolas" panose="020B0609020204030204" pitchFamily="49" charset="0"/>
               </a:rPr>
               <a:t>  }</a:t>
             </a:r>
@@ -8426,9 +7321,9 @@
                 <a:solidFill>
                   <a:schemeClr val="tx1"/>
                 </a:solidFill>
-                <a:latin typeface="Menlo" panose="020B0609030804020204" pitchFamily="49" charset="0"/>
+                <a:latin typeface="Consolas" panose="020B0609020204030204" pitchFamily="49" charset="0"/>
                 <a:ea typeface="Menlo" panose="020B0609030804020204" pitchFamily="49" charset="0"/>
-                <a:cs typeface="Menlo" panose="020B0609030804020204" pitchFamily="49" charset="0"/>
+                <a:cs typeface="Consolas" panose="020B0609020204030204" pitchFamily="49" charset="0"/>
               </a:rPr>
               <a:t>}</a:t>
             </a:r>
@@ -8439,18 +7334,18 @@
                 <a:solidFill>
                   <a:schemeClr val="tx1"/>
                 </a:solidFill>
-                <a:latin typeface="Menlo" panose="020B0609030804020204" pitchFamily="49" charset="0"/>
+                <a:latin typeface="Consolas" panose="020B0609020204030204" pitchFamily="49" charset="0"/>
                 <a:ea typeface="Menlo" panose="020B0609030804020204" pitchFamily="49" charset="0"/>
-                <a:cs typeface="Menlo" panose="020B0609030804020204" pitchFamily="49" charset="0"/>
+                <a:cs typeface="Consolas" panose="020B0609020204030204" pitchFamily="49" charset="0"/>
               </a:rPr>
             </a:br>
             <a:endParaRPr lang="en-US" sz="2000" dirty="0">
               <a:solidFill>
                 <a:schemeClr val="tx1"/>
               </a:solidFill>
-              <a:latin typeface="Menlo" panose="020B0609030804020204" pitchFamily="49" charset="0"/>
+              <a:latin typeface="Consolas" panose="020B0609020204030204" pitchFamily="49" charset="0"/>
               <a:ea typeface="Menlo" panose="020B0609030804020204" pitchFamily="49" charset="0"/>
-              <a:cs typeface="Menlo" panose="020B0609030804020204" pitchFamily="49" charset="0"/>
+              <a:cs typeface="Consolas" panose="020B0609020204030204" pitchFamily="49" charset="0"/>
             </a:endParaRPr>
           </a:p>
           <a:p>
@@ -8464,7 +7359,8 @@
                 <a:srgbClr val="3B3B3B"/>
               </a:solidFill>
               <a:effectLst/>
-              <a:latin typeface="Menlo" panose="020B0609030804020204" pitchFamily="49" charset="0"/>
+              <a:latin typeface="Consolas" panose="020B0609020204030204" pitchFamily="49" charset="0"/>
+              <a:cs typeface="Consolas" panose="020B0609020204030204" pitchFamily="49" charset="0"/>
             </a:endParaRPr>
           </a:p>
         </p:txBody>
@@ -8482,7 +7378,7 @@
 </p:sld>
 </file>
 
-<file path=ppt/slides/slide12.xml><?xml version="1.0" encoding="utf-8"?>
+<file path=ppt/slides/slide11.xml><?xml version="1.0" encoding="utf-8"?>
 <p:sld xmlns:a="http://schemas.openxmlformats.org/drawingml/2006/main" xmlns:r="http://schemas.openxmlformats.org/officeDocument/2006/relationships" xmlns:p="http://schemas.openxmlformats.org/presentationml/2006/main">
   <p:cSld>
     <p:spTree>
@@ -8563,13 +7459,27 @@
           <a:p>
             <a:r>
               <a:rPr lang="en-US" dirty="0"/>
-              <a:t>A lot of what you’ve been taught about “edge cases” is can be understood in terms of trying to imagine inputs that will provide code coverage for an unknown function.</a:t>
-            </a:r>
-          </a:p>
-          <a:p>
+              <a:t>Some of our intuition about “edge cases” can be understood in terms of trying to imagine inputs that will provide code coverage for an unknown function.</a:t>
+            </a:r>
+          </a:p>
+          <a:p>
+            <a:pPr lvl="1"/>
             <a:r>
               <a:rPr lang="en-US" dirty="0"/>
-              <a:t>What inputs should we start with for code coverage if:</a:t>
+              <a:t>BUT: code coverage won’t tell you to check 0 specifically if there’s a branch that checks x &gt;= 0</a:t>
+            </a:r>
+          </a:p>
+          <a:p>
+            <a:pPr lvl="1"/>
+            <a:r>
+              <a:rPr lang="en-US" dirty="0"/>
+              <a:t>Thinking about the “edge case” of a branch is a good move</a:t>
+            </a:r>
+          </a:p>
+          <a:p>
+            <a:r>
+              <a:rPr lang="en-US" dirty="0"/>
+              <a:t>What inputs should we start with if:</a:t>
             </a:r>
           </a:p>
           <a:p>
@@ -8590,7 +7500,7 @@
             <a:pPr lvl="1"/>
             <a:r>
               <a:rPr lang="en-US" dirty="0"/>
-              <a:t>We’re taking an array of strings that represent?</a:t>
+              <a:t>We’re taking an array of strings that represent people’s names?</a:t>
             </a:r>
           </a:p>
         </p:txBody>
@@ -8618,7 +7528,7 @@
           <a:p>
             <a:fld id="{20F37917-FD3A-4669-9018-DA04BCDD3D75}" type="slidenum">
               <a:rPr lang="en-US" smtClean="0"/>
-              <a:t>12</a:t>
+              <a:t>11</a:t>
             </a:fld>
             <a:endParaRPr lang="en-US"/>
           </a:p>
@@ -8637,7 +7547,7 @@
 </p:sld>
 </file>
 
-<file path=ppt/slides/slide13.xml><?xml version="1.0" encoding="utf-8"?>
+<file path=ppt/slides/slide12.xml><?xml version="1.0" encoding="utf-8"?>
 <p:sld xmlns:a="http://schemas.openxmlformats.org/drawingml/2006/main" xmlns:r="http://schemas.openxmlformats.org/officeDocument/2006/relationships" xmlns:p="http://schemas.openxmlformats.org/presentationml/2006/main">
   <p:cSld>
     <p:spTree>
@@ -8759,7 +7669,7 @@
           <a:p>
             <a:fld id="{20F37917-FD3A-4669-9018-DA04BCDD3D75}" type="slidenum">
               <a:rPr lang="en-US" smtClean="0"/>
-              <a:t>13</a:t>
+              <a:t>12</a:t>
             </a:fld>
             <a:endParaRPr lang="en-US"/>
           </a:p>
@@ -8981,6 +7891,169 @@
 </p:sld>
 </file>
 
+<file path=ppt/slides/slide13.xml><?xml version="1.0" encoding="utf-8"?>
+<p:sld xmlns:a="http://schemas.openxmlformats.org/drawingml/2006/main" xmlns:r="http://schemas.openxmlformats.org/officeDocument/2006/relationships" xmlns:p="http://schemas.openxmlformats.org/presentationml/2006/main">
+  <p:cSld>
+    <p:spTree>
+      <p:nvGrpSpPr>
+        <p:cNvPr id="1" name=""/>
+        <p:cNvGrpSpPr/>
+        <p:nvPr/>
+      </p:nvGrpSpPr>
+      <p:grpSpPr>
+        <a:xfrm>
+          <a:off x="0" y="0"/>
+          <a:ext cx="0" cy="0"/>
+          <a:chOff x="0" y="0"/>
+          <a:chExt cx="0" cy="0"/>
+        </a:xfrm>
+      </p:grpSpPr>
+      <p:sp>
+        <p:nvSpPr>
+          <p:cNvPr id="2" name="Title 1">
+            <a:extLst>
+              <a:ext uri="{FF2B5EF4-FFF2-40B4-BE49-F238E27FC236}">
+                <a16:creationId xmlns:a16="http://schemas.microsoft.com/office/drawing/2014/main" id="{10548484-5B0A-1F40-24B6-FB972E693B90}"/>
+              </a:ext>
+            </a:extLst>
+          </p:cNvPr>
+          <p:cNvSpPr>
+            <a:spLocks noGrp="1"/>
+          </p:cNvSpPr>
+          <p:nvPr>
+            <p:ph type="title"/>
+          </p:nvPr>
+        </p:nvSpPr>
+        <p:spPr/>
+        <p:txBody>
+          <a:bodyPr/>
+          <a:lstStyle/>
+          <a:p>
+            <a:r>
+              <a:rPr lang="en-US" dirty="0"/>
+              <a:t>Code Coverage: Review</a:t>
+            </a:r>
+          </a:p>
+        </p:txBody>
+      </p:sp>
+      <p:sp>
+        <p:nvSpPr>
+          <p:cNvPr id="3" name="Content Placeholder 2">
+            <a:extLst>
+              <a:ext uri="{FF2B5EF4-FFF2-40B4-BE49-F238E27FC236}">
+                <a16:creationId xmlns:a16="http://schemas.microsoft.com/office/drawing/2014/main" id="{F4C18F65-A0D1-5B6E-005B-4E64E3D6AC8D}"/>
+              </a:ext>
+            </a:extLst>
+          </p:cNvPr>
+          <p:cNvSpPr>
+            <a:spLocks noGrp="1"/>
+          </p:cNvSpPr>
+          <p:nvPr>
+            <p:ph idx="1"/>
+          </p:nvPr>
+        </p:nvSpPr>
+        <p:spPr>
+          <a:xfrm>
+            <a:off x="838200" y="1500160"/>
+            <a:ext cx="7887346" cy="4856190"/>
+          </a:xfrm>
+        </p:spPr>
+        <p:txBody>
+          <a:bodyPr>
+            <a:normAutofit/>
+          </a:bodyPr>
+          <a:lstStyle/>
+          <a:p>
+            <a:r>
+              <a:rPr lang="en-US" dirty="0"/>
+              <a:t>Total code coverage — by any metric — does not mean no bugs</a:t>
+            </a:r>
+          </a:p>
+          <a:p>
+            <a:pPr lvl="1"/>
+            <a:r>
+              <a:rPr lang="en-US" dirty="0"/>
+              <a:t>Running code doesn’t mean checking that it’s doing the right thing! (important to Assemble/Act/</a:t>
+            </a:r>
+            <a:r>
+              <a:rPr lang="en-US" u="sng" dirty="0"/>
+              <a:t>Assess</a:t>
+            </a:r>
+            <a:r>
+              <a:rPr lang="en-US" dirty="0"/>
+              <a:t>)</a:t>
+            </a:r>
+          </a:p>
+          <a:p>
+            <a:r>
+              <a:rPr lang="en-US" dirty="0"/>
+              <a:t>Coverage checking can be invaluable at identifying when you </a:t>
+            </a:r>
+            <a:r>
+              <a:rPr lang="en-US" i="1" dirty="0"/>
+              <a:t>think</a:t>
+            </a:r>
+            <a:r>
+              <a:rPr lang="en-US" dirty="0"/>
+              <a:t> you’re testing something but you’re not, which is a real problem in practice.</a:t>
+            </a:r>
+          </a:p>
+          <a:p>
+            <a:pPr lvl="1"/>
+            <a:r>
+              <a:rPr lang="en-US" dirty="0"/>
+              <a:t>Test-Driven Development also valuable for this problem: it’s important that tests switch from failing to succeeding </a:t>
+            </a:r>
+            <a:r>
+              <a:rPr lang="en-US" i="1" dirty="0"/>
+              <a:t>when you expect them to</a:t>
+            </a:r>
+            <a:endParaRPr lang="en-US" dirty="0"/>
+          </a:p>
+        </p:txBody>
+      </p:sp>
+      <p:sp>
+        <p:nvSpPr>
+          <p:cNvPr id="4" name="Slide Number Placeholder 3">
+            <a:extLst>
+              <a:ext uri="{FF2B5EF4-FFF2-40B4-BE49-F238E27FC236}">
+                <a16:creationId xmlns:a16="http://schemas.microsoft.com/office/drawing/2014/main" id="{C1201568-6786-E28A-30B8-99E8FBE3C531}"/>
+              </a:ext>
+            </a:extLst>
+          </p:cNvPr>
+          <p:cNvSpPr>
+            <a:spLocks noGrp="1"/>
+          </p:cNvSpPr>
+          <p:nvPr>
+            <p:ph type="sldNum" sz="quarter" idx="12"/>
+          </p:nvPr>
+        </p:nvSpPr>
+        <p:spPr/>
+        <p:txBody>
+          <a:bodyPr/>
+          <a:lstStyle/>
+          <a:p>
+            <a:fld id="{20F37917-FD3A-4669-9018-DA04BCDD3D75}" type="slidenum">
+              <a:rPr lang="en-US" smtClean="0"/>
+              <a:t>13</a:t>
+            </a:fld>
+            <a:endParaRPr lang="en-US"/>
+          </a:p>
+        </p:txBody>
+      </p:sp>
+    </p:spTree>
+    <p:extLst>
+      <p:ext uri="{BB962C8B-B14F-4D97-AF65-F5344CB8AC3E}">
+        <p14:creationId xmlns:p14="http://schemas.microsoft.com/office/powerpoint/2010/main" val="299220953"/>
+      </p:ext>
+    </p:extLst>
+  </p:cSld>
+  <p:clrMapOvr>
+    <a:masterClrMapping/>
+  </p:clrMapOvr>
+</p:sld>
+</file>
+
 <file path=ppt/slides/slide14.xml><?xml version="1.0" encoding="utf-8"?>
 <p:sld xmlns:a="http://schemas.openxmlformats.org/drawingml/2006/main" xmlns:r="http://schemas.openxmlformats.org/officeDocument/2006/relationships" xmlns:p="http://schemas.openxmlformats.org/presentationml/2006/main">
   <p:cSld>
@@ -9003,7 +8076,7 @@
           <p:cNvPr id="2" name="Title 1">
             <a:extLst>
               <a:ext uri="{FF2B5EF4-FFF2-40B4-BE49-F238E27FC236}">
-                <a16:creationId xmlns:a16="http://schemas.microsoft.com/office/drawing/2014/main" id="{10548484-5B0A-1F40-24B6-FB972E693B90}"/>
+                <a16:creationId xmlns:a16="http://schemas.microsoft.com/office/drawing/2014/main" id="{9D89E383-9383-B60E-EC8E-748102A86710}"/>
               </a:ext>
             </a:extLst>
           </p:cNvPr>
@@ -9020,8 +8093,8 @@
           <a:lstStyle/>
           <a:p>
             <a:r>
-              <a:rPr lang="en-US" dirty="0"/>
-              <a:t>Code Coverage: Review</a:t>
+              <a:rPr lang="en-US"/>
+              <a:t>Adversarial Testing</a:t>
             </a:r>
           </a:p>
         </p:txBody>
@@ -9031,7 +8104,7 @@
           <p:cNvPr id="3" name="Content Placeholder 2">
             <a:extLst>
               <a:ext uri="{FF2B5EF4-FFF2-40B4-BE49-F238E27FC236}">
-                <a16:creationId xmlns:a16="http://schemas.microsoft.com/office/drawing/2014/main" id="{F4C18F65-A0D1-5B6E-005B-4E64E3D6AC8D}"/>
+                <a16:creationId xmlns:a16="http://schemas.microsoft.com/office/drawing/2014/main" id="{64C78909-8E59-F5F1-30C4-1A414DFC26E8}"/>
               </a:ext>
             </a:extLst>
           </p:cNvPr>
@@ -9042,12 +8115,7 @@
             <p:ph idx="1"/>
           </p:nvPr>
         </p:nvSpPr>
-        <p:spPr>
-          <a:xfrm>
-            <a:off x="838200" y="1500160"/>
-            <a:ext cx="7887346" cy="4856190"/>
-          </a:xfrm>
-        </p:spPr>
+        <p:spPr/>
         <p:txBody>
           <a:bodyPr>
             <a:normAutofit/>
@@ -9056,49 +8124,27 @@
           <a:p>
             <a:r>
               <a:rPr lang="en-US" dirty="0"/>
-              <a:t>Total code coverage — by any metric — does not mean no bugs</a:t>
-            </a:r>
-          </a:p>
-          <a:p>
-            <a:pPr lvl="1"/>
+              <a:t>It can be helpful to think of testing as a game in which you play against an adversary.</a:t>
+            </a:r>
+          </a:p>
+          <a:p>
             <a:r>
               <a:rPr lang="en-US" dirty="0"/>
-              <a:t>Running code doesn’t mean checking that it’s doing the right thing! (important to Assemble/Act/</a:t>
-            </a:r>
-            <a:r>
-              <a:rPr lang="en-US" u="sng" dirty="0"/>
-              <a:t>Assess</a:t>
-            </a:r>
+              <a:t>Your adversary plays by producing multiple versions of code that you agree is buggy, and multiple versions of code you agree is correct.</a:t>
+            </a:r>
+          </a:p>
+          <a:p>
             <a:r>
               <a:rPr lang="en-US" dirty="0"/>
-              <a:t>)</a:t>
-            </a:r>
-          </a:p>
-          <a:p>
-            <a:r>
+              <a:t>Your win if your tests catch all the buggy code, </a:t>
+            </a:r>
+            <a:br>
               <a:rPr lang="en-US" dirty="0"/>
-              <a:t>Coverage checking can be invaluable at identifying when you </a:t>
-            </a:r>
-            <a:r>
-              <a:rPr lang="en-US" i="1" dirty="0"/>
-              <a:t>think</a:t>
-            </a:r>
+            </a:br>
             <a:r>
               <a:rPr lang="en-US" dirty="0"/>
-              <a:t> you’re testing something but you’re not, which is a real problem in practice.</a:t>
-            </a:r>
-          </a:p>
-          <a:p>
-            <a:pPr lvl="1"/>
-            <a:r>
-              <a:rPr lang="en-US" dirty="0"/>
-              <a:t>Test-Driven Development also valuable for this problem: it’s important that tests switch from failing to succeeding </a:t>
-            </a:r>
-            <a:r>
-              <a:rPr lang="en-US" i="1" dirty="0"/>
-              <a:t>when you expect them to</a:t>
-            </a:r>
-            <a:endParaRPr lang="en-US" dirty="0"/>
+              <a:t>and pass all the correct code.</a:t>
+            </a:r>
           </a:p>
         </p:txBody>
       </p:sp>
@@ -9107,7 +8153,7 @@
           <p:cNvPr id="4" name="Slide Number Placeholder 3">
             <a:extLst>
               <a:ext uri="{FF2B5EF4-FFF2-40B4-BE49-F238E27FC236}">
-                <a16:creationId xmlns:a16="http://schemas.microsoft.com/office/drawing/2014/main" id="{C1201568-6786-E28A-30B8-99E8FBE3C531}"/>
+                <a16:creationId xmlns:a16="http://schemas.microsoft.com/office/drawing/2014/main" id="{E986F5D7-DA36-6458-3E9A-9767FCD20E53}"/>
               </a:ext>
             </a:extLst>
           </p:cNvPr>
@@ -9134,7 +8180,7 @@
     </p:spTree>
     <p:extLst>
       <p:ext uri="{BB962C8B-B14F-4D97-AF65-F5344CB8AC3E}">
-        <p14:creationId xmlns:p14="http://schemas.microsoft.com/office/powerpoint/2010/main" val="299220953"/>
+        <p14:creationId xmlns:p14="http://schemas.microsoft.com/office/powerpoint/2010/main" val="582737742"/>
       </p:ext>
     </p:extLst>
   </p:cSld>
@@ -9163,142 +8209,6 @@
       </p:grpSpPr>
       <p:sp>
         <p:nvSpPr>
-          <p:cNvPr id="2" name="Title 1">
-            <a:extLst>
-              <a:ext uri="{FF2B5EF4-FFF2-40B4-BE49-F238E27FC236}">
-                <a16:creationId xmlns:a16="http://schemas.microsoft.com/office/drawing/2014/main" id="{9D89E383-9383-B60E-EC8E-748102A86710}"/>
-              </a:ext>
-            </a:extLst>
-          </p:cNvPr>
-          <p:cNvSpPr>
-            <a:spLocks noGrp="1"/>
-          </p:cNvSpPr>
-          <p:nvPr>
-            <p:ph type="title"/>
-          </p:nvPr>
-        </p:nvSpPr>
-        <p:spPr/>
-        <p:txBody>
-          <a:bodyPr/>
-          <a:lstStyle/>
-          <a:p>
-            <a:r>
-              <a:rPr lang="en-US"/>
-              <a:t>Adversarial Testing</a:t>
-            </a:r>
-          </a:p>
-        </p:txBody>
-      </p:sp>
-      <p:sp>
-        <p:nvSpPr>
-          <p:cNvPr id="3" name="Content Placeholder 2">
-            <a:extLst>
-              <a:ext uri="{FF2B5EF4-FFF2-40B4-BE49-F238E27FC236}">
-                <a16:creationId xmlns:a16="http://schemas.microsoft.com/office/drawing/2014/main" id="{64C78909-8E59-F5F1-30C4-1A414DFC26E8}"/>
-              </a:ext>
-            </a:extLst>
-          </p:cNvPr>
-          <p:cNvSpPr>
-            <a:spLocks noGrp="1"/>
-          </p:cNvSpPr>
-          <p:nvPr>
-            <p:ph idx="1"/>
-          </p:nvPr>
-        </p:nvSpPr>
-        <p:spPr/>
-        <p:txBody>
-          <a:bodyPr>
-            <a:normAutofit/>
-          </a:bodyPr>
-          <a:lstStyle/>
-          <a:p>
-            <a:r>
-              <a:rPr lang="en-US" dirty="0"/>
-              <a:t>It can be helpful to think of testing as a game in which you play against an adversary.</a:t>
-            </a:r>
-          </a:p>
-          <a:p>
-            <a:r>
-              <a:rPr lang="en-US" dirty="0"/>
-              <a:t>Your adversary plays by producing multiple versions of code that you agree is buggy, and multiple versions of code you agree is correct.</a:t>
-            </a:r>
-          </a:p>
-          <a:p>
-            <a:r>
-              <a:rPr lang="en-US" dirty="0"/>
-              <a:t>Your win if your tests catch all the buggy code, </a:t>
-            </a:r>
-            <a:br>
-              <a:rPr lang="en-US" dirty="0"/>
-            </a:br>
-            <a:r>
-              <a:rPr lang="en-US" dirty="0"/>
-              <a:t>and pass all the correct code.</a:t>
-            </a:r>
-          </a:p>
-        </p:txBody>
-      </p:sp>
-      <p:sp>
-        <p:nvSpPr>
-          <p:cNvPr id="4" name="Slide Number Placeholder 3">
-            <a:extLst>
-              <a:ext uri="{FF2B5EF4-FFF2-40B4-BE49-F238E27FC236}">
-                <a16:creationId xmlns:a16="http://schemas.microsoft.com/office/drawing/2014/main" id="{E986F5D7-DA36-6458-3E9A-9767FCD20E53}"/>
-              </a:ext>
-            </a:extLst>
-          </p:cNvPr>
-          <p:cNvSpPr>
-            <a:spLocks noGrp="1"/>
-          </p:cNvSpPr>
-          <p:nvPr>
-            <p:ph type="sldNum" sz="quarter" idx="12"/>
-          </p:nvPr>
-        </p:nvSpPr>
-        <p:spPr/>
-        <p:txBody>
-          <a:bodyPr/>
-          <a:lstStyle/>
-          <a:p>
-            <a:fld id="{20F37917-FD3A-4669-9018-DA04BCDD3D75}" type="slidenum">
-              <a:rPr lang="en-US" smtClean="0"/>
-              <a:t>15</a:t>
-            </a:fld>
-            <a:endParaRPr lang="en-US"/>
-          </a:p>
-        </p:txBody>
-      </p:sp>
-    </p:spTree>
-    <p:extLst>
-      <p:ext uri="{BB962C8B-B14F-4D97-AF65-F5344CB8AC3E}">
-        <p14:creationId xmlns:p14="http://schemas.microsoft.com/office/powerpoint/2010/main" val="582737742"/>
-      </p:ext>
-    </p:extLst>
-  </p:cSld>
-  <p:clrMapOvr>
-    <a:masterClrMapping/>
-  </p:clrMapOvr>
-</p:sld>
-</file>
-
-<file path=ppt/slides/slide16.xml><?xml version="1.0" encoding="utf-8"?>
-<p:sld xmlns:a="http://schemas.openxmlformats.org/drawingml/2006/main" xmlns:r="http://schemas.openxmlformats.org/officeDocument/2006/relationships" xmlns:p="http://schemas.openxmlformats.org/presentationml/2006/main">
-  <p:cSld>
-    <p:spTree>
-      <p:nvGrpSpPr>
-        <p:cNvPr id="1" name=""/>
-        <p:cNvGrpSpPr/>
-        <p:nvPr/>
-      </p:nvGrpSpPr>
-      <p:grpSpPr>
-        <a:xfrm>
-          <a:off x="0" y="0"/>
-          <a:ext cx="0" cy="0"/>
-          <a:chOff x="0" y="0"/>
-          <a:chExt cx="0" cy="0"/>
-        </a:xfrm>
-      </p:grpSpPr>
-      <p:sp>
-        <p:nvSpPr>
           <p:cNvPr id="826" name="Mutation Analysis Tests the Tests"/>
           <p:cNvSpPr txBox="1">
             <a:spLocks noGrp="1"/>
@@ -9340,7 +8250,7 @@
           </a:ln>
           <a:extLst>
             <a:ext uri="{C572A759-6A51-4108-AA02-DFA0A04FC94B}">
-              <ma14:wrappingTextBoxFlag xmlns="" xmlns:m="http://schemas.openxmlformats.org/officeDocument/2006/math" xmlns:a14="http://schemas.microsoft.com/office/drawing/2010/main" xmlns:ma14="http://schemas.microsoft.com/office/mac/drawingml/2011/main" val="1"/>
+              <ma14:wrappingTextBoxFlag xmlns:ma14="http://schemas.microsoft.com/office/mac/drawingml/2011/main" xmlns:a14="http://schemas.microsoft.com/office/drawing/2010/main" xmlns:m="http://schemas.openxmlformats.org/officeDocument/2006/math" xmlns="" val="1"/>
             </a:ext>
           </a:extLst>
         </p:spPr>
@@ -9650,7 +8560,7 @@
             <a:fld id="{86CB4B4D-7CA3-9044-876B-883B54F8677D}" type="slidenum">
               <a:rPr lang="en-US" smtClean="0"/>
               <a:pPr/>
-              <a:t>16</a:t>
+              <a:t>15</a:t>
             </a:fld>
             <a:endParaRPr/>
           </a:p>
@@ -9678,7 +8588,7 @@
           </a:ln>
           <a:extLst>
             <a:ext uri="{C572A759-6A51-4108-AA02-DFA0A04FC94B}">
-              <ma14:wrappingTextBoxFlag xmlns="" xmlns:m="http://schemas.openxmlformats.org/officeDocument/2006/math" xmlns:a14="http://schemas.microsoft.com/office/drawing/2010/main" xmlns:ma14="http://schemas.microsoft.com/office/mac/drawingml/2011/main" val="1"/>
+              <ma14:wrappingTextBoxFlag xmlns:ma14="http://schemas.microsoft.com/office/mac/drawingml/2011/main" xmlns:a14="http://schemas.microsoft.com/office/drawing/2010/main" xmlns:m="http://schemas.openxmlformats.org/officeDocument/2006/math" xmlns="" val="1"/>
             </a:ext>
           </a:extLst>
         </p:spPr>
@@ -9689,7 +8599,7 @@
           <a:lstStyle/>
           <a:p>
             <a:r>
-              <a:rPr lang="en-US">
+              <a:rPr lang="en-US" dirty="0">
                 <a:solidFill>
                   <a:srgbClr val="008000"/>
                 </a:solidFill>
@@ -9697,7 +8607,7 @@
               </a:rPr>
               <a:t>// find the first item in the list that is </a:t>
             </a:r>
-            <a:endParaRPr lang="en-US">
+            <a:endParaRPr lang="en-US" dirty="0">
               <a:solidFill>
                 <a:srgbClr val="3B3B3B"/>
               </a:solidFill>
@@ -9706,7 +8616,7 @@
           </a:p>
           <a:p>
             <a:r>
-              <a:rPr lang="en-US">
+              <a:rPr lang="en-US" dirty="0">
                 <a:solidFill>
                   <a:srgbClr val="008000"/>
                 </a:solidFill>
@@ -9714,7 +8624,7 @@
               </a:rPr>
               <a:t>// greater than or equal to the target.</a:t>
             </a:r>
-            <a:endParaRPr lang="en-US">
+            <a:endParaRPr lang="en-US" dirty="0">
               <a:solidFill>
                 <a:srgbClr val="3B3B3B"/>
               </a:solidFill>
@@ -9723,7 +8633,7 @@
           </a:p>
           <a:p>
             <a:r>
-              <a:rPr lang="en-US">
+              <a:rPr lang="en-US" dirty="0">
                 <a:solidFill>
                   <a:srgbClr val="AF00DB"/>
                 </a:solidFill>
@@ -9732,7 +8642,7 @@
               <a:t>export</a:t>
             </a:r>
             <a:r>
-              <a:rPr lang="en-US">
+              <a:rPr lang="en-US" dirty="0">
                 <a:solidFill>
                   <a:srgbClr val="3B3B3B"/>
                 </a:solidFill>
@@ -9741,7 +8651,7 @@
               <a:t> </a:t>
             </a:r>
             <a:r>
-              <a:rPr lang="en-US">
+              <a:rPr lang="en-US" dirty="0">
                 <a:solidFill>
                   <a:srgbClr val="AF00DB"/>
                 </a:solidFill>
@@ -9750,7 +8660,7 @@
               <a:t>default</a:t>
             </a:r>
             <a:r>
-              <a:rPr lang="en-US">
+              <a:rPr lang="en-US" dirty="0">
                 <a:solidFill>
                   <a:srgbClr val="3B3B3B"/>
                 </a:solidFill>
@@ -9759,7 +8669,7 @@
               <a:t> </a:t>
             </a:r>
             <a:r>
-              <a:rPr lang="en-US">
+              <a:rPr lang="en-US" dirty="0">
                 <a:solidFill>
                   <a:srgbClr val="0000FF"/>
                 </a:solidFill>
@@ -9768,7 +8678,7 @@
               <a:t>function</a:t>
             </a:r>
             <a:r>
-              <a:rPr lang="en-US">
+              <a:rPr lang="en-US" dirty="0">
                 <a:solidFill>
                   <a:srgbClr val="3B3B3B"/>
                 </a:solidFill>
@@ -9777,7 +8687,7 @@
               <a:t> </a:t>
             </a:r>
             <a:r>
-              <a:rPr lang="en-US">
+              <a:rPr lang="en-US" dirty="0">
                 <a:solidFill>
                   <a:srgbClr val="795E26"/>
                 </a:solidFill>
@@ -9786,7 +8696,7 @@
               <a:t>search</a:t>
             </a:r>
             <a:r>
-              <a:rPr lang="en-US">
+              <a:rPr lang="en-US" dirty="0">
                 <a:solidFill>
                   <a:srgbClr val="3B3B3B"/>
                 </a:solidFill>
@@ -9795,7 +8705,7 @@
               <a:t>(</a:t>
             </a:r>
             <a:r>
-              <a:rPr lang="en-US" err="1">
+              <a:rPr lang="en-US" dirty="0" err="1">
                 <a:solidFill>
                   <a:srgbClr val="001080"/>
                 </a:solidFill>
@@ -9804,7 +8714,7 @@
               <a:t>list</a:t>
             </a:r>
             <a:r>
-              <a:rPr lang="en-US" err="1">
+              <a:rPr lang="en-US" dirty="0" err="1">
                 <a:solidFill>
                   <a:srgbClr val="000000"/>
                 </a:solidFill>
@@ -9813,7 +8723,7 @@
               <a:t>:</a:t>
             </a:r>
             <a:r>
-              <a:rPr lang="en-US" err="1">
+              <a:rPr lang="en-US" dirty="0" err="1">
                 <a:solidFill>
                   <a:srgbClr val="267F99"/>
                 </a:solidFill>
@@ -9822,7 +8732,7 @@
               <a:t>number</a:t>
             </a:r>
             <a:r>
-              <a:rPr lang="en-US">
+              <a:rPr lang="en-US" dirty="0">
                 <a:solidFill>
                   <a:srgbClr val="3B3B3B"/>
                 </a:solidFill>
@@ -9831,7 +8741,7 @@
               <a:t>[], </a:t>
             </a:r>
             <a:r>
-              <a:rPr lang="en-US" err="1">
+              <a:rPr lang="en-US" dirty="0" err="1">
                 <a:solidFill>
                   <a:srgbClr val="001080"/>
                 </a:solidFill>
@@ -9840,7 +8750,7 @@
               <a:t>target</a:t>
             </a:r>
             <a:r>
-              <a:rPr lang="en-US" err="1">
+              <a:rPr lang="en-US" dirty="0" err="1">
                 <a:solidFill>
                   <a:srgbClr val="000000"/>
                 </a:solidFill>
@@ -9849,7 +8759,7 @@
               <a:t>:</a:t>
             </a:r>
             <a:r>
-              <a:rPr lang="en-US" err="1">
+              <a:rPr lang="en-US" dirty="0" err="1">
                 <a:solidFill>
                   <a:srgbClr val="267F99"/>
                 </a:solidFill>
@@ -9858,7 +8768,7 @@
               <a:t>number</a:t>
             </a:r>
             <a:r>
-              <a:rPr lang="en-US">
+              <a:rPr lang="en-US" dirty="0">
                 <a:solidFill>
                   <a:srgbClr val="3B3B3B"/>
                 </a:solidFill>
@@ -9869,7 +8779,7 @@
           </a:p>
           <a:p>
             <a:r>
-              <a:rPr lang="en-US">
+              <a:rPr lang="en-US" dirty="0">
                 <a:solidFill>
                   <a:srgbClr val="3B3B3B"/>
                 </a:solidFill>
@@ -9878,7 +8788,7 @@
               <a:t>    </a:t>
             </a:r>
             <a:r>
-              <a:rPr lang="en-US">
+              <a:rPr lang="en-US" dirty="0">
                 <a:solidFill>
                   <a:srgbClr val="AF00DB"/>
                 </a:solidFill>
@@ -9887,7 +8797,7 @@
               <a:t>return</a:t>
             </a:r>
             <a:r>
-              <a:rPr lang="en-US">
+              <a:rPr lang="en-US" dirty="0">
                 <a:solidFill>
                   <a:srgbClr val="3B3B3B"/>
                 </a:solidFill>
@@ -9896,7 +8806,7 @@
               <a:t> </a:t>
             </a:r>
             <a:r>
-              <a:rPr lang="en-US" err="1">
+              <a:rPr lang="en-US" dirty="0" err="1">
                 <a:solidFill>
                   <a:srgbClr val="001080"/>
                 </a:solidFill>
@@ -9905,7 +8815,7 @@
               <a:t>list</a:t>
             </a:r>
             <a:r>
-              <a:rPr lang="en-US" err="1">
+              <a:rPr lang="en-US" dirty="0" err="1">
                 <a:solidFill>
                   <a:srgbClr val="3B3B3B"/>
                 </a:solidFill>
@@ -9914,7 +8824,7 @@
               <a:t>.</a:t>
             </a:r>
             <a:r>
-              <a:rPr lang="en-US" err="1">
+              <a:rPr lang="en-US" dirty="0" err="1">
                 <a:solidFill>
                   <a:srgbClr val="795E26"/>
                 </a:solidFill>
@@ -9923,7 +8833,7 @@
               <a:t>find</a:t>
             </a:r>
             <a:r>
-              <a:rPr lang="en-US">
+              <a:rPr lang="en-US" dirty="0">
                 <a:solidFill>
                   <a:srgbClr val="3B3B3B"/>
                 </a:solidFill>
@@ -9932,7 +8842,7 @@
               <a:t>((</a:t>
             </a:r>
             <a:r>
-              <a:rPr lang="en-US">
+              <a:rPr lang="en-US" dirty="0">
                 <a:solidFill>
                   <a:srgbClr val="001080"/>
                 </a:solidFill>
@@ -9941,7 +8851,7 @@
               <a:t>item</a:t>
             </a:r>
             <a:r>
-              <a:rPr lang="en-US">
+              <a:rPr lang="en-US" dirty="0">
                 <a:solidFill>
                   <a:srgbClr val="3B3B3B"/>
                 </a:solidFill>
@@ -9950,7 +8860,7 @@
               <a:t>) </a:t>
             </a:r>
             <a:r>
-              <a:rPr lang="en-US">
+              <a:rPr lang="en-US" dirty="0">
                 <a:solidFill>
                   <a:srgbClr val="0000FF"/>
                 </a:solidFill>
@@ -9959,7 +8869,7 @@
               <a:t>=&gt;</a:t>
             </a:r>
             <a:r>
-              <a:rPr lang="en-US">
+              <a:rPr lang="en-US" dirty="0">
                 <a:solidFill>
                   <a:srgbClr val="3B3B3B"/>
                 </a:solidFill>
@@ -9968,7 +8878,7 @@
               <a:t> </a:t>
             </a:r>
             <a:r>
-              <a:rPr lang="en-US">
+              <a:rPr lang="en-US" dirty="0">
                 <a:solidFill>
                   <a:srgbClr val="001080"/>
                 </a:solidFill>
@@ -9977,7 +8887,7 @@
               <a:t>item</a:t>
             </a:r>
             <a:r>
-              <a:rPr lang="en-US">
+              <a:rPr lang="en-US" dirty="0">
                 <a:solidFill>
                   <a:srgbClr val="3B3B3B"/>
                 </a:solidFill>
@@ -9986,7 +8896,7 @@
               <a:t> </a:t>
             </a:r>
             <a:r>
-              <a:rPr lang="en-US">
+              <a:rPr lang="en-US" dirty="0">
                 <a:solidFill>
                   <a:srgbClr val="000000"/>
                 </a:solidFill>
@@ -9995,7 +8905,7 @@
               <a:t>&gt;=</a:t>
             </a:r>
             <a:r>
-              <a:rPr lang="en-US">
+              <a:rPr lang="en-US" dirty="0">
                 <a:solidFill>
                   <a:srgbClr val="3B3B3B"/>
                 </a:solidFill>
@@ -10004,7 +8914,7 @@
               <a:t> </a:t>
             </a:r>
             <a:r>
-              <a:rPr lang="en-US">
+              <a:rPr lang="en-US" dirty="0">
                 <a:solidFill>
                   <a:srgbClr val="001080"/>
                 </a:solidFill>
@@ -10013,7 +8923,7 @@
               <a:t>target</a:t>
             </a:r>
             <a:r>
-              <a:rPr lang="en-US">
+              <a:rPr lang="en-US" dirty="0">
                 <a:solidFill>
                   <a:srgbClr val="3B3B3B"/>
                 </a:solidFill>
@@ -10024,7 +8934,7 @@
           </a:p>
           <a:p>
             <a:r>
-              <a:rPr lang="en-US">
+              <a:rPr lang="en-US" dirty="0">
                 <a:solidFill>
                   <a:srgbClr val="3B3B3B"/>
                 </a:solidFill>
@@ -10033,10 +8943,10 @@
               <a:t>}</a:t>
             </a:r>
             <a:r>
-              <a:rPr lang="en-US"/>
+              <a:rPr lang="en-US" dirty="0"/>
               <a:t>               </a:t>
             </a:r>
-            <a:endParaRPr/>
+            <a:endParaRPr dirty="0"/>
           </a:p>
         </p:txBody>
       </p:sp>
@@ -10059,7 +8969,7 @@
           </a:ln>
           <a:extLst>
             <a:ext uri="{C572A759-6A51-4108-AA02-DFA0A04FC94B}">
-              <ma14:wrappingTextBoxFlag xmlns="" xmlns:m="http://schemas.openxmlformats.org/officeDocument/2006/math" xmlns:a14="http://schemas.microsoft.com/office/drawing/2010/main" xmlns:ma14="http://schemas.microsoft.com/office/mac/drawingml/2011/main" val="1"/>
+              <ma14:wrappingTextBoxFlag xmlns:ma14="http://schemas.microsoft.com/office/mac/drawingml/2011/main" xmlns:a14="http://schemas.microsoft.com/office/drawing/2010/main" xmlns:m="http://schemas.openxmlformats.org/officeDocument/2006/math" xmlns="" val="1"/>
             </a:ext>
           </a:extLst>
         </p:spPr>
@@ -10096,7 +9006,7 @@
           </a:ln>
           <a:extLst>
             <a:ext uri="{C572A759-6A51-4108-AA02-DFA0A04FC94B}">
-              <ma14:wrappingTextBoxFlag xmlns="" xmlns:m="http://schemas.openxmlformats.org/officeDocument/2006/math" xmlns:a14="http://schemas.microsoft.com/office/drawing/2010/main" xmlns:ma14="http://schemas.microsoft.com/office/mac/drawingml/2011/main" val="1"/>
+              <ma14:wrappingTextBoxFlag xmlns:ma14="http://schemas.microsoft.com/office/mac/drawingml/2011/main" xmlns:a14="http://schemas.microsoft.com/office/drawing/2010/main" xmlns:m="http://schemas.openxmlformats.org/officeDocument/2006/math" xmlns="" val="1"/>
             </a:ext>
           </a:extLst>
         </p:spPr>
@@ -10159,7 +9069,7 @@
             </a:ln>
             <a:extLst>
               <a:ext uri="{C572A759-6A51-4108-AA02-DFA0A04FC94B}">
-                <ma14:wrappingTextBoxFlag xmlns="" xmlns:m="http://schemas.openxmlformats.org/officeDocument/2006/math" xmlns:a14="http://schemas.microsoft.com/office/drawing/2010/main" xmlns:ma14="http://schemas.microsoft.com/office/mac/drawingml/2011/main" val="1"/>
+                <ma14:wrappingTextBoxFlag xmlns:ma14="http://schemas.microsoft.com/office/mac/drawingml/2011/main" xmlns:a14="http://schemas.microsoft.com/office/drawing/2010/main" xmlns:m="http://schemas.openxmlformats.org/officeDocument/2006/math" xmlns="" val="1"/>
               </a:ext>
             </a:extLst>
           </p:spPr>
@@ -10170,350 +9080,391 @@
             <a:lstStyle/>
             <a:p>
               <a:r>
-                <a:rPr lang="en-US"/>
+                <a:rPr lang="en-US" dirty="0">
+                  <a:latin typeface="Consolas" panose="020B0609020204030204" pitchFamily="49" charset="0"/>
+                  <a:cs typeface="Consolas" panose="020B0609020204030204" pitchFamily="49" charset="0"/>
+                </a:rPr>
                 <a:t> </a:t>
               </a:r>
               <a:r>
-                <a:rPr lang="en-US">
+                <a:rPr lang="en-US" dirty="0">
                   <a:solidFill>
                     <a:srgbClr val="008000"/>
                   </a:solidFill>
                   <a:latin typeface="Consolas" panose="020B0609020204030204" pitchFamily="49" charset="0"/>
+                  <a:cs typeface="Consolas" panose="020B0609020204030204" pitchFamily="49" charset="0"/>
                 </a:rPr>
                 <a:t>// find the first item in the list that is </a:t>
               </a:r>
-              <a:endParaRPr lang="en-US">
+              <a:endParaRPr lang="en-US" dirty="0">
                 <a:solidFill>
                   <a:srgbClr val="3B3B3B"/>
                 </a:solidFill>
                 <a:latin typeface="Consolas" panose="020B0609020204030204" pitchFamily="49" charset="0"/>
+                <a:cs typeface="Consolas" panose="020B0609020204030204" pitchFamily="49" charset="0"/>
               </a:endParaRPr>
             </a:p>
             <a:p>
               <a:r>
-                <a:rPr lang="en-US">
+                <a:rPr lang="en-US" dirty="0">
                   <a:solidFill>
                     <a:srgbClr val="008000"/>
                   </a:solidFill>
                   <a:latin typeface="Consolas" panose="020B0609020204030204" pitchFamily="49" charset="0"/>
+                  <a:cs typeface="Consolas" panose="020B0609020204030204" pitchFamily="49" charset="0"/>
                 </a:rPr>
                 <a:t>// greater than or equal to the target.</a:t>
               </a:r>
-              <a:endParaRPr lang="en-US">
+              <a:endParaRPr lang="en-US" dirty="0">
                 <a:solidFill>
                   <a:srgbClr val="3B3B3B"/>
                 </a:solidFill>
                 <a:latin typeface="Consolas" panose="020B0609020204030204" pitchFamily="49" charset="0"/>
+                <a:cs typeface="Consolas" panose="020B0609020204030204" pitchFamily="49" charset="0"/>
               </a:endParaRPr>
             </a:p>
             <a:p>
               <a:r>
-                <a:rPr lang="en-US">
+                <a:rPr lang="en-US" dirty="0">
                   <a:solidFill>
                     <a:srgbClr val="AF00DB"/>
                   </a:solidFill>
                   <a:latin typeface="Consolas" panose="020B0609020204030204" pitchFamily="49" charset="0"/>
+                  <a:cs typeface="Consolas" panose="020B0609020204030204" pitchFamily="49" charset="0"/>
                 </a:rPr>
                 <a:t>export</a:t>
               </a:r>
               <a:r>
-                <a:rPr lang="en-US">
+                <a:rPr lang="en-US" dirty="0">
                   <a:solidFill>
                     <a:srgbClr val="3B3B3B"/>
                   </a:solidFill>
                   <a:latin typeface="Consolas" panose="020B0609020204030204" pitchFamily="49" charset="0"/>
+                  <a:cs typeface="Consolas" panose="020B0609020204030204" pitchFamily="49" charset="0"/>
                 </a:rPr>
                 <a:t> </a:t>
               </a:r>
               <a:r>
-                <a:rPr lang="en-US">
+                <a:rPr lang="en-US" dirty="0">
                   <a:solidFill>
                     <a:srgbClr val="AF00DB"/>
                   </a:solidFill>
                   <a:latin typeface="Consolas" panose="020B0609020204030204" pitchFamily="49" charset="0"/>
+                  <a:cs typeface="Consolas" panose="020B0609020204030204" pitchFamily="49" charset="0"/>
                 </a:rPr>
                 <a:t>default</a:t>
               </a:r>
               <a:r>
-                <a:rPr lang="en-US">
+                <a:rPr lang="en-US" dirty="0">
                   <a:solidFill>
                     <a:srgbClr val="3B3B3B"/>
                   </a:solidFill>
                   <a:latin typeface="Consolas" panose="020B0609020204030204" pitchFamily="49" charset="0"/>
+                  <a:cs typeface="Consolas" panose="020B0609020204030204" pitchFamily="49" charset="0"/>
                 </a:rPr>
                 <a:t> </a:t>
               </a:r>
               <a:r>
-                <a:rPr lang="en-US">
+                <a:rPr lang="en-US" dirty="0">
                   <a:solidFill>
                     <a:srgbClr val="0000FF"/>
                   </a:solidFill>
                   <a:latin typeface="Consolas" panose="020B0609020204030204" pitchFamily="49" charset="0"/>
+                  <a:cs typeface="Consolas" panose="020B0609020204030204" pitchFamily="49" charset="0"/>
                 </a:rPr>
                 <a:t>function</a:t>
               </a:r>
               <a:r>
-                <a:rPr lang="en-US">
+                <a:rPr lang="en-US" dirty="0">
                   <a:solidFill>
                     <a:srgbClr val="3B3B3B"/>
                   </a:solidFill>
                   <a:latin typeface="Consolas" panose="020B0609020204030204" pitchFamily="49" charset="0"/>
+                  <a:cs typeface="Consolas" panose="020B0609020204030204" pitchFamily="49" charset="0"/>
                 </a:rPr>
                 <a:t> </a:t>
               </a:r>
               <a:r>
-                <a:rPr lang="en-US">
+                <a:rPr lang="en-US" dirty="0">
                   <a:solidFill>
                     <a:srgbClr val="795E26"/>
                   </a:solidFill>
                   <a:latin typeface="Consolas" panose="020B0609020204030204" pitchFamily="49" charset="0"/>
+                  <a:cs typeface="Consolas" panose="020B0609020204030204" pitchFamily="49" charset="0"/>
                 </a:rPr>
                 <a:t>search</a:t>
               </a:r>
               <a:r>
-                <a:rPr lang="en-US">
+                <a:rPr lang="en-US" dirty="0">
                   <a:solidFill>
                     <a:srgbClr val="3B3B3B"/>
                   </a:solidFill>
                   <a:latin typeface="Consolas" panose="020B0609020204030204" pitchFamily="49" charset="0"/>
+                  <a:cs typeface="Consolas" panose="020B0609020204030204" pitchFamily="49" charset="0"/>
                 </a:rPr>
                 <a:t>(</a:t>
               </a:r>
               <a:r>
-                <a:rPr lang="en-US" err="1">
+                <a:rPr lang="en-US" dirty="0" err="1">
                   <a:solidFill>
                     <a:srgbClr val="001080"/>
                   </a:solidFill>
                   <a:latin typeface="Consolas" panose="020B0609020204030204" pitchFamily="49" charset="0"/>
+                  <a:cs typeface="Consolas" panose="020B0609020204030204" pitchFamily="49" charset="0"/>
                 </a:rPr>
                 <a:t>list</a:t>
               </a:r>
               <a:r>
-                <a:rPr lang="en-US" err="1">
+                <a:rPr lang="en-US" dirty="0" err="1">
                   <a:solidFill>
                     <a:srgbClr val="000000"/>
                   </a:solidFill>
                   <a:latin typeface="Consolas" panose="020B0609020204030204" pitchFamily="49" charset="0"/>
+                  <a:cs typeface="Consolas" panose="020B0609020204030204" pitchFamily="49" charset="0"/>
                 </a:rPr>
                 <a:t>:</a:t>
               </a:r>
               <a:r>
-                <a:rPr lang="en-US" err="1">
+                <a:rPr lang="en-US" dirty="0" err="1">
                   <a:solidFill>
                     <a:srgbClr val="267F99"/>
                   </a:solidFill>
                   <a:latin typeface="Consolas" panose="020B0609020204030204" pitchFamily="49" charset="0"/>
+                  <a:cs typeface="Consolas" panose="020B0609020204030204" pitchFamily="49" charset="0"/>
                 </a:rPr>
                 <a:t>number</a:t>
               </a:r>
               <a:r>
-                <a:rPr lang="en-US">
+                <a:rPr lang="en-US" dirty="0">
                   <a:solidFill>
                     <a:srgbClr val="3B3B3B"/>
                   </a:solidFill>
                   <a:latin typeface="Consolas" panose="020B0609020204030204" pitchFamily="49" charset="0"/>
+                  <a:cs typeface="Consolas" panose="020B0609020204030204" pitchFamily="49" charset="0"/>
                 </a:rPr>
                 <a:t>[], </a:t>
               </a:r>
               <a:r>
-                <a:rPr lang="en-US" err="1">
+                <a:rPr lang="en-US" dirty="0" err="1">
                   <a:solidFill>
                     <a:srgbClr val="001080"/>
                   </a:solidFill>
                   <a:latin typeface="Consolas" panose="020B0609020204030204" pitchFamily="49" charset="0"/>
+                  <a:cs typeface="Consolas" panose="020B0609020204030204" pitchFamily="49" charset="0"/>
                 </a:rPr>
                 <a:t>target</a:t>
               </a:r>
               <a:r>
-                <a:rPr lang="en-US" err="1">
+                <a:rPr lang="en-US" dirty="0" err="1">
                   <a:solidFill>
                     <a:srgbClr val="000000"/>
                   </a:solidFill>
                   <a:latin typeface="Consolas" panose="020B0609020204030204" pitchFamily="49" charset="0"/>
+                  <a:cs typeface="Consolas" panose="020B0609020204030204" pitchFamily="49" charset="0"/>
                 </a:rPr>
                 <a:t>:</a:t>
               </a:r>
               <a:r>
-                <a:rPr lang="en-US" err="1">
+                <a:rPr lang="en-US" dirty="0" err="1">
                   <a:solidFill>
                     <a:srgbClr val="267F99"/>
                   </a:solidFill>
                   <a:latin typeface="Consolas" panose="020B0609020204030204" pitchFamily="49" charset="0"/>
+                  <a:cs typeface="Consolas" panose="020B0609020204030204" pitchFamily="49" charset="0"/>
                 </a:rPr>
                 <a:t>number</a:t>
               </a:r>
               <a:r>
-                <a:rPr lang="en-US">
+                <a:rPr lang="en-US" dirty="0">
                   <a:solidFill>
                     <a:srgbClr val="3B3B3B"/>
                   </a:solidFill>
                   <a:latin typeface="Consolas" panose="020B0609020204030204" pitchFamily="49" charset="0"/>
+                  <a:cs typeface="Consolas" panose="020B0609020204030204" pitchFamily="49" charset="0"/>
                 </a:rPr>
                 <a:t>) {</a:t>
               </a:r>
             </a:p>
             <a:p>
               <a:r>
-                <a:rPr lang="en-US">
+                <a:rPr lang="en-US" dirty="0">
                   <a:solidFill>
                     <a:srgbClr val="3B3B3B"/>
                   </a:solidFill>
                   <a:latin typeface="Consolas" panose="020B0609020204030204" pitchFamily="49" charset="0"/>
+                  <a:cs typeface="Consolas" panose="020B0609020204030204" pitchFamily="49" charset="0"/>
                 </a:rPr>
                 <a:t>    </a:t>
               </a:r>
               <a:r>
-                <a:rPr lang="en-US">
+                <a:rPr lang="en-US" dirty="0">
                   <a:solidFill>
                     <a:srgbClr val="AF00DB"/>
                   </a:solidFill>
                   <a:latin typeface="Consolas" panose="020B0609020204030204" pitchFamily="49" charset="0"/>
+                  <a:cs typeface="Consolas" panose="020B0609020204030204" pitchFamily="49" charset="0"/>
                 </a:rPr>
                 <a:t>return</a:t>
               </a:r>
               <a:r>
-                <a:rPr lang="en-US">
+                <a:rPr lang="en-US" dirty="0">
                   <a:solidFill>
                     <a:srgbClr val="3B3B3B"/>
                   </a:solidFill>
                   <a:latin typeface="Consolas" panose="020B0609020204030204" pitchFamily="49" charset="0"/>
+                  <a:cs typeface="Consolas" panose="020B0609020204030204" pitchFamily="49" charset="0"/>
                 </a:rPr>
                 <a:t> </a:t>
               </a:r>
               <a:r>
-                <a:rPr lang="en-US" err="1">
+                <a:rPr lang="en-US" dirty="0" err="1">
                   <a:solidFill>
                     <a:srgbClr val="001080"/>
                   </a:solidFill>
                   <a:latin typeface="Consolas" panose="020B0609020204030204" pitchFamily="49" charset="0"/>
+                  <a:cs typeface="Consolas" panose="020B0609020204030204" pitchFamily="49" charset="0"/>
                 </a:rPr>
                 <a:t>list</a:t>
               </a:r>
               <a:r>
-                <a:rPr lang="en-US" err="1">
+                <a:rPr lang="en-US" dirty="0" err="1">
                   <a:solidFill>
                     <a:srgbClr val="3B3B3B"/>
                   </a:solidFill>
                   <a:latin typeface="Consolas" panose="020B0609020204030204" pitchFamily="49" charset="0"/>
+                  <a:cs typeface="Consolas" panose="020B0609020204030204" pitchFamily="49" charset="0"/>
                 </a:rPr>
                 <a:t>.</a:t>
               </a:r>
               <a:r>
-                <a:rPr lang="en-US" err="1">
+                <a:rPr lang="en-US" dirty="0" err="1">
                   <a:solidFill>
                     <a:srgbClr val="795E26"/>
                   </a:solidFill>
                   <a:latin typeface="Consolas" panose="020B0609020204030204" pitchFamily="49" charset="0"/>
+                  <a:cs typeface="Consolas" panose="020B0609020204030204" pitchFamily="49" charset="0"/>
                 </a:rPr>
                 <a:t>find</a:t>
               </a:r>
               <a:r>
-                <a:rPr lang="en-US">
+                <a:rPr lang="en-US" dirty="0">
                   <a:solidFill>
                     <a:srgbClr val="3B3B3B"/>
                   </a:solidFill>
                   <a:latin typeface="Consolas" panose="020B0609020204030204" pitchFamily="49" charset="0"/>
+                  <a:cs typeface="Consolas" panose="020B0609020204030204" pitchFamily="49" charset="0"/>
                 </a:rPr>
                 <a:t>((</a:t>
               </a:r>
               <a:r>
-                <a:rPr lang="en-US">
+                <a:rPr lang="en-US" dirty="0">
                   <a:solidFill>
                     <a:srgbClr val="001080"/>
                   </a:solidFill>
                   <a:latin typeface="Consolas" panose="020B0609020204030204" pitchFamily="49" charset="0"/>
+                  <a:cs typeface="Consolas" panose="020B0609020204030204" pitchFamily="49" charset="0"/>
                 </a:rPr>
                 <a:t>item</a:t>
               </a:r>
               <a:r>
-                <a:rPr lang="en-US">
+                <a:rPr lang="en-US" dirty="0">
                   <a:solidFill>
                     <a:srgbClr val="3B3B3B"/>
                   </a:solidFill>
                   <a:latin typeface="Consolas" panose="020B0609020204030204" pitchFamily="49" charset="0"/>
+                  <a:cs typeface="Consolas" panose="020B0609020204030204" pitchFamily="49" charset="0"/>
                 </a:rPr>
                 <a:t>) </a:t>
               </a:r>
               <a:r>
-                <a:rPr lang="en-US">
+                <a:rPr lang="en-US" dirty="0">
                   <a:solidFill>
                     <a:srgbClr val="0000FF"/>
                   </a:solidFill>
                   <a:latin typeface="Consolas" panose="020B0609020204030204" pitchFamily="49" charset="0"/>
+                  <a:cs typeface="Consolas" panose="020B0609020204030204" pitchFamily="49" charset="0"/>
                 </a:rPr>
                 <a:t>=&gt;</a:t>
               </a:r>
               <a:r>
-                <a:rPr lang="en-US">
+                <a:rPr lang="en-US" dirty="0">
                   <a:solidFill>
                     <a:srgbClr val="3B3B3B"/>
                   </a:solidFill>
                   <a:latin typeface="Consolas" panose="020B0609020204030204" pitchFamily="49" charset="0"/>
+                  <a:cs typeface="Consolas" panose="020B0609020204030204" pitchFamily="49" charset="0"/>
                 </a:rPr>
                 <a:t> </a:t>
               </a:r>
               <a:r>
-                <a:rPr lang="en-US">
+                <a:rPr lang="en-US" dirty="0">
                   <a:solidFill>
                     <a:srgbClr val="001080"/>
                   </a:solidFill>
                   <a:latin typeface="Consolas" panose="020B0609020204030204" pitchFamily="49" charset="0"/>
+                  <a:cs typeface="Consolas" panose="020B0609020204030204" pitchFamily="49" charset="0"/>
                 </a:rPr>
                 <a:t>item</a:t>
               </a:r>
               <a:r>
-                <a:rPr lang="en-US">
+                <a:rPr lang="en-US" dirty="0">
                   <a:solidFill>
                     <a:srgbClr val="3B3B3B"/>
                   </a:solidFill>
                   <a:latin typeface="Consolas" panose="020B0609020204030204" pitchFamily="49" charset="0"/>
+                  <a:cs typeface="Consolas" panose="020B0609020204030204" pitchFamily="49" charset="0"/>
                 </a:rPr>
                 <a:t> </a:t>
               </a:r>
               <a:r>
-                <a:rPr lang="en-US">
+                <a:rPr lang="en-US" dirty="0">
                   <a:solidFill>
                     <a:srgbClr val="000000"/>
                   </a:solidFill>
                   <a:latin typeface="Consolas" panose="020B0609020204030204" pitchFamily="49" charset="0"/>
+                  <a:cs typeface="Consolas" panose="020B0609020204030204" pitchFamily="49" charset="0"/>
                 </a:rPr>
                 <a:t>&gt;</a:t>
               </a:r>
               <a:r>
-                <a:rPr lang="en-US">
+                <a:rPr lang="en-US" dirty="0">
                   <a:solidFill>
                     <a:srgbClr val="3B3B3B"/>
                   </a:solidFill>
                   <a:latin typeface="Consolas" panose="020B0609020204030204" pitchFamily="49" charset="0"/>
+                  <a:cs typeface="Consolas" panose="020B0609020204030204" pitchFamily="49" charset="0"/>
                 </a:rPr>
                 <a:t> </a:t>
               </a:r>
               <a:r>
-                <a:rPr lang="en-US">
+                <a:rPr lang="en-US" dirty="0">
                   <a:solidFill>
                     <a:srgbClr val="001080"/>
                   </a:solidFill>
                   <a:latin typeface="Consolas" panose="020B0609020204030204" pitchFamily="49" charset="0"/>
+                  <a:cs typeface="Consolas" panose="020B0609020204030204" pitchFamily="49" charset="0"/>
                 </a:rPr>
                 <a:t>target</a:t>
               </a:r>
               <a:r>
-                <a:rPr lang="en-US">
+                <a:rPr lang="en-US" dirty="0">
                   <a:solidFill>
                     <a:srgbClr val="3B3B3B"/>
                   </a:solidFill>
                   <a:latin typeface="Consolas" panose="020B0609020204030204" pitchFamily="49" charset="0"/>
+                  <a:cs typeface="Consolas" panose="020B0609020204030204" pitchFamily="49" charset="0"/>
                 </a:rPr>
                 <a:t>);</a:t>
               </a:r>
             </a:p>
             <a:p>
               <a:r>
-                <a:rPr lang="en-US">
+                <a:rPr lang="en-US" dirty="0">
                   <a:solidFill>
                     <a:srgbClr val="3B3B3B"/>
                   </a:solidFill>
                   <a:latin typeface="Consolas" panose="020B0609020204030204" pitchFamily="49" charset="0"/>
+                  <a:cs typeface="Consolas" panose="020B0609020204030204" pitchFamily="49" charset="0"/>
                 </a:rPr>
                 <a:t>}</a:t>
               </a:r>
@@ -10531,10 +9482,16 @@
                 </a:defRPr>
               </a:pPr>
               <a:r>
-                <a:rPr lang="en-US"/>
+                <a:rPr lang="en-US" dirty="0">
+                  <a:latin typeface="Consolas" panose="020B0609020204030204" pitchFamily="49" charset="0"/>
+                  <a:cs typeface="Consolas" panose="020B0609020204030204" pitchFamily="49" charset="0"/>
+                </a:rPr>
                 <a:t>    </a:t>
               </a:r>
-              <a:endParaRPr/>
+              <a:endParaRPr dirty="0">
+                <a:latin typeface="Consolas" panose="020B0609020204030204" pitchFamily="49" charset="0"/>
+                <a:cs typeface="Consolas" panose="020B0609020204030204" pitchFamily="49" charset="0"/>
+              </a:endParaRPr>
             </a:p>
           </p:txBody>
         </p:sp>
@@ -10628,7 +9585,7 @@
 </p:sld>
 </file>
 
-<file path=ppt/slides/slide17.xml><?xml version="1.0" encoding="utf-8"?>
+<file path=ppt/slides/slide16.xml><?xml version="1.0" encoding="utf-8"?>
 <p:sld xmlns:a="http://schemas.openxmlformats.org/drawingml/2006/main" xmlns:r="http://schemas.openxmlformats.org/officeDocument/2006/relationships" xmlns:p="http://schemas.openxmlformats.org/presentationml/2006/main">
   <p:cSld>
     <p:spTree>
@@ -10750,7 +9707,7 @@
           </a:ln>
           <a:extLst>
             <a:ext uri="{C572A759-6A51-4108-AA02-DFA0A04FC94B}">
-              <ma14:wrappingTextBoxFlag xmlns="" xmlns:m="http://schemas.openxmlformats.org/officeDocument/2006/math" xmlns:a14="http://schemas.microsoft.com/office/drawing/2010/main" xmlns:ma14="http://schemas.microsoft.com/office/mac/drawingml/2011/main" val="1"/>
+              <ma14:wrappingTextBoxFlag xmlns:ma14="http://schemas.microsoft.com/office/mac/drawingml/2011/main" xmlns:a14="http://schemas.microsoft.com/office/drawing/2010/main" xmlns:m="http://schemas.openxmlformats.org/officeDocument/2006/math" xmlns="" val="1"/>
             </a:ext>
           </a:extLst>
         </p:spPr>
@@ -11060,7 +10017,7 @@
             <a:fld id="{86CB4B4D-7CA3-9044-876B-883B54F8677D}" type="slidenum">
               <a:rPr lang="en-US" smtClean="0"/>
               <a:pPr/>
-              <a:t>17</a:t>
+              <a:t>16</a:t>
             </a:fld>
             <a:endParaRPr/>
           </a:p>
@@ -11115,7 +10072,7 @@
 </p:sld>
 </file>
 
-<file path=ppt/slides/slide18.xml><?xml version="1.0" encoding="utf-8"?>
+<file path=ppt/slides/slide17.xml><?xml version="1.0" encoding="utf-8"?>
 <p:sld xmlns:a="http://schemas.openxmlformats.org/drawingml/2006/main" xmlns:r="http://schemas.openxmlformats.org/officeDocument/2006/relationships" xmlns:p="http://schemas.openxmlformats.org/presentationml/2006/main">
   <p:cSld>
     <p:spTree>
@@ -11167,8 +10124,8 @@
           <a:lstStyle/>
           <a:p>
             <a:r>
-              <a:rPr lang="en-US"/>
-              <a:t>Adversarial Testing</a:t>
+              <a:rPr lang="en-US" dirty="0"/>
+              <a:t>Adversarial Testing and Overspecification</a:t>
             </a:r>
           </a:p>
         </p:txBody>
@@ -11259,7 +10216,7 @@
           </a:ln>
           <a:extLst>
             <a:ext uri="{C572A759-6A51-4108-AA02-DFA0A04FC94B}">
-              <ma14:wrappingTextBoxFlag xmlns="" xmlns:m="http://schemas.openxmlformats.org/officeDocument/2006/math" xmlns:a14="http://schemas.microsoft.com/office/drawing/2010/main" xmlns:ma14="http://schemas.microsoft.com/office/mac/drawingml/2011/main" val="1"/>
+              <ma14:wrappingTextBoxFlag xmlns:ma14="http://schemas.microsoft.com/office/mac/drawingml/2011/main" xmlns:a14="http://schemas.microsoft.com/office/drawing/2010/main" xmlns:m="http://schemas.openxmlformats.org/officeDocument/2006/math" xmlns="" val="1"/>
             </a:ext>
           </a:extLst>
         </p:spPr>
@@ -11569,7 +10526,7 @@
             <a:fld id="{86CB4B4D-7CA3-9044-876B-883B54F8677D}" type="slidenum">
               <a:rPr lang="en-US" smtClean="0"/>
               <a:pPr/>
-              <a:t>18</a:t>
+              <a:t>17</a:t>
             </a:fld>
             <a:endParaRPr lang="en-US"/>
           </a:p>
@@ -11624,7 +10581,7 @@
 </p:sld>
 </file>
 
-<file path=ppt/slides/slide19.xml><?xml version="1.0" encoding="utf-8"?>
+<file path=ppt/slides/slide18.xml><?xml version="1.0" encoding="utf-8"?>
 <p:sld xmlns:a="http://schemas.openxmlformats.org/drawingml/2006/main" xmlns:r="http://schemas.openxmlformats.org/officeDocument/2006/relationships" xmlns:p="http://schemas.openxmlformats.org/presentationml/2006/main">
   <p:cSld>
     <p:spTree>
@@ -11751,7 +10708,7 @@
           </a:ln>
           <a:extLst>
             <a:ext uri="{C572A759-6A51-4108-AA02-DFA0A04FC94B}">
-              <ma14:wrappingTextBoxFlag xmlns:ma14="http://schemas.microsoft.com/office/mac/drawingml/2011/main" xmlns:a14="http://schemas.microsoft.com/office/drawing/2010/main" xmlns:m="http://schemas.openxmlformats.org/officeDocument/2006/math" xmlns="" val="1"/>
+              <ma14:wrappingTextBoxFlag xmlns="" xmlns:m="http://schemas.openxmlformats.org/officeDocument/2006/math" xmlns:a14="http://schemas.microsoft.com/office/drawing/2010/main" xmlns:ma14="http://schemas.microsoft.com/office/mac/drawingml/2011/main" val="1"/>
             </a:ext>
           </a:extLst>
         </p:spPr>
@@ -12061,7 +11018,7 @@
             <a:fld id="{86CB4B4D-7CA3-9044-876B-883B54F8677D}" type="slidenum">
               <a:rPr lang="en-US" smtClean="0"/>
               <a:pPr/>
-              <a:t>19</a:t>
+              <a:t>18</a:t>
             </a:fld>
             <a:endParaRPr/>
           </a:p>
@@ -12143,6 +11100,209 @@
 </p:sld>
 </file>
 
+<file path=ppt/slides/slide19.xml><?xml version="1.0" encoding="utf-8"?>
+<p:sld xmlns:a="http://schemas.openxmlformats.org/drawingml/2006/main" xmlns:r="http://schemas.openxmlformats.org/officeDocument/2006/relationships" xmlns:p="http://schemas.openxmlformats.org/presentationml/2006/main">
+  <p:cSld>
+    <p:spTree>
+      <p:nvGrpSpPr>
+        <p:cNvPr id="1" name="">
+          <a:extLst>
+            <a:ext uri="{FF2B5EF4-FFF2-40B4-BE49-F238E27FC236}">
+              <a16:creationId xmlns:a16="http://schemas.microsoft.com/office/drawing/2014/main" id="{73E0FFBE-9CD7-EF0D-03C9-1ECC1FD1A471}"/>
+            </a:ext>
+          </a:extLst>
+        </p:cNvPr>
+        <p:cNvGrpSpPr/>
+        <p:nvPr/>
+      </p:nvGrpSpPr>
+      <p:grpSpPr>
+        <a:xfrm>
+          <a:off x="0" y="0"/>
+          <a:ext cx="0" cy="0"/>
+          <a:chOff x="0" y="0"/>
+          <a:chExt cx="0" cy="0"/>
+        </a:xfrm>
+      </p:grpSpPr>
+      <p:sp>
+        <p:nvSpPr>
+          <p:cNvPr id="2" name="Title 1">
+            <a:extLst>
+              <a:ext uri="{FF2B5EF4-FFF2-40B4-BE49-F238E27FC236}">
+                <a16:creationId xmlns:a16="http://schemas.microsoft.com/office/drawing/2014/main" id="{283CA4F4-F8B8-C0D5-B76C-335333FDFEED}"/>
+              </a:ext>
+            </a:extLst>
+          </p:cNvPr>
+          <p:cNvSpPr>
+            <a:spLocks noGrp="1"/>
+          </p:cNvSpPr>
+          <p:nvPr>
+            <p:ph type="title"/>
+          </p:nvPr>
+        </p:nvSpPr>
+        <p:spPr>
+          <a:xfrm>
+            <a:off x="838200" y="18255"/>
+            <a:ext cx="10515600" cy="1325563"/>
+          </a:xfrm>
+        </p:spPr>
+        <p:txBody>
+          <a:bodyPr/>
+          <a:lstStyle/>
+          <a:p>
+            <a:r>
+              <a:rPr lang="en-US" dirty="0"/>
+              <a:t>Review</a:t>
+            </a:r>
+          </a:p>
+        </p:txBody>
+      </p:sp>
+      <p:sp>
+        <p:nvSpPr>
+          <p:cNvPr id="3" name="Content Placeholder 2">
+            <a:extLst>
+              <a:ext uri="{FF2B5EF4-FFF2-40B4-BE49-F238E27FC236}">
+                <a16:creationId xmlns:a16="http://schemas.microsoft.com/office/drawing/2014/main" id="{08938706-ABC4-7A7F-98FF-83D741E965D0}"/>
+              </a:ext>
+            </a:extLst>
+          </p:cNvPr>
+          <p:cNvSpPr>
+            <a:spLocks noGrp="1"/>
+          </p:cNvSpPr>
+          <p:nvPr>
+            <p:ph idx="1"/>
+          </p:nvPr>
+        </p:nvSpPr>
+        <p:spPr>
+          <a:xfrm>
+            <a:off x="838200" y="1500188"/>
+            <a:ext cx="7886700" cy="4856162"/>
+          </a:xfrm>
+        </p:spPr>
+        <p:txBody>
+          <a:bodyPr>
+            <a:normAutofit/>
+          </a:bodyPr>
+          <a:lstStyle/>
+          <a:p>
+            <a:pPr marL="0" indent="0">
+              <a:buNone/>
+            </a:pPr>
+            <a:r>
+              <a:rPr lang="en-US" dirty="0"/>
+              <a:t>It’s the end of the lesson, so you should be able to</a:t>
+            </a:r>
+          </a:p>
+          <a:p>
+            <a:pPr lvl="1"/>
+            <a:r>
+              <a:rPr lang="en-US" dirty="0"/>
+              <a:t>Explain what code coverage is, and how different measures differ, including statements, branches, functions, and lines</a:t>
+            </a:r>
+          </a:p>
+          <a:p>
+            <a:pPr lvl="1"/>
+            <a:r>
+              <a:rPr lang="en-US" dirty="0"/>
+              <a:t>Explain the benefits of mutation testing</a:t>
+            </a:r>
+          </a:p>
+          <a:p>
+            <a:r>
+              <a:rPr lang="en-US" dirty="0"/>
+              <a:t>When have you written enough tests?</a:t>
+            </a:r>
+          </a:p>
+          <a:p>
+            <a:pPr lvl="1"/>
+            <a:r>
+              <a:rPr lang="en-US" dirty="0"/>
+              <a:t>When you’ve given representatives of all valid inputs?</a:t>
+            </a:r>
+          </a:p>
+          <a:p>
+            <a:pPr lvl="1"/>
+            <a:r>
+              <a:rPr lang="en-US" dirty="0"/>
+              <a:t>When your tests get full code coverage?</a:t>
+            </a:r>
+          </a:p>
+          <a:p>
+            <a:pPr lvl="1"/>
+            <a:r>
+              <a:rPr lang="en-US" dirty="0"/>
+              <a:t>When your tests can catch any buggy mutant code?</a:t>
+            </a:r>
+          </a:p>
+          <a:p>
+            <a:pPr lvl="1"/>
+            <a:r>
+              <a:rPr lang="en-US" dirty="0"/>
+              <a:t>The answer depends!</a:t>
+            </a:r>
+          </a:p>
+          <a:p>
+            <a:pPr lvl="1"/>
+            <a:endParaRPr lang="en-US" dirty="0"/>
+          </a:p>
+          <a:p>
+            <a:pPr lvl="1"/>
+            <a:endParaRPr lang="en-US" dirty="0"/>
+          </a:p>
+          <a:p>
+            <a:pPr lvl="1"/>
+            <a:endParaRPr lang="en-US" dirty="0"/>
+          </a:p>
+        </p:txBody>
+      </p:sp>
+      <p:sp>
+        <p:nvSpPr>
+          <p:cNvPr id="4" name="Slide Number Placeholder 3">
+            <a:extLst>
+              <a:ext uri="{FF2B5EF4-FFF2-40B4-BE49-F238E27FC236}">
+                <a16:creationId xmlns:a16="http://schemas.microsoft.com/office/drawing/2014/main" id="{D83E011E-0980-A715-D5F0-82B4D34F3C4C}"/>
+              </a:ext>
+            </a:extLst>
+          </p:cNvPr>
+          <p:cNvSpPr>
+            <a:spLocks noGrp="1"/>
+          </p:cNvSpPr>
+          <p:nvPr>
+            <p:ph type="sldNum" sz="quarter" idx="12"/>
+          </p:nvPr>
+        </p:nvSpPr>
+        <p:spPr>
+          <a:xfrm>
+            <a:off x="8610600" y="6356350"/>
+            <a:ext cx="2743200" cy="365125"/>
+          </a:xfrm>
+        </p:spPr>
+        <p:txBody>
+          <a:bodyPr/>
+          <a:lstStyle/>
+          <a:p>
+            <a:pPr lvl="0"/>
+            <a:fld id="{20F37917-FD3A-4669-9018-DA04BCDD3D75}" type="slidenum">
+              <a:rPr lang="en-US" noProof="0" smtClean="0"/>
+              <a:pPr lvl="0"/>
+              <a:t>19</a:t>
+            </a:fld>
+            <a:endParaRPr lang="en-US" noProof="0"/>
+          </a:p>
+        </p:txBody>
+      </p:sp>
+    </p:spTree>
+    <p:extLst>
+      <p:ext uri="{BB962C8B-B14F-4D97-AF65-F5344CB8AC3E}">
+        <p14:creationId xmlns:p14="http://schemas.microsoft.com/office/powerpoint/2010/main" val="2656712430"/>
+      </p:ext>
+    </p:extLst>
+  </p:cSld>
+  <p:clrMapOvr>
+    <a:masterClrMapping/>
+  </p:clrMapOvr>
+</p:sld>
+</file>
+
 <file path=ppt/slides/slide2.xml><?xml version="1.0" encoding="utf-8"?>
 <p:sld xmlns:a="http://schemas.openxmlformats.org/drawingml/2006/main" xmlns:r="http://schemas.openxmlformats.org/officeDocument/2006/relationships" xmlns:p="http://schemas.openxmlformats.org/presentationml/2006/main">
   <p:cSld>
@@ -12293,165 +11453,6 @@
     <p:extLst>
       <p:ext uri="{BB962C8B-B14F-4D97-AF65-F5344CB8AC3E}">
         <p14:creationId xmlns:p14="http://schemas.microsoft.com/office/powerpoint/2010/main" val="1980094350"/>
-      </p:ext>
-    </p:extLst>
-  </p:cSld>
-  <p:clrMapOvr>
-    <a:masterClrMapping/>
-  </p:clrMapOvr>
-</p:sld>
-</file>
-
-<file path=ppt/slides/slide20.xml><?xml version="1.0" encoding="utf-8"?>
-<p:sld xmlns:a="http://schemas.openxmlformats.org/drawingml/2006/main" xmlns:r="http://schemas.openxmlformats.org/officeDocument/2006/relationships" xmlns:p="http://schemas.openxmlformats.org/presentationml/2006/main">
-  <p:cSld>
-    <p:spTree>
-      <p:nvGrpSpPr>
-        <p:cNvPr id="1" name="">
-          <a:extLst>
-            <a:ext uri="{FF2B5EF4-FFF2-40B4-BE49-F238E27FC236}">
-              <a16:creationId xmlns:a16="http://schemas.microsoft.com/office/drawing/2014/main" id="{73E0FFBE-9CD7-EF0D-03C9-1ECC1FD1A471}"/>
-            </a:ext>
-          </a:extLst>
-        </p:cNvPr>
-        <p:cNvGrpSpPr/>
-        <p:nvPr/>
-      </p:nvGrpSpPr>
-      <p:grpSpPr>
-        <a:xfrm>
-          <a:off x="0" y="0"/>
-          <a:ext cx="0" cy="0"/>
-          <a:chOff x="0" y="0"/>
-          <a:chExt cx="0" cy="0"/>
-        </a:xfrm>
-      </p:grpSpPr>
-      <p:sp>
-        <p:nvSpPr>
-          <p:cNvPr id="2" name="Title 1">
-            <a:extLst>
-              <a:ext uri="{FF2B5EF4-FFF2-40B4-BE49-F238E27FC236}">
-                <a16:creationId xmlns:a16="http://schemas.microsoft.com/office/drawing/2014/main" id="{283CA4F4-F8B8-C0D5-B76C-335333FDFEED}"/>
-              </a:ext>
-            </a:extLst>
-          </p:cNvPr>
-          <p:cNvSpPr>
-            <a:spLocks noGrp="1"/>
-          </p:cNvSpPr>
-          <p:nvPr>
-            <p:ph type="title"/>
-          </p:nvPr>
-        </p:nvSpPr>
-        <p:spPr>
-          <a:xfrm>
-            <a:off x="838200" y="18255"/>
-            <a:ext cx="10515600" cy="1325563"/>
-          </a:xfrm>
-        </p:spPr>
-        <p:txBody>
-          <a:bodyPr/>
-          <a:lstStyle/>
-          <a:p>
-            <a:r>
-              <a:rPr lang="en-US" dirty="0"/>
-              <a:t>Review</a:t>
-            </a:r>
-          </a:p>
-        </p:txBody>
-      </p:sp>
-      <p:sp>
-        <p:nvSpPr>
-          <p:cNvPr id="3" name="Content Placeholder 2">
-            <a:extLst>
-              <a:ext uri="{FF2B5EF4-FFF2-40B4-BE49-F238E27FC236}">
-                <a16:creationId xmlns:a16="http://schemas.microsoft.com/office/drawing/2014/main" id="{08938706-ABC4-7A7F-98FF-83D741E965D0}"/>
-              </a:ext>
-            </a:extLst>
-          </p:cNvPr>
-          <p:cNvSpPr>
-            <a:spLocks noGrp="1"/>
-          </p:cNvSpPr>
-          <p:nvPr>
-            <p:ph idx="1"/>
-          </p:nvPr>
-        </p:nvSpPr>
-        <p:spPr>
-          <a:xfrm>
-            <a:off x="838200" y="1500188"/>
-            <a:ext cx="7886700" cy="4351337"/>
-          </a:xfrm>
-        </p:spPr>
-        <p:txBody>
-          <a:bodyPr/>
-          <a:lstStyle/>
-          <a:p>
-            <a:pPr marL="0" indent="0">
-              <a:buNone/>
-            </a:pPr>
-            <a:r>
-              <a:rPr lang="en-US" dirty="0"/>
-              <a:t>It’s the end of the lesson, so you should be able to</a:t>
-            </a:r>
-          </a:p>
-          <a:p>
-            <a:pPr lvl="1"/>
-            <a:r>
-              <a:rPr lang="en-US" dirty="0"/>
-              <a:t>Explain what code coverage is, and how different measures differ, including statements, branches, functions, and lines</a:t>
-            </a:r>
-          </a:p>
-          <a:p>
-            <a:pPr lvl="1"/>
-            <a:r>
-              <a:rPr lang="en-US" dirty="0"/>
-              <a:t>Explain the benefits of mutation testing</a:t>
-            </a:r>
-          </a:p>
-          <a:p>
-            <a:pPr lvl="1"/>
-            <a:endParaRPr lang="en-US" dirty="0"/>
-          </a:p>
-        </p:txBody>
-      </p:sp>
-      <p:sp>
-        <p:nvSpPr>
-          <p:cNvPr id="4" name="Slide Number Placeholder 3">
-            <a:extLst>
-              <a:ext uri="{FF2B5EF4-FFF2-40B4-BE49-F238E27FC236}">
-                <a16:creationId xmlns:a16="http://schemas.microsoft.com/office/drawing/2014/main" id="{D83E011E-0980-A715-D5F0-82B4D34F3C4C}"/>
-              </a:ext>
-            </a:extLst>
-          </p:cNvPr>
-          <p:cNvSpPr>
-            <a:spLocks noGrp="1"/>
-          </p:cNvSpPr>
-          <p:nvPr>
-            <p:ph type="sldNum" sz="quarter" idx="12"/>
-          </p:nvPr>
-        </p:nvSpPr>
-        <p:spPr>
-          <a:xfrm>
-            <a:off x="8610600" y="6356350"/>
-            <a:ext cx="2743200" cy="365125"/>
-          </a:xfrm>
-        </p:spPr>
-        <p:txBody>
-          <a:bodyPr/>
-          <a:lstStyle/>
-          <a:p>
-            <a:pPr lvl="0"/>
-            <a:fld id="{20F37917-FD3A-4669-9018-DA04BCDD3D75}" type="slidenum">
-              <a:rPr lang="en-US" noProof="0" smtClean="0"/>
-              <a:pPr lvl="0"/>
-              <a:t>20</a:t>
-            </a:fld>
-            <a:endParaRPr lang="en-US" noProof="0"/>
-          </a:p>
-        </p:txBody>
-      </p:sp>
-    </p:spTree>
-    <p:extLst>
-      <p:ext uri="{BB962C8B-B14F-4D97-AF65-F5344CB8AC3E}">
-        <p14:creationId xmlns:p14="http://schemas.microsoft.com/office/powerpoint/2010/main" val="2656712430"/>
       </p:ext>
     </p:extLst>
   </p:cSld>
@@ -12758,7 +11759,7 @@
           </a:ln>
           <a:extLst>
             <a:ext uri="{C572A759-6A51-4108-AA02-DFA0A04FC94B}">
-              <ma14:wrappingTextBoxFlag xmlns:ma14="http://schemas.microsoft.com/office/mac/drawingml/2011/main" xmlns:a14="http://schemas.microsoft.com/office/drawing/2010/main" xmlns:m="http://schemas.openxmlformats.org/officeDocument/2006/math" xmlns="" val="1"/>
+              <ma14:wrappingTextBoxFlag xmlns="" xmlns:m="http://schemas.openxmlformats.org/officeDocument/2006/math" xmlns:a14="http://schemas.microsoft.com/office/drawing/2010/main" xmlns:ma14="http://schemas.microsoft.com/office/mac/drawingml/2011/main" val="1"/>
             </a:ext>
           </a:extLst>
         </p:spPr>
@@ -13202,32 +12203,32 @@
           <a:lstStyle/>
           <a:p>
             <a:r>
-              <a:rPr lang="en-US"/>
+              <a:rPr lang="en-US" dirty="0"/>
               <a:t>The industry standard answer for “have I written enough tests”</a:t>
             </a:r>
           </a:p>
           <a:p>
             <a:r>
-              <a:rPr lang="en-US"/>
+              <a:rPr lang="en-US" dirty="0"/>
               <a:t>Measures “how much of your code” is exercised by your tests</a:t>
             </a:r>
           </a:p>
           <a:p>
             <a:r>
-              <a:rPr lang="en-US"/>
+              <a:rPr lang="en-US" dirty="0"/>
               <a:t>If none of your test even </a:t>
             </a:r>
             <a:r>
-              <a:rPr lang="en-US" i="1"/>
+              <a:rPr lang="en-US" i="1" dirty="0"/>
               <a:t>execute</a:t>
             </a:r>
             <a:r>
-              <a:rPr lang="en-US"/>
-              <a:t> a piece of code, it’s definitely not being tested!</a:t>
-            </a:r>
-          </a:p>
-          <a:p>
-            <a:endParaRPr lang="en-US"/>
+              <a:rPr lang="en-US" dirty="0"/>
+              <a:t> a piece of code, it’s not being tested!</a:t>
+            </a:r>
+          </a:p>
+          <a:p>
+            <a:endParaRPr lang="en-US" dirty="0"/>
           </a:p>
         </p:txBody>
       </p:sp>
@@ -13457,94 +12458,103 @@
               <a:buNone/>
             </a:pPr>
             <a:r>
-              <a:rPr lang="en-US" sz="2000" b="0">
+              <a:rPr lang="en-US" sz="2000" b="0" dirty="0">
                 <a:solidFill>
                   <a:schemeClr val="bg2">
                     <a:lumMod val="90000"/>
                   </a:schemeClr>
                 </a:solidFill>
                 <a:effectLst/>
-                <a:latin typeface="Menlo" panose="020B0609030804020204" pitchFamily="49" charset="0"/>
+                <a:latin typeface="Consolas" panose="020B0609020204030204" pitchFamily="49" charset="0"/>
+                <a:cs typeface="Consolas" panose="020B0609020204030204" pitchFamily="49" charset="0"/>
               </a:rPr>
               <a:t>1| </a:t>
             </a:r>
             <a:r>
-              <a:rPr lang="en-US" sz="2000" b="0">
+              <a:rPr lang="en-US" sz="2000" b="0" dirty="0">
                 <a:solidFill>
                   <a:srgbClr val="AF00DB"/>
                 </a:solidFill>
                 <a:effectLst/>
-                <a:latin typeface="Menlo" panose="020B0609030804020204" pitchFamily="49" charset="0"/>
+                <a:latin typeface="Consolas" panose="020B0609020204030204" pitchFamily="49" charset="0"/>
+                <a:cs typeface="Consolas" panose="020B0609020204030204" pitchFamily="49" charset="0"/>
               </a:rPr>
               <a:t>if</a:t>
             </a:r>
             <a:r>
-              <a:rPr lang="en-US" sz="2000" b="0">
+              <a:rPr lang="en-US" sz="2000" b="0" dirty="0">
                 <a:solidFill>
                   <a:srgbClr val="3B3B3B"/>
                 </a:solidFill>
                 <a:effectLst/>
-                <a:latin typeface="Menlo" panose="020B0609030804020204" pitchFamily="49" charset="0"/>
+                <a:latin typeface="Consolas" panose="020B0609020204030204" pitchFamily="49" charset="0"/>
+                <a:cs typeface="Consolas" panose="020B0609020204030204" pitchFamily="49" charset="0"/>
               </a:rPr>
               <a:t> (</a:t>
             </a:r>
             <a:r>
-              <a:rPr lang="en-US" sz="2000" b="0">
+              <a:rPr lang="en-US" sz="2000" b="0" dirty="0">
                 <a:solidFill>
                   <a:srgbClr val="0070C1"/>
                 </a:solidFill>
                 <a:effectLst/>
-                <a:latin typeface="Menlo" panose="020B0609030804020204" pitchFamily="49" charset="0"/>
+                <a:latin typeface="Consolas" panose="020B0609020204030204" pitchFamily="49" charset="0"/>
+                <a:cs typeface="Consolas" panose="020B0609020204030204" pitchFamily="49" charset="0"/>
               </a:rPr>
               <a:t>x</a:t>
             </a:r>
             <a:r>
-              <a:rPr lang="en-US" sz="2000" b="0">
+              <a:rPr lang="en-US" sz="2000" b="0" dirty="0">
                 <a:solidFill>
                   <a:srgbClr val="3B3B3B"/>
                 </a:solidFill>
                 <a:effectLst/>
-                <a:latin typeface="Menlo" panose="020B0609030804020204" pitchFamily="49" charset="0"/>
+                <a:latin typeface="Consolas" panose="020B0609020204030204" pitchFamily="49" charset="0"/>
+                <a:cs typeface="Consolas" panose="020B0609020204030204" pitchFamily="49" charset="0"/>
               </a:rPr>
               <a:t> </a:t>
             </a:r>
             <a:r>
-              <a:rPr lang="en-US" sz="2000" b="0">
+              <a:rPr lang="en-US" sz="2000" b="0" dirty="0">
                 <a:solidFill>
                   <a:srgbClr val="000000"/>
                 </a:solidFill>
                 <a:effectLst/>
-                <a:latin typeface="Menlo" panose="020B0609030804020204" pitchFamily="49" charset="0"/>
+                <a:latin typeface="Consolas" panose="020B0609020204030204" pitchFamily="49" charset="0"/>
+                <a:cs typeface="Consolas" panose="020B0609020204030204" pitchFamily="49" charset="0"/>
               </a:rPr>
               <a:t>===</a:t>
             </a:r>
             <a:r>
-              <a:rPr lang="en-US" sz="2000" b="0">
+              <a:rPr lang="en-US" sz="2000" b="0" dirty="0">
                 <a:solidFill>
                   <a:srgbClr val="3B3B3B"/>
                 </a:solidFill>
                 <a:effectLst/>
-                <a:latin typeface="Menlo" panose="020B0609030804020204" pitchFamily="49" charset="0"/>
+                <a:latin typeface="Consolas" panose="020B0609020204030204" pitchFamily="49" charset="0"/>
+                <a:cs typeface="Consolas" panose="020B0609020204030204" pitchFamily="49" charset="0"/>
               </a:rPr>
               <a:t> </a:t>
             </a:r>
             <a:r>
-              <a:rPr lang="en-US" sz="2000" b="0">
+              <a:rPr lang="en-US" sz="2000" b="0" dirty="0">
                 <a:solidFill>
                   <a:srgbClr val="098658"/>
                 </a:solidFill>
                 <a:effectLst/>
-                <a:latin typeface="Menlo" panose="020B0609030804020204" pitchFamily="49" charset="0"/>
+                <a:latin typeface="Consolas" panose="020B0609020204030204" pitchFamily="49" charset="0"/>
+                <a:cs typeface="Consolas" panose="020B0609020204030204" pitchFamily="49" charset="0"/>
               </a:rPr>
               <a:t>0</a:t>
             </a:r>
             <a:r>
-              <a:rPr lang="en-US" sz="2000" b="0">
+              <a:rPr lang="en-US" sz="2000" b="0" dirty="0">
                 <a:solidFill>
                   <a:srgbClr val="3B3B3B"/>
                 </a:solidFill>
                 <a:effectLst/>
-                <a:latin typeface="Menlo" panose="020B0609030804020204" pitchFamily="49" charset="0"/>
+                <a:latin typeface="Consolas" panose="020B0609020204030204" pitchFamily="49" charset="0"/>
+                <a:cs typeface="Consolas" panose="020B0609020204030204" pitchFamily="49" charset="0"/>
               </a:rPr>
               <a:t>) {</a:t>
             </a:r>
@@ -13557,65 +12567,71 @@
               <a:buNone/>
             </a:pPr>
             <a:r>
-              <a:rPr lang="en-US" sz="2000">
+              <a:rPr lang="en-US" sz="2000" dirty="0">
                 <a:solidFill>
                   <a:schemeClr val="bg2">
                     <a:lumMod val="90000"/>
                   </a:schemeClr>
                 </a:solidFill>
-                <a:latin typeface="Menlo" panose="020B0609030804020204" pitchFamily="49" charset="0"/>
+                <a:latin typeface="Consolas" panose="020B0609020204030204" pitchFamily="49" charset="0"/>
+                <a:cs typeface="Consolas" panose="020B0609020204030204" pitchFamily="49" charset="0"/>
               </a:rPr>
               <a:t>2</a:t>
             </a:r>
             <a:r>
-              <a:rPr lang="en-US" sz="2000" b="0">
+              <a:rPr lang="en-US" sz="2000" b="0" dirty="0">
                 <a:solidFill>
                   <a:schemeClr val="bg2">
                     <a:lumMod val="90000"/>
                   </a:schemeClr>
                 </a:solidFill>
                 <a:effectLst/>
-                <a:latin typeface="Menlo" panose="020B0609030804020204" pitchFamily="49" charset="0"/>
+                <a:latin typeface="Consolas" panose="020B0609020204030204" pitchFamily="49" charset="0"/>
+                <a:cs typeface="Consolas" panose="020B0609020204030204" pitchFamily="49" charset="0"/>
               </a:rPr>
               <a:t>|</a:t>
             </a:r>
             <a:r>
-              <a:rPr lang="en-US" sz="2000" b="0">
+              <a:rPr lang="en-US" sz="2000" b="0" dirty="0">
                 <a:solidFill>
                   <a:srgbClr val="AF00DB"/>
                 </a:solidFill>
                 <a:effectLst/>
-                <a:latin typeface="Menlo" panose="020B0609030804020204" pitchFamily="49" charset="0"/>
+                <a:latin typeface="Consolas" panose="020B0609020204030204" pitchFamily="49" charset="0"/>
+                <a:cs typeface="Consolas" panose="020B0609020204030204" pitchFamily="49" charset="0"/>
               </a:rPr>
               <a:t>  return</a:t>
             </a:r>
             <a:r>
-              <a:rPr lang="en-US" sz="2000" b="0">
+              <a:rPr lang="en-US" sz="2000" b="0" dirty="0">
                 <a:solidFill>
                   <a:srgbClr val="3B3B3B"/>
                 </a:solidFill>
                 <a:effectLst/>
-                <a:latin typeface="Menlo" panose="020B0609030804020204" pitchFamily="49" charset="0"/>
+                <a:latin typeface="Consolas" panose="020B0609020204030204" pitchFamily="49" charset="0"/>
+                <a:cs typeface="Consolas" panose="020B0609020204030204" pitchFamily="49" charset="0"/>
               </a:rPr>
               <a:t> </a:t>
             </a:r>
             <a:r>
-              <a:rPr lang="en-US" sz="2000" b="0">
+              <a:rPr lang="en-US" sz="2000" b="0" dirty="0">
                 <a:solidFill>
                   <a:srgbClr val="098658"/>
                 </a:solidFill>
                 <a:effectLst/>
-                <a:latin typeface="Menlo" panose="020B0609030804020204" pitchFamily="49" charset="0"/>
+                <a:latin typeface="Consolas" panose="020B0609020204030204" pitchFamily="49" charset="0"/>
+                <a:cs typeface="Consolas" panose="020B0609020204030204" pitchFamily="49" charset="0"/>
               </a:rPr>
               <a:t>3</a:t>
             </a:r>
             <a:r>
-              <a:rPr lang="en-US" sz="2000" b="0">
+              <a:rPr lang="en-US" sz="2000" b="0" dirty="0">
                 <a:solidFill>
                   <a:srgbClr val="3B3B3B"/>
                 </a:solidFill>
                 <a:effectLst/>
-                <a:latin typeface="Menlo" panose="020B0609030804020204" pitchFamily="49" charset="0"/>
+                <a:latin typeface="Consolas" panose="020B0609020204030204" pitchFamily="49" charset="0"/>
+                <a:cs typeface="Consolas" panose="020B0609020204030204" pitchFamily="49" charset="0"/>
               </a:rPr>
               <a:t>;</a:t>
             </a:r>
@@ -13628,35 +12644,38 @@
               <a:buNone/>
             </a:pPr>
             <a:r>
-              <a:rPr lang="en-US" sz="2000">
+              <a:rPr lang="en-US" sz="2000" dirty="0">
                 <a:solidFill>
                   <a:schemeClr val="bg2">
                     <a:lumMod val="90000"/>
                   </a:schemeClr>
                 </a:solidFill>
-                <a:latin typeface="Menlo" panose="020B0609030804020204" pitchFamily="49" charset="0"/>
+                <a:latin typeface="Consolas" panose="020B0609020204030204" pitchFamily="49" charset="0"/>
+                <a:cs typeface="Consolas" panose="020B0609020204030204" pitchFamily="49" charset="0"/>
               </a:rPr>
               <a:t>3</a:t>
             </a:r>
             <a:r>
-              <a:rPr lang="en-US" sz="2000" b="0">
+              <a:rPr lang="en-US" sz="2000" b="0" dirty="0">
                 <a:solidFill>
                   <a:schemeClr val="bg2">
                     <a:lumMod val="90000"/>
                   </a:schemeClr>
                 </a:solidFill>
                 <a:effectLst/>
-                <a:latin typeface="Menlo" panose="020B0609030804020204" pitchFamily="49" charset="0"/>
+                <a:latin typeface="Consolas" panose="020B0609020204030204" pitchFamily="49" charset="0"/>
+                <a:cs typeface="Consolas" panose="020B0609020204030204" pitchFamily="49" charset="0"/>
               </a:rPr>
               <a:t>| </a:t>
             </a:r>
             <a:r>
-              <a:rPr lang="en-US" sz="2000" b="0">
+              <a:rPr lang="en-US" sz="2000" b="0" dirty="0">
                 <a:solidFill>
                   <a:srgbClr val="3B3B3B"/>
                 </a:solidFill>
                 <a:effectLst/>
-                <a:latin typeface="Menlo" panose="020B0609030804020204" pitchFamily="49" charset="0"/>
+                <a:latin typeface="Consolas" panose="020B0609020204030204" pitchFamily="49" charset="0"/>
+                <a:cs typeface="Consolas" panose="020B0609020204030204" pitchFamily="49" charset="0"/>
               </a:rPr>
               <a:t>}</a:t>
             </a:r>
@@ -13669,225 +12688,247 @@
               <a:buNone/>
             </a:pPr>
             <a:r>
-              <a:rPr lang="en-US" sz="2000">
+              <a:rPr lang="en-US" sz="2000" dirty="0">
                 <a:solidFill>
                   <a:schemeClr val="bg2">
                     <a:lumMod val="90000"/>
                   </a:schemeClr>
                 </a:solidFill>
-                <a:latin typeface="Menlo" panose="020B0609030804020204" pitchFamily="49" charset="0"/>
+                <a:latin typeface="Consolas" panose="020B0609020204030204" pitchFamily="49" charset="0"/>
+                <a:cs typeface="Consolas" panose="020B0609020204030204" pitchFamily="49" charset="0"/>
               </a:rPr>
               <a:t>4</a:t>
             </a:r>
             <a:r>
-              <a:rPr lang="en-US" sz="2000" b="0">
+              <a:rPr lang="en-US" sz="2000" b="0" dirty="0">
                 <a:solidFill>
                   <a:schemeClr val="bg2">
                     <a:lumMod val="90000"/>
                   </a:schemeClr>
                 </a:solidFill>
                 <a:effectLst/>
-                <a:latin typeface="Menlo" panose="020B0609030804020204" pitchFamily="49" charset="0"/>
+                <a:latin typeface="Consolas" panose="020B0609020204030204" pitchFamily="49" charset="0"/>
+                <a:cs typeface="Consolas" panose="020B0609020204030204" pitchFamily="49" charset="0"/>
               </a:rPr>
               <a:t>| </a:t>
             </a:r>
             <a:r>
-              <a:rPr lang="en-US" sz="2000" b="0">
+              <a:rPr lang="en-US" sz="2000" b="0" dirty="0">
                 <a:solidFill>
                   <a:srgbClr val="0000FF"/>
                 </a:solidFill>
                 <a:effectLst/>
-                <a:latin typeface="Menlo" panose="020B0609030804020204" pitchFamily="49" charset="0"/>
+                <a:latin typeface="Consolas" panose="020B0609020204030204" pitchFamily="49" charset="0"/>
+                <a:cs typeface="Consolas" panose="020B0609020204030204" pitchFamily="49" charset="0"/>
               </a:rPr>
               <a:t>const</a:t>
             </a:r>
             <a:r>
-              <a:rPr lang="en-US" sz="2000" b="0">
+              <a:rPr lang="en-US" sz="2000" b="0" dirty="0">
                 <a:solidFill>
                   <a:srgbClr val="3B3B3B"/>
                 </a:solidFill>
                 <a:effectLst/>
-                <a:latin typeface="Menlo" panose="020B0609030804020204" pitchFamily="49" charset="0"/>
+                <a:latin typeface="Consolas" panose="020B0609020204030204" pitchFamily="49" charset="0"/>
+                <a:cs typeface="Consolas" panose="020B0609020204030204" pitchFamily="49" charset="0"/>
               </a:rPr>
               <a:t> </a:t>
             </a:r>
             <a:r>
-              <a:rPr lang="en-US" sz="2000" b="0">
+              <a:rPr lang="en-US" sz="2000" b="0" dirty="0">
                 <a:solidFill>
                   <a:srgbClr val="0070C1"/>
                 </a:solidFill>
                 <a:effectLst/>
-                <a:latin typeface="Menlo" panose="020B0609030804020204" pitchFamily="49" charset="0"/>
+                <a:latin typeface="Consolas" panose="020B0609020204030204" pitchFamily="49" charset="0"/>
+                <a:cs typeface="Consolas" panose="020B0609020204030204" pitchFamily="49" charset="0"/>
               </a:rPr>
               <a:t>y</a:t>
             </a:r>
             <a:r>
-              <a:rPr lang="en-US" sz="2000" b="0">
+              <a:rPr lang="en-US" sz="2000" b="0" dirty="0">
                 <a:solidFill>
                   <a:srgbClr val="3B3B3B"/>
                 </a:solidFill>
                 <a:effectLst/>
-                <a:latin typeface="Menlo" panose="020B0609030804020204" pitchFamily="49" charset="0"/>
+                <a:latin typeface="Consolas" panose="020B0609020204030204" pitchFamily="49" charset="0"/>
+                <a:cs typeface="Consolas" panose="020B0609020204030204" pitchFamily="49" charset="0"/>
               </a:rPr>
               <a:t> </a:t>
             </a:r>
             <a:r>
-              <a:rPr lang="en-US" sz="2000" b="0">
+              <a:rPr lang="en-US" sz="2000" b="0" dirty="0">
                 <a:solidFill>
                   <a:srgbClr val="000000"/>
                 </a:solidFill>
                 <a:effectLst/>
-                <a:latin typeface="Menlo" panose="020B0609030804020204" pitchFamily="49" charset="0"/>
+                <a:latin typeface="Consolas" panose="020B0609020204030204" pitchFamily="49" charset="0"/>
+                <a:cs typeface="Consolas" panose="020B0609020204030204" pitchFamily="49" charset="0"/>
               </a:rPr>
               <a:t>=</a:t>
             </a:r>
             <a:r>
-              <a:rPr lang="en-US" sz="2000" b="0">
+              <a:rPr lang="en-US" sz="2000" b="0" dirty="0">
                 <a:solidFill>
                   <a:srgbClr val="3B3B3B"/>
                 </a:solidFill>
                 <a:effectLst/>
-                <a:latin typeface="Menlo" panose="020B0609030804020204" pitchFamily="49" charset="0"/>
+                <a:latin typeface="Consolas" panose="020B0609020204030204" pitchFamily="49" charset="0"/>
+                <a:cs typeface="Consolas" panose="020B0609020204030204" pitchFamily="49" charset="0"/>
               </a:rPr>
               <a:t> </a:t>
             </a:r>
             <a:r>
-              <a:rPr lang="en-US" sz="2000" b="0">
+              <a:rPr lang="en-US" sz="2000" b="0" dirty="0">
                 <a:solidFill>
                   <a:srgbClr val="0070C1"/>
                 </a:solidFill>
                 <a:effectLst/>
-                <a:latin typeface="Menlo" panose="020B0609030804020204" pitchFamily="49" charset="0"/>
+                <a:latin typeface="Consolas" panose="020B0609020204030204" pitchFamily="49" charset="0"/>
+                <a:cs typeface="Consolas" panose="020B0609020204030204" pitchFamily="49" charset="0"/>
               </a:rPr>
               <a:t>x</a:t>
             </a:r>
             <a:r>
-              <a:rPr lang="en-US" sz="2000" b="0">
+              <a:rPr lang="en-US" sz="2000" b="0" dirty="0">
                 <a:solidFill>
                   <a:srgbClr val="3B3B3B"/>
                 </a:solidFill>
                 <a:effectLst/>
-                <a:latin typeface="Menlo" panose="020B0609030804020204" pitchFamily="49" charset="0"/>
+                <a:latin typeface="Consolas" panose="020B0609020204030204" pitchFamily="49" charset="0"/>
+                <a:cs typeface="Consolas" panose="020B0609020204030204" pitchFamily="49" charset="0"/>
               </a:rPr>
               <a:t> </a:t>
             </a:r>
             <a:r>
-              <a:rPr lang="en-US" sz="2000" b="0">
+              <a:rPr lang="en-US" sz="2000" b="0" dirty="0">
                 <a:solidFill>
                   <a:srgbClr val="000000"/>
                 </a:solidFill>
                 <a:effectLst/>
-                <a:latin typeface="Menlo" panose="020B0609030804020204" pitchFamily="49" charset="0"/>
+                <a:latin typeface="Consolas" panose="020B0609020204030204" pitchFamily="49" charset="0"/>
+                <a:cs typeface="Consolas" panose="020B0609020204030204" pitchFamily="49" charset="0"/>
               </a:rPr>
               <a:t>&gt;</a:t>
             </a:r>
             <a:r>
-              <a:rPr lang="en-US" sz="2000" b="0">
+              <a:rPr lang="en-US" sz="2000" b="0" dirty="0">
                 <a:solidFill>
                   <a:srgbClr val="3B3B3B"/>
                 </a:solidFill>
                 <a:effectLst/>
-                <a:latin typeface="Menlo" panose="020B0609030804020204" pitchFamily="49" charset="0"/>
+                <a:latin typeface="Consolas" panose="020B0609020204030204" pitchFamily="49" charset="0"/>
+                <a:cs typeface="Consolas" panose="020B0609020204030204" pitchFamily="49" charset="0"/>
               </a:rPr>
               <a:t> </a:t>
             </a:r>
             <a:r>
-              <a:rPr lang="en-US" sz="2000" b="0">
+              <a:rPr lang="en-US" sz="2000" b="0" dirty="0">
                 <a:solidFill>
                   <a:srgbClr val="098658"/>
                 </a:solidFill>
                 <a:effectLst/>
-                <a:latin typeface="Menlo" panose="020B0609030804020204" pitchFamily="49" charset="0"/>
+                <a:latin typeface="Consolas" panose="020B0609020204030204" pitchFamily="49" charset="0"/>
+                <a:cs typeface="Consolas" panose="020B0609020204030204" pitchFamily="49" charset="0"/>
               </a:rPr>
               <a:t>4</a:t>
             </a:r>
             <a:r>
-              <a:rPr lang="en-US" sz="2000" b="0">
+              <a:rPr lang="en-US" sz="2000" b="0" dirty="0">
                 <a:solidFill>
                   <a:srgbClr val="3B3B3B"/>
                 </a:solidFill>
                 <a:effectLst/>
-                <a:latin typeface="Menlo" panose="020B0609030804020204" pitchFamily="49" charset="0"/>
+                <a:latin typeface="Consolas" panose="020B0609020204030204" pitchFamily="49" charset="0"/>
+                <a:cs typeface="Consolas" panose="020B0609020204030204" pitchFamily="49" charset="0"/>
               </a:rPr>
               <a:t> </a:t>
             </a:r>
             <a:r>
-              <a:rPr lang="en-US" sz="2000" b="0">
+              <a:rPr lang="en-US" sz="2000" b="0" dirty="0">
                 <a:solidFill>
                   <a:srgbClr val="000000"/>
                 </a:solidFill>
                 <a:effectLst/>
-                <a:latin typeface="Menlo" panose="020B0609030804020204" pitchFamily="49" charset="0"/>
+                <a:latin typeface="Consolas" panose="020B0609020204030204" pitchFamily="49" charset="0"/>
+                <a:cs typeface="Consolas" panose="020B0609020204030204" pitchFamily="49" charset="0"/>
               </a:rPr>
               <a:t>?</a:t>
             </a:r>
             <a:r>
-              <a:rPr lang="en-US" sz="2000" b="0">
+              <a:rPr lang="en-US" sz="2000" b="0" dirty="0">
                 <a:solidFill>
                   <a:srgbClr val="3B3B3B"/>
                 </a:solidFill>
                 <a:effectLst/>
-                <a:latin typeface="Menlo" panose="020B0609030804020204" pitchFamily="49" charset="0"/>
+                <a:latin typeface="Consolas" panose="020B0609020204030204" pitchFamily="49" charset="0"/>
+                <a:cs typeface="Consolas" panose="020B0609020204030204" pitchFamily="49" charset="0"/>
               </a:rPr>
               <a:t> </a:t>
             </a:r>
             <a:r>
-              <a:rPr lang="en-US" sz="2000" b="0">
+              <a:rPr lang="en-US" sz="2000" b="0" dirty="0">
                 <a:solidFill>
                   <a:srgbClr val="098658"/>
                 </a:solidFill>
                 <a:effectLst/>
-                <a:latin typeface="Menlo" panose="020B0609030804020204" pitchFamily="49" charset="0"/>
+                <a:latin typeface="Consolas" panose="020B0609020204030204" pitchFamily="49" charset="0"/>
+                <a:cs typeface="Consolas" panose="020B0609020204030204" pitchFamily="49" charset="0"/>
               </a:rPr>
               <a:t>2</a:t>
             </a:r>
             <a:r>
-              <a:rPr lang="en-US" sz="2000" b="0">
+              <a:rPr lang="en-US" sz="2000" b="0" dirty="0">
                 <a:solidFill>
                   <a:srgbClr val="3B3B3B"/>
                 </a:solidFill>
                 <a:effectLst/>
-                <a:latin typeface="Menlo" panose="020B0609030804020204" pitchFamily="49" charset="0"/>
+                <a:latin typeface="Consolas" panose="020B0609020204030204" pitchFamily="49" charset="0"/>
+                <a:cs typeface="Consolas" panose="020B0609020204030204" pitchFamily="49" charset="0"/>
               </a:rPr>
               <a:t> </a:t>
             </a:r>
             <a:r>
-              <a:rPr lang="en-US" sz="2000" b="0">
+              <a:rPr lang="en-US" sz="2000" b="0" dirty="0">
                 <a:solidFill>
                   <a:srgbClr val="000000"/>
                 </a:solidFill>
                 <a:effectLst/>
-                <a:latin typeface="Menlo" panose="020B0609030804020204" pitchFamily="49" charset="0"/>
+                <a:latin typeface="Consolas" panose="020B0609020204030204" pitchFamily="49" charset="0"/>
+                <a:cs typeface="Consolas" panose="020B0609020204030204" pitchFamily="49" charset="0"/>
               </a:rPr>
               <a:t>:</a:t>
             </a:r>
             <a:r>
-              <a:rPr lang="en-US" sz="2000" b="0">
+              <a:rPr lang="en-US" sz="2000" b="0" dirty="0">
                 <a:solidFill>
                   <a:srgbClr val="3B3B3B"/>
                 </a:solidFill>
                 <a:effectLst/>
-                <a:latin typeface="Menlo" panose="020B0609030804020204" pitchFamily="49" charset="0"/>
+                <a:latin typeface="Consolas" panose="020B0609020204030204" pitchFamily="49" charset="0"/>
+                <a:cs typeface="Consolas" panose="020B0609020204030204" pitchFamily="49" charset="0"/>
               </a:rPr>
               <a:t> </a:t>
             </a:r>
             <a:r>
-              <a:rPr lang="en-US" sz="2000" b="0">
+              <a:rPr lang="en-US" sz="2000" b="0" dirty="0">
                 <a:solidFill>
                   <a:srgbClr val="098658"/>
                 </a:solidFill>
                 <a:effectLst/>
-                <a:latin typeface="Menlo" panose="020B0609030804020204" pitchFamily="49" charset="0"/>
+                <a:latin typeface="Consolas" panose="020B0609020204030204" pitchFamily="49" charset="0"/>
+                <a:cs typeface="Consolas" panose="020B0609020204030204" pitchFamily="49" charset="0"/>
               </a:rPr>
               <a:t>3</a:t>
             </a:r>
             <a:r>
-              <a:rPr lang="en-US" sz="2000" b="0">
+              <a:rPr lang="en-US" sz="2000" b="0" dirty="0">
                 <a:solidFill>
                   <a:srgbClr val="3B3B3B"/>
                 </a:solidFill>
                 <a:effectLst/>
-                <a:latin typeface="Menlo" panose="020B0609030804020204" pitchFamily="49" charset="0"/>
+                <a:latin typeface="Consolas" panose="020B0609020204030204" pitchFamily="49" charset="0"/>
+                <a:cs typeface="Consolas" panose="020B0609020204030204" pitchFamily="49" charset="0"/>
               </a:rPr>
               <a:t>;</a:t>
             </a:r>
@@ -13900,263 +12941,289 @@
               <a:buNone/>
             </a:pPr>
             <a:r>
-              <a:rPr lang="en-US" sz="2000">
+              <a:rPr lang="en-US" sz="2000" dirty="0">
                 <a:solidFill>
                   <a:schemeClr val="bg2">
                     <a:lumMod val="90000"/>
                   </a:schemeClr>
                 </a:solidFill>
-                <a:latin typeface="Menlo" panose="020B0609030804020204" pitchFamily="49" charset="0"/>
+                <a:latin typeface="Consolas" panose="020B0609020204030204" pitchFamily="49" charset="0"/>
+                <a:cs typeface="Consolas" panose="020B0609020204030204" pitchFamily="49" charset="0"/>
               </a:rPr>
               <a:t>5</a:t>
             </a:r>
             <a:r>
-              <a:rPr lang="en-US" sz="2000" b="0">
+              <a:rPr lang="en-US" sz="2000" b="0" dirty="0">
                 <a:solidFill>
                   <a:schemeClr val="bg2">
                     <a:lumMod val="90000"/>
                   </a:schemeClr>
                 </a:solidFill>
                 <a:effectLst/>
-                <a:latin typeface="Menlo" panose="020B0609030804020204" pitchFamily="49" charset="0"/>
+                <a:latin typeface="Consolas" panose="020B0609020204030204" pitchFamily="49" charset="0"/>
+                <a:cs typeface="Consolas" panose="020B0609020204030204" pitchFamily="49" charset="0"/>
               </a:rPr>
               <a:t>| </a:t>
             </a:r>
             <a:r>
-              <a:rPr lang="en-US" sz="2000" b="0">
+              <a:rPr lang="en-US" sz="2000" b="0" dirty="0">
                 <a:solidFill>
                   <a:srgbClr val="0000FF"/>
                 </a:solidFill>
                 <a:effectLst/>
-                <a:latin typeface="Menlo" panose="020B0609030804020204" pitchFamily="49" charset="0"/>
+                <a:latin typeface="Consolas" panose="020B0609020204030204" pitchFamily="49" charset="0"/>
+                <a:cs typeface="Consolas" panose="020B0609020204030204" pitchFamily="49" charset="0"/>
               </a:rPr>
               <a:t>const</a:t>
             </a:r>
             <a:r>
-              <a:rPr lang="en-US" sz="2000" b="0">
+              <a:rPr lang="en-US" sz="2000" b="0" dirty="0">
                 <a:solidFill>
                   <a:srgbClr val="3B3B3B"/>
                 </a:solidFill>
                 <a:effectLst/>
-                <a:latin typeface="Menlo" panose="020B0609030804020204" pitchFamily="49" charset="0"/>
+                <a:latin typeface="Consolas" panose="020B0609020204030204" pitchFamily="49" charset="0"/>
+                <a:cs typeface="Consolas" panose="020B0609020204030204" pitchFamily="49" charset="0"/>
               </a:rPr>
               <a:t> </a:t>
             </a:r>
             <a:r>
-              <a:rPr lang="en-US" sz="2000" b="0">
+              <a:rPr lang="en-US" sz="2000" b="0" dirty="0">
                 <a:solidFill>
                   <a:srgbClr val="0070C1"/>
                 </a:solidFill>
                 <a:effectLst/>
-                <a:latin typeface="Menlo" panose="020B0609030804020204" pitchFamily="49" charset="0"/>
+                <a:latin typeface="Consolas" panose="020B0609020204030204" pitchFamily="49" charset="0"/>
+                <a:cs typeface="Consolas" panose="020B0609020204030204" pitchFamily="49" charset="0"/>
               </a:rPr>
               <a:t>z</a:t>
             </a:r>
             <a:r>
-              <a:rPr lang="en-US" sz="2000" b="0">
+              <a:rPr lang="en-US" sz="2000" b="0" dirty="0">
                 <a:solidFill>
                   <a:srgbClr val="3B3B3B"/>
                 </a:solidFill>
                 <a:effectLst/>
-                <a:latin typeface="Menlo" panose="020B0609030804020204" pitchFamily="49" charset="0"/>
+                <a:latin typeface="Consolas" panose="020B0609020204030204" pitchFamily="49" charset="0"/>
+                <a:cs typeface="Consolas" panose="020B0609020204030204" pitchFamily="49" charset="0"/>
               </a:rPr>
               <a:t> </a:t>
             </a:r>
             <a:r>
-              <a:rPr lang="en-US" sz="2000" b="0">
+              <a:rPr lang="en-US" sz="2000" b="0" dirty="0">
                 <a:solidFill>
                   <a:srgbClr val="000000"/>
                 </a:solidFill>
                 <a:effectLst/>
-                <a:latin typeface="Menlo" panose="020B0609030804020204" pitchFamily="49" charset="0"/>
+                <a:latin typeface="Consolas" panose="020B0609020204030204" pitchFamily="49" charset="0"/>
+                <a:cs typeface="Consolas" panose="020B0609020204030204" pitchFamily="49" charset="0"/>
               </a:rPr>
               <a:t>=</a:t>
             </a:r>
             <a:r>
-              <a:rPr lang="en-US" sz="2000" b="0">
+              <a:rPr lang="en-US" sz="2000" b="0" dirty="0">
                 <a:solidFill>
                   <a:srgbClr val="3B3B3B"/>
                 </a:solidFill>
                 <a:effectLst/>
-                <a:latin typeface="Menlo" panose="020B0609030804020204" pitchFamily="49" charset="0"/>
+                <a:latin typeface="Consolas" panose="020B0609020204030204" pitchFamily="49" charset="0"/>
+                <a:cs typeface="Consolas" panose="020B0609020204030204" pitchFamily="49" charset="0"/>
               </a:rPr>
               <a:t> </a:t>
             </a:r>
             <a:r>
-              <a:rPr lang="en-US" sz="2000" b="0">
+              <a:rPr lang="en-US" sz="2000" b="0" dirty="0">
                 <a:solidFill>
                   <a:srgbClr val="0070C1"/>
                 </a:solidFill>
                 <a:effectLst/>
-                <a:latin typeface="Menlo" panose="020B0609030804020204" pitchFamily="49" charset="0"/>
+                <a:latin typeface="Consolas" panose="020B0609020204030204" pitchFamily="49" charset="0"/>
+                <a:cs typeface="Consolas" panose="020B0609020204030204" pitchFamily="49" charset="0"/>
               </a:rPr>
               <a:t>x</a:t>
             </a:r>
             <a:r>
-              <a:rPr lang="en-US" sz="2000" b="0">
+              <a:rPr lang="en-US" sz="2000" b="0" dirty="0">
                 <a:solidFill>
                   <a:srgbClr val="3B3B3B"/>
                 </a:solidFill>
                 <a:effectLst/>
-                <a:latin typeface="Menlo" panose="020B0609030804020204" pitchFamily="49" charset="0"/>
+                <a:latin typeface="Consolas" panose="020B0609020204030204" pitchFamily="49" charset="0"/>
+                <a:cs typeface="Consolas" panose="020B0609020204030204" pitchFamily="49" charset="0"/>
               </a:rPr>
               <a:t> </a:t>
             </a:r>
             <a:r>
-              <a:rPr lang="en-US" sz="2000" b="0">
+              <a:rPr lang="en-US" sz="2000" b="0" dirty="0">
                 <a:solidFill>
                   <a:srgbClr val="000000"/>
                 </a:solidFill>
                 <a:effectLst/>
-                <a:latin typeface="Menlo" panose="020B0609030804020204" pitchFamily="49" charset="0"/>
+                <a:latin typeface="Consolas" panose="020B0609020204030204" pitchFamily="49" charset="0"/>
+                <a:cs typeface="Consolas" panose="020B0609020204030204" pitchFamily="49" charset="0"/>
               </a:rPr>
               <a:t>%</a:t>
             </a:r>
             <a:r>
-              <a:rPr lang="en-US" sz="2000" b="0">
+              <a:rPr lang="en-US" sz="2000" b="0" dirty="0">
                 <a:solidFill>
                   <a:srgbClr val="3B3B3B"/>
                 </a:solidFill>
                 <a:effectLst/>
-                <a:latin typeface="Menlo" panose="020B0609030804020204" pitchFamily="49" charset="0"/>
+                <a:latin typeface="Consolas" panose="020B0609020204030204" pitchFamily="49" charset="0"/>
+                <a:cs typeface="Consolas" panose="020B0609020204030204" pitchFamily="49" charset="0"/>
               </a:rPr>
               <a:t> </a:t>
             </a:r>
             <a:r>
-              <a:rPr lang="en-US" sz="2000" b="0">
+              <a:rPr lang="en-US" sz="2000" b="0" dirty="0">
                 <a:solidFill>
                   <a:srgbClr val="098658"/>
                 </a:solidFill>
                 <a:effectLst/>
-                <a:latin typeface="Menlo" panose="020B0609030804020204" pitchFamily="49" charset="0"/>
+                <a:latin typeface="Consolas" panose="020B0609020204030204" pitchFamily="49" charset="0"/>
+                <a:cs typeface="Consolas" panose="020B0609020204030204" pitchFamily="49" charset="0"/>
               </a:rPr>
               <a:t>2</a:t>
             </a:r>
             <a:r>
-              <a:rPr lang="en-US" sz="2000" b="0">
+              <a:rPr lang="en-US" sz="2000" b="0" dirty="0">
                 <a:solidFill>
                   <a:srgbClr val="3B3B3B"/>
                 </a:solidFill>
                 <a:effectLst/>
-                <a:latin typeface="Menlo" panose="020B0609030804020204" pitchFamily="49" charset="0"/>
+                <a:latin typeface="Consolas" panose="020B0609020204030204" pitchFamily="49" charset="0"/>
+                <a:cs typeface="Consolas" panose="020B0609020204030204" pitchFamily="49" charset="0"/>
               </a:rPr>
               <a:t> </a:t>
             </a:r>
             <a:r>
-              <a:rPr lang="en-US" sz="2000" b="0">
+              <a:rPr lang="en-US" sz="2000" b="0" dirty="0">
                 <a:solidFill>
                   <a:srgbClr val="000000"/>
                 </a:solidFill>
                 <a:effectLst/>
-                <a:latin typeface="Menlo" panose="020B0609030804020204" pitchFamily="49" charset="0"/>
+                <a:latin typeface="Consolas" panose="020B0609020204030204" pitchFamily="49" charset="0"/>
+                <a:cs typeface="Consolas" panose="020B0609020204030204" pitchFamily="49" charset="0"/>
               </a:rPr>
               <a:t>==</a:t>
             </a:r>
             <a:r>
-              <a:rPr lang="en-US" sz="2000" b="0">
+              <a:rPr lang="en-US" sz="2000" b="0" dirty="0">
                 <a:solidFill>
                   <a:srgbClr val="3B3B3B"/>
                 </a:solidFill>
                 <a:effectLst/>
-                <a:latin typeface="Menlo" panose="020B0609030804020204" pitchFamily="49" charset="0"/>
+                <a:latin typeface="Consolas" panose="020B0609020204030204" pitchFamily="49" charset="0"/>
+                <a:cs typeface="Consolas" panose="020B0609020204030204" pitchFamily="49" charset="0"/>
               </a:rPr>
               <a:t> </a:t>
             </a:r>
             <a:r>
-              <a:rPr lang="en-US" sz="2000" b="0">
+              <a:rPr lang="en-US" sz="2000" b="0" dirty="0">
                 <a:solidFill>
                   <a:srgbClr val="098658"/>
                 </a:solidFill>
                 <a:effectLst/>
-                <a:latin typeface="Menlo" panose="020B0609030804020204" pitchFamily="49" charset="0"/>
+                <a:latin typeface="Consolas" panose="020B0609020204030204" pitchFamily="49" charset="0"/>
+                <a:cs typeface="Consolas" panose="020B0609020204030204" pitchFamily="49" charset="0"/>
               </a:rPr>
               <a:t>0</a:t>
             </a:r>
             <a:r>
-              <a:rPr lang="en-US" sz="2000" b="0">
+              <a:rPr lang="en-US" sz="2000" b="0" dirty="0">
                 <a:solidFill>
                   <a:srgbClr val="3B3B3B"/>
                 </a:solidFill>
                 <a:effectLst/>
-                <a:latin typeface="Menlo" panose="020B0609030804020204" pitchFamily="49" charset="0"/>
+                <a:latin typeface="Consolas" panose="020B0609020204030204" pitchFamily="49" charset="0"/>
+                <a:cs typeface="Consolas" panose="020B0609020204030204" pitchFamily="49" charset="0"/>
               </a:rPr>
               <a:t> </a:t>
             </a:r>
             <a:r>
-              <a:rPr lang="en-US" sz="2000" b="0">
+              <a:rPr lang="en-US" sz="2000" b="0" dirty="0">
                 <a:solidFill>
                   <a:srgbClr val="000000"/>
                 </a:solidFill>
                 <a:effectLst/>
-                <a:latin typeface="Menlo" panose="020B0609030804020204" pitchFamily="49" charset="0"/>
+                <a:latin typeface="Consolas" panose="020B0609020204030204" pitchFamily="49" charset="0"/>
+                <a:cs typeface="Consolas" panose="020B0609020204030204" pitchFamily="49" charset="0"/>
               </a:rPr>
               <a:t>?</a:t>
             </a:r>
             <a:r>
-              <a:rPr lang="en-US" sz="2000" b="0">
+              <a:rPr lang="en-US" sz="2000" b="0" dirty="0">
                 <a:solidFill>
                   <a:srgbClr val="3B3B3B"/>
                 </a:solidFill>
                 <a:effectLst/>
-                <a:latin typeface="Menlo" panose="020B0609030804020204" pitchFamily="49" charset="0"/>
+                <a:latin typeface="Consolas" panose="020B0609020204030204" pitchFamily="49" charset="0"/>
+                <a:cs typeface="Consolas" panose="020B0609020204030204" pitchFamily="49" charset="0"/>
               </a:rPr>
               <a:t> </a:t>
             </a:r>
             <a:r>
-              <a:rPr lang="en-US" sz="2000">
+              <a:rPr lang="en-US" sz="2000" dirty="0">
                 <a:solidFill>
                   <a:srgbClr val="098658"/>
                 </a:solidFill>
-                <a:latin typeface="Menlo" panose="020B0609030804020204" pitchFamily="49" charset="0"/>
+                <a:latin typeface="Consolas" panose="020B0609020204030204" pitchFamily="49" charset="0"/>
+                <a:cs typeface="Consolas" panose="020B0609020204030204" pitchFamily="49" charset="0"/>
               </a:rPr>
               <a:t>1</a:t>
             </a:r>
             <a:r>
-              <a:rPr lang="en-US" sz="2000" b="0">
+              <a:rPr lang="en-US" sz="2000" b="0" dirty="0">
                 <a:solidFill>
                   <a:srgbClr val="3B3B3B"/>
                 </a:solidFill>
                 <a:effectLst/>
-                <a:latin typeface="Menlo" panose="020B0609030804020204" pitchFamily="49" charset="0"/>
+                <a:latin typeface="Consolas" panose="020B0609020204030204" pitchFamily="49" charset="0"/>
+                <a:cs typeface="Consolas" panose="020B0609020204030204" pitchFamily="49" charset="0"/>
               </a:rPr>
               <a:t> </a:t>
             </a:r>
             <a:r>
-              <a:rPr lang="en-US" sz="2000" b="0">
+              <a:rPr lang="en-US" sz="2000" b="0" dirty="0">
                 <a:solidFill>
                   <a:srgbClr val="000000"/>
                 </a:solidFill>
                 <a:effectLst/>
-                <a:latin typeface="Menlo" panose="020B0609030804020204" pitchFamily="49" charset="0"/>
+                <a:latin typeface="Consolas" panose="020B0609020204030204" pitchFamily="49" charset="0"/>
+                <a:cs typeface="Consolas" panose="020B0609020204030204" pitchFamily="49" charset="0"/>
               </a:rPr>
               <a:t>:</a:t>
             </a:r>
             <a:r>
-              <a:rPr lang="en-US" sz="2000" b="0">
+              <a:rPr lang="en-US" sz="2000" b="0" dirty="0">
                 <a:solidFill>
                   <a:srgbClr val="3B3B3B"/>
                 </a:solidFill>
                 <a:effectLst/>
-                <a:latin typeface="Menlo" panose="020B0609030804020204" pitchFamily="49" charset="0"/>
+                <a:latin typeface="Consolas" panose="020B0609020204030204" pitchFamily="49" charset="0"/>
+                <a:cs typeface="Consolas" panose="020B0609020204030204" pitchFamily="49" charset="0"/>
               </a:rPr>
               <a:t> </a:t>
             </a:r>
             <a:r>
-              <a:rPr lang="en-US" sz="2000">
+              <a:rPr lang="en-US" sz="2000" dirty="0">
                 <a:solidFill>
                   <a:srgbClr val="098658"/>
                 </a:solidFill>
-                <a:latin typeface="Menlo" panose="020B0609030804020204" pitchFamily="49" charset="0"/>
+                <a:latin typeface="Consolas" panose="020B0609020204030204" pitchFamily="49" charset="0"/>
+                <a:cs typeface="Consolas" panose="020B0609020204030204" pitchFamily="49" charset="0"/>
               </a:rPr>
               <a:t>2</a:t>
             </a:r>
             <a:r>
-              <a:rPr lang="en-US" sz="2000" b="0">
+              <a:rPr lang="en-US" sz="2000" b="0" dirty="0">
                 <a:solidFill>
                   <a:srgbClr val="3B3B3B"/>
                 </a:solidFill>
                 <a:effectLst/>
-                <a:latin typeface="Menlo" panose="020B0609030804020204" pitchFamily="49" charset="0"/>
+                <a:latin typeface="Consolas" panose="020B0609020204030204" pitchFamily="49" charset="0"/>
+                <a:cs typeface="Consolas" panose="020B0609020204030204" pitchFamily="49" charset="0"/>
               </a:rPr>
               <a:t>;</a:t>
             </a:r>
@@ -14168,145 +13235,159 @@
               </a:lnSpc>
             </a:pPr>
             <a:r>
-              <a:rPr lang="en-US" sz="2000">
+              <a:rPr lang="en-US" sz="2000" dirty="0">
                 <a:solidFill>
                   <a:schemeClr val="bg2">
                     <a:lumMod val="90000"/>
                   </a:schemeClr>
                 </a:solidFill>
-                <a:latin typeface="Menlo" panose="020B0609030804020204" pitchFamily="49" charset="0"/>
+                <a:latin typeface="Consolas" panose="020B0609020204030204" pitchFamily="49" charset="0"/>
+                <a:cs typeface="Consolas" panose="020B0609020204030204" pitchFamily="49" charset="0"/>
               </a:rPr>
               <a:t>6</a:t>
             </a:r>
             <a:r>
-              <a:rPr lang="en-US" sz="2000" b="0">
+              <a:rPr lang="en-US" sz="2000" b="0" dirty="0">
                 <a:solidFill>
                   <a:schemeClr val="bg2">
                     <a:lumMod val="90000"/>
                   </a:schemeClr>
                 </a:solidFill>
                 <a:effectLst/>
-                <a:latin typeface="Menlo" panose="020B0609030804020204" pitchFamily="49" charset="0"/>
+                <a:latin typeface="Consolas" panose="020B0609020204030204" pitchFamily="49" charset="0"/>
+                <a:cs typeface="Consolas" panose="020B0609020204030204" pitchFamily="49" charset="0"/>
               </a:rPr>
               <a:t>| </a:t>
             </a:r>
             <a:r>
-              <a:rPr lang="en-US" sz="2000" b="0">
+              <a:rPr lang="en-US" sz="2000" b="0" dirty="0">
                 <a:solidFill>
                   <a:srgbClr val="AF00DB"/>
                 </a:solidFill>
                 <a:effectLst/>
-                <a:latin typeface="Menlo" panose="020B0609030804020204" pitchFamily="49" charset="0"/>
+                <a:latin typeface="Consolas" panose="020B0609020204030204" pitchFamily="49" charset="0"/>
+                <a:cs typeface="Consolas" panose="020B0609020204030204" pitchFamily="49" charset="0"/>
               </a:rPr>
               <a:t>return</a:t>
             </a:r>
             <a:r>
-              <a:rPr lang="en-US" sz="2000" b="0">
+              <a:rPr lang="en-US" sz="2000" b="0" dirty="0">
                 <a:solidFill>
                   <a:srgbClr val="3B3B3B"/>
                 </a:solidFill>
                 <a:effectLst/>
-                <a:latin typeface="Menlo" panose="020B0609030804020204" pitchFamily="49" charset="0"/>
+                <a:latin typeface="Consolas" panose="020B0609020204030204" pitchFamily="49" charset="0"/>
+                <a:cs typeface="Consolas" panose="020B0609020204030204" pitchFamily="49" charset="0"/>
               </a:rPr>
               <a:t> </a:t>
             </a:r>
             <a:r>
-              <a:rPr lang="en-US" sz="2000" b="0">
+              <a:rPr lang="en-US" sz="2000" b="0" dirty="0">
                 <a:solidFill>
                   <a:srgbClr val="0070C1"/>
                 </a:solidFill>
                 <a:effectLst/>
-                <a:latin typeface="Menlo" panose="020B0609030804020204" pitchFamily="49" charset="0"/>
+                <a:latin typeface="Consolas" panose="020B0609020204030204" pitchFamily="49" charset="0"/>
+                <a:cs typeface="Consolas" panose="020B0609020204030204" pitchFamily="49" charset="0"/>
               </a:rPr>
               <a:t>x</a:t>
             </a:r>
             <a:r>
-              <a:rPr lang="en-US" sz="2000" b="0">
+              <a:rPr lang="en-US" sz="2000" b="0" dirty="0">
                 <a:solidFill>
                   <a:srgbClr val="3B3B3B"/>
                 </a:solidFill>
                 <a:effectLst/>
-                <a:latin typeface="Menlo" panose="020B0609030804020204" pitchFamily="49" charset="0"/>
+                <a:latin typeface="Consolas" panose="020B0609020204030204" pitchFamily="49" charset="0"/>
+                <a:cs typeface="Consolas" panose="020B0609020204030204" pitchFamily="49" charset="0"/>
               </a:rPr>
               <a:t> </a:t>
             </a:r>
             <a:r>
-              <a:rPr lang="en-US" sz="2000" b="0">
+              <a:rPr lang="en-US" sz="2000" b="0" dirty="0">
                 <a:solidFill>
                   <a:srgbClr val="000000"/>
                 </a:solidFill>
                 <a:effectLst/>
-                <a:latin typeface="Menlo" panose="020B0609030804020204" pitchFamily="49" charset="0"/>
+                <a:latin typeface="Consolas" panose="020B0609020204030204" pitchFamily="49" charset="0"/>
+                <a:cs typeface="Consolas" panose="020B0609020204030204" pitchFamily="49" charset="0"/>
               </a:rPr>
               <a:t>/</a:t>
             </a:r>
             <a:r>
-              <a:rPr lang="en-US" sz="2000" b="0">
+              <a:rPr lang="en-US" sz="2000" b="0" dirty="0">
                 <a:solidFill>
                   <a:srgbClr val="3B3B3B"/>
                 </a:solidFill>
                 <a:effectLst/>
-                <a:latin typeface="Menlo" panose="020B0609030804020204" pitchFamily="49" charset="0"/>
+                <a:latin typeface="Consolas" panose="020B0609020204030204" pitchFamily="49" charset="0"/>
+                <a:cs typeface="Consolas" panose="020B0609020204030204" pitchFamily="49" charset="0"/>
               </a:rPr>
               <a:t> (</a:t>
             </a:r>
             <a:r>
-              <a:rPr lang="en-US" sz="2000" b="0">
+              <a:rPr lang="en-US" sz="2000" b="0" dirty="0">
                 <a:solidFill>
                   <a:srgbClr val="0070C1"/>
                 </a:solidFill>
                 <a:effectLst/>
-                <a:latin typeface="Menlo" panose="020B0609030804020204" pitchFamily="49" charset="0"/>
+                <a:latin typeface="Consolas" panose="020B0609020204030204" pitchFamily="49" charset="0"/>
+                <a:cs typeface="Consolas" panose="020B0609020204030204" pitchFamily="49" charset="0"/>
               </a:rPr>
               <a:t>y</a:t>
             </a:r>
             <a:r>
-              <a:rPr lang="en-US" sz="2000" b="0">
+              <a:rPr lang="en-US" sz="2000" b="0" dirty="0">
                 <a:solidFill>
                   <a:srgbClr val="3B3B3B"/>
                 </a:solidFill>
                 <a:effectLst/>
-                <a:latin typeface="Menlo" panose="020B0609030804020204" pitchFamily="49" charset="0"/>
+                <a:latin typeface="Consolas" panose="020B0609020204030204" pitchFamily="49" charset="0"/>
+                <a:cs typeface="Consolas" panose="020B0609020204030204" pitchFamily="49" charset="0"/>
               </a:rPr>
               <a:t> </a:t>
             </a:r>
             <a:r>
-              <a:rPr lang="en-US" sz="2000" b="0">
+              <a:rPr lang="en-US" sz="2000" b="0" dirty="0">
                 <a:solidFill>
                   <a:srgbClr val="000000"/>
                 </a:solidFill>
                 <a:effectLst/>
-                <a:latin typeface="Menlo" panose="020B0609030804020204" pitchFamily="49" charset="0"/>
+                <a:latin typeface="Consolas" panose="020B0609020204030204" pitchFamily="49" charset="0"/>
+                <a:cs typeface="Consolas" panose="020B0609020204030204" pitchFamily="49" charset="0"/>
               </a:rPr>
               <a:t>-</a:t>
             </a:r>
             <a:r>
-              <a:rPr lang="en-US" sz="2000" b="0">
+              <a:rPr lang="en-US" sz="2000" b="0" dirty="0">
                 <a:solidFill>
                   <a:srgbClr val="3B3B3B"/>
                 </a:solidFill>
                 <a:effectLst/>
-                <a:latin typeface="Menlo" panose="020B0609030804020204" pitchFamily="49" charset="0"/>
+                <a:latin typeface="Consolas" panose="020B0609020204030204" pitchFamily="49" charset="0"/>
+                <a:cs typeface="Consolas" panose="020B0609020204030204" pitchFamily="49" charset="0"/>
               </a:rPr>
               <a:t> </a:t>
             </a:r>
             <a:r>
-              <a:rPr lang="en-US" sz="2000" b="0">
+              <a:rPr lang="en-US" sz="2000" b="0" dirty="0">
                 <a:solidFill>
                   <a:srgbClr val="0070C1"/>
                 </a:solidFill>
                 <a:effectLst/>
-                <a:latin typeface="Menlo" panose="020B0609030804020204" pitchFamily="49" charset="0"/>
+                <a:latin typeface="Consolas" panose="020B0609020204030204" pitchFamily="49" charset="0"/>
+                <a:cs typeface="Consolas" panose="020B0609020204030204" pitchFamily="49" charset="0"/>
               </a:rPr>
               <a:t>z</a:t>
             </a:r>
             <a:r>
-              <a:rPr lang="en-US" sz="2000" b="0">
+              <a:rPr lang="en-US" sz="2000" b="0" dirty="0">
                 <a:solidFill>
                   <a:srgbClr val="3B3B3B"/>
                 </a:solidFill>
                 <a:effectLst/>
-                <a:latin typeface="Menlo" panose="020B0609030804020204" pitchFamily="49" charset="0"/>
+                <a:latin typeface="Consolas" panose="020B0609020204030204" pitchFamily="49" charset="0"/>
+                <a:cs typeface="Consolas" panose="020B0609020204030204" pitchFamily="49" charset="0"/>
               </a:rPr>
               <a:t>);</a:t>
             </a:r>
@@ -14537,94 +13618,103 @@
               <a:buNone/>
             </a:pPr>
             <a:r>
-              <a:rPr lang="en-US" sz="2000" b="0">
+              <a:rPr lang="en-US" sz="2000" b="0" dirty="0">
                 <a:solidFill>
                   <a:schemeClr val="bg2">
                     <a:lumMod val="90000"/>
                   </a:schemeClr>
                 </a:solidFill>
                 <a:effectLst/>
-                <a:latin typeface="Menlo" panose="020B0609030804020204" pitchFamily="49" charset="0"/>
+                <a:latin typeface="Consolas" panose="020B0609020204030204" pitchFamily="49" charset="0"/>
+                <a:cs typeface="Consolas" panose="020B0609020204030204" pitchFamily="49" charset="0"/>
               </a:rPr>
               <a:t>1| </a:t>
             </a:r>
             <a:r>
-              <a:rPr lang="en-US" sz="2000" b="0">
+              <a:rPr lang="en-US" sz="2000" b="0" dirty="0">
                 <a:solidFill>
                   <a:srgbClr val="AF00DB"/>
                 </a:solidFill>
                 <a:effectLst/>
-                <a:latin typeface="Menlo" panose="020B0609030804020204" pitchFamily="49" charset="0"/>
+                <a:latin typeface="Consolas" panose="020B0609020204030204" pitchFamily="49" charset="0"/>
+                <a:cs typeface="Consolas" panose="020B0609020204030204" pitchFamily="49" charset="0"/>
               </a:rPr>
               <a:t>if</a:t>
             </a:r>
             <a:r>
-              <a:rPr lang="en-US" sz="2000" b="0">
+              <a:rPr lang="en-US" sz="2000" b="0" dirty="0">
                 <a:solidFill>
                   <a:srgbClr val="3B3B3B"/>
                 </a:solidFill>
                 <a:effectLst/>
-                <a:latin typeface="Menlo" panose="020B0609030804020204" pitchFamily="49" charset="0"/>
+                <a:latin typeface="Consolas" panose="020B0609020204030204" pitchFamily="49" charset="0"/>
+                <a:cs typeface="Consolas" panose="020B0609020204030204" pitchFamily="49" charset="0"/>
               </a:rPr>
               <a:t> (</a:t>
             </a:r>
             <a:r>
-              <a:rPr lang="en-US" sz="2000" b="0">
+              <a:rPr lang="en-US" sz="2000" b="0" dirty="0">
                 <a:solidFill>
                   <a:srgbClr val="0070C1"/>
                 </a:solidFill>
                 <a:effectLst/>
-                <a:latin typeface="Menlo" panose="020B0609030804020204" pitchFamily="49" charset="0"/>
+                <a:latin typeface="Consolas" panose="020B0609020204030204" pitchFamily="49" charset="0"/>
+                <a:cs typeface="Consolas" panose="020B0609020204030204" pitchFamily="49" charset="0"/>
               </a:rPr>
               <a:t>x</a:t>
             </a:r>
             <a:r>
-              <a:rPr lang="en-US" sz="2000" b="0">
+              <a:rPr lang="en-US" sz="2000" b="0" dirty="0">
                 <a:solidFill>
                   <a:srgbClr val="3B3B3B"/>
                 </a:solidFill>
                 <a:effectLst/>
-                <a:latin typeface="Menlo" panose="020B0609030804020204" pitchFamily="49" charset="0"/>
+                <a:latin typeface="Consolas" panose="020B0609020204030204" pitchFamily="49" charset="0"/>
+                <a:cs typeface="Consolas" panose="020B0609020204030204" pitchFamily="49" charset="0"/>
               </a:rPr>
               <a:t> </a:t>
             </a:r>
             <a:r>
-              <a:rPr lang="en-US" sz="2000" b="0">
+              <a:rPr lang="en-US" sz="2000" b="0" dirty="0">
                 <a:solidFill>
                   <a:srgbClr val="000000"/>
                 </a:solidFill>
                 <a:effectLst/>
-                <a:latin typeface="Menlo" panose="020B0609030804020204" pitchFamily="49" charset="0"/>
+                <a:latin typeface="Consolas" panose="020B0609020204030204" pitchFamily="49" charset="0"/>
+                <a:cs typeface="Consolas" panose="020B0609020204030204" pitchFamily="49" charset="0"/>
               </a:rPr>
               <a:t>===</a:t>
             </a:r>
             <a:r>
-              <a:rPr lang="en-US" sz="2000" b="0">
+              <a:rPr lang="en-US" sz="2000" b="0" dirty="0">
                 <a:solidFill>
                   <a:srgbClr val="3B3B3B"/>
                 </a:solidFill>
                 <a:effectLst/>
-                <a:latin typeface="Menlo" panose="020B0609030804020204" pitchFamily="49" charset="0"/>
+                <a:latin typeface="Consolas" panose="020B0609020204030204" pitchFamily="49" charset="0"/>
+                <a:cs typeface="Consolas" panose="020B0609020204030204" pitchFamily="49" charset="0"/>
               </a:rPr>
               <a:t> </a:t>
             </a:r>
             <a:r>
-              <a:rPr lang="en-US" sz="2000" b="0">
+              <a:rPr lang="en-US" sz="2000" b="0" dirty="0">
                 <a:solidFill>
                   <a:srgbClr val="098658"/>
                 </a:solidFill>
                 <a:effectLst/>
-                <a:latin typeface="Menlo" panose="020B0609030804020204" pitchFamily="49" charset="0"/>
+                <a:latin typeface="Consolas" panose="020B0609020204030204" pitchFamily="49" charset="0"/>
+                <a:cs typeface="Consolas" panose="020B0609020204030204" pitchFamily="49" charset="0"/>
               </a:rPr>
               <a:t>0</a:t>
             </a:r>
             <a:r>
-              <a:rPr lang="en-US" sz="2000" b="0">
+              <a:rPr lang="en-US" sz="2000" b="0" dirty="0">
                 <a:solidFill>
                   <a:srgbClr val="3B3B3B"/>
                 </a:solidFill>
                 <a:effectLst/>
-                <a:latin typeface="Menlo" panose="020B0609030804020204" pitchFamily="49" charset="0"/>
+                <a:latin typeface="Consolas" panose="020B0609020204030204" pitchFamily="49" charset="0"/>
+                <a:cs typeface="Consolas" panose="020B0609020204030204" pitchFamily="49" charset="0"/>
               </a:rPr>
               <a:t>) {</a:t>
             </a:r>
@@ -14637,65 +13727,71 @@
               <a:buNone/>
             </a:pPr>
             <a:r>
-              <a:rPr lang="en-US" sz="2000">
+              <a:rPr lang="en-US" sz="2000" dirty="0">
                 <a:solidFill>
                   <a:schemeClr val="bg2">
                     <a:lumMod val="90000"/>
                   </a:schemeClr>
                 </a:solidFill>
-                <a:latin typeface="Menlo" panose="020B0609030804020204" pitchFamily="49" charset="0"/>
+                <a:latin typeface="Consolas" panose="020B0609020204030204" pitchFamily="49" charset="0"/>
+                <a:cs typeface="Consolas" panose="020B0609020204030204" pitchFamily="49" charset="0"/>
               </a:rPr>
               <a:t>2</a:t>
             </a:r>
             <a:r>
-              <a:rPr lang="en-US" sz="2000" b="0">
+              <a:rPr lang="en-US" sz="2000" b="0" dirty="0">
                 <a:solidFill>
                   <a:schemeClr val="bg2">
                     <a:lumMod val="90000"/>
                   </a:schemeClr>
                 </a:solidFill>
                 <a:effectLst/>
-                <a:latin typeface="Menlo" panose="020B0609030804020204" pitchFamily="49" charset="0"/>
+                <a:latin typeface="Consolas" panose="020B0609020204030204" pitchFamily="49" charset="0"/>
+                <a:cs typeface="Consolas" panose="020B0609020204030204" pitchFamily="49" charset="0"/>
               </a:rPr>
               <a:t>|</a:t>
             </a:r>
             <a:r>
-              <a:rPr lang="en-US" sz="2000" b="0">
+              <a:rPr lang="en-US" sz="2000" b="0" dirty="0">
                 <a:solidFill>
                   <a:srgbClr val="AF00DB"/>
                 </a:solidFill>
                 <a:effectLst/>
-                <a:latin typeface="Menlo" panose="020B0609030804020204" pitchFamily="49" charset="0"/>
+                <a:latin typeface="Consolas" panose="020B0609020204030204" pitchFamily="49" charset="0"/>
+                <a:cs typeface="Consolas" panose="020B0609020204030204" pitchFamily="49" charset="0"/>
               </a:rPr>
               <a:t>  return</a:t>
             </a:r>
             <a:r>
-              <a:rPr lang="en-US" sz="2000" b="0">
+              <a:rPr lang="en-US" sz="2000" b="0" dirty="0">
                 <a:solidFill>
                   <a:srgbClr val="3B3B3B"/>
                 </a:solidFill>
                 <a:effectLst/>
-                <a:latin typeface="Menlo" panose="020B0609030804020204" pitchFamily="49" charset="0"/>
+                <a:latin typeface="Consolas" panose="020B0609020204030204" pitchFamily="49" charset="0"/>
+                <a:cs typeface="Consolas" panose="020B0609020204030204" pitchFamily="49" charset="0"/>
               </a:rPr>
               <a:t> </a:t>
             </a:r>
             <a:r>
-              <a:rPr lang="en-US" sz="2000" b="0">
+              <a:rPr lang="en-US" sz="2000" b="0" dirty="0">
                 <a:solidFill>
                   <a:srgbClr val="098658"/>
                 </a:solidFill>
                 <a:effectLst/>
-                <a:latin typeface="Menlo" panose="020B0609030804020204" pitchFamily="49" charset="0"/>
+                <a:latin typeface="Consolas" panose="020B0609020204030204" pitchFamily="49" charset="0"/>
+                <a:cs typeface="Consolas" panose="020B0609020204030204" pitchFamily="49" charset="0"/>
               </a:rPr>
               <a:t>3</a:t>
             </a:r>
             <a:r>
-              <a:rPr lang="en-US" sz="2000" b="0">
+              <a:rPr lang="en-US" sz="2000" b="0" dirty="0">
                 <a:solidFill>
                   <a:srgbClr val="3B3B3B"/>
                 </a:solidFill>
                 <a:effectLst/>
-                <a:latin typeface="Menlo" panose="020B0609030804020204" pitchFamily="49" charset="0"/>
+                <a:latin typeface="Consolas" panose="020B0609020204030204" pitchFamily="49" charset="0"/>
+                <a:cs typeface="Consolas" panose="020B0609020204030204" pitchFamily="49" charset="0"/>
               </a:rPr>
               <a:t>;</a:t>
             </a:r>
@@ -14708,35 +13804,38 @@
               <a:buNone/>
             </a:pPr>
             <a:r>
-              <a:rPr lang="en-US" sz="2000">
+              <a:rPr lang="en-US" sz="2000" dirty="0">
                 <a:solidFill>
                   <a:schemeClr val="bg2">
                     <a:lumMod val="90000"/>
                   </a:schemeClr>
                 </a:solidFill>
-                <a:latin typeface="Menlo" panose="020B0609030804020204" pitchFamily="49" charset="0"/>
+                <a:latin typeface="Consolas" panose="020B0609020204030204" pitchFamily="49" charset="0"/>
+                <a:cs typeface="Consolas" panose="020B0609020204030204" pitchFamily="49" charset="0"/>
               </a:rPr>
               <a:t>3</a:t>
             </a:r>
             <a:r>
-              <a:rPr lang="en-US" sz="2000" b="0">
+              <a:rPr lang="en-US" sz="2000" b="0" dirty="0">
                 <a:solidFill>
                   <a:schemeClr val="bg2">
                     <a:lumMod val="90000"/>
                   </a:schemeClr>
                 </a:solidFill>
                 <a:effectLst/>
-                <a:latin typeface="Menlo" panose="020B0609030804020204" pitchFamily="49" charset="0"/>
+                <a:latin typeface="Consolas" panose="020B0609020204030204" pitchFamily="49" charset="0"/>
+                <a:cs typeface="Consolas" panose="020B0609020204030204" pitchFamily="49" charset="0"/>
               </a:rPr>
               <a:t>| </a:t>
             </a:r>
             <a:r>
-              <a:rPr lang="en-US" sz="2000" b="0">
+              <a:rPr lang="en-US" sz="2000" b="0" dirty="0">
                 <a:solidFill>
                   <a:srgbClr val="3B3B3B"/>
                 </a:solidFill>
                 <a:effectLst/>
-                <a:latin typeface="Menlo" panose="020B0609030804020204" pitchFamily="49" charset="0"/>
+                <a:latin typeface="Consolas" panose="020B0609020204030204" pitchFamily="49" charset="0"/>
+                <a:cs typeface="Consolas" panose="020B0609020204030204" pitchFamily="49" charset="0"/>
               </a:rPr>
               <a:t>}</a:t>
             </a:r>
@@ -14749,225 +13848,247 @@
               <a:buNone/>
             </a:pPr>
             <a:r>
-              <a:rPr lang="en-US" sz="2000">
+              <a:rPr lang="en-US" sz="2000" dirty="0">
                 <a:solidFill>
                   <a:schemeClr val="bg2">
                     <a:lumMod val="90000"/>
                   </a:schemeClr>
                 </a:solidFill>
-                <a:latin typeface="Menlo" panose="020B0609030804020204" pitchFamily="49" charset="0"/>
+                <a:latin typeface="Consolas" panose="020B0609020204030204" pitchFamily="49" charset="0"/>
+                <a:cs typeface="Consolas" panose="020B0609020204030204" pitchFamily="49" charset="0"/>
               </a:rPr>
               <a:t>4</a:t>
             </a:r>
             <a:r>
-              <a:rPr lang="en-US" sz="2000" b="0">
+              <a:rPr lang="en-US" sz="2000" b="0" dirty="0">
                 <a:solidFill>
                   <a:schemeClr val="bg2">
                     <a:lumMod val="90000"/>
                   </a:schemeClr>
                 </a:solidFill>
                 <a:effectLst/>
-                <a:latin typeface="Menlo" panose="020B0609030804020204" pitchFamily="49" charset="0"/>
+                <a:latin typeface="Consolas" panose="020B0609020204030204" pitchFamily="49" charset="0"/>
+                <a:cs typeface="Consolas" panose="020B0609020204030204" pitchFamily="49" charset="0"/>
               </a:rPr>
               <a:t>| </a:t>
             </a:r>
             <a:r>
-              <a:rPr lang="en-US" sz="2000" b="0">
+              <a:rPr lang="en-US" sz="2000" b="0" dirty="0">
                 <a:solidFill>
                   <a:srgbClr val="0000FF"/>
                 </a:solidFill>
                 <a:effectLst/>
-                <a:latin typeface="Menlo" panose="020B0609030804020204" pitchFamily="49" charset="0"/>
+                <a:latin typeface="Consolas" panose="020B0609020204030204" pitchFamily="49" charset="0"/>
+                <a:cs typeface="Consolas" panose="020B0609020204030204" pitchFamily="49" charset="0"/>
               </a:rPr>
               <a:t>const</a:t>
             </a:r>
             <a:r>
-              <a:rPr lang="en-US" sz="2000" b="0">
+              <a:rPr lang="en-US" sz="2000" b="0" dirty="0">
                 <a:solidFill>
                   <a:srgbClr val="3B3B3B"/>
                 </a:solidFill>
                 <a:effectLst/>
-                <a:latin typeface="Menlo" panose="020B0609030804020204" pitchFamily="49" charset="0"/>
+                <a:latin typeface="Consolas" panose="020B0609020204030204" pitchFamily="49" charset="0"/>
+                <a:cs typeface="Consolas" panose="020B0609020204030204" pitchFamily="49" charset="0"/>
               </a:rPr>
               <a:t> </a:t>
             </a:r>
             <a:r>
-              <a:rPr lang="en-US" sz="2000" b="0">
+              <a:rPr lang="en-US" sz="2000" b="0" dirty="0">
                 <a:solidFill>
                   <a:srgbClr val="0070C1"/>
                 </a:solidFill>
                 <a:effectLst/>
-                <a:latin typeface="Menlo" panose="020B0609030804020204" pitchFamily="49" charset="0"/>
+                <a:latin typeface="Consolas" panose="020B0609020204030204" pitchFamily="49" charset="0"/>
+                <a:cs typeface="Consolas" panose="020B0609020204030204" pitchFamily="49" charset="0"/>
               </a:rPr>
               <a:t>y</a:t>
             </a:r>
             <a:r>
-              <a:rPr lang="en-US" sz="2000" b="0">
+              <a:rPr lang="en-US" sz="2000" b="0" dirty="0">
                 <a:solidFill>
                   <a:srgbClr val="3B3B3B"/>
                 </a:solidFill>
                 <a:effectLst/>
-                <a:latin typeface="Menlo" panose="020B0609030804020204" pitchFamily="49" charset="0"/>
+                <a:latin typeface="Consolas" panose="020B0609020204030204" pitchFamily="49" charset="0"/>
+                <a:cs typeface="Consolas" panose="020B0609020204030204" pitchFamily="49" charset="0"/>
               </a:rPr>
               <a:t> </a:t>
             </a:r>
             <a:r>
-              <a:rPr lang="en-US" sz="2000" b="0">
+              <a:rPr lang="en-US" sz="2000" b="0" dirty="0">
                 <a:solidFill>
                   <a:srgbClr val="000000"/>
                 </a:solidFill>
                 <a:effectLst/>
-                <a:latin typeface="Menlo" panose="020B0609030804020204" pitchFamily="49" charset="0"/>
+                <a:latin typeface="Consolas" panose="020B0609020204030204" pitchFamily="49" charset="0"/>
+                <a:cs typeface="Consolas" panose="020B0609020204030204" pitchFamily="49" charset="0"/>
               </a:rPr>
               <a:t>=</a:t>
             </a:r>
             <a:r>
-              <a:rPr lang="en-US" sz="2000" b="0">
+              <a:rPr lang="en-US" sz="2000" b="0" dirty="0">
                 <a:solidFill>
                   <a:srgbClr val="3B3B3B"/>
                 </a:solidFill>
                 <a:effectLst/>
-                <a:latin typeface="Menlo" panose="020B0609030804020204" pitchFamily="49" charset="0"/>
+                <a:latin typeface="Consolas" panose="020B0609020204030204" pitchFamily="49" charset="0"/>
+                <a:cs typeface="Consolas" panose="020B0609020204030204" pitchFamily="49" charset="0"/>
               </a:rPr>
               <a:t> </a:t>
             </a:r>
             <a:r>
-              <a:rPr lang="en-US" sz="2000" b="0">
+              <a:rPr lang="en-US" sz="2000" b="0" dirty="0">
                 <a:solidFill>
                   <a:srgbClr val="0070C1"/>
                 </a:solidFill>
                 <a:effectLst/>
-                <a:latin typeface="Menlo" panose="020B0609030804020204" pitchFamily="49" charset="0"/>
+                <a:latin typeface="Consolas" panose="020B0609020204030204" pitchFamily="49" charset="0"/>
+                <a:cs typeface="Consolas" panose="020B0609020204030204" pitchFamily="49" charset="0"/>
               </a:rPr>
               <a:t>x</a:t>
             </a:r>
             <a:r>
-              <a:rPr lang="en-US" sz="2000" b="0">
+              <a:rPr lang="en-US" sz="2000" b="0" dirty="0">
                 <a:solidFill>
                   <a:srgbClr val="3B3B3B"/>
                 </a:solidFill>
                 <a:effectLst/>
-                <a:latin typeface="Menlo" panose="020B0609030804020204" pitchFamily="49" charset="0"/>
+                <a:latin typeface="Consolas" panose="020B0609020204030204" pitchFamily="49" charset="0"/>
+                <a:cs typeface="Consolas" panose="020B0609020204030204" pitchFamily="49" charset="0"/>
               </a:rPr>
               <a:t> </a:t>
             </a:r>
             <a:r>
-              <a:rPr lang="en-US" sz="2000" b="0">
+              <a:rPr lang="en-US" sz="2000" b="0" dirty="0">
                 <a:solidFill>
                   <a:srgbClr val="000000"/>
                 </a:solidFill>
                 <a:effectLst/>
-                <a:latin typeface="Menlo" panose="020B0609030804020204" pitchFamily="49" charset="0"/>
+                <a:latin typeface="Consolas" panose="020B0609020204030204" pitchFamily="49" charset="0"/>
+                <a:cs typeface="Consolas" panose="020B0609020204030204" pitchFamily="49" charset="0"/>
               </a:rPr>
               <a:t>&gt;</a:t>
             </a:r>
             <a:r>
-              <a:rPr lang="en-US" sz="2000" b="0">
+              <a:rPr lang="en-US" sz="2000" b="0" dirty="0">
                 <a:solidFill>
                   <a:srgbClr val="3B3B3B"/>
                 </a:solidFill>
                 <a:effectLst/>
-                <a:latin typeface="Menlo" panose="020B0609030804020204" pitchFamily="49" charset="0"/>
+                <a:latin typeface="Consolas" panose="020B0609020204030204" pitchFamily="49" charset="0"/>
+                <a:cs typeface="Consolas" panose="020B0609020204030204" pitchFamily="49" charset="0"/>
               </a:rPr>
               <a:t> </a:t>
             </a:r>
             <a:r>
-              <a:rPr lang="en-US" sz="2000" b="0">
+              <a:rPr lang="en-US" sz="2000" b="0" dirty="0">
                 <a:solidFill>
                   <a:srgbClr val="098658"/>
                 </a:solidFill>
                 <a:effectLst/>
-                <a:latin typeface="Menlo" panose="020B0609030804020204" pitchFamily="49" charset="0"/>
+                <a:latin typeface="Consolas" panose="020B0609020204030204" pitchFamily="49" charset="0"/>
+                <a:cs typeface="Consolas" panose="020B0609020204030204" pitchFamily="49" charset="0"/>
               </a:rPr>
               <a:t>4</a:t>
             </a:r>
             <a:r>
-              <a:rPr lang="en-US" sz="2000" b="0">
+              <a:rPr lang="en-US" sz="2000" b="0" dirty="0">
                 <a:solidFill>
                   <a:srgbClr val="3B3B3B"/>
                 </a:solidFill>
                 <a:effectLst/>
-                <a:latin typeface="Menlo" panose="020B0609030804020204" pitchFamily="49" charset="0"/>
+                <a:latin typeface="Consolas" panose="020B0609020204030204" pitchFamily="49" charset="0"/>
+                <a:cs typeface="Consolas" panose="020B0609020204030204" pitchFamily="49" charset="0"/>
               </a:rPr>
               <a:t> </a:t>
             </a:r>
             <a:r>
-              <a:rPr lang="en-US" sz="2000" b="0">
+              <a:rPr lang="en-US" sz="2000" b="0" dirty="0">
                 <a:solidFill>
                   <a:srgbClr val="000000"/>
                 </a:solidFill>
                 <a:effectLst/>
-                <a:latin typeface="Menlo" panose="020B0609030804020204" pitchFamily="49" charset="0"/>
+                <a:latin typeface="Consolas" panose="020B0609020204030204" pitchFamily="49" charset="0"/>
+                <a:cs typeface="Consolas" panose="020B0609020204030204" pitchFamily="49" charset="0"/>
               </a:rPr>
               <a:t>?</a:t>
             </a:r>
             <a:r>
-              <a:rPr lang="en-US" sz="2000" b="0">
+              <a:rPr lang="en-US" sz="2000" b="0" dirty="0">
                 <a:solidFill>
                   <a:srgbClr val="3B3B3B"/>
                 </a:solidFill>
                 <a:effectLst/>
-                <a:latin typeface="Menlo" panose="020B0609030804020204" pitchFamily="49" charset="0"/>
+                <a:latin typeface="Consolas" panose="020B0609020204030204" pitchFamily="49" charset="0"/>
+                <a:cs typeface="Consolas" panose="020B0609020204030204" pitchFamily="49" charset="0"/>
               </a:rPr>
               <a:t> </a:t>
             </a:r>
             <a:r>
-              <a:rPr lang="en-US" sz="2000" b="0">
+              <a:rPr lang="en-US" sz="2000" b="0" dirty="0">
                 <a:solidFill>
                   <a:srgbClr val="098658"/>
                 </a:solidFill>
                 <a:effectLst/>
-                <a:latin typeface="Menlo" panose="020B0609030804020204" pitchFamily="49" charset="0"/>
+                <a:latin typeface="Consolas" panose="020B0609020204030204" pitchFamily="49" charset="0"/>
+                <a:cs typeface="Consolas" panose="020B0609020204030204" pitchFamily="49" charset="0"/>
               </a:rPr>
               <a:t>2</a:t>
             </a:r>
             <a:r>
-              <a:rPr lang="en-US" sz="2000" b="0">
+              <a:rPr lang="en-US" sz="2000" b="0" dirty="0">
                 <a:solidFill>
                   <a:srgbClr val="3B3B3B"/>
                 </a:solidFill>
                 <a:effectLst/>
-                <a:latin typeface="Menlo" panose="020B0609030804020204" pitchFamily="49" charset="0"/>
+                <a:latin typeface="Consolas" panose="020B0609020204030204" pitchFamily="49" charset="0"/>
+                <a:cs typeface="Consolas" panose="020B0609020204030204" pitchFamily="49" charset="0"/>
               </a:rPr>
               <a:t> </a:t>
             </a:r>
             <a:r>
-              <a:rPr lang="en-US" sz="2000" b="0">
+              <a:rPr lang="en-US" sz="2000" b="0" dirty="0">
                 <a:solidFill>
                   <a:srgbClr val="000000"/>
                 </a:solidFill>
                 <a:effectLst/>
-                <a:latin typeface="Menlo" panose="020B0609030804020204" pitchFamily="49" charset="0"/>
+                <a:latin typeface="Consolas" panose="020B0609020204030204" pitchFamily="49" charset="0"/>
+                <a:cs typeface="Consolas" panose="020B0609020204030204" pitchFamily="49" charset="0"/>
               </a:rPr>
               <a:t>:</a:t>
             </a:r>
             <a:r>
-              <a:rPr lang="en-US" sz="2000" b="0">
+              <a:rPr lang="en-US" sz="2000" b="0" dirty="0">
                 <a:solidFill>
                   <a:srgbClr val="3B3B3B"/>
                 </a:solidFill>
                 <a:effectLst/>
-                <a:latin typeface="Menlo" panose="020B0609030804020204" pitchFamily="49" charset="0"/>
+                <a:latin typeface="Consolas" panose="020B0609020204030204" pitchFamily="49" charset="0"/>
+                <a:cs typeface="Consolas" panose="020B0609020204030204" pitchFamily="49" charset="0"/>
               </a:rPr>
               <a:t> </a:t>
             </a:r>
             <a:r>
-              <a:rPr lang="en-US" sz="2000" b="0">
+              <a:rPr lang="en-US" sz="2000" b="0" dirty="0">
                 <a:solidFill>
                   <a:srgbClr val="098658"/>
                 </a:solidFill>
                 <a:effectLst/>
-                <a:latin typeface="Menlo" panose="020B0609030804020204" pitchFamily="49" charset="0"/>
+                <a:latin typeface="Consolas" panose="020B0609020204030204" pitchFamily="49" charset="0"/>
+                <a:cs typeface="Consolas" panose="020B0609020204030204" pitchFamily="49" charset="0"/>
               </a:rPr>
               <a:t>3</a:t>
             </a:r>
             <a:r>
-              <a:rPr lang="en-US" sz="2000" b="0">
+              <a:rPr lang="en-US" sz="2000" b="0" dirty="0">
                 <a:solidFill>
                   <a:srgbClr val="3B3B3B"/>
                 </a:solidFill>
                 <a:effectLst/>
-                <a:latin typeface="Menlo" panose="020B0609030804020204" pitchFamily="49" charset="0"/>
+                <a:latin typeface="Consolas" panose="020B0609020204030204" pitchFamily="49" charset="0"/>
+                <a:cs typeface="Consolas" panose="020B0609020204030204" pitchFamily="49" charset="0"/>
               </a:rPr>
               <a:t>;</a:t>
             </a:r>
@@ -14980,263 +14101,289 @@
               <a:buNone/>
             </a:pPr>
             <a:r>
-              <a:rPr lang="en-US" sz="2000">
+              <a:rPr lang="en-US" sz="2000" dirty="0">
                 <a:solidFill>
                   <a:schemeClr val="bg2">
                     <a:lumMod val="90000"/>
                   </a:schemeClr>
                 </a:solidFill>
-                <a:latin typeface="Menlo" panose="020B0609030804020204" pitchFamily="49" charset="0"/>
+                <a:latin typeface="Consolas" panose="020B0609020204030204" pitchFamily="49" charset="0"/>
+                <a:cs typeface="Consolas" panose="020B0609020204030204" pitchFamily="49" charset="0"/>
               </a:rPr>
               <a:t>5</a:t>
             </a:r>
             <a:r>
-              <a:rPr lang="en-US" sz="2000" b="0">
+              <a:rPr lang="en-US" sz="2000" b="0" dirty="0">
                 <a:solidFill>
                   <a:schemeClr val="bg2">
                     <a:lumMod val="90000"/>
                   </a:schemeClr>
                 </a:solidFill>
                 <a:effectLst/>
-                <a:latin typeface="Menlo" panose="020B0609030804020204" pitchFamily="49" charset="0"/>
+                <a:latin typeface="Consolas" panose="020B0609020204030204" pitchFamily="49" charset="0"/>
+                <a:cs typeface="Consolas" panose="020B0609020204030204" pitchFamily="49" charset="0"/>
               </a:rPr>
               <a:t>| </a:t>
             </a:r>
             <a:r>
-              <a:rPr lang="en-US" sz="2000" b="0">
+              <a:rPr lang="en-US" sz="2000" b="0" dirty="0">
                 <a:solidFill>
                   <a:srgbClr val="0000FF"/>
                 </a:solidFill>
                 <a:effectLst/>
-                <a:latin typeface="Menlo" panose="020B0609030804020204" pitchFamily="49" charset="0"/>
+                <a:latin typeface="Consolas" panose="020B0609020204030204" pitchFamily="49" charset="0"/>
+                <a:cs typeface="Consolas" panose="020B0609020204030204" pitchFamily="49" charset="0"/>
               </a:rPr>
               <a:t>const</a:t>
             </a:r>
             <a:r>
-              <a:rPr lang="en-US" sz="2000" b="0">
+              <a:rPr lang="en-US" sz="2000" b="0" dirty="0">
                 <a:solidFill>
                   <a:srgbClr val="3B3B3B"/>
                 </a:solidFill>
                 <a:effectLst/>
-                <a:latin typeface="Menlo" panose="020B0609030804020204" pitchFamily="49" charset="0"/>
+                <a:latin typeface="Consolas" panose="020B0609020204030204" pitchFamily="49" charset="0"/>
+                <a:cs typeface="Consolas" panose="020B0609020204030204" pitchFamily="49" charset="0"/>
               </a:rPr>
               <a:t> </a:t>
             </a:r>
             <a:r>
-              <a:rPr lang="en-US" sz="2000" b="0">
+              <a:rPr lang="en-US" sz="2000" b="0" dirty="0">
                 <a:solidFill>
                   <a:srgbClr val="0070C1"/>
                 </a:solidFill>
                 <a:effectLst/>
-                <a:latin typeface="Menlo" panose="020B0609030804020204" pitchFamily="49" charset="0"/>
+                <a:latin typeface="Consolas" panose="020B0609020204030204" pitchFamily="49" charset="0"/>
+                <a:cs typeface="Consolas" panose="020B0609020204030204" pitchFamily="49" charset="0"/>
               </a:rPr>
               <a:t>z</a:t>
             </a:r>
             <a:r>
-              <a:rPr lang="en-US" sz="2000" b="0">
+              <a:rPr lang="en-US" sz="2000" b="0" dirty="0">
                 <a:solidFill>
                   <a:srgbClr val="3B3B3B"/>
                 </a:solidFill>
                 <a:effectLst/>
-                <a:latin typeface="Menlo" panose="020B0609030804020204" pitchFamily="49" charset="0"/>
+                <a:latin typeface="Consolas" panose="020B0609020204030204" pitchFamily="49" charset="0"/>
+                <a:cs typeface="Consolas" panose="020B0609020204030204" pitchFamily="49" charset="0"/>
               </a:rPr>
               <a:t> </a:t>
             </a:r>
             <a:r>
-              <a:rPr lang="en-US" sz="2000" b="0">
+              <a:rPr lang="en-US" sz="2000" b="0" dirty="0">
                 <a:solidFill>
                   <a:srgbClr val="000000"/>
                 </a:solidFill>
                 <a:effectLst/>
-                <a:latin typeface="Menlo" panose="020B0609030804020204" pitchFamily="49" charset="0"/>
+                <a:latin typeface="Consolas" panose="020B0609020204030204" pitchFamily="49" charset="0"/>
+                <a:cs typeface="Consolas" panose="020B0609020204030204" pitchFamily="49" charset="0"/>
               </a:rPr>
               <a:t>=</a:t>
             </a:r>
             <a:r>
-              <a:rPr lang="en-US" sz="2000" b="0">
+              <a:rPr lang="en-US" sz="2000" b="0" dirty="0">
                 <a:solidFill>
                   <a:srgbClr val="3B3B3B"/>
                 </a:solidFill>
                 <a:effectLst/>
-                <a:latin typeface="Menlo" panose="020B0609030804020204" pitchFamily="49" charset="0"/>
+                <a:latin typeface="Consolas" panose="020B0609020204030204" pitchFamily="49" charset="0"/>
+                <a:cs typeface="Consolas" panose="020B0609020204030204" pitchFamily="49" charset="0"/>
               </a:rPr>
               <a:t> </a:t>
             </a:r>
             <a:r>
-              <a:rPr lang="en-US" sz="2000" b="0">
+              <a:rPr lang="en-US" sz="2000" b="0" dirty="0">
                 <a:solidFill>
                   <a:srgbClr val="0070C1"/>
                 </a:solidFill>
                 <a:effectLst/>
-                <a:latin typeface="Menlo" panose="020B0609030804020204" pitchFamily="49" charset="0"/>
+                <a:latin typeface="Consolas" panose="020B0609020204030204" pitchFamily="49" charset="0"/>
+                <a:cs typeface="Consolas" panose="020B0609020204030204" pitchFamily="49" charset="0"/>
               </a:rPr>
               <a:t>x</a:t>
             </a:r>
             <a:r>
-              <a:rPr lang="en-US" sz="2000" b="0">
+              <a:rPr lang="en-US" sz="2000" b="0" dirty="0">
                 <a:solidFill>
                   <a:srgbClr val="3B3B3B"/>
                 </a:solidFill>
                 <a:effectLst/>
-                <a:latin typeface="Menlo" panose="020B0609030804020204" pitchFamily="49" charset="0"/>
+                <a:latin typeface="Consolas" panose="020B0609020204030204" pitchFamily="49" charset="0"/>
+                <a:cs typeface="Consolas" panose="020B0609020204030204" pitchFamily="49" charset="0"/>
               </a:rPr>
               <a:t> </a:t>
             </a:r>
             <a:r>
-              <a:rPr lang="en-US" sz="2000" b="0">
+              <a:rPr lang="en-US" sz="2000" b="0" dirty="0">
                 <a:solidFill>
                   <a:srgbClr val="000000"/>
                 </a:solidFill>
                 <a:effectLst/>
-                <a:latin typeface="Menlo" panose="020B0609030804020204" pitchFamily="49" charset="0"/>
+                <a:latin typeface="Consolas" panose="020B0609020204030204" pitchFamily="49" charset="0"/>
+                <a:cs typeface="Consolas" panose="020B0609020204030204" pitchFamily="49" charset="0"/>
               </a:rPr>
               <a:t>%</a:t>
             </a:r>
             <a:r>
-              <a:rPr lang="en-US" sz="2000" b="0">
+              <a:rPr lang="en-US" sz="2000" b="0" dirty="0">
                 <a:solidFill>
                   <a:srgbClr val="3B3B3B"/>
                 </a:solidFill>
                 <a:effectLst/>
-                <a:latin typeface="Menlo" panose="020B0609030804020204" pitchFamily="49" charset="0"/>
+                <a:latin typeface="Consolas" panose="020B0609020204030204" pitchFamily="49" charset="0"/>
+                <a:cs typeface="Consolas" panose="020B0609020204030204" pitchFamily="49" charset="0"/>
               </a:rPr>
               <a:t> </a:t>
             </a:r>
             <a:r>
-              <a:rPr lang="en-US" sz="2000" b="0">
+              <a:rPr lang="en-US" sz="2000" b="0" dirty="0">
                 <a:solidFill>
                   <a:srgbClr val="098658"/>
                 </a:solidFill>
                 <a:effectLst/>
-                <a:latin typeface="Menlo" panose="020B0609030804020204" pitchFamily="49" charset="0"/>
+                <a:latin typeface="Consolas" panose="020B0609020204030204" pitchFamily="49" charset="0"/>
+                <a:cs typeface="Consolas" panose="020B0609020204030204" pitchFamily="49" charset="0"/>
               </a:rPr>
               <a:t>2</a:t>
             </a:r>
             <a:r>
-              <a:rPr lang="en-US" sz="2000" b="0">
+              <a:rPr lang="en-US" sz="2000" b="0" dirty="0">
                 <a:solidFill>
                   <a:srgbClr val="3B3B3B"/>
                 </a:solidFill>
                 <a:effectLst/>
-                <a:latin typeface="Menlo" panose="020B0609030804020204" pitchFamily="49" charset="0"/>
+                <a:latin typeface="Consolas" panose="020B0609020204030204" pitchFamily="49" charset="0"/>
+                <a:cs typeface="Consolas" panose="020B0609020204030204" pitchFamily="49" charset="0"/>
               </a:rPr>
               <a:t> </a:t>
             </a:r>
             <a:r>
-              <a:rPr lang="en-US" sz="2000" b="0">
+              <a:rPr lang="en-US" sz="2000" b="0" dirty="0">
                 <a:solidFill>
                   <a:srgbClr val="000000"/>
                 </a:solidFill>
                 <a:effectLst/>
-                <a:latin typeface="Menlo" panose="020B0609030804020204" pitchFamily="49" charset="0"/>
+                <a:latin typeface="Consolas" panose="020B0609020204030204" pitchFamily="49" charset="0"/>
+                <a:cs typeface="Consolas" panose="020B0609020204030204" pitchFamily="49" charset="0"/>
               </a:rPr>
               <a:t>==</a:t>
             </a:r>
             <a:r>
-              <a:rPr lang="en-US" sz="2000" b="0">
+              <a:rPr lang="en-US" sz="2000" b="0" dirty="0">
                 <a:solidFill>
                   <a:srgbClr val="3B3B3B"/>
                 </a:solidFill>
                 <a:effectLst/>
-                <a:latin typeface="Menlo" panose="020B0609030804020204" pitchFamily="49" charset="0"/>
+                <a:latin typeface="Consolas" panose="020B0609020204030204" pitchFamily="49" charset="0"/>
+                <a:cs typeface="Consolas" panose="020B0609020204030204" pitchFamily="49" charset="0"/>
               </a:rPr>
               <a:t> </a:t>
             </a:r>
             <a:r>
-              <a:rPr lang="en-US" sz="2000" b="0">
+              <a:rPr lang="en-US" sz="2000" b="0" dirty="0">
                 <a:solidFill>
                   <a:srgbClr val="098658"/>
                 </a:solidFill>
                 <a:effectLst/>
-                <a:latin typeface="Menlo" panose="020B0609030804020204" pitchFamily="49" charset="0"/>
+                <a:latin typeface="Consolas" panose="020B0609020204030204" pitchFamily="49" charset="0"/>
+                <a:cs typeface="Consolas" panose="020B0609020204030204" pitchFamily="49" charset="0"/>
               </a:rPr>
               <a:t>0</a:t>
             </a:r>
             <a:r>
-              <a:rPr lang="en-US" sz="2000" b="0">
+              <a:rPr lang="en-US" sz="2000" b="0" dirty="0">
                 <a:solidFill>
                   <a:srgbClr val="3B3B3B"/>
                 </a:solidFill>
                 <a:effectLst/>
-                <a:latin typeface="Menlo" panose="020B0609030804020204" pitchFamily="49" charset="0"/>
+                <a:latin typeface="Consolas" panose="020B0609020204030204" pitchFamily="49" charset="0"/>
+                <a:cs typeface="Consolas" panose="020B0609020204030204" pitchFamily="49" charset="0"/>
               </a:rPr>
               <a:t> </a:t>
             </a:r>
             <a:r>
-              <a:rPr lang="en-US" sz="2000" b="0">
+              <a:rPr lang="en-US" sz="2000" b="0" dirty="0">
                 <a:solidFill>
                   <a:srgbClr val="000000"/>
                 </a:solidFill>
                 <a:effectLst/>
-                <a:latin typeface="Menlo" panose="020B0609030804020204" pitchFamily="49" charset="0"/>
+                <a:latin typeface="Consolas" panose="020B0609020204030204" pitchFamily="49" charset="0"/>
+                <a:cs typeface="Consolas" panose="020B0609020204030204" pitchFamily="49" charset="0"/>
               </a:rPr>
               <a:t>?</a:t>
             </a:r>
             <a:r>
-              <a:rPr lang="en-US" sz="2000" b="0">
+              <a:rPr lang="en-US" sz="2000" b="0" dirty="0">
                 <a:solidFill>
                   <a:srgbClr val="3B3B3B"/>
                 </a:solidFill>
                 <a:effectLst/>
-                <a:latin typeface="Menlo" panose="020B0609030804020204" pitchFamily="49" charset="0"/>
+                <a:latin typeface="Consolas" panose="020B0609020204030204" pitchFamily="49" charset="0"/>
+                <a:cs typeface="Consolas" panose="020B0609020204030204" pitchFamily="49" charset="0"/>
               </a:rPr>
               <a:t> </a:t>
             </a:r>
             <a:r>
-              <a:rPr lang="en-US" sz="2000">
+              <a:rPr lang="en-US" sz="2000" dirty="0">
                 <a:solidFill>
                   <a:srgbClr val="098658"/>
                 </a:solidFill>
-                <a:latin typeface="Menlo" panose="020B0609030804020204" pitchFamily="49" charset="0"/>
+                <a:latin typeface="Consolas" panose="020B0609020204030204" pitchFamily="49" charset="0"/>
+                <a:cs typeface="Consolas" panose="020B0609020204030204" pitchFamily="49" charset="0"/>
               </a:rPr>
               <a:t>1</a:t>
             </a:r>
             <a:r>
-              <a:rPr lang="en-US" sz="2000" b="0">
+              <a:rPr lang="en-US" sz="2000" b="0" dirty="0">
                 <a:solidFill>
                   <a:srgbClr val="3B3B3B"/>
                 </a:solidFill>
                 <a:effectLst/>
-                <a:latin typeface="Menlo" panose="020B0609030804020204" pitchFamily="49" charset="0"/>
+                <a:latin typeface="Consolas" panose="020B0609020204030204" pitchFamily="49" charset="0"/>
+                <a:cs typeface="Consolas" panose="020B0609020204030204" pitchFamily="49" charset="0"/>
               </a:rPr>
               <a:t> </a:t>
             </a:r>
             <a:r>
-              <a:rPr lang="en-US" sz="2000" b="0">
+              <a:rPr lang="en-US" sz="2000" b="0" dirty="0">
                 <a:solidFill>
                   <a:srgbClr val="000000"/>
                 </a:solidFill>
                 <a:effectLst/>
-                <a:latin typeface="Menlo" panose="020B0609030804020204" pitchFamily="49" charset="0"/>
+                <a:latin typeface="Consolas" panose="020B0609020204030204" pitchFamily="49" charset="0"/>
+                <a:cs typeface="Consolas" panose="020B0609020204030204" pitchFamily="49" charset="0"/>
               </a:rPr>
               <a:t>:</a:t>
             </a:r>
             <a:r>
-              <a:rPr lang="en-US" sz="2000" b="0">
+              <a:rPr lang="en-US" sz="2000" b="0" dirty="0">
                 <a:solidFill>
                   <a:srgbClr val="3B3B3B"/>
                 </a:solidFill>
                 <a:effectLst/>
-                <a:latin typeface="Menlo" panose="020B0609030804020204" pitchFamily="49" charset="0"/>
+                <a:latin typeface="Consolas" panose="020B0609020204030204" pitchFamily="49" charset="0"/>
+                <a:cs typeface="Consolas" panose="020B0609020204030204" pitchFamily="49" charset="0"/>
               </a:rPr>
               <a:t> </a:t>
             </a:r>
             <a:r>
-              <a:rPr lang="en-US" sz="2000">
+              <a:rPr lang="en-US" sz="2000" dirty="0">
                 <a:solidFill>
                   <a:srgbClr val="098658"/>
                 </a:solidFill>
-                <a:latin typeface="Menlo" panose="020B0609030804020204" pitchFamily="49" charset="0"/>
+                <a:latin typeface="Consolas" panose="020B0609020204030204" pitchFamily="49" charset="0"/>
+                <a:cs typeface="Consolas" panose="020B0609020204030204" pitchFamily="49" charset="0"/>
               </a:rPr>
               <a:t>2</a:t>
             </a:r>
             <a:r>
-              <a:rPr lang="en-US" sz="2000" b="0">
+              <a:rPr lang="en-US" sz="2000" b="0" dirty="0">
                 <a:solidFill>
                   <a:srgbClr val="3B3B3B"/>
                 </a:solidFill>
                 <a:effectLst/>
-                <a:latin typeface="Menlo" panose="020B0609030804020204" pitchFamily="49" charset="0"/>
+                <a:latin typeface="Consolas" panose="020B0609020204030204" pitchFamily="49" charset="0"/>
+                <a:cs typeface="Consolas" panose="020B0609020204030204" pitchFamily="49" charset="0"/>
               </a:rPr>
               <a:t>;</a:t>
             </a:r>
@@ -15248,145 +14395,159 @@
               </a:lnSpc>
             </a:pPr>
             <a:r>
-              <a:rPr lang="en-US" sz="2000">
+              <a:rPr lang="en-US" sz="2000" dirty="0">
                 <a:solidFill>
                   <a:schemeClr val="bg2">
                     <a:lumMod val="90000"/>
                   </a:schemeClr>
                 </a:solidFill>
-                <a:latin typeface="Menlo" panose="020B0609030804020204" pitchFamily="49" charset="0"/>
+                <a:latin typeface="Consolas" panose="020B0609020204030204" pitchFamily="49" charset="0"/>
+                <a:cs typeface="Consolas" panose="020B0609020204030204" pitchFamily="49" charset="0"/>
               </a:rPr>
               <a:t>6</a:t>
             </a:r>
             <a:r>
-              <a:rPr lang="en-US" sz="2000" b="0">
+              <a:rPr lang="en-US" sz="2000" b="0" dirty="0">
                 <a:solidFill>
                   <a:schemeClr val="bg2">
                     <a:lumMod val="90000"/>
                   </a:schemeClr>
                 </a:solidFill>
                 <a:effectLst/>
-                <a:latin typeface="Menlo" panose="020B0609030804020204" pitchFamily="49" charset="0"/>
+                <a:latin typeface="Consolas" panose="020B0609020204030204" pitchFamily="49" charset="0"/>
+                <a:cs typeface="Consolas" panose="020B0609020204030204" pitchFamily="49" charset="0"/>
               </a:rPr>
               <a:t>| </a:t>
             </a:r>
             <a:r>
-              <a:rPr lang="en-US" sz="2000" b="0">
+              <a:rPr lang="en-US" sz="2000" b="0" dirty="0">
                 <a:solidFill>
                   <a:srgbClr val="AF00DB"/>
                 </a:solidFill>
                 <a:effectLst/>
-                <a:latin typeface="Menlo" panose="020B0609030804020204" pitchFamily="49" charset="0"/>
+                <a:latin typeface="Consolas" panose="020B0609020204030204" pitchFamily="49" charset="0"/>
+                <a:cs typeface="Consolas" panose="020B0609020204030204" pitchFamily="49" charset="0"/>
               </a:rPr>
               <a:t>return</a:t>
             </a:r>
             <a:r>
-              <a:rPr lang="en-US" sz="2000" b="0">
+              <a:rPr lang="en-US" sz="2000" b="0" dirty="0">
                 <a:solidFill>
                   <a:srgbClr val="3B3B3B"/>
                 </a:solidFill>
                 <a:effectLst/>
-                <a:latin typeface="Menlo" panose="020B0609030804020204" pitchFamily="49" charset="0"/>
+                <a:latin typeface="Consolas" panose="020B0609020204030204" pitchFamily="49" charset="0"/>
+                <a:cs typeface="Consolas" panose="020B0609020204030204" pitchFamily="49" charset="0"/>
               </a:rPr>
               <a:t> </a:t>
             </a:r>
             <a:r>
-              <a:rPr lang="en-US" sz="2000" b="0">
+              <a:rPr lang="en-US" sz="2000" b="0" dirty="0">
                 <a:solidFill>
                   <a:srgbClr val="0070C1"/>
                 </a:solidFill>
                 <a:effectLst/>
-                <a:latin typeface="Menlo" panose="020B0609030804020204" pitchFamily="49" charset="0"/>
+                <a:latin typeface="Consolas" panose="020B0609020204030204" pitchFamily="49" charset="0"/>
+                <a:cs typeface="Consolas" panose="020B0609020204030204" pitchFamily="49" charset="0"/>
               </a:rPr>
               <a:t>x</a:t>
             </a:r>
             <a:r>
-              <a:rPr lang="en-US" sz="2000" b="0">
+              <a:rPr lang="en-US" sz="2000" b="0" dirty="0">
                 <a:solidFill>
                   <a:srgbClr val="3B3B3B"/>
                 </a:solidFill>
                 <a:effectLst/>
-                <a:latin typeface="Menlo" panose="020B0609030804020204" pitchFamily="49" charset="0"/>
+                <a:latin typeface="Consolas" panose="020B0609020204030204" pitchFamily="49" charset="0"/>
+                <a:cs typeface="Consolas" panose="020B0609020204030204" pitchFamily="49" charset="0"/>
               </a:rPr>
               <a:t> </a:t>
             </a:r>
             <a:r>
-              <a:rPr lang="en-US" sz="2000" b="0">
+              <a:rPr lang="en-US" sz="2000" b="0" dirty="0">
                 <a:solidFill>
                   <a:srgbClr val="000000"/>
                 </a:solidFill>
                 <a:effectLst/>
-                <a:latin typeface="Menlo" panose="020B0609030804020204" pitchFamily="49" charset="0"/>
+                <a:latin typeface="Consolas" panose="020B0609020204030204" pitchFamily="49" charset="0"/>
+                <a:cs typeface="Consolas" panose="020B0609020204030204" pitchFamily="49" charset="0"/>
               </a:rPr>
               <a:t>/</a:t>
             </a:r>
             <a:r>
-              <a:rPr lang="en-US" sz="2000" b="0">
+              <a:rPr lang="en-US" sz="2000" b="0" dirty="0">
                 <a:solidFill>
                   <a:srgbClr val="3B3B3B"/>
                 </a:solidFill>
                 <a:effectLst/>
-                <a:latin typeface="Menlo" panose="020B0609030804020204" pitchFamily="49" charset="0"/>
+                <a:latin typeface="Consolas" panose="020B0609020204030204" pitchFamily="49" charset="0"/>
+                <a:cs typeface="Consolas" panose="020B0609020204030204" pitchFamily="49" charset="0"/>
               </a:rPr>
               <a:t> (</a:t>
             </a:r>
             <a:r>
-              <a:rPr lang="en-US" sz="2000" b="0">
+              <a:rPr lang="en-US" sz="2000" b="0" dirty="0">
                 <a:solidFill>
                   <a:srgbClr val="0070C1"/>
                 </a:solidFill>
                 <a:effectLst/>
-                <a:latin typeface="Menlo" panose="020B0609030804020204" pitchFamily="49" charset="0"/>
+                <a:latin typeface="Consolas" panose="020B0609020204030204" pitchFamily="49" charset="0"/>
+                <a:cs typeface="Consolas" panose="020B0609020204030204" pitchFamily="49" charset="0"/>
               </a:rPr>
               <a:t>y</a:t>
             </a:r>
             <a:r>
-              <a:rPr lang="en-US" sz="2000" b="0">
+              <a:rPr lang="en-US" sz="2000" b="0" dirty="0">
                 <a:solidFill>
                   <a:srgbClr val="3B3B3B"/>
                 </a:solidFill>
                 <a:effectLst/>
-                <a:latin typeface="Menlo" panose="020B0609030804020204" pitchFamily="49" charset="0"/>
+                <a:latin typeface="Consolas" panose="020B0609020204030204" pitchFamily="49" charset="0"/>
+                <a:cs typeface="Consolas" panose="020B0609020204030204" pitchFamily="49" charset="0"/>
               </a:rPr>
               <a:t> </a:t>
             </a:r>
             <a:r>
-              <a:rPr lang="en-US" sz="2000" b="0">
+              <a:rPr lang="en-US" sz="2000" b="0" dirty="0">
                 <a:solidFill>
                   <a:srgbClr val="000000"/>
                 </a:solidFill>
                 <a:effectLst/>
-                <a:latin typeface="Menlo" panose="020B0609030804020204" pitchFamily="49" charset="0"/>
+                <a:latin typeface="Consolas" panose="020B0609020204030204" pitchFamily="49" charset="0"/>
+                <a:cs typeface="Consolas" panose="020B0609020204030204" pitchFamily="49" charset="0"/>
               </a:rPr>
               <a:t>-</a:t>
             </a:r>
             <a:r>
-              <a:rPr lang="en-US" sz="2000" b="0">
+              <a:rPr lang="en-US" sz="2000" b="0" dirty="0">
                 <a:solidFill>
                   <a:srgbClr val="3B3B3B"/>
                 </a:solidFill>
                 <a:effectLst/>
-                <a:latin typeface="Menlo" panose="020B0609030804020204" pitchFamily="49" charset="0"/>
+                <a:latin typeface="Consolas" panose="020B0609020204030204" pitchFamily="49" charset="0"/>
+                <a:cs typeface="Consolas" panose="020B0609020204030204" pitchFamily="49" charset="0"/>
               </a:rPr>
               <a:t> </a:t>
             </a:r>
             <a:r>
-              <a:rPr lang="en-US" sz="2000" b="0">
+              <a:rPr lang="en-US" sz="2000" b="0" dirty="0">
                 <a:solidFill>
                   <a:srgbClr val="0070C1"/>
                 </a:solidFill>
                 <a:effectLst/>
-                <a:latin typeface="Menlo" panose="020B0609030804020204" pitchFamily="49" charset="0"/>
+                <a:latin typeface="Consolas" panose="020B0609020204030204" pitchFamily="49" charset="0"/>
+                <a:cs typeface="Consolas" panose="020B0609020204030204" pitchFamily="49" charset="0"/>
               </a:rPr>
               <a:t>z</a:t>
             </a:r>
             <a:r>
-              <a:rPr lang="en-US" sz="2000" b="0">
+              <a:rPr lang="en-US" sz="2000" b="0" dirty="0">
                 <a:solidFill>
                   <a:srgbClr val="3B3B3B"/>
                 </a:solidFill>
                 <a:effectLst/>
-                <a:latin typeface="Menlo" panose="020B0609030804020204" pitchFamily="49" charset="0"/>
+                <a:latin typeface="Consolas" panose="020B0609020204030204" pitchFamily="49" charset="0"/>
+                <a:cs typeface="Consolas" panose="020B0609020204030204" pitchFamily="49" charset="0"/>
               </a:rPr>
               <a:t>);</a:t>
             </a:r>
@@ -15621,94 +14782,103 @@
               <a:buNone/>
             </a:pPr>
             <a:r>
-              <a:rPr lang="en-US" sz="2000" b="0">
+              <a:rPr lang="en-US" sz="2000" b="0" dirty="0">
                 <a:solidFill>
                   <a:schemeClr val="bg2">
                     <a:lumMod val="90000"/>
                   </a:schemeClr>
                 </a:solidFill>
                 <a:effectLst/>
-                <a:latin typeface="Menlo" panose="020B0609030804020204" pitchFamily="49" charset="0"/>
+                <a:latin typeface="Consolas" panose="020B0609020204030204" pitchFamily="49" charset="0"/>
+                <a:cs typeface="Consolas" panose="020B0609020204030204" pitchFamily="49" charset="0"/>
               </a:rPr>
               <a:t>1| </a:t>
             </a:r>
             <a:r>
-              <a:rPr lang="en-US" sz="2000" b="0">
+              <a:rPr lang="en-US" sz="2000" b="0" dirty="0">
                 <a:solidFill>
                   <a:srgbClr val="AF00DB"/>
                 </a:solidFill>
                 <a:effectLst/>
-                <a:latin typeface="Menlo" panose="020B0609030804020204" pitchFamily="49" charset="0"/>
+                <a:latin typeface="Consolas" panose="020B0609020204030204" pitchFamily="49" charset="0"/>
+                <a:cs typeface="Consolas" panose="020B0609020204030204" pitchFamily="49" charset="0"/>
               </a:rPr>
               <a:t>if</a:t>
             </a:r>
             <a:r>
-              <a:rPr lang="en-US" sz="2000" b="0">
+              <a:rPr lang="en-US" sz="2000" b="0" dirty="0">
                 <a:solidFill>
                   <a:srgbClr val="3B3B3B"/>
                 </a:solidFill>
                 <a:effectLst/>
-                <a:latin typeface="Menlo" panose="020B0609030804020204" pitchFamily="49" charset="0"/>
+                <a:latin typeface="Consolas" panose="020B0609020204030204" pitchFamily="49" charset="0"/>
+                <a:cs typeface="Consolas" panose="020B0609020204030204" pitchFamily="49" charset="0"/>
               </a:rPr>
               <a:t> (</a:t>
             </a:r>
             <a:r>
-              <a:rPr lang="en-US" sz="2000" b="0">
+              <a:rPr lang="en-US" sz="2000" b="0" dirty="0">
                 <a:solidFill>
                   <a:srgbClr val="0070C1"/>
                 </a:solidFill>
                 <a:effectLst/>
-                <a:latin typeface="Menlo" panose="020B0609030804020204" pitchFamily="49" charset="0"/>
+                <a:latin typeface="Consolas" panose="020B0609020204030204" pitchFamily="49" charset="0"/>
+                <a:cs typeface="Consolas" panose="020B0609020204030204" pitchFamily="49" charset="0"/>
               </a:rPr>
               <a:t>x</a:t>
             </a:r>
             <a:r>
-              <a:rPr lang="en-US" sz="2000" b="0">
+              <a:rPr lang="en-US" sz="2000" b="0" dirty="0">
                 <a:solidFill>
                   <a:srgbClr val="3B3B3B"/>
                 </a:solidFill>
                 <a:effectLst/>
-                <a:latin typeface="Menlo" panose="020B0609030804020204" pitchFamily="49" charset="0"/>
+                <a:latin typeface="Consolas" panose="020B0609020204030204" pitchFamily="49" charset="0"/>
+                <a:cs typeface="Consolas" panose="020B0609020204030204" pitchFamily="49" charset="0"/>
               </a:rPr>
               <a:t> </a:t>
             </a:r>
             <a:r>
-              <a:rPr lang="en-US" sz="2000" b="0">
+              <a:rPr lang="en-US" sz="2000" b="0" dirty="0">
                 <a:solidFill>
                   <a:srgbClr val="000000"/>
                 </a:solidFill>
                 <a:effectLst/>
-                <a:latin typeface="Menlo" panose="020B0609030804020204" pitchFamily="49" charset="0"/>
+                <a:latin typeface="Consolas" panose="020B0609020204030204" pitchFamily="49" charset="0"/>
+                <a:cs typeface="Consolas" panose="020B0609020204030204" pitchFamily="49" charset="0"/>
               </a:rPr>
               <a:t>===</a:t>
             </a:r>
             <a:r>
-              <a:rPr lang="en-US" sz="2000" b="0">
+              <a:rPr lang="en-US" sz="2000" b="0" dirty="0">
                 <a:solidFill>
                   <a:srgbClr val="3B3B3B"/>
                 </a:solidFill>
                 <a:effectLst/>
-                <a:latin typeface="Menlo" panose="020B0609030804020204" pitchFamily="49" charset="0"/>
+                <a:latin typeface="Consolas" panose="020B0609020204030204" pitchFamily="49" charset="0"/>
+                <a:cs typeface="Consolas" panose="020B0609020204030204" pitchFamily="49" charset="0"/>
               </a:rPr>
               <a:t> </a:t>
             </a:r>
             <a:r>
-              <a:rPr lang="en-US" sz="2000" b="0">
+              <a:rPr lang="en-US" sz="2000" b="0" dirty="0">
                 <a:solidFill>
                   <a:srgbClr val="098658"/>
                 </a:solidFill>
                 <a:effectLst/>
-                <a:latin typeface="Menlo" panose="020B0609030804020204" pitchFamily="49" charset="0"/>
+                <a:latin typeface="Consolas" panose="020B0609020204030204" pitchFamily="49" charset="0"/>
+                <a:cs typeface="Consolas" panose="020B0609020204030204" pitchFamily="49" charset="0"/>
               </a:rPr>
               <a:t>0</a:t>
             </a:r>
             <a:r>
-              <a:rPr lang="en-US" sz="2000" b="0">
+              <a:rPr lang="en-US" sz="2000" b="0" dirty="0">
                 <a:solidFill>
                   <a:srgbClr val="3B3B3B"/>
                 </a:solidFill>
                 <a:effectLst/>
-                <a:latin typeface="Menlo" panose="020B0609030804020204" pitchFamily="49" charset="0"/>
+                <a:latin typeface="Consolas" panose="020B0609020204030204" pitchFamily="49" charset="0"/>
+                <a:cs typeface="Consolas" panose="020B0609020204030204" pitchFamily="49" charset="0"/>
               </a:rPr>
               <a:t>) {</a:t>
             </a:r>
@@ -15721,65 +14891,71 @@
               <a:buNone/>
             </a:pPr>
             <a:r>
-              <a:rPr lang="en-US" sz="2000">
+              <a:rPr lang="en-US" sz="2000" dirty="0">
                 <a:solidFill>
                   <a:schemeClr val="bg2">
                     <a:lumMod val="90000"/>
                   </a:schemeClr>
                 </a:solidFill>
-                <a:latin typeface="Menlo" panose="020B0609030804020204" pitchFamily="49" charset="0"/>
+                <a:latin typeface="Consolas" panose="020B0609020204030204" pitchFamily="49" charset="0"/>
+                <a:cs typeface="Consolas" panose="020B0609020204030204" pitchFamily="49" charset="0"/>
               </a:rPr>
               <a:t>2</a:t>
             </a:r>
             <a:r>
-              <a:rPr lang="en-US" sz="2000" b="0">
+              <a:rPr lang="en-US" sz="2000" b="0" dirty="0">
                 <a:solidFill>
                   <a:schemeClr val="bg2">
                     <a:lumMod val="90000"/>
                   </a:schemeClr>
                 </a:solidFill>
                 <a:effectLst/>
-                <a:latin typeface="Menlo" panose="020B0609030804020204" pitchFamily="49" charset="0"/>
+                <a:latin typeface="Consolas" panose="020B0609020204030204" pitchFamily="49" charset="0"/>
+                <a:cs typeface="Consolas" panose="020B0609020204030204" pitchFamily="49" charset="0"/>
               </a:rPr>
               <a:t>|</a:t>
             </a:r>
             <a:r>
-              <a:rPr lang="en-US" sz="2000" b="0">
+              <a:rPr lang="en-US" sz="2000" b="0" dirty="0">
                 <a:solidFill>
                   <a:srgbClr val="AF00DB"/>
                 </a:solidFill>
                 <a:effectLst/>
-                <a:latin typeface="Menlo" panose="020B0609030804020204" pitchFamily="49" charset="0"/>
+                <a:latin typeface="Consolas" panose="020B0609020204030204" pitchFamily="49" charset="0"/>
+                <a:cs typeface="Consolas" panose="020B0609020204030204" pitchFamily="49" charset="0"/>
               </a:rPr>
               <a:t>  return</a:t>
             </a:r>
             <a:r>
-              <a:rPr lang="en-US" sz="2000" b="0">
+              <a:rPr lang="en-US" sz="2000" b="0" dirty="0">
                 <a:solidFill>
                   <a:srgbClr val="3B3B3B"/>
                 </a:solidFill>
                 <a:effectLst/>
-                <a:latin typeface="Menlo" panose="020B0609030804020204" pitchFamily="49" charset="0"/>
+                <a:latin typeface="Consolas" panose="020B0609020204030204" pitchFamily="49" charset="0"/>
+                <a:cs typeface="Consolas" panose="020B0609020204030204" pitchFamily="49" charset="0"/>
               </a:rPr>
               <a:t> </a:t>
             </a:r>
             <a:r>
-              <a:rPr lang="en-US" sz="2000" b="0">
+              <a:rPr lang="en-US" sz="2000" b="0" dirty="0">
                 <a:solidFill>
                   <a:srgbClr val="098658"/>
                 </a:solidFill>
                 <a:effectLst/>
-                <a:latin typeface="Menlo" panose="020B0609030804020204" pitchFamily="49" charset="0"/>
+                <a:latin typeface="Consolas" panose="020B0609020204030204" pitchFamily="49" charset="0"/>
+                <a:cs typeface="Consolas" panose="020B0609020204030204" pitchFamily="49" charset="0"/>
               </a:rPr>
               <a:t>3</a:t>
             </a:r>
             <a:r>
-              <a:rPr lang="en-US" sz="2000" b="0">
+              <a:rPr lang="en-US" sz="2000" b="0" dirty="0">
                 <a:solidFill>
                   <a:srgbClr val="3B3B3B"/>
                 </a:solidFill>
                 <a:effectLst/>
-                <a:latin typeface="Menlo" panose="020B0609030804020204" pitchFamily="49" charset="0"/>
+                <a:latin typeface="Consolas" panose="020B0609020204030204" pitchFamily="49" charset="0"/>
+                <a:cs typeface="Consolas" panose="020B0609020204030204" pitchFamily="49" charset="0"/>
               </a:rPr>
               <a:t>;</a:t>
             </a:r>
@@ -15792,35 +14968,38 @@
               <a:buNone/>
             </a:pPr>
             <a:r>
-              <a:rPr lang="en-US" sz="2000">
+              <a:rPr lang="en-US" sz="2000" dirty="0">
                 <a:solidFill>
                   <a:schemeClr val="bg2">
                     <a:lumMod val="90000"/>
                   </a:schemeClr>
                 </a:solidFill>
-                <a:latin typeface="Menlo" panose="020B0609030804020204" pitchFamily="49" charset="0"/>
+                <a:latin typeface="Consolas" panose="020B0609020204030204" pitchFamily="49" charset="0"/>
+                <a:cs typeface="Consolas" panose="020B0609020204030204" pitchFamily="49" charset="0"/>
               </a:rPr>
               <a:t>3</a:t>
             </a:r>
             <a:r>
-              <a:rPr lang="en-US" sz="2000" b="0">
+              <a:rPr lang="en-US" sz="2000" b="0" dirty="0">
                 <a:solidFill>
                   <a:schemeClr val="bg2">
                     <a:lumMod val="90000"/>
                   </a:schemeClr>
                 </a:solidFill>
                 <a:effectLst/>
-                <a:latin typeface="Menlo" panose="020B0609030804020204" pitchFamily="49" charset="0"/>
+                <a:latin typeface="Consolas" panose="020B0609020204030204" pitchFamily="49" charset="0"/>
+                <a:cs typeface="Consolas" panose="020B0609020204030204" pitchFamily="49" charset="0"/>
               </a:rPr>
               <a:t>| </a:t>
             </a:r>
             <a:r>
-              <a:rPr lang="en-US" sz="2000" b="0">
+              <a:rPr lang="en-US" sz="2000" b="0" dirty="0">
                 <a:solidFill>
                   <a:srgbClr val="3B3B3B"/>
                 </a:solidFill>
                 <a:effectLst/>
-                <a:latin typeface="Menlo" panose="020B0609030804020204" pitchFamily="49" charset="0"/>
+                <a:latin typeface="Consolas" panose="020B0609020204030204" pitchFamily="49" charset="0"/>
+                <a:cs typeface="Consolas" panose="020B0609020204030204" pitchFamily="49" charset="0"/>
               </a:rPr>
               <a:t>}</a:t>
             </a:r>
@@ -15833,225 +15012,247 @@
               <a:buNone/>
             </a:pPr>
             <a:r>
-              <a:rPr lang="en-US" sz="2000">
+              <a:rPr lang="en-US" sz="2000" dirty="0">
                 <a:solidFill>
                   <a:schemeClr val="bg2">
                     <a:lumMod val="90000"/>
                   </a:schemeClr>
                 </a:solidFill>
-                <a:latin typeface="Menlo" panose="020B0609030804020204" pitchFamily="49" charset="0"/>
+                <a:latin typeface="Consolas" panose="020B0609020204030204" pitchFamily="49" charset="0"/>
+                <a:cs typeface="Consolas" panose="020B0609020204030204" pitchFamily="49" charset="0"/>
               </a:rPr>
               <a:t>4</a:t>
             </a:r>
             <a:r>
-              <a:rPr lang="en-US" sz="2000" b="0">
+              <a:rPr lang="en-US" sz="2000" b="0" dirty="0">
                 <a:solidFill>
                   <a:schemeClr val="bg2">
                     <a:lumMod val="90000"/>
                   </a:schemeClr>
                 </a:solidFill>
                 <a:effectLst/>
-                <a:latin typeface="Menlo" panose="020B0609030804020204" pitchFamily="49" charset="0"/>
+                <a:latin typeface="Consolas" panose="020B0609020204030204" pitchFamily="49" charset="0"/>
+                <a:cs typeface="Consolas" panose="020B0609020204030204" pitchFamily="49" charset="0"/>
               </a:rPr>
               <a:t>| </a:t>
             </a:r>
             <a:r>
-              <a:rPr lang="en-US" sz="2000" b="0">
+              <a:rPr lang="en-US" sz="2000" b="0" dirty="0">
                 <a:solidFill>
                   <a:srgbClr val="0000FF"/>
                 </a:solidFill>
                 <a:effectLst/>
-                <a:latin typeface="Menlo" panose="020B0609030804020204" pitchFamily="49" charset="0"/>
+                <a:latin typeface="Consolas" panose="020B0609020204030204" pitchFamily="49" charset="0"/>
+                <a:cs typeface="Consolas" panose="020B0609020204030204" pitchFamily="49" charset="0"/>
               </a:rPr>
               <a:t>const</a:t>
             </a:r>
             <a:r>
-              <a:rPr lang="en-US" sz="2000" b="0">
+              <a:rPr lang="en-US" sz="2000" b="0" dirty="0">
                 <a:solidFill>
                   <a:srgbClr val="3B3B3B"/>
                 </a:solidFill>
                 <a:effectLst/>
-                <a:latin typeface="Menlo" panose="020B0609030804020204" pitchFamily="49" charset="0"/>
+                <a:latin typeface="Consolas" panose="020B0609020204030204" pitchFamily="49" charset="0"/>
+                <a:cs typeface="Consolas" panose="020B0609020204030204" pitchFamily="49" charset="0"/>
               </a:rPr>
               <a:t> </a:t>
             </a:r>
             <a:r>
-              <a:rPr lang="en-US" sz="2000" b="0">
+              <a:rPr lang="en-US" sz="2000" b="0" dirty="0">
                 <a:solidFill>
                   <a:srgbClr val="0070C1"/>
                 </a:solidFill>
                 <a:effectLst/>
-                <a:latin typeface="Menlo" panose="020B0609030804020204" pitchFamily="49" charset="0"/>
+                <a:latin typeface="Consolas" panose="020B0609020204030204" pitchFamily="49" charset="0"/>
+                <a:cs typeface="Consolas" panose="020B0609020204030204" pitchFamily="49" charset="0"/>
               </a:rPr>
               <a:t>y</a:t>
             </a:r>
             <a:r>
-              <a:rPr lang="en-US" sz="2000" b="0">
+              <a:rPr lang="en-US" sz="2000" b="0" dirty="0">
                 <a:solidFill>
                   <a:srgbClr val="3B3B3B"/>
                 </a:solidFill>
                 <a:effectLst/>
-                <a:latin typeface="Menlo" panose="020B0609030804020204" pitchFamily="49" charset="0"/>
+                <a:latin typeface="Consolas" panose="020B0609020204030204" pitchFamily="49" charset="0"/>
+                <a:cs typeface="Consolas" panose="020B0609020204030204" pitchFamily="49" charset="0"/>
               </a:rPr>
               <a:t> </a:t>
             </a:r>
             <a:r>
-              <a:rPr lang="en-US" sz="2000" b="0">
+              <a:rPr lang="en-US" sz="2000" b="0" dirty="0">
                 <a:solidFill>
                   <a:srgbClr val="000000"/>
                 </a:solidFill>
                 <a:effectLst/>
-                <a:latin typeface="Menlo" panose="020B0609030804020204" pitchFamily="49" charset="0"/>
+                <a:latin typeface="Consolas" panose="020B0609020204030204" pitchFamily="49" charset="0"/>
+                <a:cs typeface="Consolas" panose="020B0609020204030204" pitchFamily="49" charset="0"/>
               </a:rPr>
               <a:t>=</a:t>
             </a:r>
             <a:r>
-              <a:rPr lang="en-US" sz="2000" b="0">
+              <a:rPr lang="en-US" sz="2000" b="0" dirty="0">
                 <a:solidFill>
                   <a:srgbClr val="3B3B3B"/>
                 </a:solidFill>
                 <a:effectLst/>
-                <a:latin typeface="Menlo" panose="020B0609030804020204" pitchFamily="49" charset="0"/>
+                <a:latin typeface="Consolas" panose="020B0609020204030204" pitchFamily="49" charset="0"/>
+                <a:cs typeface="Consolas" panose="020B0609020204030204" pitchFamily="49" charset="0"/>
               </a:rPr>
               <a:t> </a:t>
             </a:r>
             <a:r>
-              <a:rPr lang="en-US" sz="2000" b="0">
+              <a:rPr lang="en-US" sz="2000" b="0" dirty="0">
                 <a:solidFill>
                   <a:srgbClr val="0070C1"/>
                 </a:solidFill>
                 <a:effectLst/>
-                <a:latin typeface="Menlo" panose="020B0609030804020204" pitchFamily="49" charset="0"/>
+                <a:latin typeface="Consolas" panose="020B0609020204030204" pitchFamily="49" charset="0"/>
+                <a:cs typeface="Consolas" panose="020B0609020204030204" pitchFamily="49" charset="0"/>
               </a:rPr>
               <a:t>x</a:t>
             </a:r>
             <a:r>
-              <a:rPr lang="en-US" sz="2000" b="0">
+              <a:rPr lang="en-US" sz="2000" b="0" dirty="0">
                 <a:solidFill>
                   <a:srgbClr val="3B3B3B"/>
                 </a:solidFill>
                 <a:effectLst/>
-                <a:latin typeface="Menlo" panose="020B0609030804020204" pitchFamily="49" charset="0"/>
+                <a:latin typeface="Consolas" panose="020B0609020204030204" pitchFamily="49" charset="0"/>
+                <a:cs typeface="Consolas" panose="020B0609020204030204" pitchFamily="49" charset="0"/>
               </a:rPr>
               <a:t> </a:t>
             </a:r>
             <a:r>
-              <a:rPr lang="en-US" sz="2000" b="0">
+              <a:rPr lang="en-US" sz="2000" b="0" dirty="0">
                 <a:solidFill>
                   <a:srgbClr val="000000"/>
                 </a:solidFill>
                 <a:effectLst/>
-                <a:latin typeface="Menlo" panose="020B0609030804020204" pitchFamily="49" charset="0"/>
+                <a:latin typeface="Consolas" panose="020B0609020204030204" pitchFamily="49" charset="0"/>
+                <a:cs typeface="Consolas" panose="020B0609020204030204" pitchFamily="49" charset="0"/>
               </a:rPr>
               <a:t>&gt;</a:t>
             </a:r>
             <a:r>
-              <a:rPr lang="en-US" sz="2000" b="0">
+              <a:rPr lang="en-US" sz="2000" b="0" dirty="0">
                 <a:solidFill>
                   <a:srgbClr val="3B3B3B"/>
                 </a:solidFill>
                 <a:effectLst/>
-                <a:latin typeface="Menlo" panose="020B0609030804020204" pitchFamily="49" charset="0"/>
+                <a:latin typeface="Consolas" panose="020B0609020204030204" pitchFamily="49" charset="0"/>
+                <a:cs typeface="Consolas" panose="020B0609020204030204" pitchFamily="49" charset="0"/>
               </a:rPr>
               <a:t> </a:t>
             </a:r>
             <a:r>
-              <a:rPr lang="en-US" sz="2000" b="0">
+              <a:rPr lang="en-US" sz="2000" b="0" dirty="0">
                 <a:solidFill>
                   <a:srgbClr val="098658"/>
                 </a:solidFill>
                 <a:effectLst/>
-                <a:latin typeface="Menlo" panose="020B0609030804020204" pitchFamily="49" charset="0"/>
+                <a:latin typeface="Consolas" panose="020B0609020204030204" pitchFamily="49" charset="0"/>
+                <a:cs typeface="Consolas" panose="020B0609020204030204" pitchFamily="49" charset="0"/>
               </a:rPr>
               <a:t>4</a:t>
             </a:r>
             <a:r>
-              <a:rPr lang="en-US" sz="2000" b="0">
+              <a:rPr lang="en-US" sz="2000" b="0" dirty="0">
                 <a:solidFill>
                   <a:srgbClr val="3B3B3B"/>
                 </a:solidFill>
                 <a:effectLst/>
-                <a:latin typeface="Menlo" panose="020B0609030804020204" pitchFamily="49" charset="0"/>
+                <a:latin typeface="Consolas" panose="020B0609020204030204" pitchFamily="49" charset="0"/>
+                <a:cs typeface="Consolas" panose="020B0609020204030204" pitchFamily="49" charset="0"/>
               </a:rPr>
               <a:t> </a:t>
             </a:r>
             <a:r>
-              <a:rPr lang="en-US" sz="2000" b="0">
+              <a:rPr lang="en-US" sz="2000" b="0" dirty="0">
                 <a:solidFill>
                   <a:srgbClr val="000000"/>
                 </a:solidFill>
                 <a:effectLst/>
-                <a:latin typeface="Menlo" panose="020B0609030804020204" pitchFamily="49" charset="0"/>
+                <a:latin typeface="Consolas" panose="020B0609020204030204" pitchFamily="49" charset="0"/>
+                <a:cs typeface="Consolas" panose="020B0609020204030204" pitchFamily="49" charset="0"/>
               </a:rPr>
               <a:t>?</a:t>
             </a:r>
             <a:r>
-              <a:rPr lang="en-US" sz="2000" b="0">
+              <a:rPr lang="en-US" sz="2000" b="0" dirty="0">
                 <a:solidFill>
                   <a:srgbClr val="3B3B3B"/>
                 </a:solidFill>
                 <a:effectLst/>
-                <a:latin typeface="Menlo" panose="020B0609030804020204" pitchFamily="49" charset="0"/>
+                <a:latin typeface="Consolas" panose="020B0609020204030204" pitchFamily="49" charset="0"/>
+                <a:cs typeface="Consolas" panose="020B0609020204030204" pitchFamily="49" charset="0"/>
               </a:rPr>
               <a:t> </a:t>
             </a:r>
             <a:r>
-              <a:rPr lang="en-US" sz="2000" b="0">
+              <a:rPr lang="en-US" sz="2000" b="0" dirty="0">
                 <a:solidFill>
                   <a:srgbClr val="098658"/>
                 </a:solidFill>
                 <a:effectLst/>
-                <a:latin typeface="Menlo" panose="020B0609030804020204" pitchFamily="49" charset="0"/>
+                <a:latin typeface="Consolas" panose="020B0609020204030204" pitchFamily="49" charset="0"/>
+                <a:cs typeface="Consolas" panose="020B0609020204030204" pitchFamily="49" charset="0"/>
               </a:rPr>
               <a:t>2</a:t>
             </a:r>
             <a:r>
-              <a:rPr lang="en-US" sz="2000" b="0">
+              <a:rPr lang="en-US" sz="2000" b="0" dirty="0">
                 <a:solidFill>
                   <a:srgbClr val="3B3B3B"/>
                 </a:solidFill>
                 <a:effectLst/>
-                <a:latin typeface="Menlo" panose="020B0609030804020204" pitchFamily="49" charset="0"/>
+                <a:latin typeface="Consolas" panose="020B0609020204030204" pitchFamily="49" charset="0"/>
+                <a:cs typeface="Consolas" panose="020B0609020204030204" pitchFamily="49" charset="0"/>
               </a:rPr>
               <a:t> </a:t>
             </a:r>
             <a:r>
-              <a:rPr lang="en-US" sz="2000" b="0">
+              <a:rPr lang="en-US" sz="2000" b="0" dirty="0">
                 <a:solidFill>
                   <a:srgbClr val="000000"/>
                 </a:solidFill>
                 <a:effectLst/>
-                <a:latin typeface="Menlo" panose="020B0609030804020204" pitchFamily="49" charset="0"/>
+                <a:latin typeface="Consolas" panose="020B0609020204030204" pitchFamily="49" charset="0"/>
+                <a:cs typeface="Consolas" panose="020B0609020204030204" pitchFamily="49" charset="0"/>
               </a:rPr>
               <a:t>:</a:t>
             </a:r>
             <a:r>
-              <a:rPr lang="en-US" sz="2000" b="0">
+              <a:rPr lang="en-US" sz="2000" b="0" dirty="0">
                 <a:solidFill>
                   <a:srgbClr val="3B3B3B"/>
                 </a:solidFill>
                 <a:effectLst/>
-                <a:latin typeface="Menlo" panose="020B0609030804020204" pitchFamily="49" charset="0"/>
+                <a:latin typeface="Consolas" panose="020B0609020204030204" pitchFamily="49" charset="0"/>
+                <a:cs typeface="Consolas" panose="020B0609020204030204" pitchFamily="49" charset="0"/>
               </a:rPr>
               <a:t> </a:t>
             </a:r>
             <a:r>
-              <a:rPr lang="en-US" sz="2000" b="0">
+              <a:rPr lang="en-US" sz="2000" b="0" dirty="0">
                 <a:solidFill>
                   <a:srgbClr val="098658"/>
                 </a:solidFill>
                 <a:effectLst/>
-                <a:latin typeface="Menlo" panose="020B0609030804020204" pitchFamily="49" charset="0"/>
+                <a:latin typeface="Consolas" panose="020B0609020204030204" pitchFamily="49" charset="0"/>
+                <a:cs typeface="Consolas" panose="020B0609020204030204" pitchFamily="49" charset="0"/>
               </a:rPr>
               <a:t>3</a:t>
             </a:r>
             <a:r>
-              <a:rPr lang="en-US" sz="2000" b="0">
+              <a:rPr lang="en-US" sz="2000" b="0" dirty="0">
                 <a:solidFill>
                   <a:srgbClr val="3B3B3B"/>
                 </a:solidFill>
                 <a:effectLst/>
-                <a:latin typeface="Menlo" panose="020B0609030804020204" pitchFamily="49" charset="0"/>
+                <a:latin typeface="Consolas" panose="020B0609020204030204" pitchFamily="49" charset="0"/>
+                <a:cs typeface="Consolas" panose="020B0609020204030204" pitchFamily="49" charset="0"/>
               </a:rPr>
               <a:t>;</a:t>
             </a:r>
@@ -16064,263 +15265,289 @@
               <a:buNone/>
             </a:pPr>
             <a:r>
-              <a:rPr lang="en-US" sz="2000">
+              <a:rPr lang="en-US" sz="2000" dirty="0">
                 <a:solidFill>
                   <a:schemeClr val="bg2">
                     <a:lumMod val="90000"/>
                   </a:schemeClr>
                 </a:solidFill>
-                <a:latin typeface="Menlo" panose="020B0609030804020204" pitchFamily="49" charset="0"/>
+                <a:latin typeface="Consolas" panose="020B0609020204030204" pitchFamily="49" charset="0"/>
+                <a:cs typeface="Consolas" panose="020B0609020204030204" pitchFamily="49" charset="0"/>
               </a:rPr>
               <a:t>5</a:t>
             </a:r>
             <a:r>
-              <a:rPr lang="en-US" sz="2000" b="0">
+              <a:rPr lang="en-US" sz="2000" b="0" dirty="0">
                 <a:solidFill>
                   <a:schemeClr val="bg2">
                     <a:lumMod val="90000"/>
                   </a:schemeClr>
                 </a:solidFill>
                 <a:effectLst/>
-                <a:latin typeface="Menlo" panose="020B0609030804020204" pitchFamily="49" charset="0"/>
+                <a:latin typeface="Consolas" panose="020B0609020204030204" pitchFamily="49" charset="0"/>
+                <a:cs typeface="Consolas" panose="020B0609020204030204" pitchFamily="49" charset="0"/>
               </a:rPr>
               <a:t>| </a:t>
             </a:r>
             <a:r>
-              <a:rPr lang="en-US" sz="2000" b="0">
+              <a:rPr lang="en-US" sz="2000" b="0" dirty="0">
                 <a:solidFill>
                   <a:srgbClr val="0000FF"/>
                 </a:solidFill>
                 <a:effectLst/>
-                <a:latin typeface="Menlo" panose="020B0609030804020204" pitchFamily="49" charset="0"/>
+                <a:latin typeface="Consolas" panose="020B0609020204030204" pitchFamily="49" charset="0"/>
+                <a:cs typeface="Consolas" panose="020B0609020204030204" pitchFamily="49" charset="0"/>
               </a:rPr>
               <a:t>const</a:t>
             </a:r>
             <a:r>
-              <a:rPr lang="en-US" sz="2000" b="0">
+              <a:rPr lang="en-US" sz="2000" b="0" dirty="0">
                 <a:solidFill>
                   <a:srgbClr val="3B3B3B"/>
                 </a:solidFill>
                 <a:effectLst/>
-                <a:latin typeface="Menlo" panose="020B0609030804020204" pitchFamily="49" charset="0"/>
+                <a:latin typeface="Consolas" panose="020B0609020204030204" pitchFamily="49" charset="0"/>
+                <a:cs typeface="Consolas" panose="020B0609020204030204" pitchFamily="49" charset="0"/>
               </a:rPr>
               <a:t> </a:t>
             </a:r>
             <a:r>
-              <a:rPr lang="en-US" sz="2000" b="0">
+              <a:rPr lang="en-US" sz="2000" b="0" dirty="0">
                 <a:solidFill>
                   <a:srgbClr val="0070C1"/>
                 </a:solidFill>
                 <a:effectLst/>
-                <a:latin typeface="Menlo" panose="020B0609030804020204" pitchFamily="49" charset="0"/>
+                <a:latin typeface="Consolas" panose="020B0609020204030204" pitchFamily="49" charset="0"/>
+                <a:cs typeface="Consolas" panose="020B0609020204030204" pitchFamily="49" charset="0"/>
               </a:rPr>
               <a:t>z</a:t>
             </a:r>
             <a:r>
-              <a:rPr lang="en-US" sz="2000" b="0">
+              <a:rPr lang="en-US" sz="2000" b="0" dirty="0">
                 <a:solidFill>
                   <a:srgbClr val="3B3B3B"/>
                 </a:solidFill>
                 <a:effectLst/>
-                <a:latin typeface="Menlo" panose="020B0609030804020204" pitchFamily="49" charset="0"/>
+                <a:latin typeface="Consolas" panose="020B0609020204030204" pitchFamily="49" charset="0"/>
+                <a:cs typeface="Consolas" panose="020B0609020204030204" pitchFamily="49" charset="0"/>
               </a:rPr>
               <a:t> </a:t>
             </a:r>
             <a:r>
-              <a:rPr lang="en-US" sz="2000" b="0">
+              <a:rPr lang="en-US" sz="2000" b="0" dirty="0">
                 <a:solidFill>
                   <a:srgbClr val="000000"/>
                 </a:solidFill>
                 <a:effectLst/>
-                <a:latin typeface="Menlo" panose="020B0609030804020204" pitchFamily="49" charset="0"/>
+                <a:latin typeface="Consolas" panose="020B0609020204030204" pitchFamily="49" charset="0"/>
+                <a:cs typeface="Consolas" panose="020B0609020204030204" pitchFamily="49" charset="0"/>
               </a:rPr>
               <a:t>=</a:t>
             </a:r>
             <a:r>
-              <a:rPr lang="en-US" sz="2000" b="0">
+              <a:rPr lang="en-US" sz="2000" b="0" dirty="0">
                 <a:solidFill>
                   <a:srgbClr val="3B3B3B"/>
                 </a:solidFill>
                 <a:effectLst/>
-                <a:latin typeface="Menlo" panose="020B0609030804020204" pitchFamily="49" charset="0"/>
+                <a:latin typeface="Consolas" panose="020B0609020204030204" pitchFamily="49" charset="0"/>
+                <a:cs typeface="Consolas" panose="020B0609020204030204" pitchFamily="49" charset="0"/>
               </a:rPr>
               <a:t> </a:t>
             </a:r>
             <a:r>
-              <a:rPr lang="en-US" sz="2000" b="0">
+              <a:rPr lang="en-US" sz="2000" b="0" dirty="0">
                 <a:solidFill>
                   <a:srgbClr val="0070C1"/>
                 </a:solidFill>
                 <a:effectLst/>
-                <a:latin typeface="Menlo" panose="020B0609030804020204" pitchFamily="49" charset="0"/>
+                <a:latin typeface="Consolas" panose="020B0609020204030204" pitchFamily="49" charset="0"/>
+                <a:cs typeface="Consolas" panose="020B0609020204030204" pitchFamily="49" charset="0"/>
               </a:rPr>
               <a:t>x</a:t>
             </a:r>
             <a:r>
-              <a:rPr lang="en-US" sz="2000" b="0">
+              <a:rPr lang="en-US" sz="2000" b="0" dirty="0">
                 <a:solidFill>
                   <a:srgbClr val="3B3B3B"/>
                 </a:solidFill>
                 <a:effectLst/>
-                <a:latin typeface="Menlo" panose="020B0609030804020204" pitchFamily="49" charset="0"/>
+                <a:latin typeface="Consolas" panose="020B0609020204030204" pitchFamily="49" charset="0"/>
+                <a:cs typeface="Consolas" panose="020B0609020204030204" pitchFamily="49" charset="0"/>
               </a:rPr>
               <a:t> </a:t>
             </a:r>
             <a:r>
-              <a:rPr lang="en-US" sz="2000" b="0">
+              <a:rPr lang="en-US" sz="2000" b="0" dirty="0">
                 <a:solidFill>
                   <a:srgbClr val="000000"/>
                 </a:solidFill>
                 <a:effectLst/>
-                <a:latin typeface="Menlo" panose="020B0609030804020204" pitchFamily="49" charset="0"/>
+                <a:latin typeface="Consolas" panose="020B0609020204030204" pitchFamily="49" charset="0"/>
+                <a:cs typeface="Consolas" panose="020B0609020204030204" pitchFamily="49" charset="0"/>
               </a:rPr>
               <a:t>%</a:t>
             </a:r>
             <a:r>
-              <a:rPr lang="en-US" sz="2000" b="0">
+              <a:rPr lang="en-US" sz="2000" b="0" dirty="0">
                 <a:solidFill>
                   <a:srgbClr val="3B3B3B"/>
                 </a:solidFill>
                 <a:effectLst/>
-                <a:latin typeface="Menlo" panose="020B0609030804020204" pitchFamily="49" charset="0"/>
+                <a:latin typeface="Consolas" panose="020B0609020204030204" pitchFamily="49" charset="0"/>
+                <a:cs typeface="Consolas" panose="020B0609020204030204" pitchFamily="49" charset="0"/>
               </a:rPr>
               <a:t> </a:t>
             </a:r>
             <a:r>
-              <a:rPr lang="en-US" sz="2000" b="0">
+              <a:rPr lang="en-US" sz="2000" b="0" dirty="0">
                 <a:solidFill>
                   <a:srgbClr val="098658"/>
                 </a:solidFill>
                 <a:effectLst/>
-                <a:latin typeface="Menlo" panose="020B0609030804020204" pitchFamily="49" charset="0"/>
+                <a:latin typeface="Consolas" panose="020B0609020204030204" pitchFamily="49" charset="0"/>
+                <a:cs typeface="Consolas" panose="020B0609020204030204" pitchFamily="49" charset="0"/>
               </a:rPr>
               <a:t>2</a:t>
             </a:r>
             <a:r>
-              <a:rPr lang="en-US" sz="2000" b="0">
+              <a:rPr lang="en-US" sz="2000" b="0" dirty="0">
                 <a:solidFill>
                   <a:srgbClr val="3B3B3B"/>
                 </a:solidFill>
                 <a:effectLst/>
-                <a:latin typeface="Menlo" panose="020B0609030804020204" pitchFamily="49" charset="0"/>
+                <a:latin typeface="Consolas" panose="020B0609020204030204" pitchFamily="49" charset="0"/>
+                <a:cs typeface="Consolas" panose="020B0609020204030204" pitchFamily="49" charset="0"/>
               </a:rPr>
               <a:t> </a:t>
             </a:r>
             <a:r>
-              <a:rPr lang="en-US" sz="2000" b="0">
+              <a:rPr lang="en-US" sz="2000" b="0" dirty="0">
                 <a:solidFill>
                   <a:srgbClr val="000000"/>
                 </a:solidFill>
                 <a:effectLst/>
-                <a:latin typeface="Menlo" panose="020B0609030804020204" pitchFamily="49" charset="0"/>
+                <a:latin typeface="Consolas" panose="020B0609020204030204" pitchFamily="49" charset="0"/>
+                <a:cs typeface="Consolas" panose="020B0609020204030204" pitchFamily="49" charset="0"/>
               </a:rPr>
               <a:t>==</a:t>
             </a:r>
             <a:r>
-              <a:rPr lang="en-US" sz="2000" b="0">
+              <a:rPr lang="en-US" sz="2000" b="0" dirty="0">
                 <a:solidFill>
                   <a:srgbClr val="3B3B3B"/>
                 </a:solidFill>
                 <a:effectLst/>
-                <a:latin typeface="Menlo" panose="020B0609030804020204" pitchFamily="49" charset="0"/>
+                <a:latin typeface="Consolas" panose="020B0609020204030204" pitchFamily="49" charset="0"/>
+                <a:cs typeface="Consolas" panose="020B0609020204030204" pitchFamily="49" charset="0"/>
               </a:rPr>
               <a:t> </a:t>
             </a:r>
             <a:r>
-              <a:rPr lang="en-US" sz="2000" b="0">
+              <a:rPr lang="en-US" sz="2000" b="0" dirty="0">
                 <a:solidFill>
                   <a:srgbClr val="098658"/>
                 </a:solidFill>
                 <a:effectLst/>
-                <a:latin typeface="Menlo" panose="020B0609030804020204" pitchFamily="49" charset="0"/>
+                <a:latin typeface="Consolas" panose="020B0609020204030204" pitchFamily="49" charset="0"/>
+                <a:cs typeface="Consolas" panose="020B0609020204030204" pitchFamily="49" charset="0"/>
               </a:rPr>
               <a:t>0</a:t>
             </a:r>
             <a:r>
-              <a:rPr lang="en-US" sz="2000" b="0">
+              <a:rPr lang="en-US" sz="2000" b="0" dirty="0">
                 <a:solidFill>
                   <a:srgbClr val="3B3B3B"/>
                 </a:solidFill>
                 <a:effectLst/>
-                <a:latin typeface="Menlo" panose="020B0609030804020204" pitchFamily="49" charset="0"/>
+                <a:latin typeface="Consolas" panose="020B0609020204030204" pitchFamily="49" charset="0"/>
+                <a:cs typeface="Consolas" panose="020B0609020204030204" pitchFamily="49" charset="0"/>
               </a:rPr>
               <a:t> </a:t>
             </a:r>
             <a:r>
-              <a:rPr lang="en-US" sz="2000" b="0">
+              <a:rPr lang="en-US" sz="2000" b="0" dirty="0">
                 <a:solidFill>
                   <a:srgbClr val="000000"/>
                 </a:solidFill>
                 <a:effectLst/>
-                <a:latin typeface="Menlo" panose="020B0609030804020204" pitchFamily="49" charset="0"/>
+                <a:latin typeface="Consolas" panose="020B0609020204030204" pitchFamily="49" charset="0"/>
+                <a:cs typeface="Consolas" panose="020B0609020204030204" pitchFamily="49" charset="0"/>
               </a:rPr>
               <a:t>?</a:t>
             </a:r>
             <a:r>
-              <a:rPr lang="en-US" sz="2000" b="0">
+              <a:rPr lang="en-US" sz="2000" b="0" dirty="0">
                 <a:solidFill>
                   <a:srgbClr val="3B3B3B"/>
                 </a:solidFill>
                 <a:effectLst/>
-                <a:latin typeface="Menlo" panose="020B0609030804020204" pitchFamily="49" charset="0"/>
+                <a:latin typeface="Consolas" panose="020B0609020204030204" pitchFamily="49" charset="0"/>
+                <a:cs typeface="Consolas" panose="020B0609020204030204" pitchFamily="49" charset="0"/>
               </a:rPr>
               <a:t> </a:t>
             </a:r>
             <a:r>
-              <a:rPr lang="en-US" sz="2000">
+              <a:rPr lang="en-US" sz="2000" dirty="0">
                 <a:solidFill>
                   <a:srgbClr val="098658"/>
                 </a:solidFill>
-                <a:latin typeface="Menlo" panose="020B0609030804020204" pitchFamily="49" charset="0"/>
+                <a:latin typeface="Consolas" panose="020B0609020204030204" pitchFamily="49" charset="0"/>
+                <a:cs typeface="Consolas" panose="020B0609020204030204" pitchFamily="49" charset="0"/>
               </a:rPr>
               <a:t>1</a:t>
             </a:r>
             <a:r>
-              <a:rPr lang="en-US" sz="2000" b="0">
+              <a:rPr lang="en-US" sz="2000" b="0" dirty="0">
                 <a:solidFill>
                   <a:srgbClr val="3B3B3B"/>
                 </a:solidFill>
                 <a:effectLst/>
-                <a:latin typeface="Menlo" panose="020B0609030804020204" pitchFamily="49" charset="0"/>
+                <a:latin typeface="Consolas" panose="020B0609020204030204" pitchFamily="49" charset="0"/>
+                <a:cs typeface="Consolas" panose="020B0609020204030204" pitchFamily="49" charset="0"/>
               </a:rPr>
               <a:t> </a:t>
             </a:r>
             <a:r>
-              <a:rPr lang="en-US" sz="2000" b="0">
+              <a:rPr lang="en-US" sz="2000" b="0" dirty="0">
                 <a:solidFill>
                   <a:srgbClr val="000000"/>
                 </a:solidFill>
                 <a:effectLst/>
-                <a:latin typeface="Menlo" panose="020B0609030804020204" pitchFamily="49" charset="0"/>
+                <a:latin typeface="Consolas" panose="020B0609020204030204" pitchFamily="49" charset="0"/>
+                <a:cs typeface="Consolas" panose="020B0609020204030204" pitchFamily="49" charset="0"/>
               </a:rPr>
               <a:t>:</a:t>
             </a:r>
             <a:r>
-              <a:rPr lang="en-US" sz="2000" b="0">
+              <a:rPr lang="en-US" sz="2000" b="0" dirty="0">
                 <a:solidFill>
                   <a:srgbClr val="3B3B3B"/>
                 </a:solidFill>
                 <a:effectLst/>
-                <a:latin typeface="Menlo" panose="020B0609030804020204" pitchFamily="49" charset="0"/>
+                <a:latin typeface="Consolas" panose="020B0609020204030204" pitchFamily="49" charset="0"/>
+                <a:cs typeface="Consolas" panose="020B0609020204030204" pitchFamily="49" charset="0"/>
               </a:rPr>
               <a:t> </a:t>
             </a:r>
             <a:r>
-              <a:rPr lang="en-US" sz="2000">
+              <a:rPr lang="en-US" sz="2000" dirty="0">
                 <a:solidFill>
                   <a:srgbClr val="098658"/>
                 </a:solidFill>
-                <a:latin typeface="Menlo" panose="020B0609030804020204" pitchFamily="49" charset="0"/>
+                <a:latin typeface="Consolas" panose="020B0609020204030204" pitchFamily="49" charset="0"/>
+                <a:cs typeface="Consolas" panose="020B0609020204030204" pitchFamily="49" charset="0"/>
               </a:rPr>
               <a:t>2</a:t>
             </a:r>
             <a:r>
-              <a:rPr lang="en-US" sz="2000" b="0">
+              <a:rPr lang="en-US" sz="2000" b="0" dirty="0">
                 <a:solidFill>
                   <a:srgbClr val="3B3B3B"/>
                 </a:solidFill>
                 <a:effectLst/>
-                <a:latin typeface="Menlo" panose="020B0609030804020204" pitchFamily="49" charset="0"/>
+                <a:latin typeface="Consolas" panose="020B0609020204030204" pitchFamily="49" charset="0"/>
+                <a:cs typeface="Consolas" panose="020B0609020204030204" pitchFamily="49" charset="0"/>
               </a:rPr>
               <a:t>;</a:t>
             </a:r>
@@ -16332,145 +15559,159 @@
               </a:lnSpc>
             </a:pPr>
             <a:r>
-              <a:rPr lang="en-US" sz="2000">
+              <a:rPr lang="en-US" sz="2000" dirty="0">
                 <a:solidFill>
                   <a:schemeClr val="bg2">
                     <a:lumMod val="90000"/>
                   </a:schemeClr>
                 </a:solidFill>
-                <a:latin typeface="Menlo" panose="020B0609030804020204" pitchFamily="49" charset="0"/>
+                <a:latin typeface="Consolas" panose="020B0609020204030204" pitchFamily="49" charset="0"/>
+                <a:cs typeface="Consolas" panose="020B0609020204030204" pitchFamily="49" charset="0"/>
               </a:rPr>
               <a:t>6</a:t>
             </a:r>
             <a:r>
-              <a:rPr lang="en-US" sz="2000" b="0">
+              <a:rPr lang="en-US" sz="2000" b="0" dirty="0">
                 <a:solidFill>
                   <a:schemeClr val="bg2">
                     <a:lumMod val="90000"/>
                   </a:schemeClr>
                 </a:solidFill>
                 <a:effectLst/>
-                <a:latin typeface="Menlo" panose="020B0609030804020204" pitchFamily="49" charset="0"/>
+                <a:latin typeface="Consolas" panose="020B0609020204030204" pitchFamily="49" charset="0"/>
+                <a:cs typeface="Consolas" panose="020B0609020204030204" pitchFamily="49" charset="0"/>
               </a:rPr>
               <a:t>| </a:t>
             </a:r>
             <a:r>
-              <a:rPr lang="en-US" sz="2000" b="0">
+              <a:rPr lang="en-US" sz="2000" b="0" dirty="0">
                 <a:solidFill>
                   <a:srgbClr val="AF00DB"/>
                 </a:solidFill>
                 <a:effectLst/>
-                <a:latin typeface="Menlo" panose="020B0609030804020204" pitchFamily="49" charset="0"/>
+                <a:latin typeface="Consolas" panose="020B0609020204030204" pitchFamily="49" charset="0"/>
+                <a:cs typeface="Consolas" panose="020B0609020204030204" pitchFamily="49" charset="0"/>
               </a:rPr>
               <a:t>return</a:t>
             </a:r>
             <a:r>
-              <a:rPr lang="en-US" sz="2000" b="0">
+              <a:rPr lang="en-US" sz="2000" b="0" dirty="0">
                 <a:solidFill>
                   <a:srgbClr val="3B3B3B"/>
                 </a:solidFill>
                 <a:effectLst/>
-                <a:latin typeface="Menlo" panose="020B0609030804020204" pitchFamily="49" charset="0"/>
+                <a:latin typeface="Consolas" panose="020B0609020204030204" pitchFamily="49" charset="0"/>
+                <a:cs typeface="Consolas" panose="020B0609020204030204" pitchFamily="49" charset="0"/>
               </a:rPr>
               <a:t> </a:t>
             </a:r>
             <a:r>
-              <a:rPr lang="en-US" sz="2000" b="0">
+              <a:rPr lang="en-US" sz="2000" b="0" dirty="0">
                 <a:solidFill>
                   <a:srgbClr val="0070C1"/>
                 </a:solidFill>
                 <a:effectLst/>
-                <a:latin typeface="Menlo" panose="020B0609030804020204" pitchFamily="49" charset="0"/>
+                <a:latin typeface="Consolas" panose="020B0609020204030204" pitchFamily="49" charset="0"/>
+                <a:cs typeface="Consolas" panose="020B0609020204030204" pitchFamily="49" charset="0"/>
               </a:rPr>
               <a:t>x</a:t>
             </a:r>
             <a:r>
-              <a:rPr lang="en-US" sz="2000" b="0">
+              <a:rPr lang="en-US" sz="2000" b="0" dirty="0">
                 <a:solidFill>
                   <a:srgbClr val="3B3B3B"/>
                 </a:solidFill>
                 <a:effectLst/>
-                <a:latin typeface="Menlo" panose="020B0609030804020204" pitchFamily="49" charset="0"/>
+                <a:latin typeface="Consolas" panose="020B0609020204030204" pitchFamily="49" charset="0"/>
+                <a:cs typeface="Consolas" panose="020B0609020204030204" pitchFamily="49" charset="0"/>
               </a:rPr>
               <a:t> </a:t>
             </a:r>
             <a:r>
-              <a:rPr lang="en-US" sz="2000" b="0">
+              <a:rPr lang="en-US" sz="2000" b="0" dirty="0">
                 <a:solidFill>
                   <a:srgbClr val="000000"/>
                 </a:solidFill>
                 <a:effectLst/>
-                <a:latin typeface="Menlo" panose="020B0609030804020204" pitchFamily="49" charset="0"/>
+                <a:latin typeface="Consolas" panose="020B0609020204030204" pitchFamily="49" charset="0"/>
+                <a:cs typeface="Consolas" panose="020B0609020204030204" pitchFamily="49" charset="0"/>
               </a:rPr>
               <a:t>/</a:t>
             </a:r>
             <a:r>
-              <a:rPr lang="en-US" sz="2000" b="0">
+              <a:rPr lang="en-US" sz="2000" b="0" dirty="0">
                 <a:solidFill>
                   <a:srgbClr val="3B3B3B"/>
                 </a:solidFill>
                 <a:effectLst/>
-                <a:latin typeface="Menlo" panose="020B0609030804020204" pitchFamily="49" charset="0"/>
+                <a:latin typeface="Consolas" panose="020B0609020204030204" pitchFamily="49" charset="0"/>
+                <a:cs typeface="Consolas" panose="020B0609020204030204" pitchFamily="49" charset="0"/>
               </a:rPr>
               <a:t> (</a:t>
             </a:r>
             <a:r>
-              <a:rPr lang="en-US" sz="2000" b="0">
+              <a:rPr lang="en-US" sz="2000" b="0" dirty="0">
                 <a:solidFill>
                   <a:srgbClr val="0070C1"/>
                 </a:solidFill>
                 <a:effectLst/>
-                <a:latin typeface="Menlo" panose="020B0609030804020204" pitchFamily="49" charset="0"/>
+                <a:latin typeface="Consolas" panose="020B0609020204030204" pitchFamily="49" charset="0"/>
+                <a:cs typeface="Consolas" panose="020B0609020204030204" pitchFamily="49" charset="0"/>
               </a:rPr>
               <a:t>y</a:t>
             </a:r>
             <a:r>
-              <a:rPr lang="en-US" sz="2000" b="0">
+              <a:rPr lang="en-US" sz="2000" b="0" dirty="0">
                 <a:solidFill>
                   <a:srgbClr val="3B3B3B"/>
                 </a:solidFill>
                 <a:effectLst/>
-                <a:latin typeface="Menlo" panose="020B0609030804020204" pitchFamily="49" charset="0"/>
+                <a:latin typeface="Consolas" panose="020B0609020204030204" pitchFamily="49" charset="0"/>
+                <a:cs typeface="Consolas" panose="020B0609020204030204" pitchFamily="49" charset="0"/>
               </a:rPr>
               <a:t> </a:t>
             </a:r>
             <a:r>
-              <a:rPr lang="en-US" sz="2000" b="0">
+              <a:rPr lang="en-US" sz="2000" b="0" dirty="0">
                 <a:solidFill>
                   <a:srgbClr val="000000"/>
                 </a:solidFill>
                 <a:effectLst/>
-                <a:latin typeface="Menlo" panose="020B0609030804020204" pitchFamily="49" charset="0"/>
+                <a:latin typeface="Consolas" panose="020B0609020204030204" pitchFamily="49" charset="0"/>
+                <a:cs typeface="Consolas" panose="020B0609020204030204" pitchFamily="49" charset="0"/>
               </a:rPr>
               <a:t>-</a:t>
             </a:r>
             <a:r>
-              <a:rPr lang="en-US" sz="2000" b="0">
+              <a:rPr lang="en-US" sz="2000" b="0" dirty="0">
                 <a:solidFill>
                   <a:srgbClr val="3B3B3B"/>
                 </a:solidFill>
                 <a:effectLst/>
-                <a:latin typeface="Menlo" panose="020B0609030804020204" pitchFamily="49" charset="0"/>
+                <a:latin typeface="Consolas" panose="020B0609020204030204" pitchFamily="49" charset="0"/>
+                <a:cs typeface="Consolas" panose="020B0609020204030204" pitchFamily="49" charset="0"/>
               </a:rPr>
               <a:t> </a:t>
             </a:r>
             <a:r>
-              <a:rPr lang="en-US" sz="2000" b="0">
+              <a:rPr lang="en-US" sz="2000" b="0" dirty="0">
                 <a:solidFill>
                   <a:srgbClr val="0070C1"/>
                 </a:solidFill>
                 <a:effectLst/>
-                <a:latin typeface="Menlo" panose="020B0609030804020204" pitchFamily="49" charset="0"/>
+                <a:latin typeface="Consolas" panose="020B0609020204030204" pitchFamily="49" charset="0"/>
+                <a:cs typeface="Consolas" panose="020B0609020204030204" pitchFamily="49" charset="0"/>
               </a:rPr>
               <a:t>z</a:t>
             </a:r>
             <a:r>
-              <a:rPr lang="en-US" sz="2000" b="0">
+              <a:rPr lang="en-US" sz="2000" b="0" dirty="0">
                 <a:solidFill>
                   <a:srgbClr val="3B3B3B"/>
                 </a:solidFill>
                 <a:effectLst/>
-                <a:latin typeface="Menlo" panose="020B0609030804020204" pitchFamily="49" charset="0"/>
+                <a:latin typeface="Consolas" panose="020B0609020204030204" pitchFamily="49" charset="0"/>
+                <a:cs typeface="Consolas" panose="020B0609020204030204" pitchFamily="49" charset="0"/>
               </a:rPr>
               <a:t>);</a:t>
             </a:r>
@@ -16530,7 +15771,7 @@
           <a:p>
             <a:r>
               <a:rPr lang="en-US" dirty="0"/>
-              <a:t>Code Coverage: Example 1</a:t>
+              <a:t>Code Coverage: Example</a:t>
             </a:r>
           </a:p>
         </p:txBody>
@@ -16657,7 +15898,8 @@
                   <a:srgbClr val="008000"/>
                 </a:solidFill>
                 <a:effectLst/>
-                <a:latin typeface="Menlo" panose="020B0609030804020204" pitchFamily="49" charset="0"/>
+                <a:latin typeface="Consolas" panose="020B0609020204030204" pitchFamily="49" charset="0"/>
+                <a:cs typeface="Consolas" panose="020B0609020204030204" pitchFamily="49" charset="0"/>
               </a:rPr>
               <a:t>/**</a:t>
             </a:r>
@@ -16666,7 +15908,8 @@
                 <a:srgbClr val="3B3B3B"/>
               </a:solidFill>
               <a:effectLst/>
-              <a:latin typeface="Menlo" panose="020B0609030804020204" pitchFamily="49" charset="0"/>
+              <a:latin typeface="Consolas" panose="020B0609020204030204" pitchFamily="49" charset="0"/>
+              <a:cs typeface="Consolas" panose="020B0609020204030204" pitchFamily="49" charset="0"/>
             </a:endParaRPr>
           </a:p>
           <a:p>
@@ -16682,7 +15925,8 @@
                   <a:srgbClr val="008000"/>
                 </a:solidFill>
                 <a:effectLst/>
-                <a:latin typeface="Menlo" panose="020B0609030804020204" pitchFamily="49" charset="0"/>
+                <a:latin typeface="Consolas" panose="020B0609020204030204" pitchFamily="49" charset="0"/>
+                <a:cs typeface="Consolas" panose="020B0609020204030204" pitchFamily="49" charset="0"/>
               </a:rPr>
               <a:t> * Prints "hello" repeatedly</a:t>
             </a:r>
@@ -16691,7 +15935,8 @@
                 <a:srgbClr val="3B3B3B"/>
               </a:solidFill>
               <a:effectLst/>
-              <a:latin typeface="Menlo" panose="020B0609030804020204" pitchFamily="49" charset="0"/>
+              <a:latin typeface="Consolas" panose="020B0609020204030204" pitchFamily="49" charset="0"/>
+              <a:cs typeface="Consolas" panose="020B0609020204030204" pitchFamily="49" charset="0"/>
             </a:endParaRPr>
           </a:p>
           <a:p>
@@ -16707,7 +15952,8 @@
                   <a:srgbClr val="008000"/>
                 </a:solidFill>
                 <a:effectLst/>
-                <a:latin typeface="Menlo" panose="020B0609030804020204" pitchFamily="49" charset="0"/>
+                <a:latin typeface="Consolas" panose="020B0609020204030204" pitchFamily="49" charset="0"/>
+                <a:cs typeface="Consolas" panose="020B0609020204030204" pitchFamily="49" charset="0"/>
               </a:rPr>
               <a:t> *</a:t>
             </a:r>
@@ -16716,7 +15962,8 @@
                 <a:srgbClr val="3B3B3B"/>
               </a:solidFill>
               <a:effectLst/>
-              <a:latin typeface="Menlo" panose="020B0609030804020204" pitchFamily="49" charset="0"/>
+              <a:latin typeface="Consolas" panose="020B0609020204030204" pitchFamily="49" charset="0"/>
+              <a:cs typeface="Consolas" panose="020B0609020204030204" pitchFamily="49" charset="0"/>
             </a:endParaRPr>
           </a:p>
           <a:p>
@@ -16732,7 +15979,8 @@
                   <a:srgbClr val="008000"/>
                 </a:solidFill>
                 <a:effectLst/>
-                <a:latin typeface="Menlo" panose="020B0609030804020204" pitchFamily="49" charset="0"/>
+                <a:latin typeface="Consolas" panose="020B0609020204030204" pitchFamily="49" charset="0"/>
+                <a:cs typeface="Consolas" panose="020B0609020204030204" pitchFamily="49" charset="0"/>
               </a:rPr>
               <a:t> * </a:t>
             </a:r>
@@ -16742,7 +15990,8 @@
                   <a:srgbClr val="0000FF"/>
                 </a:solidFill>
                 <a:effectLst/>
-                <a:latin typeface="Menlo" panose="020B0609030804020204" pitchFamily="49" charset="0"/>
+                <a:latin typeface="Consolas" panose="020B0609020204030204" pitchFamily="49" charset="0"/>
+                <a:cs typeface="Consolas" panose="020B0609020204030204" pitchFamily="49" charset="0"/>
               </a:rPr>
               <a:t>@param</a:t>
             </a:r>
@@ -16752,7 +16001,8 @@
                   <a:srgbClr val="008000"/>
                 </a:solidFill>
                 <a:effectLst/>
-                <a:latin typeface="Menlo" panose="020B0609030804020204" pitchFamily="49" charset="0"/>
+                <a:latin typeface="Consolas" panose="020B0609020204030204" pitchFamily="49" charset="0"/>
+                <a:cs typeface="Consolas" panose="020B0609020204030204" pitchFamily="49" charset="0"/>
               </a:rPr>
               <a:t> </a:t>
             </a:r>
@@ -16762,7 +16012,8 @@
                   <a:srgbClr val="001080"/>
                 </a:solidFill>
                 <a:effectLst/>
-                <a:latin typeface="Menlo" panose="020B0609030804020204" pitchFamily="49" charset="0"/>
+                <a:latin typeface="Consolas" panose="020B0609020204030204" pitchFamily="49" charset="0"/>
+                <a:cs typeface="Consolas" panose="020B0609020204030204" pitchFamily="49" charset="0"/>
               </a:rPr>
               <a:t>numHellos</a:t>
             </a:r>
@@ -16772,7 +16023,8 @@
                   <a:srgbClr val="008000"/>
                 </a:solidFill>
                 <a:effectLst/>
-                <a:latin typeface="Menlo" panose="020B0609030804020204" pitchFamily="49" charset="0"/>
+                <a:latin typeface="Consolas" panose="020B0609020204030204" pitchFamily="49" charset="0"/>
+                <a:cs typeface="Consolas" panose="020B0609020204030204" pitchFamily="49" charset="0"/>
               </a:rPr>
               <a:t> - number of times to print “hello”, </a:t>
             </a:r>
@@ -16789,7 +16041,8 @@
                 <a:solidFill>
                   <a:srgbClr val="008000"/>
                 </a:solidFill>
-                <a:latin typeface="Menlo" panose="020B0609030804020204" pitchFamily="49" charset="0"/>
+                <a:latin typeface="Consolas" panose="020B0609020204030204" pitchFamily="49" charset="0"/>
+                <a:cs typeface="Consolas" panose="020B0609020204030204" pitchFamily="49" charset="0"/>
               </a:rPr>
               <a:t> *   </a:t>
             </a:r>
@@ -16799,7 +16052,8 @@
                   <a:srgbClr val="008000"/>
                 </a:solidFill>
                 <a:effectLst/>
-                <a:latin typeface="Menlo" panose="020B0609030804020204" pitchFamily="49" charset="0"/>
+                <a:latin typeface="Consolas" panose="020B0609020204030204" pitchFamily="49" charset="0"/>
+                <a:cs typeface="Consolas" panose="020B0609020204030204" pitchFamily="49" charset="0"/>
               </a:rPr>
               <a:t>must be an integer &gt;= 0</a:t>
             </a:r>
@@ -16808,7 +16062,8 @@
                 <a:srgbClr val="3B3B3B"/>
               </a:solidFill>
               <a:effectLst/>
-              <a:latin typeface="Menlo" panose="020B0609030804020204" pitchFamily="49" charset="0"/>
+              <a:latin typeface="Consolas" panose="020B0609020204030204" pitchFamily="49" charset="0"/>
+              <a:cs typeface="Consolas" panose="020B0609020204030204" pitchFamily="49" charset="0"/>
             </a:endParaRPr>
           </a:p>
           <a:p>
@@ -16824,7 +16079,8 @@
                   <a:srgbClr val="008000"/>
                 </a:solidFill>
                 <a:effectLst/>
-                <a:latin typeface="Menlo" panose="020B0609030804020204" pitchFamily="49" charset="0"/>
+                <a:latin typeface="Consolas" panose="020B0609020204030204" pitchFamily="49" charset="0"/>
+                <a:cs typeface="Consolas" panose="020B0609020204030204" pitchFamily="49" charset="0"/>
               </a:rPr>
               <a:t> */</a:t>
             </a:r>
@@ -16833,7 +16089,8 @@
                 <a:srgbClr val="3B3B3B"/>
               </a:solidFill>
               <a:effectLst/>
-              <a:latin typeface="Menlo" panose="020B0609030804020204" pitchFamily="49" charset="0"/>
+              <a:latin typeface="Consolas" panose="020B0609020204030204" pitchFamily="49" charset="0"/>
+              <a:cs typeface="Consolas" panose="020B0609020204030204" pitchFamily="49" charset="0"/>
             </a:endParaRPr>
           </a:p>
           <a:p>
@@ -16849,7 +16106,8 @@
                   <a:srgbClr val="0000FF"/>
                 </a:solidFill>
                 <a:effectLst/>
-                <a:latin typeface="Menlo" panose="020B0609030804020204" pitchFamily="49" charset="0"/>
+                <a:latin typeface="Consolas" panose="020B0609020204030204" pitchFamily="49" charset="0"/>
+                <a:cs typeface="Consolas" panose="020B0609020204030204" pitchFamily="49" charset="0"/>
               </a:rPr>
               <a:t>function</a:t>
             </a:r>
@@ -16859,7 +16117,8 @@
                   <a:srgbClr val="3B3B3B"/>
                 </a:solidFill>
                 <a:effectLst/>
-                <a:latin typeface="Menlo" panose="020B0609030804020204" pitchFamily="49" charset="0"/>
+                <a:latin typeface="Consolas" panose="020B0609020204030204" pitchFamily="49" charset="0"/>
+                <a:cs typeface="Consolas" panose="020B0609020204030204" pitchFamily="49" charset="0"/>
               </a:rPr>
               <a:t> </a:t>
             </a:r>
@@ -16869,7 +16128,8 @@
                   <a:srgbClr val="795E26"/>
                 </a:solidFill>
                 <a:effectLst/>
-                <a:latin typeface="Menlo" panose="020B0609030804020204" pitchFamily="49" charset="0"/>
+                <a:latin typeface="Consolas" panose="020B0609020204030204" pitchFamily="49" charset="0"/>
+                <a:cs typeface="Consolas" panose="020B0609020204030204" pitchFamily="49" charset="0"/>
               </a:rPr>
               <a:t>helloNTimes</a:t>
             </a:r>
@@ -16879,7 +16139,8 @@
                   <a:srgbClr val="3B3B3B"/>
                 </a:solidFill>
                 <a:effectLst/>
-                <a:latin typeface="Menlo" panose="020B0609030804020204" pitchFamily="49" charset="0"/>
+                <a:latin typeface="Consolas" panose="020B0609020204030204" pitchFamily="49" charset="0"/>
+                <a:cs typeface="Consolas" panose="020B0609020204030204" pitchFamily="49" charset="0"/>
               </a:rPr>
               <a:t>(</a:t>
             </a:r>
@@ -16889,7 +16150,8 @@
                   <a:srgbClr val="001080"/>
                 </a:solidFill>
                 <a:effectLst/>
-                <a:latin typeface="Menlo" panose="020B0609030804020204" pitchFamily="49" charset="0"/>
+                <a:latin typeface="Consolas" panose="020B0609020204030204" pitchFamily="49" charset="0"/>
+                <a:cs typeface="Consolas" panose="020B0609020204030204" pitchFamily="49" charset="0"/>
               </a:rPr>
               <a:t>numHellos</a:t>
             </a:r>
@@ -16899,7 +16161,8 @@
                   <a:srgbClr val="000000"/>
                 </a:solidFill>
                 <a:effectLst/>
-                <a:latin typeface="Menlo" panose="020B0609030804020204" pitchFamily="49" charset="0"/>
+                <a:latin typeface="Consolas" panose="020B0609020204030204" pitchFamily="49" charset="0"/>
+                <a:cs typeface="Consolas" panose="020B0609020204030204" pitchFamily="49" charset="0"/>
               </a:rPr>
               <a:t>:</a:t>
             </a:r>
@@ -16909,7 +16172,8 @@
                   <a:srgbClr val="3B3B3B"/>
                 </a:solidFill>
                 <a:effectLst/>
-                <a:latin typeface="Menlo" panose="020B0609030804020204" pitchFamily="49" charset="0"/>
+                <a:latin typeface="Consolas" panose="020B0609020204030204" pitchFamily="49" charset="0"/>
+                <a:cs typeface="Consolas" panose="020B0609020204030204" pitchFamily="49" charset="0"/>
               </a:rPr>
               <a:t> </a:t>
             </a:r>
@@ -16919,7 +16183,8 @@
                   <a:srgbClr val="267F99"/>
                 </a:solidFill>
                 <a:effectLst/>
-                <a:latin typeface="Menlo" panose="020B0609030804020204" pitchFamily="49" charset="0"/>
+                <a:latin typeface="Consolas" panose="020B0609020204030204" pitchFamily="49" charset="0"/>
+                <a:cs typeface="Consolas" panose="020B0609020204030204" pitchFamily="49" charset="0"/>
               </a:rPr>
               <a:t>number</a:t>
             </a:r>
@@ -16929,7 +16194,8 @@
                   <a:srgbClr val="3B3B3B"/>
                 </a:solidFill>
                 <a:effectLst/>
-                <a:latin typeface="Menlo" panose="020B0609030804020204" pitchFamily="49" charset="0"/>
+                <a:latin typeface="Consolas" panose="020B0609020204030204" pitchFamily="49" charset="0"/>
+                <a:cs typeface="Consolas" panose="020B0609020204030204" pitchFamily="49" charset="0"/>
               </a:rPr>
               <a:t>) {</a:t>
             </a:r>
@@ -16947,7 +16213,8 @@
                   <a:srgbClr val="AF00DB"/>
                 </a:solidFill>
                 <a:effectLst/>
-                <a:latin typeface="Menlo" panose="020B0609030804020204" pitchFamily="49" charset="0"/>
+                <a:latin typeface="Consolas" panose="020B0609020204030204" pitchFamily="49" charset="0"/>
+                <a:cs typeface="Consolas" panose="020B0609020204030204" pitchFamily="49" charset="0"/>
               </a:rPr>
               <a:t>  for</a:t>
             </a:r>
@@ -16957,7 +16224,8 @@
                   <a:srgbClr val="3B3B3B"/>
                 </a:solidFill>
                 <a:effectLst/>
-                <a:latin typeface="Menlo" panose="020B0609030804020204" pitchFamily="49" charset="0"/>
+                <a:latin typeface="Consolas" panose="020B0609020204030204" pitchFamily="49" charset="0"/>
+                <a:cs typeface="Consolas" panose="020B0609020204030204" pitchFamily="49" charset="0"/>
               </a:rPr>
               <a:t> (</a:t>
             </a:r>
@@ -16967,7 +16235,8 @@
                   <a:srgbClr val="0000FF"/>
                 </a:solidFill>
                 <a:effectLst/>
-                <a:latin typeface="Menlo" panose="020B0609030804020204" pitchFamily="49" charset="0"/>
+                <a:latin typeface="Consolas" panose="020B0609020204030204" pitchFamily="49" charset="0"/>
+                <a:cs typeface="Consolas" panose="020B0609020204030204" pitchFamily="49" charset="0"/>
               </a:rPr>
               <a:t>let</a:t>
             </a:r>
@@ -16977,7 +16246,8 @@
                   <a:srgbClr val="3B3B3B"/>
                 </a:solidFill>
                 <a:effectLst/>
-                <a:latin typeface="Menlo" panose="020B0609030804020204" pitchFamily="49" charset="0"/>
+                <a:latin typeface="Consolas" panose="020B0609020204030204" pitchFamily="49" charset="0"/>
+                <a:cs typeface="Consolas" panose="020B0609020204030204" pitchFamily="49" charset="0"/>
               </a:rPr>
               <a:t> </a:t>
             </a:r>
@@ -16987,7 +16257,8 @@
                   <a:srgbClr val="001080"/>
                 </a:solidFill>
                 <a:effectLst/>
-                <a:latin typeface="Menlo" panose="020B0609030804020204" pitchFamily="49" charset="0"/>
+                <a:latin typeface="Consolas" panose="020B0609020204030204" pitchFamily="49" charset="0"/>
+                <a:cs typeface="Consolas" panose="020B0609020204030204" pitchFamily="49" charset="0"/>
               </a:rPr>
               <a:t>i</a:t>
             </a:r>
@@ -16997,7 +16268,8 @@
                   <a:srgbClr val="3B3B3B"/>
                 </a:solidFill>
                 <a:effectLst/>
-                <a:latin typeface="Menlo" panose="020B0609030804020204" pitchFamily="49" charset="0"/>
+                <a:latin typeface="Consolas" panose="020B0609020204030204" pitchFamily="49" charset="0"/>
+                <a:cs typeface="Consolas" panose="020B0609020204030204" pitchFamily="49" charset="0"/>
               </a:rPr>
               <a:t> </a:t>
             </a:r>
@@ -17007,7 +16279,8 @@
                   <a:srgbClr val="000000"/>
                 </a:solidFill>
                 <a:effectLst/>
-                <a:latin typeface="Menlo" panose="020B0609030804020204" pitchFamily="49" charset="0"/>
+                <a:latin typeface="Consolas" panose="020B0609020204030204" pitchFamily="49" charset="0"/>
+                <a:cs typeface="Consolas" panose="020B0609020204030204" pitchFamily="49" charset="0"/>
               </a:rPr>
               <a:t>=</a:t>
             </a:r>
@@ -17017,7 +16290,8 @@
                   <a:srgbClr val="3B3B3B"/>
                 </a:solidFill>
                 <a:effectLst/>
-                <a:latin typeface="Menlo" panose="020B0609030804020204" pitchFamily="49" charset="0"/>
+                <a:latin typeface="Consolas" panose="020B0609020204030204" pitchFamily="49" charset="0"/>
+                <a:cs typeface="Consolas" panose="020B0609020204030204" pitchFamily="49" charset="0"/>
               </a:rPr>
               <a:t> </a:t>
             </a:r>
@@ -17027,7 +16301,8 @@
                   <a:srgbClr val="001080"/>
                 </a:solidFill>
                 <a:effectLst/>
-                <a:latin typeface="Menlo" panose="020B0609030804020204" pitchFamily="49" charset="0"/>
+                <a:latin typeface="Consolas" panose="020B0609020204030204" pitchFamily="49" charset="0"/>
+                <a:cs typeface="Consolas" panose="020B0609020204030204" pitchFamily="49" charset="0"/>
               </a:rPr>
               <a:t>numHellos</a:t>
             </a:r>
@@ -17037,7 +16312,8 @@
                   <a:srgbClr val="3B3B3B"/>
                 </a:solidFill>
                 <a:effectLst/>
-                <a:latin typeface="Menlo" panose="020B0609030804020204" pitchFamily="49" charset="0"/>
+                <a:latin typeface="Consolas" panose="020B0609020204030204" pitchFamily="49" charset="0"/>
+                <a:cs typeface="Consolas" panose="020B0609020204030204" pitchFamily="49" charset="0"/>
               </a:rPr>
               <a:t>; </a:t>
             </a:r>
@@ -17047,7 +16323,8 @@
                   <a:srgbClr val="001080"/>
                 </a:solidFill>
                 <a:effectLst/>
-                <a:latin typeface="Menlo" panose="020B0609030804020204" pitchFamily="49" charset="0"/>
+                <a:latin typeface="Consolas" panose="020B0609020204030204" pitchFamily="49" charset="0"/>
+                <a:cs typeface="Consolas" panose="020B0609020204030204" pitchFamily="49" charset="0"/>
               </a:rPr>
               <a:t>i</a:t>
             </a:r>
@@ -17057,7 +16334,8 @@
                   <a:srgbClr val="3B3B3B"/>
                 </a:solidFill>
                 <a:effectLst/>
-                <a:latin typeface="Menlo" panose="020B0609030804020204" pitchFamily="49" charset="0"/>
+                <a:latin typeface="Consolas" panose="020B0609020204030204" pitchFamily="49" charset="0"/>
+                <a:cs typeface="Consolas" panose="020B0609020204030204" pitchFamily="49" charset="0"/>
               </a:rPr>
               <a:t> </a:t>
             </a:r>
@@ -17067,7 +16345,8 @@
                   <a:srgbClr val="000000"/>
                 </a:solidFill>
                 <a:effectLst/>
-                <a:latin typeface="Menlo" panose="020B0609030804020204" pitchFamily="49" charset="0"/>
+                <a:latin typeface="Consolas" panose="020B0609020204030204" pitchFamily="49" charset="0"/>
+                <a:cs typeface="Consolas" panose="020B0609020204030204" pitchFamily="49" charset="0"/>
               </a:rPr>
               <a:t>!==</a:t>
             </a:r>
@@ -17077,7 +16356,8 @@
                   <a:srgbClr val="3B3B3B"/>
                 </a:solidFill>
                 <a:effectLst/>
-                <a:latin typeface="Menlo" panose="020B0609030804020204" pitchFamily="49" charset="0"/>
+                <a:latin typeface="Consolas" panose="020B0609020204030204" pitchFamily="49" charset="0"/>
+                <a:cs typeface="Consolas" panose="020B0609020204030204" pitchFamily="49" charset="0"/>
               </a:rPr>
               <a:t> </a:t>
             </a:r>
@@ -17087,7 +16367,8 @@
                   <a:srgbClr val="098658"/>
                 </a:solidFill>
                 <a:effectLst/>
-                <a:latin typeface="Menlo" panose="020B0609030804020204" pitchFamily="49" charset="0"/>
+                <a:latin typeface="Consolas" panose="020B0609020204030204" pitchFamily="49" charset="0"/>
+                <a:cs typeface="Consolas" panose="020B0609020204030204" pitchFamily="49" charset="0"/>
               </a:rPr>
               <a:t>0</a:t>
             </a:r>
@@ -17097,7 +16378,8 @@
                   <a:srgbClr val="3B3B3B"/>
                 </a:solidFill>
                 <a:effectLst/>
-                <a:latin typeface="Menlo" panose="020B0609030804020204" pitchFamily="49" charset="0"/>
+                <a:latin typeface="Consolas" panose="020B0609020204030204" pitchFamily="49" charset="0"/>
+                <a:cs typeface="Consolas" panose="020B0609020204030204" pitchFamily="49" charset="0"/>
               </a:rPr>
               <a:t>; </a:t>
             </a:r>
@@ -17107,7 +16389,8 @@
                   <a:srgbClr val="001080"/>
                 </a:solidFill>
                 <a:effectLst/>
-                <a:latin typeface="Menlo" panose="020B0609030804020204" pitchFamily="49" charset="0"/>
+                <a:latin typeface="Consolas" panose="020B0609020204030204" pitchFamily="49" charset="0"/>
+                <a:cs typeface="Consolas" panose="020B0609020204030204" pitchFamily="49" charset="0"/>
               </a:rPr>
               <a:t>i</a:t>
             </a:r>
@@ -17117,7 +16400,8 @@
                   <a:srgbClr val="000000"/>
                 </a:solidFill>
                 <a:effectLst/>
-                <a:latin typeface="Menlo" panose="020B0609030804020204" pitchFamily="49" charset="0"/>
+                <a:latin typeface="Consolas" panose="020B0609020204030204" pitchFamily="49" charset="0"/>
+                <a:cs typeface="Consolas" panose="020B0609020204030204" pitchFamily="49" charset="0"/>
               </a:rPr>
               <a:t>--</a:t>
             </a:r>
@@ -17127,7 +16411,8 @@
                   <a:srgbClr val="3B3B3B"/>
                 </a:solidFill>
                 <a:effectLst/>
-                <a:latin typeface="Menlo" panose="020B0609030804020204" pitchFamily="49" charset="0"/>
+                <a:latin typeface="Consolas" panose="020B0609020204030204" pitchFamily="49" charset="0"/>
+                <a:cs typeface="Consolas" panose="020B0609020204030204" pitchFamily="49" charset="0"/>
               </a:rPr>
               <a:t>) {</a:t>
             </a:r>
@@ -17145,7 +16430,8 @@
                   <a:srgbClr val="001080"/>
                 </a:solidFill>
                 <a:effectLst/>
-                <a:latin typeface="Menlo" panose="020B0609030804020204" pitchFamily="49" charset="0"/>
+                <a:latin typeface="Consolas" panose="020B0609020204030204" pitchFamily="49" charset="0"/>
+                <a:cs typeface="Consolas" panose="020B0609020204030204" pitchFamily="49" charset="0"/>
               </a:rPr>
               <a:t>    </a:t>
             </a:r>
@@ -17155,7 +16441,8 @@
                   <a:srgbClr val="001080"/>
                 </a:solidFill>
                 <a:effectLst/>
-                <a:latin typeface="Menlo" panose="020B0609030804020204" pitchFamily="49" charset="0"/>
+                <a:latin typeface="Consolas" panose="020B0609020204030204" pitchFamily="49" charset="0"/>
+                <a:cs typeface="Consolas" panose="020B0609020204030204" pitchFamily="49" charset="0"/>
               </a:rPr>
               <a:t>console</a:t>
             </a:r>
@@ -17165,7 +16452,8 @@
                   <a:srgbClr val="3B3B3B"/>
                 </a:solidFill>
                 <a:effectLst/>
-                <a:latin typeface="Menlo" panose="020B0609030804020204" pitchFamily="49" charset="0"/>
+                <a:latin typeface="Consolas" panose="020B0609020204030204" pitchFamily="49" charset="0"/>
+                <a:cs typeface="Consolas" panose="020B0609020204030204" pitchFamily="49" charset="0"/>
               </a:rPr>
               <a:t>.</a:t>
             </a:r>
@@ -17175,7 +16463,8 @@
                   <a:srgbClr val="795E26"/>
                 </a:solidFill>
                 <a:effectLst/>
-                <a:latin typeface="Menlo" panose="020B0609030804020204" pitchFamily="49" charset="0"/>
+                <a:latin typeface="Consolas" panose="020B0609020204030204" pitchFamily="49" charset="0"/>
+                <a:cs typeface="Consolas" panose="020B0609020204030204" pitchFamily="49" charset="0"/>
               </a:rPr>
               <a:t>log</a:t>
             </a:r>
@@ -17185,7 +16474,8 @@
                   <a:srgbClr val="3B3B3B"/>
                 </a:solidFill>
                 <a:effectLst/>
-                <a:latin typeface="Menlo" panose="020B0609030804020204" pitchFamily="49" charset="0"/>
+                <a:latin typeface="Consolas" panose="020B0609020204030204" pitchFamily="49" charset="0"/>
+                <a:cs typeface="Consolas" panose="020B0609020204030204" pitchFamily="49" charset="0"/>
               </a:rPr>
               <a:t>(</a:t>
             </a:r>
@@ -17194,7 +16484,8 @@
                 <a:solidFill>
                   <a:srgbClr val="A31515"/>
                 </a:solidFill>
-                <a:latin typeface="Menlo" panose="020B0609030804020204" pitchFamily="49" charset="0"/>
+                <a:latin typeface="Consolas" panose="020B0609020204030204" pitchFamily="49" charset="0"/>
+                <a:cs typeface="Consolas" panose="020B0609020204030204" pitchFamily="49" charset="0"/>
               </a:rPr>
               <a:t>'hello'</a:t>
             </a:r>
@@ -17204,7 +16495,8 @@
                   <a:srgbClr val="3B3B3B"/>
                 </a:solidFill>
                 <a:effectLst/>
-                <a:latin typeface="Menlo" panose="020B0609030804020204" pitchFamily="49" charset="0"/>
+                <a:latin typeface="Consolas" panose="020B0609020204030204" pitchFamily="49" charset="0"/>
+                <a:cs typeface="Consolas" panose="020B0609020204030204" pitchFamily="49" charset="0"/>
               </a:rPr>
               <a:t>);</a:t>
             </a:r>
@@ -17222,7 +16514,8 @@
                   <a:srgbClr val="3B3B3B"/>
                 </a:solidFill>
                 <a:effectLst/>
-                <a:latin typeface="Menlo" panose="020B0609030804020204" pitchFamily="49" charset="0"/>
+                <a:latin typeface="Consolas" panose="020B0609020204030204" pitchFamily="49" charset="0"/>
+                <a:cs typeface="Consolas" panose="020B0609020204030204" pitchFamily="49" charset="0"/>
               </a:rPr>
               <a:t>  }</a:t>
             </a:r>
@@ -17239,7 +16532,8 @@
                   <a:srgbClr val="3B3B3B"/>
                 </a:solidFill>
                 <a:effectLst/>
-                <a:latin typeface="Menlo" panose="020B0609030804020204" pitchFamily="49" charset="0"/>
+                <a:latin typeface="Consolas" panose="020B0609020204030204" pitchFamily="49" charset="0"/>
+                <a:cs typeface="Consolas" panose="020B0609020204030204" pitchFamily="49" charset="0"/>
               </a:rPr>
               <a:t>}</a:t>
             </a:r>

--- a/Slides/Module 03.2 Code Coverage.pptx
+++ b/Slides/Module 03.2 Code Coverage.pptx
@@ -5,45 +5,46 @@
     <p:sldMasterId id="2147483648" r:id="rId1"/>
   </p:sldMasterIdLst>
   <p:notesMasterIdLst>
-    <p:notesMasterId r:id="rId21"/>
+    <p:notesMasterId r:id="rId22"/>
   </p:notesMasterIdLst>
   <p:sldIdLst>
     <p:sldId id="485" r:id="rId2"/>
     <p:sldId id="579" r:id="rId3"/>
     <p:sldId id="630" r:id="rId4"/>
     <p:sldId id="264" r:id="rId5"/>
-    <p:sldId id="584" r:id="rId6"/>
-    <p:sldId id="585" r:id="rId7"/>
-    <p:sldId id="586" r:id="rId8"/>
-    <p:sldId id="587" r:id="rId9"/>
-    <p:sldId id="652" r:id="rId10"/>
-    <p:sldId id="668" r:id="rId11"/>
-    <p:sldId id="661" r:id="rId12"/>
-    <p:sldId id="663" r:id="rId13"/>
-    <p:sldId id="589" r:id="rId14"/>
-    <p:sldId id="588" r:id="rId15"/>
-    <p:sldId id="658" r:id="rId16"/>
-    <p:sldId id="659" r:id="rId17"/>
-    <p:sldId id="660" r:id="rId18"/>
-    <p:sldId id="291" r:id="rId19"/>
-    <p:sldId id="669" r:id="rId20"/>
+    <p:sldId id="680" r:id="rId6"/>
+    <p:sldId id="584" r:id="rId7"/>
+    <p:sldId id="585" r:id="rId8"/>
+    <p:sldId id="586" r:id="rId9"/>
+    <p:sldId id="587" r:id="rId10"/>
+    <p:sldId id="652" r:id="rId11"/>
+    <p:sldId id="668" r:id="rId12"/>
+    <p:sldId id="661" r:id="rId13"/>
+    <p:sldId id="663" r:id="rId14"/>
+    <p:sldId id="589" r:id="rId15"/>
+    <p:sldId id="588" r:id="rId16"/>
+    <p:sldId id="658" r:id="rId17"/>
+    <p:sldId id="659" r:id="rId18"/>
+    <p:sldId id="660" r:id="rId19"/>
+    <p:sldId id="291" r:id="rId20"/>
+    <p:sldId id="669" r:id="rId21"/>
   </p:sldIdLst>
   <p:sldSz cx="12192000" cy="6858000"/>
   <p:notesSz cx="6858000" cy="9144000"/>
   <p:embeddedFontLst>
     <p:embeddedFont>
       <p:font typeface="Consolas" panose="020B0609020204030204" pitchFamily="49" charset="0"/>
-      <p:regular r:id="rId22"/>
-      <p:bold r:id="rId23"/>
-      <p:italic r:id="rId24"/>
-      <p:boldItalic r:id="rId25"/>
+      <p:regular r:id="rId23"/>
+      <p:bold r:id="rId24"/>
+      <p:italic r:id="rId25"/>
+      <p:boldItalic r:id="rId26"/>
     </p:embeddedFont>
     <p:embeddedFont>
       <p:font typeface="Verdana" panose="020B0604030504040204" pitchFamily="34" charset="0"/>
-      <p:regular r:id="rId26"/>
-      <p:bold r:id="rId27"/>
-      <p:italic r:id="rId28"/>
-      <p:boldItalic r:id="rId29"/>
+      <p:regular r:id="rId27"/>
+      <p:bold r:id="rId28"/>
+      <p:italic r:id="rId29"/>
+      <p:boldItalic r:id="rId30"/>
     </p:embeddedFont>
   </p:embeddedFontLst>
   <p:defaultTextStyle>
@@ -150,6 +151,7 @@
             <p14:sldId id="579"/>
             <p14:sldId id="630"/>
             <p14:sldId id="264"/>
+            <p14:sldId id="680"/>
             <p14:sldId id="584"/>
             <p14:sldId id="585"/>
             <p14:sldId id="586"/>
@@ -264,7 +266,7 @@
           <a:p>
             <a:fld id="{7C7E5181-6CF5-45F7-A87A-E0E0B1FD7549}" type="datetimeFigureOut">
               <a:rPr lang="en-US" smtClean="0"/>
-              <a:t>1/4/26</a:t>
+              <a:t>1/7/26</a:t>
             </a:fld>
             <a:endParaRPr lang="en-US"/>
           </a:p>
@@ -623,6 +625,126 @@
         <p:cNvPr id="1" name="">
           <a:extLst>
             <a:ext uri="{FF2B5EF4-FFF2-40B4-BE49-F238E27FC236}">
+              <a16:creationId xmlns:a16="http://schemas.microsoft.com/office/drawing/2014/main" id="{E5EE018B-B5C0-8E63-922E-16FFF772EF03}"/>
+            </a:ext>
+          </a:extLst>
+        </p:cNvPr>
+        <p:cNvGrpSpPr/>
+        <p:nvPr/>
+      </p:nvGrpSpPr>
+      <p:grpSpPr>
+        <a:xfrm>
+          <a:off x="0" y="0"/>
+          <a:ext cx="0" cy="0"/>
+          <a:chOff x="0" y="0"/>
+          <a:chExt cx="0" cy="0"/>
+        </a:xfrm>
+      </p:grpSpPr>
+      <p:sp>
+        <p:nvSpPr>
+          <p:cNvPr id="2" name="Slide Image Placeholder 1">
+            <a:extLst>
+              <a:ext uri="{FF2B5EF4-FFF2-40B4-BE49-F238E27FC236}">
+                <a16:creationId xmlns:a16="http://schemas.microsoft.com/office/drawing/2014/main" id="{B5EFC89D-9A7E-D0AD-5328-E8CAA21AA8A4}"/>
+              </a:ext>
+            </a:extLst>
+          </p:cNvPr>
+          <p:cNvSpPr>
+            <a:spLocks noGrp="1" noRot="1" noChangeAspect="1"/>
+          </p:cNvSpPr>
+          <p:nvPr>
+            <p:ph type="sldImg"/>
+          </p:nvPr>
+        </p:nvSpPr>
+        <p:spPr/>
+      </p:sp>
+      <p:sp>
+        <p:nvSpPr>
+          <p:cNvPr id="3" name="Notes Placeholder 2">
+            <a:extLst>
+              <a:ext uri="{FF2B5EF4-FFF2-40B4-BE49-F238E27FC236}">
+                <a16:creationId xmlns:a16="http://schemas.microsoft.com/office/drawing/2014/main" id="{F80BA0FE-C0B5-199C-5FA1-D535ACC1E703}"/>
+              </a:ext>
+            </a:extLst>
+          </p:cNvPr>
+          <p:cNvSpPr>
+            <a:spLocks noGrp="1"/>
+          </p:cNvSpPr>
+          <p:nvPr>
+            <p:ph type="body" idx="1"/>
+          </p:nvPr>
+        </p:nvSpPr>
+        <p:spPr/>
+        <p:txBody>
+          <a:bodyPr/>
+          <a:lstStyle/>
+          <a:p>
+            <a:r>
+              <a:rPr lang="en-US" dirty="0"/>
+              <a:t>When we take an </a:t>
+            </a:r>
+            <a:r>
+              <a:rPr lang="en-US" i="1" dirty="0"/>
+              <a:t>unknown </a:t>
+            </a:r>
+            <a:r>
+              <a:rPr lang="en-US" i="0" dirty="0"/>
+              <a:t>input and validate it, that puts a branch in our code, and so branch coverage obligates us to write tests that pass and fail authentication.</a:t>
+            </a:r>
+            <a:endParaRPr lang="en-US" dirty="0"/>
+          </a:p>
+        </p:txBody>
+      </p:sp>
+      <p:sp>
+        <p:nvSpPr>
+          <p:cNvPr id="4" name="Slide Number Placeholder 3">
+            <a:extLst>
+              <a:ext uri="{FF2B5EF4-FFF2-40B4-BE49-F238E27FC236}">
+                <a16:creationId xmlns:a16="http://schemas.microsoft.com/office/drawing/2014/main" id="{E7E1F34A-B2C8-97DF-B7FD-B99B5C8B2671}"/>
+              </a:ext>
+            </a:extLst>
+          </p:cNvPr>
+          <p:cNvSpPr>
+            <a:spLocks noGrp="1"/>
+          </p:cNvSpPr>
+          <p:nvPr>
+            <p:ph type="sldNum" sz="quarter" idx="5"/>
+          </p:nvPr>
+        </p:nvSpPr>
+        <p:spPr/>
+        <p:txBody>
+          <a:bodyPr/>
+          <a:lstStyle/>
+          <a:p>
+            <a:fld id="{07937F07-1250-4CCE-B198-1B2887014F41}" type="slidenum">
+              <a:rPr lang="en-US" smtClean="0"/>
+              <a:t>11</a:t>
+            </a:fld>
+            <a:endParaRPr lang="en-US"/>
+          </a:p>
+        </p:txBody>
+      </p:sp>
+    </p:spTree>
+    <p:extLst>
+      <p:ext uri="{BB962C8B-B14F-4D97-AF65-F5344CB8AC3E}">
+        <p14:creationId xmlns:p14="http://schemas.microsoft.com/office/powerpoint/2010/main" val="2981580793"/>
+      </p:ext>
+    </p:extLst>
+  </p:cSld>
+  <p:clrMapOvr>
+    <a:masterClrMapping/>
+  </p:clrMapOvr>
+</p:notes>
+</file>
+
+<file path=ppt/notesSlides/notesSlide11.xml><?xml version="1.0" encoding="utf-8"?>
+<p:notes xmlns:a="http://schemas.openxmlformats.org/drawingml/2006/main" xmlns:r="http://schemas.openxmlformats.org/officeDocument/2006/relationships" xmlns:p="http://schemas.openxmlformats.org/presentationml/2006/main">
+  <p:cSld>
+    <p:spTree>
+      <p:nvGrpSpPr>
+        <p:cNvPr id="1" name="">
+          <a:extLst>
+            <a:ext uri="{FF2B5EF4-FFF2-40B4-BE49-F238E27FC236}">
               <a16:creationId xmlns:a16="http://schemas.microsoft.com/office/drawing/2014/main" id="{1D7BAAC8-87D3-B43D-06B6-472BAC7A6BEB}"/>
             </a:ext>
           </a:extLst>
@@ -744,7 +866,7 @@
           <a:p>
             <a:fld id="{07937F07-1250-4CCE-B198-1B2887014F41}" type="slidenum">
               <a:rPr lang="en-US" smtClean="0"/>
-              <a:t>11</a:t>
+              <a:t>12</a:t>
             </a:fld>
             <a:endParaRPr lang="en-US"/>
           </a:p>
@@ -763,7 +885,7 @@
 </p:notes>
 </file>
 
-<file path=ppt/notesSlides/notesSlide11.xml><?xml version="1.0" encoding="utf-8"?>
+<file path=ppt/notesSlides/notesSlide12.xml><?xml version="1.0" encoding="utf-8"?>
 <p:notes xmlns:a="http://schemas.openxmlformats.org/drawingml/2006/main" xmlns:r="http://schemas.openxmlformats.org/officeDocument/2006/relationships" xmlns:p="http://schemas.openxmlformats.org/presentationml/2006/main">
   <p:cSld>
     <p:spTree>
@@ -852,7 +974,7 @@
           <a:p>
             <a:fld id="{07937F07-1250-4CCE-B198-1B2887014F41}" type="slidenum">
               <a:rPr lang="en-US" smtClean="0"/>
-              <a:t>12</a:t>
+              <a:t>13</a:t>
             </a:fld>
             <a:endParaRPr lang="en-US"/>
           </a:p>
@@ -862,93 +984,6 @@
     <p:extLst>
       <p:ext uri="{BB962C8B-B14F-4D97-AF65-F5344CB8AC3E}">
         <p14:creationId xmlns:p14="http://schemas.microsoft.com/office/powerpoint/2010/main" val="2943393318"/>
-      </p:ext>
-    </p:extLst>
-  </p:cSld>
-  <p:clrMapOvr>
-    <a:masterClrMapping/>
-  </p:clrMapOvr>
-</p:notes>
-</file>
-
-<file path=ppt/notesSlides/notesSlide12.xml><?xml version="1.0" encoding="utf-8"?>
-<p:notes xmlns:a="http://schemas.openxmlformats.org/drawingml/2006/main" xmlns:r="http://schemas.openxmlformats.org/officeDocument/2006/relationships" xmlns:p="http://schemas.openxmlformats.org/presentationml/2006/main">
-  <p:cSld>
-    <p:spTree>
-      <p:nvGrpSpPr>
-        <p:cNvPr id="1" name=""/>
-        <p:cNvGrpSpPr/>
-        <p:nvPr/>
-      </p:nvGrpSpPr>
-      <p:grpSpPr>
-        <a:xfrm>
-          <a:off x="0" y="0"/>
-          <a:ext cx="0" cy="0"/>
-          <a:chOff x="0" y="0"/>
-          <a:chExt cx="0" cy="0"/>
-        </a:xfrm>
-      </p:grpSpPr>
-      <p:sp>
-        <p:nvSpPr>
-          <p:cNvPr id="2" name="Slide Image Placeholder 1"/>
-          <p:cNvSpPr>
-            <a:spLocks noGrp="1" noRot="1" noChangeAspect="1"/>
-          </p:cNvSpPr>
-          <p:nvPr>
-            <p:ph type="sldImg"/>
-          </p:nvPr>
-        </p:nvSpPr>
-        <p:spPr/>
-      </p:sp>
-      <p:sp>
-        <p:nvSpPr>
-          <p:cNvPr id="3" name="Notes Placeholder 2"/>
-          <p:cNvSpPr>
-            <a:spLocks noGrp="1"/>
-          </p:cNvSpPr>
-          <p:nvPr>
-            <p:ph type="body" idx="1"/>
-          </p:nvPr>
-        </p:nvSpPr>
-        <p:spPr/>
-        <p:txBody>
-          <a:bodyPr/>
-          <a:lstStyle/>
-          <a:p>
-            <a:r>
-              <a:rPr lang="en-US" dirty="0"/>
-              <a:t>(Rob: I’ve been saved more than once by trying to intentionally break my code and noticing that the test I expected to fail didn’t fail — this meant the test wasn’t checking what I expected it to!)</a:t>
-            </a:r>
-          </a:p>
-        </p:txBody>
-      </p:sp>
-      <p:sp>
-        <p:nvSpPr>
-          <p:cNvPr id="4" name="Slide Number Placeholder 3"/>
-          <p:cNvSpPr>
-            <a:spLocks noGrp="1"/>
-          </p:cNvSpPr>
-          <p:nvPr>
-            <p:ph type="sldNum" sz="quarter" idx="5"/>
-          </p:nvPr>
-        </p:nvSpPr>
-        <p:spPr/>
-        <p:txBody>
-          <a:bodyPr/>
-          <a:lstStyle/>
-          <a:p>
-            <a:fld id="{07937F07-1250-4CCE-B198-1B2887014F41}" type="slidenum">
-              <a:rPr lang="en-US" smtClean="0"/>
-              <a:t>13</a:t>
-            </a:fld>
-            <a:endParaRPr lang="en-US"/>
-          </a:p>
-        </p:txBody>
-      </p:sp>
-    </p:spTree>
-    <p:extLst>
-      <p:ext uri="{BB962C8B-B14F-4D97-AF65-F5344CB8AC3E}">
-        <p14:creationId xmlns:p14="http://schemas.microsoft.com/office/powerpoint/2010/main" val="3918090583"/>
       </p:ext>
     </p:extLst>
   </p:cSld>
@@ -1004,32 +1039,8 @@
           <a:p>
             <a:r>
               <a:rPr lang="en-US" dirty="0"/>
-              <a:t>When we need a graph to measure “have we written enough tests,” code coverage is absolutely what everyone uses. But we’ve just seen a couple of ways that this can fail to tell us that we’ve written enough tests — or at least, fail to tell us when our tests are any good.</a:t>
-            </a:r>
-          </a:p>
-          <a:p>
-            <a:endParaRPr lang="en-US" dirty="0"/>
-          </a:p>
-          <a:p>
-            <a:r>
-              <a:rPr lang="en-US" dirty="0"/>
-              <a:t>A much more robust way to think about the question of have I written enough tests is the idea of </a:t>
-            </a:r>
-            <a:r>
-              <a:rPr lang="en-US" i="1" dirty="0"/>
-              <a:t>adversarial testing</a:t>
-            </a:r>
-            <a:r>
-              <a:rPr lang="en-US" i="0" dirty="0"/>
-              <a:t>. Could someone else write a buggy version of your code that your tests would fail to catch?</a:t>
-            </a:r>
-            <a:endParaRPr lang="en-US" dirty="0"/>
-          </a:p>
-          <a:p>
-            <a:endParaRPr lang="en-US" dirty="0"/>
-          </a:p>
-          <a:p>
-            <a:endParaRPr lang="en-US" dirty="0"/>
+              <a:t>(Rob: I’ve been saved more than once by trying to intentionally break my code and noticing that the test I expected to fail didn’t fail — this meant the test wasn’t checking what I expected it to!)</a:t>
+            </a:r>
           </a:p>
         </p:txBody>
       </p:sp>
@@ -1059,7 +1070,7 @@
     </p:spTree>
     <p:extLst>
       <p:ext uri="{BB962C8B-B14F-4D97-AF65-F5344CB8AC3E}">
-        <p14:creationId xmlns:p14="http://schemas.microsoft.com/office/powerpoint/2010/main" val="2796793573"/>
+        <p14:creationId xmlns:p14="http://schemas.microsoft.com/office/powerpoint/2010/main" val="3918090583"/>
       </p:ext>
     </p:extLst>
   </p:cSld>
@@ -1088,6 +1099,117 @@
       </p:grpSpPr>
       <p:sp>
         <p:nvSpPr>
+          <p:cNvPr id="2" name="Slide Image Placeholder 1"/>
+          <p:cNvSpPr>
+            <a:spLocks noGrp="1" noRot="1" noChangeAspect="1"/>
+          </p:cNvSpPr>
+          <p:nvPr>
+            <p:ph type="sldImg"/>
+          </p:nvPr>
+        </p:nvSpPr>
+        <p:spPr/>
+      </p:sp>
+      <p:sp>
+        <p:nvSpPr>
+          <p:cNvPr id="3" name="Notes Placeholder 2"/>
+          <p:cNvSpPr>
+            <a:spLocks noGrp="1"/>
+          </p:cNvSpPr>
+          <p:nvPr>
+            <p:ph type="body" idx="1"/>
+          </p:nvPr>
+        </p:nvSpPr>
+        <p:spPr/>
+        <p:txBody>
+          <a:bodyPr/>
+          <a:lstStyle/>
+          <a:p>
+            <a:r>
+              <a:rPr lang="en-US" dirty="0"/>
+              <a:t>When we need a graph to measure “have we written enough tests,” code coverage is absolutely what everyone uses. But we’ve just seen a couple of ways that this can fail to tell us that we’ve written enough tests — or at least, fail to tell us when our tests are any good.</a:t>
+            </a:r>
+          </a:p>
+          <a:p>
+            <a:endParaRPr lang="en-US" dirty="0"/>
+          </a:p>
+          <a:p>
+            <a:r>
+              <a:rPr lang="en-US" dirty="0"/>
+              <a:t>A much more robust way to think about the question of have I written enough tests is the idea of </a:t>
+            </a:r>
+            <a:r>
+              <a:rPr lang="en-US" i="1" dirty="0"/>
+              <a:t>adversarial testing</a:t>
+            </a:r>
+            <a:r>
+              <a:rPr lang="en-US" i="0" dirty="0"/>
+              <a:t>. Could someone else write a buggy version of your code that your tests would fail to catch?</a:t>
+            </a:r>
+            <a:endParaRPr lang="en-US" dirty="0"/>
+          </a:p>
+          <a:p>
+            <a:endParaRPr lang="en-US" dirty="0"/>
+          </a:p>
+          <a:p>
+            <a:endParaRPr lang="en-US" dirty="0"/>
+          </a:p>
+        </p:txBody>
+      </p:sp>
+      <p:sp>
+        <p:nvSpPr>
+          <p:cNvPr id="4" name="Slide Number Placeholder 3"/>
+          <p:cNvSpPr>
+            <a:spLocks noGrp="1"/>
+          </p:cNvSpPr>
+          <p:nvPr>
+            <p:ph type="sldNum" sz="quarter" idx="5"/>
+          </p:nvPr>
+        </p:nvSpPr>
+        <p:spPr/>
+        <p:txBody>
+          <a:bodyPr/>
+          <a:lstStyle/>
+          <a:p>
+            <a:fld id="{07937F07-1250-4CCE-B198-1B2887014F41}" type="slidenum">
+              <a:rPr lang="en-US" smtClean="0"/>
+              <a:t>15</a:t>
+            </a:fld>
+            <a:endParaRPr lang="en-US"/>
+          </a:p>
+        </p:txBody>
+      </p:sp>
+    </p:spTree>
+    <p:extLst>
+      <p:ext uri="{BB962C8B-B14F-4D97-AF65-F5344CB8AC3E}">
+        <p14:creationId xmlns:p14="http://schemas.microsoft.com/office/powerpoint/2010/main" val="2796793573"/>
+      </p:ext>
+    </p:extLst>
+  </p:cSld>
+  <p:clrMapOvr>
+    <a:masterClrMapping/>
+  </p:clrMapOvr>
+</p:notes>
+</file>
+
+<file path=ppt/notesSlides/notesSlide15.xml><?xml version="1.0" encoding="utf-8"?>
+<p:notes xmlns:a="http://schemas.openxmlformats.org/drawingml/2006/main" xmlns:r="http://schemas.openxmlformats.org/officeDocument/2006/relationships" xmlns:p="http://schemas.openxmlformats.org/presentationml/2006/main">
+  <p:cSld>
+    <p:spTree>
+      <p:nvGrpSpPr>
+        <p:cNvPr id="1" name=""/>
+        <p:cNvGrpSpPr/>
+        <p:nvPr/>
+      </p:nvGrpSpPr>
+      <p:grpSpPr>
+        <a:xfrm>
+          <a:off x="0" y="0"/>
+          <a:ext cx="0" cy="0"/>
+          <a:chOff x="0" y="0"/>
+          <a:chExt cx="0" cy="0"/>
+        </a:xfrm>
+      </p:grpSpPr>
+      <p:sp>
+        <p:nvSpPr>
           <p:cNvPr id="834" name="Shape 834"/>
           <p:cNvSpPr>
             <a:spLocks noGrp="1" noRot="1" noChangeAspect="1"/>
@@ -1203,7 +1325,7 @@
 </p:notes>
 </file>
 
-<file path=ppt/notesSlides/notesSlide15.xml><?xml version="1.0" encoding="utf-8"?>
+<file path=ppt/notesSlides/notesSlide16.xml><?xml version="1.0" encoding="utf-8"?>
 <p:notes xmlns:a="http://schemas.openxmlformats.org/drawingml/2006/main" xmlns:r="http://schemas.openxmlformats.org/officeDocument/2006/relationships" xmlns:p="http://schemas.openxmlformats.org/presentationml/2006/main">
   <p:cSld>
     <p:spTree>
@@ -1314,7 +1436,7 @@
 </p:notes>
 </file>
 
-<file path=ppt/notesSlides/notesSlide16.xml><?xml version="1.0" encoding="utf-8"?>
+<file path=ppt/notesSlides/notesSlide17.xml><?xml version="1.0" encoding="utf-8"?>
 <p:notes xmlns:a="http://schemas.openxmlformats.org/drawingml/2006/main" xmlns:r="http://schemas.openxmlformats.org/officeDocument/2006/relationships" xmlns:p="http://schemas.openxmlformats.org/presentationml/2006/main">
   <p:cSld>
     <p:spTree>
@@ -1466,7 +1588,7 @@
 </p:notes>
 </file>
 
-<file path=ppt/notesSlides/notesSlide17.xml><?xml version="1.0" encoding="utf-8"?>
+<file path=ppt/notesSlides/notesSlide18.xml><?xml version="1.0" encoding="utf-8"?>
 <p:notes xmlns:a="http://schemas.openxmlformats.org/drawingml/2006/main" xmlns:r="http://schemas.openxmlformats.org/officeDocument/2006/relationships" xmlns:p="http://schemas.openxmlformats.org/presentationml/2006/main">
   <p:cSld>
     <p:spTree>
@@ -1544,7 +1666,7 @@
 </p:notes>
 </file>
 
-<file path=ppt/notesSlides/notesSlide18.xml><?xml version="1.0" encoding="utf-8"?>
+<file path=ppt/notesSlides/notesSlide19.xml><?xml version="1.0" encoding="utf-8"?>
 <p:notes xmlns:a="http://schemas.openxmlformats.org/drawingml/2006/main" xmlns:r="http://schemas.openxmlformats.org/officeDocument/2006/relationships" xmlns:p="http://schemas.openxmlformats.org/presentationml/2006/main">
   <p:cSld>
     <p:spTree>
@@ -1701,7 +1823,7 @@
                 <a:tabLst/>
                 <a:defRPr/>
               </a:pPr>
-              <a:t>19</a:t>
+              <a:t>20</a:t>
             </a:fld>
             <a:endParaRPr kumimoji="0" lang="en-US" sz="1200" b="0" i="0" u="none" strike="noStrike" kern="1200" cap="none" spc="0" normalizeH="0" baseline="0" noProof="0">
               <a:ln>
@@ -1950,6 +2072,23 @@
           <a:bodyPr/>
           <a:lstStyle/>
           <a:p>
+            <a:pPr marL="0" marR="0" lvl="0" indent="0" algn="l" defTabSz="914400" rtl="0" eaLnBrk="1" fontAlgn="auto" latinLnBrk="0" hangingPunct="1">
+              <a:lnSpc>
+                <a:spcPct val="100000"/>
+              </a:lnSpc>
+              <a:spcBef>
+                <a:spcPts val="0"/>
+              </a:spcBef>
+              <a:spcAft>
+                <a:spcPts val="0"/>
+              </a:spcAft>
+              <a:buClrTx/>
+              <a:buSzTx/>
+              <a:buFontTx/>
+              <a:buNone/>
+              <a:tabLst/>
+              <a:defRPr/>
+            </a:pPr>
             <a:r>
               <a:rPr lang="en-US" dirty="0"/>
               <a:t>Returning to the key question: when have we written enough tests. </a:t>
@@ -1959,6 +2098,23 @@
             <a:endParaRPr lang="en-US" dirty="0"/>
           </a:p>
           <a:p>
+            <a:pPr marL="0" marR="0" lvl="0" indent="0" algn="l" defTabSz="914400" rtl="0" eaLnBrk="1" fontAlgn="auto" latinLnBrk="0" hangingPunct="1">
+              <a:lnSpc>
+                <a:spcPct val="100000"/>
+              </a:lnSpc>
+              <a:spcBef>
+                <a:spcPts val="0"/>
+              </a:spcBef>
+              <a:spcAft>
+                <a:spcPts val="0"/>
+              </a:spcAft>
+              <a:buClrTx/>
+              <a:buSzTx/>
+              <a:buFontTx/>
+              <a:buNone/>
+              <a:tabLst/>
+              <a:defRPr/>
+            </a:pPr>
             <a:r>
               <a:rPr lang="en-US" dirty="0"/>
               <a:t>Well, why do we write tests in the first place? That might help us know when we’re done.</a:t>
@@ -2140,30 +2296,41 @@
           <a:p>
             <a:r>
               <a:rPr lang="en-US" dirty="0"/>
-              <a:t>That talks about what our goals are for writing enough tests. In most software engineering applications, when we </a:t>
-            </a:r>
-            <a:r>
-              <a:rPr lang="en-US" i="1" dirty="0"/>
-              <a:t>measure</a:t>
-            </a:r>
-            <a:r>
-              <a:rPr lang="en-US" i="0" dirty="0"/>
-              <a:t> whether we’re writing good tests, we are talking about measuring </a:t>
-            </a:r>
-            <a:r>
-              <a:rPr lang="en-US" i="1" dirty="0"/>
-              <a:t>code coverage.</a:t>
-            </a:r>
-            <a:endParaRPr lang="en-US" i="0" dirty="0"/>
-          </a:p>
-          <a:p>
-            <a:endParaRPr lang="en-US" i="0" dirty="0"/>
-          </a:p>
-          <a:p>
-            <a:r>
-              <a:rPr lang="en-US" i="0" dirty="0"/>
-              <a:t>Measuring code coverage is based on a really simple thought: if you’re not running code, you’re not testing it.</a:t>
-            </a:r>
+              <a:t>The first answer we give, when I’ve described all the valid inputs, motivated some more discussion of TypeScript.</a:t>
+            </a:r>
+          </a:p>
+          <a:p>
+            <a:endParaRPr lang="en-US" dirty="0"/>
+          </a:p>
+          <a:p>
+            <a:r>
+              <a:rPr lang="en-US" dirty="0"/>
+              <a:t>The future focus of regression testing is what motivates the last two answers:</a:t>
+            </a:r>
+          </a:p>
+          <a:p>
+            <a:endParaRPr lang="en-US" dirty="0"/>
+          </a:p>
+          <a:p>
+            <a:r>
+              <a:rPr lang="en-US" dirty="0"/>
+              <a:t>The second answer is based on code coverage, a very common metric of test adequacy in modern software engineering.</a:t>
+            </a:r>
+          </a:p>
+          <a:p>
+            <a:endParaRPr lang="en-US" dirty="0"/>
+          </a:p>
+          <a:p>
+            <a:r>
+              <a:rPr lang="en-US" dirty="0"/>
+              <a:t>The third answer is pretty direct: we’ve written enough tests when the tests will catch bugs!</a:t>
+            </a:r>
+          </a:p>
+          <a:p>
+            <a:endParaRPr lang="en-US" dirty="0"/>
+          </a:p>
+          <a:p>
+            <a:endParaRPr lang="en-US" dirty="0"/>
           </a:p>
         </p:txBody>
       </p:sp>
@@ -2193,7 +2360,7 @@
     </p:spTree>
     <p:extLst>
       <p:ext uri="{BB962C8B-B14F-4D97-AF65-F5344CB8AC3E}">
-        <p14:creationId xmlns:p14="http://schemas.microsoft.com/office/powerpoint/2010/main" val="2377980533"/>
+        <p14:creationId xmlns:p14="http://schemas.microsoft.com/office/powerpoint/2010/main" val="2556826731"/>
       </p:ext>
     </p:extLst>
   </p:cSld>
@@ -2247,7 +2414,32 @@
           <a:bodyPr/>
           <a:lstStyle/>
           <a:p>
-            <a:endParaRPr lang="en-US" dirty="0"/>
+            <a:r>
+              <a:rPr lang="en-US" dirty="0"/>
+              <a:t>That talks about what our goals are for writing enough tests. In most software engineering applications, when we </a:t>
+            </a:r>
+            <a:r>
+              <a:rPr lang="en-US" i="1" dirty="0"/>
+              <a:t>measure</a:t>
+            </a:r>
+            <a:r>
+              <a:rPr lang="en-US" i="0" dirty="0"/>
+              <a:t> whether we’re writing good tests, we are talking about measuring </a:t>
+            </a:r>
+            <a:r>
+              <a:rPr lang="en-US" i="1" dirty="0"/>
+              <a:t>code coverage.</a:t>
+            </a:r>
+            <a:endParaRPr lang="en-US" i="0" dirty="0"/>
+          </a:p>
+          <a:p>
+            <a:endParaRPr lang="en-US" i="0" dirty="0"/>
+          </a:p>
+          <a:p>
+            <a:r>
+              <a:rPr lang="en-US" i="0" dirty="0"/>
+              <a:t>Measuring code coverage is based on a really simple thought: if you’re not running code, you’re not testing it.</a:t>
+            </a:r>
           </a:p>
         </p:txBody>
       </p:sp>
@@ -2277,7 +2469,7 @@
     </p:spTree>
     <p:extLst>
       <p:ext uri="{BB962C8B-B14F-4D97-AF65-F5344CB8AC3E}">
-        <p14:creationId xmlns:p14="http://schemas.microsoft.com/office/powerpoint/2010/main" val="2509370737"/>
+        <p14:creationId xmlns:p14="http://schemas.microsoft.com/office/powerpoint/2010/main" val="2377980533"/>
       </p:ext>
     </p:extLst>
   </p:cSld>
@@ -2361,7 +2553,7 @@
     </p:spTree>
     <p:extLst>
       <p:ext uri="{BB962C8B-B14F-4D97-AF65-F5344CB8AC3E}">
-        <p14:creationId xmlns:p14="http://schemas.microsoft.com/office/powerpoint/2010/main" val="4257436232"/>
+        <p14:creationId xmlns:p14="http://schemas.microsoft.com/office/powerpoint/2010/main" val="2509370737"/>
       </p:ext>
     </p:extLst>
   </p:cSld>
@@ -2415,18 +2607,6 @@
           <a:bodyPr/>
           <a:lstStyle/>
           <a:p>
-            <a:r>
-              <a:rPr lang="en-US" dirty="0"/>
-              <a:t>(Answer: just the input 1 will get line coverage </a:t>
-            </a:r>
-            <a:r>
-              <a:rPr lang="en-US" i="1" dirty="0"/>
-              <a:t>and </a:t>
-            </a:r>
-            <a:r>
-              <a:rPr lang="en-US" i="0" dirty="0"/>
-              <a:t>branch coverage. That’s not great! But path coverage would take an infinite number of tests. This metric isn’t perfect!)</a:t>
-            </a:r>
             <a:endParaRPr lang="en-US" dirty="0"/>
           </a:p>
         </p:txBody>
@@ -2448,7 +2628,7 @@
           <a:p>
             <a:fld id="{07937F07-1250-4CCE-B198-1B2887014F41}" type="slidenum">
               <a:rPr lang="en-US" smtClean="0"/>
-              <a:t>9</a:t>
+              <a:t>8</a:t>
             </a:fld>
             <a:endParaRPr lang="en-US"/>
           </a:p>
@@ -2457,7 +2637,7 @@
     </p:spTree>
     <p:extLst>
       <p:ext uri="{BB962C8B-B14F-4D97-AF65-F5344CB8AC3E}">
-        <p14:creationId xmlns:p14="http://schemas.microsoft.com/office/powerpoint/2010/main" val="411467414"/>
+        <p14:creationId xmlns:p14="http://schemas.microsoft.com/office/powerpoint/2010/main" val="4257436232"/>
       </p:ext>
     </p:extLst>
   </p:cSld>
@@ -2472,13 +2652,7 @@
   <p:cSld>
     <p:spTree>
       <p:nvGrpSpPr>
-        <p:cNvPr id="1" name="">
-          <a:extLst>
-            <a:ext uri="{FF2B5EF4-FFF2-40B4-BE49-F238E27FC236}">
-              <a16:creationId xmlns:a16="http://schemas.microsoft.com/office/drawing/2014/main" id="{E5EE018B-B5C0-8E63-922E-16FFF772EF03}"/>
-            </a:ext>
-          </a:extLst>
-        </p:cNvPr>
+        <p:cNvPr id="1" name=""/>
         <p:cNvGrpSpPr/>
         <p:nvPr/>
       </p:nvGrpSpPr>
@@ -2492,13 +2666,7 @@
       </p:grpSpPr>
       <p:sp>
         <p:nvSpPr>
-          <p:cNvPr id="2" name="Slide Image Placeholder 1">
-            <a:extLst>
-              <a:ext uri="{FF2B5EF4-FFF2-40B4-BE49-F238E27FC236}">
-                <a16:creationId xmlns:a16="http://schemas.microsoft.com/office/drawing/2014/main" id="{B5EFC89D-9A7E-D0AD-5328-E8CAA21AA8A4}"/>
-              </a:ext>
-            </a:extLst>
-          </p:cNvPr>
+          <p:cNvPr id="2" name="Slide Image Placeholder 1"/>
           <p:cNvSpPr>
             <a:spLocks noGrp="1" noRot="1" noChangeAspect="1"/>
           </p:cNvSpPr>
@@ -2510,13 +2678,7 @@
       </p:sp>
       <p:sp>
         <p:nvSpPr>
-          <p:cNvPr id="3" name="Notes Placeholder 2">
-            <a:extLst>
-              <a:ext uri="{FF2B5EF4-FFF2-40B4-BE49-F238E27FC236}">
-                <a16:creationId xmlns:a16="http://schemas.microsoft.com/office/drawing/2014/main" id="{F80BA0FE-C0B5-199C-5FA1-D535ACC1E703}"/>
-              </a:ext>
-            </a:extLst>
-          </p:cNvPr>
+          <p:cNvPr id="3" name="Notes Placeholder 2"/>
           <p:cNvSpPr>
             <a:spLocks noGrp="1"/>
           </p:cNvSpPr>
@@ -2531,15 +2693,15 @@
           <a:p>
             <a:r>
               <a:rPr lang="en-US" dirty="0"/>
-              <a:t>When we take an </a:t>
+              <a:t>(Answer: just the input 1 will get line coverage </a:t>
             </a:r>
             <a:r>
               <a:rPr lang="en-US" i="1" dirty="0"/>
-              <a:t>unknown </a:t>
+              <a:t>and </a:t>
             </a:r>
             <a:r>
               <a:rPr lang="en-US" i="0" dirty="0"/>
-              <a:t>input and validate it, that puts a branch in our code, and so branch coverage obligates us to write tests that pass and fail authentication.</a:t>
+              <a:t>branch coverage. That’s not great! But path coverage would take an infinite number of tests. This metric isn’t perfect!)</a:t>
             </a:r>
             <a:endParaRPr lang="en-US" dirty="0"/>
           </a:p>
@@ -2547,13 +2709,7 @@
       </p:sp>
       <p:sp>
         <p:nvSpPr>
-          <p:cNvPr id="4" name="Slide Number Placeholder 3">
-            <a:extLst>
-              <a:ext uri="{FF2B5EF4-FFF2-40B4-BE49-F238E27FC236}">
-                <a16:creationId xmlns:a16="http://schemas.microsoft.com/office/drawing/2014/main" id="{E7E1F34A-B2C8-97DF-B7FD-B99B5C8B2671}"/>
-              </a:ext>
-            </a:extLst>
-          </p:cNvPr>
+          <p:cNvPr id="4" name="Slide Number Placeholder 3"/>
           <p:cNvSpPr>
             <a:spLocks noGrp="1"/>
           </p:cNvSpPr>
@@ -2577,7 +2733,7 @@
     </p:spTree>
     <p:extLst>
       <p:ext uri="{BB962C8B-B14F-4D97-AF65-F5344CB8AC3E}">
-        <p14:creationId xmlns:p14="http://schemas.microsoft.com/office/powerpoint/2010/main" val="2981580793"/>
+        <p14:creationId xmlns:p14="http://schemas.microsoft.com/office/powerpoint/2010/main" val="411467414"/>
       </p:ext>
     </p:extLst>
   </p:cSld>
@@ -2741,7 +2897,7 @@
           <a:p>
             <a:fld id="{5D2A64DE-480B-420F-9649-4F8E696E08E0}" type="datetime1">
               <a:rPr lang="en-US" smtClean="0"/>
-              <a:t>1/4/26</a:t>
+              <a:t>1/7/26</a:t>
             </a:fld>
             <a:endParaRPr lang="en-US"/>
           </a:p>
@@ -3065,7 +3221,7 @@
           <a:p>
             <a:fld id="{EA476A42-A091-4468-A075-64A31BE59948}" type="datetime1">
               <a:rPr lang="en-US" smtClean="0"/>
-              <a:t>1/4/26</a:t>
+              <a:t>1/7/26</a:t>
             </a:fld>
             <a:endParaRPr lang="en-US"/>
           </a:p>
@@ -3263,7 +3419,7 @@
           <a:p>
             <a:fld id="{0D3616D0-8311-4107-9726-6B805E7D05BA}" type="datetime1">
               <a:rPr lang="en-US" smtClean="0"/>
-              <a:t>1/4/26</a:t>
+              <a:t>1/7/26</a:t>
             </a:fld>
             <a:endParaRPr lang="en-US"/>
           </a:p>
@@ -3471,7 +3627,7 @@
           <a:p>
             <a:fld id="{3BC2557A-5C88-417A-A763-5AC779462A5F}" type="datetime1">
               <a:rPr lang="en-US" smtClean="0"/>
-              <a:t>1/4/26</a:t>
+              <a:t>1/7/26</a:t>
             </a:fld>
             <a:endParaRPr lang="en-US"/>
           </a:p>
@@ -3893,7 +4049,7 @@
           <a:p>
             <a:fld id="{07C7BFD4-467E-4EDE-93EA-052F5B39A4E5}" type="datetime1">
               <a:rPr lang="en-US" smtClean="0"/>
-              <a:t>1/4/26</a:t>
+              <a:t>1/7/26</a:t>
             </a:fld>
             <a:endParaRPr lang="en-US"/>
           </a:p>
@@ -4143,7 +4299,7 @@
           <a:p>
             <a:fld id="{07C7BFD4-467E-4EDE-93EA-052F5B39A4E5}" type="datetime1">
               <a:rPr lang="en-US" smtClean="0"/>
-              <a:t>1/4/26</a:t>
+              <a:t>1/7/26</a:t>
             </a:fld>
             <a:endParaRPr lang="en-US"/>
           </a:p>
@@ -4325,7 +4481,7 @@
           <a:p>
             <a:fld id="{109E55A0-C911-4F03-82FC-7E5926047D46}" type="datetime1">
               <a:rPr lang="en-US" smtClean="0"/>
-              <a:t>1/4/26</a:t>
+              <a:t>1/7/26</a:t>
             </a:fld>
             <a:endParaRPr lang="en-US"/>
           </a:p>
@@ -4638,7 +4794,7 @@
           <a:p>
             <a:fld id="{A533CBE2-D5BE-47AC-ADC2-9CDFC1D0CF90}" type="datetime1">
               <a:rPr lang="en-US" smtClean="0"/>
-              <a:t>1/4/26</a:t>
+              <a:t>1/7/26</a:t>
             </a:fld>
             <a:endParaRPr lang="en-US"/>
           </a:p>
@@ -4939,7 +5095,7 @@
           <a:p>
             <a:fld id="{39B7EDB1-CE74-4951-85A2-0B01C2128E28}" type="datetime1">
               <a:rPr lang="en-US" smtClean="0"/>
-              <a:t>1/4/26</a:t>
+              <a:t>1/7/26</a:t>
             </a:fld>
             <a:endParaRPr lang="en-US"/>
           </a:p>
@@ -5387,7 +5543,7 @@
           <a:p>
             <a:fld id="{2BC7EB92-A5C2-4807-A9DC-9EDE6CBFB241}" type="datetime1">
               <a:rPr lang="en-US" smtClean="0"/>
-              <a:t>1/4/26</a:t>
+              <a:t>1/7/26</a:t>
             </a:fld>
             <a:endParaRPr lang="en-US"/>
           </a:p>
@@ -5500,7 +5656,7 @@
           <a:p>
             <a:fld id="{2B7B7EE0-7771-4CD5-9B2B-3550753A54A1}" type="datetime1">
               <a:rPr lang="en-US" smtClean="0"/>
-              <a:t>1/4/26</a:t>
+              <a:t>1/7/26</a:t>
             </a:fld>
             <a:endParaRPr lang="en-US"/>
           </a:p>
@@ -5811,7 +5967,7 @@
           <a:p>
             <a:fld id="{F8B318B3-0E87-4416-A9B8-D891968C2727}" type="datetime1">
               <a:rPr lang="en-US" smtClean="0"/>
-              <a:t>1/4/26</a:t>
+              <a:t>1/7/26</a:t>
             </a:fld>
             <a:endParaRPr lang="en-US"/>
           </a:p>
@@ -6052,7 +6208,7 @@
           <a:p>
             <a:fld id="{54D997E8-DDEE-43F1-8D9B-F8A1E11DE488}" type="datetime1">
               <a:rPr lang="en-US" smtClean="0"/>
-              <a:t>1/4/26</a:t>
+              <a:t>1/7/26</a:t>
             </a:fld>
             <a:endParaRPr lang="en-US"/>
           </a:p>
@@ -6721,6 +6877,801 @@
   <p:cSld>
     <p:spTree>
       <p:nvGrpSpPr>
+        <p:cNvPr id="1" name=""/>
+        <p:cNvGrpSpPr/>
+        <p:nvPr/>
+      </p:nvGrpSpPr>
+      <p:grpSpPr>
+        <a:xfrm>
+          <a:off x="0" y="0"/>
+          <a:ext cx="0" cy="0"/>
+          <a:chOff x="0" y="0"/>
+          <a:chExt cx="0" cy="0"/>
+        </a:xfrm>
+      </p:grpSpPr>
+      <p:sp>
+        <p:nvSpPr>
+          <p:cNvPr id="2" name="Title 1">
+            <a:extLst>
+              <a:ext uri="{FF2B5EF4-FFF2-40B4-BE49-F238E27FC236}">
+                <a16:creationId xmlns:a16="http://schemas.microsoft.com/office/drawing/2014/main" id="{E079083E-BC03-7143-3305-7D5C8856EC3B}"/>
+              </a:ext>
+            </a:extLst>
+          </p:cNvPr>
+          <p:cNvSpPr>
+            <a:spLocks noGrp="1"/>
+          </p:cNvSpPr>
+          <p:nvPr>
+            <p:ph type="title"/>
+          </p:nvPr>
+        </p:nvSpPr>
+        <p:spPr/>
+        <p:txBody>
+          <a:bodyPr/>
+          <a:lstStyle/>
+          <a:p>
+            <a:r>
+              <a:rPr lang="en-US" dirty="0"/>
+              <a:t>Code Coverage: Example</a:t>
+            </a:r>
+          </a:p>
+        </p:txBody>
+      </p:sp>
+      <p:sp>
+        <p:nvSpPr>
+          <p:cNvPr id="3" name="Content Placeholder 2">
+            <a:extLst>
+              <a:ext uri="{FF2B5EF4-FFF2-40B4-BE49-F238E27FC236}">
+                <a16:creationId xmlns:a16="http://schemas.microsoft.com/office/drawing/2014/main" id="{CEEB21CC-6ECC-AE79-F5AB-B8188A7BA5D6}"/>
+              </a:ext>
+            </a:extLst>
+          </p:cNvPr>
+          <p:cNvSpPr>
+            <a:spLocks noGrp="1"/>
+          </p:cNvSpPr>
+          <p:nvPr>
+            <p:ph idx="1"/>
+          </p:nvPr>
+        </p:nvSpPr>
+        <p:spPr/>
+        <p:txBody>
+          <a:bodyPr/>
+          <a:lstStyle/>
+          <a:p>
+            <a:pPr marL="0" indent="0">
+              <a:buNone/>
+            </a:pPr>
+            <a:r>
+              <a:rPr lang="en-US" dirty="0"/>
+              <a:t>What tests will get line/branch/path coverage here?</a:t>
+            </a:r>
+          </a:p>
+        </p:txBody>
+      </p:sp>
+      <p:sp>
+        <p:nvSpPr>
+          <p:cNvPr id="4" name="Slide Number Placeholder 3">
+            <a:extLst>
+              <a:ext uri="{FF2B5EF4-FFF2-40B4-BE49-F238E27FC236}">
+                <a16:creationId xmlns:a16="http://schemas.microsoft.com/office/drawing/2014/main" id="{D90F8408-869B-696B-6166-4C6F4BDF59FB}"/>
+              </a:ext>
+            </a:extLst>
+          </p:cNvPr>
+          <p:cNvSpPr>
+            <a:spLocks noGrp="1"/>
+          </p:cNvSpPr>
+          <p:nvPr>
+            <p:ph type="sldNum" sz="quarter" idx="12"/>
+          </p:nvPr>
+        </p:nvSpPr>
+        <p:spPr/>
+        <p:txBody>
+          <a:bodyPr/>
+          <a:lstStyle/>
+          <a:p>
+            <a:fld id="{20F37917-FD3A-4669-9018-DA04BCDD3D75}" type="slidenum">
+              <a:rPr lang="en-US" smtClean="0"/>
+              <a:t>10</a:t>
+            </a:fld>
+            <a:endParaRPr lang="en-US"/>
+          </a:p>
+        </p:txBody>
+      </p:sp>
+      <p:sp>
+        <p:nvSpPr>
+          <p:cNvPr id="5" name="TextBox 4">
+            <a:extLst>
+              <a:ext uri="{FF2B5EF4-FFF2-40B4-BE49-F238E27FC236}">
+                <a16:creationId xmlns:a16="http://schemas.microsoft.com/office/drawing/2014/main" id="{657D6DBF-0D3B-3245-8AFD-BA6693B645B6}"/>
+              </a:ext>
+            </a:extLst>
+          </p:cNvPr>
+          <p:cNvSpPr txBox="1"/>
+          <p:nvPr/>
+        </p:nvSpPr>
+        <p:spPr>
+          <a:xfrm>
+            <a:off x="744069" y="2501474"/>
+            <a:ext cx="11354146" cy="3459152"/>
+          </a:xfrm>
+          <a:prstGeom prst="rect">
+            <a:avLst/>
+          </a:prstGeom>
+          <a:noFill/>
+          <a:ln w="12700" cap="flat" cmpd="sng" algn="ctr">
+            <a:noFill/>
+            <a:prstDash val="solid"/>
+            <a:miter lim="800000"/>
+          </a:ln>
+          <a:effectLst/>
+        </p:spPr>
+        <p:style>
+          <a:lnRef idx="2">
+            <a:schemeClr val="accent1">
+              <a:shade val="50000"/>
+            </a:schemeClr>
+          </a:lnRef>
+          <a:fillRef idx="1">
+            <a:schemeClr val="accent1"/>
+          </a:fillRef>
+          <a:effectRef idx="0">
+            <a:schemeClr val="accent1"/>
+          </a:effectRef>
+          <a:fontRef idx="minor">
+            <a:schemeClr val="lt1"/>
+          </a:fontRef>
+        </p:style>
+        <p:txBody>
+          <a:bodyPr wrap="square">
+            <a:spAutoFit/>
+          </a:bodyPr>
+          <a:lstStyle/>
+          <a:p>
+            <a:pPr>
+              <a:lnSpc>
+                <a:spcPct val="110000"/>
+              </a:lnSpc>
+              <a:buNone/>
+            </a:pPr>
+            <a:r>
+              <a:rPr lang="en-US" sz="2000" b="0" dirty="0">
+                <a:solidFill>
+                  <a:srgbClr val="008000"/>
+                </a:solidFill>
+                <a:effectLst/>
+                <a:latin typeface="Consolas" panose="020B0609020204030204" pitchFamily="49" charset="0"/>
+                <a:cs typeface="Consolas" panose="020B0609020204030204" pitchFamily="49" charset="0"/>
+              </a:rPr>
+              <a:t>/**</a:t>
+            </a:r>
+            <a:endParaRPr lang="en-US" sz="2000" b="0" dirty="0">
+              <a:solidFill>
+                <a:srgbClr val="3B3B3B"/>
+              </a:solidFill>
+              <a:effectLst/>
+              <a:latin typeface="Consolas" panose="020B0609020204030204" pitchFamily="49" charset="0"/>
+              <a:cs typeface="Consolas" panose="020B0609020204030204" pitchFamily="49" charset="0"/>
+            </a:endParaRPr>
+          </a:p>
+          <a:p>
+            <a:pPr>
+              <a:lnSpc>
+                <a:spcPct val="110000"/>
+              </a:lnSpc>
+              <a:buNone/>
+            </a:pPr>
+            <a:r>
+              <a:rPr lang="en-US" sz="2000" b="0" dirty="0">
+                <a:solidFill>
+                  <a:srgbClr val="008000"/>
+                </a:solidFill>
+                <a:effectLst/>
+                <a:latin typeface="Consolas" panose="020B0609020204030204" pitchFamily="49" charset="0"/>
+                <a:cs typeface="Consolas" panose="020B0609020204030204" pitchFamily="49" charset="0"/>
+              </a:rPr>
+              <a:t> * Prints "hello" repeatedly</a:t>
+            </a:r>
+            <a:endParaRPr lang="en-US" sz="2000" b="0" dirty="0">
+              <a:solidFill>
+                <a:srgbClr val="3B3B3B"/>
+              </a:solidFill>
+              <a:effectLst/>
+              <a:latin typeface="Consolas" panose="020B0609020204030204" pitchFamily="49" charset="0"/>
+              <a:cs typeface="Consolas" panose="020B0609020204030204" pitchFamily="49" charset="0"/>
+            </a:endParaRPr>
+          </a:p>
+          <a:p>
+            <a:pPr>
+              <a:lnSpc>
+                <a:spcPct val="110000"/>
+              </a:lnSpc>
+              <a:buNone/>
+            </a:pPr>
+            <a:r>
+              <a:rPr lang="en-US" sz="2000" b="0" dirty="0">
+                <a:solidFill>
+                  <a:srgbClr val="008000"/>
+                </a:solidFill>
+                <a:effectLst/>
+                <a:latin typeface="Consolas" panose="020B0609020204030204" pitchFamily="49" charset="0"/>
+                <a:cs typeface="Consolas" panose="020B0609020204030204" pitchFamily="49" charset="0"/>
+              </a:rPr>
+              <a:t> * </a:t>
+            </a:r>
+            <a:r>
+              <a:rPr lang="en-US" sz="2000" b="0" dirty="0">
+                <a:solidFill>
+                  <a:srgbClr val="0000FF"/>
+                </a:solidFill>
+                <a:effectLst/>
+                <a:latin typeface="Consolas" panose="020B0609020204030204" pitchFamily="49" charset="0"/>
+                <a:cs typeface="Consolas" panose="020B0609020204030204" pitchFamily="49" charset="0"/>
+              </a:rPr>
+              <a:t>@param</a:t>
+            </a:r>
+            <a:r>
+              <a:rPr lang="en-US" sz="2000" b="0" dirty="0">
+                <a:solidFill>
+                  <a:srgbClr val="008000"/>
+                </a:solidFill>
+                <a:effectLst/>
+                <a:latin typeface="Consolas" panose="020B0609020204030204" pitchFamily="49" charset="0"/>
+                <a:cs typeface="Consolas" panose="020B0609020204030204" pitchFamily="49" charset="0"/>
+              </a:rPr>
+              <a:t> </a:t>
+            </a:r>
+            <a:r>
+              <a:rPr lang="en-US" sz="2000" b="0" dirty="0" err="1">
+                <a:solidFill>
+                  <a:srgbClr val="001080"/>
+                </a:solidFill>
+                <a:effectLst/>
+                <a:latin typeface="Consolas" panose="020B0609020204030204" pitchFamily="49" charset="0"/>
+                <a:cs typeface="Consolas" panose="020B0609020204030204" pitchFamily="49" charset="0"/>
+              </a:rPr>
+              <a:t>numHellos</a:t>
+            </a:r>
+            <a:r>
+              <a:rPr lang="en-US" sz="2000" b="0" dirty="0">
+                <a:solidFill>
+                  <a:srgbClr val="008000"/>
+                </a:solidFill>
+                <a:effectLst/>
+                <a:latin typeface="Consolas" panose="020B0609020204030204" pitchFamily="49" charset="0"/>
+                <a:cs typeface="Consolas" panose="020B0609020204030204" pitchFamily="49" charset="0"/>
+              </a:rPr>
+              <a:t> - number of times to print “hello”, </a:t>
+            </a:r>
+          </a:p>
+          <a:p>
+            <a:pPr>
+              <a:lnSpc>
+                <a:spcPct val="110000"/>
+              </a:lnSpc>
+              <a:buNone/>
+            </a:pPr>
+            <a:r>
+              <a:rPr lang="en-US" sz="2000" dirty="0">
+                <a:solidFill>
+                  <a:srgbClr val="008000"/>
+                </a:solidFill>
+                <a:latin typeface="Consolas" panose="020B0609020204030204" pitchFamily="49" charset="0"/>
+                <a:cs typeface="Consolas" panose="020B0609020204030204" pitchFamily="49" charset="0"/>
+              </a:rPr>
+              <a:t> *   </a:t>
+            </a:r>
+            <a:r>
+              <a:rPr lang="en-US" sz="2000" b="0" dirty="0">
+                <a:solidFill>
+                  <a:srgbClr val="008000"/>
+                </a:solidFill>
+                <a:effectLst/>
+                <a:latin typeface="Consolas" panose="020B0609020204030204" pitchFamily="49" charset="0"/>
+                <a:cs typeface="Consolas" panose="020B0609020204030204" pitchFamily="49" charset="0"/>
+              </a:rPr>
+              <a:t>must be an integer &gt;= 0</a:t>
+            </a:r>
+            <a:endParaRPr lang="en-US" sz="2000" b="0" dirty="0">
+              <a:solidFill>
+                <a:srgbClr val="3B3B3B"/>
+              </a:solidFill>
+              <a:effectLst/>
+              <a:latin typeface="Consolas" panose="020B0609020204030204" pitchFamily="49" charset="0"/>
+              <a:cs typeface="Consolas" panose="020B0609020204030204" pitchFamily="49" charset="0"/>
+            </a:endParaRPr>
+          </a:p>
+          <a:p>
+            <a:pPr>
+              <a:lnSpc>
+                <a:spcPct val="110000"/>
+              </a:lnSpc>
+              <a:buNone/>
+            </a:pPr>
+            <a:r>
+              <a:rPr lang="en-US" sz="2000" b="0" dirty="0">
+                <a:solidFill>
+                  <a:srgbClr val="008000"/>
+                </a:solidFill>
+                <a:effectLst/>
+                <a:latin typeface="Consolas" panose="020B0609020204030204" pitchFamily="49" charset="0"/>
+                <a:cs typeface="Consolas" panose="020B0609020204030204" pitchFamily="49" charset="0"/>
+              </a:rPr>
+              <a:t> */</a:t>
+            </a:r>
+            <a:endParaRPr lang="en-US" sz="2000" b="0" dirty="0">
+              <a:solidFill>
+                <a:srgbClr val="3B3B3B"/>
+              </a:solidFill>
+              <a:effectLst/>
+              <a:latin typeface="Consolas" panose="020B0609020204030204" pitchFamily="49" charset="0"/>
+              <a:cs typeface="Consolas" panose="020B0609020204030204" pitchFamily="49" charset="0"/>
+            </a:endParaRPr>
+          </a:p>
+          <a:p>
+            <a:pPr>
+              <a:lnSpc>
+                <a:spcPct val="110000"/>
+              </a:lnSpc>
+              <a:buNone/>
+            </a:pPr>
+            <a:r>
+              <a:rPr lang="en-US" sz="2000" b="0" dirty="0">
+                <a:solidFill>
+                  <a:srgbClr val="0000FF"/>
+                </a:solidFill>
+                <a:effectLst/>
+                <a:latin typeface="Consolas" panose="020B0609020204030204" pitchFamily="49" charset="0"/>
+                <a:cs typeface="Consolas" panose="020B0609020204030204" pitchFamily="49" charset="0"/>
+              </a:rPr>
+              <a:t>function</a:t>
+            </a:r>
+            <a:r>
+              <a:rPr lang="en-US" sz="2000" b="0" dirty="0">
+                <a:solidFill>
+                  <a:srgbClr val="3B3B3B"/>
+                </a:solidFill>
+                <a:effectLst/>
+                <a:latin typeface="Consolas" panose="020B0609020204030204" pitchFamily="49" charset="0"/>
+                <a:cs typeface="Consolas" panose="020B0609020204030204" pitchFamily="49" charset="0"/>
+              </a:rPr>
+              <a:t> </a:t>
+            </a:r>
+            <a:r>
+              <a:rPr lang="en-US" sz="2000" b="0" dirty="0" err="1">
+                <a:solidFill>
+                  <a:srgbClr val="795E26"/>
+                </a:solidFill>
+                <a:effectLst/>
+                <a:latin typeface="Consolas" panose="020B0609020204030204" pitchFamily="49" charset="0"/>
+                <a:cs typeface="Consolas" panose="020B0609020204030204" pitchFamily="49" charset="0"/>
+              </a:rPr>
+              <a:t>helloNTimes</a:t>
+            </a:r>
+            <a:r>
+              <a:rPr lang="en-US" sz="2000" b="0" dirty="0">
+                <a:solidFill>
+                  <a:srgbClr val="3B3B3B"/>
+                </a:solidFill>
+                <a:effectLst/>
+                <a:latin typeface="Consolas" panose="020B0609020204030204" pitchFamily="49" charset="0"/>
+                <a:cs typeface="Consolas" panose="020B0609020204030204" pitchFamily="49" charset="0"/>
+              </a:rPr>
+              <a:t>(</a:t>
+            </a:r>
+            <a:r>
+              <a:rPr lang="en-US" sz="2000" b="0" dirty="0" err="1">
+                <a:solidFill>
+                  <a:srgbClr val="001080"/>
+                </a:solidFill>
+                <a:effectLst/>
+                <a:latin typeface="Consolas" panose="020B0609020204030204" pitchFamily="49" charset="0"/>
+                <a:cs typeface="Consolas" panose="020B0609020204030204" pitchFamily="49" charset="0"/>
+              </a:rPr>
+              <a:t>numHellos</a:t>
+            </a:r>
+            <a:r>
+              <a:rPr lang="en-US" sz="2000" b="0" dirty="0">
+                <a:solidFill>
+                  <a:srgbClr val="000000"/>
+                </a:solidFill>
+                <a:effectLst/>
+                <a:latin typeface="Consolas" panose="020B0609020204030204" pitchFamily="49" charset="0"/>
+                <a:cs typeface="Consolas" panose="020B0609020204030204" pitchFamily="49" charset="0"/>
+              </a:rPr>
+              <a:t>:</a:t>
+            </a:r>
+            <a:r>
+              <a:rPr lang="en-US" sz="2000" b="0" dirty="0">
+                <a:solidFill>
+                  <a:srgbClr val="3B3B3B"/>
+                </a:solidFill>
+                <a:effectLst/>
+                <a:latin typeface="Consolas" panose="020B0609020204030204" pitchFamily="49" charset="0"/>
+                <a:cs typeface="Consolas" panose="020B0609020204030204" pitchFamily="49" charset="0"/>
+              </a:rPr>
+              <a:t> </a:t>
+            </a:r>
+            <a:r>
+              <a:rPr lang="en-US" sz="2000" b="0" dirty="0">
+                <a:solidFill>
+                  <a:srgbClr val="267F99"/>
+                </a:solidFill>
+                <a:effectLst/>
+                <a:latin typeface="Consolas" panose="020B0609020204030204" pitchFamily="49" charset="0"/>
+                <a:cs typeface="Consolas" panose="020B0609020204030204" pitchFamily="49" charset="0"/>
+              </a:rPr>
+              <a:t>number</a:t>
+            </a:r>
+            <a:r>
+              <a:rPr lang="en-US" sz="2000" b="0" dirty="0">
+                <a:solidFill>
+                  <a:srgbClr val="3B3B3B"/>
+                </a:solidFill>
+                <a:effectLst/>
+                <a:latin typeface="Consolas" panose="020B0609020204030204" pitchFamily="49" charset="0"/>
+                <a:cs typeface="Consolas" panose="020B0609020204030204" pitchFamily="49" charset="0"/>
+              </a:rPr>
+              <a:t>) {</a:t>
+            </a:r>
+          </a:p>
+          <a:p>
+            <a:pPr>
+              <a:lnSpc>
+                <a:spcPct val="110000"/>
+              </a:lnSpc>
+              <a:buNone/>
+            </a:pPr>
+            <a:r>
+              <a:rPr lang="en-US" sz="2000" b="0" dirty="0">
+                <a:solidFill>
+                  <a:srgbClr val="AF00DB"/>
+                </a:solidFill>
+                <a:effectLst/>
+                <a:latin typeface="Consolas" panose="020B0609020204030204" pitchFamily="49" charset="0"/>
+                <a:cs typeface="Consolas" panose="020B0609020204030204" pitchFamily="49" charset="0"/>
+              </a:rPr>
+              <a:t>  for</a:t>
+            </a:r>
+            <a:r>
+              <a:rPr lang="en-US" sz="2000" b="0" dirty="0">
+                <a:solidFill>
+                  <a:srgbClr val="3B3B3B"/>
+                </a:solidFill>
+                <a:effectLst/>
+                <a:latin typeface="Consolas" panose="020B0609020204030204" pitchFamily="49" charset="0"/>
+                <a:cs typeface="Consolas" panose="020B0609020204030204" pitchFamily="49" charset="0"/>
+              </a:rPr>
+              <a:t> (</a:t>
+            </a:r>
+            <a:r>
+              <a:rPr lang="en-US" sz="2000" b="0" dirty="0">
+                <a:solidFill>
+                  <a:srgbClr val="0000FF"/>
+                </a:solidFill>
+                <a:effectLst/>
+                <a:latin typeface="Consolas" panose="020B0609020204030204" pitchFamily="49" charset="0"/>
+                <a:cs typeface="Consolas" panose="020B0609020204030204" pitchFamily="49" charset="0"/>
+              </a:rPr>
+              <a:t>let</a:t>
+            </a:r>
+            <a:r>
+              <a:rPr lang="en-US" sz="2000" b="0" dirty="0">
+                <a:solidFill>
+                  <a:srgbClr val="3B3B3B"/>
+                </a:solidFill>
+                <a:effectLst/>
+                <a:latin typeface="Consolas" panose="020B0609020204030204" pitchFamily="49" charset="0"/>
+                <a:cs typeface="Consolas" panose="020B0609020204030204" pitchFamily="49" charset="0"/>
+              </a:rPr>
+              <a:t> </a:t>
+            </a:r>
+            <a:r>
+              <a:rPr lang="en-US" sz="2000" b="0" dirty="0" err="1">
+                <a:solidFill>
+                  <a:srgbClr val="001080"/>
+                </a:solidFill>
+                <a:effectLst/>
+                <a:latin typeface="Consolas" panose="020B0609020204030204" pitchFamily="49" charset="0"/>
+                <a:cs typeface="Consolas" panose="020B0609020204030204" pitchFamily="49" charset="0"/>
+              </a:rPr>
+              <a:t>i</a:t>
+            </a:r>
+            <a:r>
+              <a:rPr lang="en-US" sz="2000" b="0" dirty="0">
+                <a:solidFill>
+                  <a:srgbClr val="3B3B3B"/>
+                </a:solidFill>
+                <a:effectLst/>
+                <a:latin typeface="Consolas" panose="020B0609020204030204" pitchFamily="49" charset="0"/>
+                <a:cs typeface="Consolas" panose="020B0609020204030204" pitchFamily="49" charset="0"/>
+              </a:rPr>
+              <a:t> </a:t>
+            </a:r>
+            <a:r>
+              <a:rPr lang="en-US" sz="2000" b="0" dirty="0">
+                <a:solidFill>
+                  <a:srgbClr val="000000"/>
+                </a:solidFill>
+                <a:effectLst/>
+                <a:latin typeface="Consolas" panose="020B0609020204030204" pitchFamily="49" charset="0"/>
+                <a:cs typeface="Consolas" panose="020B0609020204030204" pitchFamily="49" charset="0"/>
+              </a:rPr>
+              <a:t>=</a:t>
+            </a:r>
+            <a:r>
+              <a:rPr lang="en-US" sz="2000" b="0" dirty="0">
+                <a:solidFill>
+                  <a:srgbClr val="3B3B3B"/>
+                </a:solidFill>
+                <a:effectLst/>
+                <a:latin typeface="Consolas" panose="020B0609020204030204" pitchFamily="49" charset="0"/>
+                <a:cs typeface="Consolas" panose="020B0609020204030204" pitchFamily="49" charset="0"/>
+              </a:rPr>
+              <a:t> </a:t>
+            </a:r>
+            <a:r>
+              <a:rPr lang="en-US" sz="2000" b="0" dirty="0" err="1">
+                <a:solidFill>
+                  <a:srgbClr val="001080"/>
+                </a:solidFill>
+                <a:effectLst/>
+                <a:latin typeface="Consolas" panose="020B0609020204030204" pitchFamily="49" charset="0"/>
+                <a:cs typeface="Consolas" panose="020B0609020204030204" pitchFamily="49" charset="0"/>
+              </a:rPr>
+              <a:t>numHellos</a:t>
+            </a:r>
+            <a:r>
+              <a:rPr lang="en-US" sz="2000" b="0" dirty="0">
+                <a:solidFill>
+                  <a:srgbClr val="3B3B3B"/>
+                </a:solidFill>
+                <a:effectLst/>
+                <a:latin typeface="Consolas" panose="020B0609020204030204" pitchFamily="49" charset="0"/>
+                <a:cs typeface="Consolas" panose="020B0609020204030204" pitchFamily="49" charset="0"/>
+              </a:rPr>
+              <a:t>; </a:t>
+            </a:r>
+            <a:r>
+              <a:rPr lang="en-US" sz="2000" b="0" dirty="0" err="1">
+                <a:solidFill>
+                  <a:srgbClr val="001080"/>
+                </a:solidFill>
+                <a:effectLst/>
+                <a:latin typeface="Consolas" panose="020B0609020204030204" pitchFamily="49" charset="0"/>
+                <a:cs typeface="Consolas" panose="020B0609020204030204" pitchFamily="49" charset="0"/>
+              </a:rPr>
+              <a:t>i</a:t>
+            </a:r>
+            <a:r>
+              <a:rPr lang="en-US" sz="2000" b="0" dirty="0">
+                <a:solidFill>
+                  <a:srgbClr val="3B3B3B"/>
+                </a:solidFill>
+                <a:effectLst/>
+                <a:latin typeface="Consolas" panose="020B0609020204030204" pitchFamily="49" charset="0"/>
+                <a:cs typeface="Consolas" panose="020B0609020204030204" pitchFamily="49" charset="0"/>
+              </a:rPr>
+              <a:t> </a:t>
+            </a:r>
+            <a:r>
+              <a:rPr lang="en-US" sz="2000" b="0" dirty="0">
+                <a:solidFill>
+                  <a:srgbClr val="000000"/>
+                </a:solidFill>
+                <a:effectLst/>
+                <a:latin typeface="Consolas" panose="020B0609020204030204" pitchFamily="49" charset="0"/>
+                <a:cs typeface="Consolas" panose="020B0609020204030204" pitchFamily="49" charset="0"/>
+              </a:rPr>
+              <a:t>!==</a:t>
+            </a:r>
+            <a:r>
+              <a:rPr lang="en-US" sz="2000" b="0" dirty="0">
+                <a:solidFill>
+                  <a:srgbClr val="3B3B3B"/>
+                </a:solidFill>
+                <a:effectLst/>
+                <a:latin typeface="Consolas" panose="020B0609020204030204" pitchFamily="49" charset="0"/>
+                <a:cs typeface="Consolas" panose="020B0609020204030204" pitchFamily="49" charset="0"/>
+              </a:rPr>
+              <a:t> </a:t>
+            </a:r>
+            <a:r>
+              <a:rPr lang="en-US" sz="2000" b="0" dirty="0">
+                <a:solidFill>
+                  <a:srgbClr val="098658"/>
+                </a:solidFill>
+                <a:effectLst/>
+                <a:latin typeface="Consolas" panose="020B0609020204030204" pitchFamily="49" charset="0"/>
+                <a:cs typeface="Consolas" panose="020B0609020204030204" pitchFamily="49" charset="0"/>
+              </a:rPr>
+              <a:t>0</a:t>
+            </a:r>
+            <a:r>
+              <a:rPr lang="en-US" sz="2000" b="0" dirty="0">
+                <a:solidFill>
+                  <a:srgbClr val="3B3B3B"/>
+                </a:solidFill>
+                <a:effectLst/>
+                <a:latin typeface="Consolas" panose="020B0609020204030204" pitchFamily="49" charset="0"/>
+                <a:cs typeface="Consolas" panose="020B0609020204030204" pitchFamily="49" charset="0"/>
+              </a:rPr>
+              <a:t>; </a:t>
+            </a:r>
+            <a:r>
+              <a:rPr lang="en-US" sz="2000" b="0" dirty="0" err="1">
+                <a:solidFill>
+                  <a:srgbClr val="001080"/>
+                </a:solidFill>
+                <a:effectLst/>
+                <a:latin typeface="Consolas" panose="020B0609020204030204" pitchFamily="49" charset="0"/>
+                <a:cs typeface="Consolas" panose="020B0609020204030204" pitchFamily="49" charset="0"/>
+              </a:rPr>
+              <a:t>i</a:t>
+            </a:r>
+            <a:r>
+              <a:rPr lang="en-US" sz="2000" b="0" dirty="0">
+                <a:solidFill>
+                  <a:srgbClr val="000000"/>
+                </a:solidFill>
+                <a:effectLst/>
+                <a:latin typeface="Consolas" panose="020B0609020204030204" pitchFamily="49" charset="0"/>
+                <a:cs typeface="Consolas" panose="020B0609020204030204" pitchFamily="49" charset="0"/>
+              </a:rPr>
+              <a:t>--</a:t>
+            </a:r>
+            <a:r>
+              <a:rPr lang="en-US" sz="2000" b="0" dirty="0">
+                <a:solidFill>
+                  <a:srgbClr val="3B3B3B"/>
+                </a:solidFill>
+                <a:effectLst/>
+                <a:latin typeface="Consolas" panose="020B0609020204030204" pitchFamily="49" charset="0"/>
+                <a:cs typeface="Consolas" panose="020B0609020204030204" pitchFamily="49" charset="0"/>
+              </a:rPr>
+              <a:t>) {</a:t>
+            </a:r>
+          </a:p>
+          <a:p>
+            <a:pPr>
+              <a:lnSpc>
+                <a:spcPct val="110000"/>
+              </a:lnSpc>
+              <a:buNone/>
+            </a:pPr>
+            <a:r>
+              <a:rPr lang="en-US" sz="2000" b="0" dirty="0">
+                <a:solidFill>
+                  <a:srgbClr val="001080"/>
+                </a:solidFill>
+                <a:effectLst/>
+                <a:latin typeface="Consolas" panose="020B0609020204030204" pitchFamily="49" charset="0"/>
+                <a:cs typeface="Consolas" panose="020B0609020204030204" pitchFamily="49" charset="0"/>
+              </a:rPr>
+              <a:t>    </a:t>
+            </a:r>
+            <a:r>
+              <a:rPr lang="en-US" sz="2000" b="0" dirty="0" err="1">
+                <a:solidFill>
+                  <a:srgbClr val="001080"/>
+                </a:solidFill>
+                <a:effectLst/>
+                <a:latin typeface="Consolas" panose="020B0609020204030204" pitchFamily="49" charset="0"/>
+                <a:cs typeface="Consolas" panose="020B0609020204030204" pitchFamily="49" charset="0"/>
+              </a:rPr>
+              <a:t>console</a:t>
+            </a:r>
+            <a:r>
+              <a:rPr lang="en-US" sz="2000" b="0" dirty="0" err="1">
+                <a:solidFill>
+                  <a:srgbClr val="3B3B3B"/>
+                </a:solidFill>
+                <a:effectLst/>
+                <a:latin typeface="Consolas" panose="020B0609020204030204" pitchFamily="49" charset="0"/>
+                <a:cs typeface="Consolas" panose="020B0609020204030204" pitchFamily="49" charset="0"/>
+              </a:rPr>
+              <a:t>.</a:t>
+            </a:r>
+            <a:r>
+              <a:rPr lang="en-US" sz="2000" b="0" dirty="0" err="1">
+                <a:solidFill>
+                  <a:srgbClr val="795E26"/>
+                </a:solidFill>
+                <a:effectLst/>
+                <a:latin typeface="Consolas" panose="020B0609020204030204" pitchFamily="49" charset="0"/>
+                <a:cs typeface="Consolas" panose="020B0609020204030204" pitchFamily="49" charset="0"/>
+              </a:rPr>
+              <a:t>log</a:t>
+            </a:r>
+            <a:r>
+              <a:rPr lang="en-US" sz="2000" b="0" dirty="0">
+                <a:solidFill>
+                  <a:srgbClr val="3B3B3B"/>
+                </a:solidFill>
+                <a:effectLst/>
+                <a:latin typeface="Consolas" panose="020B0609020204030204" pitchFamily="49" charset="0"/>
+                <a:cs typeface="Consolas" panose="020B0609020204030204" pitchFamily="49" charset="0"/>
+              </a:rPr>
+              <a:t>(</a:t>
+            </a:r>
+            <a:r>
+              <a:rPr lang="en-US" sz="2000" dirty="0">
+                <a:solidFill>
+                  <a:srgbClr val="A31515"/>
+                </a:solidFill>
+                <a:latin typeface="Consolas" panose="020B0609020204030204" pitchFamily="49" charset="0"/>
+                <a:cs typeface="Consolas" panose="020B0609020204030204" pitchFamily="49" charset="0"/>
+              </a:rPr>
+              <a:t>'hello'</a:t>
+            </a:r>
+            <a:r>
+              <a:rPr lang="en-US" sz="2000" b="0" dirty="0">
+                <a:solidFill>
+                  <a:srgbClr val="3B3B3B"/>
+                </a:solidFill>
+                <a:effectLst/>
+                <a:latin typeface="Consolas" panose="020B0609020204030204" pitchFamily="49" charset="0"/>
+                <a:cs typeface="Consolas" panose="020B0609020204030204" pitchFamily="49" charset="0"/>
+              </a:rPr>
+              <a:t>);</a:t>
+            </a:r>
+          </a:p>
+          <a:p>
+            <a:pPr>
+              <a:lnSpc>
+                <a:spcPct val="110000"/>
+              </a:lnSpc>
+              <a:buNone/>
+            </a:pPr>
+            <a:r>
+              <a:rPr lang="en-US" sz="2000" b="0" dirty="0">
+                <a:solidFill>
+                  <a:srgbClr val="3B3B3B"/>
+                </a:solidFill>
+                <a:effectLst/>
+                <a:latin typeface="Consolas" panose="020B0609020204030204" pitchFamily="49" charset="0"/>
+                <a:cs typeface="Consolas" panose="020B0609020204030204" pitchFamily="49" charset="0"/>
+              </a:rPr>
+              <a:t>  }</a:t>
+            </a:r>
+          </a:p>
+          <a:p>
+            <a:pPr>
+              <a:lnSpc>
+                <a:spcPct val="110000"/>
+              </a:lnSpc>
+            </a:pPr>
+            <a:r>
+              <a:rPr lang="en-US" sz="2000" b="0" dirty="0">
+                <a:solidFill>
+                  <a:srgbClr val="3B3B3B"/>
+                </a:solidFill>
+                <a:effectLst/>
+                <a:latin typeface="Consolas" panose="020B0609020204030204" pitchFamily="49" charset="0"/>
+                <a:cs typeface="Consolas" panose="020B0609020204030204" pitchFamily="49" charset="0"/>
+              </a:rPr>
+              <a:t>}</a:t>
+            </a:r>
+          </a:p>
+        </p:txBody>
+      </p:sp>
+    </p:spTree>
+    <p:extLst>
+      <p:ext uri="{BB962C8B-B14F-4D97-AF65-F5344CB8AC3E}">
+        <p14:creationId xmlns:p14="http://schemas.microsoft.com/office/powerpoint/2010/main" val="4076227305"/>
+      </p:ext>
+    </p:extLst>
+  </p:cSld>
+  <p:clrMapOvr>
+    <a:masterClrMapping/>
+  </p:clrMapOvr>
+</p:sld>
+</file>
+
+<file path=ppt/slides/slide11.xml><?xml version="1.0" encoding="utf-8"?>
+<p:sld xmlns:a="http://schemas.openxmlformats.org/drawingml/2006/main" xmlns:r="http://schemas.openxmlformats.org/officeDocument/2006/relationships" xmlns:p="http://schemas.openxmlformats.org/presentationml/2006/main">
+  <p:cSld>
+    <p:spTree>
+      <p:nvGrpSpPr>
         <p:cNvPr id="1" name="">
           <a:extLst>
             <a:ext uri="{FF2B5EF4-FFF2-40B4-BE49-F238E27FC236}">
@@ -6821,7 +7772,7 @@
           <a:p>
             <a:fld id="{20F37917-FD3A-4669-9018-DA04BCDD3D75}" type="slidenum">
               <a:rPr lang="en-US" smtClean="0"/>
-              <a:t>10</a:t>
+              <a:t>11</a:t>
             </a:fld>
             <a:endParaRPr lang="en-US"/>
           </a:p>
@@ -7378,7 +8329,7 @@
 </p:sld>
 </file>
 
-<file path=ppt/slides/slide11.xml><?xml version="1.0" encoding="utf-8"?>
+<file path=ppt/slides/slide12.xml><?xml version="1.0" encoding="utf-8"?>
 <p:sld xmlns:a="http://schemas.openxmlformats.org/drawingml/2006/main" xmlns:r="http://schemas.openxmlformats.org/officeDocument/2006/relationships" xmlns:p="http://schemas.openxmlformats.org/presentationml/2006/main">
   <p:cSld>
     <p:spTree>
@@ -7528,7 +8479,7 @@
           <a:p>
             <a:fld id="{20F37917-FD3A-4669-9018-DA04BCDD3D75}" type="slidenum">
               <a:rPr lang="en-US" smtClean="0"/>
-              <a:t>11</a:t>
+              <a:t>12</a:t>
             </a:fld>
             <a:endParaRPr lang="en-US"/>
           </a:p>
@@ -7547,7 +8498,7 @@
 </p:sld>
 </file>
 
-<file path=ppt/slides/slide12.xml><?xml version="1.0" encoding="utf-8"?>
+<file path=ppt/slides/slide13.xml><?xml version="1.0" encoding="utf-8"?>
 <p:sld xmlns:a="http://schemas.openxmlformats.org/drawingml/2006/main" xmlns:r="http://schemas.openxmlformats.org/officeDocument/2006/relationships" xmlns:p="http://schemas.openxmlformats.org/presentationml/2006/main">
   <p:cSld>
     <p:spTree>
@@ -7669,7 +8620,7 @@
           <a:p>
             <a:fld id="{20F37917-FD3A-4669-9018-DA04BCDD3D75}" type="slidenum">
               <a:rPr lang="en-US" smtClean="0"/>
-              <a:t>12</a:t>
+              <a:t>13</a:t>
             </a:fld>
             <a:endParaRPr lang="en-US"/>
           </a:p>
@@ -7891,169 +8842,6 @@
 </p:sld>
 </file>
 
-<file path=ppt/slides/slide13.xml><?xml version="1.0" encoding="utf-8"?>
-<p:sld xmlns:a="http://schemas.openxmlformats.org/drawingml/2006/main" xmlns:r="http://schemas.openxmlformats.org/officeDocument/2006/relationships" xmlns:p="http://schemas.openxmlformats.org/presentationml/2006/main">
-  <p:cSld>
-    <p:spTree>
-      <p:nvGrpSpPr>
-        <p:cNvPr id="1" name=""/>
-        <p:cNvGrpSpPr/>
-        <p:nvPr/>
-      </p:nvGrpSpPr>
-      <p:grpSpPr>
-        <a:xfrm>
-          <a:off x="0" y="0"/>
-          <a:ext cx="0" cy="0"/>
-          <a:chOff x="0" y="0"/>
-          <a:chExt cx="0" cy="0"/>
-        </a:xfrm>
-      </p:grpSpPr>
-      <p:sp>
-        <p:nvSpPr>
-          <p:cNvPr id="2" name="Title 1">
-            <a:extLst>
-              <a:ext uri="{FF2B5EF4-FFF2-40B4-BE49-F238E27FC236}">
-                <a16:creationId xmlns:a16="http://schemas.microsoft.com/office/drawing/2014/main" id="{10548484-5B0A-1F40-24B6-FB972E693B90}"/>
-              </a:ext>
-            </a:extLst>
-          </p:cNvPr>
-          <p:cNvSpPr>
-            <a:spLocks noGrp="1"/>
-          </p:cNvSpPr>
-          <p:nvPr>
-            <p:ph type="title"/>
-          </p:nvPr>
-        </p:nvSpPr>
-        <p:spPr/>
-        <p:txBody>
-          <a:bodyPr/>
-          <a:lstStyle/>
-          <a:p>
-            <a:r>
-              <a:rPr lang="en-US" dirty="0"/>
-              <a:t>Code Coverage: Review</a:t>
-            </a:r>
-          </a:p>
-        </p:txBody>
-      </p:sp>
-      <p:sp>
-        <p:nvSpPr>
-          <p:cNvPr id="3" name="Content Placeholder 2">
-            <a:extLst>
-              <a:ext uri="{FF2B5EF4-FFF2-40B4-BE49-F238E27FC236}">
-                <a16:creationId xmlns:a16="http://schemas.microsoft.com/office/drawing/2014/main" id="{F4C18F65-A0D1-5B6E-005B-4E64E3D6AC8D}"/>
-              </a:ext>
-            </a:extLst>
-          </p:cNvPr>
-          <p:cNvSpPr>
-            <a:spLocks noGrp="1"/>
-          </p:cNvSpPr>
-          <p:nvPr>
-            <p:ph idx="1"/>
-          </p:nvPr>
-        </p:nvSpPr>
-        <p:spPr>
-          <a:xfrm>
-            <a:off x="838200" y="1500160"/>
-            <a:ext cx="7887346" cy="4856190"/>
-          </a:xfrm>
-        </p:spPr>
-        <p:txBody>
-          <a:bodyPr>
-            <a:normAutofit/>
-          </a:bodyPr>
-          <a:lstStyle/>
-          <a:p>
-            <a:r>
-              <a:rPr lang="en-US" dirty="0"/>
-              <a:t>Total code coverage — by any metric — does not mean no bugs</a:t>
-            </a:r>
-          </a:p>
-          <a:p>
-            <a:pPr lvl="1"/>
-            <a:r>
-              <a:rPr lang="en-US" dirty="0"/>
-              <a:t>Running code doesn’t mean checking that it’s doing the right thing! (important to Assemble/Act/</a:t>
-            </a:r>
-            <a:r>
-              <a:rPr lang="en-US" u="sng" dirty="0"/>
-              <a:t>Assess</a:t>
-            </a:r>
-            <a:r>
-              <a:rPr lang="en-US" dirty="0"/>
-              <a:t>)</a:t>
-            </a:r>
-          </a:p>
-          <a:p>
-            <a:r>
-              <a:rPr lang="en-US" dirty="0"/>
-              <a:t>Coverage checking can be invaluable at identifying when you </a:t>
-            </a:r>
-            <a:r>
-              <a:rPr lang="en-US" i="1" dirty="0"/>
-              <a:t>think</a:t>
-            </a:r>
-            <a:r>
-              <a:rPr lang="en-US" dirty="0"/>
-              <a:t> you’re testing something but you’re not, which is a real problem in practice.</a:t>
-            </a:r>
-          </a:p>
-          <a:p>
-            <a:pPr lvl="1"/>
-            <a:r>
-              <a:rPr lang="en-US" dirty="0"/>
-              <a:t>Test-Driven Development also valuable for this problem: it’s important that tests switch from failing to succeeding </a:t>
-            </a:r>
-            <a:r>
-              <a:rPr lang="en-US" i="1" dirty="0"/>
-              <a:t>when you expect them to</a:t>
-            </a:r>
-            <a:endParaRPr lang="en-US" dirty="0"/>
-          </a:p>
-        </p:txBody>
-      </p:sp>
-      <p:sp>
-        <p:nvSpPr>
-          <p:cNvPr id="4" name="Slide Number Placeholder 3">
-            <a:extLst>
-              <a:ext uri="{FF2B5EF4-FFF2-40B4-BE49-F238E27FC236}">
-                <a16:creationId xmlns:a16="http://schemas.microsoft.com/office/drawing/2014/main" id="{C1201568-6786-E28A-30B8-99E8FBE3C531}"/>
-              </a:ext>
-            </a:extLst>
-          </p:cNvPr>
-          <p:cNvSpPr>
-            <a:spLocks noGrp="1"/>
-          </p:cNvSpPr>
-          <p:nvPr>
-            <p:ph type="sldNum" sz="quarter" idx="12"/>
-          </p:nvPr>
-        </p:nvSpPr>
-        <p:spPr/>
-        <p:txBody>
-          <a:bodyPr/>
-          <a:lstStyle/>
-          <a:p>
-            <a:fld id="{20F37917-FD3A-4669-9018-DA04BCDD3D75}" type="slidenum">
-              <a:rPr lang="en-US" smtClean="0"/>
-              <a:t>13</a:t>
-            </a:fld>
-            <a:endParaRPr lang="en-US"/>
-          </a:p>
-        </p:txBody>
-      </p:sp>
-    </p:spTree>
-    <p:extLst>
-      <p:ext uri="{BB962C8B-B14F-4D97-AF65-F5344CB8AC3E}">
-        <p14:creationId xmlns:p14="http://schemas.microsoft.com/office/powerpoint/2010/main" val="299220953"/>
-      </p:ext>
-    </p:extLst>
-  </p:cSld>
-  <p:clrMapOvr>
-    <a:masterClrMapping/>
-  </p:clrMapOvr>
-</p:sld>
-</file>
-
 <file path=ppt/slides/slide14.xml><?xml version="1.0" encoding="utf-8"?>
 <p:sld xmlns:a="http://schemas.openxmlformats.org/drawingml/2006/main" xmlns:r="http://schemas.openxmlformats.org/officeDocument/2006/relationships" xmlns:p="http://schemas.openxmlformats.org/presentationml/2006/main">
   <p:cSld>
@@ -8076,7 +8864,7 @@
           <p:cNvPr id="2" name="Title 1">
             <a:extLst>
               <a:ext uri="{FF2B5EF4-FFF2-40B4-BE49-F238E27FC236}">
-                <a16:creationId xmlns:a16="http://schemas.microsoft.com/office/drawing/2014/main" id="{9D89E383-9383-B60E-EC8E-748102A86710}"/>
+                <a16:creationId xmlns:a16="http://schemas.microsoft.com/office/drawing/2014/main" id="{10548484-5B0A-1F40-24B6-FB972E693B90}"/>
               </a:ext>
             </a:extLst>
           </p:cNvPr>
@@ -8093,8 +8881,8 @@
           <a:lstStyle/>
           <a:p>
             <a:r>
-              <a:rPr lang="en-US"/>
-              <a:t>Adversarial Testing</a:t>
+              <a:rPr lang="en-US" dirty="0"/>
+              <a:t>Code Coverage: Review</a:t>
             </a:r>
           </a:p>
         </p:txBody>
@@ -8104,7 +8892,7 @@
           <p:cNvPr id="3" name="Content Placeholder 2">
             <a:extLst>
               <a:ext uri="{FF2B5EF4-FFF2-40B4-BE49-F238E27FC236}">
-                <a16:creationId xmlns:a16="http://schemas.microsoft.com/office/drawing/2014/main" id="{64C78909-8E59-F5F1-30C4-1A414DFC26E8}"/>
+                <a16:creationId xmlns:a16="http://schemas.microsoft.com/office/drawing/2014/main" id="{F4C18F65-A0D1-5B6E-005B-4E64E3D6AC8D}"/>
               </a:ext>
             </a:extLst>
           </p:cNvPr>
@@ -8115,7 +8903,12 @@
             <p:ph idx="1"/>
           </p:nvPr>
         </p:nvSpPr>
-        <p:spPr/>
+        <p:spPr>
+          <a:xfrm>
+            <a:off x="838200" y="1500160"/>
+            <a:ext cx="7887346" cy="4856190"/>
+          </a:xfrm>
+        </p:spPr>
         <p:txBody>
           <a:bodyPr>
             <a:normAutofit/>
@@ -8124,27 +8917,49 @@
           <a:p>
             <a:r>
               <a:rPr lang="en-US" dirty="0"/>
-              <a:t>It can be helpful to think of testing as a game in which you play against an adversary.</a:t>
-            </a:r>
-          </a:p>
-          <a:p>
+              <a:t>Total code coverage — by any metric — does not mean no bugs</a:t>
+            </a:r>
+          </a:p>
+          <a:p>
+            <a:pPr lvl="1"/>
             <a:r>
               <a:rPr lang="en-US" dirty="0"/>
-              <a:t>Your adversary plays by producing multiple versions of code that you agree is buggy, and multiple versions of code you agree is correct.</a:t>
-            </a:r>
-          </a:p>
-          <a:p>
+              <a:t>Running code doesn’t mean checking that it’s doing the right thing! (important to Assemble/Act/</a:t>
+            </a:r>
+            <a:r>
+              <a:rPr lang="en-US" u="sng" dirty="0"/>
+              <a:t>Assess</a:t>
+            </a:r>
             <a:r>
               <a:rPr lang="en-US" dirty="0"/>
-              <a:t>Your win if your tests catch all the buggy code, </a:t>
-            </a:r>
-            <a:br>
+              <a:t>)</a:t>
+            </a:r>
+          </a:p>
+          <a:p>
+            <a:r>
               <a:rPr lang="en-US" dirty="0"/>
-            </a:br>
+              <a:t>Coverage checking can be invaluable at identifying when you </a:t>
+            </a:r>
+            <a:r>
+              <a:rPr lang="en-US" i="1" dirty="0"/>
+              <a:t>think</a:t>
+            </a:r>
             <a:r>
               <a:rPr lang="en-US" dirty="0"/>
-              <a:t>and pass all the correct code.</a:t>
-            </a:r>
+              <a:t> you’re testing something but you’re not, which is a real problem in practice.</a:t>
+            </a:r>
+          </a:p>
+          <a:p>
+            <a:pPr lvl="1"/>
+            <a:r>
+              <a:rPr lang="en-US" dirty="0"/>
+              <a:t>Test-Driven Development also valuable for this problem: it’s important that tests switch from failing to succeeding </a:t>
+            </a:r>
+            <a:r>
+              <a:rPr lang="en-US" i="1" dirty="0"/>
+              <a:t>when you expect them to</a:t>
+            </a:r>
+            <a:endParaRPr lang="en-US" dirty="0"/>
           </a:p>
         </p:txBody>
       </p:sp>
@@ -8153,7 +8968,7 @@
           <p:cNvPr id="4" name="Slide Number Placeholder 3">
             <a:extLst>
               <a:ext uri="{FF2B5EF4-FFF2-40B4-BE49-F238E27FC236}">
-                <a16:creationId xmlns:a16="http://schemas.microsoft.com/office/drawing/2014/main" id="{E986F5D7-DA36-6458-3E9A-9767FCD20E53}"/>
+                <a16:creationId xmlns:a16="http://schemas.microsoft.com/office/drawing/2014/main" id="{C1201568-6786-E28A-30B8-99E8FBE3C531}"/>
               </a:ext>
             </a:extLst>
           </p:cNvPr>
@@ -8180,7 +8995,7 @@
     </p:spTree>
     <p:extLst>
       <p:ext uri="{BB962C8B-B14F-4D97-AF65-F5344CB8AC3E}">
-        <p14:creationId xmlns:p14="http://schemas.microsoft.com/office/powerpoint/2010/main" val="582737742"/>
+        <p14:creationId xmlns:p14="http://schemas.microsoft.com/office/powerpoint/2010/main" val="299220953"/>
       </p:ext>
     </p:extLst>
   </p:cSld>
@@ -8209,6 +9024,142 @@
       </p:grpSpPr>
       <p:sp>
         <p:nvSpPr>
+          <p:cNvPr id="2" name="Title 1">
+            <a:extLst>
+              <a:ext uri="{FF2B5EF4-FFF2-40B4-BE49-F238E27FC236}">
+                <a16:creationId xmlns:a16="http://schemas.microsoft.com/office/drawing/2014/main" id="{9D89E383-9383-B60E-EC8E-748102A86710}"/>
+              </a:ext>
+            </a:extLst>
+          </p:cNvPr>
+          <p:cNvSpPr>
+            <a:spLocks noGrp="1"/>
+          </p:cNvSpPr>
+          <p:nvPr>
+            <p:ph type="title"/>
+          </p:nvPr>
+        </p:nvSpPr>
+        <p:spPr/>
+        <p:txBody>
+          <a:bodyPr/>
+          <a:lstStyle/>
+          <a:p>
+            <a:r>
+              <a:rPr lang="en-US"/>
+              <a:t>Adversarial Testing</a:t>
+            </a:r>
+          </a:p>
+        </p:txBody>
+      </p:sp>
+      <p:sp>
+        <p:nvSpPr>
+          <p:cNvPr id="3" name="Content Placeholder 2">
+            <a:extLst>
+              <a:ext uri="{FF2B5EF4-FFF2-40B4-BE49-F238E27FC236}">
+                <a16:creationId xmlns:a16="http://schemas.microsoft.com/office/drawing/2014/main" id="{64C78909-8E59-F5F1-30C4-1A414DFC26E8}"/>
+              </a:ext>
+            </a:extLst>
+          </p:cNvPr>
+          <p:cNvSpPr>
+            <a:spLocks noGrp="1"/>
+          </p:cNvSpPr>
+          <p:nvPr>
+            <p:ph idx="1"/>
+          </p:nvPr>
+        </p:nvSpPr>
+        <p:spPr/>
+        <p:txBody>
+          <a:bodyPr>
+            <a:normAutofit/>
+          </a:bodyPr>
+          <a:lstStyle/>
+          <a:p>
+            <a:r>
+              <a:rPr lang="en-US" dirty="0"/>
+              <a:t>It can be helpful to think of testing as a game in which you play against an adversary.</a:t>
+            </a:r>
+          </a:p>
+          <a:p>
+            <a:r>
+              <a:rPr lang="en-US" dirty="0"/>
+              <a:t>Your adversary plays by producing multiple versions of code that you agree is buggy, and multiple versions of code you agree is correct.</a:t>
+            </a:r>
+          </a:p>
+          <a:p>
+            <a:r>
+              <a:rPr lang="en-US" dirty="0"/>
+              <a:t>Your win if your tests catch all the buggy code, </a:t>
+            </a:r>
+            <a:br>
+              <a:rPr lang="en-US" dirty="0"/>
+            </a:br>
+            <a:r>
+              <a:rPr lang="en-US" dirty="0"/>
+              <a:t>and pass all the correct code.</a:t>
+            </a:r>
+          </a:p>
+        </p:txBody>
+      </p:sp>
+      <p:sp>
+        <p:nvSpPr>
+          <p:cNvPr id="4" name="Slide Number Placeholder 3">
+            <a:extLst>
+              <a:ext uri="{FF2B5EF4-FFF2-40B4-BE49-F238E27FC236}">
+                <a16:creationId xmlns:a16="http://schemas.microsoft.com/office/drawing/2014/main" id="{E986F5D7-DA36-6458-3E9A-9767FCD20E53}"/>
+              </a:ext>
+            </a:extLst>
+          </p:cNvPr>
+          <p:cNvSpPr>
+            <a:spLocks noGrp="1"/>
+          </p:cNvSpPr>
+          <p:nvPr>
+            <p:ph type="sldNum" sz="quarter" idx="12"/>
+          </p:nvPr>
+        </p:nvSpPr>
+        <p:spPr/>
+        <p:txBody>
+          <a:bodyPr/>
+          <a:lstStyle/>
+          <a:p>
+            <a:fld id="{20F37917-FD3A-4669-9018-DA04BCDD3D75}" type="slidenum">
+              <a:rPr lang="en-US" smtClean="0"/>
+              <a:t>15</a:t>
+            </a:fld>
+            <a:endParaRPr lang="en-US"/>
+          </a:p>
+        </p:txBody>
+      </p:sp>
+    </p:spTree>
+    <p:extLst>
+      <p:ext uri="{BB962C8B-B14F-4D97-AF65-F5344CB8AC3E}">
+        <p14:creationId xmlns:p14="http://schemas.microsoft.com/office/powerpoint/2010/main" val="582737742"/>
+      </p:ext>
+    </p:extLst>
+  </p:cSld>
+  <p:clrMapOvr>
+    <a:masterClrMapping/>
+  </p:clrMapOvr>
+</p:sld>
+</file>
+
+<file path=ppt/slides/slide16.xml><?xml version="1.0" encoding="utf-8"?>
+<p:sld xmlns:a="http://schemas.openxmlformats.org/drawingml/2006/main" xmlns:r="http://schemas.openxmlformats.org/officeDocument/2006/relationships" xmlns:p="http://schemas.openxmlformats.org/presentationml/2006/main">
+  <p:cSld>
+    <p:spTree>
+      <p:nvGrpSpPr>
+        <p:cNvPr id="1" name=""/>
+        <p:cNvGrpSpPr/>
+        <p:nvPr/>
+      </p:nvGrpSpPr>
+      <p:grpSpPr>
+        <a:xfrm>
+          <a:off x="0" y="0"/>
+          <a:ext cx="0" cy="0"/>
+          <a:chOff x="0" y="0"/>
+          <a:chExt cx="0" cy="0"/>
+        </a:xfrm>
+      </p:grpSpPr>
+      <p:sp>
+        <p:nvSpPr>
           <p:cNvPr id="826" name="Mutation Analysis Tests the Tests"/>
           <p:cNvSpPr txBox="1">
             <a:spLocks noGrp="1"/>
@@ -8250,7 +9201,7 @@
           </a:ln>
           <a:extLst>
             <a:ext uri="{C572A759-6A51-4108-AA02-DFA0A04FC94B}">
-              <ma14:wrappingTextBoxFlag xmlns:ma14="http://schemas.microsoft.com/office/mac/drawingml/2011/main" xmlns:a14="http://schemas.microsoft.com/office/drawing/2010/main" xmlns:m="http://schemas.openxmlformats.org/officeDocument/2006/math" xmlns="" val="1"/>
+              <ma14:wrappingTextBoxFlag xmlns="" xmlns:m="http://schemas.openxmlformats.org/officeDocument/2006/math" xmlns:a14="http://schemas.microsoft.com/office/drawing/2010/main" xmlns:ma14="http://schemas.microsoft.com/office/mac/drawingml/2011/main" val="1"/>
             </a:ext>
           </a:extLst>
         </p:spPr>
@@ -8560,7 +9511,7 @@
             <a:fld id="{86CB4B4D-7CA3-9044-876B-883B54F8677D}" type="slidenum">
               <a:rPr lang="en-US" smtClean="0"/>
               <a:pPr/>
-              <a:t>15</a:t>
+              <a:t>16</a:t>
             </a:fld>
             <a:endParaRPr/>
           </a:p>
@@ -8575,7 +9526,7 @@
         <p:spPr>
           <a:xfrm>
             <a:off x="1104030" y="1923578"/>
-            <a:ext cx="8036174" cy="1477328"/>
+            <a:ext cx="8930650" cy="1631216"/>
           </a:xfrm>
           <a:prstGeom prst="rect">
             <a:avLst/>
@@ -8588,7 +9539,7 @@
           </a:ln>
           <a:extLst>
             <a:ext uri="{C572A759-6A51-4108-AA02-DFA0A04FC94B}">
-              <ma14:wrappingTextBoxFlag xmlns:ma14="http://schemas.microsoft.com/office/mac/drawingml/2011/main" xmlns:a14="http://schemas.microsoft.com/office/drawing/2010/main" xmlns:m="http://schemas.openxmlformats.org/officeDocument/2006/math" xmlns="" val="1"/>
+              <ma14:wrappingTextBoxFlag xmlns="" xmlns:m="http://schemas.openxmlformats.org/officeDocument/2006/math" xmlns:a14="http://schemas.microsoft.com/office/drawing/2010/main" xmlns:ma14="http://schemas.microsoft.com/office/mac/drawingml/2011/main" val="1"/>
             </a:ext>
           </a:extLst>
         </p:spPr>
@@ -8599,354 +9550,398 @@
           <a:lstStyle/>
           <a:p>
             <a:r>
-              <a:rPr lang="en-US" dirty="0">
+              <a:rPr lang="en-US" sz="2000" dirty="0">
                 <a:solidFill>
                   <a:srgbClr val="008000"/>
                 </a:solidFill>
                 <a:latin typeface="Consolas" panose="020B0609020204030204" pitchFamily="49" charset="0"/>
+                <a:cs typeface="Consolas" panose="020B0609020204030204" pitchFamily="49" charset="0"/>
               </a:rPr>
               <a:t>// find the first item in the list that is </a:t>
             </a:r>
-            <a:endParaRPr lang="en-US" dirty="0">
+            <a:endParaRPr lang="en-US" sz="2000" dirty="0">
               <a:solidFill>
                 <a:srgbClr val="3B3B3B"/>
               </a:solidFill>
               <a:latin typeface="Consolas" panose="020B0609020204030204" pitchFamily="49" charset="0"/>
+              <a:cs typeface="Consolas" panose="020B0609020204030204" pitchFamily="49" charset="0"/>
             </a:endParaRPr>
           </a:p>
           <a:p>
             <a:r>
-              <a:rPr lang="en-US" dirty="0">
+              <a:rPr lang="en-US" sz="2000" dirty="0">
                 <a:solidFill>
                   <a:srgbClr val="008000"/>
                 </a:solidFill>
                 <a:latin typeface="Consolas" panose="020B0609020204030204" pitchFamily="49" charset="0"/>
+                <a:cs typeface="Consolas" panose="020B0609020204030204" pitchFamily="49" charset="0"/>
               </a:rPr>
               <a:t>// greater than or equal to the target.</a:t>
             </a:r>
-            <a:endParaRPr lang="en-US" dirty="0">
+            <a:endParaRPr lang="en-US" sz="2000" dirty="0">
               <a:solidFill>
                 <a:srgbClr val="3B3B3B"/>
               </a:solidFill>
               <a:latin typeface="Consolas" panose="020B0609020204030204" pitchFamily="49" charset="0"/>
+              <a:cs typeface="Consolas" panose="020B0609020204030204" pitchFamily="49" charset="0"/>
             </a:endParaRPr>
           </a:p>
           <a:p>
             <a:r>
-              <a:rPr lang="en-US" dirty="0">
+              <a:rPr lang="en-US" sz="2000" dirty="0">
                 <a:solidFill>
                   <a:srgbClr val="AF00DB"/>
                 </a:solidFill>
                 <a:latin typeface="Consolas" panose="020B0609020204030204" pitchFamily="49" charset="0"/>
+                <a:cs typeface="Consolas" panose="020B0609020204030204" pitchFamily="49" charset="0"/>
               </a:rPr>
               <a:t>export</a:t>
             </a:r>
             <a:r>
-              <a:rPr lang="en-US" dirty="0">
+              <a:rPr lang="en-US" sz="2000" dirty="0">
                 <a:solidFill>
                   <a:srgbClr val="3B3B3B"/>
                 </a:solidFill>
                 <a:latin typeface="Consolas" panose="020B0609020204030204" pitchFamily="49" charset="0"/>
+                <a:cs typeface="Consolas" panose="020B0609020204030204" pitchFamily="49" charset="0"/>
               </a:rPr>
               <a:t> </a:t>
             </a:r>
             <a:r>
-              <a:rPr lang="en-US" dirty="0">
+              <a:rPr lang="en-US" sz="2000" dirty="0">
                 <a:solidFill>
                   <a:srgbClr val="AF00DB"/>
                 </a:solidFill>
                 <a:latin typeface="Consolas" panose="020B0609020204030204" pitchFamily="49" charset="0"/>
+                <a:cs typeface="Consolas" panose="020B0609020204030204" pitchFamily="49" charset="0"/>
               </a:rPr>
               <a:t>default</a:t>
             </a:r>
             <a:r>
-              <a:rPr lang="en-US" dirty="0">
+              <a:rPr lang="en-US" sz="2000" dirty="0">
                 <a:solidFill>
                   <a:srgbClr val="3B3B3B"/>
                 </a:solidFill>
                 <a:latin typeface="Consolas" panose="020B0609020204030204" pitchFamily="49" charset="0"/>
+                <a:cs typeface="Consolas" panose="020B0609020204030204" pitchFamily="49" charset="0"/>
               </a:rPr>
               <a:t> </a:t>
             </a:r>
             <a:r>
-              <a:rPr lang="en-US" dirty="0">
+              <a:rPr lang="en-US" sz="2000" dirty="0">
                 <a:solidFill>
                   <a:srgbClr val="0000FF"/>
                 </a:solidFill>
                 <a:latin typeface="Consolas" panose="020B0609020204030204" pitchFamily="49" charset="0"/>
+                <a:cs typeface="Consolas" panose="020B0609020204030204" pitchFamily="49" charset="0"/>
               </a:rPr>
               <a:t>function</a:t>
             </a:r>
             <a:r>
-              <a:rPr lang="en-US" dirty="0">
+              <a:rPr lang="en-US" sz="2000" dirty="0">
                 <a:solidFill>
                   <a:srgbClr val="3B3B3B"/>
                 </a:solidFill>
                 <a:latin typeface="Consolas" panose="020B0609020204030204" pitchFamily="49" charset="0"/>
+                <a:cs typeface="Consolas" panose="020B0609020204030204" pitchFamily="49" charset="0"/>
               </a:rPr>
               <a:t> </a:t>
             </a:r>
             <a:r>
-              <a:rPr lang="en-US" dirty="0">
+              <a:rPr lang="en-US" sz="2000" dirty="0">
                 <a:solidFill>
                   <a:srgbClr val="795E26"/>
                 </a:solidFill>
                 <a:latin typeface="Consolas" panose="020B0609020204030204" pitchFamily="49" charset="0"/>
+                <a:cs typeface="Consolas" panose="020B0609020204030204" pitchFamily="49" charset="0"/>
               </a:rPr>
               <a:t>search</a:t>
             </a:r>
             <a:r>
-              <a:rPr lang="en-US" dirty="0">
+              <a:rPr lang="en-US" sz="2000" dirty="0">
                 <a:solidFill>
                   <a:srgbClr val="3B3B3B"/>
                 </a:solidFill>
                 <a:latin typeface="Consolas" panose="020B0609020204030204" pitchFamily="49" charset="0"/>
+                <a:cs typeface="Consolas" panose="020B0609020204030204" pitchFamily="49" charset="0"/>
               </a:rPr>
               <a:t>(</a:t>
             </a:r>
             <a:r>
-              <a:rPr lang="en-US" dirty="0" err="1">
+              <a:rPr lang="en-US" sz="2000" dirty="0" err="1">
                 <a:solidFill>
                   <a:srgbClr val="001080"/>
                 </a:solidFill>
                 <a:latin typeface="Consolas" panose="020B0609020204030204" pitchFamily="49" charset="0"/>
+                <a:cs typeface="Consolas" panose="020B0609020204030204" pitchFamily="49" charset="0"/>
               </a:rPr>
               <a:t>list</a:t>
             </a:r>
             <a:r>
-              <a:rPr lang="en-US" dirty="0" err="1">
+              <a:rPr lang="en-US" sz="2000" dirty="0" err="1">
                 <a:solidFill>
                   <a:srgbClr val="000000"/>
                 </a:solidFill>
                 <a:latin typeface="Consolas" panose="020B0609020204030204" pitchFamily="49" charset="0"/>
+                <a:cs typeface="Consolas" panose="020B0609020204030204" pitchFamily="49" charset="0"/>
               </a:rPr>
               <a:t>:</a:t>
             </a:r>
             <a:r>
-              <a:rPr lang="en-US" dirty="0" err="1">
+              <a:rPr lang="en-US" sz="2000" dirty="0" err="1">
                 <a:solidFill>
                   <a:srgbClr val="267F99"/>
                 </a:solidFill>
                 <a:latin typeface="Consolas" panose="020B0609020204030204" pitchFamily="49" charset="0"/>
+                <a:cs typeface="Consolas" panose="020B0609020204030204" pitchFamily="49" charset="0"/>
               </a:rPr>
               <a:t>number</a:t>
             </a:r>
             <a:r>
-              <a:rPr lang="en-US" dirty="0">
+              <a:rPr lang="en-US" sz="2000" dirty="0">
                 <a:solidFill>
                   <a:srgbClr val="3B3B3B"/>
                 </a:solidFill>
                 <a:latin typeface="Consolas" panose="020B0609020204030204" pitchFamily="49" charset="0"/>
+                <a:cs typeface="Consolas" panose="020B0609020204030204" pitchFamily="49" charset="0"/>
               </a:rPr>
               <a:t>[], </a:t>
             </a:r>
             <a:r>
-              <a:rPr lang="en-US" dirty="0" err="1">
+              <a:rPr lang="en-US" sz="2000" dirty="0" err="1">
                 <a:solidFill>
                   <a:srgbClr val="001080"/>
                 </a:solidFill>
                 <a:latin typeface="Consolas" panose="020B0609020204030204" pitchFamily="49" charset="0"/>
+                <a:cs typeface="Consolas" panose="020B0609020204030204" pitchFamily="49" charset="0"/>
               </a:rPr>
               <a:t>target</a:t>
             </a:r>
             <a:r>
-              <a:rPr lang="en-US" dirty="0" err="1">
+              <a:rPr lang="en-US" sz="2000" dirty="0" err="1">
                 <a:solidFill>
                   <a:srgbClr val="000000"/>
                 </a:solidFill>
                 <a:latin typeface="Consolas" panose="020B0609020204030204" pitchFamily="49" charset="0"/>
+                <a:cs typeface="Consolas" panose="020B0609020204030204" pitchFamily="49" charset="0"/>
               </a:rPr>
               <a:t>:</a:t>
             </a:r>
             <a:r>
-              <a:rPr lang="en-US" dirty="0" err="1">
+              <a:rPr lang="en-US" sz="2000" dirty="0" err="1">
                 <a:solidFill>
                   <a:srgbClr val="267F99"/>
                 </a:solidFill>
                 <a:latin typeface="Consolas" panose="020B0609020204030204" pitchFamily="49" charset="0"/>
+                <a:cs typeface="Consolas" panose="020B0609020204030204" pitchFamily="49" charset="0"/>
               </a:rPr>
               <a:t>number</a:t>
             </a:r>
             <a:r>
-              <a:rPr lang="en-US" dirty="0">
+              <a:rPr lang="en-US" sz="2000" dirty="0">
                 <a:solidFill>
                   <a:srgbClr val="3B3B3B"/>
                 </a:solidFill>
                 <a:latin typeface="Consolas" panose="020B0609020204030204" pitchFamily="49" charset="0"/>
+                <a:cs typeface="Consolas" panose="020B0609020204030204" pitchFamily="49" charset="0"/>
               </a:rPr>
               <a:t>) {</a:t>
             </a:r>
           </a:p>
           <a:p>
             <a:r>
-              <a:rPr lang="en-US" dirty="0">
+              <a:rPr lang="en-US" sz="2000" dirty="0">
                 <a:solidFill>
                   <a:srgbClr val="3B3B3B"/>
                 </a:solidFill>
                 <a:latin typeface="Consolas" panose="020B0609020204030204" pitchFamily="49" charset="0"/>
+                <a:cs typeface="Consolas" panose="020B0609020204030204" pitchFamily="49" charset="0"/>
               </a:rPr>
               <a:t>    </a:t>
             </a:r>
             <a:r>
-              <a:rPr lang="en-US" dirty="0">
+              <a:rPr lang="en-US" sz="2000" dirty="0">
                 <a:solidFill>
                   <a:srgbClr val="AF00DB"/>
                 </a:solidFill>
                 <a:latin typeface="Consolas" panose="020B0609020204030204" pitchFamily="49" charset="0"/>
+                <a:cs typeface="Consolas" panose="020B0609020204030204" pitchFamily="49" charset="0"/>
               </a:rPr>
               <a:t>return</a:t>
             </a:r>
             <a:r>
-              <a:rPr lang="en-US" dirty="0">
+              <a:rPr lang="en-US" sz="2000" dirty="0">
                 <a:solidFill>
                   <a:srgbClr val="3B3B3B"/>
                 </a:solidFill>
                 <a:latin typeface="Consolas" panose="020B0609020204030204" pitchFamily="49" charset="0"/>
+                <a:cs typeface="Consolas" panose="020B0609020204030204" pitchFamily="49" charset="0"/>
               </a:rPr>
               <a:t> </a:t>
             </a:r>
             <a:r>
-              <a:rPr lang="en-US" dirty="0" err="1">
+              <a:rPr lang="en-US" sz="2000" dirty="0" err="1">
                 <a:solidFill>
                   <a:srgbClr val="001080"/>
                 </a:solidFill>
                 <a:latin typeface="Consolas" panose="020B0609020204030204" pitchFamily="49" charset="0"/>
+                <a:cs typeface="Consolas" panose="020B0609020204030204" pitchFamily="49" charset="0"/>
               </a:rPr>
               <a:t>list</a:t>
             </a:r>
             <a:r>
-              <a:rPr lang="en-US" dirty="0" err="1">
+              <a:rPr lang="en-US" sz="2000" dirty="0" err="1">
                 <a:solidFill>
                   <a:srgbClr val="3B3B3B"/>
                 </a:solidFill>
                 <a:latin typeface="Consolas" panose="020B0609020204030204" pitchFamily="49" charset="0"/>
+                <a:cs typeface="Consolas" panose="020B0609020204030204" pitchFamily="49" charset="0"/>
               </a:rPr>
               <a:t>.</a:t>
             </a:r>
             <a:r>
-              <a:rPr lang="en-US" dirty="0" err="1">
+              <a:rPr lang="en-US" sz="2000" dirty="0" err="1">
                 <a:solidFill>
                   <a:srgbClr val="795E26"/>
                 </a:solidFill>
                 <a:latin typeface="Consolas" panose="020B0609020204030204" pitchFamily="49" charset="0"/>
+                <a:cs typeface="Consolas" panose="020B0609020204030204" pitchFamily="49" charset="0"/>
               </a:rPr>
               <a:t>find</a:t>
             </a:r>
             <a:r>
-              <a:rPr lang="en-US" dirty="0">
+              <a:rPr lang="en-US" sz="2000" dirty="0">
                 <a:solidFill>
                   <a:srgbClr val="3B3B3B"/>
                 </a:solidFill>
                 <a:latin typeface="Consolas" panose="020B0609020204030204" pitchFamily="49" charset="0"/>
+                <a:cs typeface="Consolas" panose="020B0609020204030204" pitchFamily="49" charset="0"/>
               </a:rPr>
               <a:t>((</a:t>
             </a:r>
             <a:r>
-              <a:rPr lang="en-US" dirty="0">
+              <a:rPr lang="en-US" sz="2000" dirty="0">
                 <a:solidFill>
                   <a:srgbClr val="001080"/>
                 </a:solidFill>
                 <a:latin typeface="Consolas" panose="020B0609020204030204" pitchFamily="49" charset="0"/>
+                <a:cs typeface="Consolas" panose="020B0609020204030204" pitchFamily="49" charset="0"/>
               </a:rPr>
               <a:t>item</a:t>
             </a:r>
             <a:r>
-              <a:rPr lang="en-US" dirty="0">
+              <a:rPr lang="en-US" sz="2000" dirty="0">
                 <a:solidFill>
                   <a:srgbClr val="3B3B3B"/>
                 </a:solidFill>
                 <a:latin typeface="Consolas" panose="020B0609020204030204" pitchFamily="49" charset="0"/>
+                <a:cs typeface="Consolas" panose="020B0609020204030204" pitchFamily="49" charset="0"/>
               </a:rPr>
               <a:t>) </a:t>
             </a:r>
             <a:r>
-              <a:rPr lang="en-US" dirty="0">
+              <a:rPr lang="en-US" sz="2000" dirty="0">
                 <a:solidFill>
                   <a:srgbClr val="0000FF"/>
                 </a:solidFill>
                 <a:latin typeface="Consolas" panose="020B0609020204030204" pitchFamily="49" charset="0"/>
+                <a:cs typeface="Consolas" panose="020B0609020204030204" pitchFamily="49" charset="0"/>
               </a:rPr>
               <a:t>=&gt;</a:t>
             </a:r>
             <a:r>
-              <a:rPr lang="en-US" dirty="0">
+              <a:rPr lang="en-US" sz="2000" dirty="0">
                 <a:solidFill>
                   <a:srgbClr val="3B3B3B"/>
                 </a:solidFill>
                 <a:latin typeface="Consolas" panose="020B0609020204030204" pitchFamily="49" charset="0"/>
+                <a:cs typeface="Consolas" panose="020B0609020204030204" pitchFamily="49" charset="0"/>
               </a:rPr>
               <a:t> </a:t>
             </a:r>
             <a:r>
-              <a:rPr lang="en-US" dirty="0">
+              <a:rPr lang="en-US" sz="2000" dirty="0">
                 <a:solidFill>
                   <a:srgbClr val="001080"/>
                 </a:solidFill>
                 <a:latin typeface="Consolas" panose="020B0609020204030204" pitchFamily="49" charset="0"/>
+                <a:cs typeface="Consolas" panose="020B0609020204030204" pitchFamily="49" charset="0"/>
               </a:rPr>
               <a:t>item</a:t>
             </a:r>
             <a:r>
-              <a:rPr lang="en-US" dirty="0">
+              <a:rPr lang="en-US" sz="2000" dirty="0">
                 <a:solidFill>
                   <a:srgbClr val="3B3B3B"/>
                 </a:solidFill>
                 <a:latin typeface="Consolas" panose="020B0609020204030204" pitchFamily="49" charset="0"/>
+                <a:cs typeface="Consolas" panose="020B0609020204030204" pitchFamily="49" charset="0"/>
               </a:rPr>
               <a:t> </a:t>
             </a:r>
             <a:r>
-              <a:rPr lang="en-US" dirty="0">
+              <a:rPr lang="en-US" sz="2000" dirty="0">
                 <a:solidFill>
                   <a:srgbClr val="000000"/>
                 </a:solidFill>
                 <a:latin typeface="Consolas" panose="020B0609020204030204" pitchFamily="49" charset="0"/>
+                <a:cs typeface="Consolas" panose="020B0609020204030204" pitchFamily="49" charset="0"/>
               </a:rPr>
               <a:t>&gt;=</a:t>
             </a:r>
             <a:r>
-              <a:rPr lang="en-US" dirty="0">
+              <a:rPr lang="en-US" sz="2000" dirty="0">
                 <a:solidFill>
                   <a:srgbClr val="3B3B3B"/>
                 </a:solidFill>
                 <a:latin typeface="Consolas" panose="020B0609020204030204" pitchFamily="49" charset="0"/>
+                <a:cs typeface="Consolas" panose="020B0609020204030204" pitchFamily="49" charset="0"/>
               </a:rPr>
               <a:t> </a:t>
             </a:r>
             <a:r>
-              <a:rPr lang="en-US" dirty="0">
+              <a:rPr lang="en-US" sz="2000" dirty="0">
                 <a:solidFill>
                   <a:srgbClr val="001080"/>
                 </a:solidFill>
                 <a:latin typeface="Consolas" panose="020B0609020204030204" pitchFamily="49" charset="0"/>
+                <a:cs typeface="Consolas" panose="020B0609020204030204" pitchFamily="49" charset="0"/>
               </a:rPr>
               <a:t>target</a:t>
             </a:r>
             <a:r>
-              <a:rPr lang="en-US" dirty="0">
+              <a:rPr lang="en-US" sz="2000" dirty="0">
                 <a:solidFill>
                   <a:srgbClr val="3B3B3B"/>
                 </a:solidFill>
                 <a:latin typeface="Consolas" panose="020B0609020204030204" pitchFamily="49" charset="0"/>
+                <a:cs typeface="Consolas" panose="020B0609020204030204" pitchFamily="49" charset="0"/>
               </a:rPr>
               <a:t>);</a:t>
             </a:r>
           </a:p>
           <a:p>
             <a:r>
-              <a:rPr lang="en-US" dirty="0">
+              <a:rPr lang="en-US" sz="2000" dirty="0">
                 <a:solidFill>
                   <a:srgbClr val="3B3B3B"/>
                 </a:solidFill>
                 <a:latin typeface="Consolas" panose="020B0609020204030204" pitchFamily="49" charset="0"/>
+                <a:cs typeface="Consolas" panose="020B0609020204030204" pitchFamily="49" charset="0"/>
               </a:rPr>
               <a:t>}</a:t>
             </a:r>
             <a:r>
-              <a:rPr lang="en-US" dirty="0"/>
+              <a:rPr lang="en-US" sz="2000" dirty="0">
+                <a:latin typeface="Consolas" panose="020B0609020204030204" pitchFamily="49" charset="0"/>
+                <a:cs typeface="Consolas" panose="020B0609020204030204" pitchFamily="49" charset="0"/>
+              </a:rPr>
               <a:t>               </a:t>
             </a:r>
-            <a:endParaRPr dirty="0"/>
+            <a:endParaRPr sz="2000" dirty="0">
+              <a:latin typeface="Consolas" panose="020B0609020204030204" pitchFamily="49" charset="0"/>
+              <a:cs typeface="Consolas" panose="020B0609020204030204" pitchFamily="49" charset="0"/>
+            </a:endParaRPr>
           </a:p>
         </p:txBody>
       </p:sp>
@@ -8969,7 +9964,7 @@
           </a:ln>
           <a:extLst>
             <a:ext uri="{C572A759-6A51-4108-AA02-DFA0A04FC94B}">
-              <ma14:wrappingTextBoxFlag xmlns:ma14="http://schemas.microsoft.com/office/mac/drawingml/2011/main" xmlns:a14="http://schemas.microsoft.com/office/drawing/2010/main" xmlns:m="http://schemas.openxmlformats.org/officeDocument/2006/math" xmlns="" val="1"/>
+              <ma14:wrappingTextBoxFlag xmlns="" xmlns:m="http://schemas.openxmlformats.org/officeDocument/2006/math" xmlns:a14="http://schemas.microsoft.com/office/drawing/2010/main" xmlns:ma14="http://schemas.microsoft.com/office/mac/drawingml/2011/main" val="1"/>
             </a:ext>
           </a:extLst>
         </p:spPr>
@@ -9006,7 +10001,7 @@
           </a:ln>
           <a:extLst>
             <a:ext uri="{C572A759-6A51-4108-AA02-DFA0A04FC94B}">
-              <ma14:wrappingTextBoxFlag xmlns:ma14="http://schemas.microsoft.com/office/mac/drawingml/2011/main" xmlns:a14="http://schemas.microsoft.com/office/drawing/2010/main" xmlns:m="http://schemas.openxmlformats.org/officeDocument/2006/math" xmlns="" val="1"/>
+              <ma14:wrappingTextBoxFlag xmlns="" xmlns:m="http://schemas.openxmlformats.org/officeDocument/2006/math" xmlns:a14="http://schemas.microsoft.com/office/drawing/2010/main" xmlns:ma14="http://schemas.microsoft.com/office/mac/drawingml/2011/main" val="1"/>
             </a:ext>
           </a:extLst>
         </p:spPr>
@@ -9042,9 +10037,9 @@
         <p:grpSpPr>
           <a:xfrm>
             <a:off x="1104030" y="4276021"/>
-            <a:ext cx="8036174" cy="1892826"/>
+            <a:ext cx="8930650" cy="1938992"/>
             <a:chOff x="2222476" y="8248054"/>
-            <a:chExt cx="16072346" cy="3785652"/>
+            <a:chExt cx="17861298" cy="3877984"/>
           </a:xfrm>
         </p:grpSpPr>
         <p:sp>
@@ -9056,7 +10051,7 @@
           <p:spPr>
             <a:xfrm>
               <a:off x="2222476" y="8248054"/>
-              <a:ext cx="16072346" cy="3785652"/>
+              <a:ext cx="17861298" cy="3877984"/>
             </a:xfrm>
             <a:prstGeom prst="rect">
               <a:avLst/>
@@ -9069,7 +10064,7 @@
             </a:ln>
             <a:extLst>
               <a:ext uri="{C572A759-6A51-4108-AA02-DFA0A04FC94B}">
-                <ma14:wrappingTextBoxFlag xmlns:ma14="http://schemas.microsoft.com/office/mac/drawingml/2011/main" xmlns:a14="http://schemas.microsoft.com/office/drawing/2010/main" xmlns:m="http://schemas.openxmlformats.org/officeDocument/2006/math" xmlns="" val="1"/>
+                <ma14:wrappingTextBoxFlag xmlns="" xmlns:m="http://schemas.openxmlformats.org/officeDocument/2006/math" xmlns:a14="http://schemas.microsoft.com/office/drawing/2010/main" xmlns:ma14="http://schemas.microsoft.com/office/mac/drawingml/2011/main" val="1"/>
               </a:ext>
             </a:extLst>
           </p:spPr>
@@ -9080,14 +10075,7 @@
             <a:lstStyle/>
             <a:p>
               <a:r>
-                <a:rPr lang="en-US" dirty="0">
-                  <a:latin typeface="Consolas" panose="020B0609020204030204" pitchFamily="49" charset="0"/>
-                  <a:cs typeface="Consolas" panose="020B0609020204030204" pitchFamily="49" charset="0"/>
-                </a:rPr>
-                <a:t> </a:t>
-              </a:r>
-              <a:r>
-                <a:rPr lang="en-US" dirty="0">
+                <a:rPr lang="en-US" sz="2000" dirty="0">
                   <a:solidFill>
                     <a:srgbClr val="008000"/>
                   </a:solidFill>
@@ -9096,7 +10084,7 @@
                 </a:rPr>
                 <a:t>// find the first item in the list that is </a:t>
               </a:r>
-              <a:endParaRPr lang="en-US" dirty="0">
+              <a:endParaRPr lang="en-US" sz="2000" dirty="0">
                 <a:solidFill>
                   <a:srgbClr val="3B3B3B"/>
                 </a:solidFill>
@@ -9106,7 +10094,7 @@
             </a:p>
             <a:p>
               <a:r>
-                <a:rPr lang="en-US" dirty="0">
+                <a:rPr lang="en-US" sz="2000" dirty="0">
                   <a:solidFill>
                     <a:srgbClr val="008000"/>
                   </a:solidFill>
@@ -9115,7 +10103,7 @@
                 </a:rPr>
                 <a:t>// greater than or equal to the target.</a:t>
               </a:r>
-              <a:endParaRPr lang="en-US" dirty="0">
+              <a:endParaRPr lang="en-US" sz="2000" dirty="0">
                 <a:solidFill>
                   <a:srgbClr val="3B3B3B"/>
                 </a:solidFill>
@@ -9125,7 +10113,7 @@
             </a:p>
             <a:p>
               <a:r>
-                <a:rPr lang="en-US" dirty="0">
+                <a:rPr lang="en-US" sz="2000" dirty="0">
                   <a:solidFill>
                     <a:srgbClr val="AF00DB"/>
                   </a:solidFill>
@@ -9135,7 +10123,7 @@
                 <a:t>export</a:t>
               </a:r>
               <a:r>
-                <a:rPr lang="en-US" dirty="0">
+                <a:rPr lang="en-US" sz="2000" dirty="0">
                   <a:solidFill>
                     <a:srgbClr val="3B3B3B"/>
                   </a:solidFill>
@@ -9145,7 +10133,7 @@
                 <a:t> </a:t>
               </a:r>
               <a:r>
-                <a:rPr lang="en-US" dirty="0">
+                <a:rPr lang="en-US" sz="2000" dirty="0">
                   <a:solidFill>
                     <a:srgbClr val="AF00DB"/>
                   </a:solidFill>
@@ -9155,7 +10143,7 @@
                 <a:t>default</a:t>
               </a:r>
               <a:r>
-                <a:rPr lang="en-US" dirty="0">
+                <a:rPr lang="en-US" sz="2000" dirty="0">
                   <a:solidFill>
                     <a:srgbClr val="3B3B3B"/>
                   </a:solidFill>
@@ -9165,7 +10153,7 @@
                 <a:t> </a:t>
               </a:r>
               <a:r>
-                <a:rPr lang="en-US" dirty="0">
+                <a:rPr lang="en-US" sz="2000" dirty="0">
                   <a:solidFill>
                     <a:srgbClr val="0000FF"/>
                   </a:solidFill>
@@ -9175,7 +10163,7 @@
                 <a:t>function</a:t>
               </a:r>
               <a:r>
-                <a:rPr lang="en-US" dirty="0">
+                <a:rPr lang="en-US" sz="2000" dirty="0">
                   <a:solidFill>
                     <a:srgbClr val="3B3B3B"/>
                   </a:solidFill>
@@ -9185,7 +10173,7 @@
                 <a:t> </a:t>
               </a:r>
               <a:r>
-                <a:rPr lang="en-US" dirty="0">
+                <a:rPr lang="en-US" sz="2000" dirty="0">
                   <a:solidFill>
                     <a:srgbClr val="795E26"/>
                   </a:solidFill>
@@ -9195,7 +10183,7 @@
                 <a:t>search</a:t>
               </a:r>
               <a:r>
-                <a:rPr lang="en-US" dirty="0">
+                <a:rPr lang="en-US" sz="2000" dirty="0">
                   <a:solidFill>
                     <a:srgbClr val="3B3B3B"/>
                   </a:solidFill>
@@ -9205,7 +10193,7 @@
                 <a:t>(</a:t>
               </a:r>
               <a:r>
-                <a:rPr lang="en-US" dirty="0" err="1">
+                <a:rPr lang="en-US" sz="2000" dirty="0" err="1">
                   <a:solidFill>
                     <a:srgbClr val="001080"/>
                   </a:solidFill>
@@ -9215,7 +10203,7 @@
                 <a:t>list</a:t>
               </a:r>
               <a:r>
-                <a:rPr lang="en-US" dirty="0" err="1">
+                <a:rPr lang="en-US" sz="2000" dirty="0" err="1">
                   <a:solidFill>
                     <a:srgbClr val="000000"/>
                   </a:solidFill>
@@ -9225,7 +10213,7 @@
                 <a:t>:</a:t>
               </a:r>
               <a:r>
-                <a:rPr lang="en-US" dirty="0" err="1">
+                <a:rPr lang="en-US" sz="2000" dirty="0" err="1">
                   <a:solidFill>
                     <a:srgbClr val="267F99"/>
                   </a:solidFill>
@@ -9235,7 +10223,7 @@
                 <a:t>number</a:t>
               </a:r>
               <a:r>
-                <a:rPr lang="en-US" dirty="0">
+                <a:rPr lang="en-US" sz="2000" dirty="0">
                   <a:solidFill>
                     <a:srgbClr val="3B3B3B"/>
                   </a:solidFill>
@@ -9245,7 +10233,7 @@
                 <a:t>[], </a:t>
               </a:r>
               <a:r>
-                <a:rPr lang="en-US" dirty="0" err="1">
+                <a:rPr lang="en-US" sz="2000" dirty="0" err="1">
                   <a:solidFill>
                     <a:srgbClr val="001080"/>
                   </a:solidFill>
@@ -9255,7 +10243,7 @@
                 <a:t>target</a:t>
               </a:r>
               <a:r>
-                <a:rPr lang="en-US" dirty="0" err="1">
+                <a:rPr lang="en-US" sz="2000" dirty="0" err="1">
                   <a:solidFill>
                     <a:srgbClr val="000000"/>
                   </a:solidFill>
@@ -9265,7 +10253,7 @@
                 <a:t>:</a:t>
               </a:r>
               <a:r>
-                <a:rPr lang="en-US" dirty="0" err="1">
+                <a:rPr lang="en-US" sz="2000" dirty="0" err="1">
                   <a:solidFill>
                     <a:srgbClr val="267F99"/>
                   </a:solidFill>
@@ -9275,7 +10263,7 @@
                 <a:t>number</a:t>
               </a:r>
               <a:r>
-                <a:rPr lang="en-US" dirty="0">
+                <a:rPr lang="en-US" sz="2000" dirty="0">
                   <a:solidFill>
                     <a:srgbClr val="3B3B3B"/>
                   </a:solidFill>
@@ -9287,7 +10275,7 @@
             </a:p>
             <a:p>
               <a:r>
-                <a:rPr lang="en-US" dirty="0">
+                <a:rPr lang="en-US" sz="2000" dirty="0">
                   <a:solidFill>
                     <a:srgbClr val="3B3B3B"/>
                   </a:solidFill>
@@ -9297,7 +10285,7 @@
                 <a:t>    </a:t>
               </a:r>
               <a:r>
-                <a:rPr lang="en-US" dirty="0">
+                <a:rPr lang="en-US" sz="2000" dirty="0">
                   <a:solidFill>
                     <a:srgbClr val="AF00DB"/>
                   </a:solidFill>
@@ -9307,7 +10295,7 @@
                 <a:t>return</a:t>
               </a:r>
               <a:r>
-                <a:rPr lang="en-US" dirty="0">
+                <a:rPr lang="en-US" sz="2000" dirty="0">
                   <a:solidFill>
                     <a:srgbClr val="3B3B3B"/>
                   </a:solidFill>
@@ -9317,7 +10305,7 @@
                 <a:t> </a:t>
               </a:r>
               <a:r>
-                <a:rPr lang="en-US" dirty="0" err="1">
+                <a:rPr lang="en-US" sz="2000" dirty="0" err="1">
                   <a:solidFill>
                     <a:srgbClr val="001080"/>
                   </a:solidFill>
@@ -9327,7 +10315,7 @@
                 <a:t>list</a:t>
               </a:r>
               <a:r>
-                <a:rPr lang="en-US" dirty="0" err="1">
+                <a:rPr lang="en-US" sz="2000" dirty="0" err="1">
                   <a:solidFill>
                     <a:srgbClr val="3B3B3B"/>
                   </a:solidFill>
@@ -9337,7 +10325,7 @@
                 <a:t>.</a:t>
               </a:r>
               <a:r>
-                <a:rPr lang="en-US" dirty="0" err="1">
+                <a:rPr lang="en-US" sz="2000" dirty="0" err="1">
                   <a:solidFill>
                     <a:srgbClr val="795E26"/>
                   </a:solidFill>
@@ -9347,7 +10335,7 @@
                 <a:t>find</a:t>
               </a:r>
               <a:r>
-                <a:rPr lang="en-US" dirty="0">
+                <a:rPr lang="en-US" sz="2000" dirty="0">
                   <a:solidFill>
                     <a:srgbClr val="3B3B3B"/>
                   </a:solidFill>
@@ -9357,7 +10345,7 @@
                 <a:t>((</a:t>
               </a:r>
               <a:r>
-                <a:rPr lang="en-US" dirty="0">
+                <a:rPr lang="en-US" sz="2000" dirty="0">
                   <a:solidFill>
                     <a:srgbClr val="001080"/>
                   </a:solidFill>
@@ -9367,7 +10355,7 @@
                 <a:t>item</a:t>
               </a:r>
               <a:r>
-                <a:rPr lang="en-US" dirty="0">
+                <a:rPr lang="en-US" sz="2000" dirty="0">
                   <a:solidFill>
                     <a:srgbClr val="3B3B3B"/>
                   </a:solidFill>
@@ -9377,7 +10365,7 @@
                 <a:t>) </a:t>
               </a:r>
               <a:r>
-                <a:rPr lang="en-US" dirty="0">
+                <a:rPr lang="en-US" sz="2000" dirty="0">
                   <a:solidFill>
                     <a:srgbClr val="0000FF"/>
                   </a:solidFill>
@@ -9387,7 +10375,7 @@
                 <a:t>=&gt;</a:t>
               </a:r>
               <a:r>
-                <a:rPr lang="en-US" dirty="0">
+                <a:rPr lang="en-US" sz="2000" dirty="0">
                   <a:solidFill>
                     <a:srgbClr val="3B3B3B"/>
                   </a:solidFill>
@@ -9397,7 +10385,7 @@
                 <a:t> </a:t>
               </a:r>
               <a:r>
-                <a:rPr lang="en-US" dirty="0">
+                <a:rPr lang="en-US" sz="2000" dirty="0">
                   <a:solidFill>
                     <a:srgbClr val="001080"/>
                   </a:solidFill>
@@ -9407,7 +10395,7 @@
                 <a:t>item</a:t>
               </a:r>
               <a:r>
-                <a:rPr lang="en-US" dirty="0">
+                <a:rPr lang="en-US" sz="2000" dirty="0">
                   <a:solidFill>
                     <a:srgbClr val="3B3B3B"/>
                   </a:solidFill>
@@ -9417,7 +10405,7 @@
                 <a:t> </a:t>
               </a:r>
               <a:r>
-                <a:rPr lang="en-US" dirty="0">
+                <a:rPr lang="en-US" sz="2000" dirty="0">
                   <a:solidFill>
                     <a:srgbClr val="000000"/>
                   </a:solidFill>
@@ -9427,7 +10415,7 @@
                 <a:t>&gt;</a:t>
               </a:r>
               <a:r>
-                <a:rPr lang="en-US" dirty="0">
+                <a:rPr lang="en-US" sz="2000" dirty="0">
                   <a:solidFill>
                     <a:srgbClr val="3B3B3B"/>
                   </a:solidFill>
@@ -9437,7 +10425,7 @@
                 <a:t> </a:t>
               </a:r>
               <a:r>
-                <a:rPr lang="en-US" dirty="0">
+                <a:rPr lang="en-US" sz="2000" dirty="0">
                   <a:solidFill>
                     <a:srgbClr val="001080"/>
                   </a:solidFill>
@@ -9447,7 +10435,7 @@
                 <a:t>target</a:t>
               </a:r>
               <a:r>
-                <a:rPr lang="en-US" dirty="0">
+                <a:rPr lang="en-US" sz="2000" dirty="0">
                   <a:solidFill>
                     <a:srgbClr val="3B3B3B"/>
                   </a:solidFill>
@@ -9459,7 +10447,7 @@
             </a:p>
             <a:p>
               <a:r>
-                <a:rPr lang="en-US" dirty="0">
+                <a:rPr lang="en-US" sz="2000" dirty="0">
                   <a:solidFill>
                     <a:srgbClr val="3B3B3B"/>
                   </a:solidFill>
@@ -9482,13 +10470,13 @@
                 </a:defRPr>
               </a:pPr>
               <a:r>
-                <a:rPr lang="en-US" dirty="0">
+                <a:rPr lang="en-US" sz="2000" dirty="0">
                   <a:latin typeface="Consolas" panose="020B0609020204030204" pitchFamily="49" charset="0"/>
                   <a:cs typeface="Consolas" panose="020B0609020204030204" pitchFamily="49" charset="0"/>
                 </a:rPr>
                 <a:t>    </a:t>
               </a:r>
-              <a:endParaRPr dirty="0">
+              <a:endParaRPr sz="2000" dirty="0">
                 <a:latin typeface="Consolas" panose="020B0609020204030204" pitchFamily="49" charset="0"/>
                 <a:cs typeface="Consolas" panose="020B0609020204030204" pitchFamily="49" charset="0"/>
               </a:endParaRPr>
@@ -9503,8 +10491,8 @@
           </p:nvSpPr>
           <p:spPr>
             <a:xfrm>
-              <a:off x="10037349" y="9836414"/>
-              <a:ext cx="3786850" cy="902736"/>
+              <a:off x="10782415" y="10031984"/>
+              <a:ext cx="4133334" cy="902736"/>
             </a:xfrm>
             <a:prstGeom prst="rect">
               <a:avLst/>
@@ -9585,7 +10573,7 @@
 </p:sld>
 </file>
 
-<file path=ppt/slides/slide16.xml><?xml version="1.0" encoding="utf-8"?>
+<file path=ppt/slides/slide17.xml><?xml version="1.0" encoding="utf-8"?>
 <p:sld xmlns:a="http://schemas.openxmlformats.org/drawingml/2006/main" xmlns:r="http://schemas.openxmlformats.org/officeDocument/2006/relationships" xmlns:p="http://schemas.openxmlformats.org/presentationml/2006/main">
   <p:cSld>
     <p:spTree>
@@ -9707,7 +10695,7 @@
           </a:ln>
           <a:extLst>
             <a:ext uri="{C572A759-6A51-4108-AA02-DFA0A04FC94B}">
-              <ma14:wrappingTextBoxFlag xmlns:ma14="http://schemas.microsoft.com/office/mac/drawingml/2011/main" xmlns:a14="http://schemas.microsoft.com/office/drawing/2010/main" xmlns:m="http://schemas.openxmlformats.org/officeDocument/2006/math" xmlns="" val="1"/>
+              <ma14:wrappingTextBoxFlag xmlns="" xmlns:m="http://schemas.openxmlformats.org/officeDocument/2006/math" xmlns:a14="http://schemas.microsoft.com/office/drawing/2010/main" xmlns:ma14="http://schemas.microsoft.com/office/mac/drawingml/2011/main" val="1"/>
             </a:ext>
           </a:extLst>
         </p:spPr>
@@ -10017,7 +11005,7 @@
             <a:fld id="{86CB4B4D-7CA3-9044-876B-883B54F8677D}" type="slidenum">
               <a:rPr lang="en-US" smtClean="0"/>
               <a:pPr/>
-              <a:t>16</a:t>
+              <a:t>17</a:t>
             </a:fld>
             <a:endParaRPr/>
           </a:p>
@@ -10072,7 +11060,7 @@
 </p:sld>
 </file>
 
-<file path=ppt/slides/slide17.xml><?xml version="1.0" encoding="utf-8"?>
+<file path=ppt/slides/slide18.xml><?xml version="1.0" encoding="utf-8"?>
 <p:sld xmlns:a="http://schemas.openxmlformats.org/drawingml/2006/main" xmlns:r="http://schemas.openxmlformats.org/officeDocument/2006/relationships" xmlns:p="http://schemas.openxmlformats.org/presentationml/2006/main">
   <p:cSld>
     <p:spTree>
@@ -10216,7 +11204,7 @@
           </a:ln>
           <a:extLst>
             <a:ext uri="{C572A759-6A51-4108-AA02-DFA0A04FC94B}">
-              <ma14:wrappingTextBoxFlag xmlns:ma14="http://schemas.microsoft.com/office/mac/drawingml/2011/main" xmlns:a14="http://schemas.microsoft.com/office/drawing/2010/main" xmlns:m="http://schemas.openxmlformats.org/officeDocument/2006/math" xmlns="" val="1"/>
+              <ma14:wrappingTextBoxFlag xmlns="" xmlns:m="http://schemas.openxmlformats.org/officeDocument/2006/math" xmlns:a14="http://schemas.microsoft.com/office/drawing/2010/main" xmlns:ma14="http://schemas.microsoft.com/office/mac/drawingml/2011/main" val="1"/>
             </a:ext>
           </a:extLst>
         </p:spPr>
@@ -10526,7 +11514,7 @@
             <a:fld id="{86CB4B4D-7CA3-9044-876B-883B54F8677D}" type="slidenum">
               <a:rPr lang="en-US" smtClean="0"/>
               <a:pPr/>
-              <a:t>17</a:t>
+              <a:t>18</a:t>
             </a:fld>
             <a:endParaRPr lang="en-US"/>
           </a:p>
@@ -10581,7 +11569,7 @@
 </p:sld>
 </file>
 
-<file path=ppt/slides/slide18.xml><?xml version="1.0" encoding="utf-8"?>
+<file path=ppt/slides/slide19.xml><?xml version="1.0" encoding="utf-8"?>
 <p:sld xmlns:a="http://schemas.openxmlformats.org/drawingml/2006/main" xmlns:r="http://schemas.openxmlformats.org/officeDocument/2006/relationships" xmlns:p="http://schemas.openxmlformats.org/presentationml/2006/main">
   <p:cSld>
     <p:spTree>
@@ -10708,7 +11696,7 @@
           </a:ln>
           <a:extLst>
             <a:ext uri="{C572A759-6A51-4108-AA02-DFA0A04FC94B}">
-              <ma14:wrappingTextBoxFlag xmlns="" xmlns:m="http://schemas.openxmlformats.org/officeDocument/2006/math" xmlns:a14="http://schemas.microsoft.com/office/drawing/2010/main" xmlns:ma14="http://schemas.microsoft.com/office/mac/drawingml/2011/main" val="1"/>
+              <ma14:wrappingTextBoxFlag xmlns:ma14="http://schemas.microsoft.com/office/mac/drawingml/2011/main" xmlns:a14="http://schemas.microsoft.com/office/drawing/2010/main" xmlns:m="http://schemas.openxmlformats.org/officeDocument/2006/math" xmlns="" val="1"/>
             </a:ext>
           </a:extLst>
         </p:spPr>
@@ -11018,7 +12006,7 @@
             <a:fld id="{86CB4B4D-7CA3-9044-876B-883B54F8677D}" type="slidenum">
               <a:rPr lang="en-US" smtClean="0"/>
               <a:pPr/>
-              <a:t>18</a:t>
+              <a:t>19</a:t>
             </a:fld>
             <a:endParaRPr/>
           </a:p>
@@ -11100,209 +12088,6 @@
 </p:sld>
 </file>
 
-<file path=ppt/slides/slide19.xml><?xml version="1.0" encoding="utf-8"?>
-<p:sld xmlns:a="http://schemas.openxmlformats.org/drawingml/2006/main" xmlns:r="http://schemas.openxmlformats.org/officeDocument/2006/relationships" xmlns:p="http://schemas.openxmlformats.org/presentationml/2006/main">
-  <p:cSld>
-    <p:spTree>
-      <p:nvGrpSpPr>
-        <p:cNvPr id="1" name="">
-          <a:extLst>
-            <a:ext uri="{FF2B5EF4-FFF2-40B4-BE49-F238E27FC236}">
-              <a16:creationId xmlns:a16="http://schemas.microsoft.com/office/drawing/2014/main" id="{73E0FFBE-9CD7-EF0D-03C9-1ECC1FD1A471}"/>
-            </a:ext>
-          </a:extLst>
-        </p:cNvPr>
-        <p:cNvGrpSpPr/>
-        <p:nvPr/>
-      </p:nvGrpSpPr>
-      <p:grpSpPr>
-        <a:xfrm>
-          <a:off x="0" y="0"/>
-          <a:ext cx="0" cy="0"/>
-          <a:chOff x="0" y="0"/>
-          <a:chExt cx="0" cy="0"/>
-        </a:xfrm>
-      </p:grpSpPr>
-      <p:sp>
-        <p:nvSpPr>
-          <p:cNvPr id="2" name="Title 1">
-            <a:extLst>
-              <a:ext uri="{FF2B5EF4-FFF2-40B4-BE49-F238E27FC236}">
-                <a16:creationId xmlns:a16="http://schemas.microsoft.com/office/drawing/2014/main" id="{283CA4F4-F8B8-C0D5-B76C-335333FDFEED}"/>
-              </a:ext>
-            </a:extLst>
-          </p:cNvPr>
-          <p:cNvSpPr>
-            <a:spLocks noGrp="1"/>
-          </p:cNvSpPr>
-          <p:nvPr>
-            <p:ph type="title"/>
-          </p:nvPr>
-        </p:nvSpPr>
-        <p:spPr>
-          <a:xfrm>
-            <a:off x="838200" y="18255"/>
-            <a:ext cx="10515600" cy="1325563"/>
-          </a:xfrm>
-        </p:spPr>
-        <p:txBody>
-          <a:bodyPr/>
-          <a:lstStyle/>
-          <a:p>
-            <a:r>
-              <a:rPr lang="en-US" dirty="0"/>
-              <a:t>Review</a:t>
-            </a:r>
-          </a:p>
-        </p:txBody>
-      </p:sp>
-      <p:sp>
-        <p:nvSpPr>
-          <p:cNvPr id="3" name="Content Placeholder 2">
-            <a:extLst>
-              <a:ext uri="{FF2B5EF4-FFF2-40B4-BE49-F238E27FC236}">
-                <a16:creationId xmlns:a16="http://schemas.microsoft.com/office/drawing/2014/main" id="{08938706-ABC4-7A7F-98FF-83D741E965D0}"/>
-              </a:ext>
-            </a:extLst>
-          </p:cNvPr>
-          <p:cNvSpPr>
-            <a:spLocks noGrp="1"/>
-          </p:cNvSpPr>
-          <p:nvPr>
-            <p:ph idx="1"/>
-          </p:nvPr>
-        </p:nvSpPr>
-        <p:spPr>
-          <a:xfrm>
-            <a:off x="838200" y="1500188"/>
-            <a:ext cx="7886700" cy="4856162"/>
-          </a:xfrm>
-        </p:spPr>
-        <p:txBody>
-          <a:bodyPr>
-            <a:normAutofit/>
-          </a:bodyPr>
-          <a:lstStyle/>
-          <a:p>
-            <a:pPr marL="0" indent="0">
-              <a:buNone/>
-            </a:pPr>
-            <a:r>
-              <a:rPr lang="en-US" dirty="0"/>
-              <a:t>It’s the end of the lesson, so you should be able to</a:t>
-            </a:r>
-          </a:p>
-          <a:p>
-            <a:pPr lvl="1"/>
-            <a:r>
-              <a:rPr lang="en-US" dirty="0"/>
-              <a:t>Explain what code coverage is, and how different measures differ, including statements, branches, functions, and lines</a:t>
-            </a:r>
-          </a:p>
-          <a:p>
-            <a:pPr lvl="1"/>
-            <a:r>
-              <a:rPr lang="en-US" dirty="0"/>
-              <a:t>Explain the benefits of mutation testing</a:t>
-            </a:r>
-          </a:p>
-          <a:p>
-            <a:r>
-              <a:rPr lang="en-US" dirty="0"/>
-              <a:t>When have you written enough tests?</a:t>
-            </a:r>
-          </a:p>
-          <a:p>
-            <a:pPr lvl="1"/>
-            <a:r>
-              <a:rPr lang="en-US" dirty="0"/>
-              <a:t>When you’ve given representatives of all valid inputs?</a:t>
-            </a:r>
-          </a:p>
-          <a:p>
-            <a:pPr lvl="1"/>
-            <a:r>
-              <a:rPr lang="en-US" dirty="0"/>
-              <a:t>When your tests get full code coverage?</a:t>
-            </a:r>
-          </a:p>
-          <a:p>
-            <a:pPr lvl="1"/>
-            <a:r>
-              <a:rPr lang="en-US" dirty="0"/>
-              <a:t>When your tests can catch any buggy mutant code?</a:t>
-            </a:r>
-          </a:p>
-          <a:p>
-            <a:pPr lvl="1"/>
-            <a:r>
-              <a:rPr lang="en-US" dirty="0"/>
-              <a:t>The answer depends!</a:t>
-            </a:r>
-          </a:p>
-          <a:p>
-            <a:pPr lvl="1"/>
-            <a:endParaRPr lang="en-US" dirty="0"/>
-          </a:p>
-          <a:p>
-            <a:pPr lvl="1"/>
-            <a:endParaRPr lang="en-US" dirty="0"/>
-          </a:p>
-          <a:p>
-            <a:pPr lvl="1"/>
-            <a:endParaRPr lang="en-US" dirty="0"/>
-          </a:p>
-        </p:txBody>
-      </p:sp>
-      <p:sp>
-        <p:nvSpPr>
-          <p:cNvPr id="4" name="Slide Number Placeholder 3">
-            <a:extLst>
-              <a:ext uri="{FF2B5EF4-FFF2-40B4-BE49-F238E27FC236}">
-                <a16:creationId xmlns:a16="http://schemas.microsoft.com/office/drawing/2014/main" id="{D83E011E-0980-A715-D5F0-82B4D34F3C4C}"/>
-              </a:ext>
-            </a:extLst>
-          </p:cNvPr>
-          <p:cNvSpPr>
-            <a:spLocks noGrp="1"/>
-          </p:cNvSpPr>
-          <p:nvPr>
-            <p:ph type="sldNum" sz="quarter" idx="12"/>
-          </p:nvPr>
-        </p:nvSpPr>
-        <p:spPr>
-          <a:xfrm>
-            <a:off x="8610600" y="6356350"/>
-            <a:ext cx="2743200" cy="365125"/>
-          </a:xfrm>
-        </p:spPr>
-        <p:txBody>
-          <a:bodyPr/>
-          <a:lstStyle/>
-          <a:p>
-            <a:pPr lvl="0"/>
-            <a:fld id="{20F37917-FD3A-4669-9018-DA04BCDD3D75}" type="slidenum">
-              <a:rPr lang="en-US" noProof="0" smtClean="0"/>
-              <a:pPr lvl="0"/>
-              <a:t>19</a:t>
-            </a:fld>
-            <a:endParaRPr lang="en-US" noProof="0"/>
-          </a:p>
-        </p:txBody>
-      </p:sp>
-    </p:spTree>
-    <p:extLst>
-      <p:ext uri="{BB962C8B-B14F-4D97-AF65-F5344CB8AC3E}">
-        <p14:creationId xmlns:p14="http://schemas.microsoft.com/office/powerpoint/2010/main" val="2656712430"/>
-      </p:ext>
-    </p:extLst>
-  </p:cSld>
-  <p:clrMapOvr>
-    <a:masterClrMapping/>
-  </p:clrMapOvr>
-</p:sld>
-</file>
-
 <file path=ppt/slides/slide2.xml><?xml version="1.0" encoding="utf-8"?>
 <p:sld xmlns:a="http://schemas.openxmlformats.org/drawingml/2006/main" xmlns:r="http://schemas.openxmlformats.org/officeDocument/2006/relationships" xmlns:p="http://schemas.openxmlformats.org/presentationml/2006/main">
   <p:cSld>
@@ -11453,6 +12238,209 @@
     <p:extLst>
       <p:ext uri="{BB962C8B-B14F-4D97-AF65-F5344CB8AC3E}">
         <p14:creationId xmlns:p14="http://schemas.microsoft.com/office/powerpoint/2010/main" val="1980094350"/>
+      </p:ext>
+    </p:extLst>
+  </p:cSld>
+  <p:clrMapOvr>
+    <a:masterClrMapping/>
+  </p:clrMapOvr>
+</p:sld>
+</file>
+
+<file path=ppt/slides/slide20.xml><?xml version="1.0" encoding="utf-8"?>
+<p:sld xmlns:a="http://schemas.openxmlformats.org/drawingml/2006/main" xmlns:r="http://schemas.openxmlformats.org/officeDocument/2006/relationships" xmlns:p="http://schemas.openxmlformats.org/presentationml/2006/main">
+  <p:cSld>
+    <p:spTree>
+      <p:nvGrpSpPr>
+        <p:cNvPr id="1" name="">
+          <a:extLst>
+            <a:ext uri="{FF2B5EF4-FFF2-40B4-BE49-F238E27FC236}">
+              <a16:creationId xmlns:a16="http://schemas.microsoft.com/office/drawing/2014/main" id="{73E0FFBE-9CD7-EF0D-03C9-1ECC1FD1A471}"/>
+            </a:ext>
+          </a:extLst>
+        </p:cNvPr>
+        <p:cNvGrpSpPr/>
+        <p:nvPr/>
+      </p:nvGrpSpPr>
+      <p:grpSpPr>
+        <a:xfrm>
+          <a:off x="0" y="0"/>
+          <a:ext cx="0" cy="0"/>
+          <a:chOff x="0" y="0"/>
+          <a:chExt cx="0" cy="0"/>
+        </a:xfrm>
+      </p:grpSpPr>
+      <p:sp>
+        <p:nvSpPr>
+          <p:cNvPr id="2" name="Title 1">
+            <a:extLst>
+              <a:ext uri="{FF2B5EF4-FFF2-40B4-BE49-F238E27FC236}">
+                <a16:creationId xmlns:a16="http://schemas.microsoft.com/office/drawing/2014/main" id="{283CA4F4-F8B8-C0D5-B76C-335333FDFEED}"/>
+              </a:ext>
+            </a:extLst>
+          </p:cNvPr>
+          <p:cNvSpPr>
+            <a:spLocks noGrp="1"/>
+          </p:cNvSpPr>
+          <p:nvPr>
+            <p:ph type="title"/>
+          </p:nvPr>
+        </p:nvSpPr>
+        <p:spPr>
+          <a:xfrm>
+            <a:off x="838200" y="18255"/>
+            <a:ext cx="10515600" cy="1325563"/>
+          </a:xfrm>
+        </p:spPr>
+        <p:txBody>
+          <a:bodyPr/>
+          <a:lstStyle/>
+          <a:p>
+            <a:r>
+              <a:rPr lang="en-US" dirty="0"/>
+              <a:t>Review</a:t>
+            </a:r>
+          </a:p>
+        </p:txBody>
+      </p:sp>
+      <p:sp>
+        <p:nvSpPr>
+          <p:cNvPr id="3" name="Content Placeholder 2">
+            <a:extLst>
+              <a:ext uri="{FF2B5EF4-FFF2-40B4-BE49-F238E27FC236}">
+                <a16:creationId xmlns:a16="http://schemas.microsoft.com/office/drawing/2014/main" id="{08938706-ABC4-7A7F-98FF-83D741E965D0}"/>
+              </a:ext>
+            </a:extLst>
+          </p:cNvPr>
+          <p:cNvSpPr>
+            <a:spLocks noGrp="1"/>
+          </p:cNvSpPr>
+          <p:nvPr>
+            <p:ph idx="1"/>
+          </p:nvPr>
+        </p:nvSpPr>
+        <p:spPr>
+          <a:xfrm>
+            <a:off x="838200" y="1500188"/>
+            <a:ext cx="7886700" cy="4856162"/>
+          </a:xfrm>
+        </p:spPr>
+        <p:txBody>
+          <a:bodyPr>
+            <a:normAutofit/>
+          </a:bodyPr>
+          <a:lstStyle/>
+          <a:p>
+            <a:pPr marL="0" indent="0">
+              <a:buNone/>
+            </a:pPr>
+            <a:r>
+              <a:rPr lang="en-US" dirty="0"/>
+              <a:t>It’s the end of the lesson, so you should be able to</a:t>
+            </a:r>
+          </a:p>
+          <a:p>
+            <a:pPr lvl="1"/>
+            <a:r>
+              <a:rPr lang="en-US" dirty="0"/>
+              <a:t>Explain what code coverage is, and how different measures differ, including statements, branches, functions, and lines</a:t>
+            </a:r>
+          </a:p>
+          <a:p>
+            <a:pPr lvl="1"/>
+            <a:r>
+              <a:rPr lang="en-US" dirty="0"/>
+              <a:t>Explain the benefits of mutation testing</a:t>
+            </a:r>
+          </a:p>
+          <a:p>
+            <a:r>
+              <a:rPr lang="en-US" dirty="0"/>
+              <a:t>When have you written enough tests?</a:t>
+            </a:r>
+          </a:p>
+          <a:p>
+            <a:pPr lvl="1"/>
+            <a:r>
+              <a:rPr lang="en-US" dirty="0"/>
+              <a:t>When you’ve given representatives of all valid inputs?</a:t>
+            </a:r>
+          </a:p>
+          <a:p>
+            <a:pPr lvl="1"/>
+            <a:r>
+              <a:rPr lang="en-US" dirty="0"/>
+              <a:t>When your tests get full code coverage?</a:t>
+            </a:r>
+          </a:p>
+          <a:p>
+            <a:pPr lvl="1"/>
+            <a:r>
+              <a:rPr lang="en-US" dirty="0"/>
+              <a:t>When your tests can catch any buggy mutant code?</a:t>
+            </a:r>
+          </a:p>
+          <a:p>
+            <a:pPr lvl="1"/>
+            <a:r>
+              <a:rPr lang="en-US" dirty="0"/>
+              <a:t>The answer depends!</a:t>
+            </a:r>
+          </a:p>
+          <a:p>
+            <a:pPr lvl="1"/>
+            <a:endParaRPr lang="en-US" dirty="0"/>
+          </a:p>
+          <a:p>
+            <a:pPr lvl="1"/>
+            <a:endParaRPr lang="en-US" dirty="0"/>
+          </a:p>
+          <a:p>
+            <a:pPr lvl="1"/>
+            <a:endParaRPr lang="en-US" dirty="0"/>
+          </a:p>
+        </p:txBody>
+      </p:sp>
+      <p:sp>
+        <p:nvSpPr>
+          <p:cNvPr id="4" name="Slide Number Placeholder 3">
+            <a:extLst>
+              <a:ext uri="{FF2B5EF4-FFF2-40B4-BE49-F238E27FC236}">
+                <a16:creationId xmlns:a16="http://schemas.microsoft.com/office/drawing/2014/main" id="{D83E011E-0980-A715-D5F0-82B4D34F3C4C}"/>
+              </a:ext>
+            </a:extLst>
+          </p:cNvPr>
+          <p:cNvSpPr>
+            <a:spLocks noGrp="1"/>
+          </p:cNvSpPr>
+          <p:nvPr>
+            <p:ph type="sldNum" sz="quarter" idx="12"/>
+          </p:nvPr>
+        </p:nvSpPr>
+        <p:spPr>
+          <a:xfrm>
+            <a:off x="8610600" y="6356350"/>
+            <a:ext cx="2743200" cy="365125"/>
+          </a:xfrm>
+        </p:spPr>
+        <p:txBody>
+          <a:bodyPr/>
+          <a:lstStyle/>
+          <a:p>
+            <a:pPr lvl="0"/>
+            <a:fld id="{20F37917-FD3A-4669-9018-DA04BCDD3D75}" type="slidenum">
+              <a:rPr lang="en-US" noProof="0" smtClean="0"/>
+              <a:pPr lvl="0"/>
+              <a:t>20</a:t>
+            </a:fld>
+            <a:endParaRPr lang="en-US" noProof="0"/>
+          </a:p>
+        </p:txBody>
+      </p:sp>
+    </p:spTree>
+    <p:extLst>
+      <p:ext uri="{BB962C8B-B14F-4D97-AF65-F5344CB8AC3E}">
+        <p14:creationId xmlns:p14="http://schemas.microsoft.com/office/powerpoint/2010/main" val="2656712430"/>
       </p:ext>
     </p:extLst>
   </p:cSld>
@@ -11759,7 +12747,7 @@
           </a:ln>
           <a:extLst>
             <a:ext uri="{C572A759-6A51-4108-AA02-DFA0A04FC94B}">
-              <ma14:wrappingTextBoxFlag xmlns="" xmlns:m="http://schemas.openxmlformats.org/officeDocument/2006/math" xmlns:a14="http://schemas.microsoft.com/office/drawing/2010/main" xmlns:ma14="http://schemas.microsoft.com/office/mac/drawingml/2011/main" val="1"/>
+              <ma14:wrappingTextBoxFlag xmlns:ma14="http://schemas.microsoft.com/office/mac/drawingml/2011/main" xmlns:a14="http://schemas.microsoft.com/office/drawing/2010/main" xmlns:m="http://schemas.openxmlformats.org/officeDocument/2006/math" xmlns="" val="1"/>
             </a:ext>
           </a:extLst>
         </p:spPr>
@@ -12088,6 +13076,133 @@
   <p:cSld>
     <p:spTree>
       <p:nvGrpSpPr>
+        <p:cNvPr id="1" name=""/>
+        <p:cNvGrpSpPr/>
+        <p:nvPr/>
+      </p:nvGrpSpPr>
+      <p:grpSpPr>
+        <a:xfrm>
+          <a:off x="0" y="0"/>
+          <a:ext cx="0" cy="0"/>
+          <a:chOff x="0" y="0"/>
+          <a:chExt cx="0" cy="0"/>
+        </a:xfrm>
+      </p:grpSpPr>
+      <p:sp>
+        <p:nvSpPr>
+          <p:cNvPr id="3" name="Title 2">
+            <a:extLst>
+              <a:ext uri="{FF2B5EF4-FFF2-40B4-BE49-F238E27FC236}">
+                <a16:creationId xmlns:a16="http://schemas.microsoft.com/office/drawing/2014/main" id="{797BF824-4720-FC3F-8B18-EE0D0F86F03B}"/>
+              </a:ext>
+            </a:extLst>
+          </p:cNvPr>
+          <p:cNvSpPr>
+            <a:spLocks noGrp="1"/>
+          </p:cNvSpPr>
+          <p:nvPr>
+            <p:ph type="title"/>
+          </p:nvPr>
+        </p:nvSpPr>
+        <p:spPr/>
+        <p:txBody>
+          <a:bodyPr/>
+          <a:lstStyle/>
+          <a:p>
+            <a:r>
+              <a:rPr lang="en-US" dirty="0"/>
+              <a:t>When Have I Written Enough Tests?</a:t>
+            </a:r>
+          </a:p>
+        </p:txBody>
+      </p:sp>
+      <p:sp>
+        <p:nvSpPr>
+          <p:cNvPr id="4" name="Content Placeholder 3">
+            <a:extLst>
+              <a:ext uri="{FF2B5EF4-FFF2-40B4-BE49-F238E27FC236}">
+                <a16:creationId xmlns:a16="http://schemas.microsoft.com/office/drawing/2014/main" id="{CA352D8D-6CE5-72A5-B938-E31511D95B80}"/>
+              </a:ext>
+            </a:extLst>
+          </p:cNvPr>
+          <p:cNvSpPr>
+            <a:spLocks noGrp="1"/>
+          </p:cNvSpPr>
+          <p:nvPr>
+            <p:ph idx="1"/>
+          </p:nvPr>
+        </p:nvSpPr>
+        <p:spPr/>
+        <p:txBody>
+          <a:bodyPr/>
+          <a:lstStyle/>
+          <a:p>
+            <a:r>
+              <a:rPr lang="en-US" dirty="0"/>
+              <a:t>When I’ve described the valid inputs</a:t>
+            </a:r>
+          </a:p>
+          <a:p>
+            <a:r>
+              <a:rPr lang="en-US" b="1" dirty="0"/>
+              <a:t>When I’ve tested all the code</a:t>
+            </a:r>
+          </a:p>
+          <a:p>
+            <a:r>
+              <a:rPr lang="en-US" b="1" dirty="0"/>
+              <a:t>When the tests will catch bugs</a:t>
+            </a:r>
+          </a:p>
+        </p:txBody>
+      </p:sp>
+      <p:sp>
+        <p:nvSpPr>
+          <p:cNvPr id="2" name="Slide Number Placeholder 1">
+            <a:extLst>
+              <a:ext uri="{FF2B5EF4-FFF2-40B4-BE49-F238E27FC236}">
+                <a16:creationId xmlns:a16="http://schemas.microsoft.com/office/drawing/2014/main" id="{1FAF0941-51E1-F5D3-5DE8-6881AE024D0B}"/>
+              </a:ext>
+            </a:extLst>
+          </p:cNvPr>
+          <p:cNvSpPr>
+            <a:spLocks noGrp="1"/>
+          </p:cNvSpPr>
+          <p:nvPr>
+            <p:ph type="sldNum" sz="quarter" idx="12"/>
+          </p:nvPr>
+        </p:nvSpPr>
+        <p:spPr/>
+        <p:txBody>
+          <a:bodyPr/>
+          <a:lstStyle/>
+          <a:p>
+            <a:fld id="{20F37917-FD3A-4669-9018-DA04BCDD3D75}" type="slidenum">
+              <a:rPr lang="en-US" smtClean="0"/>
+              <a:t>5</a:t>
+            </a:fld>
+            <a:endParaRPr lang="en-US"/>
+          </a:p>
+        </p:txBody>
+      </p:sp>
+    </p:spTree>
+    <p:extLst>
+      <p:ext uri="{BB962C8B-B14F-4D97-AF65-F5344CB8AC3E}">
+        <p14:creationId xmlns:p14="http://schemas.microsoft.com/office/powerpoint/2010/main" val="3563959265"/>
+      </p:ext>
+    </p:extLst>
+  </p:cSld>
+  <p:clrMapOvr>
+    <a:masterClrMapping/>
+  </p:clrMapOvr>
+</p:sld>
+</file>
+
+<file path=ppt/slides/slide6.xml><?xml version="1.0" encoding="utf-8"?>
+<p:sld xmlns:a="http://schemas.openxmlformats.org/drawingml/2006/main" xmlns:r="http://schemas.openxmlformats.org/officeDocument/2006/relationships" xmlns:p="http://schemas.openxmlformats.org/presentationml/2006/main">
+  <p:cSld>
+    <p:spTree>
+      <p:nvGrpSpPr>
         <p:cNvPr id="1" name="">
           <a:extLst>
             <a:ext uri="{FF2B5EF4-FFF2-40B4-BE49-F238E27FC236}">
@@ -12168,7 +13283,7 @@
             <a:fld id="{20F37917-FD3A-4669-9018-DA04BCDD3D75}" type="slidenum">
               <a:rPr lang="en-US" smtClean="0"/>
               <a:pPr/>
-              <a:t>5</a:t>
+              <a:t>6</a:t>
             </a:fld>
             <a:endParaRPr lang="en-US"/>
           </a:p>
@@ -12245,7 +13360,7 @@
 </p:sld>
 </file>
 
-<file path=ppt/slides/slide6.xml><?xml version="1.0" encoding="utf-8"?>
+<file path=ppt/slides/slide7.xml><?xml version="1.0" encoding="utf-8"?>
 <p:sld xmlns:a="http://schemas.openxmlformats.org/drawingml/2006/main" xmlns:r="http://schemas.openxmlformats.org/officeDocument/2006/relationships" xmlns:p="http://schemas.openxmlformats.org/presentationml/2006/main">
   <p:cSld>
     <p:spTree>
@@ -12330,7 +13445,7 @@
             <a:fld id="{20F37917-FD3A-4669-9018-DA04BCDD3D75}" type="slidenum">
               <a:rPr lang="en-US" smtClean="0"/>
               <a:pPr/>
-              <a:t>6</a:t>
+              <a:t>7</a:t>
             </a:fld>
             <a:endParaRPr lang="en-US"/>
           </a:p>
@@ -12416,7 +13531,7 @@
         <p:spPr>
           <a:xfrm>
             <a:off x="6283569" y="2501474"/>
-            <a:ext cx="5814645" cy="2101344"/>
+            <a:ext cx="5814645" cy="2306272"/>
           </a:xfrm>
           <a:prstGeom prst="rect">
             <a:avLst/>
@@ -12458,7 +13573,7 @@
               <a:buNone/>
             </a:pPr>
             <a:r>
-              <a:rPr lang="en-US" sz="2000" b="0" dirty="0">
+              <a:rPr lang="en-US" sz="2200" b="0" dirty="0">
                 <a:solidFill>
                   <a:schemeClr val="bg2">
                     <a:lumMod val="90000"/>
@@ -12471,7 +13586,7 @@
               <a:t>1| </a:t>
             </a:r>
             <a:r>
-              <a:rPr lang="en-US" sz="2000" b="0" dirty="0">
+              <a:rPr lang="en-US" sz="2200" b="0" dirty="0">
                 <a:solidFill>
                   <a:srgbClr val="AF00DB"/>
                 </a:solidFill>
@@ -12482,7 +13597,7 @@
               <a:t>if</a:t>
             </a:r>
             <a:r>
-              <a:rPr lang="en-US" sz="2000" b="0" dirty="0">
+              <a:rPr lang="en-US" sz="2200" b="0" dirty="0">
                 <a:solidFill>
                   <a:srgbClr val="3B3B3B"/>
                 </a:solidFill>
@@ -12493,7 +13608,7 @@
               <a:t> (</a:t>
             </a:r>
             <a:r>
-              <a:rPr lang="en-US" sz="2000" b="0" dirty="0">
+              <a:rPr lang="en-US" sz="2200" b="0" dirty="0">
                 <a:solidFill>
                   <a:srgbClr val="0070C1"/>
                 </a:solidFill>
@@ -12504,7 +13619,7 @@
               <a:t>x</a:t>
             </a:r>
             <a:r>
-              <a:rPr lang="en-US" sz="2000" b="0" dirty="0">
+              <a:rPr lang="en-US" sz="2200" b="0" dirty="0">
                 <a:solidFill>
                   <a:srgbClr val="3B3B3B"/>
                 </a:solidFill>
@@ -12515,7 +13630,7 @@
               <a:t> </a:t>
             </a:r>
             <a:r>
-              <a:rPr lang="en-US" sz="2000" b="0" dirty="0">
+              <a:rPr lang="en-US" sz="2200" b="0" dirty="0">
                 <a:solidFill>
                   <a:srgbClr val="000000"/>
                 </a:solidFill>
@@ -12526,7 +13641,7 @@
               <a:t>===</a:t>
             </a:r>
             <a:r>
-              <a:rPr lang="en-US" sz="2000" b="0" dirty="0">
+              <a:rPr lang="en-US" sz="2200" b="0" dirty="0">
                 <a:solidFill>
                   <a:srgbClr val="3B3B3B"/>
                 </a:solidFill>
@@ -12537,7 +13652,7 @@
               <a:t> </a:t>
             </a:r>
             <a:r>
-              <a:rPr lang="en-US" sz="2000" b="0" dirty="0">
+              <a:rPr lang="en-US" sz="2200" b="0" dirty="0">
                 <a:solidFill>
                   <a:srgbClr val="098658"/>
                 </a:solidFill>
@@ -12548,7 +13663,7 @@
               <a:t>0</a:t>
             </a:r>
             <a:r>
-              <a:rPr lang="en-US" sz="2000" b="0" dirty="0">
+              <a:rPr lang="en-US" sz="2200" b="0" dirty="0">
                 <a:solidFill>
                   <a:srgbClr val="3B3B3B"/>
                 </a:solidFill>
@@ -12567,7 +13682,7 @@
               <a:buNone/>
             </a:pPr>
             <a:r>
-              <a:rPr lang="en-US" sz="2000" dirty="0">
+              <a:rPr lang="en-US" sz="2200" dirty="0">
                 <a:solidFill>
                   <a:schemeClr val="bg2">
                     <a:lumMod val="90000"/>
@@ -12579,7 +13694,7 @@
               <a:t>2</a:t>
             </a:r>
             <a:r>
-              <a:rPr lang="en-US" sz="2000" b="0" dirty="0">
+              <a:rPr lang="en-US" sz="2200" b="0" dirty="0">
                 <a:solidFill>
                   <a:schemeClr val="bg2">
                     <a:lumMod val="90000"/>
@@ -12592,7 +13707,7 @@
               <a:t>|</a:t>
             </a:r>
             <a:r>
-              <a:rPr lang="en-US" sz="2000" b="0" dirty="0">
+              <a:rPr lang="en-US" sz="2200" b="0" dirty="0">
                 <a:solidFill>
                   <a:srgbClr val="AF00DB"/>
                 </a:solidFill>
@@ -12603,7 +13718,7 @@
               <a:t>  return</a:t>
             </a:r>
             <a:r>
-              <a:rPr lang="en-US" sz="2000" b="0" dirty="0">
+              <a:rPr lang="en-US" sz="2200" b="0" dirty="0">
                 <a:solidFill>
                   <a:srgbClr val="3B3B3B"/>
                 </a:solidFill>
@@ -12614,7 +13729,7 @@
               <a:t> </a:t>
             </a:r>
             <a:r>
-              <a:rPr lang="en-US" sz="2000" b="0" dirty="0">
+              <a:rPr lang="en-US" sz="2200" b="0" dirty="0">
                 <a:solidFill>
                   <a:srgbClr val="098658"/>
                 </a:solidFill>
@@ -12625,7 +13740,7 @@
               <a:t>3</a:t>
             </a:r>
             <a:r>
-              <a:rPr lang="en-US" sz="2000" b="0" dirty="0">
+              <a:rPr lang="en-US" sz="2200" b="0" dirty="0">
                 <a:solidFill>
                   <a:srgbClr val="3B3B3B"/>
                 </a:solidFill>
@@ -12644,7 +13759,7 @@
               <a:buNone/>
             </a:pPr>
             <a:r>
-              <a:rPr lang="en-US" sz="2000" dirty="0">
+              <a:rPr lang="en-US" sz="2200" dirty="0">
                 <a:solidFill>
                   <a:schemeClr val="bg2">
                     <a:lumMod val="90000"/>
@@ -12656,7 +13771,7 @@
               <a:t>3</a:t>
             </a:r>
             <a:r>
-              <a:rPr lang="en-US" sz="2000" b="0" dirty="0">
+              <a:rPr lang="en-US" sz="2200" b="0" dirty="0">
                 <a:solidFill>
                   <a:schemeClr val="bg2">
                     <a:lumMod val="90000"/>
@@ -12669,7 +13784,7 @@
               <a:t>| </a:t>
             </a:r>
             <a:r>
-              <a:rPr lang="en-US" sz="2000" b="0" dirty="0">
+              <a:rPr lang="en-US" sz="2200" b="0" dirty="0">
                 <a:solidFill>
                   <a:srgbClr val="3B3B3B"/>
                 </a:solidFill>
@@ -12688,7 +13803,7 @@
               <a:buNone/>
             </a:pPr>
             <a:r>
-              <a:rPr lang="en-US" sz="2000" dirty="0">
+              <a:rPr lang="en-US" sz="2200" dirty="0">
                 <a:solidFill>
                   <a:schemeClr val="bg2">
                     <a:lumMod val="90000"/>
@@ -12700,7 +13815,7 @@
               <a:t>4</a:t>
             </a:r>
             <a:r>
-              <a:rPr lang="en-US" sz="2000" b="0" dirty="0">
+              <a:rPr lang="en-US" sz="2200" b="0" dirty="0">
                 <a:solidFill>
                   <a:schemeClr val="bg2">
                     <a:lumMod val="90000"/>
@@ -12713,7 +13828,7 @@
               <a:t>| </a:t>
             </a:r>
             <a:r>
-              <a:rPr lang="en-US" sz="2000" b="0" dirty="0">
+              <a:rPr lang="en-US" sz="2200" b="0" dirty="0">
                 <a:solidFill>
                   <a:srgbClr val="0000FF"/>
                 </a:solidFill>
@@ -12724,7 +13839,7 @@
               <a:t>const</a:t>
             </a:r>
             <a:r>
-              <a:rPr lang="en-US" sz="2000" b="0" dirty="0">
+              <a:rPr lang="en-US" sz="2200" b="0" dirty="0">
                 <a:solidFill>
                   <a:srgbClr val="3B3B3B"/>
                 </a:solidFill>
@@ -12735,7 +13850,7 @@
               <a:t> </a:t>
             </a:r>
             <a:r>
-              <a:rPr lang="en-US" sz="2000" b="0" dirty="0">
+              <a:rPr lang="en-US" sz="2200" b="0" dirty="0">
                 <a:solidFill>
                   <a:srgbClr val="0070C1"/>
                 </a:solidFill>
@@ -12746,7 +13861,7 @@
               <a:t>y</a:t>
             </a:r>
             <a:r>
-              <a:rPr lang="en-US" sz="2000" b="0" dirty="0">
+              <a:rPr lang="en-US" sz="2200" b="0" dirty="0">
                 <a:solidFill>
                   <a:srgbClr val="3B3B3B"/>
                 </a:solidFill>
@@ -12757,7 +13872,7 @@
               <a:t> </a:t>
             </a:r>
             <a:r>
-              <a:rPr lang="en-US" sz="2000" b="0" dirty="0">
+              <a:rPr lang="en-US" sz="2200" b="0" dirty="0">
                 <a:solidFill>
                   <a:srgbClr val="000000"/>
                 </a:solidFill>
@@ -12768,7 +13883,7 @@
               <a:t>=</a:t>
             </a:r>
             <a:r>
-              <a:rPr lang="en-US" sz="2000" b="0" dirty="0">
+              <a:rPr lang="en-US" sz="2200" b="0" dirty="0">
                 <a:solidFill>
                   <a:srgbClr val="3B3B3B"/>
                 </a:solidFill>
@@ -12779,7 +13894,7 @@
               <a:t> </a:t>
             </a:r>
             <a:r>
-              <a:rPr lang="en-US" sz="2000" b="0" dirty="0">
+              <a:rPr lang="en-US" sz="2200" b="0" dirty="0">
                 <a:solidFill>
                   <a:srgbClr val="0070C1"/>
                 </a:solidFill>
@@ -12790,7 +13905,7 @@
               <a:t>x</a:t>
             </a:r>
             <a:r>
-              <a:rPr lang="en-US" sz="2000" b="0" dirty="0">
+              <a:rPr lang="en-US" sz="2200" b="0" dirty="0">
                 <a:solidFill>
                   <a:srgbClr val="3B3B3B"/>
                 </a:solidFill>
@@ -12801,7 +13916,7 @@
               <a:t> </a:t>
             </a:r>
             <a:r>
-              <a:rPr lang="en-US" sz="2000" b="0" dirty="0">
+              <a:rPr lang="en-US" sz="2200" b="0" dirty="0">
                 <a:solidFill>
                   <a:srgbClr val="000000"/>
                 </a:solidFill>
@@ -12812,7 +13927,7 @@
               <a:t>&gt;</a:t>
             </a:r>
             <a:r>
-              <a:rPr lang="en-US" sz="2000" b="0" dirty="0">
+              <a:rPr lang="en-US" sz="2200" b="0" dirty="0">
                 <a:solidFill>
                   <a:srgbClr val="3B3B3B"/>
                 </a:solidFill>
@@ -12823,7 +13938,7 @@
               <a:t> </a:t>
             </a:r>
             <a:r>
-              <a:rPr lang="en-US" sz="2000" b="0" dirty="0">
+              <a:rPr lang="en-US" sz="2200" b="0" dirty="0">
                 <a:solidFill>
                   <a:srgbClr val="098658"/>
                 </a:solidFill>
@@ -12834,7 +13949,7 @@
               <a:t>4</a:t>
             </a:r>
             <a:r>
-              <a:rPr lang="en-US" sz="2000" b="0" dirty="0">
+              <a:rPr lang="en-US" sz="2200" b="0" dirty="0">
                 <a:solidFill>
                   <a:srgbClr val="3B3B3B"/>
                 </a:solidFill>
@@ -12845,7 +13960,7 @@
               <a:t> </a:t>
             </a:r>
             <a:r>
-              <a:rPr lang="en-US" sz="2000" b="0" dirty="0">
+              <a:rPr lang="en-US" sz="2200" b="0" dirty="0">
                 <a:solidFill>
                   <a:srgbClr val="000000"/>
                 </a:solidFill>
@@ -12856,7 +13971,7 @@
               <a:t>?</a:t>
             </a:r>
             <a:r>
-              <a:rPr lang="en-US" sz="2000" b="0" dirty="0">
+              <a:rPr lang="en-US" sz="2200" b="0" dirty="0">
                 <a:solidFill>
                   <a:srgbClr val="3B3B3B"/>
                 </a:solidFill>
@@ -12867,7 +13982,7 @@
               <a:t> </a:t>
             </a:r>
             <a:r>
-              <a:rPr lang="en-US" sz="2000" b="0" dirty="0">
+              <a:rPr lang="en-US" sz="2200" b="0" dirty="0">
                 <a:solidFill>
                   <a:srgbClr val="098658"/>
                 </a:solidFill>
@@ -12878,7 +13993,7 @@
               <a:t>2</a:t>
             </a:r>
             <a:r>
-              <a:rPr lang="en-US" sz="2000" b="0" dirty="0">
+              <a:rPr lang="en-US" sz="2200" b="0" dirty="0">
                 <a:solidFill>
                   <a:srgbClr val="3B3B3B"/>
                 </a:solidFill>
@@ -12889,7 +14004,7 @@
               <a:t> </a:t>
             </a:r>
             <a:r>
-              <a:rPr lang="en-US" sz="2000" b="0" dirty="0">
+              <a:rPr lang="en-US" sz="2200" b="0" dirty="0">
                 <a:solidFill>
                   <a:srgbClr val="000000"/>
                 </a:solidFill>
@@ -12900,7 +14015,7 @@
               <a:t>:</a:t>
             </a:r>
             <a:r>
-              <a:rPr lang="en-US" sz="2000" b="0" dirty="0">
+              <a:rPr lang="en-US" sz="2200" b="0" dirty="0">
                 <a:solidFill>
                   <a:srgbClr val="3B3B3B"/>
                 </a:solidFill>
@@ -12911,7 +14026,7 @@
               <a:t> </a:t>
             </a:r>
             <a:r>
-              <a:rPr lang="en-US" sz="2000" b="0" dirty="0">
+              <a:rPr lang="en-US" sz="2200" b="0" dirty="0">
                 <a:solidFill>
                   <a:srgbClr val="098658"/>
                 </a:solidFill>
@@ -12922,7 +14037,7 @@
               <a:t>3</a:t>
             </a:r>
             <a:r>
-              <a:rPr lang="en-US" sz="2000" b="0" dirty="0">
+              <a:rPr lang="en-US" sz="2200" b="0" dirty="0">
                 <a:solidFill>
                   <a:srgbClr val="3B3B3B"/>
                 </a:solidFill>
@@ -12941,7 +14056,7 @@
               <a:buNone/>
             </a:pPr>
             <a:r>
-              <a:rPr lang="en-US" sz="2000" dirty="0">
+              <a:rPr lang="en-US" sz="2200" dirty="0">
                 <a:solidFill>
                   <a:schemeClr val="bg2">
                     <a:lumMod val="90000"/>
@@ -12953,7 +14068,7 @@
               <a:t>5</a:t>
             </a:r>
             <a:r>
-              <a:rPr lang="en-US" sz="2000" b="0" dirty="0">
+              <a:rPr lang="en-US" sz="2200" b="0" dirty="0">
                 <a:solidFill>
                   <a:schemeClr val="bg2">
                     <a:lumMod val="90000"/>
@@ -12966,7 +14081,7 @@
               <a:t>| </a:t>
             </a:r>
             <a:r>
-              <a:rPr lang="en-US" sz="2000" b="0" dirty="0">
+              <a:rPr lang="en-US" sz="2200" b="0" dirty="0">
                 <a:solidFill>
                   <a:srgbClr val="0000FF"/>
                 </a:solidFill>
@@ -12977,7 +14092,7 @@
               <a:t>const</a:t>
             </a:r>
             <a:r>
-              <a:rPr lang="en-US" sz="2000" b="0" dirty="0">
+              <a:rPr lang="en-US" sz="2200" b="0" dirty="0">
                 <a:solidFill>
                   <a:srgbClr val="3B3B3B"/>
                 </a:solidFill>
@@ -12988,7 +14103,7 @@
               <a:t> </a:t>
             </a:r>
             <a:r>
-              <a:rPr lang="en-US" sz="2000" b="0" dirty="0">
+              <a:rPr lang="en-US" sz="2200" b="0" dirty="0">
                 <a:solidFill>
                   <a:srgbClr val="0070C1"/>
                 </a:solidFill>
@@ -12999,7 +14114,7 @@
               <a:t>z</a:t>
             </a:r>
             <a:r>
-              <a:rPr lang="en-US" sz="2000" b="0" dirty="0">
+              <a:rPr lang="en-US" sz="2200" b="0" dirty="0">
                 <a:solidFill>
                   <a:srgbClr val="3B3B3B"/>
                 </a:solidFill>
@@ -13010,7 +14125,7 @@
               <a:t> </a:t>
             </a:r>
             <a:r>
-              <a:rPr lang="en-US" sz="2000" b="0" dirty="0">
+              <a:rPr lang="en-US" sz="2200" b="0" dirty="0">
                 <a:solidFill>
                   <a:srgbClr val="000000"/>
                 </a:solidFill>
@@ -13021,7 +14136,7 @@
               <a:t>=</a:t>
             </a:r>
             <a:r>
-              <a:rPr lang="en-US" sz="2000" b="0" dirty="0">
+              <a:rPr lang="en-US" sz="2200" b="0" dirty="0">
                 <a:solidFill>
                   <a:srgbClr val="3B3B3B"/>
                 </a:solidFill>
@@ -13032,7 +14147,7 @@
               <a:t> </a:t>
             </a:r>
             <a:r>
-              <a:rPr lang="en-US" sz="2000" b="0" dirty="0">
+              <a:rPr lang="en-US" sz="2200" b="0" dirty="0">
                 <a:solidFill>
                   <a:srgbClr val="0070C1"/>
                 </a:solidFill>
@@ -13043,7 +14158,7 @@
               <a:t>x</a:t>
             </a:r>
             <a:r>
-              <a:rPr lang="en-US" sz="2000" b="0" dirty="0">
+              <a:rPr lang="en-US" sz="2200" b="0" dirty="0">
                 <a:solidFill>
                   <a:srgbClr val="3B3B3B"/>
                 </a:solidFill>
@@ -13054,7 +14169,7 @@
               <a:t> </a:t>
             </a:r>
             <a:r>
-              <a:rPr lang="en-US" sz="2000" b="0" dirty="0">
+              <a:rPr lang="en-US" sz="2200" b="0" dirty="0">
                 <a:solidFill>
                   <a:srgbClr val="000000"/>
                 </a:solidFill>
@@ -13065,7 +14180,7 @@
               <a:t>%</a:t>
             </a:r>
             <a:r>
-              <a:rPr lang="en-US" sz="2000" b="0" dirty="0">
+              <a:rPr lang="en-US" sz="2200" b="0" dirty="0">
                 <a:solidFill>
                   <a:srgbClr val="3B3B3B"/>
                 </a:solidFill>
@@ -13076,7 +14191,7 @@
               <a:t> </a:t>
             </a:r>
             <a:r>
-              <a:rPr lang="en-US" sz="2000" b="0" dirty="0">
+              <a:rPr lang="en-US" sz="2200" b="0" dirty="0">
                 <a:solidFill>
                   <a:srgbClr val="098658"/>
                 </a:solidFill>
@@ -13087,7 +14202,7 @@
               <a:t>2</a:t>
             </a:r>
             <a:r>
-              <a:rPr lang="en-US" sz="2000" b="0" dirty="0">
+              <a:rPr lang="en-US" sz="2200" b="0" dirty="0">
                 <a:solidFill>
                   <a:srgbClr val="3B3B3B"/>
                 </a:solidFill>
@@ -13098,7 +14213,7 @@
               <a:t> </a:t>
             </a:r>
             <a:r>
-              <a:rPr lang="en-US" sz="2000" b="0" dirty="0">
+              <a:rPr lang="en-US" sz="2200" b="0" dirty="0">
                 <a:solidFill>
                   <a:srgbClr val="000000"/>
                 </a:solidFill>
@@ -13109,7 +14224,7 @@
               <a:t>==</a:t>
             </a:r>
             <a:r>
-              <a:rPr lang="en-US" sz="2000" b="0" dirty="0">
+              <a:rPr lang="en-US" sz="2200" b="0" dirty="0">
                 <a:solidFill>
                   <a:srgbClr val="3B3B3B"/>
                 </a:solidFill>
@@ -13120,7 +14235,7 @@
               <a:t> </a:t>
             </a:r>
             <a:r>
-              <a:rPr lang="en-US" sz="2000" b="0" dirty="0">
+              <a:rPr lang="en-US" sz="2200" b="0" dirty="0">
                 <a:solidFill>
                   <a:srgbClr val="098658"/>
                 </a:solidFill>
@@ -13131,7 +14246,7 @@
               <a:t>0</a:t>
             </a:r>
             <a:r>
-              <a:rPr lang="en-US" sz="2000" b="0" dirty="0">
+              <a:rPr lang="en-US" sz="2200" b="0" dirty="0">
                 <a:solidFill>
                   <a:srgbClr val="3B3B3B"/>
                 </a:solidFill>
@@ -13142,7 +14257,7 @@
               <a:t> </a:t>
             </a:r>
             <a:r>
-              <a:rPr lang="en-US" sz="2000" b="0" dirty="0">
+              <a:rPr lang="en-US" sz="2200" b="0" dirty="0">
                 <a:solidFill>
                   <a:srgbClr val="000000"/>
                 </a:solidFill>
@@ -13153,7 +14268,7 @@
               <a:t>?</a:t>
             </a:r>
             <a:r>
-              <a:rPr lang="en-US" sz="2000" b="0" dirty="0">
+              <a:rPr lang="en-US" sz="2200" b="0" dirty="0">
                 <a:solidFill>
                   <a:srgbClr val="3B3B3B"/>
                 </a:solidFill>
@@ -13164,7 +14279,7 @@
               <a:t> </a:t>
             </a:r>
             <a:r>
-              <a:rPr lang="en-US" sz="2000" dirty="0">
+              <a:rPr lang="en-US" sz="2200" dirty="0">
                 <a:solidFill>
                   <a:srgbClr val="098658"/>
                 </a:solidFill>
@@ -13174,7 +14289,7 @@
               <a:t>1</a:t>
             </a:r>
             <a:r>
-              <a:rPr lang="en-US" sz="2000" b="0" dirty="0">
+              <a:rPr lang="en-US" sz="2200" b="0" dirty="0">
                 <a:solidFill>
                   <a:srgbClr val="3B3B3B"/>
                 </a:solidFill>
@@ -13185,7 +14300,7 @@
               <a:t> </a:t>
             </a:r>
             <a:r>
-              <a:rPr lang="en-US" sz="2000" b="0" dirty="0">
+              <a:rPr lang="en-US" sz="2200" b="0" dirty="0">
                 <a:solidFill>
                   <a:srgbClr val="000000"/>
                 </a:solidFill>
@@ -13196,7 +14311,7 @@
               <a:t>:</a:t>
             </a:r>
             <a:r>
-              <a:rPr lang="en-US" sz="2000" b="0" dirty="0">
+              <a:rPr lang="en-US" sz="2200" b="0" dirty="0">
                 <a:solidFill>
                   <a:srgbClr val="3B3B3B"/>
                 </a:solidFill>
@@ -13207,7 +14322,7 @@
               <a:t> </a:t>
             </a:r>
             <a:r>
-              <a:rPr lang="en-US" sz="2000" dirty="0">
+              <a:rPr lang="en-US" sz="2200" dirty="0">
                 <a:solidFill>
                   <a:srgbClr val="098658"/>
                 </a:solidFill>
@@ -13217,7 +14332,7 @@
               <a:t>2</a:t>
             </a:r>
             <a:r>
-              <a:rPr lang="en-US" sz="2000" b="0" dirty="0">
+              <a:rPr lang="en-US" sz="2200" b="0" dirty="0">
                 <a:solidFill>
                   <a:srgbClr val="3B3B3B"/>
                 </a:solidFill>
@@ -13235,7 +14350,7 @@
               </a:lnSpc>
             </a:pPr>
             <a:r>
-              <a:rPr lang="en-US" sz="2000" dirty="0">
+              <a:rPr lang="en-US" sz="2200" dirty="0">
                 <a:solidFill>
                   <a:schemeClr val="bg2">
                     <a:lumMod val="90000"/>
@@ -13247,7 +14362,7 @@
               <a:t>6</a:t>
             </a:r>
             <a:r>
-              <a:rPr lang="en-US" sz="2000" b="0" dirty="0">
+              <a:rPr lang="en-US" sz="2200" b="0" dirty="0">
                 <a:solidFill>
                   <a:schemeClr val="bg2">
                     <a:lumMod val="90000"/>
@@ -13260,7 +14375,7 @@
               <a:t>| </a:t>
             </a:r>
             <a:r>
-              <a:rPr lang="en-US" sz="2000" b="0" dirty="0">
+              <a:rPr lang="en-US" sz="2200" b="0" dirty="0">
                 <a:solidFill>
                   <a:srgbClr val="AF00DB"/>
                 </a:solidFill>
@@ -13271,7 +14386,7 @@
               <a:t>return</a:t>
             </a:r>
             <a:r>
-              <a:rPr lang="en-US" sz="2000" b="0" dirty="0">
+              <a:rPr lang="en-US" sz="2200" b="0" dirty="0">
                 <a:solidFill>
                   <a:srgbClr val="3B3B3B"/>
                 </a:solidFill>
@@ -13282,7 +14397,7 @@
               <a:t> </a:t>
             </a:r>
             <a:r>
-              <a:rPr lang="en-US" sz="2000" b="0" dirty="0">
+              <a:rPr lang="en-US" sz="2200" b="0" dirty="0">
                 <a:solidFill>
                   <a:srgbClr val="0070C1"/>
                 </a:solidFill>
@@ -13293,7 +14408,7 @@
               <a:t>x</a:t>
             </a:r>
             <a:r>
-              <a:rPr lang="en-US" sz="2000" b="0" dirty="0">
+              <a:rPr lang="en-US" sz="2200" b="0" dirty="0">
                 <a:solidFill>
                   <a:srgbClr val="3B3B3B"/>
                 </a:solidFill>
@@ -13304,7 +14419,7 @@
               <a:t> </a:t>
             </a:r>
             <a:r>
-              <a:rPr lang="en-US" sz="2000" b="0" dirty="0">
+              <a:rPr lang="en-US" sz="2200" b="0" dirty="0">
                 <a:solidFill>
                   <a:srgbClr val="000000"/>
                 </a:solidFill>
@@ -13315,7 +14430,7 @@
               <a:t>/</a:t>
             </a:r>
             <a:r>
-              <a:rPr lang="en-US" sz="2000" b="0" dirty="0">
+              <a:rPr lang="en-US" sz="2200" b="0" dirty="0">
                 <a:solidFill>
                   <a:srgbClr val="3B3B3B"/>
                 </a:solidFill>
@@ -13326,7 +14441,7 @@
               <a:t> (</a:t>
             </a:r>
             <a:r>
-              <a:rPr lang="en-US" sz="2000" b="0" dirty="0">
+              <a:rPr lang="en-US" sz="2200" b="0" dirty="0">
                 <a:solidFill>
                   <a:srgbClr val="0070C1"/>
                 </a:solidFill>
@@ -13337,7 +14452,7 @@
               <a:t>y</a:t>
             </a:r>
             <a:r>
-              <a:rPr lang="en-US" sz="2000" b="0" dirty="0">
+              <a:rPr lang="en-US" sz="2200" b="0" dirty="0">
                 <a:solidFill>
                   <a:srgbClr val="3B3B3B"/>
                 </a:solidFill>
@@ -13348,7 +14463,7 @@
               <a:t> </a:t>
             </a:r>
             <a:r>
-              <a:rPr lang="en-US" sz="2000" b="0" dirty="0">
+              <a:rPr lang="en-US" sz="2200" b="0" dirty="0">
                 <a:solidFill>
                   <a:srgbClr val="000000"/>
                 </a:solidFill>
@@ -13359,7 +14474,7 @@
               <a:t>-</a:t>
             </a:r>
             <a:r>
-              <a:rPr lang="en-US" sz="2000" b="0" dirty="0">
+              <a:rPr lang="en-US" sz="2200" b="0" dirty="0">
                 <a:solidFill>
                   <a:srgbClr val="3B3B3B"/>
                 </a:solidFill>
@@ -13370,7 +14485,7 @@
               <a:t> </a:t>
             </a:r>
             <a:r>
-              <a:rPr lang="en-US" sz="2000" b="0" dirty="0">
+              <a:rPr lang="en-US" sz="2200" b="0" dirty="0">
                 <a:solidFill>
                   <a:srgbClr val="0070C1"/>
                 </a:solidFill>
@@ -13381,7 +14496,7 @@
               <a:t>z</a:t>
             </a:r>
             <a:r>
-              <a:rPr lang="en-US" sz="2000" b="0" dirty="0">
+              <a:rPr lang="en-US" sz="2200" b="0" dirty="0">
                 <a:solidFill>
                   <a:srgbClr val="3B3B3B"/>
                 </a:solidFill>
@@ -13407,7 +14522,7 @@
 </p:sld>
 </file>
 
-<file path=ppt/slides/slide7.xml><?xml version="1.0" encoding="utf-8"?>
+<file path=ppt/slides/slide8.xml><?xml version="1.0" encoding="utf-8"?>
 <p:sld xmlns:a="http://schemas.openxmlformats.org/drawingml/2006/main" xmlns:r="http://schemas.openxmlformats.org/officeDocument/2006/relationships" xmlns:p="http://schemas.openxmlformats.org/presentationml/2006/main">
   <p:cSld>
     <p:spTree>
@@ -13492,7 +14607,7 @@
             <a:fld id="{20F37917-FD3A-4669-9018-DA04BCDD3D75}" type="slidenum">
               <a:rPr lang="en-US" smtClean="0"/>
               <a:pPr/>
-              <a:t>7</a:t>
+              <a:t>8</a:t>
             </a:fld>
             <a:endParaRPr lang="en-US"/>
           </a:p>
@@ -13576,7 +14691,7 @@
         <p:spPr>
           <a:xfrm>
             <a:off x="6283569" y="2501474"/>
-            <a:ext cx="5814645" cy="2101344"/>
+            <a:ext cx="5814645" cy="2306272"/>
           </a:xfrm>
           <a:prstGeom prst="rect">
             <a:avLst/>
@@ -13618,7 +14733,7 @@
               <a:buNone/>
             </a:pPr>
             <a:r>
-              <a:rPr lang="en-US" sz="2000" b="0" dirty="0">
+              <a:rPr lang="en-US" sz="2200" b="0" dirty="0">
                 <a:solidFill>
                   <a:schemeClr val="bg2">
                     <a:lumMod val="90000"/>
@@ -13631,7 +14746,7 @@
               <a:t>1| </a:t>
             </a:r>
             <a:r>
-              <a:rPr lang="en-US" sz="2000" b="0" dirty="0">
+              <a:rPr lang="en-US" sz="2200" b="0" dirty="0">
                 <a:solidFill>
                   <a:srgbClr val="AF00DB"/>
                 </a:solidFill>
@@ -13642,7 +14757,7 @@
               <a:t>if</a:t>
             </a:r>
             <a:r>
-              <a:rPr lang="en-US" sz="2000" b="0" dirty="0">
+              <a:rPr lang="en-US" sz="2200" b="0" dirty="0">
                 <a:solidFill>
                   <a:srgbClr val="3B3B3B"/>
                 </a:solidFill>
@@ -13653,7 +14768,7 @@
               <a:t> (</a:t>
             </a:r>
             <a:r>
-              <a:rPr lang="en-US" sz="2000" b="0" dirty="0">
+              <a:rPr lang="en-US" sz="2200" b="0" dirty="0">
                 <a:solidFill>
                   <a:srgbClr val="0070C1"/>
                 </a:solidFill>
@@ -13664,7 +14779,7 @@
               <a:t>x</a:t>
             </a:r>
             <a:r>
-              <a:rPr lang="en-US" sz="2000" b="0" dirty="0">
+              <a:rPr lang="en-US" sz="2200" b="0" dirty="0">
                 <a:solidFill>
                   <a:srgbClr val="3B3B3B"/>
                 </a:solidFill>
@@ -13675,7 +14790,7 @@
               <a:t> </a:t>
             </a:r>
             <a:r>
-              <a:rPr lang="en-US" sz="2000" b="0" dirty="0">
+              <a:rPr lang="en-US" sz="2200" b="0" dirty="0">
                 <a:solidFill>
                   <a:srgbClr val="000000"/>
                 </a:solidFill>
@@ -13686,7 +14801,7 @@
               <a:t>===</a:t>
             </a:r>
             <a:r>
-              <a:rPr lang="en-US" sz="2000" b="0" dirty="0">
+              <a:rPr lang="en-US" sz="2200" b="0" dirty="0">
                 <a:solidFill>
                   <a:srgbClr val="3B3B3B"/>
                 </a:solidFill>
@@ -13697,7 +14812,7 @@
               <a:t> </a:t>
             </a:r>
             <a:r>
-              <a:rPr lang="en-US" sz="2000" b="0" dirty="0">
+              <a:rPr lang="en-US" sz="2200" b="0" dirty="0">
                 <a:solidFill>
                   <a:srgbClr val="098658"/>
                 </a:solidFill>
@@ -13708,7 +14823,7 @@
               <a:t>0</a:t>
             </a:r>
             <a:r>
-              <a:rPr lang="en-US" sz="2000" b="0" dirty="0">
+              <a:rPr lang="en-US" sz="2200" b="0" dirty="0">
                 <a:solidFill>
                   <a:srgbClr val="3B3B3B"/>
                 </a:solidFill>
@@ -13727,7 +14842,7 @@
               <a:buNone/>
             </a:pPr>
             <a:r>
-              <a:rPr lang="en-US" sz="2000" dirty="0">
+              <a:rPr lang="en-US" sz="2200" dirty="0">
                 <a:solidFill>
                   <a:schemeClr val="bg2">
                     <a:lumMod val="90000"/>
@@ -13739,7 +14854,7 @@
               <a:t>2</a:t>
             </a:r>
             <a:r>
-              <a:rPr lang="en-US" sz="2000" b="0" dirty="0">
+              <a:rPr lang="en-US" sz="2200" b="0" dirty="0">
                 <a:solidFill>
                   <a:schemeClr val="bg2">
                     <a:lumMod val="90000"/>
@@ -13752,7 +14867,7 @@
               <a:t>|</a:t>
             </a:r>
             <a:r>
-              <a:rPr lang="en-US" sz="2000" b="0" dirty="0">
+              <a:rPr lang="en-US" sz="2200" b="0" dirty="0">
                 <a:solidFill>
                   <a:srgbClr val="AF00DB"/>
                 </a:solidFill>
@@ -13763,7 +14878,7 @@
               <a:t>  return</a:t>
             </a:r>
             <a:r>
-              <a:rPr lang="en-US" sz="2000" b="0" dirty="0">
+              <a:rPr lang="en-US" sz="2200" b="0" dirty="0">
                 <a:solidFill>
                   <a:srgbClr val="3B3B3B"/>
                 </a:solidFill>
@@ -13774,7 +14889,7 @@
               <a:t> </a:t>
             </a:r>
             <a:r>
-              <a:rPr lang="en-US" sz="2000" b="0" dirty="0">
+              <a:rPr lang="en-US" sz="2200" b="0" dirty="0">
                 <a:solidFill>
                   <a:srgbClr val="098658"/>
                 </a:solidFill>
@@ -13785,7 +14900,7 @@
               <a:t>3</a:t>
             </a:r>
             <a:r>
-              <a:rPr lang="en-US" sz="2000" b="0" dirty="0">
+              <a:rPr lang="en-US" sz="2200" b="0" dirty="0">
                 <a:solidFill>
                   <a:srgbClr val="3B3B3B"/>
                 </a:solidFill>
@@ -13804,7 +14919,7 @@
               <a:buNone/>
             </a:pPr>
             <a:r>
-              <a:rPr lang="en-US" sz="2000" dirty="0">
+              <a:rPr lang="en-US" sz="2200" dirty="0">
                 <a:solidFill>
                   <a:schemeClr val="bg2">
                     <a:lumMod val="90000"/>
@@ -13816,7 +14931,7 @@
               <a:t>3</a:t>
             </a:r>
             <a:r>
-              <a:rPr lang="en-US" sz="2000" b="0" dirty="0">
+              <a:rPr lang="en-US" sz="2200" b="0" dirty="0">
                 <a:solidFill>
                   <a:schemeClr val="bg2">
                     <a:lumMod val="90000"/>
@@ -13829,7 +14944,7 @@
               <a:t>| </a:t>
             </a:r>
             <a:r>
-              <a:rPr lang="en-US" sz="2000" b="0" dirty="0">
+              <a:rPr lang="en-US" sz="2200" b="0" dirty="0">
                 <a:solidFill>
                   <a:srgbClr val="3B3B3B"/>
                 </a:solidFill>
@@ -13848,7 +14963,7 @@
               <a:buNone/>
             </a:pPr>
             <a:r>
-              <a:rPr lang="en-US" sz="2000" dirty="0">
+              <a:rPr lang="en-US" sz="2200" dirty="0">
                 <a:solidFill>
                   <a:schemeClr val="bg2">
                     <a:lumMod val="90000"/>
@@ -13860,7 +14975,7 @@
               <a:t>4</a:t>
             </a:r>
             <a:r>
-              <a:rPr lang="en-US" sz="2000" b="0" dirty="0">
+              <a:rPr lang="en-US" sz="2200" b="0" dirty="0">
                 <a:solidFill>
                   <a:schemeClr val="bg2">
                     <a:lumMod val="90000"/>
@@ -13873,7 +14988,7 @@
               <a:t>| </a:t>
             </a:r>
             <a:r>
-              <a:rPr lang="en-US" sz="2000" b="0" dirty="0">
+              <a:rPr lang="en-US" sz="2200" b="0" dirty="0">
                 <a:solidFill>
                   <a:srgbClr val="0000FF"/>
                 </a:solidFill>
@@ -13884,7 +14999,7 @@
               <a:t>const</a:t>
             </a:r>
             <a:r>
-              <a:rPr lang="en-US" sz="2000" b="0" dirty="0">
+              <a:rPr lang="en-US" sz="2200" b="0" dirty="0">
                 <a:solidFill>
                   <a:srgbClr val="3B3B3B"/>
                 </a:solidFill>
@@ -13895,7 +15010,7 @@
               <a:t> </a:t>
             </a:r>
             <a:r>
-              <a:rPr lang="en-US" sz="2000" b="0" dirty="0">
+              <a:rPr lang="en-US" sz="2200" b="0" dirty="0">
                 <a:solidFill>
                   <a:srgbClr val="0070C1"/>
                 </a:solidFill>
@@ -13906,7 +15021,7 @@
               <a:t>y</a:t>
             </a:r>
             <a:r>
-              <a:rPr lang="en-US" sz="2000" b="0" dirty="0">
+              <a:rPr lang="en-US" sz="2200" b="0" dirty="0">
                 <a:solidFill>
                   <a:srgbClr val="3B3B3B"/>
                 </a:solidFill>
@@ -13917,7 +15032,7 @@
               <a:t> </a:t>
             </a:r>
             <a:r>
-              <a:rPr lang="en-US" sz="2000" b="0" dirty="0">
+              <a:rPr lang="en-US" sz="2200" b="0" dirty="0">
                 <a:solidFill>
                   <a:srgbClr val="000000"/>
                 </a:solidFill>
@@ -13928,7 +15043,7 @@
               <a:t>=</a:t>
             </a:r>
             <a:r>
-              <a:rPr lang="en-US" sz="2000" b="0" dirty="0">
+              <a:rPr lang="en-US" sz="2200" b="0" dirty="0">
                 <a:solidFill>
                   <a:srgbClr val="3B3B3B"/>
                 </a:solidFill>
@@ -13939,7 +15054,7 @@
               <a:t> </a:t>
             </a:r>
             <a:r>
-              <a:rPr lang="en-US" sz="2000" b="0" dirty="0">
+              <a:rPr lang="en-US" sz="2200" b="0" dirty="0">
                 <a:solidFill>
                   <a:srgbClr val="0070C1"/>
                 </a:solidFill>
@@ -13950,7 +15065,7 @@
               <a:t>x</a:t>
             </a:r>
             <a:r>
-              <a:rPr lang="en-US" sz="2000" b="0" dirty="0">
+              <a:rPr lang="en-US" sz="2200" b="0" dirty="0">
                 <a:solidFill>
                   <a:srgbClr val="3B3B3B"/>
                 </a:solidFill>
@@ -13961,7 +15076,7 @@
               <a:t> </a:t>
             </a:r>
             <a:r>
-              <a:rPr lang="en-US" sz="2000" b="0" dirty="0">
+              <a:rPr lang="en-US" sz="2200" b="0" dirty="0">
                 <a:solidFill>
                   <a:srgbClr val="000000"/>
                 </a:solidFill>
@@ -13972,7 +15087,7 @@
               <a:t>&gt;</a:t>
             </a:r>
             <a:r>
-              <a:rPr lang="en-US" sz="2000" b="0" dirty="0">
+              <a:rPr lang="en-US" sz="2200" b="0" dirty="0">
                 <a:solidFill>
                   <a:srgbClr val="3B3B3B"/>
                 </a:solidFill>
@@ -13983,7 +15098,7 @@
               <a:t> </a:t>
             </a:r>
             <a:r>
-              <a:rPr lang="en-US" sz="2000" b="0" dirty="0">
+              <a:rPr lang="en-US" sz="2200" b="0" dirty="0">
                 <a:solidFill>
                   <a:srgbClr val="098658"/>
                 </a:solidFill>
@@ -13994,7 +15109,7 @@
               <a:t>4</a:t>
             </a:r>
             <a:r>
-              <a:rPr lang="en-US" sz="2000" b="0" dirty="0">
+              <a:rPr lang="en-US" sz="2200" b="0" dirty="0">
                 <a:solidFill>
                   <a:srgbClr val="3B3B3B"/>
                 </a:solidFill>
@@ -14005,7 +15120,7 @@
               <a:t> </a:t>
             </a:r>
             <a:r>
-              <a:rPr lang="en-US" sz="2000" b="0" dirty="0">
+              <a:rPr lang="en-US" sz="2200" b="0" dirty="0">
                 <a:solidFill>
                   <a:srgbClr val="000000"/>
                 </a:solidFill>
@@ -14016,7 +15131,7 @@
               <a:t>?</a:t>
             </a:r>
             <a:r>
-              <a:rPr lang="en-US" sz="2000" b="0" dirty="0">
+              <a:rPr lang="en-US" sz="2200" b="0" dirty="0">
                 <a:solidFill>
                   <a:srgbClr val="3B3B3B"/>
                 </a:solidFill>
@@ -14027,7 +15142,7 @@
               <a:t> </a:t>
             </a:r>
             <a:r>
-              <a:rPr lang="en-US" sz="2000" b="0" dirty="0">
+              <a:rPr lang="en-US" sz="2200" b="0" dirty="0">
                 <a:solidFill>
                   <a:srgbClr val="098658"/>
                 </a:solidFill>
@@ -14038,7 +15153,7 @@
               <a:t>2</a:t>
             </a:r>
             <a:r>
-              <a:rPr lang="en-US" sz="2000" b="0" dirty="0">
+              <a:rPr lang="en-US" sz="2200" b="0" dirty="0">
                 <a:solidFill>
                   <a:srgbClr val="3B3B3B"/>
                 </a:solidFill>
@@ -14049,7 +15164,7 @@
               <a:t> </a:t>
             </a:r>
             <a:r>
-              <a:rPr lang="en-US" sz="2000" b="0" dirty="0">
+              <a:rPr lang="en-US" sz="2200" b="0" dirty="0">
                 <a:solidFill>
                   <a:srgbClr val="000000"/>
                 </a:solidFill>
@@ -14060,7 +15175,7 @@
               <a:t>:</a:t>
             </a:r>
             <a:r>
-              <a:rPr lang="en-US" sz="2000" b="0" dirty="0">
+              <a:rPr lang="en-US" sz="2200" b="0" dirty="0">
                 <a:solidFill>
                   <a:srgbClr val="3B3B3B"/>
                 </a:solidFill>
@@ -14071,7 +15186,7 @@
               <a:t> </a:t>
             </a:r>
             <a:r>
-              <a:rPr lang="en-US" sz="2000" b="0" dirty="0">
+              <a:rPr lang="en-US" sz="2200" b="0" dirty="0">
                 <a:solidFill>
                   <a:srgbClr val="098658"/>
                 </a:solidFill>
@@ -14082,7 +15197,7 @@
               <a:t>3</a:t>
             </a:r>
             <a:r>
-              <a:rPr lang="en-US" sz="2000" b="0" dirty="0">
+              <a:rPr lang="en-US" sz="2200" b="0" dirty="0">
                 <a:solidFill>
                   <a:srgbClr val="3B3B3B"/>
                 </a:solidFill>
@@ -14101,7 +15216,7 @@
               <a:buNone/>
             </a:pPr>
             <a:r>
-              <a:rPr lang="en-US" sz="2000" dirty="0">
+              <a:rPr lang="en-US" sz="2200" dirty="0">
                 <a:solidFill>
                   <a:schemeClr val="bg2">
                     <a:lumMod val="90000"/>
@@ -14113,7 +15228,7 @@
               <a:t>5</a:t>
             </a:r>
             <a:r>
-              <a:rPr lang="en-US" sz="2000" b="0" dirty="0">
+              <a:rPr lang="en-US" sz="2200" b="0" dirty="0">
                 <a:solidFill>
                   <a:schemeClr val="bg2">
                     <a:lumMod val="90000"/>
@@ -14126,7 +15241,7 @@
               <a:t>| </a:t>
             </a:r>
             <a:r>
-              <a:rPr lang="en-US" sz="2000" b="0" dirty="0">
+              <a:rPr lang="en-US" sz="2200" b="0" dirty="0">
                 <a:solidFill>
                   <a:srgbClr val="0000FF"/>
                 </a:solidFill>
@@ -14137,7 +15252,7 @@
               <a:t>const</a:t>
             </a:r>
             <a:r>
-              <a:rPr lang="en-US" sz="2000" b="0" dirty="0">
+              <a:rPr lang="en-US" sz="2200" b="0" dirty="0">
                 <a:solidFill>
                   <a:srgbClr val="3B3B3B"/>
                 </a:solidFill>
@@ -14148,7 +15263,7 @@
               <a:t> </a:t>
             </a:r>
             <a:r>
-              <a:rPr lang="en-US" sz="2000" b="0" dirty="0">
+              <a:rPr lang="en-US" sz="2200" b="0" dirty="0">
                 <a:solidFill>
                   <a:srgbClr val="0070C1"/>
                 </a:solidFill>
@@ -14159,7 +15274,7 @@
               <a:t>z</a:t>
             </a:r>
             <a:r>
-              <a:rPr lang="en-US" sz="2000" b="0" dirty="0">
+              <a:rPr lang="en-US" sz="2200" b="0" dirty="0">
                 <a:solidFill>
                   <a:srgbClr val="3B3B3B"/>
                 </a:solidFill>
@@ -14170,7 +15285,7 @@
               <a:t> </a:t>
             </a:r>
             <a:r>
-              <a:rPr lang="en-US" sz="2000" b="0" dirty="0">
+              <a:rPr lang="en-US" sz="2200" b="0" dirty="0">
                 <a:solidFill>
                   <a:srgbClr val="000000"/>
                 </a:solidFill>
@@ -14181,7 +15296,7 @@
               <a:t>=</a:t>
             </a:r>
             <a:r>
-              <a:rPr lang="en-US" sz="2000" b="0" dirty="0">
+              <a:rPr lang="en-US" sz="2200" b="0" dirty="0">
                 <a:solidFill>
                   <a:srgbClr val="3B3B3B"/>
                 </a:solidFill>
@@ -14192,7 +15307,7 @@
               <a:t> </a:t>
             </a:r>
             <a:r>
-              <a:rPr lang="en-US" sz="2000" b="0" dirty="0">
+              <a:rPr lang="en-US" sz="2200" b="0" dirty="0">
                 <a:solidFill>
                   <a:srgbClr val="0070C1"/>
                 </a:solidFill>
@@ -14203,7 +15318,7 @@
               <a:t>x</a:t>
             </a:r>
             <a:r>
-              <a:rPr lang="en-US" sz="2000" b="0" dirty="0">
+              <a:rPr lang="en-US" sz="2200" b="0" dirty="0">
                 <a:solidFill>
                   <a:srgbClr val="3B3B3B"/>
                 </a:solidFill>
@@ -14214,7 +15329,7 @@
               <a:t> </a:t>
             </a:r>
             <a:r>
-              <a:rPr lang="en-US" sz="2000" b="0" dirty="0">
+              <a:rPr lang="en-US" sz="2200" b="0" dirty="0">
                 <a:solidFill>
                   <a:srgbClr val="000000"/>
                 </a:solidFill>
@@ -14225,7 +15340,7 @@
               <a:t>%</a:t>
             </a:r>
             <a:r>
-              <a:rPr lang="en-US" sz="2000" b="0" dirty="0">
+              <a:rPr lang="en-US" sz="2200" b="0" dirty="0">
                 <a:solidFill>
                   <a:srgbClr val="3B3B3B"/>
                 </a:solidFill>
@@ -14236,7 +15351,7 @@
               <a:t> </a:t>
             </a:r>
             <a:r>
-              <a:rPr lang="en-US" sz="2000" b="0" dirty="0">
+              <a:rPr lang="en-US" sz="2200" b="0" dirty="0">
                 <a:solidFill>
                   <a:srgbClr val="098658"/>
                 </a:solidFill>
@@ -14247,7 +15362,7 @@
               <a:t>2</a:t>
             </a:r>
             <a:r>
-              <a:rPr lang="en-US" sz="2000" b="0" dirty="0">
+              <a:rPr lang="en-US" sz="2200" b="0" dirty="0">
                 <a:solidFill>
                   <a:srgbClr val="3B3B3B"/>
                 </a:solidFill>
@@ -14258,7 +15373,7 @@
               <a:t> </a:t>
             </a:r>
             <a:r>
-              <a:rPr lang="en-US" sz="2000" b="0" dirty="0">
+              <a:rPr lang="en-US" sz="2200" b="0" dirty="0">
                 <a:solidFill>
                   <a:srgbClr val="000000"/>
                 </a:solidFill>
@@ -14269,7 +15384,7 @@
               <a:t>==</a:t>
             </a:r>
             <a:r>
-              <a:rPr lang="en-US" sz="2000" b="0" dirty="0">
+              <a:rPr lang="en-US" sz="2200" b="0" dirty="0">
                 <a:solidFill>
                   <a:srgbClr val="3B3B3B"/>
                 </a:solidFill>
@@ -14280,7 +15395,7 @@
               <a:t> </a:t>
             </a:r>
             <a:r>
-              <a:rPr lang="en-US" sz="2000" b="0" dirty="0">
+              <a:rPr lang="en-US" sz="2200" b="0" dirty="0">
                 <a:solidFill>
                   <a:srgbClr val="098658"/>
                 </a:solidFill>
@@ -14291,7 +15406,7 @@
               <a:t>0</a:t>
             </a:r>
             <a:r>
-              <a:rPr lang="en-US" sz="2000" b="0" dirty="0">
+              <a:rPr lang="en-US" sz="2200" b="0" dirty="0">
                 <a:solidFill>
                   <a:srgbClr val="3B3B3B"/>
                 </a:solidFill>
@@ -14302,7 +15417,7 @@
               <a:t> </a:t>
             </a:r>
             <a:r>
-              <a:rPr lang="en-US" sz="2000" b="0" dirty="0">
+              <a:rPr lang="en-US" sz="2200" b="0" dirty="0">
                 <a:solidFill>
                   <a:srgbClr val="000000"/>
                 </a:solidFill>
@@ -14313,7 +15428,7 @@
               <a:t>?</a:t>
             </a:r>
             <a:r>
-              <a:rPr lang="en-US" sz="2000" b="0" dirty="0">
+              <a:rPr lang="en-US" sz="2200" b="0" dirty="0">
                 <a:solidFill>
                   <a:srgbClr val="3B3B3B"/>
                 </a:solidFill>
@@ -14324,7 +15439,7 @@
               <a:t> </a:t>
             </a:r>
             <a:r>
-              <a:rPr lang="en-US" sz="2000" dirty="0">
+              <a:rPr lang="en-US" sz="2200" dirty="0">
                 <a:solidFill>
                   <a:srgbClr val="098658"/>
                 </a:solidFill>
@@ -14334,7 +15449,7 @@
               <a:t>1</a:t>
             </a:r>
             <a:r>
-              <a:rPr lang="en-US" sz="2000" b="0" dirty="0">
+              <a:rPr lang="en-US" sz="2200" b="0" dirty="0">
                 <a:solidFill>
                   <a:srgbClr val="3B3B3B"/>
                 </a:solidFill>
@@ -14345,7 +15460,7 @@
               <a:t> </a:t>
             </a:r>
             <a:r>
-              <a:rPr lang="en-US" sz="2000" b="0" dirty="0">
+              <a:rPr lang="en-US" sz="2200" b="0" dirty="0">
                 <a:solidFill>
                   <a:srgbClr val="000000"/>
                 </a:solidFill>
@@ -14356,7 +15471,7 @@
               <a:t>:</a:t>
             </a:r>
             <a:r>
-              <a:rPr lang="en-US" sz="2000" b="0" dirty="0">
+              <a:rPr lang="en-US" sz="2200" b="0" dirty="0">
                 <a:solidFill>
                   <a:srgbClr val="3B3B3B"/>
                 </a:solidFill>
@@ -14367,7 +15482,7 @@
               <a:t> </a:t>
             </a:r>
             <a:r>
-              <a:rPr lang="en-US" sz="2000" dirty="0">
+              <a:rPr lang="en-US" sz="2200" dirty="0">
                 <a:solidFill>
                   <a:srgbClr val="098658"/>
                 </a:solidFill>
@@ -14377,7 +15492,7 @@
               <a:t>2</a:t>
             </a:r>
             <a:r>
-              <a:rPr lang="en-US" sz="2000" b="0" dirty="0">
+              <a:rPr lang="en-US" sz="2200" b="0" dirty="0">
                 <a:solidFill>
                   <a:srgbClr val="3B3B3B"/>
                 </a:solidFill>
@@ -14395,7 +15510,7 @@
               </a:lnSpc>
             </a:pPr>
             <a:r>
-              <a:rPr lang="en-US" sz="2000" dirty="0">
+              <a:rPr lang="en-US" sz="2200" dirty="0">
                 <a:solidFill>
                   <a:schemeClr val="bg2">
                     <a:lumMod val="90000"/>
@@ -14407,7 +15522,7 @@
               <a:t>6</a:t>
             </a:r>
             <a:r>
-              <a:rPr lang="en-US" sz="2000" b="0" dirty="0">
+              <a:rPr lang="en-US" sz="2200" b="0" dirty="0">
                 <a:solidFill>
                   <a:schemeClr val="bg2">
                     <a:lumMod val="90000"/>
@@ -14420,7 +15535,7 @@
               <a:t>| </a:t>
             </a:r>
             <a:r>
-              <a:rPr lang="en-US" sz="2000" b="0" dirty="0">
+              <a:rPr lang="en-US" sz="2200" b="0" dirty="0">
                 <a:solidFill>
                   <a:srgbClr val="AF00DB"/>
                 </a:solidFill>
@@ -14431,7 +15546,7 @@
               <a:t>return</a:t>
             </a:r>
             <a:r>
-              <a:rPr lang="en-US" sz="2000" b="0" dirty="0">
+              <a:rPr lang="en-US" sz="2200" b="0" dirty="0">
                 <a:solidFill>
                   <a:srgbClr val="3B3B3B"/>
                 </a:solidFill>
@@ -14442,7 +15557,7 @@
               <a:t> </a:t>
             </a:r>
             <a:r>
-              <a:rPr lang="en-US" sz="2000" b="0" dirty="0">
+              <a:rPr lang="en-US" sz="2200" b="0" dirty="0">
                 <a:solidFill>
                   <a:srgbClr val="0070C1"/>
                 </a:solidFill>
@@ -14453,7 +15568,7 @@
               <a:t>x</a:t>
             </a:r>
             <a:r>
-              <a:rPr lang="en-US" sz="2000" b="0" dirty="0">
+              <a:rPr lang="en-US" sz="2200" b="0" dirty="0">
                 <a:solidFill>
                   <a:srgbClr val="3B3B3B"/>
                 </a:solidFill>
@@ -14464,7 +15579,7 @@
               <a:t> </a:t>
             </a:r>
             <a:r>
-              <a:rPr lang="en-US" sz="2000" b="0" dirty="0">
+              <a:rPr lang="en-US" sz="2200" b="0" dirty="0">
                 <a:solidFill>
                   <a:srgbClr val="000000"/>
                 </a:solidFill>
@@ -14475,7 +15590,7 @@
               <a:t>/</a:t>
             </a:r>
             <a:r>
-              <a:rPr lang="en-US" sz="2000" b="0" dirty="0">
+              <a:rPr lang="en-US" sz="2200" b="0" dirty="0">
                 <a:solidFill>
                   <a:srgbClr val="3B3B3B"/>
                 </a:solidFill>
@@ -14486,7 +15601,7 @@
               <a:t> (</a:t>
             </a:r>
             <a:r>
-              <a:rPr lang="en-US" sz="2000" b="0" dirty="0">
+              <a:rPr lang="en-US" sz="2200" b="0" dirty="0">
                 <a:solidFill>
                   <a:srgbClr val="0070C1"/>
                 </a:solidFill>
@@ -14497,7 +15612,7 @@
               <a:t>y</a:t>
             </a:r>
             <a:r>
-              <a:rPr lang="en-US" sz="2000" b="0" dirty="0">
+              <a:rPr lang="en-US" sz="2200" b="0" dirty="0">
                 <a:solidFill>
                   <a:srgbClr val="3B3B3B"/>
                 </a:solidFill>
@@ -14508,7 +15623,7 @@
               <a:t> </a:t>
             </a:r>
             <a:r>
-              <a:rPr lang="en-US" sz="2000" b="0" dirty="0">
+              <a:rPr lang="en-US" sz="2200" b="0" dirty="0">
                 <a:solidFill>
                   <a:srgbClr val="000000"/>
                 </a:solidFill>
@@ -14519,7 +15634,7 @@
               <a:t>-</a:t>
             </a:r>
             <a:r>
-              <a:rPr lang="en-US" sz="2000" b="0" dirty="0">
+              <a:rPr lang="en-US" sz="2200" b="0" dirty="0">
                 <a:solidFill>
                   <a:srgbClr val="3B3B3B"/>
                 </a:solidFill>
@@ -14530,7 +15645,7 @@
               <a:t> </a:t>
             </a:r>
             <a:r>
-              <a:rPr lang="en-US" sz="2000" b="0" dirty="0">
+              <a:rPr lang="en-US" sz="2200" b="0" dirty="0">
                 <a:solidFill>
                   <a:srgbClr val="0070C1"/>
                 </a:solidFill>
@@ -14541,7 +15656,7 @@
               <a:t>z</a:t>
             </a:r>
             <a:r>
-              <a:rPr lang="en-US" sz="2000" b="0" dirty="0">
+              <a:rPr lang="en-US" sz="2200" b="0" dirty="0">
                 <a:solidFill>
                   <a:srgbClr val="3B3B3B"/>
                 </a:solidFill>
@@ -14567,7 +15682,7 @@
 </p:sld>
 </file>
 
-<file path=ppt/slides/slide8.xml><?xml version="1.0" encoding="utf-8"?>
+<file path=ppt/slides/slide9.xml><?xml version="1.0" encoding="utf-8"?>
 <p:sld xmlns:a="http://schemas.openxmlformats.org/drawingml/2006/main" xmlns:r="http://schemas.openxmlformats.org/officeDocument/2006/relationships" xmlns:p="http://schemas.openxmlformats.org/presentationml/2006/main">
   <p:cSld>
     <p:spTree>
@@ -14652,7 +15767,7 @@
             <a:fld id="{20F37917-FD3A-4669-9018-DA04BCDD3D75}" type="slidenum">
               <a:rPr lang="en-US" smtClean="0"/>
               <a:pPr/>
-              <a:t>8</a:t>
+              <a:t>9</a:t>
             </a:fld>
             <a:endParaRPr lang="en-US"/>
           </a:p>
@@ -14740,7 +15855,7 @@
         <p:spPr>
           <a:xfrm>
             <a:off x="6283569" y="2501474"/>
-            <a:ext cx="5814645" cy="2101344"/>
+            <a:ext cx="5814645" cy="2306272"/>
           </a:xfrm>
           <a:prstGeom prst="rect">
             <a:avLst/>
@@ -14782,7 +15897,7 @@
               <a:buNone/>
             </a:pPr>
             <a:r>
-              <a:rPr lang="en-US" sz="2000" b="0" dirty="0">
+              <a:rPr lang="en-US" sz="2200" b="0" dirty="0">
                 <a:solidFill>
                   <a:schemeClr val="bg2">
                     <a:lumMod val="90000"/>
@@ -14795,7 +15910,7 @@
               <a:t>1| </a:t>
             </a:r>
             <a:r>
-              <a:rPr lang="en-US" sz="2000" b="0" dirty="0">
+              <a:rPr lang="en-US" sz="2200" b="0" dirty="0">
                 <a:solidFill>
                   <a:srgbClr val="AF00DB"/>
                 </a:solidFill>
@@ -14806,7 +15921,7 @@
               <a:t>if</a:t>
             </a:r>
             <a:r>
-              <a:rPr lang="en-US" sz="2000" b="0" dirty="0">
+              <a:rPr lang="en-US" sz="2200" b="0" dirty="0">
                 <a:solidFill>
                   <a:srgbClr val="3B3B3B"/>
                 </a:solidFill>
@@ -14817,7 +15932,7 @@
               <a:t> (</a:t>
             </a:r>
             <a:r>
-              <a:rPr lang="en-US" sz="2000" b="0" dirty="0">
+              <a:rPr lang="en-US" sz="2200" b="0" dirty="0">
                 <a:solidFill>
                   <a:srgbClr val="0070C1"/>
                 </a:solidFill>
@@ -14828,7 +15943,7 @@
               <a:t>x</a:t>
             </a:r>
             <a:r>
-              <a:rPr lang="en-US" sz="2000" b="0" dirty="0">
+              <a:rPr lang="en-US" sz="2200" b="0" dirty="0">
                 <a:solidFill>
                   <a:srgbClr val="3B3B3B"/>
                 </a:solidFill>
@@ -14839,7 +15954,7 @@
               <a:t> </a:t>
             </a:r>
             <a:r>
-              <a:rPr lang="en-US" sz="2000" b="0" dirty="0">
+              <a:rPr lang="en-US" sz="2200" b="0" dirty="0">
                 <a:solidFill>
                   <a:srgbClr val="000000"/>
                 </a:solidFill>
@@ -14850,7 +15965,7 @@
               <a:t>===</a:t>
             </a:r>
             <a:r>
-              <a:rPr lang="en-US" sz="2000" b="0" dirty="0">
+              <a:rPr lang="en-US" sz="2200" b="0" dirty="0">
                 <a:solidFill>
                   <a:srgbClr val="3B3B3B"/>
                 </a:solidFill>
@@ -14861,7 +15976,7 @@
               <a:t> </a:t>
             </a:r>
             <a:r>
-              <a:rPr lang="en-US" sz="2000" b="0" dirty="0">
+              <a:rPr lang="en-US" sz="2200" b="0" dirty="0">
                 <a:solidFill>
                   <a:srgbClr val="098658"/>
                 </a:solidFill>
@@ -14872,7 +15987,7 @@
               <a:t>0</a:t>
             </a:r>
             <a:r>
-              <a:rPr lang="en-US" sz="2000" b="0" dirty="0">
+              <a:rPr lang="en-US" sz="2200" b="0" dirty="0">
                 <a:solidFill>
                   <a:srgbClr val="3B3B3B"/>
                 </a:solidFill>
@@ -14891,7 +16006,7 @@
               <a:buNone/>
             </a:pPr>
             <a:r>
-              <a:rPr lang="en-US" sz="2000" dirty="0">
+              <a:rPr lang="en-US" sz="2200" dirty="0">
                 <a:solidFill>
                   <a:schemeClr val="bg2">
                     <a:lumMod val="90000"/>
@@ -14903,7 +16018,7 @@
               <a:t>2</a:t>
             </a:r>
             <a:r>
-              <a:rPr lang="en-US" sz="2000" b="0" dirty="0">
+              <a:rPr lang="en-US" sz="2200" b="0" dirty="0">
                 <a:solidFill>
                   <a:schemeClr val="bg2">
                     <a:lumMod val="90000"/>
@@ -14916,7 +16031,7 @@
               <a:t>|</a:t>
             </a:r>
             <a:r>
-              <a:rPr lang="en-US" sz="2000" b="0" dirty="0">
+              <a:rPr lang="en-US" sz="2200" b="0" dirty="0">
                 <a:solidFill>
                   <a:srgbClr val="AF00DB"/>
                 </a:solidFill>
@@ -14927,7 +16042,7 @@
               <a:t>  return</a:t>
             </a:r>
             <a:r>
-              <a:rPr lang="en-US" sz="2000" b="0" dirty="0">
+              <a:rPr lang="en-US" sz="2200" b="0" dirty="0">
                 <a:solidFill>
                   <a:srgbClr val="3B3B3B"/>
                 </a:solidFill>
@@ -14938,7 +16053,7 @@
               <a:t> </a:t>
             </a:r>
             <a:r>
-              <a:rPr lang="en-US" sz="2000" b="0" dirty="0">
+              <a:rPr lang="en-US" sz="2200" b="0" dirty="0">
                 <a:solidFill>
                   <a:srgbClr val="098658"/>
                 </a:solidFill>
@@ -14949,7 +16064,7 @@
               <a:t>3</a:t>
             </a:r>
             <a:r>
-              <a:rPr lang="en-US" sz="2000" b="0" dirty="0">
+              <a:rPr lang="en-US" sz="2200" b="0" dirty="0">
                 <a:solidFill>
                   <a:srgbClr val="3B3B3B"/>
                 </a:solidFill>
@@ -14968,7 +16083,7 @@
               <a:buNone/>
             </a:pPr>
             <a:r>
-              <a:rPr lang="en-US" sz="2000" dirty="0">
+              <a:rPr lang="en-US" sz="2200" dirty="0">
                 <a:solidFill>
                   <a:schemeClr val="bg2">
                     <a:lumMod val="90000"/>
@@ -14980,7 +16095,7 @@
               <a:t>3</a:t>
             </a:r>
             <a:r>
-              <a:rPr lang="en-US" sz="2000" b="0" dirty="0">
+              <a:rPr lang="en-US" sz="2200" b="0" dirty="0">
                 <a:solidFill>
                   <a:schemeClr val="bg2">
                     <a:lumMod val="90000"/>
@@ -14993,7 +16108,7 @@
               <a:t>| </a:t>
             </a:r>
             <a:r>
-              <a:rPr lang="en-US" sz="2000" b="0" dirty="0">
+              <a:rPr lang="en-US" sz="2200" b="0" dirty="0">
                 <a:solidFill>
                   <a:srgbClr val="3B3B3B"/>
                 </a:solidFill>
@@ -15012,7 +16127,7 @@
               <a:buNone/>
             </a:pPr>
             <a:r>
-              <a:rPr lang="en-US" sz="2000" dirty="0">
+              <a:rPr lang="en-US" sz="2200" dirty="0">
                 <a:solidFill>
                   <a:schemeClr val="bg2">
                     <a:lumMod val="90000"/>
@@ -15024,7 +16139,7 @@
               <a:t>4</a:t>
             </a:r>
             <a:r>
-              <a:rPr lang="en-US" sz="2000" b="0" dirty="0">
+              <a:rPr lang="en-US" sz="2200" b="0" dirty="0">
                 <a:solidFill>
                   <a:schemeClr val="bg2">
                     <a:lumMod val="90000"/>
@@ -15037,7 +16152,7 @@
               <a:t>| </a:t>
             </a:r>
             <a:r>
-              <a:rPr lang="en-US" sz="2000" b="0" dirty="0">
+              <a:rPr lang="en-US" sz="2200" b="0" dirty="0">
                 <a:solidFill>
                   <a:srgbClr val="0000FF"/>
                 </a:solidFill>
@@ -15048,7 +16163,7 @@
               <a:t>const</a:t>
             </a:r>
             <a:r>
-              <a:rPr lang="en-US" sz="2000" b="0" dirty="0">
+              <a:rPr lang="en-US" sz="2200" b="0" dirty="0">
                 <a:solidFill>
                   <a:srgbClr val="3B3B3B"/>
                 </a:solidFill>
@@ -15059,7 +16174,7 @@
               <a:t> </a:t>
             </a:r>
             <a:r>
-              <a:rPr lang="en-US" sz="2000" b="0" dirty="0">
+              <a:rPr lang="en-US" sz="2200" b="0" dirty="0">
                 <a:solidFill>
                   <a:srgbClr val="0070C1"/>
                 </a:solidFill>
@@ -15070,7 +16185,7 @@
               <a:t>y</a:t>
             </a:r>
             <a:r>
-              <a:rPr lang="en-US" sz="2000" b="0" dirty="0">
+              <a:rPr lang="en-US" sz="2200" b="0" dirty="0">
                 <a:solidFill>
                   <a:srgbClr val="3B3B3B"/>
                 </a:solidFill>
@@ -15081,7 +16196,7 @@
               <a:t> </a:t>
             </a:r>
             <a:r>
-              <a:rPr lang="en-US" sz="2000" b="0" dirty="0">
+              <a:rPr lang="en-US" sz="2200" b="0" dirty="0">
                 <a:solidFill>
                   <a:srgbClr val="000000"/>
                 </a:solidFill>
@@ -15092,7 +16207,7 @@
               <a:t>=</a:t>
             </a:r>
             <a:r>
-              <a:rPr lang="en-US" sz="2000" b="0" dirty="0">
+              <a:rPr lang="en-US" sz="2200" b="0" dirty="0">
                 <a:solidFill>
                   <a:srgbClr val="3B3B3B"/>
                 </a:solidFill>
@@ -15103,7 +16218,7 @@
               <a:t> </a:t>
             </a:r>
             <a:r>
-              <a:rPr lang="en-US" sz="2000" b="0" dirty="0">
+              <a:rPr lang="en-US" sz="2200" b="0" dirty="0">
                 <a:solidFill>
                   <a:srgbClr val="0070C1"/>
                 </a:solidFill>
@@ -15114,7 +16229,7 @@
               <a:t>x</a:t>
             </a:r>
             <a:r>
-              <a:rPr lang="en-US" sz="2000" b="0" dirty="0">
+              <a:rPr lang="en-US" sz="2200" b="0" dirty="0">
                 <a:solidFill>
                   <a:srgbClr val="3B3B3B"/>
                 </a:solidFill>
@@ -15125,7 +16240,7 @@
               <a:t> </a:t>
             </a:r>
             <a:r>
-              <a:rPr lang="en-US" sz="2000" b="0" dirty="0">
+              <a:rPr lang="en-US" sz="2200" b="0" dirty="0">
                 <a:solidFill>
                   <a:srgbClr val="000000"/>
                 </a:solidFill>
@@ -15136,7 +16251,7 @@
               <a:t>&gt;</a:t>
             </a:r>
             <a:r>
-              <a:rPr lang="en-US" sz="2000" b="0" dirty="0">
+              <a:rPr lang="en-US" sz="2200" b="0" dirty="0">
                 <a:solidFill>
                   <a:srgbClr val="3B3B3B"/>
                 </a:solidFill>
@@ -15147,7 +16262,7 @@
               <a:t> </a:t>
             </a:r>
             <a:r>
-              <a:rPr lang="en-US" sz="2000" b="0" dirty="0">
+              <a:rPr lang="en-US" sz="2200" b="0" dirty="0">
                 <a:solidFill>
                   <a:srgbClr val="098658"/>
                 </a:solidFill>
@@ -15158,7 +16273,7 @@
               <a:t>4</a:t>
             </a:r>
             <a:r>
-              <a:rPr lang="en-US" sz="2000" b="0" dirty="0">
+              <a:rPr lang="en-US" sz="2200" b="0" dirty="0">
                 <a:solidFill>
                   <a:srgbClr val="3B3B3B"/>
                 </a:solidFill>
@@ -15169,7 +16284,7 @@
               <a:t> </a:t>
             </a:r>
             <a:r>
-              <a:rPr lang="en-US" sz="2000" b="0" dirty="0">
+              <a:rPr lang="en-US" sz="2200" b="0" dirty="0">
                 <a:solidFill>
                   <a:srgbClr val="000000"/>
                 </a:solidFill>
@@ -15180,7 +16295,7 @@
               <a:t>?</a:t>
             </a:r>
             <a:r>
-              <a:rPr lang="en-US" sz="2000" b="0" dirty="0">
+              <a:rPr lang="en-US" sz="2200" b="0" dirty="0">
                 <a:solidFill>
                   <a:srgbClr val="3B3B3B"/>
                 </a:solidFill>
@@ -15191,7 +16306,7 @@
               <a:t> </a:t>
             </a:r>
             <a:r>
-              <a:rPr lang="en-US" sz="2000" b="0" dirty="0">
+              <a:rPr lang="en-US" sz="2200" b="0" dirty="0">
                 <a:solidFill>
                   <a:srgbClr val="098658"/>
                 </a:solidFill>
@@ -15202,7 +16317,7 @@
               <a:t>2</a:t>
             </a:r>
             <a:r>
-              <a:rPr lang="en-US" sz="2000" b="0" dirty="0">
+              <a:rPr lang="en-US" sz="2200" b="0" dirty="0">
                 <a:solidFill>
                   <a:srgbClr val="3B3B3B"/>
                 </a:solidFill>
@@ -15213,7 +16328,7 @@
               <a:t> </a:t>
             </a:r>
             <a:r>
-              <a:rPr lang="en-US" sz="2000" b="0" dirty="0">
+              <a:rPr lang="en-US" sz="2200" b="0" dirty="0">
                 <a:solidFill>
                   <a:srgbClr val="000000"/>
                 </a:solidFill>
@@ -15224,7 +16339,7 @@
               <a:t>:</a:t>
             </a:r>
             <a:r>
-              <a:rPr lang="en-US" sz="2000" b="0" dirty="0">
+              <a:rPr lang="en-US" sz="2200" b="0" dirty="0">
                 <a:solidFill>
                   <a:srgbClr val="3B3B3B"/>
                 </a:solidFill>
@@ -15235,7 +16350,7 @@
               <a:t> </a:t>
             </a:r>
             <a:r>
-              <a:rPr lang="en-US" sz="2000" b="0" dirty="0">
+              <a:rPr lang="en-US" sz="2200" b="0" dirty="0">
                 <a:solidFill>
                   <a:srgbClr val="098658"/>
                 </a:solidFill>
@@ -15246,7 +16361,7 @@
               <a:t>3</a:t>
             </a:r>
             <a:r>
-              <a:rPr lang="en-US" sz="2000" b="0" dirty="0">
+              <a:rPr lang="en-US" sz="2200" b="0" dirty="0">
                 <a:solidFill>
                   <a:srgbClr val="3B3B3B"/>
                 </a:solidFill>
@@ -15265,7 +16380,7 @@
               <a:buNone/>
             </a:pPr>
             <a:r>
-              <a:rPr lang="en-US" sz="2000" dirty="0">
+              <a:rPr lang="en-US" sz="2200" dirty="0">
                 <a:solidFill>
                   <a:schemeClr val="bg2">
                     <a:lumMod val="90000"/>
@@ -15277,7 +16392,7 @@
               <a:t>5</a:t>
             </a:r>
             <a:r>
-              <a:rPr lang="en-US" sz="2000" b="0" dirty="0">
+              <a:rPr lang="en-US" sz="2200" b="0" dirty="0">
                 <a:solidFill>
                   <a:schemeClr val="bg2">
                     <a:lumMod val="90000"/>
@@ -15290,7 +16405,7 @@
               <a:t>| </a:t>
             </a:r>
             <a:r>
-              <a:rPr lang="en-US" sz="2000" b="0" dirty="0">
+              <a:rPr lang="en-US" sz="2200" b="0" dirty="0">
                 <a:solidFill>
                   <a:srgbClr val="0000FF"/>
                 </a:solidFill>
@@ -15301,7 +16416,7 @@
               <a:t>const</a:t>
             </a:r>
             <a:r>
-              <a:rPr lang="en-US" sz="2000" b="0" dirty="0">
+              <a:rPr lang="en-US" sz="2200" b="0" dirty="0">
                 <a:solidFill>
                   <a:srgbClr val="3B3B3B"/>
                 </a:solidFill>
@@ -15312,7 +16427,7 @@
               <a:t> </a:t>
             </a:r>
             <a:r>
-              <a:rPr lang="en-US" sz="2000" b="0" dirty="0">
+              <a:rPr lang="en-US" sz="2200" b="0" dirty="0">
                 <a:solidFill>
                   <a:srgbClr val="0070C1"/>
                 </a:solidFill>
@@ -15323,7 +16438,7 @@
               <a:t>z</a:t>
             </a:r>
             <a:r>
-              <a:rPr lang="en-US" sz="2000" b="0" dirty="0">
+              <a:rPr lang="en-US" sz="2200" b="0" dirty="0">
                 <a:solidFill>
                   <a:srgbClr val="3B3B3B"/>
                 </a:solidFill>
@@ -15334,7 +16449,7 @@
               <a:t> </a:t>
             </a:r>
             <a:r>
-              <a:rPr lang="en-US" sz="2000" b="0" dirty="0">
+              <a:rPr lang="en-US" sz="2200" b="0" dirty="0">
                 <a:solidFill>
                   <a:srgbClr val="000000"/>
                 </a:solidFill>
@@ -15345,7 +16460,7 @@
               <a:t>=</a:t>
             </a:r>
             <a:r>
-              <a:rPr lang="en-US" sz="2000" b="0" dirty="0">
+              <a:rPr lang="en-US" sz="2200" b="0" dirty="0">
                 <a:solidFill>
                   <a:srgbClr val="3B3B3B"/>
                 </a:solidFill>
@@ -15356,7 +16471,7 @@
               <a:t> </a:t>
             </a:r>
             <a:r>
-              <a:rPr lang="en-US" sz="2000" b="0" dirty="0">
+              <a:rPr lang="en-US" sz="2200" b="0" dirty="0">
                 <a:solidFill>
                   <a:srgbClr val="0070C1"/>
                 </a:solidFill>
@@ -15367,7 +16482,7 @@
               <a:t>x</a:t>
             </a:r>
             <a:r>
-              <a:rPr lang="en-US" sz="2000" b="0" dirty="0">
+              <a:rPr lang="en-US" sz="2200" b="0" dirty="0">
                 <a:solidFill>
                   <a:srgbClr val="3B3B3B"/>
                 </a:solidFill>
@@ -15378,7 +16493,7 @@
               <a:t> </a:t>
             </a:r>
             <a:r>
-              <a:rPr lang="en-US" sz="2000" b="0" dirty="0">
+              <a:rPr lang="en-US" sz="2200" b="0" dirty="0">
                 <a:solidFill>
                   <a:srgbClr val="000000"/>
                 </a:solidFill>
@@ -15389,7 +16504,7 @@
               <a:t>%</a:t>
             </a:r>
             <a:r>
-              <a:rPr lang="en-US" sz="2000" b="0" dirty="0">
+              <a:rPr lang="en-US" sz="2200" b="0" dirty="0">
                 <a:solidFill>
                   <a:srgbClr val="3B3B3B"/>
                 </a:solidFill>
@@ -15400,7 +16515,7 @@
               <a:t> </a:t>
             </a:r>
             <a:r>
-              <a:rPr lang="en-US" sz="2000" b="0" dirty="0">
+              <a:rPr lang="en-US" sz="2200" b="0" dirty="0">
                 <a:solidFill>
                   <a:srgbClr val="098658"/>
                 </a:solidFill>
@@ -15411,7 +16526,7 @@
               <a:t>2</a:t>
             </a:r>
             <a:r>
-              <a:rPr lang="en-US" sz="2000" b="0" dirty="0">
+              <a:rPr lang="en-US" sz="2200" b="0" dirty="0">
                 <a:solidFill>
                   <a:srgbClr val="3B3B3B"/>
                 </a:solidFill>
@@ -15422,7 +16537,7 @@
               <a:t> </a:t>
             </a:r>
             <a:r>
-              <a:rPr lang="en-US" sz="2000" b="0" dirty="0">
+              <a:rPr lang="en-US" sz="2200" b="0" dirty="0">
                 <a:solidFill>
                   <a:srgbClr val="000000"/>
                 </a:solidFill>
@@ -15433,7 +16548,7 @@
               <a:t>==</a:t>
             </a:r>
             <a:r>
-              <a:rPr lang="en-US" sz="2000" b="0" dirty="0">
+              <a:rPr lang="en-US" sz="2200" b="0" dirty="0">
                 <a:solidFill>
                   <a:srgbClr val="3B3B3B"/>
                 </a:solidFill>
@@ -15444,7 +16559,7 @@
               <a:t> </a:t>
             </a:r>
             <a:r>
-              <a:rPr lang="en-US" sz="2000" b="0" dirty="0">
+              <a:rPr lang="en-US" sz="2200" b="0" dirty="0">
                 <a:solidFill>
                   <a:srgbClr val="098658"/>
                 </a:solidFill>
@@ -15455,7 +16570,7 @@
               <a:t>0</a:t>
             </a:r>
             <a:r>
-              <a:rPr lang="en-US" sz="2000" b="0" dirty="0">
+              <a:rPr lang="en-US" sz="2200" b="0" dirty="0">
                 <a:solidFill>
                   <a:srgbClr val="3B3B3B"/>
                 </a:solidFill>
@@ -15466,7 +16581,7 @@
               <a:t> </a:t>
             </a:r>
             <a:r>
-              <a:rPr lang="en-US" sz="2000" b="0" dirty="0">
+              <a:rPr lang="en-US" sz="2200" b="0" dirty="0">
                 <a:solidFill>
                   <a:srgbClr val="000000"/>
                 </a:solidFill>
@@ -15477,7 +16592,7 @@
               <a:t>?</a:t>
             </a:r>
             <a:r>
-              <a:rPr lang="en-US" sz="2000" b="0" dirty="0">
+              <a:rPr lang="en-US" sz="2200" b="0" dirty="0">
                 <a:solidFill>
                   <a:srgbClr val="3B3B3B"/>
                 </a:solidFill>
@@ -15488,7 +16603,7 @@
               <a:t> </a:t>
             </a:r>
             <a:r>
-              <a:rPr lang="en-US" sz="2000" dirty="0">
+              <a:rPr lang="en-US" sz="2200" dirty="0">
                 <a:solidFill>
                   <a:srgbClr val="098658"/>
                 </a:solidFill>
@@ -15498,7 +16613,7 @@
               <a:t>1</a:t>
             </a:r>
             <a:r>
-              <a:rPr lang="en-US" sz="2000" b="0" dirty="0">
+              <a:rPr lang="en-US" sz="2200" b="0" dirty="0">
                 <a:solidFill>
                   <a:srgbClr val="3B3B3B"/>
                 </a:solidFill>
@@ -15509,7 +16624,7 @@
               <a:t> </a:t>
             </a:r>
             <a:r>
-              <a:rPr lang="en-US" sz="2000" b="0" dirty="0">
+              <a:rPr lang="en-US" sz="2200" b="0" dirty="0">
                 <a:solidFill>
                   <a:srgbClr val="000000"/>
                 </a:solidFill>
@@ -15520,7 +16635,7 @@
               <a:t>:</a:t>
             </a:r>
             <a:r>
-              <a:rPr lang="en-US" sz="2000" b="0" dirty="0">
+              <a:rPr lang="en-US" sz="2200" b="0" dirty="0">
                 <a:solidFill>
                   <a:srgbClr val="3B3B3B"/>
                 </a:solidFill>
@@ -15531,7 +16646,7 @@
               <a:t> </a:t>
             </a:r>
             <a:r>
-              <a:rPr lang="en-US" sz="2000" dirty="0">
+              <a:rPr lang="en-US" sz="2200" dirty="0">
                 <a:solidFill>
                   <a:srgbClr val="098658"/>
                 </a:solidFill>
@@ -15541,7 +16656,7 @@
               <a:t>2</a:t>
             </a:r>
             <a:r>
-              <a:rPr lang="en-US" sz="2000" b="0" dirty="0">
+              <a:rPr lang="en-US" sz="2200" b="0" dirty="0">
                 <a:solidFill>
                   <a:srgbClr val="3B3B3B"/>
                 </a:solidFill>
@@ -15559,7 +16674,7 @@
               </a:lnSpc>
             </a:pPr>
             <a:r>
-              <a:rPr lang="en-US" sz="2000" dirty="0">
+              <a:rPr lang="en-US" sz="2200" dirty="0">
                 <a:solidFill>
                   <a:schemeClr val="bg2">
                     <a:lumMod val="90000"/>
@@ -15571,7 +16686,7 @@
               <a:t>6</a:t>
             </a:r>
             <a:r>
-              <a:rPr lang="en-US" sz="2000" b="0" dirty="0">
+              <a:rPr lang="en-US" sz="2200" b="0" dirty="0">
                 <a:solidFill>
                   <a:schemeClr val="bg2">
                     <a:lumMod val="90000"/>
@@ -15584,7 +16699,7 @@
               <a:t>| </a:t>
             </a:r>
             <a:r>
-              <a:rPr lang="en-US" sz="2000" b="0" dirty="0">
+              <a:rPr lang="en-US" sz="2200" b="0" dirty="0">
                 <a:solidFill>
                   <a:srgbClr val="AF00DB"/>
                 </a:solidFill>
@@ -15595,7 +16710,7 @@
               <a:t>return</a:t>
             </a:r>
             <a:r>
-              <a:rPr lang="en-US" sz="2000" b="0" dirty="0">
+              <a:rPr lang="en-US" sz="2200" b="0" dirty="0">
                 <a:solidFill>
                   <a:srgbClr val="3B3B3B"/>
                 </a:solidFill>
@@ -15606,7 +16721,7 @@
               <a:t> </a:t>
             </a:r>
             <a:r>
-              <a:rPr lang="en-US" sz="2000" b="0" dirty="0">
+              <a:rPr lang="en-US" sz="2200" b="0" dirty="0">
                 <a:solidFill>
                   <a:srgbClr val="0070C1"/>
                 </a:solidFill>
@@ -15617,7 +16732,7 @@
               <a:t>x</a:t>
             </a:r>
             <a:r>
-              <a:rPr lang="en-US" sz="2000" b="0" dirty="0">
+              <a:rPr lang="en-US" sz="2200" b="0" dirty="0">
                 <a:solidFill>
                   <a:srgbClr val="3B3B3B"/>
                 </a:solidFill>
@@ -15628,7 +16743,7 @@
               <a:t> </a:t>
             </a:r>
             <a:r>
-              <a:rPr lang="en-US" sz="2000" b="0" dirty="0">
+              <a:rPr lang="en-US" sz="2200" b="0" dirty="0">
                 <a:solidFill>
                   <a:srgbClr val="000000"/>
                 </a:solidFill>
@@ -15639,7 +16754,7 @@
               <a:t>/</a:t>
             </a:r>
             <a:r>
-              <a:rPr lang="en-US" sz="2000" b="0" dirty="0">
+              <a:rPr lang="en-US" sz="2200" b="0" dirty="0">
                 <a:solidFill>
                   <a:srgbClr val="3B3B3B"/>
                 </a:solidFill>
@@ -15650,7 +16765,7 @@
               <a:t> (</a:t>
             </a:r>
             <a:r>
-              <a:rPr lang="en-US" sz="2000" b="0" dirty="0">
+              <a:rPr lang="en-US" sz="2200" b="0" dirty="0">
                 <a:solidFill>
                   <a:srgbClr val="0070C1"/>
                 </a:solidFill>
@@ -15661,7 +16776,7 @@
               <a:t>y</a:t>
             </a:r>
             <a:r>
-              <a:rPr lang="en-US" sz="2000" b="0" dirty="0">
+              <a:rPr lang="en-US" sz="2200" b="0" dirty="0">
                 <a:solidFill>
                   <a:srgbClr val="3B3B3B"/>
                 </a:solidFill>
@@ -15672,7 +16787,7 @@
               <a:t> </a:t>
             </a:r>
             <a:r>
-              <a:rPr lang="en-US" sz="2000" b="0" dirty="0">
+              <a:rPr lang="en-US" sz="2200" b="0" dirty="0">
                 <a:solidFill>
                   <a:srgbClr val="000000"/>
                 </a:solidFill>
@@ -15683,7 +16798,7 @@
               <a:t>-</a:t>
             </a:r>
             <a:r>
-              <a:rPr lang="en-US" sz="2000" b="0" dirty="0">
+              <a:rPr lang="en-US" sz="2200" b="0" dirty="0">
                 <a:solidFill>
                   <a:srgbClr val="3B3B3B"/>
                 </a:solidFill>
@@ -15694,7 +16809,7 @@
               <a:t> </a:t>
             </a:r>
             <a:r>
-              <a:rPr lang="en-US" sz="2000" b="0" dirty="0">
+              <a:rPr lang="en-US" sz="2200" b="0" dirty="0">
                 <a:solidFill>
                   <a:srgbClr val="0070C1"/>
                 </a:solidFill>
@@ -15705,7 +16820,7 @@
               <a:t>z</a:t>
             </a:r>
             <a:r>
-              <a:rPr lang="en-US" sz="2000" b="0" dirty="0">
+              <a:rPr lang="en-US" sz="2200" b="0" dirty="0">
                 <a:solidFill>
                   <a:srgbClr val="3B3B3B"/>
                 </a:solidFill>
@@ -15722,828 +16837,6 @@
     <p:extLst>
       <p:ext uri="{BB962C8B-B14F-4D97-AF65-F5344CB8AC3E}">
         <p14:creationId xmlns:p14="http://schemas.microsoft.com/office/powerpoint/2010/main" val="1244896709"/>
-      </p:ext>
-    </p:extLst>
-  </p:cSld>
-  <p:clrMapOvr>
-    <a:masterClrMapping/>
-  </p:clrMapOvr>
-</p:sld>
-</file>
-
-<file path=ppt/slides/slide9.xml><?xml version="1.0" encoding="utf-8"?>
-<p:sld xmlns:a="http://schemas.openxmlformats.org/drawingml/2006/main" xmlns:r="http://schemas.openxmlformats.org/officeDocument/2006/relationships" xmlns:p="http://schemas.openxmlformats.org/presentationml/2006/main">
-  <p:cSld>
-    <p:spTree>
-      <p:nvGrpSpPr>
-        <p:cNvPr id="1" name=""/>
-        <p:cNvGrpSpPr/>
-        <p:nvPr/>
-      </p:nvGrpSpPr>
-      <p:grpSpPr>
-        <a:xfrm>
-          <a:off x="0" y="0"/>
-          <a:ext cx="0" cy="0"/>
-          <a:chOff x="0" y="0"/>
-          <a:chExt cx="0" cy="0"/>
-        </a:xfrm>
-      </p:grpSpPr>
-      <p:sp>
-        <p:nvSpPr>
-          <p:cNvPr id="2" name="Title 1">
-            <a:extLst>
-              <a:ext uri="{FF2B5EF4-FFF2-40B4-BE49-F238E27FC236}">
-                <a16:creationId xmlns:a16="http://schemas.microsoft.com/office/drawing/2014/main" id="{E079083E-BC03-7143-3305-7D5C8856EC3B}"/>
-              </a:ext>
-            </a:extLst>
-          </p:cNvPr>
-          <p:cNvSpPr>
-            <a:spLocks noGrp="1"/>
-          </p:cNvSpPr>
-          <p:nvPr>
-            <p:ph type="title"/>
-          </p:nvPr>
-        </p:nvSpPr>
-        <p:spPr/>
-        <p:txBody>
-          <a:bodyPr/>
-          <a:lstStyle/>
-          <a:p>
-            <a:r>
-              <a:rPr lang="en-US" dirty="0"/>
-              <a:t>Code Coverage: Example</a:t>
-            </a:r>
-          </a:p>
-        </p:txBody>
-      </p:sp>
-      <p:sp>
-        <p:nvSpPr>
-          <p:cNvPr id="3" name="Content Placeholder 2">
-            <a:extLst>
-              <a:ext uri="{FF2B5EF4-FFF2-40B4-BE49-F238E27FC236}">
-                <a16:creationId xmlns:a16="http://schemas.microsoft.com/office/drawing/2014/main" id="{CEEB21CC-6ECC-AE79-F5AB-B8188A7BA5D6}"/>
-              </a:ext>
-            </a:extLst>
-          </p:cNvPr>
-          <p:cNvSpPr>
-            <a:spLocks noGrp="1"/>
-          </p:cNvSpPr>
-          <p:nvPr>
-            <p:ph idx="1"/>
-          </p:nvPr>
-        </p:nvSpPr>
-        <p:spPr/>
-        <p:txBody>
-          <a:bodyPr/>
-          <a:lstStyle/>
-          <a:p>
-            <a:pPr marL="0" indent="0">
-              <a:buNone/>
-            </a:pPr>
-            <a:r>
-              <a:rPr lang="en-US" dirty="0"/>
-              <a:t>What tests will get line/branch/path coverage here?</a:t>
-            </a:r>
-          </a:p>
-        </p:txBody>
-      </p:sp>
-      <p:sp>
-        <p:nvSpPr>
-          <p:cNvPr id="4" name="Slide Number Placeholder 3">
-            <a:extLst>
-              <a:ext uri="{FF2B5EF4-FFF2-40B4-BE49-F238E27FC236}">
-                <a16:creationId xmlns:a16="http://schemas.microsoft.com/office/drawing/2014/main" id="{D90F8408-869B-696B-6166-4C6F4BDF59FB}"/>
-              </a:ext>
-            </a:extLst>
-          </p:cNvPr>
-          <p:cNvSpPr>
-            <a:spLocks noGrp="1"/>
-          </p:cNvSpPr>
-          <p:nvPr>
-            <p:ph type="sldNum" sz="quarter" idx="12"/>
-          </p:nvPr>
-        </p:nvSpPr>
-        <p:spPr/>
-        <p:txBody>
-          <a:bodyPr/>
-          <a:lstStyle/>
-          <a:p>
-            <a:fld id="{20F37917-FD3A-4669-9018-DA04BCDD3D75}" type="slidenum">
-              <a:rPr lang="en-US" smtClean="0"/>
-              <a:t>9</a:t>
-            </a:fld>
-            <a:endParaRPr lang="en-US"/>
-          </a:p>
-        </p:txBody>
-      </p:sp>
-      <p:sp>
-        <p:nvSpPr>
-          <p:cNvPr id="5" name="TextBox 4">
-            <a:extLst>
-              <a:ext uri="{FF2B5EF4-FFF2-40B4-BE49-F238E27FC236}">
-                <a16:creationId xmlns:a16="http://schemas.microsoft.com/office/drawing/2014/main" id="{657D6DBF-0D3B-3245-8AFD-BA6693B645B6}"/>
-              </a:ext>
-            </a:extLst>
-          </p:cNvPr>
-          <p:cNvSpPr txBox="1"/>
-          <p:nvPr/>
-        </p:nvSpPr>
-        <p:spPr>
-          <a:xfrm>
-            <a:off x="744069" y="2501474"/>
-            <a:ext cx="11354146" cy="3423951"/>
-          </a:xfrm>
-          <a:prstGeom prst="rect">
-            <a:avLst/>
-          </a:prstGeom>
-          <a:noFill/>
-          <a:ln w="12700" cap="flat" cmpd="sng" algn="ctr">
-            <a:noFill/>
-            <a:prstDash val="solid"/>
-            <a:miter lim="800000"/>
-          </a:ln>
-          <a:effectLst/>
-        </p:spPr>
-        <p:style>
-          <a:lnRef idx="2">
-            <a:schemeClr val="accent1">
-              <a:shade val="50000"/>
-            </a:schemeClr>
-          </a:lnRef>
-          <a:fillRef idx="1">
-            <a:schemeClr val="accent1"/>
-          </a:fillRef>
-          <a:effectRef idx="0">
-            <a:schemeClr val="accent1"/>
-          </a:effectRef>
-          <a:fontRef idx="minor">
-            <a:schemeClr val="lt1"/>
-          </a:fontRef>
-        </p:style>
-        <p:txBody>
-          <a:bodyPr wrap="square">
-            <a:spAutoFit/>
-          </a:bodyPr>
-          <a:lstStyle/>
-          <a:p>
-            <a:pPr>
-              <a:lnSpc>
-                <a:spcPct val="110000"/>
-              </a:lnSpc>
-              <a:buNone/>
-            </a:pPr>
-            <a:r>
-              <a:rPr lang="en-US" b="0" dirty="0">
-                <a:solidFill>
-                  <a:srgbClr val="008000"/>
-                </a:solidFill>
-                <a:effectLst/>
-                <a:latin typeface="Consolas" panose="020B0609020204030204" pitchFamily="49" charset="0"/>
-                <a:cs typeface="Consolas" panose="020B0609020204030204" pitchFamily="49" charset="0"/>
-              </a:rPr>
-              <a:t>/**</a:t>
-            </a:r>
-            <a:endParaRPr lang="en-US" b="0" dirty="0">
-              <a:solidFill>
-                <a:srgbClr val="3B3B3B"/>
-              </a:solidFill>
-              <a:effectLst/>
-              <a:latin typeface="Consolas" panose="020B0609020204030204" pitchFamily="49" charset="0"/>
-              <a:cs typeface="Consolas" panose="020B0609020204030204" pitchFamily="49" charset="0"/>
-            </a:endParaRPr>
-          </a:p>
-          <a:p>
-            <a:pPr>
-              <a:lnSpc>
-                <a:spcPct val="110000"/>
-              </a:lnSpc>
-              <a:buNone/>
-            </a:pPr>
-            <a:r>
-              <a:rPr lang="en-US" b="0" dirty="0">
-                <a:solidFill>
-                  <a:srgbClr val="008000"/>
-                </a:solidFill>
-                <a:effectLst/>
-                <a:latin typeface="Consolas" panose="020B0609020204030204" pitchFamily="49" charset="0"/>
-                <a:cs typeface="Consolas" panose="020B0609020204030204" pitchFamily="49" charset="0"/>
-              </a:rPr>
-              <a:t> * Prints "hello" repeatedly</a:t>
-            </a:r>
-            <a:endParaRPr lang="en-US" b="0" dirty="0">
-              <a:solidFill>
-                <a:srgbClr val="3B3B3B"/>
-              </a:solidFill>
-              <a:effectLst/>
-              <a:latin typeface="Consolas" panose="020B0609020204030204" pitchFamily="49" charset="0"/>
-              <a:cs typeface="Consolas" panose="020B0609020204030204" pitchFamily="49" charset="0"/>
-            </a:endParaRPr>
-          </a:p>
-          <a:p>
-            <a:pPr>
-              <a:lnSpc>
-                <a:spcPct val="110000"/>
-              </a:lnSpc>
-              <a:buNone/>
-            </a:pPr>
-            <a:r>
-              <a:rPr lang="en-US" b="0" dirty="0">
-                <a:solidFill>
-                  <a:srgbClr val="008000"/>
-                </a:solidFill>
-                <a:effectLst/>
-                <a:latin typeface="Consolas" panose="020B0609020204030204" pitchFamily="49" charset="0"/>
-                <a:cs typeface="Consolas" panose="020B0609020204030204" pitchFamily="49" charset="0"/>
-              </a:rPr>
-              <a:t> *</a:t>
-            </a:r>
-            <a:endParaRPr lang="en-US" b="0" dirty="0">
-              <a:solidFill>
-                <a:srgbClr val="3B3B3B"/>
-              </a:solidFill>
-              <a:effectLst/>
-              <a:latin typeface="Consolas" panose="020B0609020204030204" pitchFamily="49" charset="0"/>
-              <a:cs typeface="Consolas" panose="020B0609020204030204" pitchFamily="49" charset="0"/>
-            </a:endParaRPr>
-          </a:p>
-          <a:p>
-            <a:pPr>
-              <a:lnSpc>
-                <a:spcPct val="110000"/>
-              </a:lnSpc>
-              <a:buNone/>
-            </a:pPr>
-            <a:r>
-              <a:rPr lang="en-US" b="0" dirty="0">
-                <a:solidFill>
-                  <a:srgbClr val="008000"/>
-                </a:solidFill>
-                <a:effectLst/>
-                <a:latin typeface="Consolas" panose="020B0609020204030204" pitchFamily="49" charset="0"/>
-                <a:cs typeface="Consolas" panose="020B0609020204030204" pitchFamily="49" charset="0"/>
-              </a:rPr>
-              <a:t> * </a:t>
-            </a:r>
-            <a:r>
-              <a:rPr lang="en-US" b="0" dirty="0">
-                <a:solidFill>
-                  <a:srgbClr val="0000FF"/>
-                </a:solidFill>
-                <a:effectLst/>
-                <a:latin typeface="Consolas" panose="020B0609020204030204" pitchFamily="49" charset="0"/>
-                <a:cs typeface="Consolas" panose="020B0609020204030204" pitchFamily="49" charset="0"/>
-              </a:rPr>
-              <a:t>@param</a:t>
-            </a:r>
-            <a:r>
-              <a:rPr lang="en-US" b="0" dirty="0">
-                <a:solidFill>
-                  <a:srgbClr val="008000"/>
-                </a:solidFill>
-                <a:effectLst/>
-                <a:latin typeface="Consolas" panose="020B0609020204030204" pitchFamily="49" charset="0"/>
-                <a:cs typeface="Consolas" panose="020B0609020204030204" pitchFamily="49" charset="0"/>
-              </a:rPr>
-              <a:t> </a:t>
-            </a:r>
-            <a:r>
-              <a:rPr lang="en-US" b="0" dirty="0" err="1">
-                <a:solidFill>
-                  <a:srgbClr val="001080"/>
-                </a:solidFill>
-                <a:effectLst/>
-                <a:latin typeface="Consolas" panose="020B0609020204030204" pitchFamily="49" charset="0"/>
-                <a:cs typeface="Consolas" panose="020B0609020204030204" pitchFamily="49" charset="0"/>
-              </a:rPr>
-              <a:t>numHellos</a:t>
-            </a:r>
-            <a:r>
-              <a:rPr lang="en-US" b="0" dirty="0">
-                <a:solidFill>
-                  <a:srgbClr val="008000"/>
-                </a:solidFill>
-                <a:effectLst/>
-                <a:latin typeface="Consolas" panose="020B0609020204030204" pitchFamily="49" charset="0"/>
-                <a:cs typeface="Consolas" panose="020B0609020204030204" pitchFamily="49" charset="0"/>
-              </a:rPr>
-              <a:t> - number of times to print “hello”, </a:t>
-            </a:r>
-          </a:p>
-          <a:p>
-            <a:pPr>
-              <a:lnSpc>
-                <a:spcPct val="110000"/>
-              </a:lnSpc>
-              <a:buNone/>
-            </a:pPr>
-            <a:r>
-              <a:rPr lang="en-US" dirty="0">
-                <a:solidFill>
-                  <a:srgbClr val="008000"/>
-                </a:solidFill>
-                <a:latin typeface="Consolas" panose="020B0609020204030204" pitchFamily="49" charset="0"/>
-                <a:cs typeface="Consolas" panose="020B0609020204030204" pitchFamily="49" charset="0"/>
-              </a:rPr>
-              <a:t> *   </a:t>
-            </a:r>
-            <a:r>
-              <a:rPr lang="en-US" b="0" dirty="0">
-                <a:solidFill>
-                  <a:srgbClr val="008000"/>
-                </a:solidFill>
-                <a:effectLst/>
-                <a:latin typeface="Consolas" panose="020B0609020204030204" pitchFamily="49" charset="0"/>
-                <a:cs typeface="Consolas" panose="020B0609020204030204" pitchFamily="49" charset="0"/>
-              </a:rPr>
-              <a:t>must be an integer &gt;= 0</a:t>
-            </a:r>
-            <a:endParaRPr lang="en-US" b="0" dirty="0">
-              <a:solidFill>
-                <a:srgbClr val="3B3B3B"/>
-              </a:solidFill>
-              <a:effectLst/>
-              <a:latin typeface="Consolas" panose="020B0609020204030204" pitchFamily="49" charset="0"/>
-              <a:cs typeface="Consolas" panose="020B0609020204030204" pitchFamily="49" charset="0"/>
-            </a:endParaRPr>
-          </a:p>
-          <a:p>
-            <a:pPr>
-              <a:lnSpc>
-                <a:spcPct val="110000"/>
-              </a:lnSpc>
-              <a:buNone/>
-            </a:pPr>
-            <a:r>
-              <a:rPr lang="en-US" b="0" dirty="0">
-                <a:solidFill>
-                  <a:srgbClr val="008000"/>
-                </a:solidFill>
-                <a:effectLst/>
-                <a:latin typeface="Consolas" panose="020B0609020204030204" pitchFamily="49" charset="0"/>
-                <a:cs typeface="Consolas" panose="020B0609020204030204" pitchFamily="49" charset="0"/>
-              </a:rPr>
-              <a:t> */</a:t>
-            </a:r>
-            <a:endParaRPr lang="en-US" b="0" dirty="0">
-              <a:solidFill>
-                <a:srgbClr val="3B3B3B"/>
-              </a:solidFill>
-              <a:effectLst/>
-              <a:latin typeface="Consolas" panose="020B0609020204030204" pitchFamily="49" charset="0"/>
-              <a:cs typeface="Consolas" panose="020B0609020204030204" pitchFamily="49" charset="0"/>
-            </a:endParaRPr>
-          </a:p>
-          <a:p>
-            <a:pPr>
-              <a:lnSpc>
-                <a:spcPct val="110000"/>
-              </a:lnSpc>
-              <a:buNone/>
-            </a:pPr>
-            <a:r>
-              <a:rPr lang="en-US" b="0" dirty="0">
-                <a:solidFill>
-                  <a:srgbClr val="0000FF"/>
-                </a:solidFill>
-                <a:effectLst/>
-                <a:latin typeface="Consolas" panose="020B0609020204030204" pitchFamily="49" charset="0"/>
-                <a:cs typeface="Consolas" panose="020B0609020204030204" pitchFamily="49" charset="0"/>
-              </a:rPr>
-              <a:t>function</a:t>
-            </a:r>
-            <a:r>
-              <a:rPr lang="en-US" b="0" dirty="0">
-                <a:solidFill>
-                  <a:srgbClr val="3B3B3B"/>
-                </a:solidFill>
-                <a:effectLst/>
-                <a:latin typeface="Consolas" panose="020B0609020204030204" pitchFamily="49" charset="0"/>
-                <a:cs typeface="Consolas" panose="020B0609020204030204" pitchFamily="49" charset="0"/>
-              </a:rPr>
-              <a:t> </a:t>
-            </a:r>
-            <a:r>
-              <a:rPr lang="en-US" b="0" dirty="0" err="1">
-                <a:solidFill>
-                  <a:srgbClr val="795E26"/>
-                </a:solidFill>
-                <a:effectLst/>
-                <a:latin typeface="Consolas" panose="020B0609020204030204" pitchFamily="49" charset="0"/>
-                <a:cs typeface="Consolas" panose="020B0609020204030204" pitchFamily="49" charset="0"/>
-              </a:rPr>
-              <a:t>helloNTimes</a:t>
-            </a:r>
-            <a:r>
-              <a:rPr lang="en-US" b="0" dirty="0">
-                <a:solidFill>
-                  <a:srgbClr val="3B3B3B"/>
-                </a:solidFill>
-                <a:effectLst/>
-                <a:latin typeface="Consolas" panose="020B0609020204030204" pitchFamily="49" charset="0"/>
-                <a:cs typeface="Consolas" panose="020B0609020204030204" pitchFamily="49" charset="0"/>
-              </a:rPr>
-              <a:t>(</a:t>
-            </a:r>
-            <a:r>
-              <a:rPr lang="en-US" b="0" dirty="0" err="1">
-                <a:solidFill>
-                  <a:srgbClr val="001080"/>
-                </a:solidFill>
-                <a:effectLst/>
-                <a:latin typeface="Consolas" panose="020B0609020204030204" pitchFamily="49" charset="0"/>
-                <a:cs typeface="Consolas" panose="020B0609020204030204" pitchFamily="49" charset="0"/>
-              </a:rPr>
-              <a:t>numHellos</a:t>
-            </a:r>
-            <a:r>
-              <a:rPr lang="en-US" b="0" dirty="0">
-                <a:solidFill>
-                  <a:srgbClr val="000000"/>
-                </a:solidFill>
-                <a:effectLst/>
-                <a:latin typeface="Consolas" panose="020B0609020204030204" pitchFamily="49" charset="0"/>
-                <a:cs typeface="Consolas" panose="020B0609020204030204" pitchFamily="49" charset="0"/>
-              </a:rPr>
-              <a:t>:</a:t>
-            </a:r>
-            <a:r>
-              <a:rPr lang="en-US" b="0" dirty="0">
-                <a:solidFill>
-                  <a:srgbClr val="3B3B3B"/>
-                </a:solidFill>
-                <a:effectLst/>
-                <a:latin typeface="Consolas" panose="020B0609020204030204" pitchFamily="49" charset="0"/>
-                <a:cs typeface="Consolas" panose="020B0609020204030204" pitchFamily="49" charset="0"/>
-              </a:rPr>
-              <a:t> </a:t>
-            </a:r>
-            <a:r>
-              <a:rPr lang="en-US" b="0" dirty="0">
-                <a:solidFill>
-                  <a:srgbClr val="267F99"/>
-                </a:solidFill>
-                <a:effectLst/>
-                <a:latin typeface="Consolas" panose="020B0609020204030204" pitchFamily="49" charset="0"/>
-                <a:cs typeface="Consolas" panose="020B0609020204030204" pitchFamily="49" charset="0"/>
-              </a:rPr>
-              <a:t>number</a:t>
-            </a:r>
-            <a:r>
-              <a:rPr lang="en-US" b="0" dirty="0">
-                <a:solidFill>
-                  <a:srgbClr val="3B3B3B"/>
-                </a:solidFill>
-                <a:effectLst/>
-                <a:latin typeface="Consolas" panose="020B0609020204030204" pitchFamily="49" charset="0"/>
-                <a:cs typeface="Consolas" panose="020B0609020204030204" pitchFamily="49" charset="0"/>
-              </a:rPr>
-              <a:t>) {</a:t>
-            </a:r>
-          </a:p>
-          <a:p>
-            <a:pPr>
-              <a:lnSpc>
-                <a:spcPct val="110000"/>
-              </a:lnSpc>
-              <a:buNone/>
-            </a:pPr>
-            <a:r>
-              <a:rPr lang="en-US" b="0" dirty="0">
-                <a:solidFill>
-                  <a:srgbClr val="AF00DB"/>
-                </a:solidFill>
-                <a:effectLst/>
-                <a:latin typeface="Consolas" panose="020B0609020204030204" pitchFamily="49" charset="0"/>
-                <a:cs typeface="Consolas" panose="020B0609020204030204" pitchFamily="49" charset="0"/>
-              </a:rPr>
-              <a:t>  for</a:t>
-            </a:r>
-            <a:r>
-              <a:rPr lang="en-US" b="0" dirty="0">
-                <a:solidFill>
-                  <a:srgbClr val="3B3B3B"/>
-                </a:solidFill>
-                <a:effectLst/>
-                <a:latin typeface="Consolas" panose="020B0609020204030204" pitchFamily="49" charset="0"/>
-                <a:cs typeface="Consolas" panose="020B0609020204030204" pitchFamily="49" charset="0"/>
-              </a:rPr>
-              <a:t> (</a:t>
-            </a:r>
-            <a:r>
-              <a:rPr lang="en-US" b="0" dirty="0">
-                <a:solidFill>
-                  <a:srgbClr val="0000FF"/>
-                </a:solidFill>
-                <a:effectLst/>
-                <a:latin typeface="Consolas" panose="020B0609020204030204" pitchFamily="49" charset="0"/>
-                <a:cs typeface="Consolas" panose="020B0609020204030204" pitchFamily="49" charset="0"/>
-              </a:rPr>
-              <a:t>let</a:t>
-            </a:r>
-            <a:r>
-              <a:rPr lang="en-US" b="0" dirty="0">
-                <a:solidFill>
-                  <a:srgbClr val="3B3B3B"/>
-                </a:solidFill>
-                <a:effectLst/>
-                <a:latin typeface="Consolas" panose="020B0609020204030204" pitchFamily="49" charset="0"/>
-                <a:cs typeface="Consolas" panose="020B0609020204030204" pitchFamily="49" charset="0"/>
-              </a:rPr>
-              <a:t> </a:t>
-            </a:r>
-            <a:r>
-              <a:rPr lang="en-US" b="0" dirty="0" err="1">
-                <a:solidFill>
-                  <a:srgbClr val="001080"/>
-                </a:solidFill>
-                <a:effectLst/>
-                <a:latin typeface="Consolas" panose="020B0609020204030204" pitchFamily="49" charset="0"/>
-                <a:cs typeface="Consolas" panose="020B0609020204030204" pitchFamily="49" charset="0"/>
-              </a:rPr>
-              <a:t>i</a:t>
-            </a:r>
-            <a:r>
-              <a:rPr lang="en-US" b="0" dirty="0">
-                <a:solidFill>
-                  <a:srgbClr val="3B3B3B"/>
-                </a:solidFill>
-                <a:effectLst/>
-                <a:latin typeface="Consolas" panose="020B0609020204030204" pitchFamily="49" charset="0"/>
-                <a:cs typeface="Consolas" panose="020B0609020204030204" pitchFamily="49" charset="0"/>
-              </a:rPr>
-              <a:t> </a:t>
-            </a:r>
-            <a:r>
-              <a:rPr lang="en-US" b="0" dirty="0">
-                <a:solidFill>
-                  <a:srgbClr val="000000"/>
-                </a:solidFill>
-                <a:effectLst/>
-                <a:latin typeface="Consolas" panose="020B0609020204030204" pitchFamily="49" charset="0"/>
-                <a:cs typeface="Consolas" panose="020B0609020204030204" pitchFamily="49" charset="0"/>
-              </a:rPr>
-              <a:t>=</a:t>
-            </a:r>
-            <a:r>
-              <a:rPr lang="en-US" b="0" dirty="0">
-                <a:solidFill>
-                  <a:srgbClr val="3B3B3B"/>
-                </a:solidFill>
-                <a:effectLst/>
-                <a:latin typeface="Consolas" panose="020B0609020204030204" pitchFamily="49" charset="0"/>
-                <a:cs typeface="Consolas" panose="020B0609020204030204" pitchFamily="49" charset="0"/>
-              </a:rPr>
-              <a:t> </a:t>
-            </a:r>
-            <a:r>
-              <a:rPr lang="en-US" b="0" dirty="0" err="1">
-                <a:solidFill>
-                  <a:srgbClr val="001080"/>
-                </a:solidFill>
-                <a:effectLst/>
-                <a:latin typeface="Consolas" panose="020B0609020204030204" pitchFamily="49" charset="0"/>
-                <a:cs typeface="Consolas" panose="020B0609020204030204" pitchFamily="49" charset="0"/>
-              </a:rPr>
-              <a:t>numHellos</a:t>
-            </a:r>
-            <a:r>
-              <a:rPr lang="en-US" b="0" dirty="0">
-                <a:solidFill>
-                  <a:srgbClr val="3B3B3B"/>
-                </a:solidFill>
-                <a:effectLst/>
-                <a:latin typeface="Consolas" panose="020B0609020204030204" pitchFamily="49" charset="0"/>
-                <a:cs typeface="Consolas" panose="020B0609020204030204" pitchFamily="49" charset="0"/>
-              </a:rPr>
-              <a:t>; </a:t>
-            </a:r>
-            <a:r>
-              <a:rPr lang="en-US" b="0" dirty="0" err="1">
-                <a:solidFill>
-                  <a:srgbClr val="001080"/>
-                </a:solidFill>
-                <a:effectLst/>
-                <a:latin typeface="Consolas" panose="020B0609020204030204" pitchFamily="49" charset="0"/>
-                <a:cs typeface="Consolas" panose="020B0609020204030204" pitchFamily="49" charset="0"/>
-              </a:rPr>
-              <a:t>i</a:t>
-            </a:r>
-            <a:r>
-              <a:rPr lang="en-US" b="0" dirty="0">
-                <a:solidFill>
-                  <a:srgbClr val="3B3B3B"/>
-                </a:solidFill>
-                <a:effectLst/>
-                <a:latin typeface="Consolas" panose="020B0609020204030204" pitchFamily="49" charset="0"/>
-                <a:cs typeface="Consolas" panose="020B0609020204030204" pitchFamily="49" charset="0"/>
-              </a:rPr>
-              <a:t> </a:t>
-            </a:r>
-            <a:r>
-              <a:rPr lang="en-US" b="0" dirty="0">
-                <a:solidFill>
-                  <a:srgbClr val="000000"/>
-                </a:solidFill>
-                <a:effectLst/>
-                <a:latin typeface="Consolas" panose="020B0609020204030204" pitchFamily="49" charset="0"/>
-                <a:cs typeface="Consolas" panose="020B0609020204030204" pitchFamily="49" charset="0"/>
-              </a:rPr>
-              <a:t>!==</a:t>
-            </a:r>
-            <a:r>
-              <a:rPr lang="en-US" b="0" dirty="0">
-                <a:solidFill>
-                  <a:srgbClr val="3B3B3B"/>
-                </a:solidFill>
-                <a:effectLst/>
-                <a:latin typeface="Consolas" panose="020B0609020204030204" pitchFamily="49" charset="0"/>
-                <a:cs typeface="Consolas" panose="020B0609020204030204" pitchFamily="49" charset="0"/>
-              </a:rPr>
-              <a:t> </a:t>
-            </a:r>
-            <a:r>
-              <a:rPr lang="en-US" b="0" dirty="0">
-                <a:solidFill>
-                  <a:srgbClr val="098658"/>
-                </a:solidFill>
-                <a:effectLst/>
-                <a:latin typeface="Consolas" panose="020B0609020204030204" pitchFamily="49" charset="0"/>
-                <a:cs typeface="Consolas" panose="020B0609020204030204" pitchFamily="49" charset="0"/>
-              </a:rPr>
-              <a:t>0</a:t>
-            </a:r>
-            <a:r>
-              <a:rPr lang="en-US" b="0" dirty="0">
-                <a:solidFill>
-                  <a:srgbClr val="3B3B3B"/>
-                </a:solidFill>
-                <a:effectLst/>
-                <a:latin typeface="Consolas" panose="020B0609020204030204" pitchFamily="49" charset="0"/>
-                <a:cs typeface="Consolas" panose="020B0609020204030204" pitchFamily="49" charset="0"/>
-              </a:rPr>
-              <a:t>; </a:t>
-            </a:r>
-            <a:r>
-              <a:rPr lang="en-US" b="0" dirty="0" err="1">
-                <a:solidFill>
-                  <a:srgbClr val="001080"/>
-                </a:solidFill>
-                <a:effectLst/>
-                <a:latin typeface="Consolas" panose="020B0609020204030204" pitchFamily="49" charset="0"/>
-                <a:cs typeface="Consolas" panose="020B0609020204030204" pitchFamily="49" charset="0"/>
-              </a:rPr>
-              <a:t>i</a:t>
-            </a:r>
-            <a:r>
-              <a:rPr lang="en-US" b="0" dirty="0">
-                <a:solidFill>
-                  <a:srgbClr val="000000"/>
-                </a:solidFill>
-                <a:effectLst/>
-                <a:latin typeface="Consolas" panose="020B0609020204030204" pitchFamily="49" charset="0"/>
-                <a:cs typeface="Consolas" panose="020B0609020204030204" pitchFamily="49" charset="0"/>
-              </a:rPr>
-              <a:t>--</a:t>
-            </a:r>
-            <a:r>
-              <a:rPr lang="en-US" b="0" dirty="0">
-                <a:solidFill>
-                  <a:srgbClr val="3B3B3B"/>
-                </a:solidFill>
-                <a:effectLst/>
-                <a:latin typeface="Consolas" panose="020B0609020204030204" pitchFamily="49" charset="0"/>
-                <a:cs typeface="Consolas" panose="020B0609020204030204" pitchFamily="49" charset="0"/>
-              </a:rPr>
-              <a:t>) {</a:t>
-            </a:r>
-          </a:p>
-          <a:p>
-            <a:pPr>
-              <a:lnSpc>
-                <a:spcPct val="110000"/>
-              </a:lnSpc>
-              <a:buNone/>
-            </a:pPr>
-            <a:r>
-              <a:rPr lang="en-US" b="0" dirty="0">
-                <a:solidFill>
-                  <a:srgbClr val="001080"/>
-                </a:solidFill>
-                <a:effectLst/>
-                <a:latin typeface="Consolas" panose="020B0609020204030204" pitchFamily="49" charset="0"/>
-                <a:cs typeface="Consolas" panose="020B0609020204030204" pitchFamily="49" charset="0"/>
-              </a:rPr>
-              <a:t>    </a:t>
-            </a:r>
-            <a:r>
-              <a:rPr lang="en-US" b="0" dirty="0" err="1">
-                <a:solidFill>
-                  <a:srgbClr val="001080"/>
-                </a:solidFill>
-                <a:effectLst/>
-                <a:latin typeface="Consolas" panose="020B0609020204030204" pitchFamily="49" charset="0"/>
-                <a:cs typeface="Consolas" panose="020B0609020204030204" pitchFamily="49" charset="0"/>
-              </a:rPr>
-              <a:t>console</a:t>
-            </a:r>
-            <a:r>
-              <a:rPr lang="en-US" b="0" dirty="0" err="1">
-                <a:solidFill>
-                  <a:srgbClr val="3B3B3B"/>
-                </a:solidFill>
-                <a:effectLst/>
-                <a:latin typeface="Consolas" panose="020B0609020204030204" pitchFamily="49" charset="0"/>
-                <a:cs typeface="Consolas" panose="020B0609020204030204" pitchFamily="49" charset="0"/>
-              </a:rPr>
-              <a:t>.</a:t>
-            </a:r>
-            <a:r>
-              <a:rPr lang="en-US" b="0" dirty="0" err="1">
-                <a:solidFill>
-                  <a:srgbClr val="795E26"/>
-                </a:solidFill>
-                <a:effectLst/>
-                <a:latin typeface="Consolas" panose="020B0609020204030204" pitchFamily="49" charset="0"/>
-                <a:cs typeface="Consolas" panose="020B0609020204030204" pitchFamily="49" charset="0"/>
-              </a:rPr>
-              <a:t>log</a:t>
-            </a:r>
-            <a:r>
-              <a:rPr lang="en-US" b="0" dirty="0">
-                <a:solidFill>
-                  <a:srgbClr val="3B3B3B"/>
-                </a:solidFill>
-                <a:effectLst/>
-                <a:latin typeface="Consolas" panose="020B0609020204030204" pitchFamily="49" charset="0"/>
-                <a:cs typeface="Consolas" panose="020B0609020204030204" pitchFamily="49" charset="0"/>
-              </a:rPr>
-              <a:t>(</a:t>
-            </a:r>
-            <a:r>
-              <a:rPr lang="en-US" dirty="0">
-                <a:solidFill>
-                  <a:srgbClr val="A31515"/>
-                </a:solidFill>
-                <a:latin typeface="Consolas" panose="020B0609020204030204" pitchFamily="49" charset="0"/>
-                <a:cs typeface="Consolas" panose="020B0609020204030204" pitchFamily="49" charset="0"/>
-              </a:rPr>
-              <a:t>'hello'</a:t>
-            </a:r>
-            <a:r>
-              <a:rPr lang="en-US" b="0" dirty="0">
-                <a:solidFill>
-                  <a:srgbClr val="3B3B3B"/>
-                </a:solidFill>
-                <a:effectLst/>
-                <a:latin typeface="Consolas" panose="020B0609020204030204" pitchFamily="49" charset="0"/>
-                <a:cs typeface="Consolas" panose="020B0609020204030204" pitchFamily="49" charset="0"/>
-              </a:rPr>
-              <a:t>);</a:t>
-            </a:r>
-          </a:p>
-          <a:p>
-            <a:pPr>
-              <a:lnSpc>
-                <a:spcPct val="110000"/>
-              </a:lnSpc>
-              <a:buNone/>
-            </a:pPr>
-            <a:r>
-              <a:rPr lang="en-US" b="0" dirty="0">
-                <a:solidFill>
-                  <a:srgbClr val="3B3B3B"/>
-                </a:solidFill>
-                <a:effectLst/>
-                <a:latin typeface="Consolas" panose="020B0609020204030204" pitchFamily="49" charset="0"/>
-                <a:cs typeface="Consolas" panose="020B0609020204030204" pitchFamily="49" charset="0"/>
-              </a:rPr>
-              <a:t>  }</a:t>
-            </a:r>
-          </a:p>
-          <a:p>
-            <a:pPr>
-              <a:lnSpc>
-                <a:spcPct val="110000"/>
-              </a:lnSpc>
-            </a:pPr>
-            <a:r>
-              <a:rPr lang="en-US" b="0" dirty="0">
-                <a:solidFill>
-                  <a:srgbClr val="3B3B3B"/>
-                </a:solidFill>
-                <a:effectLst/>
-                <a:latin typeface="Consolas" panose="020B0609020204030204" pitchFamily="49" charset="0"/>
-                <a:cs typeface="Consolas" panose="020B0609020204030204" pitchFamily="49" charset="0"/>
-              </a:rPr>
-              <a:t>}</a:t>
-            </a:r>
-          </a:p>
-        </p:txBody>
-      </p:sp>
-    </p:spTree>
-    <p:extLst>
-      <p:ext uri="{BB962C8B-B14F-4D97-AF65-F5344CB8AC3E}">
-        <p14:creationId xmlns:p14="http://schemas.microsoft.com/office/powerpoint/2010/main" val="4076227305"/>
       </p:ext>
     </p:extLst>
   </p:cSld>

--- a/Slides/Module 03.2 Code Coverage.pptx
+++ b/Slides/Module 03.2 Code Coverage.pptx
@@ -5,7 +5,7 @@
     <p:sldMasterId id="2147483648" r:id="rId1"/>
   </p:sldMasterIdLst>
   <p:notesMasterIdLst>
-    <p:notesMasterId r:id="rId22"/>
+    <p:notesMasterId r:id="rId31"/>
   </p:notesMasterIdLst>
   <p:sldIdLst>
     <p:sldId id="485" r:id="rId2"/>
@@ -18,33 +18,46 @@
     <p:sldId id="586" r:id="rId9"/>
     <p:sldId id="587" r:id="rId10"/>
     <p:sldId id="652" r:id="rId11"/>
-    <p:sldId id="668" r:id="rId12"/>
-    <p:sldId id="661" r:id="rId13"/>
-    <p:sldId id="663" r:id="rId14"/>
-    <p:sldId id="589" r:id="rId15"/>
-    <p:sldId id="588" r:id="rId16"/>
-    <p:sldId id="658" r:id="rId17"/>
-    <p:sldId id="659" r:id="rId18"/>
-    <p:sldId id="660" r:id="rId19"/>
-    <p:sldId id="291" r:id="rId20"/>
-    <p:sldId id="669" r:id="rId21"/>
+    <p:sldId id="681" r:id="rId12"/>
+    <p:sldId id="668" r:id="rId13"/>
+    <p:sldId id="661" r:id="rId14"/>
+    <p:sldId id="663" r:id="rId15"/>
+    <p:sldId id="589" r:id="rId16"/>
+    <p:sldId id="588" r:id="rId17"/>
+    <p:sldId id="658" r:id="rId18"/>
+    <p:sldId id="659" r:id="rId19"/>
+    <p:sldId id="614" r:id="rId20"/>
+    <p:sldId id="640" r:id="rId21"/>
+    <p:sldId id="641" r:id="rId22"/>
+    <p:sldId id="643" r:id="rId23"/>
+    <p:sldId id="644" r:id="rId24"/>
+    <p:sldId id="645" r:id="rId25"/>
+    <p:sldId id="646" r:id="rId26"/>
+    <p:sldId id="289" r:id="rId27"/>
+    <p:sldId id="660" r:id="rId28"/>
+    <p:sldId id="291" r:id="rId29"/>
+    <p:sldId id="669" r:id="rId30"/>
   </p:sldIdLst>
   <p:sldSz cx="12192000" cy="6858000"/>
   <p:notesSz cx="6858000" cy="9144000"/>
   <p:embeddedFontLst>
     <p:embeddedFont>
       <p:font typeface="Consolas" panose="020B0609020204030204" pitchFamily="49" charset="0"/>
-      <p:regular r:id="rId23"/>
-      <p:bold r:id="rId24"/>
-      <p:italic r:id="rId25"/>
-      <p:boldItalic r:id="rId26"/>
+      <p:regular r:id="rId32"/>
+      <p:bold r:id="rId33"/>
+      <p:italic r:id="rId34"/>
+      <p:boldItalic r:id="rId35"/>
+    </p:embeddedFont>
+    <p:embeddedFont>
+      <p:font typeface="Ink Free" panose="03080402000500000000" pitchFamily="66" charset="0"/>
+      <p:regular r:id="rId36"/>
     </p:embeddedFont>
     <p:embeddedFont>
       <p:font typeface="Verdana" panose="020B0604030504040204" pitchFamily="34" charset="0"/>
-      <p:regular r:id="rId27"/>
-      <p:bold r:id="rId28"/>
-      <p:italic r:id="rId29"/>
-      <p:boldItalic r:id="rId30"/>
+      <p:regular r:id="rId37"/>
+      <p:bold r:id="rId38"/>
+      <p:italic r:id="rId39"/>
+      <p:boldItalic r:id="rId40"/>
     </p:embeddedFont>
   </p:embeddedFontLst>
   <p:defaultTextStyle>
@@ -157,6 +170,7 @@
             <p14:sldId id="586"/>
             <p14:sldId id="587"/>
             <p14:sldId id="652"/>
+            <p14:sldId id="681"/>
             <p14:sldId id="668"/>
             <p14:sldId id="661"/>
             <p14:sldId id="663"/>
@@ -164,6 +178,14 @@
             <p14:sldId id="588"/>
             <p14:sldId id="658"/>
             <p14:sldId id="659"/>
+            <p14:sldId id="614"/>
+            <p14:sldId id="640"/>
+            <p14:sldId id="641"/>
+            <p14:sldId id="643"/>
+            <p14:sldId id="644"/>
+            <p14:sldId id="645"/>
+            <p14:sldId id="646"/>
+            <p14:sldId id="289"/>
             <p14:sldId id="660"/>
             <p14:sldId id="291"/>
             <p14:sldId id="669"/>
@@ -266,7 +288,7 @@
           <a:p>
             <a:fld id="{7C7E5181-6CF5-45F7-A87A-E0E0B1FD7549}" type="datetimeFigureOut">
               <a:rPr lang="en-US" smtClean="0"/>
-              <a:t>1/7/26</a:t>
+              <a:t>1/10/26</a:t>
             </a:fld>
             <a:endParaRPr lang="en-US"/>
           </a:p>
@@ -625,6 +647,125 @@
         <p:cNvPr id="1" name="">
           <a:extLst>
             <a:ext uri="{FF2B5EF4-FFF2-40B4-BE49-F238E27FC236}">
+              <a16:creationId xmlns:a16="http://schemas.microsoft.com/office/drawing/2014/main" id="{6FC1821C-67E5-8350-8F52-79928E5546E7}"/>
+            </a:ext>
+          </a:extLst>
+        </p:cNvPr>
+        <p:cNvGrpSpPr/>
+        <p:nvPr/>
+      </p:nvGrpSpPr>
+      <p:grpSpPr>
+        <a:xfrm>
+          <a:off x="0" y="0"/>
+          <a:ext cx="0" cy="0"/>
+          <a:chOff x="0" y="0"/>
+          <a:chExt cx="0" cy="0"/>
+        </a:xfrm>
+      </p:grpSpPr>
+      <p:sp>
+        <p:nvSpPr>
+          <p:cNvPr id="2" name="Slide Image Placeholder 1">
+            <a:extLst>
+              <a:ext uri="{FF2B5EF4-FFF2-40B4-BE49-F238E27FC236}">
+                <a16:creationId xmlns:a16="http://schemas.microsoft.com/office/drawing/2014/main" id="{20464F64-6412-2638-E2F7-82FA716D1E9C}"/>
+              </a:ext>
+            </a:extLst>
+          </p:cNvPr>
+          <p:cNvSpPr>
+            <a:spLocks noGrp="1" noRot="1" noChangeAspect="1"/>
+          </p:cNvSpPr>
+          <p:nvPr>
+            <p:ph type="sldImg"/>
+          </p:nvPr>
+        </p:nvSpPr>
+        <p:spPr/>
+      </p:sp>
+      <p:sp>
+        <p:nvSpPr>
+          <p:cNvPr id="3" name="Notes Placeholder 2">
+            <a:extLst>
+              <a:ext uri="{FF2B5EF4-FFF2-40B4-BE49-F238E27FC236}">
+                <a16:creationId xmlns:a16="http://schemas.microsoft.com/office/drawing/2014/main" id="{243CD913-A083-B4FB-75C8-AE67FCF9C912}"/>
+              </a:ext>
+            </a:extLst>
+          </p:cNvPr>
+          <p:cNvSpPr>
+            <a:spLocks noGrp="1"/>
+          </p:cNvSpPr>
+          <p:nvPr>
+            <p:ph type="body" idx="1"/>
+          </p:nvPr>
+        </p:nvSpPr>
+        <p:spPr/>
+        <p:txBody>
+          <a:bodyPr/>
+          <a:lstStyle/>
+          <a:p>
+            <a:r>
+              <a:rPr lang="en-US" dirty="0"/>
+              <a:t>In the version of </a:t>
+            </a:r>
+            <a:r>
+              <a:rPr lang="en-US" dirty="0" err="1"/>
+              <a:t>helloNTimes</a:t>
+            </a:r>
+            <a:r>
+              <a:rPr lang="en-US" dirty="0"/>
+              <a:t> that gets </a:t>
+            </a:r>
+          </a:p>
+        </p:txBody>
+      </p:sp>
+      <p:sp>
+        <p:nvSpPr>
+          <p:cNvPr id="4" name="Slide Number Placeholder 3">
+            <a:extLst>
+              <a:ext uri="{FF2B5EF4-FFF2-40B4-BE49-F238E27FC236}">
+                <a16:creationId xmlns:a16="http://schemas.microsoft.com/office/drawing/2014/main" id="{308B5E58-7984-E931-CF1A-24740634002E}"/>
+              </a:ext>
+            </a:extLst>
+          </p:cNvPr>
+          <p:cNvSpPr>
+            <a:spLocks noGrp="1"/>
+          </p:cNvSpPr>
+          <p:nvPr>
+            <p:ph type="sldNum" sz="quarter" idx="5"/>
+          </p:nvPr>
+        </p:nvSpPr>
+        <p:spPr/>
+        <p:txBody>
+          <a:bodyPr/>
+          <a:lstStyle/>
+          <a:p>
+            <a:fld id="{07937F07-1250-4CCE-B198-1B2887014F41}" type="slidenum">
+              <a:rPr lang="en-US" smtClean="0"/>
+              <a:t>11</a:t>
+            </a:fld>
+            <a:endParaRPr lang="en-US"/>
+          </a:p>
+        </p:txBody>
+      </p:sp>
+    </p:spTree>
+    <p:extLst>
+      <p:ext uri="{BB962C8B-B14F-4D97-AF65-F5344CB8AC3E}">
+        <p14:creationId xmlns:p14="http://schemas.microsoft.com/office/powerpoint/2010/main" val="3102265883"/>
+      </p:ext>
+    </p:extLst>
+  </p:cSld>
+  <p:clrMapOvr>
+    <a:masterClrMapping/>
+  </p:clrMapOvr>
+</p:notes>
+</file>
+
+<file path=ppt/notesSlides/notesSlide11.xml><?xml version="1.0" encoding="utf-8"?>
+<p:notes xmlns:a="http://schemas.openxmlformats.org/drawingml/2006/main" xmlns:r="http://schemas.openxmlformats.org/officeDocument/2006/relationships" xmlns:p="http://schemas.openxmlformats.org/presentationml/2006/main">
+  <p:cSld>
+    <p:spTree>
+      <p:nvGrpSpPr>
+        <p:cNvPr id="1" name="">
+          <a:extLst>
+            <a:ext uri="{FF2B5EF4-FFF2-40B4-BE49-F238E27FC236}">
               <a16:creationId xmlns:a16="http://schemas.microsoft.com/office/drawing/2014/main" id="{E5EE018B-B5C0-8E63-922E-16FFF772EF03}"/>
             </a:ext>
           </a:extLst>
@@ -718,7 +859,7 @@
           <a:p>
             <a:fld id="{07937F07-1250-4CCE-B198-1B2887014F41}" type="slidenum">
               <a:rPr lang="en-US" smtClean="0"/>
-              <a:t>11</a:t>
+              <a:t>12</a:t>
             </a:fld>
             <a:endParaRPr lang="en-US"/>
           </a:p>
@@ -737,7 +878,7 @@
 </p:notes>
 </file>
 
-<file path=ppt/notesSlides/notesSlide11.xml><?xml version="1.0" encoding="utf-8"?>
+<file path=ppt/notesSlides/notesSlide12.xml><?xml version="1.0" encoding="utf-8"?>
 <p:notes xmlns:a="http://schemas.openxmlformats.org/drawingml/2006/main" xmlns:r="http://schemas.openxmlformats.org/officeDocument/2006/relationships" xmlns:p="http://schemas.openxmlformats.org/presentationml/2006/main">
   <p:cSld>
     <p:spTree>
@@ -866,7 +1007,7 @@
           <a:p>
             <a:fld id="{07937F07-1250-4CCE-B198-1B2887014F41}" type="slidenum">
               <a:rPr lang="en-US" smtClean="0"/>
-              <a:t>12</a:t>
+              <a:t>13</a:t>
             </a:fld>
             <a:endParaRPr lang="en-US"/>
           </a:p>
@@ -885,7 +1026,7 @@
 </p:notes>
 </file>
 
-<file path=ppt/notesSlides/notesSlide12.xml><?xml version="1.0" encoding="utf-8"?>
+<file path=ppt/notesSlides/notesSlide13.xml><?xml version="1.0" encoding="utf-8"?>
 <p:notes xmlns:a="http://schemas.openxmlformats.org/drawingml/2006/main" xmlns:r="http://schemas.openxmlformats.org/officeDocument/2006/relationships" xmlns:p="http://schemas.openxmlformats.org/presentationml/2006/main">
   <p:cSld>
     <p:spTree>
@@ -974,7 +1115,7 @@
           <a:p>
             <a:fld id="{07937F07-1250-4CCE-B198-1B2887014F41}" type="slidenum">
               <a:rPr lang="en-US" smtClean="0"/>
-              <a:t>13</a:t>
+              <a:t>14</a:t>
             </a:fld>
             <a:endParaRPr lang="en-US"/>
           </a:p>
@@ -984,93 +1125,6 @@
     <p:extLst>
       <p:ext uri="{BB962C8B-B14F-4D97-AF65-F5344CB8AC3E}">
         <p14:creationId xmlns:p14="http://schemas.microsoft.com/office/powerpoint/2010/main" val="2943393318"/>
-      </p:ext>
-    </p:extLst>
-  </p:cSld>
-  <p:clrMapOvr>
-    <a:masterClrMapping/>
-  </p:clrMapOvr>
-</p:notes>
-</file>
-
-<file path=ppt/notesSlides/notesSlide13.xml><?xml version="1.0" encoding="utf-8"?>
-<p:notes xmlns:a="http://schemas.openxmlformats.org/drawingml/2006/main" xmlns:r="http://schemas.openxmlformats.org/officeDocument/2006/relationships" xmlns:p="http://schemas.openxmlformats.org/presentationml/2006/main">
-  <p:cSld>
-    <p:spTree>
-      <p:nvGrpSpPr>
-        <p:cNvPr id="1" name=""/>
-        <p:cNvGrpSpPr/>
-        <p:nvPr/>
-      </p:nvGrpSpPr>
-      <p:grpSpPr>
-        <a:xfrm>
-          <a:off x="0" y="0"/>
-          <a:ext cx="0" cy="0"/>
-          <a:chOff x="0" y="0"/>
-          <a:chExt cx="0" cy="0"/>
-        </a:xfrm>
-      </p:grpSpPr>
-      <p:sp>
-        <p:nvSpPr>
-          <p:cNvPr id="2" name="Slide Image Placeholder 1"/>
-          <p:cNvSpPr>
-            <a:spLocks noGrp="1" noRot="1" noChangeAspect="1"/>
-          </p:cNvSpPr>
-          <p:nvPr>
-            <p:ph type="sldImg"/>
-          </p:nvPr>
-        </p:nvSpPr>
-        <p:spPr/>
-      </p:sp>
-      <p:sp>
-        <p:nvSpPr>
-          <p:cNvPr id="3" name="Notes Placeholder 2"/>
-          <p:cNvSpPr>
-            <a:spLocks noGrp="1"/>
-          </p:cNvSpPr>
-          <p:nvPr>
-            <p:ph type="body" idx="1"/>
-          </p:nvPr>
-        </p:nvSpPr>
-        <p:spPr/>
-        <p:txBody>
-          <a:bodyPr/>
-          <a:lstStyle/>
-          <a:p>
-            <a:r>
-              <a:rPr lang="en-US" dirty="0"/>
-              <a:t>(Rob: I’ve been saved more than once by trying to intentionally break my code and noticing that the test I expected to fail didn’t fail — this meant the test wasn’t checking what I expected it to!)</a:t>
-            </a:r>
-          </a:p>
-        </p:txBody>
-      </p:sp>
-      <p:sp>
-        <p:nvSpPr>
-          <p:cNvPr id="4" name="Slide Number Placeholder 3"/>
-          <p:cNvSpPr>
-            <a:spLocks noGrp="1"/>
-          </p:cNvSpPr>
-          <p:nvPr>
-            <p:ph type="sldNum" sz="quarter" idx="5"/>
-          </p:nvPr>
-        </p:nvSpPr>
-        <p:spPr/>
-        <p:txBody>
-          <a:bodyPr/>
-          <a:lstStyle/>
-          <a:p>
-            <a:fld id="{07937F07-1250-4CCE-B198-1B2887014F41}" type="slidenum">
-              <a:rPr lang="en-US" smtClean="0"/>
-              <a:t>14</a:t>
-            </a:fld>
-            <a:endParaRPr lang="en-US"/>
-          </a:p>
-        </p:txBody>
-      </p:sp>
-    </p:spTree>
-    <p:extLst>
-      <p:ext uri="{BB962C8B-B14F-4D97-AF65-F5344CB8AC3E}">
-        <p14:creationId xmlns:p14="http://schemas.microsoft.com/office/powerpoint/2010/main" val="3918090583"/>
       </p:ext>
     </p:extLst>
   </p:cSld>
@@ -1126,32 +1180,8 @@
           <a:p>
             <a:r>
               <a:rPr lang="en-US" dirty="0"/>
-              <a:t>When we need a graph to measure “have we written enough tests,” code coverage is absolutely what everyone uses. But we’ve just seen a couple of ways that this can fail to tell us that we’ve written enough tests — or at least, fail to tell us when our tests are any good.</a:t>
-            </a:r>
-          </a:p>
-          <a:p>
-            <a:endParaRPr lang="en-US" dirty="0"/>
-          </a:p>
-          <a:p>
-            <a:r>
-              <a:rPr lang="en-US" dirty="0"/>
-              <a:t>A much more robust way to think about the question of have I written enough tests is the idea of </a:t>
-            </a:r>
-            <a:r>
-              <a:rPr lang="en-US" i="1" dirty="0"/>
-              <a:t>adversarial testing</a:t>
-            </a:r>
-            <a:r>
-              <a:rPr lang="en-US" i="0" dirty="0"/>
-              <a:t>. Could someone else write a buggy version of your code that your tests would fail to catch?</a:t>
-            </a:r>
-            <a:endParaRPr lang="en-US" dirty="0"/>
-          </a:p>
-          <a:p>
-            <a:endParaRPr lang="en-US" dirty="0"/>
-          </a:p>
-          <a:p>
-            <a:endParaRPr lang="en-US" dirty="0"/>
+              <a:t>(Rob: I’ve been saved more than once by trying to intentionally break my code and noticing that the test I expected to fail didn’t fail — this meant the test wasn’t checking what I expected it to!)</a:t>
+            </a:r>
           </a:p>
         </p:txBody>
       </p:sp>
@@ -1181,6 +1211,117 @@
     </p:spTree>
     <p:extLst>
       <p:ext uri="{BB962C8B-B14F-4D97-AF65-F5344CB8AC3E}">
+        <p14:creationId xmlns:p14="http://schemas.microsoft.com/office/powerpoint/2010/main" val="3918090583"/>
+      </p:ext>
+    </p:extLst>
+  </p:cSld>
+  <p:clrMapOvr>
+    <a:masterClrMapping/>
+  </p:clrMapOvr>
+</p:notes>
+</file>
+
+<file path=ppt/notesSlides/notesSlide15.xml><?xml version="1.0" encoding="utf-8"?>
+<p:notes xmlns:a="http://schemas.openxmlformats.org/drawingml/2006/main" xmlns:r="http://schemas.openxmlformats.org/officeDocument/2006/relationships" xmlns:p="http://schemas.openxmlformats.org/presentationml/2006/main">
+  <p:cSld>
+    <p:spTree>
+      <p:nvGrpSpPr>
+        <p:cNvPr id="1" name=""/>
+        <p:cNvGrpSpPr/>
+        <p:nvPr/>
+      </p:nvGrpSpPr>
+      <p:grpSpPr>
+        <a:xfrm>
+          <a:off x="0" y="0"/>
+          <a:ext cx="0" cy="0"/>
+          <a:chOff x="0" y="0"/>
+          <a:chExt cx="0" cy="0"/>
+        </a:xfrm>
+      </p:grpSpPr>
+      <p:sp>
+        <p:nvSpPr>
+          <p:cNvPr id="2" name="Slide Image Placeholder 1"/>
+          <p:cNvSpPr>
+            <a:spLocks noGrp="1" noRot="1" noChangeAspect="1"/>
+          </p:cNvSpPr>
+          <p:nvPr>
+            <p:ph type="sldImg"/>
+          </p:nvPr>
+        </p:nvSpPr>
+        <p:spPr/>
+      </p:sp>
+      <p:sp>
+        <p:nvSpPr>
+          <p:cNvPr id="3" name="Notes Placeholder 2"/>
+          <p:cNvSpPr>
+            <a:spLocks noGrp="1"/>
+          </p:cNvSpPr>
+          <p:nvPr>
+            <p:ph type="body" idx="1"/>
+          </p:nvPr>
+        </p:nvSpPr>
+        <p:spPr/>
+        <p:txBody>
+          <a:bodyPr/>
+          <a:lstStyle/>
+          <a:p>
+            <a:r>
+              <a:rPr lang="en-US" dirty="0"/>
+              <a:t>When we need a graph to measure “have we written enough tests,” code coverage is absolutely what everyone uses. But we’ve just seen a couple of ways that this can fail to tell us that we’ve written enough tests — or at least, fail to tell us when our tests are any good.</a:t>
+            </a:r>
+          </a:p>
+          <a:p>
+            <a:endParaRPr lang="en-US" dirty="0"/>
+          </a:p>
+          <a:p>
+            <a:r>
+              <a:rPr lang="en-US" dirty="0"/>
+              <a:t>A much more robust way to think about the question of have I written enough tests is the idea of </a:t>
+            </a:r>
+            <a:r>
+              <a:rPr lang="en-US" i="1" dirty="0"/>
+              <a:t>adversarial testing</a:t>
+            </a:r>
+            <a:r>
+              <a:rPr lang="en-US" i="0" dirty="0"/>
+              <a:t>. Could someone else write a buggy version of your code that your tests would fail to catch?</a:t>
+            </a:r>
+            <a:endParaRPr lang="en-US" dirty="0"/>
+          </a:p>
+          <a:p>
+            <a:endParaRPr lang="en-US" dirty="0"/>
+          </a:p>
+          <a:p>
+            <a:endParaRPr lang="en-US" dirty="0"/>
+          </a:p>
+        </p:txBody>
+      </p:sp>
+      <p:sp>
+        <p:nvSpPr>
+          <p:cNvPr id="4" name="Slide Number Placeholder 3"/>
+          <p:cNvSpPr>
+            <a:spLocks noGrp="1"/>
+          </p:cNvSpPr>
+          <p:nvPr>
+            <p:ph type="sldNum" sz="quarter" idx="5"/>
+          </p:nvPr>
+        </p:nvSpPr>
+        <p:spPr/>
+        <p:txBody>
+          <a:bodyPr/>
+          <a:lstStyle/>
+          <a:p>
+            <a:fld id="{07937F07-1250-4CCE-B198-1B2887014F41}" type="slidenum">
+              <a:rPr lang="en-US" smtClean="0"/>
+              <a:t>16</a:t>
+            </a:fld>
+            <a:endParaRPr lang="en-US"/>
+          </a:p>
+        </p:txBody>
+      </p:sp>
+    </p:spTree>
+    <p:extLst>
+      <p:ext uri="{BB962C8B-B14F-4D97-AF65-F5344CB8AC3E}">
         <p14:creationId xmlns:p14="http://schemas.microsoft.com/office/powerpoint/2010/main" val="2796793573"/>
       </p:ext>
     </p:extLst>
@@ -1191,7 +1332,7 @@
 </p:notes>
 </file>
 
-<file path=ppt/notesSlides/notesSlide15.xml><?xml version="1.0" encoding="utf-8"?>
+<file path=ppt/notesSlides/notesSlide16.xml><?xml version="1.0" encoding="utf-8"?>
 <p:notes xmlns:a="http://schemas.openxmlformats.org/drawingml/2006/main" xmlns:r="http://schemas.openxmlformats.org/officeDocument/2006/relationships" xmlns:p="http://schemas.openxmlformats.org/presentationml/2006/main">
   <p:cSld>
     <p:spTree>
@@ -1325,7 +1466,7 @@
 </p:notes>
 </file>
 
-<file path=ppt/notesSlides/notesSlide16.xml><?xml version="1.0" encoding="utf-8"?>
+<file path=ppt/notesSlides/notesSlide17.xml><?xml version="1.0" encoding="utf-8"?>
 <p:notes xmlns:a="http://schemas.openxmlformats.org/drawingml/2006/main" xmlns:r="http://schemas.openxmlformats.org/officeDocument/2006/relationships" xmlns:p="http://schemas.openxmlformats.org/presentationml/2006/main">
   <p:cSld>
     <p:spTree>
@@ -1427,158 +1568,6 @@
     <p:extLst>
       <p:ext uri="{BB962C8B-B14F-4D97-AF65-F5344CB8AC3E}">
         <p14:creationId xmlns:p14="http://schemas.microsoft.com/office/powerpoint/2010/main" val="3667407072"/>
-      </p:ext>
-    </p:extLst>
-  </p:cSld>
-  <p:clrMapOvr>
-    <a:masterClrMapping/>
-  </p:clrMapOvr>
-</p:notes>
-</file>
-
-<file path=ppt/notesSlides/notesSlide17.xml><?xml version="1.0" encoding="utf-8"?>
-<p:notes xmlns:a="http://schemas.openxmlformats.org/drawingml/2006/main" xmlns:r="http://schemas.openxmlformats.org/officeDocument/2006/relationships" xmlns:p="http://schemas.openxmlformats.org/presentationml/2006/main">
-  <p:cSld>
-    <p:spTree>
-      <p:nvGrpSpPr>
-        <p:cNvPr id="1" name="">
-          <a:extLst>
-            <a:ext uri="{FF2B5EF4-FFF2-40B4-BE49-F238E27FC236}">
-              <a16:creationId xmlns:a16="http://schemas.microsoft.com/office/drawing/2014/main" id="{94105A32-CF27-6208-B335-532EE2A1F371}"/>
-            </a:ext>
-          </a:extLst>
-        </p:cNvPr>
-        <p:cNvGrpSpPr/>
-        <p:nvPr/>
-      </p:nvGrpSpPr>
-      <p:grpSpPr>
-        <a:xfrm>
-          <a:off x="0" y="0"/>
-          <a:ext cx="0" cy="0"/>
-          <a:chOff x="0" y="0"/>
-          <a:chExt cx="0" cy="0"/>
-        </a:xfrm>
-      </p:grpSpPr>
-      <p:sp>
-        <p:nvSpPr>
-          <p:cNvPr id="834" name="Shape 834">
-            <a:extLst>
-              <a:ext uri="{FF2B5EF4-FFF2-40B4-BE49-F238E27FC236}">
-                <a16:creationId xmlns:a16="http://schemas.microsoft.com/office/drawing/2014/main" id="{AF7354D2-CBDA-E105-4FAE-71A74BF56188}"/>
-              </a:ext>
-            </a:extLst>
-          </p:cNvPr>
-          <p:cNvSpPr>
-            <a:spLocks noGrp="1" noRot="1" noChangeAspect="1"/>
-          </p:cNvSpPr>
-          <p:nvPr>
-            <p:ph type="sldImg"/>
-          </p:nvPr>
-        </p:nvSpPr>
-        <p:spPr>
-          <a:xfrm>
-            <a:off x="381000" y="685800"/>
-            <a:ext cx="6096000" cy="3429000"/>
-          </a:xfrm>
-          <a:prstGeom prst="rect">
-            <a:avLst/>
-          </a:prstGeom>
-        </p:spPr>
-        <p:txBody>
-          <a:bodyPr/>
-          <a:lstStyle/>
-          <a:p>
-            <a:endParaRPr/>
-          </a:p>
-        </p:txBody>
-      </p:sp>
-      <p:sp>
-        <p:nvSpPr>
-          <p:cNvPr id="835" name="Shape 835">
-            <a:extLst>
-              <a:ext uri="{FF2B5EF4-FFF2-40B4-BE49-F238E27FC236}">
-                <a16:creationId xmlns:a16="http://schemas.microsoft.com/office/drawing/2014/main" id="{A2E9D587-82F1-3A4C-DC13-B23C2340E902}"/>
-              </a:ext>
-            </a:extLst>
-          </p:cNvPr>
-          <p:cNvSpPr>
-            <a:spLocks noGrp="1"/>
-          </p:cNvSpPr>
-          <p:nvPr>
-            <p:ph type="body" sz="quarter" idx="1"/>
-          </p:nvPr>
-        </p:nvSpPr>
-        <p:spPr>
-          <a:prstGeom prst="rect">
-            <a:avLst/>
-          </a:prstGeom>
-        </p:spPr>
-        <p:txBody>
-          <a:bodyPr/>
-          <a:lstStyle/>
-          <a:p>
-            <a:r>
-              <a:rPr lang="en-US" dirty="0"/>
-              <a:t>Adversarial testing is a game, and sometimes your adversary loses the game because the “mutant” isn’t a bug.</a:t>
-            </a:r>
-          </a:p>
-          <a:p>
-            <a:endParaRPr lang="en-US" dirty="0"/>
-          </a:p>
-          <a:p>
-            <a:r>
-              <a:rPr lang="en-US" dirty="0"/>
-              <a:t>If the spec is just “throw an error if the width or height is nonzero” then this change is fine.</a:t>
-            </a:r>
-          </a:p>
-          <a:p>
-            <a:endParaRPr lang="en-US" dirty="0"/>
-          </a:p>
-          <a:p>
-            <a:r>
-              <a:rPr lang="en-US" dirty="0"/>
-              <a:t>This is related to a real problem with tests: they can be </a:t>
-            </a:r>
-            <a:r>
-              <a:rPr lang="en-US" i="1" dirty="0"/>
-              <a:t>overspecified</a:t>
-            </a:r>
-            <a:r>
-              <a:rPr lang="en-US" i="0" dirty="0"/>
-              <a:t>, and can test properties of your program you don’t actually care about. In the Tic-Tac-Toe example in your homework, the tests have to be carefully written, because it doesn’t matter whether you describe a winning line as ([[0,0], [1,1], [2,2]]) or ([[1,1], [0,0], [2,2]]).</a:t>
-            </a:r>
-          </a:p>
-          <a:p>
-            <a:endParaRPr lang="en-US" i="0" dirty="0"/>
-          </a:p>
-          <a:p>
-            <a:r>
-              <a:rPr lang="en-US" i="0" dirty="0"/>
-              <a:t>Overly-specific tests aren’t generally a huge problem, but they can lead to </a:t>
-            </a:r>
-            <a:r>
-              <a:rPr lang="en-US" i="1" dirty="0"/>
-              <a:t>flaky </a:t>
-            </a:r>
-            <a:r>
-              <a:rPr lang="en-US" i="0" dirty="0"/>
-              <a:t>tests — imagine a tic-tac-toe program has randomness, and </a:t>
-            </a:r>
-            <a:r>
-              <a:rPr lang="en-US" i="1" dirty="0"/>
-              <a:t>some of the time</a:t>
-            </a:r>
-            <a:r>
-              <a:rPr lang="en-US" i="0" dirty="0"/>
-              <a:t> it reports solutions in a different order, so your fail… some of the time. (We’ll return to this idea in a later lecture.)</a:t>
-            </a:r>
-          </a:p>
-        </p:txBody>
-      </p:sp>
-    </p:spTree>
-    <p:extLst>
-      <p:ext uri="{BB962C8B-B14F-4D97-AF65-F5344CB8AC3E}">
-        <p14:creationId xmlns:p14="http://schemas.microsoft.com/office/powerpoint/2010/main" val="3105923274"/>
       </p:ext>
     </p:extLst>
   </p:cSld>
@@ -1639,16 +1628,7 @@
           <a:p>
             <a:r>
               <a:rPr lang="en-US" dirty="0"/>
-              <a:t>You might look at these mutants, which are caused by such simple operations, and wonder: but do these one-line mutations really represent the kinds of bugs that occur in real software? Because ultimately, that is what we are looking to evaluate, right? Do our tests find real bugs?</a:t>
-            </a:r>
-          </a:p>
-          <a:p>
-            <a:endParaRPr lang="en-US" dirty="0"/>
-          </a:p>
-          <a:p>
-            <a:r>
-              <a:rPr lang="en-US" dirty="0"/>
-              <a:t>This study (and others that have replicated it) is important because it shows that this process of enhancing a test suite to detect more mutants might be worth the effort, because there is empirical evidence that: given two test suites, where one detects more mutants than the other (on the same SUT — System Under Test), the one that detects more mutants also finds more real bugs.</a:t>
+              <a:t>&lt;read slide&gt;</a:t>
             </a:r>
           </a:p>
         </p:txBody>
@@ -1656,7 +1636,7 @@
     </p:spTree>
     <p:extLst>
       <p:ext uri="{BB962C8B-B14F-4D97-AF65-F5344CB8AC3E}">
-        <p14:creationId xmlns:p14="http://schemas.microsoft.com/office/powerpoint/2010/main" val="3616924829"/>
+        <p14:creationId xmlns:p14="http://schemas.microsoft.com/office/powerpoint/2010/main" val="682520724"/>
       </p:ext>
     </p:extLst>
   </p:cSld>
@@ -1671,13 +1651,7 @@
   <p:cSld>
     <p:spTree>
       <p:nvGrpSpPr>
-        <p:cNvPr id="1" name="">
-          <a:extLst>
-            <a:ext uri="{FF2B5EF4-FFF2-40B4-BE49-F238E27FC236}">
-              <a16:creationId xmlns:a16="http://schemas.microsoft.com/office/drawing/2014/main" id="{58143C31-7622-6609-58FF-974330CAE533}"/>
-            </a:ext>
-          </a:extLst>
-        </p:cNvPr>
+        <p:cNvPr id="1" name=""/>
         <p:cNvGrpSpPr/>
         <p:nvPr/>
       </p:nvGrpSpPr>
@@ -1691,13 +1665,7 @@
       </p:grpSpPr>
       <p:sp>
         <p:nvSpPr>
-          <p:cNvPr id="2" name="Slide Image Placeholder 1">
-            <a:extLst>
-              <a:ext uri="{FF2B5EF4-FFF2-40B4-BE49-F238E27FC236}">
-                <a16:creationId xmlns:a16="http://schemas.microsoft.com/office/drawing/2014/main" id="{F3F35600-3011-8E30-079A-4F1C9AA15DA4}"/>
-              </a:ext>
-            </a:extLst>
-          </p:cNvPr>
+          <p:cNvPr id="2" name="Slide Image Placeholder 1"/>
           <p:cNvSpPr>
             <a:spLocks noGrp="1" noRot="1" noChangeAspect="1"/>
           </p:cNvSpPr>
@@ -1705,17 +1673,16 @@
             <p:ph type="sldImg"/>
           </p:nvPr>
         </p:nvSpPr>
-        <p:spPr/>
+        <p:spPr>
+          <a:xfrm>
+            <a:off x="381000" y="685800"/>
+            <a:ext cx="6096000" cy="3429000"/>
+          </a:xfrm>
+        </p:spPr>
       </p:sp>
       <p:sp>
         <p:nvSpPr>
-          <p:cNvPr id="3" name="Notes Placeholder 2">
-            <a:extLst>
-              <a:ext uri="{FF2B5EF4-FFF2-40B4-BE49-F238E27FC236}">
-                <a16:creationId xmlns:a16="http://schemas.microsoft.com/office/drawing/2014/main" id="{0D201477-7F29-E28F-0ABA-3B6637CFEC7D}"/>
-              </a:ext>
-            </a:extLst>
-          </p:cNvPr>
+          <p:cNvPr id="3" name="Notes Placeholder 2"/>
           <p:cNvSpPr>
             <a:spLocks noGrp="1"/>
           </p:cNvSpPr>
@@ -1730,122 +1697,15 @@
           <a:p>
             <a:r>
               <a:rPr lang="en-US" dirty="0"/>
-              <a:t>When have you written enough tests?</a:t>
-            </a:r>
-          </a:p>
-          <a:p>
-            <a:endParaRPr lang="en-US" dirty="0"/>
-          </a:p>
-          <a:p>
-            <a:r>
-              <a:rPr lang="en-US" dirty="0"/>
-              <a:t>If you’re trying to make a graph or report progress to your boss — if you have tests that Assemble/Act/Assess and have 100% branch coverage, you’ve written enough tests.</a:t>
-            </a:r>
-          </a:p>
-          <a:p>
-            <a:endParaRPr lang="en-US" dirty="0"/>
-          </a:p>
-          <a:p>
-            <a:r>
-              <a:rPr lang="en-US" dirty="0"/>
-              <a:t>If you really care about tests that do a good job making sure your code is correct, now and in the future: if your tests will always win the “game” of adversarial testing and find a bug in any buggy implementation.</a:t>
-            </a:r>
-          </a:p>
-        </p:txBody>
-      </p:sp>
-      <p:sp>
-        <p:nvSpPr>
-          <p:cNvPr id="4" name="Slide Number Placeholder 3">
-            <a:extLst>
-              <a:ext uri="{FF2B5EF4-FFF2-40B4-BE49-F238E27FC236}">
-                <a16:creationId xmlns:a16="http://schemas.microsoft.com/office/drawing/2014/main" id="{4EA10D13-83DF-6358-7C18-30B73A22214E}"/>
-              </a:ext>
-            </a:extLst>
-          </p:cNvPr>
-          <p:cNvSpPr>
-            <a:spLocks noGrp="1"/>
-          </p:cNvSpPr>
-          <p:nvPr>
-            <p:ph type="sldNum" sz="quarter" idx="5"/>
-          </p:nvPr>
-        </p:nvSpPr>
-        <p:spPr/>
-        <p:txBody>
-          <a:bodyPr/>
-          <a:lstStyle/>
-          <a:p>
-            <a:pPr marL="0" marR="0" lvl="0" indent="0" algn="r" defTabSz="914400" rtl="0" eaLnBrk="1" fontAlgn="auto" latinLnBrk="0" hangingPunct="1">
-              <a:lnSpc>
-                <a:spcPct val="100000"/>
-              </a:lnSpc>
-              <a:spcBef>
-                <a:spcPts val="0"/>
-              </a:spcBef>
-              <a:spcAft>
-                <a:spcPts val="0"/>
-              </a:spcAft>
-              <a:buClrTx/>
-              <a:buSzTx/>
-              <a:buFontTx/>
-              <a:buNone/>
-              <a:tabLst/>
-              <a:defRPr/>
-            </a:pPr>
-            <a:fld id="{07937F07-1250-4CCE-B198-1B2887014F41}" type="slidenum">
-              <a:rPr kumimoji="0" lang="en-US" sz="1200" b="0" i="0" u="none" strike="noStrike" kern="1200" cap="none" spc="0" normalizeH="0" baseline="0" noProof="0" smtClean="0">
-                <a:ln>
-                  <a:noFill/>
-                </a:ln>
-                <a:solidFill>
-                  <a:prstClr val="black"/>
-                </a:solidFill>
-                <a:effectLst/>
-                <a:uLnTx/>
-                <a:uFillTx/>
-                <a:latin typeface="Calibri" panose="020F0502020204030204"/>
-                <a:ea typeface="+mn-ea"/>
-                <a:cs typeface="+mn-cs"/>
-              </a:rPr>
-              <a:pPr marL="0" marR="0" lvl="0" indent="0" algn="r" defTabSz="914400" rtl="0" eaLnBrk="1" fontAlgn="auto" latinLnBrk="0" hangingPunct="1">
-                <a:lnSpc>
-                  <a:spcPct val="100000"/>
-                </a:lnSpc>
-                <a:spcBef>
-                  <a:spcPts val="0"/>
-                </a:spcBef>
-                <a:spcAft>
-                  <a:spcPts val="0"/>
-                </a:spcAft>
-                <a:buClrTx/>
-                <a:buSzTx/>
-                <a:buFontTx/>
-                <a:buNone/>
-                <a:tabLst/>
-                <a:defRPr/>
-              </a:pPr>
-              <a:t>20</a:t>
-            </a:fld>
-            <a:endParaRPr kumimoji="0" lang="en-US" sz="1200" b="0" i="0" u="none" strike="noStrike" kern="1200" cap="none" spc="0" normalizeH="0" baseline="0" noProof="0">
-              <a:ln>
-                <a:noFill/>
-              </a:ln>
-              <a:solidFill>
-                <a:prstClr val="black"/>
-              </a:solidFill>
-              <a:effectLst/>
-              <a:uLnTx/>
-              <a:uFillTx/>
-              <a:latin typeface="Calibri" panose="020F0502020204030204"/>
-              <a:ea typeface="+mn-ea"/>
-              <a:cs typeface="+mn-cs"/>
-            </a:endParaRPr>
+              <a:t>Let's look at a tiny example. &lt;Read Slide&gt; Next, let's look at the Stryker report for this example.</a:t>
+            </a:r>
           </a:p>
         </p:txBody>
       </p:sp>
     </p:spTree>
     <p:extLst>
       <p:ext uri="{BB962C8B-B14F-4D97-AF65-F5344CB8AC3E}">
-        <p14:creationId xmlns:p14="http://schemas.microsoft.com/office/powerpoint/2010/main" val="520175945"/>
+        <p14:creationId xmlns:p14="http://schemas.microsoft.com/office/powerpoint/2010/main" val="1442141339"/>
       </p:ext>
     </p:extLst>
   </p:cSld>
@@ -2023,6 +1883,857 @@
 </p:notes>
 </file>
 
+<file path=ppt/notesSlides/notesSlide20.xml><?xml version="1.0" encoding="utf-8"?>
+<p:notes xmlns:a="http://schemas.openxmlformats.org/drawingml/2006/main" xmlns:r="http://schemas.openxmlformats.org/officeDocument/2006/relationships" xmlns:p="http://schemas.openxmlformats.org/presentationml/2006/main">
+  <p:cSld>
+    <p:spTree>
+      <p:nvGrpSpPr>
+        <p:cNvPr id="1" name=""/>
+        <p:cNvGrpSpPr/>
+        <p:nvPr/>
+      </p:nvGrpSpPr>
+      <p:grpSpPr>
+        <a:xfrm>
+          <a:off x="0" y="0"/>
+          <a:ext cx="0" cy="0"/>
+          <a:chOff x="0" y="0"/>
+          <a:chExt cx="0" cy="0"/>
+        </a:xfrm>
+      </p:grpSpPr>
+      <p:sp>
+        <p:nvSpPr>
+          <p:cNvPr id="2" name="Slide Image Placeholder 1"/>
+          <p:cNvSpPr>
+            <a:spLocks noGrp="1" noRot="1" noChangeAspect="1"/>
+          </p:cNvSpPr>
+          <p:nvPr>
+            <p:ph type="sldImg"/>
+          </p:nvPr>
+        </p:nvSpPr>
+        <p:spPr>
+          <a:xfrm>
+            <a:off x="381000" y="685800"/>
+            <a:ext cx="6096000" cy="3429000"/>
+          </a:xfrm>
+        </p:spPr>
+      </p:sp>
+      <p:sp>
+        <p:nvSpPr>
+          <p:cNvPr id="3" name="Notes Placeholder 2"/>
+          <p:cNvSpPr>
+            <a:spLocks noGrp="1"/>
+          </p:cNvSpPr>
+          <p:nvPr>
+            <p:ph type="body" idx="1"/>
+          </p:nvPr>
+        </p:nvSpPr>
+        <p:spPr/>
+        <p:txBody>
+          <a:bodyPr/>
+          <a:lstStyle/>
+          <a:p>
+            <a:r>
+              <a:rPr lang="en-US" dirty="0"/>
+              <a:t>Here is the actual Stryker report for my initial set of tests.  (There was actually only one test in my suite, but that doesn't make a difference)</a:t>
+            </a:r>
+          </a:p>
+          <a:p>
+            <a:endParaRPr lang="en-US" dirty="0"/>
+          </a:p>
+          <a:p>
+            <a:r>
+              <a:rPr lang="en-US" dirty="0"/>
+              <a:t>Let's look at each of these mutants in turn.  Point out: the location of the mutation; the titles of the test(s) that covered this location (in this case, there was only one test, so they are both the same).</a:t>
+            </a:r>
+          </a:p>
+          <a:p>
+            <a:endParaRPr lang="en-US" dirty="0"/>
+          </a:p>
+        </p:txBody>
+      </p:sp>
+    </p:spTree>
+    <p:extLst>
+      <p:ext uri="{BB962C8B-B14F-4D97-AF65-F5344CB8AC3E}">
+        <p14:creationId xmlns:p14="http://schemas.microsoft.com/office/powerpoint/2010/main" val="4157729365"/>
+      </p:ext>
+    </p:extLst>
+  </p:cSld>
+  <p:clrMapOvr>
+    <a:masterClrMapping/>
+  </p:clrMapOvr>
+</p:notes>
+</file>
+
+<file path=ppt/notesSlides/notesSlide21.xml><?xml version="1.0" encoding="utf-8"?>
+<p:notes xmlns:a="http://schemas.openxmlformats.org/drawingml/2006/main" xmlns:r="http://schemas.openxmlformats.org/officeDocument/2006/relationships" xmlns:p="http://schemas.openxmlformats.org/presentationml/2006/main">
+  <p:cSld>
+    <p:spTree>
+      <p:nvGrpSpPr>
+        <p:cNvPr id="1" name=""/>
+        <p:cNvGrpSpPr/>
+        <p:nvPr/>
+      </p:nvGrpSpPr>
+      <p:grpSpPr>
+        <a:xfrm>
+          <a:off x="0" y="0"/>
+          <a:ext cx="0" cy="0"/>
+          <a:chOff x="0" y="0"/>
+          <a:chExt cx="0" cy="0"/>
+        </a:xfrm>
+      </p:grpSpPr>
+      <p:sp>
+        <p:nvSpPr>
+          <p:cNvPr id="2" name="Slide Image Placeholder 1"/>
+          <p:cNvSpPr>
+            <a:spLocks noGrp="1" noRot="1" noChangeAspect="1"/>
+          </p:cNvSpPr>
+          <p:nvPr>
+            <p:ph type="sldImg"/>
+          </p:nvPr>
+        </p:nvSpPr>
+        <p:spPr>
+          <a:xfrm>
+            <a:off x="381000" y="685800"/>
+            <a:ext cx="6096000" cy="3429000"/>
+          </a:xfrm>
+        </p:spPr>
+      </p:sp>
+      <p:sp>
+        <p:nvSpPr>
+          <p:cNvPr id="3" name="Notes Placeholder 2"/>
+          <p:cNvSpPr>
+            <a:spLocks noGrp="1"/>
+          </p:cNvSpPr>
+          <p:nvPr>
+            <p:ph type="body" idx="1"/>
+          </p:nvPr>
+        </p:nvSpPr>
+        <p:spPr/>
+        <p:txBody>
+          <a:bodyPr/>
+          <a:lstStyle/>
+          <a:p>
+            <a:r>
+              <a:rPr lang="en-US" dirty="0"/>
+              <a:t>When do these code fragments behave differently?  How could we give the program an input that makes the mutant fail?.</a:t>
+            </a:r>
+          </a:p>
+          <a:p>
+            <a:r>
+              <a:rPr lang="en-US" dirty="0"/>
+              <a:t>Discuss.</a:t>
+            </a:r>
+          </a:p>
+          <a:p>
+            <a:endParaRPr lang="en-US" dirty="0"/>
+          </a:p>
+          <a:p>
+            <a:r>
+              <a:rPr lang="en-US" dirty="0"/>
+              <a:t>Ans: the mutant always returns the first element of the list.   You could distinguish them by giving an input that should return some other element of the list</a:t>
+            </a:r>
+          </a:p>
+        </p:txBody>
+      </p:sp>
+    </p:spTree>
+    <p:extLst>
+      <p:ext uri="{BB962C8B-B14F-4D97-AF65-F5344CB8AC3E}">
+        <p14:creationId xmlns:p14="http://schemas.microsoft.com/office/powerpoint/2010/main" val="445764883"/>
+      </p:ext>
+    </p:extLst>
+  </p:cSld>
+  <p:clrMapOvr>
+    <a:masterClrMapping/>
+  </p:clrMapOvr>
+</p:notes>
+</file>
+
+<file path=ppt/notesSlides/notesSlide22.xml><?xml version="1.0" encoding="utf-8"?>
+<p:notes xmlns:a="http://schemas.openxmlformats.org/drawingml/2006/main" xmlns:r="http://schemas.openxmlformats.org/officeDocument/2006/relationships" xmlns:p="http://schemas.openxmlformats.org/presentationml/2006/main">
+  <p:cSld>
+    <p:spTree>
+      <p:nvGrpSpPr>
+        <p:cNvPr id="1" name=""/>
+        <p:cNvGrpSpPr/>
+        <p:nvPr/>
+      </p:nvGrpSpPr>
+      <p:grpSpPr>
+        <a:xfrm>
+          <a:off x="0" y="0"/>
+          <a:ext cx="0" cy="0"/>
+          <a:chOff x="0" y="0"/>
+          <a:chExt cx="0" cy="0"/>
+        </a:xfrm>
+      </p:grpSpPr>
+      <p:sp>
+        <p:nvSpPr>
+          <p:cNvPr id="2" name="Slide Image Placeholder 1"/>
+          <p:cNvSpPr>
+            <a:spLocks noGrp="1" noRot="1" noChangeAspect="1"/>
+          </p:cNvSpPr>
+          <p:nvPr>
+            <p:ph type="sldImg"/>
+          </p:nvPr>
+        </p:nvSpPr>
+        <p:spPr>
+          <a:xfrm>
+            <a:off x="381000" y="685800"/>
+            <a:ext cx="6096000" cy="3429000"/>
+          </a:xfrm>
+        </p:spPr>
+      </p:sp>
+      <p:sp>
+        <p:nvSpPr>
+          <p:cNvPr id="3" name="Notes Placeholder 2"/>
+          <p:cNvSpPr>
+            <a:spLocks noGrp="1"/>
+          </p:cNvSpPr>
+          <p:nvPr>
+            <p:ph type="body" idx="1"/>
+          </p:nvPr>
+        </p:nvSpPr>
+        <p:spPr/>
+        <p:txBody>
+          <a:bodyPr/>
+          <a:lstStyle/>
+          <a:p>
+            <a:r>
+              <a:rPr lang="en-US" dirty="0"/>
+              <a:t>Under what conditions will these two program fragments behave differently?  How could we write a test to create those conditions? </a:t>
+            </a:r>
+          </a:p>
+          <a:p>
+            <a:endParaRPr lang="en-US" dirty="0"/>
+          </a:p>
+          <a:p>
+            <a:r>
+              <a:rPr lang="en-US" dirty="0"/>
+              <a:t>DISCUSS.</a:t>
+            </a:r>
+          </a:p>
+          <a:p>
+            <a:endParaRPr lang="en-US" dirty="0"/>
+          </a:p>
+          <a:p>
+            <a:r>
+              <a:rPr lang="en-US" dirty="0"/>
+              <a:t>ANS: if the target is equal to one of the list items, the second one will keep going and return a different one.</a:t>
+            </a:r>
+          </a:p>
+        </p:txBody>
+      </p:sp>
+    </p:spTree>
+    <p:extLst>
+      <p:ext uri="{BB962C8B-B14F-4D97-AF65-F5344CB8AC3E}">
+        <p14:creationId xmlns:p14="http://schemas.microsoft.com/office/powerpoint/2010/main" val="169051177"/>
+      </p:ext>
+    </p:extLst>
+  </p:cSld>
+  <p:clrMapOvr>
+    <a:masterClrMapping/>
+  </p:clrMapOvr>
+</p:notes>
+</file>
+
+<file path=ppt/notesSlides/notesSlide23.xml><?xml version="1.0" encoding="utf-8"?>
+<p:notes xmlns:a="http://schemas.openxmlformats.org/drawingml/2006/main" xmlns:r="http://schemas.openxmlformats.org/officeDocument/2006/relationships" xmlns:p="http://schemas.openxmlformats.org/presentationml/2006/main">
+  <p:cSld>
+    <p:spTree>
+      <p:nvGrpSpPr>
+        <p:cNvPr id="1" name=""/>
+        <p:cNvGrpSpPr/>
+        <p:nvPr/>
+      </p:nvGrpSpPr>
+      <p:grpSpPr>
+        <a:xfrm>
+          <a:off x="0" y="0"/>
+          <a:ext cx="0" cy="0"/>
+          <a:chOff x="0" y="0"/>
+          <a:chExt cx="0" cy="0"/>
+        </a:xfrm>
+      </p:grpSpPr>
+      <p:sp>
+        <p:nvSpPr>
+          <p:cNvPr id="2" name="Slide Image Placeholder 1"/>
+          <p:cNvSpPr>
+            <a:spLocks noGrp="1" noRot="1" noChangeAspect="1"/>
+          </p:cNvSpPr>
+          <p:nvPr>
+            <p:ph type="sldImg"/>
+          </p:nvPr>
+        </p:nvSpPr>
+        <p:spPr>
+          <a:xfrm>
+            <a:off x="381000" y="685800"/>
+            <a:ext cx="6096000" cy="3429000"/>
+          </a:xfrm>
+        </p:spPr>
+      </p:sp>
+      <p:sp>
+        <p:nvSpPr>
+          <p:cNvPr id="3" name="Notes Placeholder 2"/>
+          <p:cNvSpPr>
+            <a:spLocks noGrp="1"/>
+          </p:cNvSpPr>
+          <p:nvPr>
+            <p:ph type="body" idx="1"/>
+          </p:nvPr>
+        </p:nvSpPr>
+        <p:spPr/>
+        <p:txBody>
+          <a:bodyPr/>
+          <a:lstStyle/>
+          <a:p>
+            <a:r>
+              <a:rPr lang="en-US" dirty="0"/>
+              <a:t>We've made the mutant fail, but our correct program succeeds.</a:t>
+            </a:r>
+          </a:p>
+        </p:txBody>
+      </p:sp>
+    </p:spTree>
+    <p:extLst>
+      <p:ext uri="{BB962C8B-B14F-4D97-AF65-F5344CB8AC3E}">
+        <p14:creationId xmlns:p14="http://schemas.microsoft.com/office/powerpoint/2010/main" val="346233588"/>
+      </p:ext>
+    </p:extLst>
+  </p:cSld>
+  <p:clrMapOvr>
+    <a:masterClrMapping/>
+  </p:clrMapOvr>
+</p:notes>
+</file>
+
+<file path=ppt/notesSlides/notesSlide24.xml><?xml version="1.0" encoding="utf-8"?>
+<p:notes xmlns:a="http://schemas.openxmlformats.org/drawingml/2006/main" xmlns:r="http://schemas.openxmlformats.org/officeDocument/2006/relationships" xmlns:p="http://schemas.openxmlformats.org/presentationml/2006/main">
+  <p:cSld>
+    <p:spTree>
+      <p:nvGrpSpPr>
+        <p:cNvPr id="1" name=""/>
+        <p:cNvGrpSpPr/>
+        <p:nvPr/>
+      </p:nvGrpSpPr>
+      <p:grpSpPr>
+        <a:xfrm>
+          <a:off x="0" y="0"/>
+          <a:ext cx="0" cy="0"/>
+          <a:chOff x="0" y="0"/>
+          <a:chExt cx="0" cy="0"/>
+        </a:xfrm>
+      </p:grpSpPr>
+      <p:sp>
+        <p:nvSpPr>
+          <p:cNvPr id="2" name="Slide Image Placeholder 1"/>
+          <p:cNvSpPr>
+            <a:spLocks noGrp="1" noRot="1" noChangeAspect="1"/>
+          </p:cNvSpPr>
+          <p:nvPr>
+            <p:ph type="sldImg"/>
+          </p:nvPr>
+        </p:nvSpPr>
+        <p:spPr>
+          <a:xfrm>
+            <a:off x="381000" y="685800"/>
+            <a:ext cx="6096000" cy="3429000"/>
+          </a:xfrm>
+        </p:spPr>
+      </p:sp>
+      <p:sp>
+        <p:nvSpPr>
+          <p:cNvPr id="3" name="Notes Placeholder 2"/>
+          <p:cNvSpPr>
+            <a:spLocks noGrp="1"/>
+          </p:cNvSpPr>
+          <p:nvPr>
+            <p:ph type="body" idx="1"/>
+          </p:nvPr>
+        </p:nvSpPr>
+        <p:spPr/>
+        <p:txBody>
+          <a:bodyPr/>
+          <a:lstStyle/>
+          <a:p>
+            <a:r>
+              <a:rPr lang="en-US" dirty="0"/>
+              <a:t>Mutation analysis helps us improve our tests as we write them, because it shows us changes to our code (potential bugs!) that our tests do not detect. Remember, that to “detect” a mutant means that at least one test  in your test suite fails when run on the mutated code.</a:t>
+            </a:r>
+          </a:p>
+          <a:p>
+            <a:endParaRPr lang="en-US" dirty="0"/>
+          </a:p>
+          <a:p>
+            <a:r>
+              <a:rPr lang="en-US" dirty="0"/>
+              <a:t>Stryker actually reports both in plain text form, as we showed before, and as a handy html page.   Here is a piece of the html report, running on an 'overlaps' method from </a:t>
+            </a:r>
+            <a:r>
+              <a:rPr lang="en-US" dirty="0" err="1"/>
+              <a:t>Covey.town</a:t>
+            </a:r>
+            <a:r>
+              <a:rPr lang="en-US" dirty="0"/>
+              <a:t> (our project from last year). In this screenshot, we can see an undetected mutant, on line 137. The red highlighting (with the minus sign) shows how the line was before the mutation, and the green highlighting (with the plus sign) shows the line after the mutation. In this case, the mutation was to replace a &gt;= with a &gt; sign. </a:t>
+            </a:r>
+          </a:p>
+          <a:p>
+            <a:endParaRPr lang="en-US" dirty="0"/>
+          </a:p>
+          <a:p>
+            <a:r>
+              <a:rPr lang="en-US" dirty="0"/>
+              <a:t>There is also an undetected mutation on line 138, but it is not expanded (the red dot). When working through the report, you'll see them a single mutant at a time (because that’s what was run – one mutant at a time).</a:t>
+            </a:r>
+          </a:p>
+          <a:p>
+            <a:endParaRPr lang="en-US" dirty="0"/>
+          </a:p>
+          <a:p>
+            <a:r>
+              <a:rPr lang="en-US" dirty="0"/>
+              <a:t>Was this a bug?  I don't know, because I don't have enough context to decide </a:t>
+            </a:r>
+            <a:r>
+              <a:rPr lang="en-US" dirty="0">
+                <a:sym typeface="Wingdings" panose="05000000000000000000" pitchFamily="2" charset="2"/>
+              </a:rPr>
+              <a:t>.  But when you are running Stryker, you *will* know the context.</a:t>
+            </a:r>
+            <a:endParaRPr lang="en-US" dirty="0"/>
+          </a:p>
+        </p:txBody>
+      </p:sp>
+    </p:spTree>
+    <p:extLst>
+      <p:ext uri="{BB962C8B-B14F-4D97-AF65-F5344CB8AC3E}">
+        <p14:creationId xmlns:p14="http://schemas.microsoft.com/office/powerpoint/2010/main" val="421312046"/>
+      </p:ext>
+    </p:extLst>
+  </p:cSld>
+  <p:clrMapOvr>
+    <a:masterClrMapping/>
+  </p:clrMapOvr>
+</p:notes>
+</file>
+
+<file path=ppt/notesSlides/notesSlide25.xml><?xml version="1.0" encoding="utf-8"?>
+<p:notes xmlns:a="http://schemas.openxmlformats.org/drawingml/2006/main" xmlns:r="http://schemas.openxmlformats.org/officeDocument/2006/relationships" xmlns:p="http://schemas.openxmlformats.org/presentationml/2006/main">
+  <p:cSld>
+    <p:spTree>
+      <p:nvGrpSpPr>
+        <p:cNvPr id="1" name="">
+          <a:extLst>
+            <a:ext uri="{FF2B5EF4-FFF2-40B4-BE49-F238E27FC236}">
+              <a16:creationId xmlns:a16="http://schemas.microsoft.com/office/drawing/2014/main" id="{94105A32-CF27-6208-B335-532EE2A1F371}"/>
+            </a:ext>
+          </a:extLst>
+        </p:cNvPr>
+        <p:cNvGrpSpPr/>
+        <p:nvPr/>
+      </p:nvGrpSpPr>
+      <p:grpSpPr>
+        <a:xfrm>
+          <a:off x="0" y="0"/>
+          <a:ext cx="0" cy="0"/>
+          <a:chOff x="0" y="0"/>
+          <a:chExt cx="0" cy="0"/>
+        </a:xfrm>
+      </p:grpSpPr>
+      <p:sp>
+        <p:nvSpPr>
+          <p:cNvPr id="834" name="Shape 834">
+            <a:extLst>
+              <a:ext uri="{FF2B5EF4-FFF2-40B4-BE49-F238E27FC236}">
+                <a16:creationId xmlns:a16="http://schemas.microsoft.com/office/drawing/2014/main" id="{AF7354D2-CBDA-E105-4FAE-71A74BF56188}"/>
+              </a:ext>
+            </a:extLst>
+          </p:cNvPr>
+          <p:cNvSpPr>
+            <a:spLocks noGrp="1" noRot="1" noChangeAspect="1"/>
+          </p:cNvSpPr>
+          <p:nvPr>
+            <p:ph type="sldImg"/>
+          </p:nvPr>
+        </p:nvSpPr>
+        <p:spPr>
+          <a:xfrm>
+            <a:off x="381000" y="685800"/>
+            <a:ext cx="6096000" cy="3429000"/>
+          </a:xfrm>
+          <a:prstGeom prst="rect">
+            <a:avLst/>
+          </a:prstGeom>
+        </p:spPr>
+        <p:txBody>
+          <a:bodyPr/>
+          <a:lstStyle/>
+          <a:p>
+            <a:endParaRPr/>
+          </a:p>
+        </p:txBody>
+      </p:sp>
+      <p:sp>
+        <p:nvSpPr>
+          <p:cNvPr id="835" name="Shape 835">
+            <a:extLst>
+              <a:ext uri="{FF2B5EF4-FFF2-40B4-BE49-F238E27FC236}">
+                <a16:creationId xmlns:a16="http://schemas.microsoft.com/office/drawing/2014/main" id="{A2E9D587-82F1-3A4C-DC13-B23C2340E902}"/>
+              </a:ext>
+            </a:extLst>
+          </p:cNvPr>
+          <p:cNvSpPr>
+            <a:spLocks noGrp="1"/>
+          </p:cNvSpPr>
+          <p:nvPr>
+            <p:ph type="body" sz="quarter" idx="1"/>
+          </p:nvPr>
+        </p:nvSpPr>
+        <p:spPr>
+          <a:prstGeom prst="rect">
+            <a:avLst/>
+          </a:prstGeom>
+        </p:spPr>
+        <p:txBody>
+          <a:bodyPr/>
+          <a:lstStyle/>
+          <a:p>
+            <a:r>
+              <a:rPr lang="en-US" dirty="0"/>
+              <a:t>Adversarial testing is a game, and sometimes your adversary loses the game because the “mutant” isn’t a bug.</a:t>
+            </a:r>
+          </a:p>
+          <a:p>
+            <a:endParaRPr lang="en-US" dirty="0"/>
+          </a:p>
+          <a:p>
+            <a:r>
+              <a:rPr lang="en-US" dirty="0"/>
+              <a:t>If the spec is just “throw an error if the width or height is nonzero” then this change is fine.</a:t>
+            </a:r>
+          </a:p>
+          <a:p>
+            <a:endParaRPr lang="en-US" dirty="0"/>
+          </a:p>
+          <a:p>
+            <a:r>
+              <a:rPr lang="en-US" dirty="0"/>
+              <a:t>This is related to a real problem with tests: they can be </a:t>
+            </a:r>
+            <a:r>
+              <a:rPr lang="en-US" i="1" dirty="0"/>
+              <a:t>overspecified</a:t>
+            </a:r>
+            <a:r>
+              <a:rPr lang="en-US" i="0" dirty="0"/>
+              <a:t>, and can test properties of your program you don’t actually care about. In the Tic-Tac-Toe example in your homework, the tests have to be carefully written, because it doesn’t matter whether you describe a winning line as ([[0,0], [1,1], [2,2]]) or ([[1,1], [0,0], [2,2]]).</a:t>
+            </a:r>
+          </a:p>
+          <a:p>
+            <a:endParaRPr lang="en-US" i="0" dirty="0"/>
+          </a:p>
+          <a:p>
+            <a:r>
+              <a:rPr lang="en-US" i="0" dirty="0"/>
+              <a:t>Overly-specific tests aren’t generally a huge problem, but they can lead to </a:t>
+            </a:r>
+            <a:r>
+              <a:rPr lang="en-US" i="1" dirty="0"/>
+              <a:t>flaky </a:t>
+            </a:r>
+            <a:r>
+              <a:rPr lang="en-US" i="0" dirty="0"/>
+              <a:t>tests — imagine a tic-tac-toe program has randomness, and </a:t>
+            </a:r>
+            <a:r>
+              <a:rPr lang="en-US" i="1" dirty="0"/>
+              <a:t>some of the time</a:t>
+            </a:r>
+            <a:r>
+              <a:rPr lang="en-US" i="0" dirty="0"/>
+              <a:t> it reports solutions in a different order, so your fail… some of the time. (We’ll return to this idea in a later lecture.)</a:t>
+            </a:r>
+          </a:p>
+        </p:txBody>
+      </p:sp>
+    </p:spTree>
+    <p:extLst>
+      <p:ext uri="{BB962C8B-B14F-4D97-AF65-F5344CB8AC3E}">
+        <p14:creationId xmlns:p14="http://schemas.microsoft.com/office/powerpoint/2010/main" val="3105923274"/>
+      </p:ext>
+    </p:extLst>
+  </p:cSld>
+  <p:clrMapOvr>
+    <a:masterClrMapping/>
+  </p:clrMapOvr>
+</p:notes>
+</file>
+
+<file path=ppt/notesSlides/notesSlide26.xml><?xml version="1.0" encoding="utf-8"?>
+<p:notes xmlns:a="http://schemas.openxmlformats.org/drawingml/2006/main" xmlns:r="http://schemas.openxmlformats.org/officeDocument/2006/relationships" xmlns:p="http://schemas.openxmlformats.org/presentationml/2006/main">
+  <p:cSld>
+    <p:spTree>
+      <p:nvGrpSpPr>
+        <p:cNvPr id="1" name=""/>
+        <p:cNvGrpSpPr/>
+        <p:nvPr/>
+      </p:nvGrpSpPr>
+      <p:grpSpPr>
+        <a:xfrm>
+          <a:off x="0" y="0"/>
+          <a:ext cx="0" cy="0"/>
+          <a:chOff x="0" y="0"/>
+          <a:chExt cx="0" cy="0"/>
+        </a:xfrm>
+      </p:grpSpPr>
+      <p:sp>
+        <p:nvSpPr>
+          <p:cNvPr id="2" name="Slide Image Placeholder 1"/>
+          <p:cNvSpPr>
+            <a:spLocks noGrp="1" noRot="1" noChangeAspect="1"/>
+          </p:cNvSpPr>
+          <p:nvPr>
+            <p:ph type="sldImg"/>
+          </p:nvPr>
+        </p:nvSpPr>
+        <p:spPr>
+          <a:xfrm>
+            <a:off x="381000" y="685800"/>
+            <a:ext cx="6096000" cy="3429000"/>
+          </a:xfrm>
+        </p:spPr>
+      </p:sp>
+      <p:sp>
+        <p:nvSpPr>
+          <p:cNvPr id="3" name="Notes Placeholder 2"/>
+          <p:cNvSpPr>
+            <a:spLocks noGrp="1"/>
+          </p:cNvSpPr>
+          <p:nvPr>
+            <p:ph type="body" idx="1"/>
+          </p:nvPr>
+        </p:nvSpPr>
+        <p:spPr/>
+        <p:txBody>
+          <a:bodyPr/>
+          <a:lstStyle/>
+          <a:p>
+            <a:r>
+              <a:rPr lang="en-US" dirty="0"/>
+              <a:t>You might look at these mutants, which are caused by such simple operations, and wonder: but do these one-line mutations really represent the kinds of bugs that occur in real software? Because ultimately, that is what we are looking to evaluate, right? Do our tests find real bugs?</a:t>
+            </a:r>
+          </a:p>
+          <a:p>
+            <a:endParaRPr lang="en-US" dirty="0"/>
+          </a:p>
+          <a:p>
+            <a:r>
+              <a:rPr lang="en-US" dirty="0"/>
+              <a:t>This study (and others that have replicated it) is important because it shows that this process of enhancing a test suite to detect more mutants might be worth the effort, because there is empirical evidence that: given two test suites, where one detects more mutants than the other (on the same SUT — System Under Test), the one that detects more mutants also finds more real bugs.</a:t>
+            </a:r>
+          </a:p>
+        </p:txBody>
+      </p:sp>
+    </p:spTree>
+    <p:extLst>
+      <p:ext uri="{BB962C8B-B14F-4D97-AF65-F5344CB8AC3E}">
+        <p14:creationId xmlns:p14="http://schemas.microsoft.com/office/powerpoint/2010/main" val="3616924829"/>
+      </p:ext>
+    </p:extLst>
+  </p:cSld>
+  <p:clrMapOvr>
+    <a:masterClrMapping/>
+  </p:clrMapOvr>
+</p:notes>
+</file>
+
+<file path=ppt/notesSlides/notesSlide27.xml><?xml version="1.0" encoding="utf-8"?>
+<p:notes xmlns:a="http://schemas.openxmlformats.org/drawingml/2006/main" xmlns:r="http://schemas.openxmlformats.org/officeDocument/2006/relationships" xmlns:p="http://schemas.openxmlformats.org/presentationml/2006/main">
+  <p:cSld>
+    <p:spTree>
+      <p:nvGrpSpPr>
+        <p:cNvPr id="1" name="">
+          <a:extLst>
+            <a:ext uri="{FF2B5EF4-FFF2-40B4-BE49-F238E27FC236}">
+              <a16:creationId xmlns:a16="http://schemas.microsoft.com/office/drawing/2014/main" id="{58143C31-7622-6609-58FF-974330CAE533}"/>
+            </a:ext>
+          </a:extLst>
+        </p:cNvPr>
+        <p:cNvGrpSpPr/>
+        <p:nvPr/>
+      </p:nvGrpSpPr>
+      <p:grpSpPr>
+        <a:xfrm>
+          <a:off x="0" y="0"/>
+          <a:ext cx="0" cy="0"/>
+          <a:chOff x="0" y="0"/>
+          <a:chExt cx="0" cy="0"/>
+        </a:xfrm>
+      </p:grpSpPr>
+      <p:sp>
+        <p:nvSpPr>
+          <p:cNvPr id="2" name="Slide Image Placeholder 1">
+            <a:extLst>
+              <a:ext uri="{FF2B5EF4-FFF2-40B4-BE49-F238E27FC236}">
+                <a16:creationId xmlns:a16="http://schemas.microsoft.com/office/drawing/2014/main" id="{F3F35600-3011-8E30-079A-4F1C9AA15DA4}"/>
+              </a:ext>
+            </a:extLst>
+          </p:cNvPr>
+          <p:cNvSpPr>
+            <a:spLocks noGrp="1" noRot="1" noChangeAspect="1"/>
+          </p:cNvSpPr>
+          <p:nvPr>
+            <p:ph type="sldImg"/>
+          </p:nvPr>
+        </p:nvSpPr>
+        <p:spPr/>
+      </p:sp>
+      <p:sp>
+        <p:nvSpPr>
+          <p:cNvPr id="3" name="Notes Placeholder 2">
+            <a:extLst>
+              <a:ext uri="{FF2B5EF4-FFF2-40B4-BE49-F238E27FC236}">
+                <a16:creationId xmlns:a16="http://schemas.microsoft.com/office/drawing/2014/main" id="{0D201477-7F29-E28F-0ABA-3B6637CFEC7D}"/>
+              </a:ext>
+            </a:extLst>
+          </p:cNvPr>
+          <p:cNvSpPr>
+            <a:spLocks noGrp="1"/>
+          </p:cNvSpPr>
+          <p:nvPr>
+            <p:ph type="body" idx="1"/>
+          </p:nvPr>
+        </p:nvSpPr>
+        <p:spPr/>
+        <p:txBody>
+          <a:bodyPr/>
+          <a:lstStyle/>
+          <a:p>
+            <a:r>
+              <a:rPr lang="en-US" dirty="0"/>
+              <a:t>When have you written enough tests?</a:t>
+            </a:r>
+          </a:p>
+          <a:p>
+            <a:endParaRPr lang="en-US" dirty="0"/>
+          </a:p>
+          <a:p>
+            <a:r>
+              <a:rPr lang="en-US" dirty="0"/>
+              <a:t>If you’re trying to make a graph or report progress to your boss — if you have tests that Assemble/Act/Assess and have 100% branch coverage, you’ve written enough tests.</a:t>
+            </a:r>
+          </a:p>
+          <a:p>
+            <a:endParaRPr lang="en-US" dirty="0"/>
+          </a:p>
+          <a:p>
+            <a:r>
+              <a:rPr lang="en-US" dirty="0"/>
+              <a:t>If you really care about tests that do a good job making sure your code is correct, now and in the future: if your tests will always win the “game” of adversarial testing and find a bug in any buggy implementation.</a:t>
+            </a:r>
+          </a:p>
+        </p:txBody>
+      </p:sp>
+      <p:sp>
+        <p:nvSpPr>
+          <p:cNvPr id="4" name="Slide Number Placeholder 3">
+            <a:extLst>
+              <a:ext uri="{FF2B5EF4-FFF2-40B4-BE49-F238E27FC236}">
+                <a16:creationId xmlns:a16="http://schemas.microsoft.com/office/drawing/2014/main" id="{4EA10D13-83DF-6358-7C18-30B73A22214E}"/>
+              </a:ext>
+            </a:extLst>
+          </p:cNvPr>
+          <p:cNvSpPr>
+            <a:spLocks noGrp="1"/>
+          </p:cNvSpPr>
+          <p:nvPr>
+            <p:ph type="sldNum" sz="quarter" idx="5"/>
+          </p:nvPr>
+        </p:nvSpPr>
+        <p:spPr/>
+        <p:txBody>
+          <a:bodyPr/>
+          <a:lstStyle/>
+          <a:p>
+            <a:pPr marL="0" marR="0" lvl="0" indent="0" algn="r" defTabSz="914400" rtl="0" eaLnBrk="1" fontAlgn="auto" latinLnBrk="0" hangingPunct="1">
+              <a:lnSpc>
+                <a:spcPct val="100000"/>
+              </a:lnSpc>
+              <a:spcBef>
+                <a:spcPts val="0"/>
+              </a:spcBef>
+              <a:spcAft>
+                <a:spcPts val="0"/>
+              </a:spcAft>
+              <a:buClrTx/>
+              <a:buSzTx/>
+              <a:buFontTx/>
+              <a:buNone/>
+              <a:tabLst/>
+              <a:defRPr/>
+            </a:pPr>
+            <a:fld id="{07937F07-1250-4CCE-B198-1B2887014F41}" type="slidenum">
+              <a:rPr kumimoji="0" lang="en-US" sz="1200" b="0" i="0" u="none" strike="noStrike" kern="1200" cap="none" spc="0" normalizeH="0" baseline="0" noProof="0" smtClean="0">
+                <a:ln>
+                  <a:noFill/>
+                </a:ln>
+                <a:solidFill>
+                  <a:prstClr val="black"/>
+                </a:solidFill>
+                <a:effectLst/>
+                <a:uLnTx/>
+                <a:uFillTx/>
+                <a:latin typeface="Calibri" panose="020F0502020204030204"/>
+                <a:ea typeface="+mn-ea"/>
+                <a:cs typeface="+mn-cs"/>
+              </a:rPr>
+              <a:pPr marL="0" marR="0" lvl="0" indent="0" algn="r" defTabSz="914400" rtl="0" eaLnBrk="1" fontAlgn="auto" latinLnBrk="0" hangingPunct="1">
+                <a:lnSpc>
+                  <a:spcPct val="100000"/>
+                </a:lnSpc>
+                <a:spcBef>
+                  <a:spcPts val="0"/>
+                </a:spcBef>
+                <a:spcAft>
+                  <a:spcPts val="0"/>
+                </a:spcAft>
+                <a:buClrTx/>
+                <a:buSzTx/>
+                <a:buFontTx/>
+                <a:buNone/>
+                <a:tabLst/>
+                <a:defRPr/>
+              </a:pPr>
+              <a:t>29</a:t>
+            </a:fld>
+            <a:endParaRPr kumimoji="0" lang="en-US" sz="1200" b="0" i="0" u="none" strike="noStrike" kern="1200" cap="none" spc="0" normalizeH="0" baseline="0" noProof="0">
+              <a:ln>
+                <a:noFill/>
+              </a:ln>
+              <a:solidFill>
+                <a:prstClr val="black"/>
+              </a:solidFill>
+              <a:effectLst/>
+              <a:uLnTx/>
+              <a:uFillTx/>
+              <a:latin typeface="Calibri" panose="020F0502020204030204"/>
+              <a:ea typeface="+mn-ea"/>
+              <a:cs typeface="+mn-cs"/>
+            </a:endParaRPr>
+          </a:p>
+        </p:txBody>
+      </p:sp>
+    </p:spTree>
+    <p:extLst>
+      <p:ext uri="{BB962C8B-B14F-4D97-AF65-F5344CB8AC3E}">
+        <p14:creationId xmlns:p14="http://schemas.microsoft.com/office/powerpoint/2010/main" val="520175945"/>
+      </p:ext>
+    </p:extLst>
+  </p:cSld>
+  <p:clrMapOvr>
+    <a:masterClrMapping/>
+  </p:clrMapOvr>
+</p:notes>
+</file>
+
 <file path=ppt/notesSlides/notesSlide3.xml><?xml version="1.0" encoding="utf-8"?>
 <p:notes xmlns:a="http://schemas.openxmlformats.org/drawingml/2006/main" xmlns:r="http://schemas.openxmlformats.org/officeDocument/2006/relationships" xmlns:p="http://schemas.openxmlformats.org/presentationml/2006/main">
   <p:cSld>
@@ -2897,7 +3608,7 @@
           <a:p>
             <a:fld id="{5D2A64DE-480B-420F-9649-4F8E696E08E0}" type="datetime1">
               <a:rPr lang="en-US" smtClean="0"/>
-              <a:t>1/7/26</a:t>
+              <a:t>1/10/26</a:t>
             </a:fld>
             <a:endParaRPr lang="en-US"/>
           </a:p>
@@ -3221,7 +3932,7 @@
           <a:p>
             <a:fld id="{EA476A42-A091-4468-A075-64A31BE59948}" type="datetime1">
               <a:rPr lang="en-US" smtClean="0"/>
-              <a:t>1/7/26</a:t>
+              <a:t>1/10/26</a:t>
             </a:fld>
             <a:endParaRPr lang="en-US"/>
           </a:p>
@@ -3419,7 +4130,7 @@
           <a:p>
             <a:fld id="{0D3616D0-8311-4107-9726-6B805E7D05BA}" type="datetime1">
               <a:rPr lang="en-US" smtClean="0"/>
-              <a:t>1/7/26</a:t>
+              <a:t>1/10/26</a:t>
             </a:fld>
             <a:endParaRPr lang="en-US"/>
           </a:p>
@@ -3627,7 +4338,7 @@
           <a:p>
             <a:fld id="{3BC2557A-5C88-417A-A763-5AC779462A5F}" type="datetime1">
               <a:rPr lang="en-US" smtClean="0"/>
-              <a:t>1/7/26</a:t>
+              <a:t>1/10/26</a:t>
             </a:fld>
             <a:endParaRPr lang="en-US"/>
           </a:p>
@@ -4049,7 +4760,7 @@
           <a:p>
             <a:fld id="{07C7BFD4-467E-4EDE-93EA-052F5B39A4E5}" type="datetime1">
               <a:rPr lang="en-US" smtClean="0"/>
-              <a:t>1/7/26</a:t>
+              <a:t>1/10/26</a:t>
             </a:fld>
             <a:endParaRPr lang="en-US"/>
           </a:p>
@@ -4299,7 +5010,7 @@
           <a:p>
             <a:fld id="{07C7BFD4-467E-4EDE-93EA-052F5B39A4E5}" type="datetime1">
               <a:rPr lang="en-US" smtClean="0"/>
-              <a:t>1/7/26</a:t>
+              <a:t>1/10/26</a:t>
             </a:fld>
             <a:endParaRPr lang="en-US"/>
           </a:p>
@@ -4481,7 +5192,7 @@
           <a:p>
             <a:fld id="{109E55A0-C911-4F03-82FC-7E5926047D46}" type="datetime1">
               <a:rPr lang="en-US" smtClean="0"/>
-              <a:t>1/7/26</a:t>
+              <a:t>1/10/26</a:t>
             </a:fld>
             <a:endParaRPr lang="en-US"/>
           </a:p>
@@ -4794,7 +5505,7 @@
           <a:p>
             <a:fld id="{A533CBE2-D5BE-47AC-ADC2-9CDFC1D0CF90}" type="datetime1">
               <a:rPr lang="en-US" smtClean="0"/>
-              <a:t>1/7/26</a:t>
+              <a:t>1/10/26</a:t>
             </a:fld>
             <a:endParaRPr lang="en-US"/>
           </a:p>
@@ -5095,7 +5806,7 @@
           <a:p>
             <a:fld id="{39B7EDB1-CE74-4951-85A2-0B01C2128E28}" type="datetime1">
               <a:rPr lang="en-US" smtClean="0"/>
-              <a:t>1/7/26</a:t>
+              <a:t>1/10/26</a:t>
             </a:fld>
             <a:endParaRPr lang="en-US"/>
           </a:p>
@@ -5543,7 +6254,7 @@
           <a:p>
             <a:fld id="{2BC7EB92-A5C2-4807-A9DC-9EDE6CBFB241}" type="datetime1">
               <a:rPr lang="en-US" smtClean="0"/>
-              <a:t>1/7/26</a:t>
+              <a:t>1/10/26</a:t>
             </a:fld>
             <a:endParaRPr lang="en-US"/>
           </a:p>
@@ -5656,7 +6367,7 @@
           <a:p>
             <a:fld id="{2B7B7EE0-7771-4CD5-9B2B-3550753A54A1}" type="datetime1">
               <a:rPr lang="en-US" smtClean="0"/>
-              <a:t>1/7/26</a:t>
+              <a:t>1/10/26</a:t>
             </a:fld>
             <a:endParaRPr lang="en-US"/>
           </a:p>
@@ -5967,7 +6678,7 @@
           <a:p>
             <a:fld id="{F8B318B3-0E87-4416-A9B8-D891968C2727}" type="datetime1">
               <a:rPr lang="en-US" smtClean="0"/>
-              <a:t>1/7/26</a:t>
+              <a:t>1/10/26</a:t>
             </a:fld>
             <a:endParaRPr lang="en-US"/>
           </a:p>
@@ -6208,7 +6919,7 @@
           <a:p>
             <a:fld id="{54D997E8-DDEE-43F1-8D9B-F8A1E11DE488}" type="datetime1">
               <a:rPr lang="en-US" smtClean="0"/>
-              <a:t>1/7/26</a:t>
+              <a:t>1/10/26</a:t>
             </a:fld>
             <a:endParaRPr lang="en-US"/>
           </a:p>
@@ -6912,7 +7623,7 @@
           <a:p>
             <a:r>
               <a:rPr lang="en-US" dirty="0"/>
-              <a:t>Code Coverage: Example</a:t>
+              <a:t>Code Coverage: Example 1</a:t>
             </a:r>
           </a:p>
         </p:txBody>
@@ -6992,7 +7703,7 @@
         <p:spPr>
           <a:xfrm>
             <a:off x="744069" y="2501474"/>
-            <a:ext cx="11354146" cy="3459152"/>
+            <a:ext cx="11354146" cy="2782044"/>
           </a:xfrm>
           <a:prstGeom prst="rect">
             <a:avLst/>
@@ -7031,24 +7742,21 @@
               <a:lnSpc>
                 <a:spcPct val="110000"/>
               </a:lnSpc>
-              <a:buNone/>
             </a:pPr>
             <a:r>
-              <a:rPr lang="en-US" sz="2000" b="0" dirty="0">
+              <a:rPr lang="en-US" sz="2000" dirty="0">
                 <a:solidFill>
                   <a:srgbClr val="008000"/>
                 </a:solidFill>
-                <a:effectLst/>
-                <a:latin typeface="Consolas" panose="020B0609020204030204" pitchFamily="49" charset="0"/>
-                <a:cs typeface="Consolas" panose="020B0609020204030204" pitchFamily="49" charset="0"/>
-              </a:rPr>
-              <a:t>/**</a:t>
-            </a:r>
-            <a:endParaRPr lang="en-US" sz="2000" b="0" dirty="0">
+                <a:latin typeface="Consolas" panose="020B0609020204030204" pitchFamily="49" charset="0"/>
+                <a:cs typeface="Consolas" panose="020B0609020204030204" pitchFamily="49" charset="0"/>
+              </a:rPr>
+              <a:t>/** Returns an array that repeats "hello"</a:t>
+            </a:r>
+            <a:endParaRPr lang="en-US" sz="2000" dirty="0">
               <a:solidFill>
                 <a:srgbClr val="3B3B3B"/>
               </a:solidFill>
-              <a:effectLst/>
               <a:latin typeface="Consolas" panose="020B0609020204030204" pitchFamily="49" charset="0"/>
               <a:cs typeface="Consolas" panose="020B0609020204030204" pitchFamily="49" charset="0"/>
             </a:endParaRPr>
@@ -7061,21 +7769,79 @@
               <a:buNone/>
             </a:pPr>
             <a:r>
-              <a:rPr lang="en-US" sz="2000" b="0" dirty="0">
+              <a:rPr lang="en-US" sz="2000" dirty="0">
                 <a:solidFill>
                   <a:srgbClr val="008000"/>
                 </a:solidFill>
-                <a:effectLst/>
-                <a:latin typeface="Consolas" panose="020B0609020204030204" pitchFamily="49" charset="0"/>
-                <a:cs typeface="Consolas" panose="020B0609020204030204" pitchFamily="49" charset="0"/>
-              </a:rPr>
-              <a:t> * Prints "hello" repeatedly</a:t>
-            </a:r>
-            <a:endParaRPr lang="en-US" sz="2000" b="0" dirty="0">
+                <a:latin typeface="Consolas" panose="020B0609020204030204" pitchFamily="49" charset="0"/>
+                <a:cs typeface="Consolas" panose="020B0609020204030204" pitchFamily="49" charset="0"/>
+              </a:rPr>
+              <a:t> * </a:t>
+            </a:r>
+            <a:r>
+              <a:rPr lang="en-US" sz="2000" dirty="0">
+                <a:solidFill>
+                  <a:srgbClr val="0000FF"/>
+                </a:solidFill>
+                <a:latin typeface="Consolas" panose="020B0609020204030204" pitchFamily="49" charset="0"/>
+                <a:cs typeface="Consolas" panose="020B0609020204030204" pitchFamily="49" charset="0"/>
+              </a:rPr>
+              <a:t>@param</a:t>
+            </a:r>
+            <a:r>
+              <a:rPr lang="en-US" sz="2000" dirty="0">
+                <a:solidFill>
+                  <a:srgbClr val="008000"/>
+                </a:solidFill>
+                <a:latin typeface="Consolas" panose="020B0609020204030204" pitchFamily="49" charset="0"/>
+                <a:cs typeface="Consolas" panose="020B0609020204030204" pitchFamily="49" charset="0"/>
+              </a:rPr>
+              <a:t> </a:t>
+            </a:r>
+            <a:r>
+              <a:rPr lang="en-US" sz="2000" dirty="0" err="1">
+                <a:solidFill>
+                  <a:srgbClr val="001080"/>
+                </a:solidFill>
+                <a:latin typeface="Consolas" panose="020B0609020204030204" pitchFamily="49" charset="0"/>
+                <a:cs typeface="Consolas" panose="020B0609020204030204" pitchFamily="49" charset="0"/>
+              </a:rPr>
+              <a:t>numHellos</a:t>
+            </a:r>
+            <a:r>
+              <a:rPr lang="en-US" sz="2000" dirty="0">
+                <a:solidFill>
+                  <a:srgbClr val="008000"/>
+                </a:solidFill>
+                <a:latin typeface="Consolas" panose="020B0609020204030204" pitchFamily="49" charset="0"/>
+                <a:cs typeface="Consolas" panose="020B0609020204030204" pitchFamily="49" charset="0"/>
+              </a:rPr>
+              <a:t> - number of “</a:t>
+            </a:r>
+            <a:r>
+              <a:rPr lang="en-US" sz="2000" dirty="0" err="1">
+                <a:solidFill>
+                  <a:srgbClr val="008000"/>
+                </a:solidFill>
+                <a:latin typeface="Consolas" panose="020B0609020204030204" pitchFamily="49" charset="0"/>
+                <a:cs typeface="Consolas" panose="020B0609020204030204" pitchFamily="49" charset="0"/>
+              </a:rPr>
+              <a:t>hello”s</a:t>
+            </a:r>
+            <a:r>
+              <a:rPr lang="en-US" sz="2000" dirty="0">
+                <a:solidFill>
+                  <a:srgbClr val="008000"/>
+                </a:solidFill>
+                <a:latin typeface="Consolas" panose="020B0609020204030204" pitchFamily="49" charset="0"/>
+                <a:cs typeface="Consolas" panose="020B0609020204030204" pitchFamily="49" charset="0"/>
+              </a:rPr>
+              <a:t> to return, must be an integer &gt;= 0</a:t>
+            </a:r>
+            <a:endParaRPr lang="en-US" sz="2000" dirty="0">
               <a:solidFill>
                 <a:srgbClr val="3B3B3B"/>
               </a:solidFill>
-              <a:effectLst/>
               <a:latin typeface="Consolas" panose="020B0609020204030204" pitchFamily="49" charset="0"/>
               <a:cs typeface="Consolas" panose="020B0609020204030204" pitchFamily="49" charset="0"/>
             </a:endParaRPr>
@@ -7088,60 +7854,22 @@
               <a:buNone/>
             </a:pPr>
             <a:r>
-              <a:rPr lang="en-US" sz="2000" b="0" dirty="0">
+              <a:rPr lang="en-US" sz="2000" dirty="0">
                 <a:solidFill>
                   <a:srgbClr val="008000"/>
                 </a:solidFill>
-                <a:effectLst/>
-                <a:latin typeface="Consolas" panose="020B0609020204030204" pitchFamily="49" charset="0"/>
-                <a:cs typeface="Consolas" panose="020B0609020204030204" pitchFamily="49" charset="0"/>
-              </a:rPr>
-              <a:t> * </a:t>
-            </a:r>
-            <a:r>
-              <a:rPr lang="en-US" sz="2000" b="0" dirty="0">
-                <a:solidFill>
-                  <a:srgbClr val="0000FF"/>
-                </a:solidFill>
-                <a:effectLst/>
-                <a:latin typeface="Consolas" panose="020B0609020204030204" pitchFamily="49" charset="0"/>
-                <a:cs typeface="Consolas" panose="020B0609020204030204" pitchFamily="49" charset="0"/>
-              </a:rPr>
-              <a:t>@param</a:t>
-            </a:r>
-            <a:r>
-              <a:rPr lang="en-US" sz="2000" b="0" dirty="0">
-                <a:solidFill>
-                  <a:srgbClr val="008000"/>
-                </a:solidFill>
-                <a:effectLst/>
-                <a:latin typeface="Consolas" panose="020B0609020204030204" pitchFamily="49" charset="0"/>
-                <a:cs typeface="Consolas" panose="020B0609020204030204" pitchFamily="49" charset="0"/>
-              </a:rPr>
-              <a:t> </a:t>
-            </a:r>
-            <a:r>
-              <a:rPr lang="en-US" sz="2000" b="0" dirty="0" err="1">
-                <a:solidFill>
-                  <a:srgbClr val="001080"/>
-                </a:solidFill>
-                <a:effectLst/>
-                <a:latin typeface="Consolas" panose="020B0609020204030204" pitchFamily="49" charset="0"/>
-                <a:cs typeface="Consolas" panose="020B0609020204030204" pitchFamily="49" charset="0"/>
-              </a:rPr>
-              <a:t>numHellos</a:t>
-            </a:r>
-            <a:r>
-              <a:rPr lang="en-US" sz="2000" b="0" dirty="0">
-                <a:solidFill>
-                  <a:srgbClr val="008000"/>
-                </a:solidFill>
-                <a:effectLst/>
-                <a:latin typeface="Consolas" panose="020B0609020204030204" pitchFamily="49" charset="0"/>
-                <a:cs typeface="Consolas" panose="020B0609020204030204" pitchFamily="49" charset="0"/>
-              </a:rPr>
-              <a:t> - number of times to print “hello”, </a:t>
-            </a:r>
+                <a:latin typeface="Consolas" panose="020B0609020204030204" pitchFamily="49" charset="0"/>
+                <a:cs typeface="Consolas" panose="020B0609020204030204" pitchFamily="49" charset="0"/>
+              </a:rPr>
+              <a:t> */</a:t>
+            </a:r>
+            <a:endParaRPr lang="en-US" sz="2000" dirty="0">
+              <a:solidFill>
+                <a:srgbClr val="3B3B3B"/>
+              </a:solidFill>
+              <a:latin typeface="Consolas" panose="020B0609020204030204" pitchFamily="49" charset="0"/>
+              <a:cs typeface="Consolas" panose="020B0609020204030204" pitchFamily="49" charset="0"/>
+            </a:endParaRPr>
           </a:p>
           <a:p>
             <a:pPr>
@@ -7153,32 +7881,192 @@
             <a:r>
               <a:rPr lang="en-US" sz="2000" dirty="0">
                 <a:solidFill>
-                  <a:srgbClr val="008000"/>
-                </a:solidFill>
-                <a:latin typeface="Consolas" panose="020B0609020204030204" pitchFamily="49" charset="0"/>
-                <a:cs typeface="Consolas" panose="020B0609020204030204" pitchFamily="49" charset="0"/>
-              </a:rPr>
-              <a:t> *   </a:t>
-            </a:r>
-            <a:r>
-              <a:rPr lang="en-US" sz="2000" b="0" dirty="0">
-                <a:solidFill>
-                  <a:srgbClr val="008000"/>
-                </a:solidFill>
-                <a:effectLst/>
-                <a:latin typeface="Consolas" panose="020B0609020204030204" pitchFamily="49" charset="0"/>
-                <a:cs typeface="Consolas" panose="020B0609020204030204" pitchFamily="49" charset="0"/>
-              </a:rPr>
-              <a:t>must be an integer &gt;= 0</a:t>
-            </a:r>
-            <a:endParaRPr lang="en-US" sz="2000" b="0" dirty="0">
-              <a:solidFill>
-                <a:srgbClr val="3B3B3B"/>
-              </a:solidFill>
-              <a:effectLst/>
-              <a:latin typeface="Consolas" panose="020B0609020204030204" pitchFamily="49" charset="0"/>
-              <a:cs typeface="Consolas" panose="020B0609020204030204" pitchFamily="49" charset="0"/>
-            </a:endParaRPr>
+                  <a:srgbClr val="0000FF"/>
+                </a:solidFill>
+                <a:latin typeface="Consolas" panose="020B0609020204030204" pitchFamily="49" charset="0"/>
+                <a:cs typeface="Consolas" panose="020B0609020204030204" pitchFamily="49" charset="0"/>
+              </a:rPr>
+              <a:t>function</a:t>
+            </a:r>
+            <a:r>
+              <a:rPr lang="en-US" sz="2000" dirty="0">
+                <a:solidFill>
+                  <a:srgbClr val="3B3B3B"/>
+                </a:solidFill>
+                <a:latin typeface="Consolas" panose="020B0609020204030204" pitchFamily="49" charset="0"/>
+                <a:cs typeface="Consolas" panose="020B0609020204030204" pitchFamily="49" charset="0"/>
+              </a:rPr>
+              <a:t> </a:t>
+            </a:r>
+            <a:r>
+              <a:rPr lang="en-US" sz="2000" dirty="0" err="1">
+                <a:solidFill>
+                  <a:srgbClr val="795E26"/>
+                </a:solidFill>
+                <a:latin typeface="Consolas" panose="020B0609020204030204" pitchFamily="49" charset="0"/>
+                <a:cs typeface="Consolas" panose="020B0609020204030204" pitchFamily="49" charset="0"/>
+              </a:rPr>
+              <a:t>helloNTimes</a:t>
+            </a:r>
+            <a:r>
+              <a:rPr lang="en-US" sz="2000" dirty="0">
+                <a:solidFill>
+                  <a:srgbClr val="3B3B3B"/>
+                </a:solidFill>
+                <a:latin typeface="Consolas" panose="020B0609020204030204" pitchFamily="49" charset="0"/>
+                <a:cs typeface="Consolas" panose="020B0609020204030204" pitchFamily="49" charset="0"/>
+              </a:rPr>
+              <a:t>(</a:t>
+            </a:r>
+            <a:r>
+              <a:rPr lang="en-US" sz="2000" dirty="0" err="1">
+                <a:solidFill>
+                  <a:srgbClr val="001080"/>
+                </a:solidFill>
+                <a:latin typeface="Consolas" panose="020B0609020204030204" pitchFamily="49" charset="0"/>
+                <a:cs typeface="Consolas" panose="020B0609020204030204" pitchFamily="49" charset="0"/>
+              </a:rPr>
+              <a:t>numHellos</a:t>
+            </a:r>
+            <a:r>
+              <a:rPr lang="en-US" sz="2000" dirty="0">
+                <a:solidFill>
+                  <a:srgbClr val="000000"/>
+                </a:solidFill>
+                <a:latin typeface="Consolas" panose="020B0609020204030204" pitchFamily="49" charset="0"/>
+                <a:cs typeface="Consolas" panose="020B0609020204030204" pitchFamily="49" charset="0"/>
+              </a:rPr>
+              <a:t>:</a:t>
+            </a:r>
+            <a:r>
+              <a:rPr lang="en-US" sz="2000" dirty="0">
+                <a:solidFill>
+                  <a:srgbClr val="3B3B3B"/>
+                </a:solidFill>
+                <a:latin typeface="Consolas" panose="020B0609020204030204" pitchFamily="49" charset="0"/>
+                <a:cs typeface="Consolas" panose="020B0609020204030204" pitchFamily="49" charset="0"/>
+              </a:rPr>
+              <a:t> </a:t>
+            </a:r>
+            <a:r>
+              <a:rPr lang="en-US" sz="2000" dirty="0">
+                <a:solidFill>
+                  <a:srgbClr val="267F99"/>
+                </a:solidFill>
+                <a:latin typeface="Consolas" panose="020B0609020204030204" pitchFamily="49" charset="0"/>
+                <a:cs typeface="Consolas" panose="020B0609020204030204" pitchFamily="49" charset="0"/>
+              </a:rPr>
+              <a:t>number</a:t>
+            </a:r>
+            <a:r>
+              <a:rPr lang="en-US" sz="2000" dirty="0">
+                <a:solidFill>
+                  <a:srgbClr val="3B3B3B"/>
+                </a:solidFill>
+                <a:latin typeface="Consolas" panose="020B0609020204030204" pitchFamily="49" charset="0"/>
+                <a:cs typeface="Consolas" panose="020B0609020204030204" pitchFamily="49" charset="0"/>
+              </a:rPr>
+              <a:t>): </a:t>
+            </a:r>
+            <a:r>
+              <a:rPr lang="en-US" sz="2000" dirty="0">
+                <a:solidFill>
+                  <a:srgbClr val="267F99"/>
+                </a:solidFill>
+                <a:latin typeface="Consolas" panose="020B0609020204030204" pitchFamily="49" charset="0"/>
+                <a:cs typeface="Consolas" panose="020B0609020204030204" pitchFamily="49" charset="0"/>
+              </a:rPr>
+              <a:t>string[]</a:t>
+            </a:r>
+            <a:r>
+              <a:rPr lang="en-US" sz="2000" dirty="0">
+                <a:solidFill>
+                  <a:srgbClr val="3B3B3B"/>
+                </a:solidFill>
+                <a:latin typeface="Consolas" panose="020B0609020204030204" pitchFamily="49" charset="0"/>
+                <a:cs typeface="Consolas" panose="020B0609020204030204" pitchFamily="49" charset="0"/>
+              </a:rPr>
+              <a:t> {</a:t>
+            </a:r>
+            <a:br>
+              <a:rPr lang="en-US" sz="2000" dirty="0">
+                <a:solidFill>
+                  <a:srgbClr val="3B3B3B"/>
+                </a:solidFill>
+                <a:latin typeface="Consolas" panose="020B0609020204030204" pitchFamily="49" charset="0"/>
+                <a:cs typeface="Consolas" panose="020B0609020204030204" pitchFamily="49" charset="0"/>
+              </a:rPr>
+            </a:br>
+            <a:r>
+              <a:rPr lang="en-US" sz="2000" dirty="0">
+                <a:solidFill>
+                  <a:srgbClr val="3B3B3B"/>
+                </a:solidFill>
+                <a:latin typeface="Consolas" panose="020B0609020204030204" pitchFamily="49" charset="0"/>
+                <a:cs typeface="Consolas" panose="020B0609020204030204" pitchFamily="49" charset="0"/>
+              </a:rPr>
+              <a:t>  </a:t>
+            </a:r>
+            <a:r>
+              <a:rPr lang="en-US" sz="2000" dirty="0">
+                <a:solidFill>
+                  <a:srgbClr val="AF00DB"/>
+                </a:solidFill>
+                <a:latin typeface="Consolas" panose="020B0609020204030204" pitchFamily="49" charset="0"/>
+                <a:cs typeface="Consolas" panose="020B0609020204030204" pitchFamily="49" charset="0"/>
+              </a:rPr>
+              <a:t>const</a:t>
+            </a:r>
+            <a:r>
+              <a:rPr lang="en-US" sz="2000" dirty="0">
+                <a:solidFill>
+                  <a:srgbClr val="3B3B3B"/>
+                </a:solidFill>
+                <a:latin typeface="Consolas" panose="020B0609020204030204" pitchFamily="49" charset="0"/>
+                <a:cs typeface="Consolas" panose="020B0609020204030204" pitchFamily="49" charset="0"/>
+              </a:rPr>
+              <a:t> </a:t>
+            </a:r>
+            <a:r>
+              <a:rPr lang="en-US" sz="2000" dirty="0" err="1">
+                <a:solidFill>
+                  <a:srgbClr val="0070C0"/>
+                </a:solidFill>
+                <a:latin typeface="Consolas" panose="020B0609020204030204" pitchFamily="49" charset="0"/>
+                <a:cs typeface="Consolas" panose="020B0609020204030204" pitchFamily="49" charset="0"/>
+              </a:rPr>
+              <a:t>arr</a:t>
+            </a:r>
+            <a:r>
+              <a:rPr lang="en-US" sz="2000" dirty="0">
+                <a:solidFill>
+                  <a:srgbClr val="3B3B3B"/>
+                </a:solidFill>
+                <a:latin typeface="Consolas" panose="020B0609020204030204" pitchFamily="49" charset="0"/>
+                <a:cs typeface="Consolas" panose="020B0609020204030204" pitchFamily="49" charset="0"/>
+              </a:rPr>
+              <a:t>: </a:t>
+            </a:r>
+            <a:r>
+              <a:rPr lang="en-US" sz="2000" dirty="0">
+                <a:solidFill>
+                  <a:srgbClr val="267F99"/>
+                </a:solidFill>
+                <a:latin typeface="Consolas" panose="020B0609020204030204" pitchFamily="49" charset="0"/>
+                <a:cs typeface="Consolas" panose="020B0609020204030204" pitchFamily="49" charset="0"/>
+              </a:rPr>
+              <a:t>string[]</a:t>
+            </a:r>
+            <a:r>
+              <a:rPr lang="en-US" sz="2000" dirty="0">
+                <a:solidFill>
+                  <a:srgbClr val="3B3B3B"/>
+                </a:solidFill>
+                <a:latin typeface="Consolas" panose="020B0609020204030204" pitchFamily="49" charset="0"/>
+                <a:cs typeface="Consolas" panose="020B0609020204030204" pitchFamily="49" charset="0"/>
+              </a:rPr>
+              <a:t> = [];</a:t>
+            </a:r>
           </a:p>
           <a:p>
             <a:pPr>
@@ -7188,451 +8076,313 @@
               <a:buNone/>
             </a:pPr>
             <a:r>
-              <a:rPr lang="en-US" sz="2000" b="0" dirty="0">
-                <a:solidFill>
-                  <a:srgbClr val="008000"/>
-                </a:solidFill>
-                <a:effectLst/>
-                <a:latin typeface="Consolas" panose="020B0609020204030204" pitchFamily="49" charset="0"/>
-                <a:cs typeface="Consolas" panose="020B0609020204030204" pitchFamily="49" charset="0"/>
-              </a:rPr>
-              <a:t> */</a:t>
-            </a:r>
-            <a:endParaRPr lang="en-US" sz="2000" b="0" dirty="0">
+              <a:rPr lang="en-US" sz="2000" dirty="0">
+                <a:solidFill>
+                  <a:srgbClr val="AF00DB"/>
+                </a:solidFill>
+                <a:latin typeface="Consolas" panose="020B0609020204030204" pitchFamily="49" charset="0"/>
+                <a:cs typeface="Consolas" panose="020B0609020204030204" pitchFamily="49" charset="0"/>
+              </a:rPr>
+              <a:t>  for</a:t>
+            </a:r>
+            <a:r>
+              <a:rPr lang="en-US" sz="2000" dirty="0">
+                <a:solidFill>
+                  <a:srgbClr val="3B3B3B"/>
+                </a:solidFill>
+                <a:latin typeface="Consolas" panose="020B0609020204030204" pitchFamily="49" charset="0"/>
+                <a:cs typeface="Consolas" panose="020B0609020204030204" pitchFamily="49" charset="0"/>
+              </a:rPr>
+              <a:t> (</a:t>
+            </a:r>
+            <a:r>
+              <a:rPr lang="en-US" sz="2000" dirty="0">
+                <a:solidFill>
+                  <a:srgbClr val="0000FF"/>
+                </a:solidFill>
+                <a:latin typeface="Consolas" panose="020B0609020204030204" pitchFamily="49" charset="0"/>
+                <a:cs typeface="Consolas" panose="020B0609020204030204" pitchFamily="49" charset="0"/>
+              </a:rPr>
+              <a:t>let</a:t>
+            </a:r>
+            <a:r>
+              <a:rPr lang="en-US" sz="2000" dirty="0">
+                <a:solidFill>
+                  <a:srgbClr val="3B3B3B"/>
+                </a:solidFill>
+                <a:latin typeface="Consolas" panose="020B0609020204030204" pitchFamily="49" charset="0"/>
+                <a:cs typeface="Consolas" panose="020B0609020204030204" pitchFamily="49" charset="0"/>
+              </a:rPr>
+              <a:t> </a:t>
+            </a:r>
+            <a:r>
+              <a:rPr lang="en-US" sz="2000" dirty="0" err="1">
+                <a:solidFill>
+                  <a:srgbClr val="001080"/>
+                </a:solidFill>
+                <a:latin typeface="Consolas" panose="020B0609020204030204" pitchFamily="49" charset="0"/>
+                <a:cs typeface="Consolas" panose="020B0609020204030204" pitchFamily="49" charset="0"/>
+              </a:rPr>
+              <a:t>i</a:t>
+            </a:r>
+            <a:r>
+              <a:rPr lang="en-US" sz="2000" dirty="0">
+                <a:solidFill>
+                  <a:srgbClr val="3B3B3B"/>
+                </a:solidFill>
+                <a:latin typeface="Consolas" panose="020B0609020204030204" pitchFamily="49" charset="0"/>
+                <a:cs typeface="Consolas" panose="020B0609020204030204" pitchFamily="49" charset="0"/>
+              </a:rPr>
+              <a:t> </a:t>
+            </a:r>
+            <a:r>
+              <a:rPr lang="en-US" sz="2000" dirty="0">
+                <a:solidFill>
+                  <a:srgbClr val="000000"/>
+                </a:solidFill>
+                <a:latin typeface="Consolas" panose="020B0609020204030204" pitchFamily="49" charset="0"/>
+                <a:cs typeface="Consolas" panose="020B0609020204030204" pitchFamily="49" charset="0"/>
+              </a:rPr>
+              <a:t>=</a:t>
+            </a:r>
+            <a:r>
+              <a:rPr lang="en-US" sz="2000" dirty="0">
+                <a:solidFill>
+                  <a:srgbClr val="3B3B3B"/>
+                </a:solidFill>
+                <a:latin typeface="Consolas" panose="020B0609020204030204" pitchFamily="49" charset="0"/>
+                <a:cs typeface="Consolas" panose="020B0609020204030204" pitchFamily="49" charset="0"/>
+              </a:rPr>
+              <a:t> </a:t>
+            </a:r>
+            <a:r>
+              <a:rPr lang="en-US" sz="2000" dirty="0" err="1">
+                <a:solidFill>
+                  <a:srgbClr val="001080"/>
+                </a:solidFill>
+                <a:latin typeface="Consolas" panose="020B0609020204030204" pitchFamily="49" charset="0"/>
+                <a:cs typeface="Consolas" panose="020B0609020204030204" pitchFamily="49" charset="0"/>
+              </a:rPr>
+              <a:t>numHellos</a:t>
+            </a:r>
+            <a:r>
+              <a:rPr lang="en-US" sz="2000" dirty="0">
+                <a:solidFill>
+                  <a:srgbClr val="3B3B3B"/>
+                </a:solidFill>
+                <a:latin typeface="Consolas" panose="020B0609020204030204" pitchFamily="49" charset="0"/>
+                <a:cs typeface="Consolas" panose="020B0609020204030204" pitchFamily="49" charset="0"/>
+              </a:rPr>
+              <a:t>; </a:t>
+            </a:r>
+            <a:r>
+              <a:rPr lang="en-US" sz="2000" dirty="0" err="1">
+                <a:solidFill>
+                  <a:srgbClr val="001080"/>
+                </a:solidFill>
+                <a:latin typeface="Consolas" panose="020B0609020204030204" pitchFamily="49" charset="0"/>
+                <a:cs typeface="Consolas" panose="020B0609020204030204" pitchFamily="49" charset="0"/>
+              </a:rPr>
+              <a:t>i</a:t>
+            </a:r>
+            <a:r>
+              <a:rPr lang="en-US" sz="2000" dirty="0">
+                <a:solidFill>
+                  <a:srgbClr val="3B3B3B"/>
+                </a:solidFill>
+                <a:latin typeface="Consolas" panose="020B0609020204030204" pitchFamily="49" charset="0"/>
+                <a:cs typeface="Consolas" panose="020B0609020204030204" pitchFamily="49" charset="0"/>
+              </a:rPr>
+              <a:t> </a:t>
+            </a:r>
+            <a:r>
+              <a:rPr lang="en-US" sz="2000" dirty="0">
+                <a:solidFill>
+                  <a:srgbClr val="000000"/>
+                </a:solidFill>
+                <a:latin typeface="Consolas" panose="020B0609020204030204" pitchFamily="49" charset="0"/>
+                <a:cs typeface="Consolas" panose="020B0609020204030204" pitchFamily="49" charset="0"/>
+              </a:rPr>
+              <a:t>!==</a:t>
+            </a:r>
+            <a:r>
+              <a:rPr lang="en-US" sz="2000" dirty="0">
+                <a:solidFill>
+                  <a:srgbClr val="3B3B3B"/>
+                </a:solidFill>
+                <a:latin typeface="Consolas" panose="020B0609020204030204" pitchFamily="49" charset="0"/>
+                <a:cs typeface="Consolas" panose="020B0609020204030204" pitchFamily="49" charset="0"/>
+              </a:rPr>
+              <a:t> </a:t>
+            </a:r>
+            <a:r>
+              <a:rPr lang="en-US" sz="2000" dirty="0">
+                <a:solidFill>
+                  <a:srgbClr val="098658"/>
+                </a:solidFill>
+                <a:latin typeface="Consolas" panose="020B0609020204030204" pitchFamily="49" charset="0"/>
+                <a:cs typeface="Consolas" panose="020B0609020204030204" pitchFamily="49" charset="0"/>
+              </a:rPr>
+              <a:t>0</a:t>
+            </a:r>
+            <a:r>
+              <a:rPr lang="en-US" sz="2000" dirty="0">
+                <a:solidFill>
+                  <a:srgbClr val="3B3B3B"/>
+                </a:solidFill>
+                <a:latin typeface="Consolas" panose="020B0609020204030204" pitchFamily="49" charset="0"/>
+                <a:cs typeface="Consolas" panose="020B0609020204030204" pitchFamily="49" charset="0"/>
+              </a:rPr>
+              <a:t>; </a:t>
+            </a:r>
+            <a:r>
+              <a:rPr lang="en-US" sz="2000" dirty="0" err="1">
+                <a:solidFill>
+                  <a:srgbClr val="001080"/>
+                </a:solidFill>
+                <a:latin typeface="Consolas" panose="020B0609020204030204" pitchFamily="49" charset="0"/>
+                <a:cs typeface="Consolas" panose="020B0609020204030204" pitchFamily="49" charset="0"/>
+              </a:rPr>
+              <a:t>i</a:t>
+            </a:r>
+            <a:r>
+              <a:rPr lang="en-US" sz="2000" dirty="0">
+                <a:solidFill>
+                  <a:srgbClr val="000000"/>
+                </a:solidFill>
+                <a:latin typeface="Consolas" panose="020B0609020204030204" pitchFamily="49" charset="0"/>
+                <a:cs typeface="Consolas" panose="020B0609020204030204" pitchFamily="49" charset="0"/>
+              </a:rPr>
+              <a:t>--</a:t>
+            </a:r>
+            <a:r>
+              <a:rPr lang="en-US" sz="2000" dirty="0">
+                <a:solidFill>
+                  <a:srgbClr val="3B3B3B"/>
+                </a:solidFill>
+                <a:latin typeface="Consolas" panose="020B0609020204030204" pitchFamily="49" charset="0"/>
+                <a:cs typeface="Consolas" panose="020B0609020204030204" pitchFamily="49" charset="0"/>
+              </a:rPr>
+              <a:t>) { </a:t>
+            </a:r>
+            <a:r>
+              <a:rPr lang="en-US" sz="2000" dirty="0" err="1">
+                <a:solidFill>
+                  <a:srgbClr val="001080"/>
+                </a:solidFill>
+                <a:latin typeface="Consolas" panose="020B0609020204030204" pitchFamily="49" charset="0"/>
+                <a:cs typeface="Consolas" panose="020B0609020204030204" pitchFamily="49" charset="0"/>
+              </a:rPr>
+              <a:t>arr.</a:t>
+            </a:r>
+            <a:r>
+              <a:rPr lang="en-US" sz="2000" dirty="0" err="1">
+                <a:solidFill>
+                  <a:schemeClr val="accent4">
+                    <a:lumMod val="50000"/>
+                  </a:schemeClr>
+                </a:solidFill>
+                <a:latin typeface="Consolas" panose="020B0609020204030204" pitchFamily="49" charset="0"/>
+                <a:cs typeface="Consolas" panose="020B0609020204030204" pitchFamily="49" charset="0"/>
+              </a:rPr>
+              <a:t>push</a:t>
+            </a:r>
+            <a:r>
+              <a:rPr lang="en-US" sz="2000" dirty="0">
+                <a:solidFill>
+                  <a:srgbClr val="001080"/>
+                </a:solidFill>
+                <a:latin typeface="Consolas" panose="020B0609020204030204" pitchFamily="49" charset="0"/>
+                <a:cs typeface="Consolas" panose="020B0609020204030204" pitchFamily="49" charset="0"/>
+              </a:rPr>
+              <a:t>(</a:t>
+            </a:r>
+            <a:r>
+              <a:rPr lang="en-US" sz="2000" dirty="0">
+                <a:solidFill>
+                  <a:srgbClr val="C00000"/>
+                </a:solidFill>
+                <a:latin typeface="Consolas" panose="020B0609020204030204" pitchFamily="49" charset="0"/>
+                <a:cs typeface="Consolas" panose="020B0609020204030204" pitchFamily="49" charset="0"/>
+              </a:rPr>
+              <a:t>"hello"</a:t>
+            </a:r>
+            <a:r>
+              <a:rPr lang="en-US" sz="2000" dirty="0">
+                <a:solidFill>
+                  <a:srgbClr val="001080"/>
+                </a:solidFill>
+                <a:latin typeface="Consolas" panose="020B0609020204030204" pitchFamily="49" charset="0"/>
+                <a:cs typeface="Consolas" panose="020B0609020204030204" pitchFamily="49" charset="0"/>
+              </a:rPr>
+              <a:t>); </a:t>
+            </a:r>
+            <a:r>
+              <a:rPr lang="en-US" sz="2000" dirty="0">
+                <a:solidFill>
+                  <a:srgbClr val="3B3B3B"/>
+                </a:solidFill>
+                <a:latin typeface="Consolas" panose="020B0609020204030204" pitchFamily="49" charset="0"/>
+                <a:cs typeface="Consolas" panose="020B0609020204030204" pitchFamily="49" charset="0"/>
+              </a:rPr>
+              <a:t>}</a:t>
+            </a:r>
+            <a:br>
+              <a:rPr lang="en-US" sz="2000" dirty="0">
+                <a:solidFill>
+                  <a:srgbClr val="3B3B3B"/>
+                </a:solidFill>
+                <a:latin typeface="Consolas" panose="020B0609020204030204" pitchFamily="49" charset="0"/>
+                <a:cs typeface="Consolas" panose="020B0609020204030204" pitchFamily="49" charset="0"/>
+              </a:rPr>
+            </a:br>
+            <a:r>
+              <a:rPr lang="en-US" sz="2000" dirty="0">
+                <a:solidFill>
+                  <a:srgbClr val="3B3B3B"/>
+                </a:solidFill>
+                <a:latin typeface="Consolas" panose="020B0609020204030204" pitchFamily="49" charset="0"/>
+                <a:cs typeface="Consolas" panose="020B0609020204030204" pitchFamily="49" charset="0"/>
+              </a:rPr>
+              <a:t>  </a:t>
+            </a:r>
+            <a:r>
+              <a:rPr lang="en-US" sz="2000" dirty="0">
+                <a:solidFill>
+                  <a:srgbClr val="AF00DB"/>
+                </a:solidFill>
+                <a:latin typeface="Consolas" panose="020B0609020204030204" pitchFamily="49" charset="0"/>
+                <a:cs typeface="Consolas" panose="020B0609020204030204" pitchFamily="49" charset="0"/>
+              </a:rPr>
+              <a:t>return </a:t>
+            </a:r>
+            <a:r>
+              <a:rPr lang="en-US" sz="2000" dirty="0" err="1">
+                <a:solidFill>
+                  <a:srgbClr val="001080"/>
+                </a:solidFill>
+                <a:latin typeface="Consolas" panose="020B0609020204030204" pitchFamily="49" charset="0"/>
+                <a:cs typeface="Consolas" panose="020B0609020204030204" pitchFamily="49" charset="0"/>
+              </a:rPr>
+              <a:t>arr</a:t>
+            </a:r>
+            <a:r>
+              <a:rPr lang="en-US" sz="2000" dirty="0">
+                <a:solidFill>
+                  <a:srgbClr val="001080"/>
+                </a:solidFill>
+                <a:latin typeface="Consolas" panose="020B0609020204030204" pitchFamily="49" charset="0"/>
+                <a:cs typeface="Consolas" panose="020B0609020204030204" pitchFamily="49" charset="0"/>
+              </a:rPr>
+              <a:t>;</a:t>
+            </a:r>
+            <a:endParaRPr lang="en-US" sz="2000" dirty="0">
               <a:solidFill>
                 <a:srgbClr val="3B3B3B"/>
               </a:solidFill>
-              <a:effectLst/>
               <a:latin typeface="Consolas" panose="020B0609020204030204" pitchFamily="49" charset="0"/>
               <a:cs typeface="Consolas" panose="020B0609020204030204" pitchFamily="49" charset="0"/>
             </a:endParaRPr>
-          </a:p>
-          <a:p>
-            <a:pPr>
-              <a:lnSpc>
-                <a:spcPct val="110000"/>
-              </a:lnSpc>
-              <a:buNone/>
-            </a:pPr>
-            <a:r>
-              <a:rPr lang="en-US" sz="2000" b="0" dirty="0">
-                <a:solidFill>
-                  <a:srgbClr val="0000FF"/>
-                </a:solidFill>
-                <a:effectLst/>
-                <a:latin typeface="Consolas" panose="020B0609020204030204" pitchFamily="49" charset="0"/>
-                <a:cs typeface="Consolas" panose="020B0609020204030204" pitchFamily="49" charset="0"/>
-              </a:rPr>
-              <a:t>function</a:t>
-            </a:r>
-            <a:r>
-              <a:rPr lang="en-US" sz="2000" b="0" dirty="0">
-                <a:solidFill>
-                  <a:srgbClr val="3B3B3B"/>
-                </a:solidFill>
-                <a:effectLst/>
-                <a:latin typeface="Consolas" panose="020B0609020204030204" pitchFamily="49" charset="0"/>
-                <a:cs typeface="Consolas" panose="020B0609020204030204" pitchFamily="49" charset="0"/>
-              </a:rPr>
-              <a:t> </a:t>
-            </a:r>
-            <a:r>
-              <a:rPr lang="en-US" sz="2000" b="0" dirty="0" err="1">
-                <a:solidFill>
-                  <a:srgbClr val="795E26"/>
-                </a:solidFill>
-                <a:effectLst/>
-                <a:latin typeface="Consolas" panose="020B0609020204030204" pitchFamily="49" charset="0"/>
-                <a:cs typeface="Consolas" panose="020B0609020204030204" pitchFamily="49" charset="0"/>
-              </a:rPr>
-              <a:t>helloNTimes</a:t>
-            </a:r>
-            <a:r>
-              <a:rPr lang="en-US" sz="2000" b="0" dirty="0">
-                <a:solidFill>
-                  <a:srgbClr val="3B3B3B"/>
-                </a:solidFill>
-                <a:effectLst/>
-                <a:latin typeface="Consolas" panose="020B0609020204030204" pitchFamily="49" charset="0"/>
-                <a:cs typeface="Consolas" panose="020B0609020204030204" pitchFamily="49" charset="0"/>
-              </a:rPr>
-              <a:t>(</a:t>
-            </a:r>
-            <a:r>
-              <a:rPr lang="en-US" sz="2000" b="0" dirty="0" err="1">
-                <a:solidFill>
-                  <a:srgbClr val="001080"/>
-                </a:solidFill>
-                <a:effectLst/>
-                <a:latin typeface="Consolas" panose="020B0609020204030204" pitchFamily="49" charset="0"/>
-                <a:cs typeface="Consolas" panose="020B0609020204030204" pitchFamily="49" charset="0"/>
-              </a:rPr>
-              <a:t>numHellos</a:t>
-            </a:r>
-            <a:r>
-              <a:rPr lang="en-US" sz="2000" b="0" dirty="0">
-                <a:solidFill>
-                  <a:srgbClr val="000000"/>
-                </a:solidFill>
-                <a:effectLst/>
-                <a:latin typeface="Consolas" panose="020B0609020204030204" pitchFamily="49" charset="0"/>
-                <a:cs typeface="Consolas" panose="020B0609020204030204" pitchFamily="49" charset="0"/>
-              </a:rPr>
-              <a:t>:</a:t>
-            </a:r>
-            <a:r>
-              <a:rPr lang="en-US" sz="2000" b="0" dirty="0">
-                <a:solidFill>
-                  <a:srgbClr val="3B3B3B"/>
-                </a:solidFill>
-                <a:effectLst/>
-                <a:latin typeface="Consolas" panose="020B0609020204030204" pitchFamily="49" charset="0"/>
-                <a:cs typeface="Consolas" panose="020B0609020204030204" pitchFamily="49" charset="0"/>
-              </a:rPr>
-              <a:t> </a:t>
-            </a:r>
-            <a:r>
-              <a:rPr lang="en-US" sz="2000" b="0" dirty="0">
-                <a:solidFill>
-                  <a:srgbClr val="267F99"/>
-                </a:solidFill>
-                <a:effectLst/>
-                <a:latin typeface="Consolas" panose="020B0609020204030204" pitchFamily="49" charset="0"/>
-                <a:cs typeface="Consolas" panose="020B0609020204030204" pitchFamily="49" charset="0"/>
-              </a:rPr>
-              <a:t>number</a:t>
-            </a:r>
-            <a:r>
-              <a:rPr lang="en-US" sz="2000" b="0" dirty="0">
-                <a:solidFill>
-                  <a:srgbClr val="3B3B3B"/>
-                </a:solidFill>
-                <a:effectLst/>
-                <a:latin typeface="Consolas" panose="020B0609020204030204" pitchFamily="49" charset="0"/>
-                <a:cs typeface="Consolas" panose="020B0609020204030204" pitchFamily="49" charset="0"/>
-              </a:rPr>
-              <a:t>) {</a:t>
-            </a:r>
-          </a:p>
-          <a:p>
-            <a:pPr>
-              <a:lnSpc>
-                <a:spcPct val="110000"/>
-              </a:lnSpc>
-              <a:buNone/>
-            </a:pPr>
-            <a:r>
-              <a:rPr lang="en-US" sz="2000" b="0" dirty="0">
-                <a:solidFill>
-                  <a:srgbClr val="AF00DB"/>
-                </a:solidFill>
-                <a:effectLst/>
-                <a:latin typeface="Consolas" panose="020B0609020204030204" pitchFamily="49" charset="0"/>
-                <a:cs typeface="Consolas" panose="020B0609020204030204" pitchFamily="49" charset="0"/>
-              </a:rPr>
-              <a:t>  for</a:t>
-            </a:r>
-            <a:r>
-              <a:rPr lang="en-US" sz="2000" b="0" dirty="0">
-                <a:solidFill>
-                  <a:srgbClr val="3B3B3B"/>
-                </a:solidFill>
-                <a:effectLst/>
-                <a:latin typeface="Consolas" panose="020B0609020204030204" pitchFamily="49" charset="0"/>
-                <a:cs typeface="Consolas" panose="020B0609020204030204" pitchFamily="49" charset="0"/>
-              </a:rPr>
-              <a:t> (</a:t>
-            </a:r>
-            <a:r>
-              <a:rPr lang="en-US" sz="2000" b="0" dirty="0">
-                <a:solidFill>
-                  <a:srgbClr val="0000FF"/>
-                </a:solidFill>
-                <a:effectLst/>
-                <a:latin typeface="Consolas" panose="020B0609020204030204" pitchFamily="49" charset="0"/>
-                <a:cs typeface="Consolas" panose="020B0609020204030204" pitchFamily="49" charset="0"/>
-              </a:rPr>
-              <a:t>let</a:t>
-            </a:r>
-            <a:r>
-              <a:rPr lang="en-US" sz="2000" b="0" dirty="0">
-                <a:solidFill>
-                  <a:srgbClr val="3B3B3B"/>
-                </a:solidFill>
-                <a:effectLst/>
-                <a:latin typeface="Consolas" panose="020B0609020204030204" pitchFamily="49" charset="0"/>
-                <a:cs typeface="Consolas" panose="020B0609020204030204" pitchFamily="49" charset="0"/>
-              </a:rPr>
-              <a:t> </a:t>
-            </a:r>
-            <a:r>
-              <a:rPr lang="en-US" sz="2000" b="0" dirty="0" err="1">
-                <a:solidFill>
-                  <a:srgbClr val="001080"/>
-                </a:solidFill>
-                <a:effectLst/>
-                <a:latin typeface="Consolas" panose="020B0609020204030204" pitchFamily="49" charset="0"/>
-                <a:cs typeface="Consolas" panose="020B0609020204030204" pitchFamily="49" charset="0"/>
-              </a:rPr>
-              <a:t>i</a:t>
-            </a:r>
-            <a:r>
-              <a:rPr lang="en-US" sz="2000" b="0" dirty="0">
-                <a:solidFill>
-                  <a:srgbClr val="3B3B3B"/>
-                </a:solidFill>
-                <a:effectLst/>
-                <a:latin typeface="Consolas" panose="020B0609020204030204" pitchFamily="49" charset="0"/>
-                <a:cs typeface="Consolas" panose="020B0609020204030204" pitchFamily="49" charset="0"/>
-              </a:rPr>
-              <a:t> </a:t>
-            </a:r>
-            <a:r>
-              <a:rPr lang="en-US" sz="2000" b="0" dirty="0">
-                <a:solidFill>
-                  <a:srgbClr val="000000"/>
-                </a:solidFill>
-                <a:effectLst/>
-                <a:latin typeface="Consolas" panose="020B0609020204030204" pitchFamily="49" charset="0"/>
-                <a:cs typeface="Consolas" panose="020B0609020204030204" pitchFamily="49" charset="0"/>
-              </a:rPr>
-              <a:t>=</a:t>
-            </a:r>
-            <a:r>
-              <a:rPr lang="en-US" sz="2000" b="0" dirty="0">
-                <a:solidFill>
-                  <a:srgbClr val="3B3B3B"/>
-                </a:solidFill>
-                <a:effectLst/>
-                <a:latin typeface="Consolas" panose="020B0609020204030204" pitchFamily="49" charset="0"/>
-                <a:cs typeface="Consolas" panose="020B0609020204030204" pitchFamily="49" charset="0"/>
-              </a:rPr>
-              <a:t> </a:t>
-            </a:r>
-            <a:r>
-              <a:rPr lang="en-US" sz="2000" b="0" dirty="0" err="1">
-                <a:solidFill>
-                  <a:srgbClr val="001080"/>
-                </a:solidFill>
-                <a:effectLst/>
-                <a:latin typeface="Consolas" panose="020B0609020204030204" pitchFamily="49" charset="0"/>
-                <a:cs typeface="Consolas" panose="020B0609020204030204" pitchFamily="49" charset="0"/>
-              </a:rPr>
-              <a:t>numHellos</a:t>
-            </a:r>
-            <a:r>
-              <a:rPr lang="en-US" sz="2000" b="0" dirty="0">
-                <a:solidFill>
-                  <a:srgbClr val="3B3B3B"/>
-                </a:solidFill>
-                <a:effectLst/>
-                <a:latin typeface="Consolas" panose="020B0609020204030204" pitchFamily="49" charset="0"/>
-                <a:cs typeface="Consolas" panose="020B0609020204030204" pitchFamily="49" charset="0"/>
-              </a:rPr>
-              <a:t>; </a:t>
-            </a:r>
-            <a:r>
-              <a:rPr lang="en-US" sz="2000" b="0" dirty="0" err="1">
-                <a:solidFill>
-                  <a:srgbClr val="001080"/>
-                </a:solidFill>
-                <a:effectLst/>
-                <a:latin typeface="Consolas" panose="020B0609020204030204" pitchFamily="49" charset="0"/>
-                <a:cs typeface="Consolas" panose="020B0609020204030204" pitchFamily="49" charset="0"/>
-              </a:rPr>
-              <a:t>i</a:t>
-            </a:r>
-            <a:r>
-              <a:rPr lang="en-US" sz="2000" b="0" dirty="0">
-                <a:solidFill>
-                  <a:srgbClr val="3B3B3B"/>
-                </a:solidFill>
-                <a:effectLst/>
-                <a:latin typeface="Consolas" panose="020B0609020204030204" pitchFamily="49" charset="0"/>
-                <a:cs typeface="Consolas" panose="020B0609020204030204" pitchFamily="49" charset="0"/>
-              </a:rPr>
-              <a:t> </a:t>
-            </a:r>
-            <a:r>
-              <a:rPr lang="en-US" sz="2000" b="0" dirty="0">
-                <a:solidFill>
-                  <a:srgbClr val="000000"/>
-                </a:solidFill>
-                <a:effectLst/>
-                <a:latin typeface="Consolas" panose="020B0609020204030204" pitchFamily="49" charset="0"/>
-                <a:cs typeface="Consolas" panose="020B0609020204030204" pitchFamily="49" charset="0"/>
-              </a:rPr>
-              <a:t>!==</a:t>
-            </a:r>
-            <a:r>
-              <a:rPr lang="en-US" sz="2000" b="0" dirty="0">
-                <a:solidFill>
-                  <a:srgbClr val="3B3B3B"/>
-                </a:solidFill>
-                <a:effectLst/>
-                <a:latin typeface="Consolas" panose="020B0609020204030204" pitchFamily="49" charset="0"/>
-                <a:cs typeface="Consolas" panose="020B0609020204030204" pitchFamily="49" charset="0"/>
-              </a:rPr>
-              <a:t> </a:t>
-            </a:r>
-            <a:r>
-              <a:rPr lang="en-US" sz="2000" b="0" dirty="0">
-                <a:solidFill>
-                  <a:srgbClr val="098658"/>
-                </a:solidFill>
-                <a:effectLst/>
-                <a:latin typeface="Consolas" panose="020B0609020204030204" pitchFamily="49" charset="0"/>
-                <a:cs typeface="Consolas" panose="020B0609020204030204" pitchFamily="49" charset="0"/>
-              </a:rPr>
-              <a:t>0</a:t>
-            </a:r>
-            <a:r>
-              <a:rPr lang="en-US" sz="2000" b="0" dirty="0">
-                <a:solidFill>
-                  <a:srgbClr val="3B3B3B"/>
-                </a:solidFill>
-                <a:effectLst/>
-                <a:latin typeface="Consolas" panose="020B0609020204030204" pitchFamily="49" charset="0"/>
-                <a:cs typeface="Consolas" panose="020B0609020204030204" pitchFamily="49" charset="0"/>
-              </a:rPr>
-              <a:t>; </a:t>
-            </a:r>
-            <a:r>
-              <a:rPr lang="en-US" sz="2000" b="0" dirty="0" err="1">
-                <a:solidFill>
-                  <a:srgbClr val="001080"/>
-                </a:solidFill>
-                <a:effectLst/>
-                <a:latin typeface="Consolas" panose="020B0609020204030204" pitchFamily="49" charset="0"/>
-                <a:cs typeface="Consolas" panose="020B0609020204030204" pitchFamily="49" charset="0"/>
-              </a:rPr>
-              <a:t>i</a:t>
-            </a:r>
-            <a:r>
-              <a:rPr lang="en-US" sz="2000" b="0" dirty="0">
-                <a:solidFill>
-                  <a:srgbClr val="000000"/>
-                </a:solidFill>
-                <a:effectLst/>
-                <a:latin typeface="Consolas" panose="020B0609020204030204" pitchFamily="49" charset="0"/>
-                <a:cs typeface="Consolas" panose="020B0609020204030204" pitchFamily="49" charset="0"/>
-              </a:rPr>
-              <a:t>--</a:t>
-            </a:r>
-            <a:r>
-              <a:rPr lang="en-US" sz="2000" b="0" dirty="0">
-                <a:solidFill>
-                  <a:srgbClr val="3B3B3B"/>
-                </a:solidFill>
-                <a:effectLst/>
-                <a:latin typeface="Consolas" panose="020B0609020204030204" pitchFamily="49" charset="0"/>
-                <a:cs typeface="Consolas" panose="020B0609020204030204" pitchFamily="49" charset="0"/>
-              </a:rPr>
-              <a:t>) {</a:t>
-            </a:r>
-          </a:p>
-          <a:p>
-            <a:pPr>
-              <a:lnSpc>
-                <a:spcPct val="110000"/>
-              </a:lnSpc>
-              <a:buNone/>
-            </a:pPr>
-            <a:r>
-              <a:rPr lang="en-US" sz="2000" b="0" dirty="0">
-                <a:solidFill>
-                  <a:srgbClr val="001080"/>
-                </a:solidFill>
-                <a:effectLst/>
-                <a:latin typeface="Consolas" panose="020B0609020204030204" pitchFamily="49" charset="0"/>
-                <a:cs typeface="Consolas" panose="020B0609020204030204" pitchFamily="49" charset="0"/>
-              </a:rPr>
-              <a:t>    </a:t>
-            </a:r>
-            <a:r>
-              <a:rPr lang="en-US" sz="2000" b="0" dirty="0" err="1">
-                <a:solidFill>
-                  <a:srgbClr val="001080"/>
-                </a:solidFill>
-                <a:effectLst/>
-                <a:latin typeface="Consolas" panose="020B0609020204030204" pitchFamily="49" charset="0"/>
-                <a:cs typeface="Consolas" panose="020B0609020204030204" pitchFamily="49" charset="0"/>
-              </a:rPr>
-              <a:t>console</a:t>
-            </a:r>
-            <a:r>
-              <a:rPr lang="en-US" sz="2000" b="0" dirty="0" err="1">
-                <a:solidFill>
-                  <a:srgbClr val="3B3B3B"/>
-                </a:solidFill>
-                <a:effectLst/>
-                <a:latin typeface="Consolas" panose="020B0609020204030204" pitchFamily="49" charset="0"/>
-                <a:cs typeface="Consolas" panose="020B0609020204030204" pitchFamily="49" charset="0"/>
-              </a:rPr>
-              <a:t>.</a:t>
-            </a:r>
-            <a:r>
-              <a:rPr lang="en-US" sz="2000" b="0" dirty="0" err="1">
-                <a:solidFill>
-                  <a:srgbClr val="795E26"/>
-                </a:solidFill>
-                <a:effectLst/>
-                <a:latin typeface="Consolas" panose="020B0609020204030204" pitchFamily="49" charset="0"/>
-                <a:cs typeface="Consolas" panose="020B0609020204030204" pitchFamily="49" charset="0"/>
-              </a:rPr>
-              <a:t>log</a:t>
-            </a:r>
-            <a:r>
-              <a:rPr lang="en-US" sz="2000" b="0" dirty="0">
-                <a:solidFill>
-                  <a:srgbClr val="3B3B3B"/>
-                </a:solidFill>
-                <a:effectLst/>
-                <a:latin typeface="Consolas" panose="020B0609020204030204" pitchFamily="49" charset="0"/>
-                <a:cs typeface="Consolas" panose="020B0609020204030204" pitchFamily="49" charset="0"/>
-              </a:rPr>
-              <a:t>(</a:t>
-            </a:r>
-            <a:r>
-              <a:rPr lang="en-US" sz="2000" dirty="0">
-                <a:solidFill>
-                  <a:srgbClr val="A31515"/>
-                </a:solidFill>
-                <a:latin typeface="Consolas" panose="020B0609020204030204" pitchFamily="49" charset="0"/>
-                <a:cs typeface="Consolas" panose="020B0609020204030204" pitchFamily="49" charset="0"/>
-              </a:rPr>
-              <a:t>'hello'</a:t>
-            </a:r>
-            <a:r>
-              <a:rPr lang="en-US" sz="2000" b="0" dirty="0">
-                <a:solidFill>
-                  <a:srgbClr val="3B3B3B"/>
-                </a:solidFill>
-                <a:effectLst/>
-                <a:latin typeface="Consolas" panose="020B0609020204030204" pitchFamily="49" charset="0"/>
-                <a:cs typeface="Consolas" panose="020B0609020204030204" pitchFamily="49" charset="0"/>
-              </a:rPr>
-              <a:t>);</a:t>
-            </a:r>
-          </a:p>
-          <a:p>
-            <a:pPr>
-              <a:lnSpc>
-                <a:spcPct val="110000"/>
-              </a:lnSpc>
-              <a:buNone/>
-            </a:pPr>
-            <a:r>
-              <a:rPr lang="en-US" sz="2000" b="0" dirty="0">
-                <a:solidFill>
-                  <a:srgbClr val="3B3B3B"/>
-                </a:solidFill>
-                <a:effectLst/>
-                <a:latin typeface="Consolas" panose="020B0609020204030204" pitchFamily="49" charset="0"/>
-                <a:cs typeface="Consolas" panose="020B0609020204030204" pitchFamily="49" charset="0"/>
-              </a:rPr>
-              <a:t>  }</a:t>
-            </a:r>
           </a:p>
           <a:p>
             <a:pPr>
@@ -7641,11 +8391,10 @@
               </a:lnSpc>
             </a:pPr>
             <a:r>
-              <a:rPr lang="en-US" sz="2000" b="0" dirty="0">
+              <a:rPr lang="en-US" sz="2000" dirty="0">
                 <a:solidFill>
                   <a:srgbClr val="3B3B3B"/>
                 </a:solidFill>
-                <a:effectLst/>
                 <a:latin typeface="Consolas" panose="020B0609020204030204" pitchFamily="49" charset="0"/>
                 <a:cs typeface="Consolas" panose="020B0609020204030204" pitchFamily="49" charset="0"/>
               </a:rPr>
@@ -7668,6 +8417,1258 @@
 </file>
 
 <file path=ppt/slides/slide11.xml><?xml version="1.0" encoding="utf-8"?>
+<p:sld xmlns:a="http://schemas.openxmlformats.org/drawingml/2006/main" xmlns:r="http://schemas.openxmlformats.org/officeDocument/2006/relationships" xmlns:p="http://schemas.openxmlformats.org/presentationml/2006/main">
+  <p:cSld>
+    <p:spTree>
+      <p:nvGrpSpPr>
+        <p:cNvPr id="1" name="">
+          <a:extLst>
+            <a:ext uri="{FF2B5EF4-FFF2-40B4-BE49-F238E27FC236}">
+              <a16:creationId xmlns:a16="http://schemas.microsoft.com/office/drawing/2014/main" id="{6E9074FD-D20C-7CBA-7145-A607CF7B3C59}"/>
+            </a:ext>
+          </a:extLst>
+        </p:cNvPr>
+        <p:cNvGrpSpPr/>
+        <p:nvPr/>
+      </p:nvGrpSpPr>
+      <p:grpSpPr>
+        <a:xfrm>
+          <a:off x="0" y="0"/>
+          <a:ext cx="0" cy="0"/>
+          <a:chOff x="0" y="0"/>
+          <a:chExt cx="0" cy="0"/>
+        </a:xfrm>
+      </p:grpSpPr>
+      <p:sp>
+        <p:nvSpPr>
+          <p:cNvPr id="2" name="Title 1">
+            <a:extLst>
+              <a:ext uri="{FF2B5EF4-FFF2-40B4-BE49-F238E27FC236}">
+                <a16:creationId xmlns:a16="http://schemas.microsoft.com/office/drawing/2014/main" id="{BDFF72CA-E97F-D3BD-0B02-44B5CC0B2C3D}"/>
+              </a:ext>
+            </a:extLst>
+          </p:cNvPr>
+          <p:cNvSpPr>
+            <a:spLocks noGrp="1"/>
+          </p:cNvSpPr>
+          <p:nvPr>
+            <p:ph type="title"/>
+          </p:nvPr>
+        </p:nvSpPr>
+        <p:spPr/>
+        <p:txBody>
+          <a:bodyPr/>
+          <a:lstStyle/>
+          <a:p>
+            <a:r>
+              <a:rPr lang="en-US" dirty="0"/>
+              <a:t>Code Coverage: Example 2</a:t>
+            </a:r>
+          </a:p>
+        </p:txBody>
+      </p:sp>
+      <p:sp>
+        <p:nvSpPr>
+          <p:cNvPr id="3" name="Content Placeholder 2">
+            <a:extLst>
+              <a:ext uri="{FF2B5EF4-FFF2-40B4-BE49-F238E27FC236}">
+                <a16:creationId xmlns:a16="http://schemas.microsoft.com/office/drawing/2014/main" id="{6B523148-C504-4C21-1541-CC438AFAAF11}"/>
+              </a:ext>
+            </a:extLst>
+          </p:cNvPr>
+          <p:cNvSpPr>
+            <a:spLocks noGrp="1"/>
+          </p:cNvSpPr>
+          <p:nvPr>
+            <p:ph idx="1"/>
+          </p:nvPr>
+        </p:nvSpPr>
+        <p:spPr/>
+        <p:txBody>
+          <a:bodyPr/>
+          <a:lstStyle/>
+          <a:p>
+            <a:pPr marL="0" indent="0">
+              <a:buNone/>
+            </a:pPr>
+            <a:r>
+              <a:rPr lang="en-US" dirty="0"/>
+              <a:t>What tests will get line/branch/path coverage here?</a:t>
+            </a:r>
+          </a:p>
+        </p:txBody>
+      </p:sp>
+      <p:sp>
+        <p:nvSpPr>
+          <p:cNvPr id="4" name="Slide Number Placeholder 3">
+            <a:extLst>
+              <a:ext uri="{FF2B5EF4-FFF2-40B4-BE49-F238E27FC236}">
+                <a16:creationId xmlns:a16="http://schemas.microsoft.com/office/drawing/2014/main" id="{5D79B563-FA25-DE5E-F8D5-58C1945CBE4C}"/>
+              </a:ext>
+            </a:extLst>
+          </p:cNvPr>
+          <p:cNvSpPr>
+            <a:spLocks noGrp="1"/>
+          </p:cNvSpPr>
+          <p:nvPr>
+            <p:ph type="sldNum" sz="quarter" idx="12"/>
+          </p:nvPr>
+        </p:nvSpPr>
+        <p:spPr/>
+        <p:txBody>
+          <a:bodyPr/>
+          <a:lstStyle/>
+          <a:p>
+            <a:fld id="{20F37917-FD3A-4669-9018-DA04BCDD3D75}" type="slidenum">
+              <a:rPr lang="en-US" smtClean="0"/>
+              <a:t>11</a:t>
+            </a:fld>
+            <a:endParaRPr lang="en-US"/>
+          </a:p>
+        </p:txBody>
+      </p:sp>
+      <p:sp>
+        <p:nvSpPr>
+          <p:cNvPr id="5" name="TextBox 4">
+            <a:extLst>
+              <a:ext uri="{FF2B5EF4-FFF2-40B4-BE49-F238E27FC236}">
+                <a16:creationId xmlns:a16="http://schemas.microsoft.com/office/drawing/2014/main" id="{75CFD0E7-AE43-5654-CC94-2CFF670D7B5A}"/>
+              </a:ext>
+            </a:extLst>
+          </p:cNvPr>
+          <p:cNvSpPr txBox="1"/>
+          <p:nvPr/>
+        </p:nvSpPr>
+        <p:spPr>
+          <a:xfrm>
+            <a:off x="744069" y="2501474"/>
+            <a:ext cx="11354146" cy="4474815"/>
+          </a:xfrm>
+          <a:prstGeom prst="rect">
+            <a:avLst/>
+          </a:prstGeom>
+          <a:noFill/>
+          <a:ln w="12700" cap="flat" cmpd="sng" algn="ctr">
+            <a:noFill/>
+            <a:prstDash val="solid"/>
+            <a:miter lim="800000"/>
+          </a:ln>
+          <a:effectLst/>
+        </p:spPr>
+        <p:style>
+          <a:lnRef idx="2">
+            <a:schemeClr val="accent1">
+              <a:shade val="50000"/>
+            </a:schemeClr>
+          </a:lnRef>
+          <a:fillRef idx="1">
+            <a:schemeClr val="accent1"/>
+          </a:fillRef>
+          <a:effectRef idx="0">
+            <a:schemeClr val="accent1"/>
+          </a:effectRef>
+          <a:fontRef idx="minor">
+            <a:schemeClr val="lt1"/>
+          </a:fontRef>
+        </p:style>
+        <p:txBody>
+          <a:bodyPr wrap="square">
+            <a:spAutoFit/>
+          </a:bodyPr>
+          <a:lstStyle/>
+          <a:p>
+            <a:pPr>
+              <a:lnSpc>
+                <a:spcPct val="110000"/>
+              </a:lnSpc>
+              <a:buNone/>
+            </a:pPr>
+            <a:r>
+              <a:rPr lang="en-US" sz="2000" dirty="0">
+                <a:solidFill>
+                  <a:srgbClr val="002060"/>
+                </a:solidFill>
+                <a:latin typeface="Consolas" panose="020B0609020204030204" pitchFamily="49" charset="0"/>
+                <a:cs typeface="Consolas" panose="020B0609020204030204" pitchFamily="49" charset="0"/>
+              </a:rPr>
+              <a:t>const</a:t>
+            </a:r>
+            <a:r>
+              <a:rPr lang="en-US" sz="2000" dirty="0">
+                <a:solidFill>
+                  <a:schemeClr val="tx1"/>
+                </a:solidFill>
+                <a:latin typeface="Consolas" panose="020B0609020204030204" pitchFamily="49" charset="0"/>
+                <a:cs typeface="Consolas" panose="020B0609020204030204" pitchFamily="49" charset="0"/>
+              </a:rPr>
+              <a:t> </a:t>
+            </a:r>
+            <a:r>
+              <a:rPr lang="en-US" sz="2000" dirty="0" err="1">
+                <a:solidFill>
+                  <a:srgbClr val="0070C0"/>
+                </a:solidFill>
+                <a:latin typeface="Consolas" panose="020B0609020204030204" pitchFamily="49" charset="0"/>
+                <a:cs typeface="Consolas" panose="020B0609020204030204" pitchFamily="49" charset="0"/>
+              </a:rPr>
+              <a:t>zHelloInput</a:t>
+            </a:r>
+            <a:r>
+              <a:rPr lang="en-US" sz="2000" dirty="0">
+                <a:solidFill>
+                  <a:schemeClr val="tx1"/>
+                </a:solidFill>
+                <a:latin typeface="Consolas" panose="020B0609020204030204" pitchFamily="49" charset="0"/>
+                <a:cs typeface="Consolas" panose="020B0609020204030204" pitchFamily="49" charset="0"/>
+              </a:rPr>
+              <a:t> = </a:t>
+            </a:r>
+            <a:r>
+              <a:rPr lang="en-US" sz="2000" dirty="0" err="1">
+                <a:solidFill>
+                  <a:srgbClr val="0070C0"/>
+                </a:solidFill>
+                <a:latin typeface="Consolas" panose="020B0609020204030204" pitchFamily="49" charset="0"/>
+                <a:cs typeface="Consolas" panose="020B0609020204030204" pitchFamily="49" charset="0"/>
+              </a:rPr>
+              <a:t>z</a:t>
+            </a:r>
+            <a:r>
+              <a:rPr lang="en-US" sz="2000" dirty="0" err="1">
+                <a:solidFill>
+                  <a:schemeClr val="tx1"/>
+                </a:solidFill>
+                <a:latin typeface="Consolas" panose="020B0609020204030204" pitchFamily="49" charset="0"/>
+                <a:cs typeface="Consolas" panose="020B0609020204030204" pitchFamily="49" charset="0"/>
+              </a:rPr>
+              <a:t>.</a:t>
+            </a:r>
+            <a:r>
+              <a:rPr lang="en-US" sz="2000" dirty="0" err="1">
+                <a:solidFill>
+                  <a:schemeClr val="accent4">
+                    <a:lumMod val="50000"/>
+                  </a:schemeClr>
+                </a:solidFill>
+                <a:latin typeface="Consolas" panose="020B0609020204030204" pitchFamily="49" charset="0"/>
+                <a:cs typeface="Consolas" panose="020B0609020204030204" pitchFamily="49" charset="0"/>
+              </a:rPr>
+              <a:t>int</a:t>
+            </a:r>
+            <a:r>
+              <a:rPr lang="en-US" sz="2000" dirty="0">
+                <a:solidFill>
+                  <a:schemeClr val="tx1"/>
+                </a:solidFill>
+                <a:latin typeface="Consolas" panose="020B0609020204030204" pitchFamily="49" charset="0"/>
+                <a:cs typeface="Consolas" panose="020B0609020204030204" pitchFamily="49" charset="0"/>
+              </a:rPr>
+              <a:t>().</a:t>
+            </a:r>
+            <a:r>
+              <a:rPr lang="en-US" sz="2000" dirty="0" err="1">
+                <a:solidFill>
+                  <a:schemeClr val="accent4">
+                    <a:lumMod val="50000"/>
+                  </a:schemeClr>
+                </a:solidFill>
+                <a:latin typeface="Consolas" panose="020B0609020204030204" pitchFamily="49" charset="0"/>
+                <a:cs typeface="Consolas" panose="020B0609020204030204" pitchFamily="49" charset="0"/>
+              </a:rPr>
+              <a:t>gte</a:t>
+            </a:r>
+            <a:r>
+              <a:rPr lang="en-US" sz="2000" dirty="0">
+                <a:solidFill>
+                  <a:schemeClr val="tx1"/>
+                </a:solidFill>
+                <a:latin typeface="Consolas" panose="020B0609020204030204" pitchFamily="49" charset="0"/>
+                <a:cs typeface="Consolas" panose="020B0609020204030204" pitchFamily="49" charset="0"/>
+              </a:rPr>
+              <a:t>(</a:t>
+            </a:r>
+            <a:r>
+              <a:rPr lang="en-US" sz="2000" dirty="0">
+                <a:solidFill>
+                  <a:srgbClr val="0070C0"/>
+                </a:solidFill>
+                <a:latin typeface="Consolas" panose="020B0609020204030204" pitchFamily="49" charset="0"/>
+                <a:cs typeface="Consolas" panose="020B0609020204030204" pitchFamily="49" charset="0"/>
+              </a:rPr>
+              <a:t>0</a:t>
+            </a:r>
+            <a:r>
+              <a:rPr lang="en-US" sz="2000" dirty="0">
+                <a:solidFill>
+                  <a:schemeClr val="tx1"/>
+                </a:solidFill>
+                <a:latin typeface="Consolas" panose="020B0609020204030204" pitchFamily="49" charset="0"/>
+                <a:cs typeface="Consolas" panose="020B0609020204030204" pitchFamily="49" charset="0"/>
+              </a:rPr>
+              <a:t>);</a:t>
+            </a:r>
+          </a:p>
+          <a:p>
+            <a:pPr>
+              <a:lnSpc>
+                <a:spcPct val="110000"/>
+              </a:lnSpc>
+              <a:buNone/>
+            </a:pPr>
+            <a:endParaRPr lang="en-US" sz="2000" dirty="0">
+              <a:solidFill>
+                <a:srgbClr val="008000"/>
+              </a:solidFill>
+              <a:latin typeface="Consolas" panose="020B0609020204030204" pitchFamily="49" charset="0"/>
+              <a:cs typeface="Consolas" panose="020B0609020204030204" pitchFamily="49" charset="0"/>
+            </a:endParaRPr>
+          </a:p>
+          <a:p>
+            <a:pPr>
+              <a:lnSpc>
+                <a:spcPct val="110000"/>
+              </a:lnSpc>
+            </a:pPr>
+            <a:r>
+              <a:rPr lang="en-US" sz="2000" dirty="0">
+                <a:solidFill>
+                  <a:srgbClr val="008000"/>
+                </a:solidFill>
+                <a:latin typeface="Consolas" panose="020B0609020204030204" pitchFamily="49" charset="0"/>
+                <a:cs typeface="Consolas" panose="020B0609020204030204" pitchFamily="49" charset="0"/>
+              </a:rPr>
+              <a:t>/** Returns an array that repeats "hello"</a:t>
+            </a:r>
+            <a:endParaRPr lang="en-US" sz="2000" dirty="0">
+              <a:solidFill>
+                <a:srgbClr val="3B3B3B"/>
+              </a:solidFill>
+              <a:latin typeface="Consolas" panose="020B0609020204030204" pitchFamily="49" charset="0"/>
+              <a:cs typeface="Consolas" panose="020B0609020204030204" pitchFamily="49" charset="0"/>
+            </a:endParaRPr>
+          </a:p>
+          <a:p>
+            <a:pPr>
+              <a:lnSpc>
+                <a:spcPct val="110000"/>
+              </a:lnSpc>
+              <a:buNone/>
+            </a:pPr>
+            <a:r>
+              <a:rPr lang="en-US" sz="2000" dirty="0">
+                <a:solidFill>
+                  <a:srgbClr val="008000"/>
+                </a:solidFill>
+                <a:latin typeface="Consolas" panose="020B0609020204030204" pitchFamily="49" charset="0"/>
+                <a:cs typeface="Consolas" panose="020B0609020204030204" pitchFamily="49" charset="0"/>
+              </a:rPr>
+              <a:t> * </a:t>
+            </a:r>
+            <a:r>
+              <a:rPr lang="en-US" sz="2000" dirty="0">
+                <a:solidFill>
+                  <a:srgbClr val="0000FF"/>
+                </a:solidFill>
+                <a:latin typeface="Consolas" panose="020B0609020204030204" pitchFamily="49" charset="0"/>
+                <a:cs typeface="Consolas" panose="020B0609020204030204" pitchFamily="49" charset="0"/>
+              </a:rPr>
+              <a:t>@param</a:t>
+            </a:r>
+            <a:r>
+              <a:rPr lang="en-US" sz="2000" dirty="0">
+                <a:solidFill>
+                  <a:srgbClr val="008000"/>
+                </a:solidFill>
+                <a:latin typeface="Consolas" panose="020B0609020204030204" pitchFamily="49" charset="0"/>
+                <a:cs typeface="Consolas" panose="020B0609020204030204" pitchFamily="49" charset="0"/>
+              </a:rPr>
+              <a:t> </a:t>
+            </a:r>
+            <a:r>
+              <a:rPr lang="en-US" sz="2000" dirty="0" err="1">
+                <a:solidFill>
+                  <a:srgbClr val="001080"/>
+                </a:solidFill>
+                <a:latin typeface="Consolas" panose="020B0609020204030204" pitchFamily="49" charset="0"/>
+                <a:cs typeface="Consolas" panose="020B0609020204030204" pitchFamily="49" charset="0"/>
+              </a:rPr>
+              <a:t>numHellos</a:t>
+            </a:r>
+            <a:r>
+              <a:rPr lang="en-US" sz="2000" dirty="0">
+                <a:solidFill>
+                  <a:srgbClr val="008000"/>
+                </a:solidFill>
+                <a:latin typeface="Consolas" panose="020B0609020204030204" pitchFamily="49" charset="0"/>
+                <a:cs typeface="Consolas" panose="020B0609020204030204" pitchFamily="49" charset="0"/>
+              </a:rPr>
+              <a:t> - number of times to say “hello”</a:t>
+            </a:r>
+          </a:p>
+          <a:p>
+            <a:pPr>
+              <a:lnSpc>
+                <a:spcPct val="110000"/>
+              </a:lnSpc>
+              <a:buNone/>
+            </a:pPr>
+            <a:r>
+              <a:rPr lang="en-US" sz="2000" dirty="0">
+                <a:solidFill>
+                  <a:srgbClr val="008000"/>
+                </a:solidFill>
+                <a:latin typeface="Consolas" panose="020B0609020204030204" pitchFamily="49" charset="0"/>
+                <a:cs typeface="Consolas" panose="020B0609020204030204" pitchFamily="49" charset="0"/>
+              </a:rPr>
+              <a:t> * </a:t>
+            </a:r>
+            <a:r>
+              <a:rPr lang="en-US" sz="2000" dirty="0">
+                <a:solidFill>
+                  <a:srgbClr val="0000FF"/>
+                </a:solidFill>
+                <a:latin typeface="Consolas" panose="020B0609020204030204" pitchFamily="49" charset="0"/>
+                <a:cs typeface="Consolas" panose="020B0609020204030204" pitchFamily="49" charset="0"/>
+              </a:rPr>
+              <a:t>@throws </a:t>
+            </a:r>
+            <a:r>
+              <a:rPr lang="en-US" sz="2000" dirty="0">
+                <a:solidFill>
+                  <a:srgbClr val="008000"/>
+                </a:solidFill>
+                <a:latin typeface="Consolas" panose="020B0609020204030204" pitchFamily="49" charset="0"/>
+                <a:cs typeface="Consolas" panose="020B0609020204030204" pitchFamily="49" charset="0"/>
+              </a:rPr>
+              <a:t>if the input is not an integer &gt;= 0</a:t>
+            </a:r>
+            <a:endParaRPr lang="en-US" sz="2000" dirty="0">
+              <a:solidFill>
+                <a:srgbClr val="3B3B3B"/>
+              </a:solidFill>
+              <a:latin typeface="Consolas" panose="020B0609020204030204" pitchFamily="49" charset="0"/>
+              <a:cs typeface="Consolas" panose="020B0609020204030204" pitchFamily="49" charset="0"/>
+            </a:endParaRPr>
+          </a:p>
+          <a:p>
+            <a:pPr>
+              <a:lnSpc>
+                <a:spcPct val="110000"/>
+              </a:lnSpc>
+              <a:buNone/>
+            </a:pPr>
+            <a:r>
+              <a:rPr lang="en-US" sz="2000" dirty="0">
+                <a:solidFill>
+                  <a:srgbClr val="008000"/>
+                </a:solidFill>
+                <a:latin typeface="Consolas" panose="020B0609020204030204" pitchFamily="49" charset="0"/>
+                <a:cs typeface="Consolas" panose="020B0609020204030204" pitchFamily="49" charset="0"/>
+              </a:rPr>
+              <a:t> */</a:t>
+            </a:r>
+            <a:endParaRPr lang="en-US" sz="2000" dirty="0">
+              <a:solidFill>
+                <a:srgbClr val="3B3B3B"/>
+              </a:solidFill>
+              <a:latin typeface="Consolas" panose="020B0609020204030204" pitchFamily="49" charset="0"/>
+              <a:cs typeface="Consolas" panose="020B0609020204030204" pitchFamily="49" charset="0"/>
+            </a:endParaRPr>
+          </a:p>
+          <a:p>
+            <a:pPr>
+              <a:lnSpc>
+                <a:spcPct val="110000"/>
+              </a:lnSpc>
+              <a:buNone/>
+            </a:pPr>
+            <a:r>
+              <a:rPr lang="en-US" sz="2000" dirty="0">
+                <a:solidFill>
+                  <a:srgbClr val="0000FF"/>
+                </a:solidFill>
+                <a:latin typeface="Consolas" panose="020B0609020204030204" pitchFamily="49" charset="0"/>
+                <a:cs typeface="Consolas" panose="020B0609020204030204" pitchFamily="49" charset="0"/>
+              </a:rPr>
+              <a:t>function</a:t>
+            </a:r>
+            <a:r>
+              <a:rPr lang="en-US" sz="2000" dirty="0">
+                <a:solidFill>
+                  <a:srgbClr val="3B3B3B"/>
+                </a:solidFill>
+                <a:latin typeface="Consolas" panose="020B0609020204030204" pitchFamily="49" charset="0"/>
+                <a:cs typeface="Consolas" panose="020B0609020204030204" pitchFamily="49" charset="0"/>
+              </a:rPr>
+              <a:t> </a:t>
+            </a:r>
+            <a:r>
+              <a:rPr lang="en-US" sz="2000" dirty="0" err="1">
+                <a:solidFill>
+                  <a:srgbClr val="795E26"/>
+                </a:solidFill>
+                <a:latin typeface="Consolas" panose="020B0609020204030204" pitchFamily="49" charset="0"/>
+                <a:cs typeface="Consolas" panose="020B0609020204030204" pitchFamily="49" charset="0"/>
+              </a:rPr>
+              <a:t>helloNTimes</a:t>
+            </a:r>
+            <a:r>
+              <a:rPr lang="en-US" sz="2000" dirty="0">
+                <a:solidFill>
+                  <a:srgbClr val="3B3B3B"/>
+                </a:solidFill>
+                <a:latin typeface="Consolas" panose="020B0609020204030204" pitchFamily="49" charset="0"/>
+                <a:cs typeface="Consolas" panose="020B0609020204030204" pitchFamily="49" charset="0"/>
+              </a:rPr>
+              <a:t>(</a:t>
+            </a:r>
+            <a:r>
+              <a:rPr lang="en-US" sz="2000" dirty="0" err="1">
+                <a:solidFill>
+                  <a:srgbClr val="001080"/>
+                </a:solidFill>
+                <a:latin typeface="Consolas" panose="020B0609020204030204" pitchFamily="49" charset="0"/>
+                <a:cs typeface="Consolas" panose="020B0609020204030204" pitchFamily="49" charset="0"/>
+              </a:rPr>
+              <a:t>numHellos</a:t>
+            </a:r>
+            <a:r>
+              <a:rPr lang="en-US" sz="2000" dirty="0">
+                <a:solidFill>
+                  <a:srgbClr val="000000"/>
+                </a:solidFill>
+                <a:latin typeface="Consolas" panose="020B0609020204030204" pitchFamily="49" charset="0"/>
+                <a:cs typeface="Consolas" panose="020B0609020204030204" pitchFamily="49" charset="0"/>
+              </a:rPr>
+              <a:t>:</a:t>
+            </a:r>
+            <a:r>
+              <a:rPr lang="en-US" sz="2000" dirty="0">
+                <a:solidFill>
+                  <a:srgbClr val="3B3B3B"/>
+                </a:solidFill>
+                <a:latin typeface="Consolas" panose="020B0609020204030204" pitchFamily="49" charset="0"/>
+                <a:cs typeface="Consolas" panose="020B0609020204030204" pitchFamily="49" charset="0"/>
+              </a:rPr>
+              <a:t> </a:t>
+            </a:r>
+            <a:r>
+              <a:rPr lang="en-US" sz="2000" dirty="0">
+                <a:solidFill>
+                  <a:srgbClr val="267F99"/>
+                </a:solidFill>
+                <a:latin typeface="Consolas" panose="020B0609020204030204" pitchFamily="49" charset="0"/>
+                <a:cs typeface="Consolas" panose="020B0609020204030204" pitchFamily="49" charset="0"/>
+              </a:rPr>
+              <a:t>unknown</a:t>
+            </a:r>
+            <a:r>
+              <a:rPr lang="en-US" sz="2000" dirty="0">
+                <a:solidFill>
+                  <a:srgbClr val="3B3B3B"/>
+                </a:solidFill>
+                <a:latin typeface="Consolas" panose="020B0609020204030204" pitchFamily="49" charset="0"/>
+                <a:cs typeface="Consolas" panose="020B0609020204030204" pitchFamily="49" charset="0"/>
+              </a:rPr>
+              <a:t>): </a:t>
+            </a:r>
+            <a:r>
+              <a:rPr lang="en-US" sz="2000" dirty="0">
+                <a:solidFill>
+                  <a:srgbClr val="267F99"/>
+                </a:solidFill>
+                <a:latin typeface="Consolas" panose="020B0609020204030204" pitchFamily="49" charset="0"/>
+                <a:cs typeface="Consolas" panose="020B0609020204030204" pitchFamily="49" charset="0"/>
+              </a:rPr>
+              <a:t>string[]</a:t>
+            </a:r>
+            <a:r>
+              <a:rPr lang="en-US" sz="2000" dirty="0">
+                <a:solidFill>
+                  <a:srgbClr val="3B3B3B"/>
+                </a:solidFill>
+                <a:latin typeface="Consolas" panose="020B0609020204030204" pitchFamily="49" charset="0"/>
+                <a:cs typeface="Consolas" panose="020B0609020204030204" pitchFamily="49" charset="0"/>
+              </a:rPr>
+              <a:t> {</a:t>
+            </a:r>
+            <a:br>
+              <a:rPr lang="en-US" sz="2000" dirty="0">
+                <a:solidFill>
+                  <a:srgbClr val="3B3B3B"/>
+                </a:solidFill>
+                <a:latin typeface="Consolas" panose="020B0609020204030204" pitchFamily="49" charset="0"/>
+                <a:cs typeface="Consolas" panose="020B0609020204030204" pitchFamily="49" charset="0"/>
+              </a:rPr>
+            </a:br>
+            <a:r>
+              <a:rPr lang="en-US" sz="2000" dirty="0">
+                <a:solidFill>
+                  <a:srgbClr val="3B3B3B"/>
+                </a:solidFill>
+                <a:latin typeface="Consolas" panose="020B0609020204030204" pitchFamily="49" charset="0"/>
+                <a:cs typeface="Consolas" panose="020B0609020204030204" pitchFamily="49" charset="0"/>
+              </a:rPr>
+              <a:t>  </a:t>
+            </a:r>
+            <a:r>
+              <a:rPr lang="en-US" sz="2000" dirty="0">
+                <a:solidFill>
+                  <a:srgbClr val="AF00DB"/>
+                </a:solidFill>
+                <a:latin typeface="Consolas" panose="020B0609020204030204" pitchFamily="49" charset="0"/>
+                <a:cs typeface="Consolas" panose="020B0609020204030204" pitchFamily="49" charset="0"/>
+              </a:rPr>
+              <a:t>const</a:t>
+            </a:r>
+            <a:r>
+              <a:rPr lang="en-US" sz="2000" dirty="0">
+                <a:solidFill>
+                  <a:srgbClr val="3B3B3B"/>
+                </a:solidFill>
+                <a:latin typeface="Consolas" panose="020B0609020204030204" pitchFamily="49" charset="0"/>
+                <a:cs typeface="Consolas" panose="020B0609020204030204" pitchFamily="49" charset="0"/>
+              </a:rPr>
+              <a:t> </a:t>
+            </a:r>
+            <a:r>
+              <a:rPr lang="en-US" sz="2000" dirty="0" err="1">
+                <a:solidFill>
+                  <a:srgbClr val="0070C0"/>
+                </a:solidFill>
+                <a:latin typeface="Consolas" panose="020B0609020204030204" pitchFamily="49" charset="0"/>
+                <a:cs typeface="Consolas" panose="020B0609020204030204" pitchFamily="49" charset="0"/>
+              </a:rPr>
+              <a:t>parseResult</a:t>
+            </a:r>
+            <a:r>
+              <a:rPr lang="en-US" sz="2000" dirty="0">
+                <a:solidFill>
+                  <a:srgbClr val="0070C0"/>
+                </a:solidFill>
+                <a:latin typeface="Consolas" panose="020B0609020204030204" pitchFamily="49" charset="0"/>
+                <a:cs typeface="Consolas" panose="020B0609020204030204" pitchFamily="49" charset="0"/>
+              </a:rPr>
+              <a:t> </a:t>
+            </a:r>
+            <a:r>
+              <a:rPr lang="en-US" sz="2000" dirty="0">
+                <a:solidFill>
+                  <a:srgbClr val="3B3B3B"/>
+                </a:solidFill>
+                <a:latin typeface="Consolas" panose="020B0609020204030204" pitchFamily="49" charset="0"/>
+                <a:cs typeface="Consolas" panose="020B0609020204030204" pitchFamily="49" charset="0"/>
+              </a:rPr>
+              <a:t>= </a:t>
+            </a:r>
+            <a:r>
+              <a:rPr lang="en-US" sz="2000" dirty="0" err="1">
+                <a:solidFill>
+                  <a:srgbClr val="002060"/>
+                </a:solidFill>
+                <a:latin typeface="Consolas" panose="020B0609020204030204" pitchFamily="49" charset="0"/>
+                <a:cs typeface="Consolas" panose="020B0609020204030204" pitchFamily="49" charset="0"/>
+              </a:rPr>
+              <a:t>zHelloInput</a:t>
+            </a:r>
+            <a:r>
+              <a:rPr lang="en-US" sz="2000" dirty="0" err="1">
+                <a:solidFill>
+                  <a:srgbClr val="3B3B3B"/>
+                </a:solidFill>
+                <a:latin typeface="Consolas" panose="020B0609020204030204" pitchFamily="49" charset="0"/>
+                <a:cs typeface="Consolas" panose="020B0609020204030204" pitchFamily="49" charset="0"/>
+              </a:rPr>
+              <a:t>.</a:t>
+            </a:r>
+            <a:r>
+              <a:rPr lang="en-US" sz="2000" dirty="0" err="1">
+                <a:solidFill>
+                  <a:schemeClr val="accent4">
+                    <a:lumMod val="50000"/>
+                  </a:schemeClr>
+                </a:solidFill>
+                <a:latin typeface="Consolas" panose="020B0609020204030204" pitchFamily="49" charset="0"/>
+                <a:cs typeface="Consolas" panose="020B0609020204030204" pitchFamily="49" charset="0"/>
+              </a:rPr>
+              <a:t>safeParse</a:t>
+            </a:r>
+            <a:r>
+              <a:rPr lang="en-US" sz="2000" dirty="0">
+                <a:solidFill>
+                  <a:srgbClr val="3B3B3B"/>
+                </a:solidFill>
+                <a:latin typeface="Consolas" panose="020B0609020204030204" pitchFamily="49" charset="0"/>
+                <a:cs typeface="Consolas" panose="020B0609020204030204" pitchFamily="49" charset="0"/>
+              </a:rPr>
+              <a:t>(</a:t>
+            </a:r>
+            <a:r>
+              <a:rPr lang="en-US" sz="2000" dirty="0" err="1">
+                <a:solidFill>
+                  <a:srgbClr val="001080"/>
+                </a:solidFill>
+                <a:latin typeface="Consolas" panose="020B0609020204030204" pitchFamily="49" charset="0"/>
+                <a:cs typeface="Consolas" panose="020B0609020204030204" pitchFamily="49" charset="0"/>
+              </a:rPr>
+              <a:t>numHellos</a:t>
+            </a:r>
+            <a:r>
+              <a:rPr lang="en-US" sz="2000" dirty="0">
+                <a:solidFill>
+                  <a:srgbClr val="3B3B3B"/>
+                </a:solidFill>
+                <a:latin typeface="Consolas" panose="020B0609020204030204" pitchFamily="49" charset="0"/>
+                <a:cs typeface="Consolas" panose="020B0609020204030204" pitchFamily="49" charset="0"/>
+              </a:rPr>
+              <a:t>);</a:t>
+            </a:r>
+          </a:p>
+          <a:p>
+            <a:pPr>
+              <a:lnSpc>
+                <a:spcPct val="110000"/>
+              </a:lnSpc>
+              <a:buNone/>
+            </a:pPr>
+            <a:r>
+              <a:rPr lang="en-US" sz="2000" dirty="0">
+                <a:solidFill>
+                  <a:srgbClr val="3B3B3B"/>
+                </a:solidFill>
+                <a:latin typeface="Consolas" panose="020B0609020204030204" pitchFamily="49" charset="0"/>
+                <a:cs typeface="Consolas" panose="020B0609020204030204" pitchFamily="49" charset="0"/>
+              </a:rPr>
+              <a:t> </a:t>
+            </a:r>
+            <a:r>
+              <a:rPr lang="en-US" sz="2000" dirty="0">
+                <a:solidFill>
+                  <a:srgbClr val="AF00DB"/>
+                </a:solidFill>
+                <a:latin typeface="Consolas" panose="020B0609020204030204" pitchFamily="49" charset="0"/>
+                <a:cs typeface="Consolas" panose="020B0609020204030204" pitchFamily="49" charset="0"/>
+              </a:rPr>
+              <a:t> if </a:t>
+            </a:r>
+            <a:r>
+              <a:rPr lang="en-US" sz="2000" dirty="0">
+                <a:solidFill>
+                  <a:srgbClr val="3B3B3B"/>
+                </a:solidFill>
+                <a:latin typeface="Consolas" panose="020B0609020204030204" pitchFamily="49" charset="0"/>
+                <a:cs typeface="Consolas" panose="020B0609020204030204" pitchFamily="49" charset="0"/>
+              </a:rPr>
+              <a:t>(!</a:t>
+            </a:r>
+            <a:r>
+              <a:rPr lang="en-US" sz="2000" dirty="0" err="1">
+                <a:solidFill>
+                  <a:srgbClr val="002060"/>
+                </a:solidFill>
+                <a:latin typeface="Consolas" panose="020B0609020204030204" pitchFamily="49" charset="0"/>
+                <a:cs typeface="Consolas" panose="020B0609020204030204" pitchFamily="49" charset="0"/>
+              </a:rPr>
+              <a:t>parseResult.success</a:t>
+            </a:r>
+            <a:r>
+              <a:rPr lang="en-US" sz="2000" dirty="0">
+                <a:solidFill>
+                  <a:srgbClr val="3B3B3B"/>
+                </a:solidFill>
+                <a:latin typeface="Consolas" panose="020B0609020204030204" pitchFamily="49" charset="0"/>
+                <a:cs typeface="Consolas" panose="020B0609020204030204" pitchFamily="49" charset="0"/>
+              </a:rPr>
+              <a:t>) </a:t>
+            </a:r>
+            <a:r>
+              <a:rPr lang="en-US" sz="2000" dirty="0">
+                <a:solidFill>
+                  <a:srgbClr val="AF00DB"/>
+                </a:solidFill>
+                <a:latin typeface="Consolas" panose="020B0609020204030204" pitchFamily="49" charset="0"/>
+                <a:cs typeface="Consolas" panose="020B0609020204030204" pitchFamily="49" charset="0"/>
+              </a:rPr>
+              <a:t>throw new</a:t>
+            </a:r>
+            <a:r>
+              <a:rPr lang="en-US" sz="2000" dirty="0">
+                <a:solidFill>
+                  <a:srgbClr val="3B3B3B"/>
+                </a:solidFill>
+                <a:latin typeface="Consolas" panose="020B0609020204030204" pitchFamily="49" charset="0"/>
+                <a:cs typeface="Consolas" panose="020B0609020204030204" pitchFamily="49" charset="0"/>
+              </a:rPr>
+              <a:t> </a:t>
+            </a:r>
+            <a:r>
+              <a:rPr lang="en-US" sz="2000" dirty="0">
+                <a:solidFill>
+                  <a:srgbClr val="002060"/>
+                </a:solidFill>
+                <a:latin typeface="Consolas" panose="020B0609020204030204" pitchFamily="49" charset="0"/>
+                <a:cs typeface="Consolas" panose="020B0609020204030204" pitchFamily="49" charset="0"/>
+              </a:rPr>
+              <a:t>Error</a:t>
+            </a:r>
+            <a:r>
+              <a:rPr lang="en-US" sz="2000" dirty="0">
+                <a:solidFill>
+                  <a:srgbClr val="3B3B3B"/>
+                </a:solidFill>
+                <a:latin typeface="Consolas" panose="020B0609020204030204" pitchFamily="49" charset="0"/>
+                <a:cs typeface="Consolas" panose="020B0609020204030204" pitchFamily="49" charset="0"/>
+              </a:rPr>
+              <a:t>(</a:t>
+            </a:r>
+            <a:r>
+              <a:rPr lang="en-US" sz="2000" dirty="0">
+                <a:solidFill>
+                  <a:srgbClr val="C00000"/>
+                </a:solidFill>
+                <a:latin typeface="Consolas" panose="020B0609020204030204" pitchFamily="49" charset="0"/>
+                <a:cs typeface="Consolas" panose="020B0609020204030204" pitchFamily="49" charset="0"/>
+              </a:rPr>
+              <a:t>"Invalid input"</a:t>
+            </a:r>
+            <a:r>
+              <a:rPr lang="en-US" sz="2000" dirty="0">
+                <a:solidFill>
+                  <a:srgbClr val="3B3B3B"/>
+                </a:solidFill>
+                <a:latin typeface="Consolas" panose="020B0609020204030204" pitchFamily="49" charset="0"/>
+                <a:cs typeface="Consolas" panose="020B0609020204030204" pitchFamily="49" charset="0"/>
+              </a:rPr>
+              <a:t>);</a:t>
+            </a:r>
+          </a:p>
+          <a:p>
+            <a:pPr>
+              <a:lnSpc>
+                <a:spcPct val="110000"/>
+              </a:lnSpc>
+              <a:buNone/>
+            </a:pPr>
+            <a:r>
+              <a:rPr lang="en-US" sz="2000" dirty="0">
+                <a:solidFill>
+                  <a:srgbClr val="3B3B3B"/>
+                </a:solidFill>
+                <a:latin typeface="Consolas" panose="020B0609020204030204" pitchFamily="49" charset="0"/>
+                <a:cs typeface="Consolas" panose="020B0609020204030204" pitchFamily="49" charset="0"/>
+              </a:rPr>
+              <a:t>  </a:t>
+            </a:r>
+            <a:r>
+              <a:rPr lang="en-US" sz="2000" dirty="0">
+                <a:solidFill>
+                  <a:srgbClr val="AF00DB"/>
+                </a:solidFill>
+                <a:latin typeface="Consolas" panose="020B0609020204030204" pitchFamily="49" charset="0"/>
+                <a:cs typeface="Consolas" panose="020B0609020204030204" pitchFamily="49" charset="0"/>
+              </a:rPr>
+              <a:t>const</a:t>
+            </a:r>
+            <a:r>
+              <a:rPr lang="en-US" sz="2000" dirty="0">
+                <a:solidFill>
+                  <a:srgbClr val="3B3B3B"/>
+                </a:solidFill>
+                <a:latin typeface="Consolas" panose="020B0609020204030204" pitchFamily="49" charset="0"/>
+                <a:cs typeface="Consolas" panose="020B0609020204030204" pitchFamily="49" charset="0"/>
+              </a:rPr>
+              <a:t> </a:t>
+            </a:r>
+            <a:r>
+              <a:rPr lang="en-US" sz="2000" dirty="0" err="1">
+                <a:solidFill>
+                  <a:srgbClr val="0070C0"/>
+                </a:solidFill>
+                <a:latin typeface="Consolas" panose="020B0609020204030204" pitchFamily="49" charset="0"/>
+                <a:cs typeface="Consolas" panose="020B0609020204030204" pitchFamily="49" charset="0"/>
+              </a:rPr>
+              <a:t>arr</a:t>
+            </a:r>
+            <a:r>
+              <a:rPr lang="en-US" sz="2000" dirty="0">
+                <a:solidFill>
+                  <a:srgbClr val="3B3B3B"/>
+                </a:solidFill>
+                <a:latin typeface="Consolas" panose="020B0609020204030204" pitchFamily="49" charset="0"/>
+                <a:cs typeface="Consolas" panose="020B0609020204030204" pitchFamily="49" charset="0"/>
+              </a:rPr>
+              <a:t>: </a:t>
+            </a:r>
+            <a:r>
+              <a:rPr lang="en-US" sz="2000" dirty="0">
+                <a:solidFill>
+                  <a:srgbClr val="267F99"/>
+                </a:solidFill>
+                <a:latin typeface="Consolas" panose="020B0609020204030204" pitchFamily="49" charset="0"/>
+                <a:cs typeface="Consolas" panose="020B0609020204030204" pitchFamily="49" charset="0"/>
+              </a:rPr>
+              <a:t>string[]</a:t>
+            </a:r>
+            <a:r>
+              <a:rPr lang="en-US" sz="2000" dirty="0">
+                <a:solidFill>
+                  <a:srgbClr val="3B3B3B"/>
+                </a:solidFill>
+                <a:latin typeface="Consolas" panose="020B0609020204030204" pitchFamily="49" charset="0"/>
+                <a:cs typeface="Consolas" panose="020B0609020204030204" pitchFamily="49" charset="0"/>
+              </a:rPr>
+              <a:t> = [];</a:t>
+            </a:r>
+          </a:p>
+          <a:p>
+            <a:pPr>
+              <a:lnSpc>
+                <a:spcPct val="110000"/>
+              </a:lnSpc>
+              <a:buNone/>
+            </a:pPr>
+            <a:r>
+              <a:rPr lang="en-US" sz="2000" dirty="0">
+                <a:solidFill>
+                  <a:srgbClr val="AF00DB"/>
+                </a:solidFill>
+                <a:latin typeface="Consolas" panose="020B0609020204030204" pitchFamily="49" charset="0"/>
+                <a:cs typeface="Consolas" panose="020B0609020204030204" pitchFamily="49" charset="0"/>
+              </a:rPr>
+              <a:t>  for</a:t>
+            </a:r>
+            <a:r>
+              <a:rPr lang="en-US" sz="2000" dirty="0">
+                <a:solidFill>
+                  <a:srgbClr val="3B3B3B"/>
+                </a:solidFill>
+                <a:latin typeface="Consolas" panose="020B0609020204030204" pitchFamily="49" charset="0"/>
+                <a:cs typeface="Consolas" panose="020B0609020204030204" pitchFamily="49" charset="0"/>
+              </a:rPr>
+              <a:t> (</a:t>
+            </a:r>
+            <a:r>
+              <a:rPr lang="en-US" sz="2000" dirty="0">
+                <a:solidFill>
+                  <a:srgbClr val="0000FF"/>
+                </a:solidFill>
+                <a:latin typeface="Consolas" panose="020B0609020204030204" pitchFamily="49" charset="0"/>
+                <a:cs typeface="Consolas" panose="020B0609020204030204" pitchFamily="49" charset="0"/>
+              </a:rPr>
+              <a:t>let</a:t>
+            </a:r>
+            <a:r>
+              <a:rPr lang="en-US" sz="2000" dirty="0">
+                <a:solidFill>
+                  <a:srgbClr val="3B3B3B"/>
+                </a:solidFill>
+                <a:latin typeface="Consolas" panose="020B0609020204030204" pitchFamily="49" charset="0"/>
+                <a:cs typeface="Consolas" panose="020B0609020204030204" pitchFamily="49" charset="0"/>
+              </a:rPr>
+              <a:t> </a:t>
+            </a:r>
+            <a:r>
+              <a:rPr lang="en-US" sz="2000" dirty="0" err="1">
+                <a:solidFill>
+                  <a:srgbClr val="001080"/>
+                </a:solidFill>
+                <a:latin typeface="Consolas" panose="020B0609020204030204" pitchFamily="49" charset="0"/>
+                <a:cs typeface="Consolas" panose="020B0609020204030204" pitchFamily="49" charset="0"/>
+              </a:rPr>
+              <a:t>i</a:t>
+            </a:r>
+            <a:r>
+              <a:rPr lang="en-US" sz="2000" dirty="0">
+                <a:solidFill>
+                  <a:srgbClr val="3B3B3B"/>
+                </a:solidFill>
+                <a:latin typeface="Consolas" panose="020B0609020204030204" pitchFamily="49" charset="0"/>
+                <a:cs typeface="Consolas" panose="020B0609020204030204" pitchFamily="49" charset="0"/>
+              </a:rPr>
+              <a:t> </a:t>
+            </a:r>
+            <a:r>
+              <a:rPr lang="en-US" sz="2000" dirty="0">
+                <a:solidFill>
+                  <a:srgbClr val="000000"/>
+                </a:solidFill>
+                <a:latin typeface="Consolas" panose="020B0609020204030204" pitchFamily="49" charset="0"/>
+                <a:cs typeface="Consolas" panose="020B0609020204030204" pitchFamily="49" charset="0"/>
+              </a:rPr>
+              <a:t>=</a:t>
+            </a:r>
+            <a:r>
+              <a:rPr lang="en-US" sz="2000" dirty="0">
+                <a:solidFill>
+                  <a:srgbClr val="3B3B3B"/>
+                </a:solidFill>
+                <a:latin typeface="Consolas" panose="020B0609020204030204" pitchFamily="49" charset="0"/>
+                <a:cs typeface="Consolas" panose="020B0609020204030204" pitchFamily="49" charset="0"/>
+              </a:rPr>
+              <a:t> </a:t>
+            </a:r>
+            <a:r>
+              <a:rPr lang="en-US" sz="2000" dirty="0" err="1">
+                <a:solidFill>
+                  <a:srgbClr val="001080"/>
+                </a:solidFill>
+                <a:latin typeface="Consolas" panose="020B0609020204030204" pitchFamily="49" charset="0"/>
+                <a:cs typeface="Consolas" panose="020B0609020204030204" pitchFamily="49" charset="0"/>
+              </a:rPr>
+              <a:t>parseResult.data</a:t>
+            </a:r>
+            <a:r>
+              <a:rPr lang="en-US" sz="2000" dirty="0">
+                <a:solidFill>
+                  <a:srgbClr val="3B3B3B"/>
+                </a:solidFill>
+                <a:latin typeface="Consolas" panose="020B0609020204030204" pitchFamily="49" charset="0"/>
+                <a:cs typeface="Consolas" panose="020B0609020204030204" pitchFamily="49" charset="0"/>
+              </a:rPr>
+              <a:t>; </a:t>
+            </a:r>
+            <a:r>
+              <a:rPr lang="en-US" sz="2000" dirty="0" err="1">
+                <a:solidFill>
+                  <a:srgbClr val="001080"/>
+                </a:solidFill>
+                <a:latin typeface="Consolas" panose="020B0609020204030204" pitchFamily="49" charset="0"/>
+                <a:cs typeface="Consolas" panose="020B0609020204030204" pitchFamily="49" charset="0"/>
+              </a:rPr>
+              <a:t>i</a:t>
+            </a:r>
+            <a:r>
+              <a:rPr lang="en-US" sz="2000" dirty="0">
+                <a:solidFill>
+                  <a:srgbClr val="3B3B3B"/>
+                </a:solidFill>
+                <a:latin typeface="Consolas" panose="020B0609020204030204" pitchFamily="49" charset="0"/>
+                <a:cs typeface="Consolas" panose="020B0609020204030204" pitchFamily="49" charset="0"/>
+              </a:rPr>
+              <a:t> </a:t>
+            </a:r>
+            <a:r>
+              <a:rPr lang="en-US" sz="2000" dirty="0">
+                <a:solidFill>
+                  <a:srgbClr val="000000"/>
+                </a:solidFill>
+                <a:latin typeface="Consolas" panose="020B0609020204030204" pitchFamily="49" charset="0"/>
+                <a:cs typeface="Consolas" panose="020B0609020204030204" pitchFamily="49" charset="0"/>
+              </a:rPr>
+              <a:t>!==</a:t>
+            </a:r>
+            <a:r>
+              <a:rPr lang="en-US" sz="2000" dirty="0">
+                <a:solidFill>
+                  <a:srgbClr val="3B3B3B"/>
+                </a:solidFill>
+                <a:latin typeface="Consolas" panose="020B0609020204030204" pitchFamily="49" charset="0"/>
+                <a:cs typeface="Consolas" panose="020B0609020204030204" pitchFamily="49" charset="0"/>
+              </a:rPr>
+              <a:t> </a:t>
+            </a:r>
+            <a:r>
+              <a:rPr lang="en-US" sz="2000" dirty="0">
+                <a:solidFill>
+                  <a:srgbClr val="098658"/>
+                </a:solidFill>
+                <a:latin typeface="Consolas" panose="020B0609020204030204" pitchFamily="49" charset="0"/>
+                <a:cs typeface="Consolas" panose="020B0609020204030204" pitchFamily="49" charset="0"/>
+              </a:rPr>
+              <a:t>0</a:t>
+            </a:r>
+            <a:r>
+              <a:rPr lang="en-US" sz="2000" dirty="0">
+                <a:solidFill>
+                  <a:srgbClr val="3B3B3B"/>
+                </a:solidFill>
+                <a:latin typeface="Consolas" panose="020B0609020204030204" pitchFamily="49" charset="0"/>
+                <a:cs typeface="Consolas" panose="020B0609020204030204" pitchFamily="49" charset="0"/>
+              </a:rPr>
+              <a:t>; </a:t>
+            </a:r>
+            <a:r>
+              <a:rPr lang="en-US" sz="2000" dirty="0" err="1">
+                <a:solidFill>
+                  <a:srgbClr val="001080"/>
+                </a:solidFill>
+                <a:latin typeface="Consolas" panose="020B0609020204030204" pitchFamily="49" charset="0"/>
+                <a:cs typeface="Consolas" panose="020B0609020204030204" pitchFamily="49" charset="0"/>
+              </a:rPr>
+              <a:t>i</a:t>
+            </a:r>
+            <a:r>
+              <a:rPr lang="en-US" sz="2000" dirty="0">
+                <a:solidFill>
+                  <a:srgbClr val="000000"/>
+                </a:solidFill>
+                <a:latin typeface="Consolas" panose="020B0609020204030204" pitchFamily="49" charset="0"/>
+                <a:cs typeface="Consolas" panose="020B0609020204030204" pitchFamily="49" charset="0"/>
+              </a:rPr>
+              <a:t>--</a:t>
+            </a:r>
+            <a:r>
+              <a:rPr lang="en-US" sz="2000" dirty="0">
+                <a:solidFill>
+                  <a:srgbClr val="3B3B3B"/>
+                </a:solidFill>
+                <a:latin typeface="Consolas" panose="020B0609020204030204" pitchFamily="49" charset="0"/>
+                <a:cs typeface="Consolas" panose="020B0609020204030204" pitchFamily="49" charset="0"/>
+              </a:rPr>
+              <a:t>) { </a:t>
+            </a:r>
+            <a:r>
+              <a:rPr lang="en-US" sz="2000" dirty="0" err="1">
+                <a:solidFill>
+                  <a:srgbClr val="001080"/>
+                </a:solidFill>
+                <a:latin typeface="Consolas" panose="020B0609020204030204" pitchFamily="49" charset="0"/>
+                <a:cs typeface="Consolas" panose="020B0609020204030204" pitchFamily="49" charset="0"/>
+              </a:rPr>
+              <a:t>arr.</a:t>
+            </a:r>
+            <a:r>
+              <a:rPr lang="en-US" sz="2000" dirty="0" err="1">
+                <a:solidFill>
+                  <a:schemeClr val="accent4">
+                    <a:lumMod val="50000"/>
+                  </a:schemeClr>
+                </a:solidFill>
+                <a:latin typeface="Consolas" panose="020B0609020204030204" pitchFamily="49" charset="0"/>
+                <a:cs typeface="Consolas" panose="020B0609020204030204" pitchFamily="49" charset="0"/>
+              </a:rPr>
+              <a:t>push</a:t>
+            </a:r>
+            <a:r>
+              <a:rPr lang="en-US" sz="2000" dirty="0">
+                <a:solidFill>
+                  <a:srgbClr val="001080"/>
+                </a:solidFill>
+                <a:latin typeface="Consolas" panose="020B0609020204030204" pitchFamily="49" charset="0"/>
+                <a:cs typeface="Consolas" panose="020B0609020204030204" pitchFamily="49" charset="0"/>
+              </a:rPr>
+              <a:t>(</a:t>
+            </a:r>
+            <a:r>
+              <a:rPr lang="en-US" sz="2000" dirty="0">
+                <a:solidFill>
+                  <a:srgbClr val="C00000"/>
+                </a:solidFill>
+                <a:latin typeface="Consolas" panose="020B0609020204030204" pitchFamily="49" charset="0"/>
+                <a:cs typeface="Consolas" panose="020B0609020204030204" pitchFamily="49" charset="0"/>
+              </a:rPr>
+              <a:t>"hello"</a:t>
+            </a:r>
+            <a:r>
+              <a:rPr lang="en-US" sz="2000" dirty="0">
+                <a:solidFill>
+                  <a:srgbClr val="001080"/>
+                </a:solidFill>
+                <a:latin typeface="Consolas" panose="020B0609020204030204" pitchFamily="49" charset="0"/>
+                <a:cs typeface="Consolas" panose="020B0609020204030204" pitchFamily="49" charset="0"/>
+              </a:rPr>
+              <a:t>); </a:t>
+            </a:r>
+            <a:r>
+              <a:rPr lang="en-US" sz="2000" dirty="0">
+                <a:solidFill>
+                  <a:srgbClr val="3B3B3B"/>
+                </a:solidFill>
+                <a:latin typeface="Consolas" panose="020B0609020204030204" pitchFamily="49" charset="0"/>
+                <a:cs typeface="Consolas" panose="020B0609020204030204" pitchFamily="49" charset="0"/>
+              </a:rPr>
+              <a:t>}</a:t>
+            </a:r>
+            <a:br>
+              <a:rPr lang="en-US" sz="2000" dirty="0">
+                <a:solidFill>
+                  <a:srgbClr val="3B3B3B"/>
+                </a:solidFill>
+                <a:latin typeface="Consolas" panose="020B0609020204030204" pitchFamily="49" charset="0"/>
+                <a:cs typeface="Consolas" panose="020B0609020204030204" pitchFamily="49" charset="0"/>
+              </a:rPr>
+            </a:br>
+            <a:r>
+              <a:rPr lang="en-US" sz="2000" dirty="0">
+                <a:solidFill>
+                  <a:srgbClr val="3B3B3B"/>
+                </a:solidFill>
+                <a:latin typeface="Consolas" panose="020B0609020204030204" pitchFamily="49" charset="0"/>
+                <a:cs typeface="Consolas" panose="020B0609020204030204" pitchFamily="49" charset="0"/>
+              </a:rPr>
+              <a:t>  </a:t>
+            </a:r>
+            <a:r>
+              <a:rPr lang="en-US" sz="2000" dirty="0">
+                <a:solidFill>
+                  <a:srgbClr val="AF00DB"/>
+                </a:solidFill>
+                <a:latin typeface="Consolas" panose="020B0609020204030204" pitchFamily="49" charset="0"/>
+                <a:cs typeface="Consolas" panose="020B0609020204030204" pitchFamily="49" charset="0"/>
+              </a:rPr>
+              <a:t>return </a:t>
+            </a:r>
+            <a:r>
+              <a:rPr lang="en-US" sz="2000" dirty="0" err="1">
+                <a:solidFill>
+                  <a:srgbClr val="001080"/>
+                </a:solidFill>
+                <a:latin typeface="Consolas" panose="020B0609020204030204" pitchFamily="49" charset="0"/>
+                <a:cs typeface="Consolas" panose="020B0609020204030204" pitchFamily="49" charset="0"/>
+              </a:rPr>
+              <a:t>arr</a:t>
+            </a:r>
+            <a:r>
+              <a:rPr lang="en-US" sz="2000" dirty="0">
+                <a:solidFill>
+                  <a:srgbClr val="001080"/>
+                </a:solidFill>
+                <a:latin typeface="Consolas" panose="020B0609020204030204" pitchFamily="49" charset="0"/>
+                <a:cs typeface="Consolas" panose="020B0609020204030204" pitchFamily="49" charset="0"/>
+              </a:rPr>
+              <a:t>;</a:t>
+            </a:r>
+            <a:endParaRPr lang="en-US" sz="2000" dirty="0">
+              <a:solidFill>
+                <a:srgbClr val="3B3B3B"/>
+              </a:solidFill>
+              <a:latin typeface="Consolas" panose="020B0609020204030204" pitchFamily="49" charset="0"/>
+              <a:cs typeface="Consolas" panose="020B0609020204030204" pitchFamily="49" charset="0"/>
+            </a:endParaRPr>
+          </a:p>
+          <a:p>
+            <a:pPr>
+              <a:lnSpc>
+                <a:spcPct val="110000"/>
+              </a:lnSpc>
+            </a:pPr>
+            <a:r>
+              <a:rPr lang="en-US" sz="2000" dirty="0">
+                <a:solidFill>
+                  <a:srgbClr val="3B3B3B"/>
+                </a:solidFill>
+                <a:latin typeface="Consolas" panose="020B0609020204030204" pitchFamily="49" charset="0"/>
+                <a:cs typeface="Consolas" panose="020B0609020204030204" pitchFamily="49" charset="0"/>
+              </a:rPr>
+              <a:t>}</a:t>
+            </a:r>
+          </a:p>
+        </p:txBody>
+      </p:sp>
+    </p:spTree>
+    <p:extLst>
+      <p:ext uri="{BB962C8B-B14F-4D97-AF65-F5344CB8AC3E}">
+        <p14:creationId xmlns:p14="http://schemas.microsoft.com/office/powerpoint/2010/main" val="2663402105"/>
+      </p:ext>
+    </p:extLst>
+  </p:cSld>
+  <p:clrMapOvr>
+    <a:masterClrMapping/>
+  </p:clrMapOvr>
+</p:sld>
+</file>
+
+<file path=ppt/slides/slide12.xml><?xml version="1.0" encoding="utf-8"?>
 <p:sld xmlns:a="http://schemas.openxmlformats.org/drawingml/2006/main" xmlns:r="http://schemas.openxmlformats.org/officeDocument/2006/relationships" xmlns:p="http://schemas.openxmlformats.org/presentationml/2006/main">
   <p:cSld>
     <p:spTree>
@@ -7772,7 +9773,7 @@
           <a:p>
             <a:fld id="{20F37917-FD3A-4669-9018-DA04BCDD3D75}" type="slidenum">
               <a:rPr lang="en-US" smtClean="0"/>
-              <a:t>11</a:t>
+              <a:t>12</a:t>
             </a:fld>
             <a:endParaRPr lang="en-US"/>
           </a:p>
@@ -8329,7 +10330,7 @@
 </p:sld>
 </file>
 
-<file path=ppt/slides/slide12.xml><?xml version="1.0" encoding="utf-8"?>
+<file path=ppt/slides/slide13.xml><?xml version="1.0" encoding="utf-8"?>
 <p:sld xmlns:a="http://schemas.openxmlformats.org/drawingml/2006/main" xmlns:r="http://schemas.openxmlformats.org/officeDocument/2006/relationships" xmlns:p="http://schemas.openxmlformats.org/presentationml/2006/main">
   <p:cSld>
     <p:spTree>
@@ -8479,7 +10480,7 @@
           <a:p>
             <a:fld id="{20F37917-FD3A-4669-9018-DA04BCDD3D75}" type="slidenum">
               <a:rPr lang="en-US" smtClean="0"/>
-              <a:t>12</a:t>
+              <a:t>13</a:t>
             </a:fld>
             <a:endParaRPr lang="en-US"/>
           </a:p>
@@ -8498,7 +10499,7 @@
 </p:sld>
 </file>
 
-<file path=ppt/slides/slide13.xml><?xml version="1.0" encoding="utf-8"?>
+<file path=ppt/slides/slide14.xml><?xml version="1.0" encoding="utf-8"?>
 <p:sld xmlns:a="http://schemas.openxmlformats.org/drawingml/2006/main" xmlns:r="http://schemas.openxmlformats.org/officeDocument/2006/relationships" xmlns:p="http://schemas.openxmlformats.org/presentationml/2006/main">
   <p:cSld>
     <p:spTree>
@@ -8620,7 +10621,7 @@
           <a:p>
             <a:fld id="{20F37917-FD3A-4669-9018-DA04BCDD3D75}" type="slidenum">
               <a:rPr lang="en-US" smtClean="0"/>
-              <a:t>13</a:t>
+              <a:t>14</a:t>
             </a:fld>
             <a:endParaRPr lang="en-US"/>
           </a:p>
@@ -8842,7 +10843,7 @@
 </p:sld>
 </file>
 
-<file path=ppt/slides/slide14.xml><?xml version="1.0" encoding="utf-8"?>
+<file path=ppt/slides/slide15.xml><?xml version="1.0" encoding="utf-8"?>
 <p:sld xmlns:a="http://schemas.openxmlformats.org/drawingml/2006/main" xmlns:r="http://schemas.openxmlformats.org/officeDocument/2006/relationships" xmlns:p="http://schemas.openxmlformats.org/presentationml/2006/main">
   <p:cSld>
     <p:spTree>
@@ -8986,7 +10987,7 @@
           <a:p>
             <a:fld id="{20F37917-FD3A-4669-9018-DA04BCDD3D75}" type="slidenum">
               <a:rPr lang="en-US" smtClean="0"/>
-              <a:t>14</a:t>
+              <a:t>15</a:t>
             </a:fld>
             <a:endParaRPr lang="en-US"/>
           </a:p>
@@ -9005,7 +11006,7 @@
 </p:sld>
 </file>
 
-<file path=ppt/slides/slide15.xml><?xml version="1.0" encoding="utf-8"?>
+<file path=ppt/slides/slide16.xml><?xml version="1.0" encoding="utf-8"?>
 <p:sld xmlns:a="http://schemas.openxmlformats.org/drawingml/2006/main" xmlns:r="http://schemas.openxmlformats.org/officeDocument/2006/relationships" xmlns:p="http://schemas.openxmlformats.org/presentationml/2006/main">
   <p:cSld>
     <p:spTree>
@@ -9122,7 +11123,7 @@
           <a:p>
             <a:fld id="{20F37917-FD3A-4669-9018-DA04BCDD3D75}" type="slidenum">
               <a:rPr lang="en-US" smtClean="0"/>
-              <a:t>15</a:t>
+              <a:t>16</a:t>
             </a:fld>
             <a:endParaRPr lang="en-US"/>
           </a:p>
@@ -9141,7 +11142,7 @@
 </p:sld>
 </file>
 
-<file path=ppt/slides/slide16.xml><?xml version="1.0" encoding="utf-8"?>
+<file path=ppt/slides/slide17.xml><?xml version="1.0" encoding="utf-8"?>
 <p:sld xmlns:a="http://schemas.openxmlformats.org/drawingml/2006/main" xmlns:r="http://schemas.openxmlformats.org/officeDocument/2006/relationships" xmlns:p="http://schemas.openxmlformats.org/presentationml/2006/main">
   <p:cSld>
     <p:spTree>
@@ -9201,7 +11202,7 @@
           </a:ln>
           <a:extLst>
             <a:ext uri="{C572A759-6A51-4108-AA02-DFA0A04FC94B}">
-              <ma14:wrappingTextBoxFlag xmlns="" xmlns:m="http://schemas.openxmlformats.org/officeDocument/2006/math" xmlns:a14="http://schemas.microsoft.com/office/drawing/2010/main" xmlns:ma14="http://schemas.microsoft.com/office/mac/drawingml/2011/main" val="1"/>
+              <ma14:wrappingTextBoxFlag xmlns:ma14="http://schemas.microsoft.com/office/mac/drawingml/2011/main" xmlns:a14="http://schemas.microsoft.com/office/drawing/2010/main" xmlns:m="http://schemas.openxmlformats.org/officeDocument/2006/math" xmlns="" val="1"/>
             </a:ext>
           </a:extLst>
         </p:spPr>
@@ -9511,7 +11512,7 @@
             <a:fld id="{86CB4B4D-7CA3-9044-876B-883B54F8677D}" type="slidenum">
               <a:rPr lang="en-US" smtClean="0"/>
               <a:pPr/>
-              <a:t>16</a:t>
+              <a:t>17</a:t>
             </a:fld>
             <a:endParaRPr/>
           </a:p>
@@ -9539,7 +11540,7 @@
           </a:ln>
           <a:extLst>
             <a:ext uri="{C572A759-6A51-4108-AA02-DFA0A04FC94B}">
-              <ma14:wrappingTextBoxFlag xmlns="" xmlns:m="http://schemas.openxmlformats.org/officeDocument/2006/math" xmlns:a14="http://schemas.microsoft.com/office/drawing/2010/main" xmlns:ma14="http://schemas.microsoft.com/office/mac/drawingml/2011/main" val="1"/>
+              <ma14:wrappingTextBoxFlag xmlns:ma14="http://schemas.microsoft.com/office/mac/drawingml/2011/main" xmlns:a14="http://schemas.microsoft.com/office/drawing/2010/main" xmlns:m="http://schemas.openxmlformats.org/officeDocument/2006/math" xmlns="" val="1"/>
             </a:ext>
           </a:extLst>
         </p:spPr>
@@ -9964,7 +11965,7 @@
           </a:ln>
           <a:extLst>
             <a:ext uri="{C572A759-6A51-4108-AA02-DFA0A04FC94B}">
-              <ma14:wrappingTextBoxFlag xmlns="" xmlns:m="http://schemas.openxmlformats.org/officeDocument/2006/math" xmlns:a14="http://schemas.microsoft.com/office/drawing/2010/main" xmlns:ma14="http://schemas.microsoft.com/office/mac/drawingml/2011/main" val="1"/>
+              <ma14:wrappingTextBoxFlag xmlns:ma14="http://schemas.microsoft.com/office/mac/drawingml/2011/main" xmlns:a14="http://schemas.microsoft.com/office/drawing/2010/main" xmlns:m="http://schemas.openxmlformats.org/officeDocument/2006/math" xmlns="" val="1"/>
             </a:ext>
           </a:extLst>
         </p:spPr>
@@ -10001,7 +12002,7 @@
           </a:ln>
           <a:extLst>
             <a:ext uri="{C572A759-6A51-4108-AA02-DFA0A04FC94B}">
-              <ma14:wrappingTextBoxFlag xmlns="" xmlns:m="http://schemas.openxmlformats.org/officeDocument/2006/math" xmlns:a14="http://schemas.microsoft.com/office/drawing/2010/main" xmlns:ma14="http://schemas.microsoft.com/office/mac/drawingml/2011/main" val="1"/>
+              <ma14:wrappingTextBoxFlag xmlns:ma14="http://schemas.microsoft.com/office/mac/drawingml/2011/main" xmlns:a14="http://schemas.microsoft.com/office/drawing/2010/main" xmlns:m="http://schemas.openxmlformats.org/officeDocument/2006/math" xmlns="" val="1"/>
             </a:ext>
           </a:extLst>
         </p:spPr>
@@ -10064,7 +12065,7 @@
             </a:ln>
             <a:extLst>
               <a:ext uri="{C572A759-6A51-4108-AA02-DFA0A04FC94B}">
-                <ma14:wrappingTextBoxFlag xmlns="" xmlns:m="http://schemas.openxmlformats.org/officeDocument/2006/math" xmlns:a14="http://schemas.microsoft.com/office/drawing/2010/main" xmlns:ma14="http://schemas.microsoft.com/office/mac/drawingml/2011/main" val="1"/>
+                <ma14:wrappingTextBoxFlag xmlns:ma14="http://schemas.microsoft.com/office/mac/drawingml/2011/main" xmlns:a14="http://schemas.microsoft.com/office/drawing/2010/main" xmlns:m="http://schemas.openxmlformats.org/officeDocument/2006/math" xmlns="" val="1"/>
               </a:ext>
             </a:extLst>
           </p:spPr>
@@ -10573,7 +12574,7 @@
 </p:sld>
 </file>
 
-<file path=ppt/slides/slide17.xml><?xml version="1.0" encoding="utf-8"?>
+<file path=ppt/slides/slide18.xml><?xml version="1.0" encoding="utf-8"?>
 <p:sld xmlns:a="http://schemas.openxmlformats.org/drawingml/2006/main" xmlns:r="http://schemas.openxmlformats.org/officeDocument/2006/relationships" xmlns:p="http://schemas.openxmlformats.org/presentationml/2006/main">
   <p:cSld>
     <p:spTree>
@@ -10695,7 +12696,7 @@
           </a:ln>
           <a:extLst>
             <a:ext uri="{C572A759-6A51-4108-AA02-DFA0A04FC94B}">
-              <ma14:wrappingTextBoxFlag xmlns="" xmlns:m="http://schemas.openxmlformats.org/officeDocument/2006/math" xmlns:a14="http://schemas.microsoft.com/office/drawing/2010/main" xmlns:ma14="http://schemas.microsoft.com/office/mac/drawingml/2011/main" val="1"/>
+              <ma14:wrappingTextBoxFlag xmlns:ma14="http://schemas.microsoft.com/office/mac/drawingml/2011/main" xmlns:a14="http://schemas.microsoft.com/office/drawing/2010/main" xmlns:m="http://schemas.openxmlformats.org/officeDocument/2006/math" xmlns="" val="1"/>
             </a:ext>
           </a:extLst>
         </p:spPr>
@@ -11005,7 +13006,7 @@
             <a:fld id="{86CB4B4D-7CA3-9044-876B-883B54F8677D}" type="slidenum">
               <a:rPr lang="en-US" smtClean="0"/>
               <a:pPr/>
-              <a:t>17</a:t>
+              <a:t>18</a:t>
             </a:fld>
             <a:endParaRPr/>
           </a:p>
@@ -11060,7 +13061,4565 @@
 </p:sld>
 </file>
 
-<file path=ppt/slides/slide18.xml><?xml version="1.0" encoding="utf-8"?>
+<file path=ppt/slides/slide19.xml><?xml version="1.0" encoding="utf-8"?>
+<p:sld xmlns:a="http://schemas.openxmlformats.org/drawingml/2006/main" xmlns:r="http://schemas.openxmlformats.org/officeDocument/2006/relationships" xmlns:p="http://schemas.openxmlformats.org/presentationml/2006/main">
+  <p:cSld>
+    <p:spTree>
+      <p:nvGrpSpPr>
+        <p:cNvPr id="1" name=""/>
+        <p:cNvGrpSpPr/>
+        <p:nvPr/>
+      </p:nvGrpSpPr>
+      <p:grpSpPr>
+        <a:xfrm>
+          <a:off x="0" y="0"/>
+          <a:ext cx="0" cy="0"/>
+          <a:chOff x="0" y="0"/>
+          <a:chExt cx="0" cy="0"/>
+        </a:xfrm>
+      </p:grpSpPr>
+      <p:sp>
+        <p:nvSpPr>
+          <p:cNvPr id="2" name="Title 1">
+            <a:extLst>
+              <a:ext uri="{FF2B5EF4-FFF2-40B4-BE49-F238E27FC236}">
+                <a16:creationId xmlns:a16="http://schemas.microsoft.com/office/drawing/2014/main" id="{EB19B469-35A7-4F5A-C014-9F2A26187087}"/>
+              </a:ext>
+            </a:extLst>
+          </p:cNvPr>
+          <p:cNvSpPr>
+            <a:spLocks noGrp="1"/>
+          </p:cNvSpPr>
+          <p:nvPr>
+            <p:ph type="title"/>
+          </p:nvPr>
+        </p:nvSpPr>
+        <p:spPr/>
+        <p:txBody>
+          <a:bodyPr>
+            <a:normAutofit fontScale="90000"/>
+          </a:bodyPr>
+          <a:lstStyle/>
+          <a:p>
+            <a:r>
+              <a:rPr lang="en-US" dirty="0"/>
+              <a:t>Remedy: you need to devise tests that distinguish the original code from the mutants</a:t>
+            </a:r>
+          </a:p>
+        </p:txBody>
+      </p:sp>
+      <p:sp>
+        <p:nvSpPr>
+          <p:cNvPr id="3" name="Content Placeholder 2">
+            <a:extLst>
+              <a:ext uri="{FF2B5EF4-FFF2-40B4-BE49-F238E27FC236}">
+                <a16:creationId xmlns:a16="http://schemas.microsoft.com/office/drawing/2014/main" id="{D0B6384A-8B5F-F715-09B4-31E2DFA5F6B7}"/>
+              </a:ext>
+            </a:extLst>
+          </p:cNvPr>
+          <p:cNvSpPr>
+            <a:spLocks noGrp="1"/>
+          </p:cNvSpPr>
+          <p:nvPr>
+            <p:ph idx="1"/>
+          </p:nvPr>
+        </p:nvSpPr>
+        <p:spPr/>
+        <p:txBody>
+          <a:bodyPr/>
+          <a:lstStyle/>
+          <a:p>
+            <a:r>
+              <a:rPr lang="en-US" dirty="0"/>
+              <a:t>Devise a test that your original code will pass, but the mutant will fail.</a:t>
+            </a:r>
+          </a:p>
+        </p:txBody>
+      </p:sp>
+      <p:sp>
+        <p:nvSpPr>
+          <p:cNvPr id="4" name="Slide Number Placeholder 3">
+            <a:extLst>
+              <a:ext uri="{FF2B5EF4-FFF2-40B4-BE49-F238E27FC236}">
+                <a16:creationId xmlns:a16="http://schemas.microsoft.com/office/drawing/2014/main" id="{957E3C2D-B3FE-4EA4-1BFC-D46FFDBF5392}"/>
+              </a:ext>
+            </a:extLst>
+          </p:cNvPr>
+          <p:cNvSpPr>
+            <a:spLocks noGrp="1"/>
+          </p:cNvSpPr>
+          <p:nvPr>
+            <p:ph type="sldNum" sz="quarter" idx="12"/>
+          </p:nvPr>
+        </p:nvSpPr>
+        <p:spPr>
+          <a:xfrm>
+            <a:off x="4305300" y="3178175"/>
+            <a:ext cx="1371600" cy="182563"/>
+          </a:xfrm>
+          <a:prstGeom prst="rect">
+            <a:avLst/>
+          </a:prstGeom>
+        </p:spPr>
+        <p:txBody>
+          <a:bodyPr vert="horz" lIns="45720" tIns="22860" rIns="45720" bIns="22860" rtlCol="0" anchor="ctr"/>
+          <a:lstStyle>
+            <a:defPPr marL="0" marR="0" indent="0" algn="l" defTabSz="228600" rtl="0" fontAlgn="auto" latinLnBrk="1" hangingPunct="0">
+              <a:lnSpc>
+                <a:spcPct val="100000"/>
+              </a:lnSpc>
+              <a:spcBef>
+                <a:spcPts val="0"/>
+              </a:spcBef>
+              <a:spcAft>
+                <a:spcPts val="0"/>
+              </a:spcAft>
+              <a:buClrTx/>
+              <a:buSzTx/>
+              <a:buFontTx/>
+              <a:buNone/>
+              <a:tabLst/>
+              <a:defRPr kumimoji="0" sz="450" b="0" i="0" u="none" strike="noStrike" cap="none" spc="0" normalizeH="0" baseline="0">
+                <a:ln>
+                  <a:noFill/>
+                </a:ln>
+                <a:solidFill>
+                  <a:srgbClr val="000000"/>
+                </a:solidFill>
+                <a:effectLst/>
+                <a:uFillTx/>
+              </a:defRPr>
+            </a:defPPr>
+            <a:lvl1pPr marL="0" marR="0" indent="0" algn="r" defTabSz="609585" rtl="0" fontAlgn="auto" latinLnBrk="0" hangingPunct="0">
+              <a:lnSpc>
+                <a:spcPct val="100000"/>
+              </a:lnSpc>
+              <a:spcBef>
+                <a:spcPts val="0"/>
+              </a:spcBef>
+              <a:spcAft>
+                <a:spcPts val="0"/>
+              </a:spcAft>
+              <a:buClrTx/>
+              <a:buSzTx/>
+              <a:buFontTx/>
+              <a:buNone/>
+              <a:tabLst/>
+              <a:defRPr kumimoji="0" sz="600" b="0" i="0" u="none" strike="noStrike" cap="none" spc="0" normalizeH="0" baseline="0">
+                <a:ln>
+                  <a:noFill/>
+                </a:ln>
+                <a:solidFill>
+                  <a:schemeClr val="tx1">
+                    <a:tint val="75000"/>
+                  </a:schemeClr>
+                </a:solidFill>
+                <a:effectLst/>
+                <a:uFillTx/>
+                <a:latin typeface="+mn-lt"/>
+                <a:ea typeface="+mn-ea"/>
+                <a:cs typeface="+mn-cs"/>
+                <a:sym typeface="Helvetica Neue"/>
+              </a:defRPr>
+            </a:lvl1pPr>
+            <a:lvl2pPr marL="0" marR="0" indent="114300" algn="ctr" defTabSz="609585" rtl="0" fontAlgn="auto" latinLnBrk="0" hangingPunct="0">
+              <a:lnSpc>
+                <a:spcPct val="100000"/>
+              </a:lnSpc>
+              <a:spcBef>
+                <a:spcPts val="0"/>
+              </a:spcBef>
+              <a:spcAft>
+                <a:spcPts val="0"/>
+              </a:spcAft>
+              <a:buClrTx/>
+              <a:buSzTx/>
+              <a:buFontTx/>
+              <a:buNone/>
+              <a:tabLst/>
+              <a:defRPr kumimoji="0" sz="600" b="0" i="0" u="none" strike="noStrike" cap="none" spc="0" normalizeH="0" baseline="0">
+                <a:ln>
+                  <a:noFill/>
+                </a:ln>
+                <a:solidFill>
+                  <a:srgbClr val="5E5E5E"/>
+                </a:solidFill>
+                <a:effectLst/>
+                <a:uFillTx/>
+                <a:latin typeface="+mn-lt"/>
+                <a:ea typeface="+mn-ea"/>
+                <a:cs typeface="+mn-cs"/>
+                <a:sym typeface="Helvetica Neue"/>
+              </a:defRPr>
+            </a:lvl2pPr>
+            <a:lvl3pPr marL="0" marR="0" indent="228600" algn="ctr" defTabSz="609585" rtl="0" fontAlgn="auto" latinLnBrk="0" hangingPunct="0">
+              <a:lnSpc>
+                <a:spcPct val="100000"/>
+              </a:lnSpc>
+              <a:spcBef>
+                <a:spcPts val="0"/>
+              </a:spcBef>
+              <a:spcAft>
+                <a:spcPts val="0"/>
+              </a:spcAft>
+              <a:buClrTx/>
+              <a:buSzTx/>
+              <a:buFontTx/>
+              <a:buNone/>
+              <a:tabLst/>
+              <a:defRPr kumimoji="0" sz="600" b="0" i="0" u="none" strike="noStrike" cap="none" spc="0" normalizeH="0" baseline="0">
+                <a:ln>
+                  <a:noFill/>
+                </a:ln>
+                <a:solidFill>
+                  <a:srgbClr val="5E5E5E"/>
+                </a:solidFill>
+                <a:effectLst/>
+                <a:uFillTx/>
+                <a:latin typeface="+mn-lt"/>
+                <a:ea typeface="+mn-ea"/>
+                <a:cs typeface="+mn-cs"/>
+                <a:sym typeface="Helvetica Neue"/>
+              </a:defRPr>
+            </a:lvl3pPr>
+            <a:lvl4pPr marL="0" marR="0" indent="342900" algn="ctr" defTabSz="609585" rtl="0" fontAlgn="auto" latinLnBrk="0" hangingPunct="0">
+              <a:lnSpc>
+                <a:spcPct val="100000"/>
+              </a:lnSpc>
+              <a:spcBef>
+                <a:spcPts val="0"/>
+              </a:spcBef>
+              <a:spcAft>
+                <a:spcPts val="0"/>
+              </a:spcAft>
+              <a:buClrTx/>
+              <a:buSzTx/>
+              <a:buFontTx/>
+              <a:buNone/>
+              <a:tabLst/>
+              <a:defRPr kumimoji="0" sz="600" b="0" i="0" u="none" strike="noStrike" cap="none" spc="0" normalizeH="0" baseline="0">
+                <a:ln>
+                  <a:noFill/>
+                </a:ln>
+                <a:solidFill>
+                  <a:srgbClr val="5E5E5E"/>
+                </a:solidFill>
+                <a:effectLst/>
+                <a:uFillTx/>
+                <a:latin typeface="+mn-lt"/>
+                <a:ea typeface="+mn-ea"/>
+                <a:cs typeface="+mn-cs"/>
+                <a:sym typeface="Helvetica Neue"/>
+              </a:defRPr>
+            </a:lvl4pPr>
+            <a:lvl5pPr marL="0" marR="0" indent="457200" algn="ctr" defTabSz="609585" rtl="0" fontAlgn="auto" latinLnBrk="0" hangingPunct="0">
+              <a:lnSpc>
+                <a:spcPct val="100000"/>
+              </a:lnSpc>
+              <a:spcBef>
+                <a:spcPts val="0"/>
+              </a:spcBef>
+              <a:spcAft>
+                <a:spcPts val="0"/>
+              </a:spcAft>
+              <a:buClrTx/>
+              <a:buSzTx/>
+              <a:buFontTx/>
+              <a:buNone/>
+              <a:tabLst/>
+              <a:defRPr kumimoji="0" sz="600" b="0" i="0" u="none" strike="noStrike" cap="none" spc="0" normalizeH="0" baseline="0">
+                <a:ln>
+                  <a:noFill/>
+                </a:ln>
+                <a:solidFill>
+                  <a:srgbClr val="5E5E5E"/>
+                </a:solidFill>
+                <a:effectLst/>
+                <a:uFillTx/>
+                <a:latin typeface="+mn-lt"/>
+                <a:ea typeface="+mn-ea"/>
+                <a:cs typeface="+mn-cs"/>
+                <a:sym typeface="Helvetica Neue"/>
+              </a:defRPr>
+            </a:lvl5pPr>
+            <a:lvl6pPr marL="0" marR="0" indent="571500" algn="ctr" defTabSz="609585" rtl="0" fontAlgn="auto" latinLnBrk="0" hangingPunct="0">
+              <a:lnSpc>
+                <a:spcPct val="100000"/>
+              </a:lnSpc>
+              <a:spcBef>
+                <a:spcPts val="0"/>
+              </a:spcBef>
+              <a:spcAft>
+                <a:spcPts val="0"/>
+              </a:spcAft>
+              <a:buClrTx/>
+              <a:buSzTx/>
+              <a:buFontTx/>
+              <a:buNone/>
+              <a:tabLst/>
+              <a:defRPr kumimoji="0" sz="600" b="0" i="0" u="none" strike="noStrike" cap="none" spc="0" normalizeH="0" baseline="0">
+                <a:ln>
+                  <a:noFill/>
+                </a:ln>
+                <a:solidFill>
+                  <a:srgbClr val="5E5E5E"/>
+                </a:solidFill>
+                <a:effectLst/>
+                <a:uFillTx/>
+                <a:latin typeface="+mn-lt"/>
+                <a:ea typeface="+mn-ea"/>
+                <a:cs typeface="+mn-cs"/>
+                <a:sym typeface="Helvetica Neue"/>
+              </a:defRPr>
+            </a:lvl6pPr>
+            <a:lvl7pPr marL="0" marR="0" indent="685800" algn="ctr" defTabSz="609585" rtl="0" fontAlgn="auto" latinLnBrk="0" hangingPunct="0">
+              <a:lnSpc>
+                <a:spcPct val="100000"/>
+              </a:lnSpc>
+              <a:spcBef>
+                <a:spcPts val="0"/>
+              </a:spcBef>
+              <a:spcAft>
+                <a:spcPts val="0"/>
+              </a:spcAft>
+              <a:buClrTx/>
+              <a:buSzTx/>
+              <a:buFontTx/>
+              <a:buNone/>
+              <a:tabLst/>
+              <a:defRPr kumimoji="0" sz="600" b="0" i="0" u="none" strike="noStrike" cap="none" spc="0" normalizeH="0" baseline="0">
+                <a:ln>
+                  <a:noFill/>
+                </a:ln>
+                <a:solidFill>
+                  <a:srgbClr val="5E5E5E"/>
+                </a:solidFill>
+                <a:effectLst/>
+                <a:uFillTx/>
+                <a:latin typeface="+mn-lt"/>
+                <a:ea typeface="+mn-ea"/>
+                <a:cs typeface="+mn-cs"/>
+                <a:sym typeface="Helvetica Neue"/>
+              </a:defRPr>
+            </a:lvl7pPr>
+            <a:lvl8pPr marL="0" marR="0" indent="800100" algn="ctr" defTabSz="609585" rtl="0" fontAlgn="auto" latinLnBrk="0" hangingPunct="0">
+              <a:lnSpc>
+                <a:spcPct val="100000"/>
+              </a:lnSpc>
+              <a:spcBef>
+                <a:spcPts val="0"/>
+              </a:spcBef>
+              <a:spcAft>
+                <a:spcPts val="0"/>
+              </a:spcAft>
+              <a:buClrTx/>
+              <a:buSzTx/>
+              <a:buFontTx/>
+              <a:buNone/>
+              <a:tabLst/>
+              <a:defRPr kumimoji="0" sz="600" b="0" i="0" u="none" strike="noStrike" cap="none" spc="0" normalizeH="0" baseline="0">
+                <a:ln>
+                  <a:noFill/>
+                </a:ln>
+                <a:solidFill>
+                  <a:srgbClr val="5E5E5E"/>
+                </a:solidFill>
+                <a:effectLst/>
+                <a:uFillTx/>
+                <a:latin typeface="+mn-lt"/>
+                <a:ea typeface="+mn-ea"/>
+                <a:cs typeface="+mn-cs"/>
+                <a:sym typeface="Helvetica Neue"/>
+              </a:defRPr>
+            </a:lvl8pPr>
+            <a:lvl9pPr marL="0" marR="0" indent="914400" algn="ctr" defTabSz="609585" rtl="0" fontAlgn="auto" latinLnBrk="0" hangingPunct="0">
+              <a:lnSpc>
+                <a:spcPct val="100000"/>
+              </a:lnSpc>
+              <a:spcBef>
+                <a:spcPts val="0"/>
+              </a:spcBef>
+              <a:spcAft>
+                <a:spcPts val="0"/>
+              </a:spcAft>
+              <a:buClrTx/>
+              <a:buSzTx/>
+              <a:buFontTx/>
+              <a:buNone/>
+              <a:tabLst/>
+              <a:defRPr kumimoji="0" sz="600" b="0" i="0" u="none" strike="noStrike" cap="none" spc="0" normalizeH="0" baseline="0">
+                <a:ln>
+                  <a:noFill/>
+                </a:ln>
+                <a:solidFill>
+                  <a:srgbClr val="5E5E5E"/>
+                </a:solidFill>
+                <a:effectLst/>
+                <a:uFillTx/>
+                <a:latin typeface="+mn-lt"/>
+                <a:ea typeface="+mn-ea"/>
+                <a:cs typeface="+mn-cs"/>
+                <a:sym typeface="Helvetica Neue"/>
+              </a:defRPr>
+            </a:lvl9pPr>
+          </a:lstStyle>
+          <a:p>
+            <a:pPr defTabSz="457200" hangingPunct="1">
+              <a:defRPr/>
+            </a:pPr>
+            <a:fld id="{20F37917-FD3A-4669-9018-DA04BCDD3D75}" type="slidenum">
+              <a:rPr lang="en-US" kern="1200" smtClean="0">
+                <a:solidFill>
+                  <a:prstClr val="black">
+                    <a:tint val="75000"/>
+                  </a:prstClr>
+                </a:solidFill>
+                <a:latin typeface="Calibri" panose="020F0502020204030204"/>
+              </a:rPr>
+              <a:pPr defTabSz="457200" hangingPunct="1">
+                <a:defRPr/>
+              </a:pPr>
+              <a:t>19</a:t>
+            </a:fld>
+            <a:endParaRPr lang="en-US" sz="1200">
+              <a:solidFill>
+                <a:prstClr val="black">
+                  <a:tint val="75000"/>
+                </a:prstClr>
+              </a:solidFill>
+              <a:latin typeface="Calibri" panose="020F0502020204030204"/>
+            </a:endParaRPr>
+          </a:p>
+        </p:txBody>
+      </p:sp>
+    </p:spTree>
+    <p:extLst>
+      <p:ext uri="{BB962C8B-B14F-4D97-AF65-F5344CB8AC3E}">
+        <p14:creationId xmlns:p14="http://schemas.microsoft.com/office/powerpoint/2010/main" val="2847655225"/>
+      </p:ext>
+    </p:extLst>
+  </p:cSld>
+  <p:clrMapOvr>
+    <a:masterClrMapping/>
+  </p:clrMapOvr>
+</p:sld>
+</file>
+
+<file path=ppt/slides/slide2.xml><?xml version="1.0" encoding="utf-8"?>
+<p:sld xmlns:a="http://schemas.openxmlformats.org/drawingml/2006/main" xmlns:r="http://schemas.openxmlformats.org/officeDocument/2006/relationships" xmlns:p="http://schemas.openxmlformats.org/presentationml/2006/main">
+  <p:cSld>
+    <p:spTree>
+      <p:nvGrpSpPr>
+        <p:cNvPr id="1" name="">
+          <a:extLst>
+            <a:ext uri="{FF2B5EF4-FFF2-40B4-BE49-F238E27FC236}">
+              <a16:creationId xmlns:a16="http://schemas.microsoft.com/office/drawing/2014/main" id="{1622BE18-3AE8-5179-4D00-84381E759FB6}"/>
+            </a:ext>
+          </a:extLst>
+        </p:cNvPr>
+        <p:cNvGrpSpPr/>
+        <p:nvPr/>
+      </p:nvGrpSpPr>
+      <p:grpSpPr>
+        <a:xfrm>
+          <a:off x="0" y="0"/>
+          <a:ext cx="0" cy="0"/>
+          <a:chOff x="0" y="0"/>
+          <a:chExt cx="0" cy="0"/>
+        </a:xfrm>
+      </p:grpSpPr>
+      <p:sp>
+        <p:nvSpPr>
+          <p:cNvPr id="2" name="Title 1">
+            <a:extLst>
+              <a:ext uri="{FF2B5EF4-FFF2-40B4-BE49-F238E27FC236}">
+                <a16:creationId xmlns:a16="http://schemas.microsoft.com/office/drawing/2014/main" id="{9F68EF13-A512-C5B8-A0FE-38A71254D667}"/>
+              </a:ext>
+            </a:extLst>
+          </p:cNvPr>
+          <p:cNvSpPr>
+            <a:spLocks noGrp="1"/>
+          </p:cNvSpPr>
+          <p:nvPr>
+            <p:ph type="title"/>
+          </p:nvPr>
+        </p:nvSpPr>
+        <p:spPr>
+          <a:xfrm>
+            <a:off x="838200" y="18255"/>
+            <a:ext cx="10515600" cy="1325563"/>
+          </a:xfrm>
+        </p:spPr>
+        <p:txBody>
+          <a:bodyPr/>
+          <a:lstStyle/>
+          <a:p>
+            <a:r>
+              <a:rPr lang="en-US"/>
+              <a:t>Learning Goals for this Lesson</a:t>
+            </a:r>
+          </a:p>
+        </p:txBody>
+      </p:sp>
+      <p:sp>
+        <p:nvSpPr>
+          <p:cNvPr id="3" name="Content Placeholder 2">
+            <a:extLst>
+              <a:ext uri="{FF2B5EF4-FFF2-40B4-BE49-F238E27FC236}">
+                <a16:creationId xmlns:a16="http://schemas.microsoft.com/office/drawing/2014/main" id="{EF268340-BE83-1862-6D5D-0EE450FC7AC4}"/>
+              </a:ext>
+            </a:extLst>
+          </p:cNvPr>
+          <p:cNvSpPr>
+            <a:spLocks noGrp="1"/>
+          </p:cNvSpPr>
+          <p:nvPr>
+            <p:ph idx="1"/>
+          </p:nvPr>
+        </p:nvSpPr>
+        <p:spPr>
+          <a:xfrm>
+            <a:off x="838200" y="1500188"/>
+            <a:ext cx="7886700" cy="4351337"/>
+          </a:xfrm>
+        </p:spPr>
+        <p:txBody>
+          <a:bodyPr/>
+          <a:lstStyle/>
+          <a:p>
+            <a:pPr marL="0" indent="0">
+              <a:buNone/>
+            </a:pPr>
+            <a:r>
+              <a:rPr lang="en-US" dirty="0"/>
+              <a:t>At the end of this lesson, you should be able to</a:t>
+            </a:r>
+          </a:p>
+          <a:p>
+            <a:pPr lvl="1"/>
+            <a:r>
+              <a:rPr lang="en-US" dirty="0"/>
+              <a:t>Explain what code coverage is, and how different measures differ, including statements, branches, functions, and lines</a:t>
+            </a:r>
+          </a:p>
+          <a:p>
+            <a:pPr lvl="1"/>
+            <a:r>
+              <a:rPr lang="en-US" dirty="0"/>
+              <a:t>Explain the benefits of mutation testing</a:t>
+            </a:r>
+          </a:p>
+          <a:p>
+            <a:pPr lvl="1"/>
+            <a:endParaRPr lang="en-US" dirty="0"/>
+          </a:p>
+        </p:txBody>
+      </p:sp>
+      <p:sp>
+        <p:nvSpPr>
+          <p:cNvPr id="4" name="Slide Number Placeholder 3">
+            <a:extLst>
+              <a:ext uri="{FF2B5EF4-FFF2-40B4-BE49-F238E27FC236}">
+                <a16:creationId xmlns:a16="http://schemas.microsoft.com/office/drawing/2014/main" id="{C21BC9FA-323D-ED50-496E-44D057EBF080}"/>
+              </a:ext>
+            </a:extLst>
+          </p:cNvPr>
+          <p:cNvSpPr>
+            <a:spLocks noGrp="1"/>
+          </p:cNvSpPr>
+          <p:nvPr>
+            <p:ph type="sldNum" sz="quarter" idx="12"/>
+          </p:nvPr>
+        </p:nvSpPr>
+        <p:spPr>
+          <a:xfrm>
+            <a:off x="8610600" y="6356350"/>
+            <a:ext cx="2743200" cy="365125"/>
+          </a:xfrm>
+        </p:spPr>
+        <p:txBody>
+          <a:bodyPr/>
+          <a:lstStyle/>
+          <a:p>
+            <a:pPr lvl="0"/>
+            <a:fld id="{20F37917-FD3A-4669-9018-DA04BCDD3D75}" type="slidenum">
+              <a:rPr lang="en-US" noProof="0" smtClean="0"/>
+              <a:pPr lvl="0"/>
+              <a:t>2</a:t>
+            </a:fld>
+            <a:endParaRPr lang="en-US" noProof="0"/>
+          </a:p>
+        </p:txBody>
+      </p:sp>
+    </p:spTree>
+    <p:extLst>
+      <p:ext uri="{BB962C8B-B14F-4D97-AF65-F5344CB8AC3E}">
+        <p14:creationId xmlns:p14="http://schemas.microsoft.com/office/powerpoint/2010/main" val="1980094350"/>
+      </p:ext>
+    </p:extLst>
+  </p:cSld>
+  <p:clrMapOvr>
+    <a:masterClrMapping/>
+  </p:clrMapOvr>
+</p:sld>
+</file>
+
+<file path=ppt/slides/slide20.xml><?xml version="1.0" encoding="utf-8"?>
+<p:sld xmlns:a="http://schemas.openxmlformats.org/drawingml/2006/main" xmlns:r="http://schemas.openxmlformats.org/officeDocument/2006/relationships" xmlns:p="http://schemas.openxmlformats.org/presentationml/2006/main">
+  <p:cSld>
+    <p:spTree>
+      <p:nvGrpSpPr>
+        <p:cNvPr id="1" name=""/>
+        <p:cNvGrpSpPr/>
+        <p:nvPr/>
+      </p:nvGrpSpPr>
+      <p:grpSpPr>
+        <a:xfrm>
+          <a:off x="0" y="0"/>
+          <a:ext cx="0" cy="0"/>
+          <a:chOff x="0" y="0"/>
+          <a:chExt cx="0" cy="0"/>
+        </a:xfrm>
+      </p:grpSpPr>
+      <p:sp>
+        <p:nvSpPr>
+          <p:cNvPr id="4" name="Title 3">
+            <a:extLst>
+              <a:ext uri="{FF2B5EF4-FFF2-40B4-BE49-F238E27FC236}">
+                <a16:creationId xmlns:a16="http://schemas.microsoft.com/office/drawing/2014/main" id="{1444F8DE-8BC6-BECE-4FD9-9006F9063D2D}"/>
+              </a:ext>
+            </a:extLst>
+          </p:cNvPr>
+          <p:cNvSpPr>
+            <a:spLocks noGrp="1"/>
+          </p:cNvSpPr>
+          <p:nvPr>
+            <p:ph type="title"/>
+          </p:nvPr>
+        </p:nvSpPr>
+        <p:spPr/>
+        <p:txBody>
+          <a:bodyPr/>
+          <a:lstStyle/>
+          <a:p>
+            <a:r>
+              <a:rPr lang="en-US" dirty="0"/>
+              <a:t>A tiny example</a:t>
+            </a:r>
+          </a:p>
+        </p:txBody>
+      </p:sp>
+      <p:sp>
+        <p:nvSpPr>
+          <p:cNvPr id="6" name="TextBox 5">
+            <a:extLst>
+              <a:ext uri="{FF2B5EF4-FFF2-40B4-BE49-F238E27FC236}">
+                <a16:creationId xmlns:a16="http://schemas.microsoft.com/office/drawing/2014/main" id="{0361304E-2D94-5F38-A8AF-133184220E6C}"/>
+              </a:ext>
+            </a:extLst>
+          </p:cNvPr>
+          <p:cNvSpPr txBox="1"/>
+          <p:nvPr/>
+        </p:nvSpPr>
+        <p:spPr>
+          <a:xfrm>
+            <a:off x="838200" y="1511669"/>
+            <a:ext cx="10307595" cy="4663456"/>
+          </a:xfrm>
+          <a:prstGeom prst="rect">
+            <a:avLst/>
+          </a:prstGeom>
+          <a:noFill/>
+          <a:ln w="25400" cap="flat">
+            <a:noFill/>
+            <a:miter lim="400000"/>
+          </a:ln>
+          <a:effectLst/>
+          <a:sp3d/>
+        </p:spPr>
+        <p:style>
+          <a:lnRef idx="0">
+            <a:scrgbClr r="0" g="0" b="0"/>
+          </a:lnRef>
+          <a:fillRef idx="0">
+            <a:scrgbClr r="0" g="0" b="0"/>
+          </a:fillRef>
+          <a:effectRef idx="0">
+            <a:scrgbClr r="0" g="0" b="0"/>
+          </a:effectRef>
+          <a:fontRef idx="none"/>
+        </p:style>
+        <p:txBody>
+          <a:bodyPr wrap="square">
+            <a:spAutoFit/>
+          </a:bodyPr>
+          <a:lstStyle/>
+          <a:p>
+            <a:pPr>
+              <a:lnSpc>
+                <a:spcPct val="115000"/>
+              </a:lnSpc>
+            </a:pPr>
+            <a:r>
+              <a:rPr lang="en-US" sz="2400" dirty="0">
+                <a:solidFill>
+                  <a:srgbClr val="000000"/>
+                </a:solidFill>
+                <a:latin typeface="Arial" panose="020B0604020202020204" pitchFamily="34" charset="0"/>
+                <a:ea typeface="Arial" panose="020B0604020202020204" pitchFamily="34" charset="0"/>
+              </a:rPr>
+              <a:t>Imagine that this is the code to be tested</a:t>
+            </a:r>
+            <a:endParaRPr lang="en-US" sz="2400" dirty="0">
+              <a:latin typeface="Arial" panose="020B0604020202020204" pitchFamily="34" charset="0"/>
+              <a:ea typeface="Arial" panose="020B0604020202020204" pitchFamily="34" charset="0"/>
+            </a:endParaRPr>
+          </a:p>
+          <a:p>
+            <a:pPr>
+              <a:lnSpc>
+                <a:spcPct val="115000"/>
+              </a:lnSpc>
+            </a:pPr>
+            <a:r>
+              <a:rPr lang="en-US" sz="2400" dirty="0">
+                <a:latin typeface="Arial" panose="020B0604020202020204" pitchFamily="34" charset="0"/>
+                <a:ea typeface="Arial" panose="020B0604020202020204" pitchFamily="34" charset="0"/>
+              </a:rPr>
+              <a:t> </a:t>
+            </a:r>
+          </a:p>
+          <a:p>
+            <a:pPr>
+              <a:lnSpc>
+                <a:spcPct val="115000"/>
+              </a:lnSpc>
+            </a:pPr>
+            <a:r>
+              <a:rPr lang="en-US" sz="2400" dirty="0">
+                <a:solidFill>
+                  <a:srgbClr val="008000"/>
+                </a:solidFill>
+                <a:latin typeface="Consolas" panose="020B0609020204030204" pitchFamily="49" charset="0"/>
+                <a:ea typeface="Consolas" panose="020B0609020204030204" pitchFamily="49" charset="0"/>
+                <a:cs typeface="Consolas" panose="020B0609020204030204" pitchFamily="49" charset="0"/>
+              </a:rPr>
+              <a:t>// find the first item in the list that is</a:t>
+            </a:r>
+            <a:endParaRPr lang="en-US" sz="2400" dirty="0">
+              <a:latin typeface="Arial" panose="020B0604020202020204" pitchFamily="34" charset="0"/>
+              <a:ea typeface="Arial" panose="020B0604020202020204" pitchFamily="34" charset="0"/>
+            </a:endParaRPr>
+          </a:p>
+          <a:p>
+            <a:pPr>
+              <a:lnSpc>
+                <a:spcPct val="115000"/>
+              </a:lnSpc>
+            </a:pPr>
+            <a:r>
+              <a:rPr lang="en-US" sz="2400" dirty="0">
+                <a:solidFill>
+                  <a:srgbClr val="008000"/>
+                </a:solidFill>
+                <a:latin typeface="Consolas" panose="020B0609020204030204" pitchFamily="49" charset="0"/>
+                <a:ea typeface="Consolas" panose="020B0609020204030204" pitchFamily="49" charset="0"/>
+                <a:cs typeface="Consolas" panose="020B0609020204030204" pitchFamily="49" charset="0"/>
+              </a:rPr>
+              <a:t>// greater than or equal to the target.</a:t>
+            </a:r>
+            <a:endParaRPr lang="en-US" sz="2400" dirty="0">
+              <a:latin typeface="Arial" panose="020B0604020202020204" pitchFamily="34" charset="0"/>
+              <a:ea typeface="Arial" panose="020B0604020202020204" pitchFamily="34" charset="0"/>
+            </a:endParaRPr>
+          </a:p>
+          <a:p>
+            <a:pPr>
+              <a:lnSpc>
+                <a:spcPct val="115000"/>
+              </a:lnSpc>
+            </a:pPr>
+            <a:r>
+              <a:rPr lang="en-US" sz="2400" dirty="0">
+                <a:solidFill>
+                  <a:srgbClr val="AF00DB"/>
+                </a:solidFill>
+                <a:latin typeface="Consolas" panose="020B0609020204030204" pitchFamily="49" charset="0"/>
+                <a:ea typeface="Consolas" panose="020B0609020204030204" pitchFamily="49" charset="0"/>
+                <a:cs typeface="Consolas" panose="020B0609020204030204" pitchFamily="49" charset="0"/>
+              </a:rPr>
+              <a:t>export</a:t>
+            </a:r>
+            <a:r>
+              <a:rPr lang="en-US" sz="2400" dirty="0">
+                <a:solidFill>
+                  <a:srgbClr val="000000"/>
+                </a:solidFill>
+                <a:latin typeface="Consolas" panose="020B0609020204030204" pitchFamily="49" charset="0"/>
+                <a:ea typeface="Consolas" panose="020B0609020204030204" pitchFamily="49" charset="0"/>
+                <a:cs typeface="Consolas" panose="020B0609020204030204" pitchFamily="49" charset="0"/>
+              </a:rPr>
+              <a:t> </a:t>
+            </a:r>
+            <a:r>
+              <a:rPr lang="en-US" sz="2400" dirty="0">
+                <a:solidFill>
+                  <a:srgbClr val="AF00DB"/>
+                </a:solidFill>
+                <a:latin typeface="Consolas" panose="020B0609020204030204" pitchFamily="49" charset="0"/>
+                <a:ea typeface="Consolas" panose="020B0609020204030204" pitchFamily="49" charset="0"/>
+                <a:cs typeface="Consolas" panose="020B0609020204030204" pitchFamily="49" charset="0"/>
+              </a:rPr>
+              <a:t>default</a:t>
+            </a:r>
+            <a:r>
+              <a:rPr lang="en-US" sz="2400" dirty="0">
+                <a:solidFill>
+                  <a:srgbClr val="000000"/>
+                </a:solidFill>
+                <a:latin typeface="Consolas" panose="020B0609020204030204" pitchFamily="49" charset="0"/>
+                <a:ea typeface="Consolas" panose="020B0609020204030204" pitchFamily="49" charset="0"/>
+                <a:cs typeface="Consolas" panose="020B0609020204030204" pitchFamily="49" charset="0"/>
+              </a:rPr>
+              <a:t> </a:t>
+            </a:r>
+            <a:r>
+              <a:rPr lang="en-US" sz="2400" dirty="0">
+                <a:solidFill>
+                  <a:srgbClr val="0000FF"/>
+                </a:solidFill>
+                <a:latin typeface="Consolas" panose="020B0609020204030204" pitchFamily="49" charset="0"/>
+                <a:ea typeface="Consolas" panose="020B0609020204030204" pitchFamily="49" charset="0"/>
+                <a:cs typeface="Consolas" panose="020B0609020204030204" pitchFamily="49" charset="0"/>
+              </a:rPr>
+              <a:t>function</a:t>
+            </a:r>
+            <a:r>
+              <a:rPr lang="en-US" sz="2400" dirty="0">
+                <a:solidFill>
+                  <a:srgbClr val="000000"/>
+                </a:solidFill>
+                <a:latin typeface="Consolas" panose="020B0609020204030204" pitchFamily="49" charset="0"/>
+                <a:ea typeface="Consolas" panose="020B0609020204030204" pitchFamily="49" charset="0"/>
+                <a:cs typeface="Consolas" panose="020B0609020204030204" pitchFamily="49" charset="0"/>
+              </a:rPr>
+              <a:t> </a:t>
+            </a:r>
+            <a:r>
+              <a:rPr lang="en-US" sz="2400" dirty="0">
+                <a:solidFill>
+                  <a:srgbClr val="795E26"/>
+                </a:solidFill>
+                <a:latin typeface="Consolas" panose="020B0609020204030204" pitchFamily="49" charset="0"/>
+                <a:ea typeface="Consolas" panose="020B0609020204030204" pitchFamily="49" charset="0"/>
+                <a:cs typeface="Consolas" panose="020B0609020204030204" pitchFamily="49" charset="0"/>
+              </a:rPr>
+              <a:t>search</a:t>
+            </a:r>
+            <a:r>
+              <a:rPr lang="en-US" sz="2400" dirty="0">
+                <a:solidFill>
+                  <a:srgbClr val="000000"/>
+                </a:solidFill>
+                <a:latin typeface="Consolas" panose="020B0609020204030204" pitchFamily="49" charset="0"/>
+                <a:ea typeface="Consolas" panose="020B0609020204030204" pitchFamily="49" charset="0"/>
+                <a:cs typeface="Consolas" panose="020B0609020204030204" pitchFamily="49" charset="0"/>
+              </a:rPr>
+              <a:t>(</a:t>
+            </a:r>
+            <a:r>
+              <a:rPr lang="en-US" sz="2400" dirty="0" err="1">
+                <a:solidFill>
+                  <a:srgbClr val="001080"/>
+                </a:solidFill>
+                <a:latin typeface="Consolas" panose="020B0609020204030204" pitchFamily="49" charset="0"/>
+                <a:ea typeface="Consolas" panose="020B0609020204030204" pitchFamily="49" charset="0"/>
+                <a:cs typeface="Consolas" panose="020B0609020204030204" pitchFamily="49" charset="0"/>
+              </a:rPr>
+              <a:t>list</a:t>
+            </a:r>
+            <a:r>
+              <a:rPr lang="en-US" sz="2400" dirty="0" err="1">
+                <a:solidFill>
+                  <a:srgbClr val="000000"/>
+                </a:solidFill>
+                <a:latin typeface="Consolas" panose="020B0609020204030204" pitchFamily="49" charset="0"/>
+                <a:ea typeface="Consolas" panose="020B0609020204030204" pitchFamily="49" charset="0"/>
+                <a:cs typeface="Consolas" panose="020B0609020204030204" pitchFamily="49" charset="0"/>
+              </a:rPr>
+              <a:t>:</a:t>
+            </a:r>
+            <a:r>
+              <a:rPr lang="en-US" sz="2400" dirty="0" err="1">
+                <a:solidFill>
+                  <a:srgbClr val="267F99"/>
+                </a:solidFill>
+                <a:latin typeface="Consolas" panose="020B0609020204030204" pitchFamily="49" charset="0"/>
+                <a:ea typeface="Consolas" panose="020B0609020204030204" pitchFamily="49" charset="0"/>
+                <a:cs typeface="Consolas" panose="020B0609020204030204" pitchFamily="49" charset="0"/>
+              </a:rPr>
+              <a:t>number</a:t>
+            </a:r>
+            <a:r>
+              <a:rPr lang="en-US" sz="2400" dirty="0">
+                <a:solidFill>
+                  <a:srgbClr val="000000"/>
+                </a:solidFill>
+                <a:latin typeface="Consolas" panose="020B0609020204030204" pitchFamily="49" charset="0"/>
+                <a:ea typeface="Consolas" panose="020B0609020204030204" pitchFamily="49" charset="0"/>
+                <a:cs typeface="Consolas" panose="020B0609020204030204" pitchFamily="49" charset="0"/>
+              </a:rPr>
+              <a:t>[], </a:t>
+            </a:r>
+            <a:r>
+              <a:rPr lang="en-US" sz="2400" dirty="0" err="1">
+                <a:solidFill>
+                  <a:srgbClr val="001080"/>
+                </a:solidFill>
+                <a:latin typeface="Consolas" panose="020B0609020204030204" pitchFamily="49" charset="0"/>
+                <a:ea typeface="Consolas" panose="020B0609020204030204" pitchFamily="49" charset="0"/>
+                <a:cs typeface="Consolas" panose="020B0609020204030204" pitchFamily="49" charset="0"/>
+              </a:rPr>
+              <a:t>target</a:t>
+            </a:r>
+            <a:r>
+              <a:rPr lang="en-US" sz="2400" dirty="0" err="1">
+                <a:solidFill>
+                  <a:srgbClr val="000000"/>
+                </a:solidFill>
+                <a:latin typeface="Consolas" panose="020B0609020204030204" pitchFamily="49" charset="0"/>
+                <a:ea typeface="Consolas" panose="020B0609020204030204" pitchFamily="49" charset="0"/>
+                <a:cs typeface="Consolas" panose="020B0609020204030204" pitchFamily="49" charset="0"/>
+              </a:rPr>
+              <a:t>:</a:t>
+            </a:r>
+            <a:r>
+              <a:rPr lang="en-US" sz="2400" dirty="0" err="1">
+                <a:solidFill>
+                  <a:srgbClr val="267F99"/>
+                </a:solidFill>
+                <a:latin typeface="Consolas" panose="020B0609020204030204" pitchFamily="49" charset="0"/>
+                <a:ea typeface="Consolas" panose="020B0609020204030204" pitchFamily="49" charset="0"/>
+                <a:cs typeface="Consolas" panose="020B0609020204030204" pitchFamily="49" charset="0"/>
+              </a:rPr>
+              <a:t>number</a:t>
+            </a:r>
+            <a:r>
+              <a:rPr lang="en-US" sz="2400" dirty="0">
+                <a:solidFill>
+                  <a:srgbClr val="000000"/>
+                </a:solidFill>
+                <a:latin typeface="Consolas" panose="020B0609020204030204" pitchFamily="49" charset="0"/>
+                <a:ea typeface="Consolas" panose="020B0609020204030204" pitchFamily="49" charset="0"/>
+                <a:cs typeface="Consolas" panose="020B0609020204030204" pitchFamily="49" charset="0"/>
+              </a:rPr>
+              <a:t>) {</a:t>
+            </a:r>
+            <a:endParaRPr lang="en-US" sz="2400" dirty="0">
+              <a:latin typeface="Arial" panose="020B0604020202020204" pitchFamily="34" charset="0"/>
+              <a:ea typeface="Arial" panose="020B0604020202020204" pitchFamily="34" charset="0"/>
+            </a:endParaRPr>
+          </a:p>
+          <a:p>
+            <a:pPr>
+              <a:lnSpc>
+                <a:spcPct val="115000"/>
+              </a:lnSpc>
+            </a:pPr>
+            <a:r>
+              <a:rPr lang="en-US" sz="2400" dirty="0">
+                <a:solidFill>
+                  <a:srgbClr val="000000"/>
+                </a:solidFill>
+                <a:latin typeface="Consolas" panose="020B0609020204030204" pitchFamily="49" charset="0"/>
+                <a:ea typeface="Consolas" panose="020B0609020204030204" pitchFamily="49" charset="0"/>
+                <a:cs typeface="Consolas" panose="020B0609020204030204" pitchFamily="49" charset="0"/>
+              </a:rPr>
+              <a:t>    </a:t>
+            </a:r>
+            <a:r>
+              <a:rPr lang="en-US" sz="2400" dirty="0">
+                <a:solidFill>
+                  <a:srgbClr val="AF00DB"/>
+                </a:solidFill>
+                <a:latin typeface="Consolas" panose="020B0609020204030204" pitchFamily="49" charset="0"/>
+                <a:ea typeface="Consolas" panose="020B0609020204030204" pitchFamily="49" charset="0"/>
+                <a:cs typeface="Consolas" panose="020B0609020204030204" pitchFamily="49" charset="0"/>
+              </a:rPr>
+              <a:t>return</a:t>
+            </a:r>
+            <a:r>
+              <a:rPr lang="en-US" sz="2400" dirty="0">
+                <a:solidFill>
+                  <a:srgbClr val="000000"/>
+                </a:solidFill>
+                <a:latin typeface="Consolas" panose="020B0609020204030204" pitchFamily="49" charset="0"/>
+                <a:ea typeface="Consolas" panose="020B0609020204030204" pitchFamily="49" charset="0"/>
+                <a:cs typeface="Consolas" panose="020B0609020204030204" pitchFamily="49" charset="0"/>
+              </a:rPr>
+              <a:t> </a:t>
+            </a:r>
+            <a:r>
+              <a:rPr lang="en-US" sz="2400" dirty="0" err="1">
+                <a:solidFill>
+                  <a:srgbClr val="001080"/>
+                </a:solidFill>
+                <a:latin typeface="Consolas" panose="020B0609020204030204" pitchFamily="49" charset="0"/>
+                <a:ea typeface="Consolas" panose="020B0609020204030204" pitchFamily="49" charset="0"/>
+                <a:cs typeface="Consolas" panose="020B0609020204030204" pitchFamily="49" charset="0"/>
+              </a:rPr>
+              <a:t>list</a:t>
+            </a:r>
+            <a:r>
+              <a:rPr lang="en-US" sz="2400" dirty="0" err="1">
+                <a:solidFill>
+                  <a:srgbClr val="000000"/>
+                </a:solidFill>
+                <a:latin typeface="Consolas" panose="020B0609020204030204" pitchFamily="49" charset="0"/>
+                <a:ea typeface="Consolas" panose="020B0609020204030204" pitchFamily="49" charset="0"/>
+                <a:cs typeface="Consolas" panose="020B0609020204030204" pitchFamily="49" charset="0"/>
+              </a:rPr>
+              <a:t>.</a:t>
+            </a:r>
+            <a:r>
+              <a:rPr lang="en-US" sz="2400" dirty="0" err="1">
+                <a:solidFill>
+                  <a:srgbClr val="795E26"/>
+                </a:solidFill>
+                <a:latin typeface="Consolas" panose="020B0609020204030204" pitchFamily="49" charset="0"/>
+                <a:ea typeface="Consolas" panose="020B0609020204030204" pitchFamily="49" charset="0"/>
+                <a:cs typeface="Consolas" panose="020B0609020204030204" pitchFamily="49" charset="0"/>
+              </a:rPr>
+              <a:t>find</a:t>
+            </a:r>
+            <a:r>
+              <a:rPr lang="en-US" sz="2400" dirty="0">
+                <a:solidFill>
+                  <a:srgbClr val="000000"/>
+                </a:solidFill>
+                <a:latin typeface="Consolas" panose="020B0609020204030204" pitchFamily="49" charset="0"/>
+                <a:ea typeface="Consolas" panose="020B0609020204030204" pitchFamily="49" charset="0"/>
+                <a:cs typeface="Consolas" panose="020B0609020204030204" pitchFamily="49" charset="0"/>
+              </a:rPr>
+              <a:t>((</a:t>
+            </a:r>
+            <a:r>
+              <a:rPr lang="en-US" sz="2400" dirty="0">
+                <a:solidFill>
+                  <a:srgbClr val="001080"/>
+                </a:solidFill>
+                <a:latin typeface="Consolas" panose="020B0609020204030204" pitchFamily="49" charset="0"/>
+                <a:ea typeface="Consolas" panose="020B0609020204030204" pitchFamily="49" charset="0"/>
+                <a:cs typeface="Consolas" panose="020B0609020204030204" pitchFamily="49" charset="0"/>
+              </a:rPr>
+              <a:t>item</a:t>
+            </a:r>
+            <a:r>
+              <a:rPr lang="en-US" sz="2400" dirty="0">
+                <a:solidFill>
+                  <a:srgbClr val="000000"/>
+                </a:solidFill>
+                <a:latin typeface="Consolas" panose="020B0609020204030204" pitchFamily="49" charset="0"/>
+                <a:ea typeface="Consolas" panose="020B0609020204030204" pitchFamily="49" charset="0"/>
+                <a:cs typeface="Consolas" panose="020B0609020204030204" pitchFamily="49" charset="0"/>
+              </a:rPr>
+              <a:t>) </a:t>
+            </a:r>
+            <a:r>
+              <a:rPr lang="en-US" sz="2400" dirty="0">
+                <a:solidFill>
+                  <a:srgbClr val="0000FF"/>
+                </a:solidFill>
+                <a:latin typeface="Consolas" panose="020B0609020204030204" pitchFamily="49" charset="0"/>
+                <a:ea typeface="Consolas" panose="020B0609020204030204" pitchFamily="49" charset="0"/>
+                <a:cs typeface="Consolas" panose="020B0609020204030204" pitchFamily="49" charset="0"/>
+              </a:rPr>
+              <a:t>=&gt;</a:t>
+            </a:r>
+            <a:r>
+              <a:rPr lang="en-US" sz="2400" dirty="0">
+                <a:solidFill>
+                  <a:srgbClr val="000000"/>
+                </a:solidFill>
+                <a:latin typeface="Consolas" panose="020B0609020204030204" pitchFamily="49" charset="0"/>
+                <a:ea typeface="Consolas" panose="020B0609020204030204" pitchFamily="49" charset="0"/>
+                <a:cs typeface="Consolas" panose="020B0609020204030204" pitchFamily="49" charset="0"/>
+              </a:rPr>
+              <a:t> </a:t>
+            </a:r>
+            <a:r>
+              <a:rPr lang="en-US" sz="2400" dirty="0">
+                <a:solidFill>
+                  <a:srgbClr val="001080"/>
+                </a:solidFill>
+                <a:latin typeface="Consolas" panose="020B0609020204030204" pitchFamily="49" charset="0"/>
+                <a:ea typeface="Consolas" panose="020B0609020204030204" pitchFamily="49" charset="0"/>
+                <a:cs typeface="Consolas" panose="020B0609020204030204" pitchFamily="49" charset="0"/>
+              </a:rPr>
+              <a:t>item</a:t>
+            </a:r>
+            <a:r>
+              <a:rPr lang="en-US" sz="2400" dirty="0">
+                <a:solidFill>
+                  <a:srgbClr val="000000"/>
+                </a:solidFill>
+                <a:latin typeface="Consolas" panose="020B0609020204030204" pitchFamily="49" charset="0"/>
+                <a:ea typeface="Consolas" panose="020B0609020204030204" pitchFamily="49" charset="0"/>
+                <a:cs typeface="Consolas" panose="020B0609020204030204" pitchFamily="49" charset="0"/>
+              </a:rPr>
+              <a:t> &gt;= </a:t>
+            </a:r>
+            <a:r>
+              <a:rPr lang="en-US" sz="2400" dirty="0">
+                <a:solidFill>
+                  <a:srgbClr val="001080"/>
+                </a:solidFill>
+                <a:latin typeface="Consolas" panose="020B0609020204030204" pitchFamily="49" charset="0"/>
+                <a:ea typeface="Consolas" panose="020B0609020204030204" pitchFamily="49" charset="0"/>
+                <a:cs typeface="Consolas" panose="020B0609020204030204" pitchFamily="49" charset="0"/>
+              </a:rPr>
+              <a:t>target</a:t>
+            </a:r>
+            <a:r>
+              <a:rPr lang="en-US" sz="2400" dirty="0">
+                <a:solidFill>
+                  <a:srgbClr val="000000"/>
+                </a:solidFill>
+                <a:latin typeface="Consolas" panose="020B0609020204030204" pitchFamily="49" charset="0"/>
+                <a:ea typeface="Consolas" panose="020B0609020204030204" pitchFamily="49" charset="0"/>
+                <a:cs typeface="Consolas" panose="020B0609020204030204" pitchFamily="49" charset="0"/>
+              </a:rPr>
+              <a:t>);</a:t>
+            </a:r>
+            <a:endParaRPr lang="en-US" sz="2400" dirty="0">
+              <a:latin typeface="Arial" panose="020B0604020202020204" pitchFamily="34" charset="0"/>
+              <a:ea typeface="Arial" panose="020B0604020202020204" pitchFamily="34" charset="0"/>
+            </a:endParaRPr>
+          </a:p>
+          <a:p>
+            <a:pPr>
+              <a:lnSpc>
+                <a:spcPct val="115000"/>
+              </a:lnSpc>
+            </a:pPr>
+            <a:r>
+              <a:rPr lang="en-US" sz="2400" dirty="0">
+                <a:solidFill>
+                  <a:srgbClr val="000000"/>
+                </a:solidFill>
+                <a:latin typeface="Consolas" panose="020B0609020204030204" pitchFamily="49" charset="0"/>
+                <a:ea typeface="Consolas" panose="020B0609020204030204" pitchFamily="49" charset="0"/>
+                <a:cs typeface="Consolas" panose="020B0609020204030204" pitchFamily="49" charset="0"/>
+              </a:rPr>
+              <a:t>}</a:t>
+            </a:r>
+            <a:r>
+              <a:rPr lang="en-US" sz="2400" dirty="0">
+                <a:latin typeface="Arial" panose="020B0604020202020204" pitchFamily="34" charset="0"/>
+                <a:ea typeface="Arial" panose="020B0604020202020204" pitchFamily="34" charset="0"/>
+              </a:rPr>
+              <a:t> </a:t>
+            </a:r>
+          </a:p>
+          <a:p>
+            <a:pPr>
+              <a:lnSpc>
+                <a:spcPct val="115000"/>
+              </a:lnSpc>
+            </a:pPr>
+            <a:endParaRPr lang="en-US" sz="2400" dirty="0">
+              <a:latin typeface="Arial" panose="020B0604020202020204" pitchFamily="34" charset="0"/>
+              <a:ea typeface="Arial" panose="020B0604020202020204" pitchFamily="34" charset="0"/>
+            </a:endParaRPr>
+          </a:p>
+          <a:p>
+            <a:pPr>
+              <a:lnSpc>
+                <a:spcPct val="115000"/>
+              </a:lnSpc>
+            </a:pPr>
+            <a:r>
+              <a:rPr lang="en-US" sz="2400" dirty="0">
+                <a:latin typeface="Arial" panose="020B0604020202020204" pitchFamily="34" charset="0"/>
+                <a:ea typeface="Arial" panose="020B0604020202020204" pitchFamily="34" charset="0"/>
+              </a:rPr>
+              <a:t>and we have written some tests.</a:t>
+            </a:r>
+          </a:p>
+          <a:p>
+            <a:pPr>
+              <a:lnSpc>
+                <a:spcPct val="115000"/>
+              </a:lnSpc>
+            </a:pPr>
+            <a:endParaRPr lang="en-US" sz="2000" dirty="0">
+              <a:latin typeface="Arial" panose="020B0604020202020204" pitchFamily="34" charset="0"/>
+              <a:ea typeface="Arial" panose="020B0604020202020204" pitchFamily="34" charset="0"/>
+            </a:endParaRPr>
+          </a:p>
+        </p:txBody>
+      </p:sp>
+    </p:spTree>
+    <p:extLst>
+      <p:ext uri="{BB962C8B-B14F-4D97-AF65-F5344CB8AC3E}">
+        <p14:creationId xmlns:p14="http://schemas.microsoft.com/office/powerpoint/2010/main" val="2595956498"/>
+      </p:ext>
+    </p:extLst>
+  </p:cSld>
+  <p:clrMapOvr>
+    <a:masterClrMapping/>
+  </p:clrMapOvr>
+</p:sld>
+</file>
+
+<file path=ppt/slides/slide21.xml><?xml version="1.0" encoding="utf-8"?>
+<p:sld xmlns:a="http://schemas.openxmlformats.org/drawingml/2006/main" xmlns:r="http://schemas.openxmlformats.org/officeDocument/2006/relationships" xmlns:p="http://schemas.openxmlformats.org/presentationml/2006/main">
+  <p:cSld>
+    <p:spTree>
+      <p:nvGrpSpPr>
+        <p:cNvPr id="1" name=""/>
+        <p:cNvGrpSpPr/>
+        <p:nvPr/>
+      </p:nvGrpSpPr>
+      <p:grpSpPr>
+        <a:xfrm>
+          <a:off x="0" y="0"/>
+          <a:ext cx="0" cy="0"/>
+          <a:chOff x="0" y="0"/>
+          <a:chExt cx="0" cy="0"/>
+        </a:xfrm>
+      </p:grpSpPr>
+      <p:sp>
+        <p:nvSpPr>
+          <p:cNvPr id="7" name="TextBox 6">
+            <a:extLst>
+              <a:ext uri="{FF2B5EF4-FFF2-40B4-BE49-F238E27FC236}">
+                <a16:creationId xmlns:a16="http://schemas.microsoft.com/office/drawing/2014/main" id="{FC5B4731-5245-DB6F-A23F-1B47EFF080BE}"/>
+              </a:ext>
+            </a:extLst>
+          </p:cNvPr>
+          <p:cNvSpPr txBox="1"/>
+          <p:nvPr/>
+        </p:nvSpPr>
+        <p:spPr>
+          <a:xfrm>
+            <a:off x="1394254" y="1786005"/>
+            <a:ext cx="9959546" cy="5016758"/>
+          </a:xfrm>
+          <a:prstGeom prst="rect">
+            <a:avLst/>
+          </a:prstGeom>
+          <a:noFill/>
+          <a:ln w="25400" cap="flat">
+            <a:noFill/>
+            <a:miter lim="400000"/>
+          </a:ln>
+          <a:effectLst/>
+          <a:sp3d/>
+        </p:spPr>
+        <p:style>
+          <a:lnRef idx="0">
+            <a:scrgbClr r="0" g="0" b="0"/>
+          </a:lnRef>
+          <a:fillRef idx="0">
+            <a:scrgbClr r="0" g="0" b="0"/>
+          </a:fillRef>
+          <a:effectRef idx="0">
+            <a:scrgbClr r="0" g="0" b="0"/>
+          </a:effectRef>
+          <a:fontRef idx="none"/>
+        </p:style>
+        <p:txBody>
+          <a:bodyPr wrap="square">
+            <a:spAutoFit/>
+          </a:bodyPr>
+          <a:lstStyle/>
+          <a:p>
+            <a:r>
+              <a:rPr lang="en-US" sz="2000" dirty="0">
+                <a:latin typeface="Consolas" panose="020B0609020204030204" pitchFamily="49" charset="0"/>
+              </a:rPr>
+              <a:t>[Survived] </a:t>
+            </a:r>
+            <a:r>
+              <a:rPr lang="en-US" sz="2000" dirty="0" err="1">
+                <a:latin typeface="Consolas" panose="020B0609020204030204" pitchFamily="49" charset="0"/>
+              </a:rPr>
+              <a:t>EqualityOperator</a:t>
+            </a:r>
+            <a:endParaRPr lang="en-US" sz="2000" dirty="0">
+              <a:latin typeface="Consolas" panose="020B0609020204030204" pitchFamily="49" charset="0"/>
+            </a:endParaRPr>
+          </a:p>
+          <a:p>
+            <a:r>
+              <a:rPr lang="en-US" sz="2000" dirty="0" err="1">
+                <a:latin typeface="Consolas" panose="020B0609020204030204" pitchFamily="49" charset="0"/>
+              </a:rPr>
+              <a:t>src</a:t>
+            </a:r>
+            <a:r>
+              <a:rPr lang="en-US" sz="2000" dirty="0">
+                <a:latin typeface="Consolas" panose="020B0609020204030204" pitchFamily="49" charset="0"/>
+              </a:rPr>
+              <a:t>/for-midterm/adrian.ts:4:32</a:t>
+            </a:r>
+          </a:p>
+          <a:p>
+            <a:r>
+              <a:rPr lang="en-US" sz="2000" dirty="0">
+                <a:solidFill>
+                  <a:srgbClr val="FF0000"/>
+                </a:solidFill>
+                <a:latin typeface="Consolas" panose="020B0609020204030204" pitchFamily="49" charset="0"/>
+              </a:rPr>
+              <a:t>-       return </a:t>
+            </a:r>
+            <a:r>
+              <a:rPr lang="en-US" sz="2000" dirty="0" err="1">
+                <a:solidFill>
+                  <a:srgbClr val="FF0000"/>
+                </a:solidFill>
+                <a:latin typeface="Consolas" panose="020B0609020204030204" pitchFamily="49" charset="0"/>
+              </a:rPr>
+              <a:t>list.find</a:t>
+            </a:r>
+            <a:r>
+              <a:rPr lang="en-US" sz="2000" dirty="0">
+                <a:solidFill>
+                  <a:srgbClr val="FF0000"/>
+                </a:solidFill>
+                <a:latin typeface="Consolas" panose="020B0609020204030204" pitchFamily="49" charset="0"/>
+              </a:rPr>
+              <a:t>((item) =&gt; item &gt;= target);</a:t>
+            </a:r>
+          </a:p>
+          <a:p>
+            <a:r>
+              <a:rPr lang="en-US" sz="2000" dirty="0">
+                <a:solidFill>
+                  <a:srgbClr val="00B050"/>
+                </a:solidFill>
+                <a:latin typeface="Consolas" panose="020B0609020204030204" pitchFamily="49" charset="0"/>
+              </a:rPr>
+              <a:t>+       return </a:t>
+            </a:r>
+            <a:r>
+              <a:rPr lang="en-US" sz="2000" dirty="0" err="1">
+                <a:solidFill>
+                  <a:srgbClr val="00B050"/>
+                </a:solidFill>
+                <a:latin typeface="Consolas" panose="020B0609020204030204" pitchFamily="49" charset="0"/>
+              </a:rPr>
+              <a:t>list.find</a:t>
+            </a:r>
+            <a:r>
+              <a:rPr lang="en-US" sz="2000" dirty="0">
+                <a:solidFill>
+                  <a:srgbClr val="00B050"/>
+                </a:solidFill>
+                <a:latin typeface="Consolas" panose="020B0609020204030204" pitchFamily="49" charset="0"/>
+              </a:rPr>
+              <a:t>((item) =&gt; item &gt; target);</a:t>
+            </a:r>
+          </a:p>
+          <a:p>
+            <a:r>
+              <a:rPr lang="en-US" sz="2000" dirty="0">
+                <a:latin typeface="Consolas" panose="020B0609020204030204" pitchFamily="49" charset="0"/>
+              </a:rPr>
+              <a:t>Tests ran:</a:t>
+            </a:r>
+          </a:p>
+          <a:p>
+            <a:r>
+              <a:rPr lang="en-US" sz="2000" dirty="0">
+                <a:latin typeface="Consolas" panose="020B0609020204030204" pitchFamily="49" charset="0"/>
+              </a:rPr>
+              <a:t>    search should return the first item in the list that is greater than or equal to the target</a:t>
+            </a:r>
+          </a:p>
+          <a:p>
+            <a:endParaRPr lang="en-US" sz="2000" dirty="0">
+              <a:latin typeface="Consolas" panose="020B0609020204030204" pitchFamily="49" charset="0"/>
+            </a:endParaRPr>
+          </a:p>
+          <a:p>
+            <a:endParaRPr lang="en-US" sz="2000" dirty="0">
+              <a:latin typeface="Consolas" panose="020B0609020204030204" pitchFamily="49" charset="0"/>
+            </a:endParaRPr>
+          </a:p>
+          <a:p>
+            <a:r>
+              <a:rPr lang="en-US" sz="2000" dirty="0">
+                <a:latin typeface="Consolas" panose="020B0609020204030204" pitchFamily="49" charset="0"/>
+              </a:rPr>
+              <a:t>[Survived] </a:t>
+            </a:r>
+            <a:r>
+              <a:rPr lang="en-US" sz="2000" dirty="0" err="1">
+                <a:latin typeface="Consolas" panose="020B0609020204030204" pitchFamily="49" charset="0"/>
+              </a:rPr>
+              <a:t>ConditionalExpression</a:t>
+            </a:r>
+            <a:endParaRPr lang="en-US" sz="2000" dirty="0">
+              <a:latin typeface="Consolas" panose="020B0609020204030204" pitchFamily="49" charset="0"/>
+            </a:endParaRPr>
+          </a:p>
+          <a:p>
+            <a:r>
+              <a:rPr lang="en-US" sz="2000" dirty="0" err="1">
+                <a:latin typeface="Consolas" panose="020B0609020204030204" pitchFamily="49" charset="0"/>
+              </a:rPr>
+              <a:t>src</a:t>
+            </a:r>
+            <a:r>
+              <a:rPr lang="en-US" sz="2000" dirty="0">
+                <a:latin typeface="Consolas" panose="020B0609020204030204" pitchFamily="49" charset="0"/>
+              </a:rPr>
+              <a:t>/for-midterm/adrian.ts:4:32</a:t>
+            </a:r>
+          </a:p>
+          <a:p>
+            <a:r>
+              <a:rPr lang="en-US" sz="2000" dirty="0">
+                <a:solidFill>
+                  <a:srgbClr val="FF0000"/>
+                </a:solidFill>
+                <a:latin typeface="Consolas" panose="020B0609020204030204" pitchFamily="49" charset="0"/>
+              </a:rPr>
+              <a:t>-       return </a:t>
+            </a:r>
+            <a:r>
+              <a:rPr lang="en-US" sz="2000" dirty="0" err="1">
+                <a:solidFill>
+                  <a:srgbClr val="FF0000"/>
+                </a:solidFill>
+                <a:latin typeface="Consolas" panose="020B0609020204030204" pitchFamily="49" charset="0"/>
+              </a:rPr>
+              <a:t>list.find</a:t>
+            </a:r>
+            <a:r>
+              <a:rPr lang="en-US" sz="2000" dirty="0">
+                <a:solidFill>
+                  <a:srgbClr val="FF0000"/>
+                </a:solidFill>
+                <a:latin typeface="Consolas" panose="020B0609020204030204" pitchFamily="49" charset="0"/>
+              </a:rPr>
+              <a:t>((item) =&gt; item &gt;= target);</a:t>
+            </a:r>
+          </a:p>
+          <a:p>
+            <a:r>
+              <a:rPr lang="en-US" sz="2000" dirty="0">
+                <a:solidFill>
+                  <a:srgbClr val="00B050"/>
+                </a:solidFill>
+                <a:latin typeface="Consolas" panose="020B0609020204030204" pitchFamily="49" charset="0"/>
+              </a:rPr>
+              <a:t>+       return </a:t>
+            </a:r>
+            <a:r>
+              <a:rPr lang="en-US" sz="2000" dirty="0" err="1">
+                <a:solidFill>
+                  <a:srgbClr val="00B050"/>
+                </a:solidFill>
+                <a:latin typeface="Consolas" panose="020B0609020204030204" pitchFamily="49" charset="0"/>
+              </a:rPr>
+              <a:t>list.find</a:t>
+            </a:r>
+            <a:r>
+              <a:rPr lang="en-US" sz="2000" dirty="0">
+                <a:solidFill>
+                  <a:srgbClr val="00B050"/>
+                </a:solidFill>
+                <a:latin typeface="Consolas" panose="020B0609020204030204" pitchFamily="49" charset="0"/>
+              </a:rPr>
+              <a:t>((item) =&gt; true);</a:t>
+            </a:r>
+          </a:p>
+          <a:p>
+            <a:r>
+              <a:rPr lang="en-US" sz="2000" dirty="0">
+                <a:latin typeface="Consolas" panose="020B0609020204030204" pitchFamily="49" charset="0"/>
+              </a:rPr>
+              <a:t>Tests ran:</a:t>
+            </a:r>
+          </a:p>
+          <a:p>
+            <a:r>
+              <a:rPr lang="en-US" sz="2000" dirty="0">
+                <a:latin typeface="Consolas" panose="020B0609020204030204" pitchFamily="49" charset="0"/>
+              </a:rPr>
+              <a:t>    search should return the first item in the list that is greater than or equal to the target</a:t>
+            </a:r>
+          </a:p>
+        </p:txBody>
+      </p:sp>
+      <p:sp>
+        <p:nvSpPr>
+          <p:cNvPr id="2" name="Title 1">
+            <a:extLst>
+              <a:ext uri="{FF2B5EF4-FFF2-40B4-BE49-F238E27FC236}">
+                <a16:creationId xmlns:a16="http://schemas.microsoft.com/office/drawing/2014/main" id="{1FC8905C-E51E-F593-86DE-FD4AC20A6740}"/>
+              </a:ext>
+            </a:extLst>
+          </p:cNvPr>
+          <p:cNvSpPr>
+            <a:spLocks noGrp="1"/>
+          </p:cNvSpPr>
+          <p:nvPr>
+            <p:ph type="title"/>
+          </p:nvPr>
+        </p:nvSpPr>
+        <p:spPr/>
+        <p:txBody>
+          <a:bodyPr/>
+          <a:lstStyle/>
+          <a:p>
+            <a:r>
+              <a:rPr lang="en-US" dirty="0"/>
+              <a:t>Stryker report for this test</a:t>
+            </a:r>
+          </a:p>
+        </p:txBody>
+      </p:sp>
+      <p:grpSp>
+        <p:nvGrpSpPr>
+          <p:cNvPr id="27" name="Group 26">
+            <a:extLst>
+              <a:ext uri="{FF2B5EF4-FFF2-40B4-BE49-F238E27FC236}">
+                <a16:creationId xmlns:a16="http://schemas.microsoft.com/office/drawing/2014/main" id="{9C93698D-3036-C07F-52CA-7250BA51BCBA}"/>
+              </a:ext>
+            </a:extLst>
+          </p:cNvPr>
+          <p:cNvGrpSpPr/>
+          <p:nvPr/>
+        </p:nvGrpSpPr>
+        <p:grpSpPr>
+          <a:xfrm>
+            <a:off x="1278082" y="2101358"/>
+            <a:ext cx="10649530" cy="962753"/>
+            <a:chOff x="2556164" y="4202716"/>
+            <a:chExt cx="21299060" cy="1925506"/>
+          </a:xfrm>
+        </p:grpSpPr>
+        <p:grpSp>
+          <p:nvGrpSpPr>
+            <p:cNvPr id="8" name="Group 7">
+              <a:extLst>
+                <a:ext uri="{FF2B5EF4-FFF2-40B4-BE49-F238E27FC236}">
+                  <a16:creationId xmlns:a16="http://schemas.microsoft.com/office/drawing/2014/main" id="{F088A65E-2654-903F-B637-FBD98BEF6234}"/>
+                </a:ext>
+              </a:extLst>
+            </p:cNvPr>
+            <p:cNvGrpSpPr/>
+            <p:nvPr/>
+          </p:nvGrpSpPr>
+          <p:grpSpPr>
+            <a:xfrm>
+              <a:off x="17888465" y="4202716"/>
+              <a:ext cx="5966759" cy="1925506"/>
+              <a:chOff x="12253181" y="3243758"/>
+              <a:chExt cx="5966759" cy="1925506"/>
+            </a:xfrm>
+          </p:grpSpPr>
+          <p:sp>
+            <p:nvSpPr>
+              <p:cNvPr id="3" name="Rectangle: Rounded Corners 2">
+                <a:extLst>
+                  <a:ext uri="{FF2B5EF4-FFF2-40B4-BE49-F238E27FC236}">
+                    <a16:creationId xmlns:a16="http://schemas.microsoft.com/office/drawing/2014/main" id="{8E148E09-53EB-05C7-8184-57AE7D6DB47C}"/>
+                  </a:ext>
+                </a:extLst>
+              </p:cNvPr>
+              <p:cNvSpPr/>
+              <p:nvPr/>
+            </p:nvSpPr>
+            <p:spPr>
+              <a:xfrm>
+                <a:off x="13079529" y="3243758"/>
+                <a:ext cx="5140411" cy="1925506"/>
+              </a:xfrm>
+              <a:prstGeom prst="roundRect">
+                <a:avLst/>
+              </a:prstGeom>
+              <a:solidFill>
+                <a:schemeClr val="accent2">
+                  <a:lumMod val="20000"/>
+                  <a:lumOff val="80000"/>
+                </a:schemeClr>
+              </a:solidFill>
+              <a:ln>
+                <a:solidFill>
+                  <a:srgbClr val="0070C0"/>
+                </a:solidFill>
+                <a:tailEnd type="stealth" w="lg" len="lg"/>
+              </a:ln>
+            </p:spPr>
+            <p:style>
+              <a:lnRef idx="2">
+                <a:schemeClr val="accent1">
+                  <a:shade val="50000"/>
+                </a:schemeClr>
+              </a:lnRef>
+              <a:fillRef idx="1">
+                <a:schemeClr val="accent1"/>
+              </a:fillRef>
+              <a:effectRef idx="0">
+                <a:schemeClr val="accent1"/>
+              </a:effectRef>
+              <a:fontRef idx="minor">
+                <a:schemeClr val="lt1"/>
+              </a:fontRef>
+            </p:style>
+            <p:txBody>
+              <a:bodyPr rtlCol="0" anchor="ctr"/>
+              <a:lstStyle/>
+              <a:p>
+                <a:pPr algn="ctr"/>
+                <a:r>
+                  <a:rPr lang="en-US" sz="2400" b="1" dirty="0">
+                    <a:solidFill>
+                      <a:schemeClr val="tx1"/>
+                    </a:solidFill>
+                    <a:latin typeface="Ink Free" panose="03080402000500000000" pitchFamily="66" charset="0"/>
+                  </a:rPr>
+                  <a:t>The location of the mutation</a:t>
+                </a:r>
+              </a:p>
+            </p:txBody>
+          </p:sp>
+          <p:cxnSp>
+            <p:nvCxnSpPr>
+              <p:cNvPr id="5" name="Straight Arrow Connector 4">
+                <a:extLst>
+                  <a:ext uri="{FF2B5EF4-FFF2-40B4-BE49-F238E27FC236}">
+                    <a16:creationId xmlns:a16="http://schemas.microsoft.com/office/drawing/2014/main" id="{8AB1E689-D22D-A308-5937-86694ABD04F1}"/>
+                  </a:ext>
+                </a:extLst>
+              </p:cNvPr>
+              <p:cNvCxnSpPr>
+                <a:cxnSpLocks/>
+                <a:stCxn id="3" idx="1"/>
+                <a:endCxn id="17" idx="3"/>
+              </p:cNvCxnSpPr>
+              <p:nvPr/>
+            </p:nvCxnSpPr>
+            <p:spPr>
+              <a:xfrm flipH="1" flipV="1">
+                <a:off x="12253181" y="4151173"/>
+                <a:ext cx="826348" cy="55338"/>
+              </a:xfrm>
+              <a:prstGeom prst="straightConnector1">
+                <a:avLst/>
+              </a:prstGeom>
+              <a:noFill/>
+              <a:ln w="38100" cap="flat">
+                <a:solidFill>
+                  <a:schemeClr val="accent1"/>
+                </a:solidFill>
+                <a:prstDash val="solid"/>
+                <a:miter lim="800000"/>
+                <a:headEnd w="lg" len="lg"/>
+                <a:tailEnd type="stealth" w="lg" len="lg"/>
+              </a:ln>
+              <a:effectLst/>
+              <a:sp3d/>
+            </p:spPr>
+            <p:style>
+              <a:lnRef idx="0">
+                <a:scrgbClr r="0" g="0" b="0"/>
+              </a:lnRef>
+              <a:fillRef idx="0">
+                <a:scrgbClr r="0" g="0" b="0"/>
+              </a:fillRef>
+              <a:effectRef idx="0">
+                <a:scrgbClr r="0" g="0" b="0"/>
+              </a:effectRef>
+              <a:fontRef idx="none"/>
+            </p:style>
+          </p:cxnSp>
+        </p:grpSp>
+        <p:sp>
+          <p:nvSpPr>
+            <p:cNvPr id="17" name="Rectangle: Rounded Corners 16">
+              <a:extLst>
+                <a:ext uri="{FF2B5EF4-FFF2-40B4-BE49-F238E27FC236}">
+                  <a16:creationId xmlns:a16="http://schemas.microsoft.com/office/drawing/2014/main" id="{28921B20-AD10-06D5-AF8D-E88BAC12DA83}"/>
+                </a:ext>
+              </a:extLst>
+            </p:cNvPr>
+            <p:cNvSpPr/>
+            <p:nvPr/>
+          </p:nvSpPr>
+          <p:spPr>
+            <a:xfrm>
+              <a:off x="2556164" y="4229330"/>
+              <a:ext cx="15332301" cy="1761602"/>
+            </a:xfrm>
+            <a:prstGeom prst="roundRect">
+              <a:avLst/>
+            </a:prstGeom>
+            <a:noFill/>
+            <a:ln w="63500">
+              <a:solidFill>
+                <a:srgbClr val="FF0000"/>
+              </a:solidFill>
+            </a:ln>
+          </p:spPr>
+          <p:style>
+            <a:lnRef idx="2">
+              <a:schemeClr val="accent1">
+                <a:shade val="50000"/>
+              </a:schemeClr>
+            </a:lnRef>
+            <a:fillRef idx="1">
+              <a:schemeClr val="accent1"/>
+            </a:fillRef>
+            <a:effectRef idx="0">
+              <a:schemeClr val="accent1"/>
+            </a:effectRef>
+            <a:fontRef idx="minor">
+              <a:schemeClr val="lt1"/>
+            </a:fontRef>
+          </p:style>
+          <p:txBody>
+            <a:bodyPr rtlCol="0" anchor="ctr"/>
+            <a:lstStyle/>
+            <a:p>
+              <a:pPr algn="ctr"/>
+              <a:endParaRPr lang="en-US" sz="2400" b="1" dirty="0">
+                <a:solidFill>
+                  <a:schemeClr val="tx1"/>
+                </a:solidFill>
+                <a:latin typeface="Ink Free" panose="03080402000500000000" pitchFamily="66" charset="0"/>
+              </a:endParaRPr>
+            </a:p>
+          </p:txBody>
+        </p:sp>
+      </p:grpSp>
+      <p:grpSp>
+        <p:nvGrpSpPr>
+          <p:cNvPr id="28" name="Group 27">
+            <a:extLst>
+              <a:ext uri="{FF2B5EF4-FFF2-40B4-BE49-F238E27FC236}">
+                <a16:creationId xmlns:a16="http://schemas.microsoft.com/office/drawing/2014/main" id="{F037B5CB-4CB3-61CE-608B-E068DE21F727}"/>
+              </a:ext>
+            </a:extLst>
+          </p:cNvPr>
+          <p:cNvGrpSpPr/>
+          <p:nvPr/>
+        </p:nvGrpSpPr>
+        <p:grpSpPr>
+          <a:xfrm>
+            <a:off x="1267158" y="3068586"/>
+            <a:ext cx="10504086" cy="2997602"/>
+            <a:chOff x="2534316" y="6137171"/>
+            <a:chExt cx="21008171" cy="5995203"/>
+          </a:xfrm>
+        </p:grpSpPr>
+        <p:sp>
+          <p:nvSpPr>
+            <p:cNvPr id="12" name="Rectangle: Rounded Corners 11">
+              <a:extLst>
+                <a:ext uri="{FF2B5EF4-FFF2-40B4-BE49-F238E27FC236}">
+                  <a16:creationId xmlns:a16="http://schemas.microsoft.com/office/drawing/2014/main" id="{FBFACC36-C440-1F1F-FED8-E37CC2FFEE65}"/>
+                </a:ext>
+              </a:extLst>
+            </p:cNvPr>
+            <p:cNvSpPr/>
+            <p:nvPr/>
+          </p:nvSpPr>
+          <p:spPr>
+            <a:xfrm>
+              <a:off x="18402076" y="9416882"/>
+              <a:ext cx="5140411" cy="2715492"/>
+            </a:xfrm>
+            <a:prstGeom prst="roundRect">
+              <a:avLst/>
+            </a:prstGeom>
+            <a:solidFill>
+              <a:schemeClr val="accent2">
+                <a:lumMod val="20000"/>
+                <a:lumOff val="80000"/>
+              </a:schemeClr>
+            </a:solidFill>
+            <a:ln>
+              <a:solidFill>
+                <a:srgbClr val="0070C0"/>
+              </a:solidFill>
+            </a:ln>
+          </p:spPr>
+          <p:style>
+            <a:lnRef idx="2">
+              <a:schemeClr val="accent1">
+                <a:shade val="50000"/>
+              </a:schemeClr>
+            </a:lnRef>
+            <a:fillRef idx="1">
+              <a:schemeClr val="accent1"/>
+            </a:fillRef>
+            <a:effectRef idx="0">
+              <a:schemeClr val="accent1"/>
+            </a:effectRef>
+            <a:fontRef idx="minor">
+              <a:schemeClr val="lt1"/>
+            </a:fontRef>
+          </p:style>
+          <p:txBody>
+            <a:bodyPr rtlCol="0" anchor="ctr"/>
+            <a:lstStyle/>
+            <a:p>
+              <a:pPr algn="ctr"/>
+              <a:r>
+                <a:rPr lang="en-US" sz="2400" b="1" dirty="0">
+                  <a:solidFill>
+                    <a:schemeClr val="tx1"/>
+                  </a:solidFill>
+                  <a:latin typeface="Ink Free" panose="03080402000500000000" pitchFamily="66" charset="0"/>
+                </a:rPr>
+                <a:t>The tests that were run on this piece of code</a:t>
+              </a:r>
+            </a:p>
+          </p:txBody>
+        </p:sp>
+        <p:cxnSp>
+          <p:nvCxnSpPr>
+            <p:cNvPr id="13" name="Straight Arrow Connector 12">
+              <a:extLst>
+                <a:ext uri="{FF2B5EF4-FFF2-40B4-BE49-F238E27FC236}">
+                  <a16:creationId xmlns:a16="http://schemas.microsoft.com/office/drawing/2014/main" id="{4DF291EC-E8D9-D718-2D79-A61E8EE0E61E}"/>
+                </a:ext>
+              </a:extLst>
+            </p:cNvPr>
+            <p:cNvCxnSpPr>
+              <a:cxnSpLocks/>
+            </p:cNvCxnSpPr>
+            <p:nvPr/>
+          </p:nvCxnSpPr>
+          <p:spPr>
+            <a:xfrm flipH="1" flipV="1">
+              <a:off x="16081513" y="8045012"/>
+              <a:ext cx="2405270" cy="1532745"/>
+            </a:xfrm>
+            <a:prstGeom prst="straightConnector1">
+              <a:avLst/>
+            </a:prstGeom>
+            <a:noFill/>
+            <a:ln w="38100" cap="flat">
+              <a:solidFill>
+                <a:schemeClr val="accent1"/>
+              </a:solidFill>
+              <a:prstDash val="solid"/>
+              <a:miter lim="800000"/>
+              <a:headEnd w="lg" len="lg"/>
+              <a:tailEnd type="stealth" w="lg" len="lg"/>
+            </a:ln>
+            <a:effectLst/>
+            <a:sp3d/>
+          </p:spPr>
+          <p:style>
+            <a:lnRef idx="0">
+              <a:scrgbClr r="0" g="0" b="0"/>
+            </a:lnRef>
+            <a:fillRef idx="0">
+              <a:scrgbClr r="0" g="0" b="0"/>
+            </a:fillRef>
+            <a:effectRef idx="0">
+              <a:scrgbClr r="0" g="0" b="0"/>
+            </a:effectRef>
+            <a:fontRef idx="none"/>
+          </p:style>
+        </p:cxnSp>
+        <p:sp>
+          <p:nvSpPr>
+            <p:cNvPr id="21" name="Rectangle: Rounded Corners 20">
+              <a:extLst>
+                <a:ext uri="{FF2B5EF4-FFF2-40B4-BE49-F238E27FC236}">
+                  <a16:creationId xmlns:a16="http://schemas.microsoft.com/office/drawing/2014/main" id="{8555FAD4-5CF9-C5AE-ACBE-697EB0B83996}"/>
+                </a:ext>
+              </a:extLst>
+            </p:cNvPr>
+            <p:cNvSpPr/>
+            <p:nvPr/>
+          </p:nvSpPr>
+          <p:spPr>
+            <a:xfrm>
+              <a:off x="2534316" y="6137171"/>
+              <a:ext cx="19371527" cy="1761602"/>
+            </a:xfrm>
+            <a:prstGeom prst="roundRect">
+              <a:avLst/>
+            </a:prstGeom>
+            <a:noFill/>
+            <a:ln w="63500">
+              <a:solidFill>
+                <a:srgbClr val="FF0000"/>
+              </a:solidFill>
+            </a:ln>
+          </p:spPr>
+          <p:style>
+            <a:lnRef idx="2">
+              <a:schemeClr val="accent1">
+                <a:shade val="50000"/>
+              </a:schemeClr>
+            </a:lnRef>
+            <a:fillRef idx="1">
+              <a:schemeClr val="accent1"/>
+            </a:fillRef>
+            <a:effectRef idx="0">
+              <a:schemeClr val="accent1"/>
+            </a:effectRef>
+            <a:fontRef idx="minor">
+              <a:schemeClr val="lt1"/>
+            </a:fontRef>
+          </p:style>
+          <p:txBody>
+            <a:bodyPr rtlCol="0" anchor="ctr"/>
+            <a:lstStyle/>
+            <a:p>
+              <a:pPr algn="ctr"/>
+              <a:endParaRPr lang="en-US" sz="2400" b="1" dirty="0">
+                <a:solidFill>
+                  <a:schemeClr val="tx1"/>
+                </a:solidFill>
+                <a:latin typeface="Ink Free" panose="03080402000500000000" pitchFamily="66" charset="0"/>
+              </a:endParaRPr>
+            </a:p>
+          </p:txBody>
+        </p:sp>
+      </p:grpSp>
+    </p:spTree>
+    <p:extLst>
+      <p:ext uri="{BB962C8B-B14F-4D97-AF65-F5344CB8AC3E}">
+        <p14:creationId xmlns:p14="http://schemas.microsoft.com/office/powerpoint/2010/main" val="2232505326"/>
+      </p:ext>
+    </p:extLst>
+  </p:cSld>
+  <p:clrMapOvr>
+    <a:masterClrMapping/>
+  </p:clrMapOvr>
+  <p:timing>
+    <p:tnLst>
+      <p:par>
+        <p:cTn id="1" dur="indefinite" restart="never" nodeType="tmRoot">
+          <p:childTnLst>
+            <p:seq concurrent="1" nextAc="seek">
+              <p:cTn id="2" dur="indefinite" nodeType="mainSeq">
+                <p:childTnLst>
+                  <p:par>
+                    <p:cTn id="3" fill="hold">
+                      <p:stCondLst>
+                        <p:cond delay="indefinite"/>
+                      </p:stCondLst>
+                      <p:childTnLst>
+                        <p:par>
+                          <p:cTn id="4" fill="hold">
+                            <p:stCondLst>
+                              <p:cond delay="0"/>
+                            </p:stCondLst>
+                            <p:childTnLst>
+                              <p:par>
+                                <p:cTn id="5" presetID="1" presetClass="entr" presetSubtype="0" fill="hold" nodeType="clickEffect">
+                                  <p:stCondLst>
+                                    <p:cond delay="0"/>
+                                  </p:stCondLst>
+                                  <p:childTnLst>
+                                    <p:set>
+                                      <p:cBhvr>
+                                        <p:cTn id="6" dur="1" fill="hold">
+                                          <p:stCondLst>
+                                            <p:cond delay="0"/>
+                                          </p:stCondLst>
+                                        </p:cTn>
+                                        <p:tgtEl>
+                                          <p:spTgt spid="27"/>
+                                        </p:tgtEl>
+                                        <p:attrNameLst>
+                                          <p:attrName>style.visibility</p:attrName>
+                                        </p:attrNameLst>
+                                      </p:cBhvr>
+                                      <p:to>
+                                        <p:strVal val="visible"/>
+                                      </p:to>
+                                    </p:set>
+                                  </p:childTnLst>
+                                </p:cTn>
+                              </p:par>
+                            </p:childTnLst>
+                          </p:cTn>
+                        </p:par>
+                      </p:childTnLst>
+                    </p:cTn>
+                  </p:par>
+                  <p:par>
+                    <p:cTn id="7" fill="hold">
+                      <p:stCondLst>
+                        <p:cond delay="indefinite"/>
+                      </p:stCondLst>
+                      <p:childTnLst>
+                        <p:par>
+                          <p:cTn id="8" fill="hold">
+                            <p:stCondLst>
+                              <p:cond delay="0"/>
+                            </p:stCondLst>
+                            <p:childTnLst>
+                              <p:par>
+                                <p:cTn id="9" presetID="1" presetClass="entr" presetSubtype="0" fill="hold" nodeType="clickEffect">
+                                  <p:stCondLst>
+                                    <p:cond delay="0"/>
+                                  </p:stCondLst>
+                                  <p:childTnLst>
+                                    <p:set>
+                                      <p:cBhvr>
+                                        <p:cTn id="10" dur="1" fill="hold">
+                                          <p:stCondLst>
+                                            <p:cond delay="0"/>
+                                          </p:stCondLst>
+                                        </p:cTn>
+                                        <p:tgtEl>
+                                          <p:spTgt spid="28"/>
+                                        </p:tgtEl>
+                                        <p:attrNameLst>
+                                          <p:attrName>style.visibility</p:attrName>
+                                        </p:attrNameLst>
+                                      </p:cBhvr>
+                                      <p:to>
+                                        <p:strVal val="visible"/>
+                                      </p:to>
+                                    </p:set>
+                                  </p:childTnLst>
+                                </p:cTn>
+                              </p:par>
+                            </p:childTnLst>
+                          </p:cTn>
+                        </p:par>
+                      </p:childTnLst>
+                    </p:cTn>
+                  </p:par>
+                </p:childTnLst>
+              </p:cTn>
+              <p:prevCondLst>
+                <p:cond evt="onPrev" delay="0">
+                  <p:tgtEl>
+                    <p:sldTgt/>
+                  </p:tgtEl>
+                </p:cond>
+              </p:prevCondLst>
+              <p:nextCondLst>
+                <p:cond evt="onNext" delay="0">
+                  <p:tgtEl>
+                    <p:sldTgt/>
+                  </p:tgtEl>
+                </p:cond>
+              </p:nextCondLst>
+            </p:seq>
+          </p:childTnLst>
+        </p:cTn>
+      </p:par>
+    </p:tnLst>
+  </p:timing>
+</p:sld>
+</file>
+
+<file path=ppt/slides/slide22.xml><?xml version="1.0" encoding="utf-8"?>
+<p:sld xmlns:a="http://schemas.openxmlformats.org/drawingml/2006/main" xmlns:r="http://schemas.openxmlformats.org/officeDocument/2006/relationships" xmlns:p="http://schemas.openxmlformats.org/presentationml/2006/main">
+  <p:cSld>
+    <p:spTree>
+      <p:nvGrpSpPr>
+        <p:cNvPr id="1" name=""/>
+        <p:cNvGrpSpPr/>
+        <p:nvPr/>
+      </p:nvGrpSpPr>
+      <p:grpSpPr>
+        <a:xfrm>
+          <a:off x="0" y="0"/>
+          <a:ext cx="0" cy="0"/>
+          <a:chOff x="0" y="0"/>
+          <a:chExt cx="0" cy="0"/>
+        </a:xfrm>
+      </p:grpSpPr>
+      <p:sp>
+        <p:nvSpPr>
+          <p:cNvPr id="2" name="Title 1">
+            <a:extLst>
+              <a:ext uri="{FF2B5EF4-FFF2-40B4-BE49-F238E27FC236}">
+                <a16:creationId xmlns:a16="http://schemas.microsoft.com/office/drawing/2014/main" id="{4569F676-845C-AA13-7C43-7846EC4ECD4E}"/>
+              </a:ext>
+            </a:extLst>
+          </p:cNvPr>
+          <p:cNvSpPr>
+            <a:spLocks noGrp="1"/>
+          </p:cNvSpPr>
+          <p:nvPr>
+            <p:ph type="title"/>
+          </p:nvPr>
+        </p:nvSpPr>
+        <p:spPr/>
+        <p:txBody>
+          <a:bodyPr/>
+          <a:lstStyle/>
+          <a:p>
+            <a:r>
+              <a:rPr lang="en-US" dirty="0"/>
+              <a:t>Let's look at the second one:</a:t>
+            </a:r>
+          </a:p>
+        </p:txBody>
+      </p:sp>
+      <p:sp>
+        <p:nvSpPr>
+          <p:cNvPr id="4" name="TextBox 3">
+            <a:extLst>
+              <a:ext uri="{FF2B5EF4-FFF2-40B4-BE49-F238E27FC236}">
+                <a16:creationId xmlns:a16="http://schemas.microsoft.com/office/drawing/2014/main" id="{7B25E64B-8920-C6C1-3A4B-4CF648D97F63}"/>
+              </a:ext>
+            </a:extLst>
+          </p:cNvPr>
+          <p:cNvSpPr txBox="1"/>
+          <p:nvPr/>
+        </p:nvSpPr>
+        <p:spPr>
+          <a:xfrm>
+            <a:off x="838200" y="1910231"/>
+            <a:ext cx="9875108" cy="1569660"/>
+          </a:xfrm>
+          <a:prstGeom prst="rect">
+            <a:avLst/>
+          </a:prstGeom>
+          <a:noFill/>
+          <a:ln w="25400" cap="flat">
+            <a:noFill/>
+            <a:miter lim="400000"/>
+          </a:ln>
+          <a:effectLst/>
+          <a:sp3d/>
+        </p:spPr>
+        <p:style>
+          <a:lnRef idx="0">
+            <a:scrgbClr r="0" g="0" b="0"/>
+          </a:lnRef>
+          <a:fillRef idx="0">
+            <a:scrgbClr r="0" g="0" b="0"/>
+          </a:fillRef>
+          <a:effectRef idx="0">
+            <a:scrgbClr r="0" g="0" b="0"/>
+          </a:effectRef>
+          <a:fontRef idx="none"/>
+        </p:style>
+        <p:txBody>
+          <a:bodyPr wrap="square">
+            <a:spAutoFit/>
+          </a:bodyPr>
+          <a:lstStyle/>
+          <a:p>
+            <a:r>
+              <a:rPr lang="en-US" sz="2400" dirty="0">
+                <a:latin typeface="Consolas" panose="020B0609020204030204" pitchFamily="49" charset="0"/>
+              </a:rPr>
+              <a:t>[Survived] </a:t>
+            </a:r>
+            <a:r>
+              <a:rPr lang="en-US" sz="2400" dirty="0" err="1">
+                <a:latin typeface="Consolas" panose="020B0609020204030204" pitchFamily="49" charset="0"/>
+              </a:rPr>
+              <a:t>ConditionalExpression</a:t>
+            </a:r>
+            <a:endParaRPr lang="en-US" sz="2400" dirty="0">
+              <a:latin typeface="Consolas" panose="020B0609020204030204" pitchFamily="49" charset="0"/>
+            </a:endParaRPr>
+          </a:p>
+          <a:p>
+            <a:r>
+              <a:rPr lang="en-US" sz="2400" dirty="0" err="1">
+                <a:latin typeface="Consolas" panose="020B0609020204030204" pitchFamily="49" charset="0"/>
+              </a:rPr>
+              <a:t>src</a:t>
+            </a:r>
+            <a:r>
+              <a:rPr lang="en-US" sz="2400" dirty="0">
+                <a:latin typeface="Consolas" panose="020B0609020204030204" pitchFamily="49" charset="0"/>
+              </a:rPr>
+              <a:t>/for-midterm/adrian.ts:4:32</a:t>
+            </a:r>
+          </a:p>
+          <a:p>
+            <a:r>
+              <a:rPr lang="en-US" sz="2400" dirty="0">
+                <a:solidFill>
+                  <a:srgbClr val="FF0000"/>
+                </a:solidFill>
+                <a:latin typeface="Consolas" panose="020B0609020204030204" pitchFamily="49" charset="0"/>
+              </a:rPr>
+              <a:t>-       return </a:t>
+            </a:r>
+            <a:r>
+              <a:rPr lang="en-US" sz="2400" dirty="0" err="1">
+                <a:solidFill>
+                  <a:srgbClr val="FF0000"/>
+                </a:solidFill>
+                <a:latin typeface="Consolas" panose="020B0609020204030204" pitchFamily="49" charset="0"/>
+              </a:rPr>
+              <a:t>list.find</a:t>
+            </a:r>
+            <a:r>
+              <a:rPr lang="en-US" sz="2400" dirty="0">
+                <a:solidFill>
+                  <a:srgbClr val="FF0000"/>
+                </a:solidFill>
+                <a:latin typeface="Consolas" panose="020B0609020204030204" pitchFamily="49" charset="0"/>
+              </a:rPr>
+              <a:t>((item) =&gt; item &gt;= target);</a:t>
+            </a:r>
+          </a:p>
+          <a:p>
+            <a:r>
+              <a:rPr lang="en-US" sz="2400" dirty="0">
+                <a:solidFill>
+                  <a:srgbClr val="00B050"/>
+                </a:solidFill>
+                <a:latin typeface="Consolas" panose="020B0609020204030204" pitchFamily="49" charset="0"/>
+              </a:rPr>
+              <a:t>+       return </a:t>
+            </a:r>
+            <a:r>
+              <a:rPr lang="en-US" sz="2400" dirty="0" err="1">
+                <a:solidFill>
+                  <a:srgbClr val="00B050"/>
+                </a:solidFill>
+                <a:latin typeface="Consolas" panose="020B0609020204030204" pitchFamily="49" charset="0"/>
+              </a:rPr>
+              <a:t>list.find</a:t>
+            </a:r>
+            <a:r>
+              <a:rPr lang="en-US" sz="2400" dirty="0">
+                <a:solidFill>
+                  <a:srgbClr val="00B050"/>
+                </a:solidFill>
+                <a:latin typeface="Consolas" panose="020B0609020204030204" pitchFamily="49" charset="0"/>
+              </a:rPr>
+              <a:t>((item) =&gt; true);</a:t>
+            </a:r>
+          </a:p>
+        </p:txBody>
+      </p:sp>
+      <p:sp>
+        <p:nvSpPr>
+          <p:cNvPr id="3" name="Content Placeholder 2">
+            <a:extLst>
+              <a:ext uri="{FF2B5EF4-FFF2-40B4-BE49-F238E27FC236}">
+                <a16:creationId xmlns:a16="http://schemas.microsoft.com/office/drawing/2014/main" id="{10F5F6BA-677D-F1D2-28E1-901151DEEB2E}"/>
+              </a:ext>
+            </a:extLst>
+          </p:cNvPr>
+          <p:cNvSpPr txBox="1">
+            <a:spLocks/>
+          </p:cNvSpPr>
+          <p:nvPr/>
+        </p:nvSpPr>
+        <p:spPr>
+          <a:xfrm>
+            <a:off x="838200" y="4000137"/>
+            <a:ext cx="8763000" cy="2698837"/>
+          </a:xfrm>
+          <a:prstGeom prst="rect">
+            <a:avLst/>
+          </a:prstGeom>
+        </p:spPr>
+        <p:txBody>
+          <a:bodyPr/>
+          <a:lstStyle>
+            <a:lvl1pPr marL="457200" marR="0" indent="-457200" algn="l" defTabSz="1828800" rtl="0" latinLnBrk="0">
+              <a:lnSpc>
+                <a:spcPct val="90000"/>
+              </a:lnSpc>
+              <a:spcBef>
+                <a:spcPts val="2000"/>
+              </a:spcBef>
+              <a:spcAft>
+                <a:spcPts val="0"/>
+              </a:spcAft>
+              <a:buClrTx/>
+              <a:buSzPct val="100000"/>
+              <a:buFont typeface="Arial"/>
+              <a:buChar char="•"/>
+              <a:tabLst/>
+              <a:defRPr sz="5600" b="0" i="0" u="none" strike="noStrike" cap="none" spc="0" baseline="0">
+                <a:solidFill>
+                  <a:srgbClr val="000000"/>
+                </a:solidFill>
+                <a:uFillTx/>
+                <a:latin typeface="+mj-lt"/>
+                <a:ea typeface="+mj-ea"/>
+                <a:cs typeface="+mj-cs"/>
+                <a:sym typeface="Calibri"/>
+              </a:defRPr>
+            </a:lvl1pPr>
+            <a:lvl2pPr marL="990600" marR="0" indent="-533400" algn="l" defTabSz="1828800" rtl="0" latinLnBrk="0">
+              <a:lnSpc>
+                <a:spcPct val="90000"/>
+              </a:lnSpc>
+              <a:spcBef>
+                <a:spcPts val="2000"/>
+              </a:spcBef>
+              <a:spcAft>
+                <a:spcPts val="0"/>
+              </a:spcAft>
+              <a:buClrTx/>
+              <a:buSzPct val="100000"/>
+              <a:buFont typeface="Arial"/>
+              <a:buChar char="•"/>
+              <a:tabLst/>
+              <a:defRPr sz="5600" b="0" i="0" u="none" strike="noStrike" cap="none" spc="0" baseline="0">
+                <a:solidFill>
+                  <a:srgbClr val="000000"/>
+                </a:solidFill>
+                <a:uFillTx/>
+                <a:latin typeface="+mj-lt"/>
+                <a:ea typeface="+mj-ea"/>
+                <a:cs typeface="+mj-cs"/>
+                <a:sym typeface="Calibri"/>
+              </a:defRPr>
+            </a:lvl2pPr>
+            <a:lvl3pPr marL="1554479" marR="0" indent="-640079" algn="l" defTabSz="1828800" rtl="0" latinLnBrk="0">
+              <a:lnSpc>
+                <a:spcPct val="90000"/>
+              </a:lnSpc>
+              <a:spcBef>
+                <a:spcPts val="2000"/>
+              </a:spcBef>
+              <a:spcAft>
+                <a:spcPts val="0"/>
+              </a:spcAft>
+              <a:buClrTx/>
+              <a:buSzPct val="100000"/>
+              <a:buFont typeface="Arial"/>
+              <a:buChar char="•"/>
+              <a:tabLst/>
+              <a:defRPr sz="5600" b="0" i="0" u="none" strike="noStrike" cap="none" spc="0" baseline="0">
+                <a:solidFill>
+                  <a:srgbClr val="000000"/>
+                </a:solidFill>
+                <a:uFillTx/>
+                <a:latin typeface="+mj-lt"/>
+                <a:ea typeface="+mj-ea"/>
+                <a:cs typeface="+mj-cs"/>
+                <a:sym typeface="Calibri"/>
+              </a:defRPr>
+            </a:lvl3pPr>
+            <a:lvl4pPr marL="2082800" marR="0" indent="-711200" algn="l" defTabSz="1828800" rtl="0" latinLnBrk="0">
+              <a:lnSpc>
+                <a:spcPct val="90000"/>
+              </a:lnSpc>
+              <a:spcBef>
+                <a:spcPts val="2000"/>
+              </a:spcBef>
+              <a:spcAft>
+                <a:spcPts val="0"/>
+              </a:spcAft>
+              <a:buClrTx/>
+              <a:buSzPct val="100000"/>
+              <a:buFont typeface="Arial"/>
+              <a:buChar char="•"/>
+              <a:tabLst/>
+              <a:defRPr sz="5600" b="0" i="0" u="none" strike="noStrike" cap="none" spc="0" baseline="0">
+                <a:solidFill>
+                  <a:srgbClr val="000000"/>
+                </a:solidFill>
+                <a:uFillTx/>
+                <a:latin typeface="+mj-lt"/>
+                <a:ea typeface="+mj-ea"/>
+                <a:cs typeface="+mj-cs"/>
+                <a:sym typeface="Calibri"/>
+              </a:defRPr>
+            </a:lvl4pPr>
+            <a:lvl5pPr marL="2540000" marR="0" indent="-711200" algn="l" defTabSz="1828800" rtl="0" latinLnBrk="0">
+              <a:lnSpc>
+                <a:spcPct val="90000"/>
+              </a:lnSpc>
+              <a:spcBef>
+                <a:spcPts val="2000"/>
+              </a:spcBef>
+              <a:spcAft>
+                <a:spcPts val="0"/>
+              </a:spcAft>
+              <a:buClrTx/>
+              <a:buSzPct val="100000"/>
+              <a:buFont typeface="Arial"/>
+              <a:buChar char="•"/>
+              <a:tabLst/>
+              <a:defRPr sz="5600" b="0" i="0" u="none" strike="noStrike" cap="none" spc="0" baseline="0">
+                <a:solidFill>
+                  <a:srgbClr val="000000"/>
+                </a:solidFill>
+                <a:uFillTx/>
+                <a:latin typeface="+mj-lt"/>
+                <a:ea typeface="+mj-ea"/>
+                <a:cs typeface="+mj-cs"/>
+                <a:sym typeface="Calibri"/>
+              </a:defRPr>
+            </a:lvl5pPr>
+            <a:lvl6pPr marL="2997200" marR="0" indent="-711200" algn="l" defTabSz="1828800" rtl="0" latinLnBrk="0">
+              <a:lnSpc>
+                <a:spcPct val="90000"/>
+              </a:lnSpc>
+              <a:spcBef>
+                <a:spcPts val="2000"/>
+              </a:spcBef>
+              <a:spcAft>
+                <a:spcPts val="0"/>
+              </a:spcAft>
+              <a:buClrTx/>
+              <a:buSzPct val="100000"/>
+              <a:buFont typeface="Arial"/>
+              <a:buChar char="•"/>
+              <a:tabLst/>
+              <a:defRPr sz="5600" b="0" i="0" u="none" strike="noStrike" cap="none" spc="0" baseline="0">
+                <a:solidFill>
+                  <a:srgbClr val="000000"/>
+                </a:solidFill>
+                <a:uFillTx/>
+                <a:latin typeface="+mj-lt"/>
+                <a:ea typeface="+mj-ea"/>
+                <a:cs typeface="+mj-cs"/>
+                <a:sym typeface="Calibri"/>
+              </a:defRPr>
+            </a:lvl6pPr>
+            <a:lvl7pPr marL="3454400" marR="0" indent="-711200" algn="l" defTabSz="1828800" rtl="0" latinLnBrk="0">
+              <a:lnSpc>
+                <a:spcPct val="90000"/>
+              </a:lnSpc>
+              <a:spcBef>
+                <a:spcPts val="2000"/>
+              </a:spcBef>
+              <a:spcAft>
+                <a:spcPts val="0"/>
+              </a:spcAft>
+              <a:buClrTx/>
+              <a:buSzPct val="100000"/>
+              <a:buFont typeface="Arial"/>
+              <a:buChar char="•"/>
+              <a:tabLst/>
+              <a:defRPr sz="5600" b="0" i="0" u="none" strike="noStrike" cap="none" spc="0" baseline="0">
+                <a:solidFill>
+                  <a:srgbClr val="000000"/>
+                </a:solidFill>
+                <a:uFillTx/>
+                <a:latin typeface="+mj-lt"/>
+                <a:ea typeface="+mj-ea"/>
+                <a:cs typeface="+mj-cs"/>
+                <a:sym typeface="Calibri"/>
+              </a:defRPr>
+            </a:lvl7pPr>
+            <a:lvl8pPr marL="3911600" marR="0" indent="-711200" algn="l" defTabSz="1828800" rtl="0" latinLnBrk="0">
+              <a:lnSpc>
+                <a:spcPct val="90000"/>
+              </a:lnSpc>
+              <a:spcBef>
+                <a:spcPts val="2000"/>
+              </a:spcBef>
+              <a:spcAft>
+                <a:spcPts val="0"/>
+              </a:spcAft>
+              <a:buClrTx/>
+              <a:buSzPct val="100000"/>
+              <a:buFont typeface="Arial"/>
+              <a:buChar char="•"/>
+              <a:tabLst/>
+              <a:defRPr sz="5600" b="0" i="0" u="none" strike="noStrike" cap="none" spc="0" baseline="0">
+                <a:solidFill>
+                  <a:srgbClr val="000000"/>
+                </a:solidFill>
+                <a:uFillTx/>
+                <a:latin typeface="+mj-lt"/>
+                <a:ea typeface="+mj-ea"/>
+                <a:cs typeface="+mj-cs"/>
+                <a:sym typeface="Calibri"/>
+              </a:defRPr>
+            </a:lvl8pPr>
+            <a:lvl9pPr marL="4368800" marR="0" indent="-711200" algn="l" defTabSz="1828800" rtl="0" latinLnBrk="0">
+              <a:lnSpc>
+                <a:spcPct val="90000"/>
+              </a:lnSpc>
+              <a:spcBef>
+                <a:spcPts val="2000"/>
+              </a:spcBef>
+              <a:spcAft>
+                <a:spcPts val="0"/>
+              </a:spcAft>
+              <a:buClrTx/>
+              <a:buSzPct val="100000"/>
+              <a:buFont typeface="Arial"/>
+              <a:buChar char="•"/>
+              <a:tabLst/>
+              <a:defRPr sz="5600" b="0" i="0" u="none" strike="noStrike" cap="none" spc="0" baseline="0">
+                <a:solidFill>
+                  <a:srgbClr val="000000"/>
+                </a:solidFill>
+                <a:uFillTx/>
+                <a:latin typeface="+mj-lt"/>
+                <a:ea typeface="+mj-ea"/>
+                <a:cs typeface="+mj-cs"/>
+                <a:sym typeface="Calibri"/>
+              </a:defRPr>
+            </a:lvl9pPr>
+          </a:lstStyle>
+          <a:p>
+            <a:pPr hangingPunct="1"/>
+            <a:r>
+              <a:rPr lang="en-US" sz="2800" dirty="0"/>
+              <a:t>How does this mutant behave differently from the original?</a:t>
+            </a:r>
+          </a:p>
+          <a:p>
+            <a:pPr hangingPunct="1"/>
+            <a:r>
+              <a:rPr lang="en-US" sz="2800" dirty="0"/>
+              <a:t>Answer: This mutant always returns the first element of the list</a:t>
+            </a:r>
+          </a:p>
+          <a:p>
+            <a:pPr hangingPunct="1"/>
+            <a:r>
+              <a:rPr lang="en-US" sz="2800" dirty="0"/>
+              <a:t>Remedy: Add a test that searches for something that is NOT the first element in the input?</a:t>
+            </a:r>
+          </a:p>
+        </p:txBody>
+      </p:sp>
+    </p:spTree>
+    <p:extLst>
+      <p:ext uri="{BB962C8B-B14F-4D97-AF65-F5344CB8AC3E}">
+        <p14:creationId xmlns:p14="http://schemas.microsoft.com/office/powerpoint/2010/main" val="1621888451"/>
+      </p:ext>
+    </p:extLst>
+  </p:cSld>
+  <p:clrMapOvr>
+    <a:masterClrMapping/>
+  </p:clrMapOvr>
+  <p:timing>
+    <p:tnLst>
+      <p:par>
+        <p:cTn id="1" dur="indefinite" restart="never" nodeType="tmRoot">
+          <p:childTnLst>
+            <p:seq concurrent="1" nextAc="seek">
+              <p:cTn id="2" dur="indefinite" nodeType="mainSeq">
+                <p:childTnLst>
+                  <p:par>
+                    <p:cTn id="3" fill="hold">
+                      <p:stCondLst>
+                        <p:cond delay="indefinite"/>
+                      </p:stCondLst>
+                      <p:childTnLst>
+                        <p:par>
+                          <p:cTn id="4" fill="hold">
+                            <p:stCondLst>
+                              <p:cond delay="0"/>
+                            </p:stCondLst>
+                            <p:childTnLst>
+                              <p:par>
+                                <p:cTn id="5" presetID="1" presetClass="entr" presetSubtype="0" fill="hold" grpId="0" nodeType="clickEffect">
+                                  <p:stCondLst>
+                                    <p:cond delay="0"/>
+                                  </p:stCondLst>
+                                  <p:childTnLst>
+                                    <p:set>
+                                      <p:cBhvr>
+                                        <p:cTn id="6" dur="1" fill="hold">
+                                          <p:stCondLst>
+                                            <p:cond delay="0"/>
+                                          </p:stCondLst>
+                                        </p:cTn>
+                                        <p:tgtEl>
+                                          <p:spTgt spid="3">
+                                            <p:txEl>
+                                              <p:pRg st="0" end="0"/>
+                                            </p:txEl>
+                                          </p:spTgt>
+                                        </p:tgtEl>
+                                        <p:attrNameLst>
+                                          <p:attrName>style.visibility</p:attrName>
+                                        </p:attrNameLst>
+                                      </p:cBhvr>
+                                      <p:to>
+                                        <p:strVal val="visible"/>
+                                      </p:to>
+                                    </p:set>
+                                  </p:childTnLst>
+                                </p:cTn>
+                              </p:par>
+                            </p:childTnLst>
+                          </p:cTn>
+                        </p:par>
+                      </p:childTnLst>
+                    </p:cTn>
+                  </p:par>
+                  <p:par>
+                    <p:cTn id="7" fill="hold">
+                      <p:stCondLst>
+                        <p:cond delay="indefinite"/>
+                      </p:stCondLst>
+                      <p:childTnLst>
+                        <p:par>
+                          <p:cTn id="8" fill="hold">
+                            <p:stCondLst>
+                              <p:cond delay="0"/>
+                            </p:stCondLst>
+                            <p:childTnLst>
+                              <p:par>
+                                <p:cTn id="9" presetID="1" presetClass="entr" presetSubtype="0" fill="hold" grpId="0" nodeType="clickEffect">
+                                  <p:stCondLst>
+                                    <p:cond delay="0"/>
+                                  </p:stCondLst>
+                                  <p:childTnLst>
+                                    <p:set>
+                                      <p:cBhvr>
+                                        <p:cTn id="10" dur="1" fill="hold">
+                                          <p:stCondLst>
+                                            <p:cond delay="0"/>
+                                          </p:stCondLst>
+                                        </p:cTn>
+                                        <p:tgtEl>
+                                          <p:spTgt spid="3">
+                                            <p:txEl>
+                                              <p:pRg st="1" end="1"/>
+                                            </p:txEl>
+                                          </p:spTgt>
+                                        </p:tgtEl>
+                                        <p:attrNameLst>
+                                          <p:attrName>style.visibility</p:attrName>
+                                        </p:attrNameLst>
+                                      </p:cBhvr>
+                                      <p:to>
+                                        <p:strVal val="visible"/>
+                                      </p:to>
+                                    </p:set>
+                                  </p:childTnLst>
+                                </p:cTn>
+                              </p:par>
+                            </p:childTnLst>
+                          </p:cTn>
+                        </p:par>
+                      </p:childTnLst>
+                    </p:cTn>
+                  </p:par>
+                  <p:par>
+                    <p:cTn id="11" fill="hold">
+                      <p:stCondLst>
+                        <p:cond delay="indefinite"/>
+                      </p:stCondLst>
+                      <p:childTnLst>
+                        <p:par>
+                          <p:cTn id="12" fill="hold">
+                            <p:stCondLst>
+                              <p:cond delay="0"/>
+                            </p:stCondLst>
+                            <p:childTnLst>
+                              <p:par>
+                                <p:cTn id="13" presetID="1" presetClass="entr" presetSubtype="0" fill="hold" grpId="0" nodeType="clickEffect">
+                                  <p:stCondLst>
+                                    <p:cond delay="0"/>
+                                  </p:stCondLst>
+                                  <p:childTnLst>
+                                    <p:set>
+                                      <p:cBhvr>
+                                        <p:cTn id="14" dur="1" fill="hold">
+                                          <p:stCondLst>
+                                            <p:cond delay="0"/>
+                                          </p:stCondLst>
+                                        </p:cTn>
+                                        <p:tgtEl>
+                                          <p:spTgt spid="3">
+                                            <p:txEl>
+                                              <p:pRg st="2" end="2"/>
+                                            </p:txEl>
+                                          </p:spTgt>
+                                        </p:tgtEl>
+                                        <p:attrNameLst>
+                                          <p:attrName>style.visibility</p:attrName>
+                                        </p:attrNameLst>
+                                      </p:cBhvr>
+                                      <p:to>
+                                        <p:strVal val="visible"/>
+                                      </p:to>
+                                    </p:set>
+                                  </p:childTnLst>
+                                </p:cTn>
+                              </p:par>
+                            </p:childTnLst>
+                          </p:cTn>
+                        </p:par>
+                      </p:childTnLst>
+                    </p:cTn>
+                  </p:par>
+                </p:childTnLst>
+              </p:cTn>
+              <p:prevCondLst>
+                <p:cond evt="onPrev" delay="0">
+                  <p:tgtEl>
+                    <p:sldTgt/>
+                  </p:tgtEl>
+                </p:cond>
+              </p:prevCondLst>
+              <p:nextCondLst>
+                <p:cond evt="onNext" delay="0">
+                  <p:tgtEl>
+                    <p:sldTgt/>
+                  </p:tgtEl>
+                </p:cond>
+              </p:nextCondLst>
+            </p:seq>
+          </p:childTnLst>
+        </p:cTn>
+      </p:par>
+    </p:tnLst>
+    <p:bldLst>
+      <p:bldP spid="3" grpId="0" build="p"/>
+    </p:bldLst>
+  </p:timing>
+</p:sld>
+</file>
+
+<file path=ppt/slides/slide23.xml><?xml version="1.0" encoding="utf-8"?>
+<p:sld xmlns:a="http://schemas.openxmlformats.org/drawingml/2006/main" xmlns:r="http://schemas.openxmlformats.org/officeDocument/2006/relationships" xmlns:p="http://schemas.openxmlformats.org/presentationml/2006/main">
+  <p:cSld>
+    <p:spTree>
+      <p:nvGrpSpPr>
+        <p:cNvPr id="1" name=""/>
+        <p:cNvGrpSpPr/>
+        <p:nvPr/>
+      </p:nvGrpSpPr>
+      <p:grpSpPr>
+        <a:xfrm>
+          <a:off x="0" y="0"/>
+          <a:ext cx="0" cy="0"/>
+          <a:chOff x="0" y="0"/>
+          <a:chExt cx="0" cy="0"/>
+        </a:xfrm>
+      </p:grpSpPr>
+      <p:sp>
+        <p:nvSpPr>
+          <p:cNvPr id="2" name="Title 1">
+            <a:extLst>
+              <a:ext uri="{FF2B5EF4-FFF2-40B4-BE49-F238E27FC236}">
+                <a16:creationId xmlns:a16="http://schemas.microsoft.com/office/drawing/2014/main" id="{0DF70FB3-1057-7A33-FC43-A7D9987E1C3E}"/>
+              </a:ext>
+            </a:extLst>
+          </p:cNvPr>
+          <p:cNvSpPr>
+            <a:spLocks noGrp="1"/>
+          </p:cNvSpPr>
+          <p:nvPr>
+            <p:ph type="title"/>
+          </p:nvPr>
+        </p:nvSpPr>
+        <p:spPr/>
+        <p:txBody>
+          <a:bodyPr/>
+          <a:lstStyle/>
+          <a:p>
+            <a:r>
+              <a:rPr lang="en-US" dirty="0"/>
+              <a:t>Here's one test that will cause the mutant to be killed.</a:t>
+            </a:r>
+          </a:p>
+        </p:txBody>
+      </p:sp>
+      <p:sp>
+        <p:nvSpPr>
+          <p:cNvPr id="4" name="TextBox 3">
+            <a:extLst>
+              <a:ext uri="{FF2B5EF4-FFF2-40B4-BE49-F238E27FC236}">
+                <a16:creationId xmlns:a16="http://schemas.microsoft.com/office/drawing/2014/main" id="{343A3FC9-7A98-DA25-7371-25A3B5798B97}"/>
+              </a:ext>
+            </a:extLst>
+          </p:cNvPr>
+          <p:cNvSpPr txBox="1"/>
+          <p:nvPr/>
+        </p:nvSpPr>
+        <p:spPr>
+          <a:xfrm>
+            <a:off x="838200" y="2068949"/>
+            <a:ext cx="9732793" cy="1446550"/>
+          </a:xfrm>
+          <a:prstGeom prst="rect">
+            <a:avLst/>
+          </a:prstGeom>
+          <a:noFill/>
+          <a:ln w="25400" cap="flat">
+            <a:noFill/>
+            <a:miter lim="400000"/>
+          </a:ln>
+          <a:effectLst/>
+          <a:sp3d/>
+        </p:spPr>
+        <p:style>
+          <a:lnRef idx="0">
+            <a:scrgbClr r="0" g="0" b="0"/>
+          </a:lnRef>
+          <a:fillRef idx="0">
+            <a:scrgbClr r="0" g="0" b="0"/>
+          </a:fillRef>
+          <a:effectRef idx="0">
+            <a:scrgbClr r="0" g="0" b="0"/>
+          </a:effectRef>
+          <a:fontRef idx="none"/>
+        </p:style>
+        <p:txBody>
+          <a:bodyPr rot="0" spcFirstLastPara="1" vertOverflow="overflow" horzOverflow="overflow" vert="horz" wrap="none" lIns="45720" tIns="45720" rIns="45720" bIns="45720" numCol="1" spcCol="38100" rtlCol="0" anchor="t">
+            <a:spAutoFit/>
+          </a:bodyPr>
+          <a:lstStyle/>
+          <a:p>
+            <a:r>
+              <a:rPr lang="en-US" sz="2200" dirty="0">
+                <a:solidFill>
+                  <a:srgbClr val="3B3B3B"/>
+                </a:solidFill>
+                <a:latin typeface="Consolas" panose="020B0609020204030204" pitchFamily="49" charset="0"/>
+              </a:rPr>
+              <a:t>  </a:t>
+            </a:r>
+            <a:r>
+              <a:rPr lang="en-US" sz="2200" dirty="0">
+                <a:solidFill>
+                  <a:srgbClr val="795E26"/>
+                </a:solidFill>
+                <a:latin typeface="Consolas" panose="020B0609020204030204" pitchFamily="49" charset="0"/>
+              </a:rPr>
+              <a:t>test</a:t>
+            </a:r>
+            <a:r>
+              <a:rPr lang="en-US" sz="2200" dirty="0">
+                <a:solidFill>
+                  <a:srgbClr val="3B3B3B"/>
+                </a:solidFill>
+                <a:latin typeface="Consolas" panose="020B0609020204030204" pitchFamily="49" charset="0"/>
+              </a:rPr>
+              <a:t>(</a:t>
+            </a:r>
+            <a:r>
+              <a:rPr lang="en-US" sz="2200" dirty="0">
+                <a:solidFill>
+                  <a:srgbClr val="A31515"/>
+                </a:solidFill>
+                <a:latin typeface="Consolas" panose="020B0609020204030204" pitchFamily="49" charset="0"/>
+              </a:rPr>
+              <a:t>"should return the second element of the list"</a:t>
+            </a:r>
+            <a:r>
+              <a:rPr lang="en-US" sz="2200" dirty="0">
+                <a:solidFill>
+                  <a:srgbClr val="3B3B3B"/>
+                </a:solidFill>
+                <a:latin typeface="Consolas" panose="020B0609020204030204" pitchFamily="49" charset="0"/>
+              </a:rPr>
+              <a:t>, () </a:t>
+            </a:r>
+            <a:r>
+              <a:rPr lang="en-US" sz="2200" dirty="0">
+                <a:solidFill>
+                  <a:srgbClr val="0000FF"/>
+                </a:solidFill>
+                <a:latin typeface="Consolas" panose="020B0609020204030204" pitchFamily="49" charset="0"/>
+              </a:rPr>
+              <a:t>=&gt;</a:t>
+            </a:r>
+            <a:r>
+              <a:rPr lang="en-US" sz="2200" dirty="0">
+                <a:solidFill>
+                  <a:srgbClr val="3B3B3B"/>
+                </a:solidFill>
+                <a:latin typeface="Consolas" panose="020B0609020204030204" pitchFamily="49" charset="0"/>
+              </a:rPr>
+              <a:t> {</a:t>
+            </a:r>
+          </a:p>
+          <a:p>
+            <a:r>
+              <a:rPr lang="en-US" sz="2200" dirty="0">
+                <a:solidFill>
+                  <a:srgbClr val="3B3B3B"/>
+                </a:solidFill>
+                <a:latin typeface="Consolas" panose="020B0609020204030204" pitchFamily="49" charset="0"/>
+              </a:rPr>
+              <a:t>    </a:t>
+            </a:r>
+            <a:r>
+              <a:rPr lang="en-US" sz="2200" dirty="0">
+                <a:solidFill>
+                  <a:srgbClr val="795E26"/>
+                </a:solidFill>
+                <a:latin typeface="Consolas" panose="020B0609020204030204" pitchFamily="49" charset="0"/>
+              </a:rPr>
+              <a:t>expect</a:t>
+            </a:r>
+            <a:r>
+              <a:rPr lang="en-US" sz="2200" dirty="0">
+                <a:solidFill>
+                  <a:srgbClr val="3B3B3B"/>
+                </a:solidFill>
+                <a:latin typeface="Consolas" panose="020B0609020204030204" pitchFamily="49" charset="0"/>
+              </a:rPr>
+              <a:t>(</a:t>
+            </a:r>
+            <a:r>
+              <a:rPr lang="en-US" sz="2200" dirty="0">
+                <a:solidFill>
+                  <a:srgbClr val="795E26"/>
+                </a:solidFill>
+                <a:latin typeface="Consolas" panose="020B0609020204030204" pitchFamily="49" charset="0"/>
+              </a:rPr>
+              <a:t>search</a:t>
+            </a:r>
+            <a:r>
+              <a:rPr lang="en-US" sz="2200" dirty="0">
+                <a:solidFill>
+                  <a:srgbClr val="3B3B3B"/>
+                </a:solidFill>
+                <a:latin typeface="Consolas" panose="020B0609020204030204" pitchFamily="49" charset="0"/>
+              </a:rPr>
+              <a:t>([</a:t>
+            </a:r>
+            <a:r>
+              <a:rPr lang="en-US" sz="2200" dirty="0">
+                <a:solidFill>
+                  <a:srgbClr val="098658"/>
+                </a:solidFill>
+                <a:latin typeface="Consolas" panose="020B0609020204030204" pitchFamily="49" charset="0"/>
+              </a:rPr>
+              <a:t>5</a:t>
+            </a:r>
+            <a:r>
+              <a:rPr lang="en-US" sz="2200" dirty="0">
+                <a:solidFill>
+                  <a:srgbClr val="3B3B3B"/>
+                </a:solidFill>
+                <a:latin typeface="Consolas" panose="020B0609020204030204" pitchFamily="49" charset="0"/>
+              </a:rPr>
+              <a:t>, </a:t>
+            </a:r>
+            <a:r>
+              <a:rPr lang="en-US" sz="2200" dirty="0">
+                <a:solidFill>
+                  <a:srgbClr val="098658"/>
+                </a:solidFill>
+                <a:latin typeface="Consolas" panose="020B0609020204030204" pitchFamily="49" charset="0"/>
+              </a:rPr>
+              <a:t>7</a:t>
+            </a:r>
+            <a:r>
+              <a:rPr lang="en-US" sz="2200" dirty="0">
+                <a:solidFill>
+                  <a:srgbClr val="3B3B3B"/>
+                </a:solidFill>
+                <a:latin typeface="Consolas" panose="020B0609020204030204" pitchFamily="49" charset="0"/>
+              </a:rPr>
+              <a:t>, </a:t>
+            </a:r>
+            <a:r>
+              <a:rPr lang="en-US" sz="2200" dirty="0">
+                <a:solidFill>
+                  <a:srgbClr val="098658"/>
+                </a:solidFill>
+                <a:latin typeface="Consolas" panose="020B0609020204030204" pitchFamily="49" charset="0"/>
+              </a:rPr>
+              <a:t>9</a:t>
+            </a:r>
+            <a:r>
+              <a:rPr lang="en-US" sz="2200" dirty="0">
+                <a:solidFill>
+                  <a:srgbClr val="3B3B3B"/>
+                </a:solidFill>
+                <a:latin typeface="Consolas" panose="020B0609020204030204" pitchFamily="49" charset="0"/>
+              </a:rPr>
+              <a:t>], </a:t>
+            </a:r>
+            <a:r>
+              <a:rPr lang="en-US" sz="2200" dirty="0">
+                <a:solidFill>
+                  <a:srgbClr val="098658"/>
+                </a:solidFill>
+                <a:latin typeface="Consolas" panose="020B0609020204030204" pitchFamily="49" charset="0"/>
+              </a:rPr>
+              <a:t>6</a:t>
+            </a:r>
+            <a:r>
+              <a:rPr lang="en-US" sz="2200" dirty="0">
+                <a:solidFill>
+                  <a:srgbClr val="3B3B3B"/>
+                </a:solidFill>
+                <a:latin typeface="Consolas" panose="020B0609020204030204" pitchFamily="49" charset="0"/>
+              </a:rPr>
+              <a:t>)).</a:t>
+            </a:r>
+            <a:r>
+              <a:rPr lang="en-US" sz="2200" dirty="0" err="1">
+                <a:solidFill>
+                  <a:srgbClr val="795E26"/>
+                </a:solidFill>
+                <a:latin typeface="Consolas" panose="020B0609020204030204" pitchFamily="49" charset="0"/>
+              </a:rPr>
+              <a:t>toBe</a:t>
+            </a:r>
+            <a:r>
+              <a:rPr lang="en-US" sz="2200" dirty="0">
+                <a:solidFill>
+                  <a:srgbClr val="3B3B3B"/>
+                </a:solidFill>
+                <a:latin typeface="Consolas" panose="020B0609020204030204" pitchFamily="49" charset="0"/>
+              </a:rPr>
+              <a:t>(</a:t>
+            </a:r>
+            <a:r>
+              <a:rPr lang="en-US" sz="2200" dirty="0">
+                <a:solidFill>
+                  <a:srgbClr val="098658"/>
+                </a:solidFill>
+                <a:latin typeface="Consolas" panose="020B0609020204030204" pitchFamily="49" charset="0"/>
+              </a:rPr>
+              <a:t>7</a:t>
+            </a:r>
+            <a:r>
+              <a:rPr lang="en-US" sz="2200" dirty="0">
+                <a:solidFill>
+                  <a:srgbClr val="3B3B3B"/>
+                </a:solidFill>
+                <a:latin typeface="Consolas" panose="020B0609020204030204" pitchFamily="49" charset="0"/>
+              </a:rPr>
+              <a:t>);</a:t>
+            </a:r>
+          </a:p>
+          <a:p>
+            <a:r>
+              <a:rPr lang="en-US" sz="2200" dirty="0">
+                <a:solidFill>
+                  <a:srgbClr val="3B3B3B"/>
+                </a:solidFill>
+                <a:latin typeface="Consolas" panose="020B0609020204030204" pitchFamily="49" charset="0"/>
+              </a:rPr>
+              <a:t>  });</a:t>
+            </a:r>
+          </a:p>
+          <a:p>
+            <a:pPr hangingPunct="0"/>
+            <a:endParaRPr lang="en-US" sz="2200" dirty="0">
+              <a:solidFill>
+                <a:srgbClr val="000000"/>
+              </a:solidFill>
+              <a:latin typeface="+mj-lt"/>
+              <a:ea typeface="+mj-ea"/>
+              <a:cs typeface="+mj-cs"/>
+              <a:sym typeface="Calibri"/>
+            </a:endParaRPr>
+          </a:p>
+        </p:txBody>
+      </p:sp>
+    </p:spTree>
+    <p:extLst>
+      <p:ext uri="{BB962C8B-B14F-4D97-AF65-F5344CB8AC3E}">
+        <p14:creationId xmlns:p14="http://schemas.microsoft.com/office/powerpoint/2010/main" val="2622753143"/>
+      </p:ext>
+    </p:extLst>
+  </p:cSld>
+  <p:clrMapOvr>
+    <a:masterClrMapping/>
+  </p:clrMapOvr>
+</p:sld>
+</file>
+
+<file path=ppt/slides/slide24.xml><?xml version="1.0" encoding="utf-8"?>
+<p:sld xmlns:a="http://schemas.openxmlformats.org/drawingml/2006/main" xmlns:r="http://schemas.openxmlformats.org/officeDocument/2006/relationships" xmlns:p="http://schemas.openxmlformats.org/presentationml/2006/main">
+  <p:cSld>
+    <p:spTree>
+      <p:nvGrpSpPr>
+        <p:cNvPr id="1" name=""/>
+        <p:cNvGrpSpPr/>
+        <p:nvPr/>
+      </p:nvGrpSpPr>
+      <p:grpSpPr>
+        <a:xfrm>
+          <a:off x="0" y="0"/>
+          <a:ext cx="0" cy="0"/>
+          <a:chOff x="0" y="0"/>
+          <a:chExt cx="0" cy="0"/>
+        </a:xfrm>
+      </p:grpSpPr>
+      <p:sp>
+        <p:nvSpPr>
+          <p:cNvPr id="2" name="Title 1">
+            <a:extLst>
+              <a:ext uri="{FF2B5EF4-FFF2-40B4-BE49-F238E27FC236}">
+                <a16:creationId xmlns:a16="http://schemas.microsoft.com/office/drawing/2014/main" id="{3CF94FC2-1419-5C03-C709-353179FF5D69}"/>
+              </a:ext>
+            </a:extLst>
+          </p:cNvPr>
+          <p:cNvSpPr>
+            <a:spLocks noGrp="1"/>
+          </p:cNvSpPr>
+          <p:nvPr>
+            <p:ph type="title"/>
+          </p:nvPr>
+        </p:nvSpPr>
+        <p:spPr/>
+        <p:txBody>
+          <a:bodyPr/>
+          <a:lstStyle/>
+          <a:p>
+            <a:r>
+              <a:rPr lang="en-US" dirty="0"/>
+              <a:t>What about the other mutant?</a:t>
+            </a:r>
+          </a:p>
+        </p:txBody>
+      </p:sp>
+      <p:sp>
+        <p:nvSpPr>
+          <p:cNvPr id="4" name="TextBox 3">
+            <a:extLst>
+              <a:ext uri="{FF2B5EF4-FFF2-40B4-BE49-F238E27FC236}">
+                <a16:creationId xmlns:a16="http://schemas.microsoft.com/office/drawing/2014/main" id="{86B43FE4-09FA-20CC-45EA-0BDA89972D8E}"/>
+              </a:ext>
+            </a:extLst>
+          </p:cNvPr>
+          <p:cNvSpPr txBox="1"/>
+          <p:nvPr/>
+        </p:nvSpPr>
+        <p:spPr>
+          <a:xfrm>
+            <a:off x="838200" y="1845872"/>
+            <a:ext cx="8219303" cy="1446550"/>
+          </a:xfrm>
+          <a:prstGeom prst="rect">
+            <a:avLst/>
+          </a:prstGeom>
+          <a:noFill/>
+          <a:ln w="25400" cap="flat">
+            <a:noFill/>
+            <a:miter lim="400000"/>
+          </a:ln>
+          <a:effectLst/>
+          <a:sp3d/>
+        </p:spPr>
+        <p:style>
+          <a:lnRef idx="0">
+            <a:scrgbClr r="0" g="0" b="0"/>
+          </a:lnRef>
+          <a:fillRef idx="0">
+            <a:scrgbClr r="0" g="0" b="0"/>
+          </a:fillRef>
+          <a:effectRef idx="0">
+            <a:scrgbClr r="0" g="0" b="0"/>
+          </a:effectRef>
+          <a:fontRef idx="none"/>
+        </p:style>
+        <p:txBody>
+          <a:bodyPr wrap="square">
+            <a:spAutoFit/>
+          </a:bodyPr>
+          <a:lstStyle/>
+          <a:p>
+            <a:r>
+              <a:rPr lang="en-US" sz="2200" dirty="0">
+                <a:latin typeface="Consolas" panose="020B0609020204030204" pitchFamily="49" charset="0"/>
+              </a:rPr>
+              <a:t>[Survived] </a:t>
+            </a:r>
+            <a:r>
+              <a:rPr lang="en-US" sz="2200" dirty="0" err="1">
+                <a:latin typeface="Consolas" panose="020B0609020204030204" pitchFamily="49" charset="0"/>
+              </a:rPr>
+              <a:t>EqualityOperator</a:t>
+            </a:r>
+            <a:endParaRPr lang="en-US" sz="2200" dirty="0">
+              <a:latin typeface="Consolas" panose="020B0609020204030204" pitchFamily="49" charset="0"/>
+            </a:endParaRPr>
+          </a:p>
+          <a:p>
+            <a:r>
+              <a:rPr lang="en-US" sz="2200" dirty="0" err="1">
+                <a:latin typeface="Consolas" panose="020B0609020204030204" pitchFamily="49" charset="0"/>
+              </a:rPr>
+              <a:t>src</a:t>
+            </a:r>
+            <a:r>
+              <a:rPr lang="en-US" sz="2200" dirty="0">
+                <a:latin typeface="Consolas" panose="020B0609020204030204" pitchFamily="49" charset="0"/>
+              </a:rPr>
+              <a:t>/for-midterm/adrian.ts:4:32</a:t>
+            </a:r>
+          </a:p>
+          <a:p>
+            <a:r>
+              <a:rPr lang="en-US" sz="2200" dirty="0">
+                <a:solidFill>
+                  <a:srgbClr val="FF0000"/>
+                </a:solidFill>
+                <a:latin typeface="Consolas" panose="020B0609020204030204" pitchFamily="49" charset="0"/>
+              </a:rPr>
+              <a:t>-       return </a:t>
+            </a:r>
+            <a:r>
+              <a:rPr lang="en-US" sz="2200" dirty="0" err="1">
+                <a:solidFill>
+                  <a:srgbClr val="FF0000"/>
+                </a:solidFill>
+                <a:latin typeface="Consolas" panose="020B0609020204030204" pitchFamily="49" charset="0"/>
+              </a:rPr>
+              <a:t>list.find</a:t>
+            </a:r>
+            <a:r>
+              <a:rPr lang="en-US" sz="2200" dirty="0">
+                <a:solidFill>
+                  <a:srgbClr val="FF0000"/>
+                </a:solidFill>
+                <a:latin typeface="Consolas" panose="020B0609020204030204" pitchFamily="49" charset="0"/>
+              </a:rPr>
+              <a:t>((item) =&gt; item &gt;= target);</a:t>
+            </a:r>
+          </a:p>
+          <a:p>
+            <a:r>
+              <a:rPr lang="en-US" sz="2200" dirty="0">
+                <a:solidFill>
+                  <a:srgbClr val="00B050"/>
+                </a:solidFill>
+                <a:latin typeface="Consolas" panose="020B0609020204030204" pitchFamily="49" charset="0"/>
+              </a:rPr>
+              <a:t>+       return </a:t>
+            </a:r>
+            <a:r>
+              <a:rPr lang="en-US" sz="2200" dirty="0" err="1">
+                <a:solidFill>
+                  <a:srgbClr val="00B050"/>
+                </a:solidFill>
+                <a:latin typeface="Consolas" panose="020B0609020204030204" pitchFamily="49" charset="0"/>
+              </a:rPr>
+              <a:t>list.find</a:t>
+            </a:r>
+            <a:r>
+              <a:rPr lang="en-US" sz="2200" dirty="0">
+                <a:solidFill>
+                  <a:srgbClr val="00B050"/>
+                </a:solidFill>
+                <a:latin typeface="Consolas" panose="020B0609020204030204" pitchFamily="49" charset="0"/>
+              </a:rPr>
+              <a:t>((item) =&gt; item &gt; target);</a:t>
+            </a:r>
+            <a:endParaRPr lang="en-US" sz="2200" dirty="0"/>
+          </a:p>
+        </p:txBody>
+      </p:sp>
+      <p:sp>
+        <p:nvSpPr>
+          <p:cNvPr id="6" name="Content Placeholder 2">
+            <a:extLst>
+              <a:ext uri="{FF2B5EF4-FFF2-40B4-BE49-F238E27FC236}">
+                <a16:creationId xmlns:a16="http://schemas.microsoft.com/office/drawing/2014/main" id="{600D241B-FCC6-B31F-ADC1-C80A01381F43}"/>
+              </a:ext>
+            </a:extLst>
+          </p:cNvPr>
+          <p:cNvSpPr txBox="1">
+            <a:spLocks/>
+          </p:cNvSpPr>
+          <p:nvPr/>
+        </p:nvSpPr>
+        <p:spPr>
+          <a:xfrm>
+            <a:off x="838200" y="4000137"/>
+            <a:ext cx="8763000" cy="2748533"/>
+          </a:xfrm>
+          <a:prstGeom prst="rect">
+            <a:avLst/>
+          </a:prstGeom>
+        </p:spPr>
+        <p:txBody>
+          <a:bodyPr/>
+          <a:lstStyle>
+            <a:lvl1pPr marL="457200" marR="0" indent="-457200" algn="l" defTabSz="1828800" rtl="0" latinLnBrk="0">
+              <a:lnSpc>
+                <a:spcPct val="90000"/>
+              </a:lnSpc>
+              <a:spcBef>
+                <a:spcPts val="2000"/>
+              </a:spcBef>
+              <a:spcAft>
+                <a:spcPts val="0"/>
+              </a:spcAft>
+              <a:buClrTx/>
+              <a:buSzPct val="100000"/>
+              <a:buFont typeface="Arial"/>
+              <a:buChar char="•"/>
+              <a:tabLst/>
+              <a:defRPr sz="5600" b="0" i="0" u="none" strike="noStrike" cap="none" spc="0" baseline="0">
+                <a:solidFill>
+                  <a:srgbClr val="000000"/>
+                </a:solidFill>
+                <a:uFillTx/>
+                <a:latin typeface="+mj-lt"/>
+                <a:ea typeface="+mj-ea"/>
+                <a:cs typeface="+mj-cs"/>
+                <a:sym typeface="Calibri"/>
+              </a:defRPr>
+            </a:lvl1pPr>
+            <a:lvl2pPr marL="990600" marR="0" indent="-533400" algn="l" defTabSz="1828800" rtl="0" latinLnBrk="0">
+              <a:lnSpc>
+                <a:spcPct val="90000"/>
+              </a:lnSpc>
+              <a:spcBef>
+                <a:spcPts val="2000"/>
+              </a:spcBef>
+              <a:spcAft>
+                <a:spcPts val="0"/>
+              </a:spcAft>
+              <a:buClrTx/>
+              <a:buSzPct val="100000"/>
+              <a:buFont typeface="Arial"/>
+              <a:buChar char="•"/>
+              <a:tabLst/>
+              <a:defRPr sz="5600" b="0" i="0" u="none" strike="noStrike" cap="none" spc="0" baseline="0">
+                <a:solidFill>
+                  <a:srgbClr val="000000"/>
+                </a:solidFill>
+                <a:uFillTx/>
+                <a:latin typeface="+mj-lt"/>
+                <a:ea typeface="+mj-ea"/>
+                <a:cs typeface="+mj-cs"/>
+                <a:sym typeface="Calibri"/>
+              </a:defRPr>
+            </a:lvl2pPr>
+            <a:lvl3pPr marL="1554479" marR="0" indent="-640079" algn="l" defTabSz="1828800" rtl="0" latinLnBrk="0">
+              <a:lnSpc>
+                <a:spcPct val="90000"/>
+              </a:lnSpc>
+              <a:spcBef>
+                <a:spcPts val="2000"/>
+              </a:spcBef>
+              <a:spcAft>
+                <a:spcPts val="0"/>
+              </a:spcAft>
+              <a:buClrTx/>
+              <a:buSzPct val="100000"/>
+              <a:buFont typeface="Arial"/>
+              <a:buChar char="•"/>
+              <a:tabLst/>
+              <a:defRPr sz="5600" b="0" i="0" u="none" strike="noStrike" cap="none" spc="0" baseline="0">
+                <a:solidFill>
+                  <a:srgbClr val="000000"/>
+                </a:solidFill>
+                <a:uFillTx/>
+                <a:latin typeface="+mj-lt"/>
+                <a:ea typeface="+mj-ea"/>
+                <a:cs typeface="+mj-cs"/>
+                <a:sym typeface="Calibri"/>
+              </a:defRPr>
+            </a:lvl3pPr>
+            <a:lvl4pPr marL="2082800" marR="0" indent="-711200" algn="l" defTabSz="1828800" rtl="0" latinLnBrk="0">
+              <a:lnSpc>
+                <a:spcPct val="90000"/>
+              </a:lnSpc>
+              <a:spcBef>
+                <a:spcPts val="2000"/>
+              </a:spcBef>
+              <a:spcAft>
+                <a:spcPts val="0"/>
+              </a:spcAft>
+              <a:buClrTx/>
+              <a:buSzPct val="100000"/>
+              <a:buFont typeface="Arial"/>
+              <a:buChar char="•"/>
+              <a:tabLst/>
+              <a:defRPr sz="5600" b="0" i="0" u="none" strike="noStrike" cap="none" spc="0" baseline="0">
+                <a:solidFill>
+                  <a:srgbClr val="000000"/>
+                </a:solidFill>
+                <a:uFillTx/>
+                <a:latin typeface="+mj-lt"/>
+                <a:ea typeface="+mj-ea"/>
+                <a:cs typeface="+mj-cs"/>
+                <a:sym typeface="Calibri"/>
+              </a:defRPr>
+            </a:lvl4pPr>
+            <a:lvl5pPr marL="2540000" marR="0" indent="-711200" algn="l" defTabSz="1828800" rtl="0" latinLnBrk="0">
+              <a:lnSpc>
+                <a:spcPct val="90000"/>
+              </a:lnSpc>
+              <a:spcBef>
+                <a:spcPts val="2000"/>
+              </a:spcBef>
+              <a:spcAft>
+                <a:spcPts val="0"/>
+              </a:spcAft>
+              <a:buClrTx/>
+              <a:buSzPct val="100000"/>
+              <a:buFont typeface="Arial"/>
+              <a:buChar char="•"/>
+              <a:tabLst/>
+              <a:defRPr sz="5600" b="0" i="0" u="none" strike="noStrike" cap="none" spc="0" baseline="0">
+                <a:solidFill>
+                  <a:srgbClr val="000000"/>
+                </a:solidFill>
+                <a:uFillTx/>
+                <a:latin typeface="+mj-lt"/>
+                <a:ea typeface="+mj-ea"/>
+                <a:cs typeface="+mj-cs"/>
+                <a:sym typeface="Calibri"/>
+              </a:defRPr>
+            </a:lvl5pPr>
+            <a:lvl6pPr marL="2997200" marR="0" indent="-711200" algn="l" defTabSz="1828800" rtl="0" latinLnBrk="0">
+              <a:lnSpc>
+                <a:spcPct val="90000"/>
+              </a:lnSpc>
+              <a:spcBef>
+                <a:spcPts val="2000"/>
+              </a:spcBef>
+              <a:spcAft>
+                <a:spcPts val="0"/>
+              </a:spcAft>
+              <a:buClrTx/>
+              <a:buSzPct val="100000"/>
+              <a:buFont typeface="Arial"/>
+              <a:buChar char="•"/>
+              <a:tabLst/>
+              <a:defRPr sz="5600" b="0" i="0" u="none" strike="noStrike" cap="none" spc="0" baseline="0">
+                <a:solidFill>
+                  <a:srgbClr val="000000"/>
+                </a:solidFill>
+                <a:uFillTx/>
+                <a:latin typeface="+mj-lt"/>
+                <a:ea typeface="+mj-ea"/>
+                <a:cs typeface="+mj-cs"/>
+                <a:sym typeface="Calibri"/>
+              </a:defRPr>
+            </a:lvl6pPr>
+            <a:lvl7pPr marL="3454400" marR="0" indent="-711200" algn="l" defTabSz="1828800" rtl="0" latinLnBrk="0">
+              <a:lnSpc>
+                <a:spcPct val="90000"/>
+              </a:lnSpc>
+              <a:spcBef>
+                <a:spcPts val="2000"/>
+              </a:spcBef>
+              <a:spcAft>
+                <a:spcPts val="0"/>
+              </a:spcAft>
+              <a:buClrTx/>
+              <a:buSzPct val="100000"/>
+              <a:buFont typeface="Arial"/>
+              <a:buChar char="•"/>
+              <a:tabLst/>
+              <a:defRPr sz="5600" b="0" i="0" u="none" strike="noStrike" cap="none" spc="0" baseline="0">
+                <a:solidFill>
+                  <a:srgbClr val="000000"/>
+                </a:solidFill>
+                <a:uFillTx/>
+                <a:latin typeface="+mj-lt"/>
+                <a:ea typeface="+mj-ea"/>
+                <a:cs typeface="+mj-cs"/>
+                <a:sym typeface="Calibri"/>
+              </a:defRPr>
+            </a:lvl7pPr>
+            <a:lvl8pPr marL="3911600" marR="0" indent="-711200" algn="l" defTabSz="1828800" rtl="0" latinLnBrk="0">
+              <a:lnSpc>
+                <a:spcPct val="90000"/>
+              </a:lnSpc>
+              <a:spcBef>
+                <a:spcPts val="2000"/>
+              </a:spcBef>
+              <a:spcAft>
+                <a:spcPts val="0"/>
+              </a:spcAft>
+              <a:buClrTx/>
+              <a:buSzPct val="100000"/>
+              <a:buFont typeface="Arial"/>
+              <a:buChar char="•"/>
+              <a:tabLst/>
+              <a:defRPr sz="5600" b="0" i="0" u="none" strike="noStrike" cap="none" spc="0" baseline="0">
+                <a:solidFill>
+                  <a:srgbClr val="000000"/>
+                </a:solidFill>
+                <a:uFillTx/>
+                <a:latin typeface="+mj-lt"/>
+                <a:ea typeface="+mj-ea"/>
+                <a:cs typeface="+mj-cs"/>
+                <a:sym typeface="Calibri"/>
+              </a:defRPr>
+            </a:lvl8pPr>
+            <a:lvl9pPr marL="4368800" marR="0" indent="-711200" algn="l" defTabSz="1828800" rtl="0" latinLnBrk="0">
+              <a:lnSpc>
+                <a:spcPct val="90000"/>
+              </a:lnSpc>
+              <a:spcBef>
+                <a:spcPts val="2000"/>
+              </a:spcBef>
+              <a:spcAft>
+                <a:spcPts val="0"/>
+              </a:spcAft>
+              <a:buClrTx/>
+              <a:buSzPct val="100000"/>
+              <a:buFont typeface="Arial"/>
+              <a:buChar char="•"/>
+              <a:tabLst/>
+              <a:defRPr sz="5600" b="0" i="0" u="none" strike="noStrike" cap="none" spc="0" baseline="0">
+                <a:solidFill>
+                  <a:srgbClr val="000000"/>
+                </a:solidFill>
+                <a:uFillTx/>
+                <a:latin typeface="+mj-lt"/>
+                <a:ea typeface="+mj-ea"/>
+                <a:cs typeface="+mj-cs"/>
+                <a:sym typeface="Calibri"/>
+              </a:defRPr>
+            </a:lvl9pPr>
+          </a:lstStyle>
+          <a:p>
+            <a:pPr hangingPunct="1"/>
+            <a:r>
+              <a:rPr lang="en-US" sz="2800" dirty="0"/>
+              <a:t>How does this mutant behave differently from the original?</a:t>
+            </a:r>
+          </a:p>
+          <a:p>
+            <a:pPr hangingPunct="1"/>
+            <a:r>
+              <a:rPr lang="en-US" sz="2800" dirty="0"/>
+              <a:t>Answer: This mutant returns the first element of the list that is </a:t>
+            </a:r>
+            <a:r>
+              <a:rPr lang="en-US" sz="2800" dirty="0">
+                <a:solidFill>
+                  <a:srgbClr val="FF0000"/>
+                </a:solidFill>
+              </a:rPr>
+              <a:t>larger</a:t>
+            </a:r>
+            <a:r>
+              <a:rPr lang="en-US" sz="2800" dirty="0"/>
+              <a:t> than the original</a:t>
+            </a:r>
+          </a:p>
+          <a:p>
+            <a:pPr hangingPunct="1"/>
+            <a:r>
+              <a:rPr lang="en-US" sz="2800" dirty="0"/>
+              <a:t>Remedy: Add a test where the input list included an “equal” item before a larger item</a:t>
+            </a:r>
+          </a:p>
+        </p:txBody>
+      </p:sp>
+    </p:spTree>
+    <p:extLst>
+      <p:ext uri="{BB962C8B-B14F-4D97-AF65-F5344CB8AC3E}">
+        <p14:creationId xmlns:p14="http://schemas.microsoft.com/office/powerpoint/2010/main" val="2616531227"/>
+      </p:ext>
+    </p:extLst>
+  </p:cSld>
+  <p:clrMapOvr>
+    <a:masterClrMapping/>
+  </p:clrMapOvr>
+  <p:timing>
+    <p:tnLst>
+      <p:par>
+        <p:cTn id="1" dur="indefinite" restart="never" nodeType="tmRoot">
+          <p:childTnLst>
+            <p:seq concurrent="1" nextAc="seek">
+              <p:cTn id="2" dur="indefinite" nodeType="mainSeq">
+                <p:childTnLst>
+                  <p:par>
+                    <p:cTn id="3" fill="hold">
+                      <p:stCondLst>
+                        <p:cond delay="indefinite"/>
+                      </p:stCondLst>
+                      <p:childTnLst>
+                        <p:par>
+                          <p:cTn id="4" fill="hold">
+                            <p:stCondLst>
+                              <p:cond delay="0"/>
+                            </p:stCondLst>
+                            <p:childTnLst>
+                              <p:par>
+                                <p:cTn id="5" presetID="1" presetClass="entr" presetSubtype="0" fill="hold" grpId="0" nodeType="clickEffect">
+                                  <p:stCondLst>
+                                    <p:cond delay="0"/>
+                                  </p:stCondLst>
+                                  <p:childTnLst>
+                                    <p:set>
+                                      <p:cBhvr>
+                                        <p:cTn id="6" dur="1" fill="hold">
+                                          <p:stCondLst>
+                                            <p:cond delay="0"/>
+                                          </p:stCondLst>
+                                        </p:cTn>
+                                        <p:tgtEl>
+                                          <p:spTgt spid="6">
+                                            <p:txEl>
+                                              <p:pRg st="0" end="0"/>
+                                            </p:txEl>
+                                          </p:spTgt>
+                                        </p:tgtEl>
+                                        <p:attrNameLst>
+                                          <p:attrName>style.visibility</p:attrName>
+                                        </p:attrNameLst>
+                                      </p:cBhvr>
+                                      <p:to>
+                                        <p:strVal val="visible"/>
+                                      </p:to>
+                                    </p:set>
+                                  </p:childTnLst>
+                                </p:cTn>
+                              </p:par>
+                            </p:childTnLst>
+                          </p:cTn>
+                        </p:par>
+                      </p:childTnLst>
+                    </p:cTn>
+                  </p:par>
+                  <p:par>
+                    <p:cTn id="7" fill="hold">
+                      <p:stCondLst>
+                        <p:cond delay="indefinite"/>
+                      </p:stCondLst>
+                      <p:childTnLst>
+                        <p:par>
+                          <p:cTn id="8" fill="hold">
+                            <p:stCondLst>
+                              <p:cond delay="0"/>
+                            </p:stCondLst>
+                            <p:childTnLst>
+                              <p:par>
+                                <p:cTn id="9" presetID="1" presetClass="entr" presetSubtype="0" fill="hold" grpId="0" nodeType="clickEffect">
+                                  <p:stCondLst>
+                                    <p:cond delay="0"/>
+                                  </p:stCondLst>
+                                  <p:childTnLst>
+                                    <p:set>
+                                      <p:cBhvr>
+                                        <p:cTn id="10" dur="1" fill="hold">
+                                          <p:stCondLst>
+                                            <p:cond delay="0"/>
+                                          </p:stCondLst>
+                                        </p:cTn>
+                                        <p:tgtEl>
+                                          <p:spTgt spid="6">
+                                            <p:txEl>
+                                              <p:pRg st="1" end="1"/>
+                                            </p:txEl>
+                                          </p:spTgt>
+                                        </p:tgtEl>
+                                        <p:attrNameLst>
+                                          <p:attrName>style.visibility</p:attrName>
+                                        </p:attrNameLst>
+                                      </p:cBhvr>
+                                      <p:to>
+                                        <p:strVal val="visible"/>
+                                      </p:to>
+                                    </p:set>
+                                  </p:childTnLst>
+                                </p:cTn>
+                              </p:par>
+                            </p:childTnLst>
+                          </p:cTn>
+                        </p:par>
+                      </p:childTnLst>
+                    </p:cTn>
+                  </p:par>
+                  <p:par>
+                    <p:cTn id="11" fill="hold">
+                      <p:stCondLst>
+                        <p:cond delay="indefinite"/>
+                      </p:stCondLst>
+                      <p:childTnLst>
+                        <p:par>
+                          <p:cTn id="12" fill="hold">
+                            <p:stCondLst>
+                              <p:cond delay="0"/>
+                            </p:stCondLst>
+                            <p:childTnLst>
+                              <p:par>
+                                <p:cTn id="13" presetID="1" presetClass="entr" presetSubtype="0" fill="hold" grpId="0" nodeType="clickEffect">
+                                  <p:stCondLst>
+                                    <p:cond delay="0"/>
+                                  </p:stCondLst>
+                                  <p:childTnLst>
+                                    <p:set>
+                                      <p:cBhvr>
+                                        <p:cTn id="14" dur="1" fill="hold">
+                                          <p:stCondLst>
+                                            <p:cond delay="0"/>
+                                          </p:stCondLst>
+                                        </p:cTn>
+                                        <p:tgtEl>
+                                          <p:spTgt spid="6">
+                                            <p:txEl>
+                                              <p:pRg st="2" end="2"/>
+                                            </p:txEl>
+                                          </p:spTgt>
+                                        </p:tgtEl>
+                                        <p:attrNameLst>
+                                          <p:attrName>style.visibility</p:attrName>
+                                        </p:attrNameLst>
+                                      </p:cBhvr>
+                                      <p:to>
+                                        <p:strVal val="visible"/>
+                                      </p:to>
+                                    </p:set>
+                                  </p:childTnLst>
+                                </p:cTn>
+                              </p:par>
+                            </p:childTnLst>
+                          </p:cTn>
+                        </p:par>
+                      </p:childTnLst>
+                    </p:cTn>
+                  </p:par>
+                </p:childTnLst>
+              </p:cTn>
+              <p:prevCondLst>
+                <p:cond evt="onPrev" delay="0">
+                  <p:tgtEl>
+                    <p:sldTgt/>
+                  </p:tgtEl>
+                </p:cond>
+              </p:prevCondLst>
+              <p:nextCondLst>
+                <p:cond evt="onNext" delay="0">
+                  <p:tgtEl>
+                    <p:sldTgt/>
+                  </p:tgtEl>
+                </p:cond>
+              </p:nextCondLst>
+            </p:seq>
+          </p:childTnLst>
+        </p:cTn>
+      </p:par>
+    </p:tnLst>
+    <p:bldLst>
+      <p:bldP spid="6" grpId="0" build="p"/>
+    </p:bldLst>
+  </p:timing>
+</p:sld>
+</file>
+
+<file path=ppt/slides/slide25.xml><?xml version="1.0" encoding="utf-8"?>
+<p:sld xmlns:a="http://schemas.openxmlformats.org/drawingml/2006/main" xmlns:r="http://schemas.openxmlformats.org/officeDocument/2006/relationships" xmlns:p="http://schemas.openxmlformats.org/presentationml/2006/main">
+  <p:cSld>
+    <p:spTree>
+      <p:nvGrpSpPr>
+        <p:cNvPr id="1" name=""/>
+        <p:cNvGrpSpPr/>
+        <p:nvPr/>
+      </p:nvGrpSpPr>
+      <p:grpSpPr>
+        <a:xfrm>
+          <a:off x="0" y="0"/>
+          <a:ext cx="0" cy="0"/>
+          <a:chOff x="0" y="0"/>
+          <a:chExt cx="0" cy="0"/>
+        </a:xfrm>
+      </p:grpSpPr>
+      <p:sp>
+        <p:nvSpPr>
+          <p:cNvPr id="2" name="Title 1">
+            <a:extLst>
+              <a:ext uri="{FF2B5EF4-FFF2-40B4-BE49-F238E27FC236}">
+                <a16:creationId xmlns:a16="http://schemas.microsoft.com/office/drawing/2014/main" id="{D059E186-D46D-AB72-2799-EF993F03EF44}"/>
+              </a:ext>
+            </a:extLst>
+          </p:cNvPr>
+          <p:cNvSpPr>
+            <a:spLocks noGrp="1"/>
+          </p:cNvSpPr>
+          <p:nvPr>
+            <p:ph type="title"/>
+          </p:nvPr>
+        </p:nvSpPr>
+        <p:spPr/>
+        <p:txBody>
+          <a:bodyPr/>
+          <a:lstStyle/>
+          <a:p>
+            <a:r>
+              <a:rPr lang="en-US" dirty="0"/>
+              <a:t>Here's one test that will catch that mutant</a:t>
+            </a:r>
+          </a:p>
+        </p:txBody>
+      </p:sp>
+      <p:sp>
+        <p:nvSpPr>
+          <p:cNvPr id="4" name="TextBox 3">
+            <a:extLst>
+              <a:ext uri="{FF2B5EF4-FFF2-40B4-BE49-F238E27FC236}">
+                <a16:creationId xmlns:a16="http://schemas.microsoft.com/office/drawing/2014/main" id="{3E229CB5-D4EF-EC3D-16E3-6CFCCBA2A754}"/>
+              </a:ext>
+            </a:extLst>
+          </p:cNvPr>
+          <p:cNvSpPr txBox="1"/>
+          <p:nvPr/>
+        </p:nvSpPr>
+        <p:spPr>
+          <a:xfrm>
+            <a:off x="838200" y="2163627"/>
+            <a:ext cx="10515600" cy="1107996"/>
+          </a:xfrm>
+          <a:prstGeom prst="rect">
+            <a:avLst/>
+          </a:prstGeom>
+          <a:noFill/>
+          <a:ln w="25400" cap="flat">
+            <a:noFill/>
+            <a:miter lim="400000"/>
+          </a:ln>
+          <a:effectLst/>
+          <a:sp3d/>
+        </p:spPr>
+        <p:style>
+          <a:lnRef idx="0">
+            <a:scrgbClr r="0" g="0" b="0"/>
+          </a:lnRef>
+          <a:fillRef idx="0">
+            <a:scrgbClr r="0" g="0" b="0"/>
+          </a:fillRef>
+          <a:effectRef idx="0">
+            <a:scrgbClr r="0" g="0" b="0"/>
+          </a:effectRef>
+          <a:fontRef idx="none"/>
+        </p:style>
+        <p:txBody>
+          <a:bodyPr wrap="square">
+            <a:spAutoFit/>
+          </a:bodyPr>
+          <a:lstStyle/>
+          <a:p>
+            <a:r>
+              <a:rPr lang="en-US" sz="2200" dirty="0">
+                <a:solidFill>
+                  <a:srgbClr val="795E26"/>
+                </a:solidFill>
+                <a:latin typeface="Consolas" panose="020B0609020204030204" pitchFamily="49" charset="0"/>
+              </a:rPr>
+              <a:t>test</a:t>
+            </a:r>
+            <a:r>
+              <a:rPr lang="en-US" sz="2200" dirty="0">
+                <a:solidFill>
+                  <a:srgbClr val="3B3B3B"/>
+                </a:solidFill>
+                <a:latin typeface="Consolas" panose="020B0609020204030204" pitchFamily="49" charset="0"/>
+              </a:rPr>
+              <a:t>(</a:t>
+            </a:r>
+            <a:r>
+              <a:rPr lang="en-US" sz="2200" dirty="0">
+                <a:solidFill>
+                  <a:srgbClr val="A31515"/>
+                </a:solidFill>
+                <a:latin typeface="Consolas" panose="020B0609020204030204" pitchFamily="49" charset="0"/>
+              </a:rPr>
+              <a:t>"try target that is equal to some item in the list"</a:t>
+            </a:r>
+            <a:r>
+              <a:rPr lang="en-US" sz="2200" dirty="0">
+                <a:solidFill>
+                  <a:srgbClr val="3B3B3B"/>
+                </a:solidFill>
+                <a:latin typeface="Consolas" panose="020B0609020204030204" pitchFamily="49" charset="0"/>
+              </a:rPr>
+              <a:t>, () </a:t>
+            </a:r>
+            <a:r>
+              <a:rPr lang="en-US" sz="2200" dirty="0">
+                <a:solidFill>
+                  <a:srgbClr val="0000FF"/>
+                </a:solidFill>
+                <a:latin typeface="Consolas" panose="020B0609020204030204" pitchFamily="49" charset="0"/>
+              </a:rPr>
+              <a:t>=&gt;</a:t>
+            </a:r>
+            <a:r>
+              <a:rPr lang="en-US" sz="2200" dirty="0">
+                <a:solidFill>
+                  <a:srgbClr val="3B3B3B"/>
+                </a:solidFill>
+                <a:latin typeface="Consolas" panose="020B0609020204030204" pitchFamily="49" charset="0"/>
+              </a:rPr>
+              <a:t> {</a:t>
+            </a:r>
+          </a:p>
+          <a:p>
+            <a:r>
+              <a:rPr lang="en-US" sz="2200" dirty="0">
+                <a:solidFill>
+                  <a:srgbClr val="3B3B3B"/>
+                </a:solidFill>
+                <a:latin typeface="Consolas" panose="020B0609020204030204" pitchFamily="49" charset="0"/>
+              </a:rPr>
+              <a:t>    </a:t>
+            </a:r>
+            <a:r>
+              <a:rPr lang="en-US" sz="2200" dirty="0">
+                <a:solidFill>
+                  <a:srgbClr val="795E26"/>
+                </a:solidFill>
+                <a:latin typeface="Consolas" panose="020B0609020204030204" pitchFamily="49" charset="0"/>
+              </a:rPr>
+              <a:t>expect</a:t>
+            </a:r>
+            <a:r>
+              <a:rPr lang="en-US" sz="2200" dirty="0">
+                <a:solidFill>
+                  <a:srgbClr val="3B3B3B"/>
+                </a:solidFill>
+                <a:latin typeface="Consolas" panose="020B0609020204030204" pitchFamily="49" charset="0"/>
+              </a:rPr>
+              <a:t>(</a:t>
+            </a:r>
+            <a:r>
+              <a:rPr lang="en-US" sz="2200" dirty="0">
+                <a:solidFill>
+                  <a:srgbClr val="795E26"/>
+                </a:solidFill>
+                <a:latin typeface="Consolas" panose="020B0609020204030204" pitchFamily="49" charset="0"/>
+              </a:rPr>
+              <a:t>search</a:t>
+            </a:r>
+            <a:r>
+              <a:rPr lang="en-US" sz="2200" dirty="0">
+                <a:solidFill>
+                  <a:srgbClr val="3B3B3B"/>
+                </a:solidFill>
+                <a:latin typeface="Consolas" panose="020B0609020204030204" pitchFamily="49" charset="0"/>
+              </a:rPr>
+              <a:t>([</a:t>
+            </a:r>
+            <a:r>
+              <a:rPr lang="en-US" sz="2200" dirty="0">
+                <a:solidFill>
+                  <a:srgbClr val="098658"/>
+                </a:solidFill>
+                <a:latin typeface="Consolas" panose="020B0609020204030204" pitchFamily="49" charset="0"/>
+              </a:rPr>
+              <a:t>5</a:t>
+            </a:r>
+            <a:r>
+              <a:rPr lang="en-US" sz="2200" dirty="0">
+                <a:solidFill>
+                  <a:srgbClr val="3B3B3B"/>
+                </a:solidFill>
+                <a:latin typeface="Consolas" panose="020B0609020204030204" pitchFamily="49" charset="0"/>
+              </a:rPr>
+              <a:t>, </a:t>
+            </a:r>
+            <a:r>
+              <a:rPr lang="en-US" sz="2200" dirty="0">
+                <a:solidFill>
+                  <a:srgbClr val="098658"/>
+                </a:solidFill>
+                <a:latin typeface="Consolas" panose="020B0609020204030204" pitchFamily="49" charset="0"/>
+              </a:rPr>
+              <a:t>7</a:t>
+            </a:r>
+            <a:r>
+              <a:rPr lang="en-US" sz="2200" dirty="0">
+                <a:solidFill>
+                  <a:srgbClr val="3B3B3B"/>
+                </a:solidFill>
+                <a:latin typeface="Consolas" panose="020B0609020204030204" pitchFamily="49" charset="0"/>
+              </a:rPr>
+              <a:t>, </a:t>
+            </a:r>
+            <a:r>
+              <a:rPr lang="en-US" sz="2200" dirty="0">
+                <a:solidFill>
+                  <a:srgbClr val="098658"/>
+                </a:solidFill>
+                <a:latin typeface="Consolas" panose="020B0609020204030204" pitchFamily="49" charset="0"/>
+              </a:rPr>
+              <a:t>9</a:t>
+            </a:r>
+            <a:r>
+              <a:rPr lang="en-US" sz="2200" dirty="0">
+                <a:solidFill>
+                  <a:srgbClr val="3B3B3B"/>
+                </a:solidFill>
+                <a:latin typeface="Consolas" panose="020B0609020204030204" pitchFamily="49" charset="0"/>
+              </a:rPr>
+              <a:t>], </a:t>
+            </a:r>
+            <a:r>
+              <a:rPr lang="en-US" sz="2200" dirty="0">
+                <a:solidFill>
+                  <a:srgbClr val="098658"/>
+                </a:solidFill>
+                <a:latin typeface="Consolas" panose="020B0609020204030204" pitchFamily="49" charset="0"/>
+              </a:rPr>
+              <a:t>7</a:t>
+            </a:r>
+            <a:r>
+              <a:rPr lang="en-US" sz="2200" dirty="0">
+                <a:solidFill>
+                  <a:srgbClr val="3B3B3B"/>
+                </a:solidFill>
+                <a:latin typeface="Consolas" panose="020B0609020204030204" pitchFamily="49" charset="0"/>
+              </a:rPr>
+              <a:t>)).</a:t>
+            </a:r>
+            <a:r>
+              <a:rPr lang="en-US" sz="2200" dirty="0" err="1">
+                <a:solidFill>
+                  <a:srgbClr val="795E26"/>
+                </a:solidFill>
+                <a:latin typeface="Consolas" panose="020B0609020204030204" pitchFamily="49" charset="0"/>
+              </a:rPr>
+              <a:t>toBe</a:t>
+            </a:r>
+            <a:r>
+              <a:rPr lang="en-US" sz="2200" dirty="0">
+                <a:solidFill>
+                  <a:srgbClr val="3B3B3B"/>
+                </a:solidFill>
+                <a:latin typeface="Consolas" panose="020B0609020204030204" pitchFamily="49" charset="0"/>
+              </a:rPr>
+              <a:t>(</a:t>
+            </a:r>
+            <a:r>
+              <a:rPr lang="en-US" sz="2200" dirty="0">
+                <a:solidFill>
+                  <a:srgbClr val="098658"/>
+                </a:solidFill>
+                <a:latin typeface="Consolas" panose="020B0609020204030204" pitchFamily="49" charset="0"/>
+              </a:rPr>
+              <a:t>7</a:t>
+            </a:r>
+            <a:r>
+              <a:rPr lang="en-US" sz="2200" dirty="0">
+                <a:solidFill>
+                  <a:srgbClr val="3B3B3B"/>
+                </a:solidFill>
+                <a:latin typeface="Consolas" panose="020B0609020204030204" pitchFamily="49" charset="0"/>
+              </a:rPr>
+              <a:t>);</a:t>
+            </a:r>
+          </a:p>
+          <a:p>
+            <a:r>
+              <a:rPr lang="en-US" sz="2200" dirty="0">
+                <a:solidFill>
+                  <a:srgbClr val="3B3B3B"/>
+                </a:solidFill>
+                <a:latin typeface="Consolas" panose="020B0609020204030204" pitchFamily="49" charset="0"/>
+              </a:rPr>
+              <a:t>  });</a:t>
+            </a:r>
+          </a:p>
+        </p:txBody>
+      </p:sp>
+    </p:spTree>
+    <p:extLst>
+      <p:ext uri="{BB962C8B-B14F-4D97-AF65-F5344CB8AC3E}">
+        <p14:creationId xmlns:p14="http://schemas.microsoft.com/office/powerpoint/2010/main" val="4065804702"/>
+      </p:ext>
+    </p:extLst>
+  </p:cSld>
+  <p:clrMapOvr>
+    <a:masterClrMapping/>
+  </p:clrMapOvr>
+</p:sld>
+</file>
+
+<file path=ppt/slides/slide26.xml><?xml version="1.0" encoding="utf-8"?>
+<p:sld xmlns:a="http://schemas.openxmlformats.org/drawingml/2006/main" xmlns:r="http://schemas.openxmlformats.org/officeDocument/2006/relationships" xmlns:p="http://schemas.openxmlformats.org/presentationml/2006/main">
+  <p:cSld>
+    <p:spTree>
+      <p:nvGrpSpPr>
+        <p:cNvPr id="1" name=""/>
+        <p:cNvGrpSpPr/>
+        <p:nvPr/>
+      </p:nvGrpSpPr>
+      <p:grpSpPr>
+        <a:xfrm>
+          <a:off x="0" y="0"/>
+          <a:ext cx="0" cy="0"/>
+          <a:chOff x="0" y="0"/>
+          <a:chExt cx="0" cy="0"/>
+        </a:xfrm>
+      </p:grpSpPr>
+      <p:sp>
+        <p:nvSpPr>
+          <p:cNvPr id="847" name="Use Mutation Analysis While Writing Tests"/>
+          <p:cNvSpPr txBox="1">
+            <a:spLocks noGrp="1"/>
+          </p:cNvSpPr>
+          <p:nvPr>
+            <p:ph type="title"/>
+          </p:nvPr>
+        </p:nvSpPr>
+        <p:spPr>
+          <a:prstGeom prst="rect">
+            <a:avLst/>
+          </a:prstGeom>
+        </p:spPr>
+        <p:txBody>
+          <a:bodyPr/>
+          <a:lstStyle/>
+          <a:p>
+            <a:r>
+              <a:t>Use Mutation Analysis While Writing Tests</a:t>
+            </a:r>
+          </a:p>
+        </p:txBody>
+      </p:sp>
+      <p:sp>
+        <p:nvSpPr>
+          <p:cNvPr id="848" name="When you feel “done” writing tests, run a mutation analysis…"/>
+          <p:cNvSpPr txBox="1">
+            <a:spLocks noGrp="1"/>
+          </p:cNvSpPr>
+          <p:nvPr>
+            <p:ph type="body" idx="1"/>
+          </p:nvPr>
+        </p:nvSpPr>
+        <p:spPr>
+          <a:prstGeom prst="rect">
+            <a:avLst/>
+          </a:prstGeom>
+        </p:spPr>
+        <p:txBody>
+          <a:bodyPr/>
+          <a:lstStyle/>
+          <a:p>
+            <a:r>
+              <a:rPr dirty="0"/>
+              <a:t>When you feel “done” writing tests, run a mutation analysis</a:t>
+            </a:r>
+          </a:p>
+          <a:p>
+            <a:r>
+              <a:rPr dirty="0"/>
+              <a:t>Inspect undetected mutants, and try to </a:t>
+            </a:r>
+            <a:r>
+              <a:rPr lang="en-US" dirty="0"/>
+              <a:t>write tests that will make those mutants fail.</a:t>
+            </a:r>
+            <a:endParaRPr dirty="0"/>
+          </a:p>
+        </p:txBody>
+      </p:sp>
+      <p:sp>
+        <p:nvSpPr>
+          <p:cNvPr id="849" name="Slide Number"/>
+          <p:cNvSpPr txBox="1">
+            <a:spLocks noGrp="1"/>
+          </p:cNvSpPr>
+          <p:nvPr>
+            <p:ph type="sldNum" sz="quarter" idx="2"/>
+          </p:nvPr>
+        </p:nvSpPr>
+        <p:spPr>
+          <a:xfrm>
+            <a:off x="22203052" y="12835870"/>
+            <a:ext cx="504548" cy="483910"/>
+          </a:xfrm>
+          <a:prstGeom prst="rect">
+            <a:avLst/>
+          </a:prstGeom>
+          <a:ln w="25400">
+            <a:miter lim="400000"/>
+          </a:ln>
+          <a:extLst>
+            <a:ext uri="{C572A759-6A51-4108-AA02-DFA0A04FC94B}">
+              <ma14:wrappingTextBoxFlag xmlns:ma14="http://schemas.microsoft.com/office/mac/drawingml/2011/main" xmlns:a14="http://schemas.microsoft.com/office/drawing/2010/main" xmlns:m="http://schemas.openxmlformats.org/officeDocument/2006/math" xmlns="" val="1"/>
+            </a:ext>
+          </a:extLst>
+        </p:spPr>
+        <p:txBody>
+          <a:bodyPr wrap="none" tIns="91439" bIns="91439" anchor="ctr">
+            <a:spAutoFit/>
+          </a:bodyPr>
+          <a:lstStyle>
+            <a:defPPr marL="0" marR="0" indent="0" algn="l" defTabSz="914400" rtl="0" fontAlgn="auto" latinLnBrk="1" hangingPunct="0">
+              <a:lnSpc>
+                <a:spcPct val="100000"/>
+              </a:lnSpc>
+              <a:spcBef>
+                <a:spcPts val="0"/>
+              </a:spcBef>
+              <a:spcAft>
+                <a:spcPts val="0"/>
+              </a:spcAft>
+              <a:buClrTx/>
+              <a:buSzTx/>
+              <a:buFontTx/>
+              <a:buNone/>
+              <a:tabLst/>
+              <a:defRPr kumimoji="0" sz="1800" b="0" i="0" u="none" strike="noStrike" cap="none" spc="0" normalizeH="0" baseline="0">
+                <a:ln>
+                  <a:noFill/>
+                </a:ln>
+                <a:solidFill>
+                  <a:srgbClr val="000000"/>
+                </a:solidFill>
+                <a:effectLst/>
+                <a:uFillTx/>
+              </a:defRPr>
+            </a:defPPr>
+            <a:lvl1pPr marL="0" marR="0" indent="0" algn="r" defTabSz="1828800" rtl="0" fontAlgn="auto" latinLnBrk="0" hangingPunct="0">
+              <a:lnSpc>
+                <a:spcPct val="100000"/>
+              </a:lnSpc>
+              <a:spcBef>
+                <a:spcPts val="0"/>
+              </a:spcBef>
+              <a:spcAft>
+                <a:spcPts val="0"/>
+              </a:spcAft>
+              <a:buClrTx/>
+              <a:buSzTx/>
+              <a:buFontTx/>
+              <a:buNone/>
+              <a:tabLst/>
+              <a:defRPr kumimoji="0" sz="2400" b="0" i="0" u="none" strike="noStrike" cap="none" spc="0" normalizeH="0" baseline="0">
+                <a:ln>
+                  <a:noFill/>
+                </a:ln>
+                <a:solidFill>
+                  <a:srgbClr val="888888"/>
+                </a:solidFill>
+                <a:effectLst/>
+                <a:uFillTx/>
+                <a:latin typeface="+mj-lt"/>
+                <a:ea typeface="+mj-ea"/>
+                <a:cs typeface="+mj-cs"/>
+                <a:sym typeface="Calibri"/>
+              </a:defRPr>
+            </a:lvl1pPr>
+            <a:lvl2pPr marL="0" marR="0" indent="457200" algn="l" defTabSz="1828800" rtl="0" fontAlgn="auto" latinLnBrk="0" hangingPunct="0">
+              <a:lnSpc>
+                <a:spcPct val="100000"/>
+              </a:lnSpc>
+              <a:spcBef>
+                <a:spcPts val="0"/>
+              </a:spcBef>
+              <a:spcAft>
+                <a:spcPts val="0"/>
+              </a:spcAft>
+              <a:buClrTx/>
+              <a:buSzTx/>
+              <a:buFontTx/>
+              <a:buNone/>
+              <a:tabLst/>
+              <a:defRPr kumimoji="0" sz="3600" b="0" i="0" u="none" strike="noStrike" cap="none" spc="0" normalizeH="0" baseline="0">
+                <a:ln>
+                  <a:noFill/>
+                </a:ln>
+                <a:solidFill>
+                  <a:srgbClr val="000000"/>
+                </a:solidFill>
+                <a:effectLst/>
+                <a:uFillTx/>
+                <a:latin typeface="+mj-lt"/>
+                <a:ea typeface="+mj-ea"/>
+                <a:cs typeface="+mj-cs"/>
+                <a:sym typeface="Calibri"/>
+              </a:defRPr>
+            </a:lvl2pPr>
+            <a:lvl3pPr marL="0" marR="0" indent="914400" algn="l" defTabSz="1828800" rtl="0" fontAlgn="auto" latinLnBrk="0" hangingPunct="0">
+              <a:lnSpc>
+                <a:spcPct val="100000"/>
+              </a:lnSpc>
+              <a:spcBef>
+                <a:spcPts val="0"/>
+              </a:spcBef>
+              <a:spcAft>
+                <a:spcPts val="0"/>
+              </a:spcAft>
+              <a:buClrTx/>
+              <a:buSzTx/>
+              <a:buFontTx/>
+              <a:buNone/>
+              <a:tabLst/>
+              <a:defRPr kumimoji="0" sz="3600" b="0" i="0" u="none" strike="noStrike" cap="none" spc="0" normalizeH="0" baseline="0">
+                <a:ln>
+                  <a:noFill/>
+                </a:ln>
+                <a:solidFill>
+                  <a:srgbClr val="000000"/>
+                </a:solidFill>
+                <a:effectLst/>
+                <a:uFillTx/>
+                <a:latin typeface="+mj-lt"/>
+                <a:ea typeface="+mj-ea"/>
+                <a:cs typeface="+mj-cs"/>
+                <a:sym typeface="Calibri"/>
+              </a:defRPr>
+            </a:lvl3pPr>
+            <a:lvl4pPr marL="0" marR="0" indent="1371600" algn="l" defTabSz="1828800" rtl="0" fontAlgn="auto" latinLnBrk="0" hangingPunct="0">
+              <a:lnSpc>
+                <a:spcPct val="100000"/>
+              </a:lnSpc>
+              <a:spcBef>
+                <a:spcPts val="0"/>
+              </a:spcBef>
+              <a:spcAft>
+                <a:spcPts val="0"/>
+              </a:spcAft>
+              <a:buClrTx/>
+              <a:buSzTx/>
+              <a:buFontTx/>
+              <a:buNone/>
+              <a:tabLst/>
+              <a:defRPr kumimoji="0" sz="3600" b="0" i="0" u="none" strike="noStrike" cap="none" spc="0" normalizeH="0" baseline="0">
+                <a:ln>
+                  <a:noFill/>
+                </a:ln>
+                <a:solidFill>
+                  <a:srgbClr val="000000"/>
+                </a:solidFill>
+                <a:effectLst/>
+                <a:uFillTx/>
+                <a:latin typeface="+mj-lt"/>
+                <a:ea typeface="+mj-ea"/>
+                <a:cs typeface="+mj-cs"/>
+                <a:sym typeface="Calibri"/>
+              </a:defRPr>
+            </a:lvl4pPr>
+            <a:lvl5pPr marL="0" marR="0" indent="1828800" algn="l" defTabSz="1828800" rtl="0" fontAlgn="auto" latinLnBrk="0" hangingPunct="0">
+              <a:lnSpc>
+                <a:spcPct val="100000"/>
+              </a:lnSpc>
+              <a:spcBef>
+                <a:spcPts val="0"/>
+              </a:spcBef>
+              <a:spcAft>
+                <a:spcPts val="0"/>
+              </a:spcAft>
+              <a:buClrTx/>
+              <a:buSzTx/>
+              <a:buFontTx/>
+              <a:buNone/>
+              <a:tabLst/>
+              <a:defRPr kumimoji="0" sz="3600" b="0" i="0" u="none" strike="noStrike" cap="none" spc="0" normalizeH="0" baseline="0">
+                <a:ln>
+                  <a:noFill/>
+                </a:ln>
+                <a:solidFill>
+                  <a:srgbClr val="000000"/>
+                </a:solidFill>
+                <a:effectLst/>
+                <a:uFillTx/>
+                <a:latin typeface="+mj-lt"/>
+                <a:ea typeface="+mj-ea"/>
+                <a:cs typeface="+mj-cs"/>
+                <a:sym typeface="Calibri"/>
+              </a:defRPr>
+            </a:lvl5pPr>
+            <a:lvl6pPr marL="0" marR="0" indent="2286000" algn="l" defTabSz="1828800" rtl="0" fontAlgn="auto" latinLnBrk="0" hangingPunct="0">
+              <a:lnSpc>
+                <a:spcPct val="100000"/>
+              </a:lnSpc>
+              <a:spcBef>
+                <a:spcPts val="0"/>
+              </a:spcBef>
+              <a:spcAft>
+                <a:spcPts val="0"/>
+              </a:spcAft>
+              <a:buClrTx/>
+              <a:buSzTx/>
+              <a:buFontTx/>
+              <a:buNone/>
+              <a:tabLst/>
+              <a:defRPr kumimoji="0" sz="3600" b="0" i="0" u="none" strike="noStrike" cap="none" spc="0" normalizeH="0" baseline="0">
+                <a:ln>
+                  <a:noFill/>
+                </a:ln>
+                <a:solidFill>
+                  <a:srgbClr val="000000"/>
+                </a:solidFill>
+                <a:effectLst/>
+                <a:uFillTx/>
+                <a:latin typeface="+mj-lt"/>
+                <a:ea typeface="+mj-ea"/>
+                <a:cs typeface="+mj-cs"/>
+                <a:sym typeface="Calibri"/>
+              </a:defRPr>
+            </a:lvl6pPr>
+            <a:lvl7pPr marL="0" marR="0" indent="2743200" algn="l" defTabSz="1828800" rtl="0" fontAlgn="auto" latinLnBrk="0" hangingPunct="0">
+              <a:lnSpc>
+                <a:spcPct val="100000"/>
+              </a:lnSpc>
+              <a:spcBef>
+                <a:spcPts val="0"/>
+              </a:spcBef>
+              <a:spcAft>
+                <a:spcPts val="0"/>
+              </a:spcAft>
+              <a:buClrTx/>
+              <a:buSzTx/>
+              <a:buFontTx/>
+              <a:buNone/>
+              <a:tabLst/>
+              <a:defRPr kumimoji="0" sz="3600" b="0" i="0" u="none" strike="noStrike" cap="none" spc="0" normalizeH="0" baseline="0">
+                <a:ln>
+                  <a:noFill/>
+                </a:ln>
+                <a:solidFill>
+                  <a:srgbClr val="000000"/>
+                </a:solidFill>
+                <a:effectLst/>
+                <a:uFillTx/>
+                <a:latin typeface="+mj-lt"/>
+                <a:ea typeface="+mj-ea"/>
+                <a:cs typeface="+mj-cs"/>
+                <a:sym typeface="Calibri"/>
+              </a:defRPr>
+            </a:lvl7pPr>
+            <a:lvl8pPr marL="0" marR="0" indent="3200400" algn="l" defTabSz="1828800" rtl="0" fontAlgn="auto" latinLnBrk="0" hangingPunct="0">
+              <a:lnSpc>
+                <a:spcPct val="100000"/>
+              </a:lnSpc>
+              <a:spcBef>
+                <a:spcPts val="0"/>
+              </a:spcBef>
+              <a:spcAft>
+                <a:spcPts val="0"/>
+              </a:spcAft>
+              <a:buClrTx/>
+              <a:buSzTx/>
+              <a:buFontTx/>
+              <a:buNone/>
+              <a:tabLst/>
+              <a:defRPr kumimoji="0" sz="3600" b="0" i="0" u="none" strike="noStrike" cap="none" spc="0" normalizeH="0" baseline="0">
+                <a:ln>
+                  <a:noFill/>
+                </a:ln>
+                <a:solidFill>
+                  <a:srgbClr val="000000"/>
+                </a:solidFill>
+                <a:effectLst/>
+                <a:uFillTx/>
+                <a:latin typeface="+mj-lt"/>
+                <a:ea typeface="+mj-ea"/>
+                <a:cs typeface="+mj-cs"/>
+                <a:sym typeface="Calibri"/>
+              </a:defRPr>
+            </a:lvl8pPr>
+            <a:lvl9pPr marL="0" marR="0" indent="3657600" algn="l" defTabSz="1828800" rtl="0" fontAlgn="auto" latinLnBrk="0" hangingPunct="0">
+              <a:lnSpc>
+                <a:spcPct val="100000"/>
+              </a:lnSpc>
+              <a:spcBef>
+                <a:spcPts val="0"/>
+              </a:spcBef>
+              <a:spcAft>
+                <a:spcPts val="0"/>
+              </a:spcAft>
+              <a:buClrTx/>
+              <a:buSzTx/>
+              <a:buFontTx/>
+              <a:buNone/>
+              <a:tabLst/>
+              <a:defRPr kumimoji="0" sz="3600" b="0" i="0" u="none" strike="noStrike" cap="none" spc="0" normalizeH="0" baseline="0">
+                <a:ln>
+                  <a:noFill/>
+                </a:ln>
+                <a:solidFill>
+                  <a:srgbClr val="000000"/>
+                </a:solidFill>
+                <a:effectLst/>
+                <a:uFillTx/>
+                <a:latin typeface="+mj-lt"/>
+                <a:ea typeface="+mj-ea"/>
+                <a:cs typeface="+mj-cs"/>
+                <a:sym typeface="Calibri"/>
+              </a:defRPr>
+            </a:lvl9pPr>
+          </a:lstStyle>
+          <a:p>
+            <a:fld id="{86CB4B4D-7CA3-9044-876B-883B54F8677D}" type="slidenum">
+              <a:rPr lang="en-US" smtClean="0"/>
+              <a:pPr/>
+              <a:t>26</a:t>
+            </a:fld>
+            <a:endParaRPr/>
+          </a:p>
+        </p:txBody>
+      </p:sp>
+      <p:pic>
+        <p:nvPicPr>
+          <p:cNvPr id="850" name="Image" descr="Image"/>
+          <p:cNvPicPr>
+            <a:picLocks noChangeAspect="1"/>
+          </p:cNvPicPr>
+          <p:nvPr/>
+        </p:nvPicPr>
+        <p:blipFill>
+          <a:blip r:embed="rId3"/>
+          <a:stretch>
+            <a:fillRect/>
+          </a:stretch>
+        </p:blipFill>
+        <p:spPr>
+          <a:xfrm>
+            <a:off x="2641600" y="3626755"/>
+            <a:ext cx="6908801" cy="2305051"/>
+          </a:xfrm>
+          <a:prstGeom prst="rect">
+            <a:avLst/>
+          </a:prstGeom>
+          <a:ln w="25400">
+            <a:solidFill>
+              <a:schemeClr val="accent1"/>
+            </a:solidFill>
+            <a:miter/>
+          </a:ln>
+        </p:spPr>
+      </p:pic>
+      <p:sp>
+        <p:nvSpPr>
+          <p:cNvPr id="851" name="Detailed mutation report for “overlaps” method - two mutants were not detected!"/>
+          <p:cNvSpPr txBox="1"/>
+          <p:nvPr/>
+        </p:nvSpPr>
+        <p:spPr>
+          <a:xfrm>
+            <a:off x="2447065" y="6007840"/>
+            <a:ext cx="4059125" cy="230832"/>
+          </a:xfrm>
+          <a:prstGeom prst="rect">
+            <a:avLst/>
+          </a:prstGeom>
+          <a:ln w="25400">
+            <a:miter lim="400000"/>
+          </a:ln>
+          <a:extLst>
+            <a:ext uri="{C572A759-6A51-4108-AA02-DFA0A04FC94B}">
+              <ma14:wrappingTextBoxFlag xmlns:ma14="http://schemas.microsoft.com/office/mac/drawingml/2011/main" xmlns:a14="http://schemas.microsoft.com/office/drawing/2010/main" xmlns:m="http://schemas.openxmlformats.org/officeDocument/2006/math" xmlns="" val="1"/>
+            </a:ext>
+          </a:extLst>
+        </p:spPr>
+        <p:txBody>
+          <a:bodyPr wrap="none" tIns="45720" bIns="45720">
+            <a:spAutoFit/>
+          </a:bodyPr>
+          <a:lstStyle/>
+          <a:p>
+            <a:r>
+              <a:rPr sz="900"/>
+              <a:t>Detailed mutation report for “overlaps” method - two mutants were not detected!</a:t>
+            </a:r>
+          </a:p>
+        </p:txBody>
+      </p:sp>
+    </p:spTree>
+  </p:cSld>
+  <p:clrMapOvr>
+    <a:masterClrMapping/>
+  </p:clrMapOvr>
+</p:sld>
+</file>
+
+<file path=ppt/slides/slide27.xml><?xml version="1.0" encoding="utf-8"?>
 <p:sld xmlns:a="http://schemas.openxmlformats.org/drawingml/2006/main" xmlns:r="http://schemas.openxmlformats.org/officeDocument/2006/relationships" xmlns:p="http://schemas.openxmlformats.org/presentationml/2006/main">
   <p:cSld>
     <p:spTree>
@@ -11204,7 +17763,7 @@
           </a:ln>
           <a:extLst>
             <a:ext uri="{C572A759-6A51-4108-AA02-DFA0A04FC94B}">
-              <ma14:wrappingTextBoxFlag xmlns="" xmlns:m="http://schemas.openxmlformats.org/officeDocument/2006/math" xmlns:a14="http://schemas.microsoft.com/office/drawing/2010/main" xmlns:ma14="http://schemas.microsoft.com/office/mac/drawingml/2011/main" val="1"/>
+              <ma14:wrappingTextBoxFlag xmlns:ma14="http://schemas.microsoft.com/office/mac/drawingml/2011/main" xmlns:a14="http://schemas.microsoft.com/office/drawing/2010/main" xmlns:m="http://schemas.openxmlformats.org/officeDocument/2006/math" xmlns="" val="1"/>
             </a:ext>
           </a:extLst>
         </p:spPr>
@@ -11514,7 +18073,7 @@
             <a:fld id="{86CB4B4D-7CA3-9044-876B-883B54F8677D}" type="slidenum">
               <a:rPr lang="en-US" smtClean="0"/>
               <a:pPr/>
-              <a:t>18</a:t>
+              <a:t>27</a:t>
             </a:fld>
             <a:endParaRPr lang="en-US"/>
           </a:p>
@@ -11569,7 +18128,7 @@
 </p:sld>
 </file>
 
-<file path=ppt/slides/slide19.xml><?xml version="1.0" encoding="utf-8"?>
+<file path=ppt/slides/slide28.xml><?xml version="1.0" encoding="utf-8"?>
 <p:sld xmlns:a="http://schemas.openxmlformats.org/drawingml/2006/main" xmlns:r="http://schemas.openxmlformats.org/officeDocument/2006/relationships" xmlns:p="http://schemas.openxmlformats.org/presentationml/2006/main">
   <p:cSld>
     <p:spTree>
@@ -11696,7 +18255,7 @@
           </a:ln>
           <a:extLst>
             <a:ext uri="{C572A759-6A51-4108-AA02-DFA0A04FC94B}">
-              <ma14:wrappingTextBoxFlag xmlns:ma14="http://schemas.microsoft.com/office/mac/drawingml/2011/main" xmlns:a14="http://schemas.microsoft.com/office/drawing/2010/main" xmlns:m="http://schemas.openxmlformats.org/officeDocument/2006/math" xmlns="" val="1"/>
+              <ma14:wrappingTextBoxFlag xmlns="" xmlns:m="http://schemas.openxmlformats.org/officeDocument/2006/math" xmlns:a14="http://schemas.microsoft.com/office/drawing/2010/main" xmlns:ma14="http://schemas.microsoft.com/office/mac/drawingml/2011/main" val="1"/>
             </a:ext>
           </a:extLst>
         </p:spPr>
@@ -12006,7 +18565,7 @@
             <a:fld id="{86CB4B4D-7CA3-9044-876B-883B54F8677D}" type="slidenum">
               <a:rPr lang="en-US" smtClean="0"/>
               <a:pPr/>
-              <a:t>19</a:t>
+              <a:t>28</a:t>
             </a:fld>
             <a:endParaRPr/>
           </a:p>
@@ -12088,166 +18647,7 @@
 </p:sld>
 </file>
 
-<file path=ppt/slides/slide2.xml><?xml version="1.0" encoding="utf-8"?>
-<p:sld xmlns:a="http://schemas.openxmlformats.org/drawingml/2006/main" xmlns:r="http://schemas.openxmlformats.org/officeDocument/2006/relationships" xmlns:p="http://schemas.openxmlformats.org/presentationml/2006/main">
-  <p:cSld>
-    <p:spTree>
-      <p:nvGrpSpPr>
-        <p:cNvPr id="1" name="">
-          <a:extLst>
-            <a:ext uri="{FF2B5EF4-FFF2-40B4-BE49-F238E27FC236}">
-              <a16:creationId xmlns:a16="http://schemas.microsoft.com/office/drawing/2014/main" id="{1622BE18-3AE8-5179-4D00-84381E759FB6}"/>
-            </a:ext>
-          </a:extLst>
-        </p:cNvPr>
-        <p:cNvGrpSpPr/>
-        <p:nvPr/>
-      </p:nvGrpSpPr>
-      <p:grpSpPr>
-        <a:xfrm>
-          <a:off x="0" y="0"/>
-          <a:ext cx="0" cy="0"/>
-          <a:chOff x="0" y="0"/>
-          <a:chExt cx="0" cy="0"/>
-        </a:xfrm>
-      </p:grpSpPr>
-      <p:sp>
-        <p:nvSpPr>
-          <p:cNvPr id="2" name="Title 1">
-            <a:extLst>
-              <a:ext uri="{FF2B5EF4-FFF2-40B4-BE49-F238E27FC236}">
-                <a16:creationId xmlns:a16="http://schemas.microsoft.com/office/drawing/2014/main" id="{9F68EF13-A512-C5B8-A0FE-38A71254D667}"/>
-              </a:ext>
-            </a:extLst>
-          </p:cNvPr>
-          <p:cNvSpPr>
-            <a:spLocks noGrp="1"/>
-          </p:cNvSpPr>
-          <p:nvPr>
-            <p:ph type="title"/>
-          </p:nvPr>
-        </p:nvSpPr>
-        <p:spPr>
-          <a:xfrm>
-            <a:off x="838200" y="18255"/>
-            <a:ext cx="10515600" cy="1325563"/>
-          </a:xfrm>
-        </p:spPr>
-        <p:txBody>
-          <a:bodyPr/>
-          <a:lstStyle/>
-          <a:p>
-            <a:r>
-              <a:rPr lang="en-US"/>
-              <a:t>Learning Goals for this Lesson</a:t>
-            </a:r>
-          </a:p>
-        </p:txBody>
-      </p:sp>
-      <p:sp>
-        <p:nvSpPr>
-          <p:cNvPr id="3" name="Content Placeholder 2">
-            <a:extLst>
-              <a:ext uri="{FF2B5EF4-FFF2-40B4-BE49-F238E27FC236}">
-                <a16:creationId xmlns:a16="http://schemas.microsoft.com/office/drawing/2014/main" id="{EF268340-BE83-1862-6D5D-0EE450FC7AC4}"/>
-              </a:ext>
-            </a:extLst>
-          </p:cNvPr>
-          <p:cNvSpPr>
-            <a:spLocks noGrp="1"/>
-          </p:cNvSpPr>
-          <p:nvPr>
-            <p:ph idx="1"/>
-          </p:nvPr>
-        </p:nvSpPr>
-        <p:spPr>
-          <a:xfrm>
-            <a:off x="838200" y="1500188"/>
-            <a:ext cx="7886700" cy="4351337"/>
-          </a:xfrm>
-        </p:spPr>
-        <p:txBody>
-          <a:bodyPr/>
-          <a:lstStyle/>
-          <a:p>
-            <a:pPr marL="0" indent="0">
-              <a:buNone/>
-            </a:pPr>
-            <a:r>
-              <a:rPr lang="en-US" dirty="0"/>
-              <a:t>At the end of this lesson, you should be able to</a:t>
-            </a:r>
-          </a:p>
-          <a:p>
-            <a:pPr lvl="1"/>
-            <a:r>
-              <a:rPr lang="en-US" dirty="0"/>
-              <a:t>Explain what code coverage is, and how different measures differ, including statements, branches, functions, and lines</a:t>
-            </a:r>
-          </a:p>
-          <a:p>
-            <a:pPr lvl="1"/>
-            <a:r>
-              <a:rPr lang="en-US" dirty="0"/>
-              <a:t>Explain the benefits of mutation testing</a:t>
-            </a:r>
-          </a:p>
-          <a:p>
-            <a:pPr lvl="1"/>
-            <a:endParaRPr lang="en-US" dirty="0"/>
-          </a:p>
-        </p:txBody>
-      </p:sp>
-      <p:sp>
-        <p:nvSpPr>
-          <p:cNvPr id="4" name="Slide Number Placeholder 3">
-            <a:extLst>
-              <a:ext uri="{FF2B5EF4-FFF2-40B4-BE49-F238E27FC236}">
-                <a16:creationId xmlns:a16="http://schemas.microsoft.com/office/drawing/2014/main" id="{C21BC9FA-323D-ED50-496E-44D057EBF080}"/>
-              </a:ext>
-            </a:extLst>
-          </p:cNvPr>
-          <p:cNvSpPr>
-            <a:spLocks noGrp="1"/>
-          </p:cNvSpPr>
-          <p:nvPr>
-            <p:ph type="sldNum" sz="quarter" idx="12"/>
-          </p:nvPr>
-        </p:nvSpPr>
-        <p:spPr>
-          <a:xfrm>
-            <a:off x="8610600" y="6356350"/>
-            <a:ext cx="2743200" cy="365125"/>
-          </a:xfrm>
-        </p:spPr>
-        <p:txBody>
-          <a:bodyPr/>
-          <a:lstStyle/>
-          <a:p>
-            <a:pPr lvl="0"/>
-            <a:fld id="{20F37917-FD3A-4669-9018-DA04BCDD3D75}" type="slidenum">
-              <a:rPr lang="en-US" noProof="0" smtClean="0"/>
-              <a:pPr lvl="0"/>
-              <a:t>2</a:t>
-            </a:fld>
-            <a:endParaRPr lang="en-US" noProof="0"/>
-          </a:p>
-        </p:txBody>
-      </p:sp>
-    </p:spTree>
-    <p:extLst>
-      <p:ext uri="{BB962C8B-B14F-4D97-AF65-F5344CB8AC3E}">
-        <p14:creationId xmlns:p14="http://schemas.microsoft.com/office/powerpoint/2010/main" val="1980094350"/>
-      </p:ext>
-    </p:extLst>
-  </p:cSld>
-  <p:clrMapOvr>
-    <a:masterClrMapping/>
-  </p:clrMapOvr>
-</p:sld>
-</file>
-
-<file path=ppt/slides/slide20.xml><?xml version="1.0" encoding="utf-8"?>
+<file path=ppt/slides/slide29.xml><?xml version="1.0" encoding="utf-8"?>
 <p:sld xmlns:a="http://schemas.openxmlformats.org/drawingml/2006/main" xmlns:r="http://schemas.openxmlformats.org/officeDocument/2006/relationships" xmlns:p="http://schemas.openxmlformats.org/presentationml/2006/main">
   <p:cSld>
     <p:spTree>
@@ -12431,7 +18831,7 @@
             <a:fld id="{20F37917-FD3A-4669-9018-DA04BCDD3D75}" type="slidenum">
               <a:rPr lang="en-US" noProof="0" smtClean="0"/>
               <a:pPr lvl="0"/>
-              <a:t>20</a:t>
+              <a:t>29</a:t>
             </a:fld>
             <a:endParaRPr lang="en-US" noProof="0"/>
           </a:p>
@@ -12747,7 +19147,7 @@
           </a:ln>
           <a:extLst>
             <a:ext uri="{C572A759-6A51-4108-AA02-DFA0A04FC94B}">
-              <ma14:wrappingTextBoxFlag xmlns:ma14="http://schemas.microsoft.com/office/mac/drawingml/2011/main" xmlns:a14="http://schemas.microsoft.com/office/drawing/2010/main" xmlns:m="http://schemas.openxmlformats.org/officeDocument/2006/math" xmlns="" val="1"/>
+              <ma14:wrappingTextBoxFlag xmlns="" xmlns:m="http://schemas.openxmlformats.org/officeDocument/2006/math" xmlns:a14="http://schemas.microsoft.com/office/drawing/2010/main" xmlns:ma14="http://schemas.microsoft.com/office/mac/drawingml/2011/main" val="1"/>
             </a:ext>
           </a:extLst>
         </p:spPr>
@@ -13139,7 +19539,7 @@
           <a:p>
             <a:r>
               <a:rPr lang="en-US" dirty="0"/>
-              <a:t>When I’ve described the valid inputs</a:t>
+              <a:t>When I’ve tested the valid inputs</a:t>
             </a:r>
           </a:p>
           <a:p>

--- a/Slides/Module 03.2 Code Coverage.pptx
+++ b/Slides/Module 03.2 Code Coverage.pptx
@@ -288,7 +288,7 @@
           <a:p>
             <a:fld id="{7C7E5181-6CF5-45F7-A87A-E0E0B1FD7549}" type="datetimeFigureOut">
               <a:rPr lang="en-US" smtClean="0"/>
-              <a:t>1/10/26</a:t>
+              <a:t>1/12/26</a:t>
             </a:fld>
             <a:endParaRPr lang="en-US"/>
           </a:p>
@@ -3608,7 +3608,7 @@
           <a:p>
             <a:fld id="{5D2A64DE-480B-420F-9649-4F8E696E08E0}" type="datetime1">
               <a:rPr lang="en-US" smtClean="0"/>
-              <a:t>1/10/26</a:t>
+              <a:t>1/12/26</a:t>
             </a:fld>
             <a:endParaRPr lang="en-US"/>
           </a:p>
@@ -3932,7 +3932,7 @@
           <a:p>
             <a:fld id="{EA476A42-A091-4468-A075-64A31BE59948}" type="datetime1">
               <a:rPr lang="en-US" smtClean="0"/>
-              <a:t>1/10/26</a:t>
+              <a:t>1/12/26</a:t>
             </a:fld>
             <a:endParaRPr lang="en-US"/>
           </a:p>
@@ -4130,7 +4130,7 @@
           <a:p>
             <a:fld id="{0D3616D0-8311-4107-9726-6B805E7D05BA}" type="datetime1">
               <a:rPr lang="en-US" smtClean="0"/>
-              <a:t>1/10/26</a:t>
+              <a:t>1/12/26</a:t>
             </a:fld>
             <a:endParaRPr lang="en-US"/>
           </a:p>
@@ -4338,7 +4338,7 @@
           <a:p>
             <a:fld id="{3BC2557A-5C88-417A-A763-5AC779462A5F}" type="datetime1">
               <a:rPr lang="en-US" smtClean="0"/>
-              <a:t>1/10/26</a:t>
+              <a:t>1/12/26</a:t>
             </a:fld>
             <a:endParaRPr lang="en-US"/>
           </a:p>
@@ -4760,7 +4760,7 @@
           <a:p>
             <a:fld id="{07C7BFD4-467E-4EDE-93EA-052F5B39A4E5}" type="datetime1">
               <a:rPr lang="en-US" smtClean="0"/>
-              <a:t>1/10/26</a:t>
+              <a:t>1/12/26</a:t>
             </a:fld>
             <a:endParaRPr lang="en-US"/>
           </a:p>
@@ -5010,7 +5010,7 @@
           <a:p>
             <a:fld id="{07C7BFD4-467E-4EDE-93EA-052F5B39A4E5}" type="datetime1">
               <a:rPr lang="en-US" smtClean="0"/>
-              <a:t>1/10/26</a:t>
+              <a:t>1/12/26</a:t>
             </a:fld>
             <a:endParaRPr lang="en-US"/>
           </a:p>
@@ -5192,7 +5192,7 @@
           <a:p>
             <a:fld id="{109E55A0-C911-4F03-82FC-7E5926047D46}" type="datetime1">
               <a:rPr lang="en-US" smtClean="0"/>
-              <a:t>1/10/26</a:t>
+              <a:t>1/12/26</a:t>
             </a:fld>
             <a:endParaRPr lang="en-US"/>
           </a:p>
@@ -5505,7 +5505,7 @@
           <a:p>
             <a:fld id="{A533CBE2-D5BE-47AC-ADC2-9CDFC1D0CF90}" type="datetime1">
               <a:rPr lang="en-US" smtClean="0"/>
-              <a:t>1/10/26</a:t>
+              <a:t>1/12/26</a:t>
             </a:fld>
             <a:endParaRPr lang="en-US"/>
           </a:p>
@@ -5806,7 +5806,7 @@
           <a:p>
             <a:fld id="{39B7EDB1-CE74-4951-85A2-0B01C2128E28}" type="datetime1">
               <a:rPr lang="en-US" smtClean="0"/>
-              <a:t>1/10/26</a:t>
+              <a:t>1/12/26</a:t>
             </a:fld>
             <a:endParaRPr lang="en-US"/>
           </a:p>
@@ -6254,7 +6254,7 @@
           <a:p>
             <a:fld id="{2BC7EB92-A5C2-4807-A9DC-9EDE6CBFB241}" type="datetime1">
               <a:rPr lang="en-US" smtClean="0"/>
-              <a:t>1/10/26</a:t>
+              <a:t>1/12/26</a:t>
             </a:fld>
             <a:endParaRPr lang="en-US"/>
           </a:p>
@@ -6367,7 +6367,7 @@
           <a:p>
             <a:fld id="{2B7B7EE0-7771-4CD5-9B2B-3550753A54A1}" type="datetime1">
               <a:rPr lang="en-US" smtClean="0"/>
-              <a:t>1/10/26</a:t>
+              <a:t>1/12/26</a:t>
             </a:fld>
             <a:endParaRPr lang="en-US"/>
           </a:p>
@@ -6678,7 +6678,7 @@
           <a:p>
             <a:fld id="{F8B318B3-0E87-4416-A9B8-D891968C2727}" type="datetime1">
               <a:rPr lang="en-US" smtClean="0"/>
-              <a:t>1/10/26</a:t>
+              <a:t>1/12/26</a:t>
             </a:fld>
             <a:endParaRPr lang="en-US"/>
           </a:p>
@@ -6919,7 +6919,7 @@
           <a:p>
             <a:fld id="{54D997E8-DDEE-43F1-8D9B-F8A1E11DE488}" type="datetime1">
               <a:rPr lang="en-US" smtClean="0"/>
-              <a:t>1/10/26</a:t>
+              <a:t>1/12/26</a:t>
             </a:fld>
             <a:endParaRPr lang="en-US"/>
           </a:p>
@@ -10937,6 +10937,13 @@
             </a:r>
           </a:p>
           <a:p>
+            <a:pPr lvl="1"/>
+            <a:r>
+              <a:rPr lang="en-US" dirty="0"/>
+              <a:t>“Coverage is no substitute for thought” — Rob Pike</a:t>
+            </a:r>
+          </a:p>
+          <a:p>
             <a:r>
               <a:rPr lang="en-US" dirty="0"/>
               <a:t>Coverage checking can be invaluable at identifying when you </a:t>
@@ -11202,7 +11209,7 @@
           </a:ln>
           <a:extLst>
             <a:ext uri="{C572A759-6A51-4108-AA02-DFA0A04FC94B}">
-              <ma14:wrappingTextBoxFlag xmlns:ma14="http://schemas.microsoft.com/office/mac/drawingml/2011/main" xmlns:a14="http://schemas.microsoft.com/office/drawing/2010/main" xmlns:m="http://schemas.openxmlformats.org/officeDocument/2006/math" xmlns="" val="1"/>
+              <ma14:wrappingTextBoxFlag xmlns="" xmlns:m="http://schemas.openxmlformats.org/officeDocument/2006/math" xmlns:a14="http://schemas.microsoft.com/office/drawing/2010/main" xmlns:ma14="http://schemas.microsoft.com/office/mac/drawingml/2011/main" val="1"/>
             </a:ext>
           </a:extLst>
         </p:spPr>
@@ -11540,7 +11547,7 @@
           </a:ln>
           <a:extLst>
             <a:ext uri="{C572A759-6A51-4108-AA02-DFA0A04FC94B}">
-              <ma14:wrappingTextBoxFlag xmlns:ma14="http://schemas.microsoft.com/office/mac/drawingml/2011/main" xmlns:a14="http://schemas.microsoft.com/office/drawing/2010/main" xmlns:m="http://schemas.openxmlformats.org/officeDocument/2006/math" xmlns="" val="1"/>
+              <ma14:wrappingTextBoxFlag xmlns="" xmlns:m="http://schemas.openxmlformats.org/officeDocument/2006/math" xmlns:a14="http://schemas.microsoft.com/office/drawing/2010/main" xmlns:ma14="http://schemas.microsoft.com/office/mac/drawingml/2011/main" val="1"/>
             </a:ext>
           </a:extLst>
         </p:spPr>
@@ -11965,7 +11972,7 @@
           </a:ln>
           <a:extLst>
             <a:ext uri="{C572A759-6A51-4108-AA02-DFA0A04FC94B}">
-              <ma14:wrappingTextBoxFlag xmlns:ma14="http://schemas.microsoft.com/office/mac/drawingml/2011/main" xmlns:a14="http://schemas.microsoft.com/office/drawing/2010/main" xmlns:m="http://schemas.openxmlformats.org/officeDocument/2006/math" xmlns="" val="1"/>
+              <ma14:wrappingTextBoxFlag xmlns="" xmlns:m="http://schemas.openxmlformats.org/officeDocument/2006/math" xmlns:a14="http://schemas.microsoft.com/office/drawing/2010/main" xmlns:ma14="http://schemas.microsoft.com/office/mac/drawingml/2011/main" val="1"/>
             </a:ext>
           </a:extLst>
         </p:spPr>
@@ -12002,7 +12009,7 @@
           </a:ln>
           <a:extLst>
             <a:ext uri="{C572A759-6A51-4108-AA02-DFA0A04FC94B}">
-              <ma14:wrappingTextBoxFlag xmlns:ma14="http://schemas.microsoft.com/office/mac/drawingml/2011/main" xmlns:a14="http://schemas.microsoft.com/office/drawing/2010/main" xmlns:m="http://schemas.openxmlformats.org/officeDocument/2006/math" xmlns="" val="1"/>
+              <ma14:wrappingTextBoxFlag xmlns="" xmlns:m="http://schemas.openxmlformats.org/officeDocument/2006/math" xmlns:a14="http://schemas.microsoft.com/office/drawing/2010/main" xmlns:ma14="http://schemas.microsoft.com/office/mac/drawingml/2011/main" val="1"/>
             </a:ext>
           </a:extLst>
         </p:spPr>
@@ -12065,7 +12072,7 @@
             </a:ln>
             <a:extLst>
               <a:ext uri="{C572A759-6A51-4108-AA02-DFA0A04FC94B}">
-                <ma14:wrappingTextBoxFlag xmlns:ma14="http://schemas.microsoft.com/office/mac/drawingml/2011/main" xmlns:a14="http://schemas.microsoft.com/office/drawing/2010/main" xmlns:m="http://schemas.openxmlformats.org/officeDocument/2006/math" xmlns="" val="1"/>
+                <ma14:wrappingTextBoxFlag xmlns="" xmlns:m="http://schemas.openxmlformats.org/officeDocument/2006/math" xmlns:a14="http://schemas.microsoft.com/office/drawing/2010/main" xmlns:ma14="http://schemas.microsoft.com/office/mac/drawingml/2011/main" val="1"/>
               </a:ext>
             </a:extLst>
           </p:spPr>
@@ -12696,7 +12703,7 @@
           </a:ln>
           <a:extLst>
             <a:ext uri="{C572A759-6A51-4108-AA02-DFA0A04FC94B}">
-              <ma14:wrappingTextBoxFlag xmlns:ma14="http://schemas.microsoft.com/office/mac/drawingml/2011/main" xmlns:a14="http://schemas.microsoft.com/office/drawing/2010/main" xmlns:m="http://schemas.openxmlformats.org/officeDocument/2006/math" xmlns="" val="1"/>
+              <ma14:wrappingTextBoxFlag xmlns="" xmlns:m="http://schemas.openxmlformats.org/officeDocument/2006/math" xmlns:a14="http://schemas.microsoft.com/office/drawing/2010/main" xmlns:ma14="http://schemas.microsoft.com/office/mac/drawingml/2011/main" val="1"/>
             </a:ext>
           </a:extLst>
         </p:spPr>
@@ -17229,7 +17236,7 @@
           </a:ln>
           <a:extLst>
             <a:ext uri="{C572A759-6A51-4108-AA02-DFA0A04FC94B}">
-              <ma14:wrappingTextBoxFlag xmlns:ma14="http://schemas.microsoft.com/office/mac/drawingml/2011/main" xmlns:a14="http://schemas.microsoft.com/office/drawing/2010/main" xmlns:m="http://schemas.openxmlformats.org/officeDocument/2006/math" xmlns="" val="1"/>
+              <ma14:wrappingTextBoxFlag xmlns="" xmlns:m="http://schemas.openxmlformats.org/officeDocument/2006/math" xmlns:a14="http://schemas.microsoft.com/office/drawing/2010/main" xmlns:ma14="http://schemas.microsoft.com/office/mac/drawingml/2011/main" val="1"/>
             </a:ext>
           </a:extLst>
         </p:spPr>
@@ -17594,7 +17601,7 @@
           </a:ln>
           <a:extLst>
             <a:ext uri="{C572A759-6A51-4108-AA02-DFA0A04FC94B}">
-              <ma14:wrappingTextBoxFlag xmlns:ma14="http://schemas.microsoft.com/office/mac/drawingml/2011/main" xmlns:a14="http://schemas.microsoft.com/office/drawing/2010/main" xmlns:m="http://schemas.openxmlformats.org/officeDocument/2006/math" xmlns="" val="1"/>
+              <ma14:wrappingTextBoxFlag xmlns="" xmlns:m="http://schemas.openxmlformats.org/officeDocument/2006/math" xmlns:a14="http://schemas.microsoft.com/office/drawing/2010/main" xmlns:ma14="http://schemas.microsoft.com/office/mac/drawingml/2011/main" val="1"/>
             </a:ext>
           </a:extLst>
         </p:spPr>
@@ -17763,7 +17770,7 @@
           </a:ln>
           <a:extLst>
             <a:ext uri="{C572A759-6A51-4108-AA02-DFA0A04FC94B}">
-              <ma14:wrappingTextBoxFlag xmlns:ma14="http://schemas.microsoft.com/office/mac/drawingml/2011/main" xmlns:a14="http://schemas.microsoft.com/office/drawing/2010/main" xmlns:m="http://schemas.openxmlformats.org/officeDocument/2006/math" xmlns="" val="1"/>
+              <ma14:wrappingTextBoxFlag xmlns="" xmlns:m="http://schemas.openxmlformats.org/officeDocument/2006/math" xmlns:a14="http://schemas.microsoft.com/office/drawing/2010/main" xmlns:ma14="http://schemas.microsoft.com/office/mac/drawingml/2011/main" val="1"/>
             </a:ext>
           </a:extLst>
         </p:spPr>
@@ -18255,7 +18262,7 @@
           </a:ln>
           <a:extLst>
             <a:ext uri="{C572A759-6A51-4108-AA02-DFA0A04FC94B}">
-              <ma14:wrappingTextBoxFlag xmlns="" xmlns:m="http://schemas.openxmlformats.org/officeDocument/2006/math" xmlns:a14="http://schemas.microsoft.com/office/drawing/2010/main" xmlns:ma14="http://schemas.microsoft.com/office/mac/drawingml/2011/main" val="1"/>
+              <ma14:wrappingTextBoxFlag xmlns:ma14="http://schemas.microsoft.com/office/mac/drawingml/2011/main" xmlns:a14="http://schemas.microsoft.com/office/drawing/2010/main" xmlns:m="http://schemas.openxmlformats.org/officeDocument/2006/math" xmlns="" val="1"/>
             </a:ext>
           </a:extLst>
         </p:spPr>
@@ -18763,7 +18770,7 @@
             <a:pPr lvl="1"/>
             <a:r>
               <a:rPr lang="en-US" dirty="0"/>
-              <a:t>When you’ve given representatives of all valid inputs?</a:t>
+              <a:t>When you’ve tested all valid inputs?</a:t>
             </a:r>
           </a:p>
           <a:p>
@@ -19147,7 +19154,7 @@
           </a:ln>
           <a:extLst>
             <a:ext uri="{C572A759-6A51-4108-AA02-DFA0A04FC94B}">
-              <ma14:wrappingTextBoxFlag xmlns="" xmlns:m="http://schemas.openxmlformats.org/officeDocument/2006/math" xmlns:a14="http://schemas.microsoft.com/office/drawing/2010/main" xmlns:ma14="http://schemas.microsoft.com/office/mac/drawingml/2011/main" val="1"/>
+              <ma14:wrappingTextBoxFlag xmlns:ma14="http://schemas.microsoft.com/office/mac/drawingml/2011/main" xmlns:a14="http://schemas.microsoft.com/office/drawing/2010/main" xmlns:m="http://schemas.openxmlformats.org/officeDocument/2006/math" xmlns="" val="1"/>
             </a:ext>
           </a:extLst>
         </p:spPr>

--- a/Slides/Module 03.2 Code Coverage.pptx
+++ b/Slides/Module 03.2 Code Coverage.pptx
@@ -5,7 +5,7 @@
     <p:sldMasterId id="2147483648" r:id="rId1"/>
   </p:sldMasterIdLst>
   <p:notesMasterIdLst>
-    <p:notesMasterId r:id="rId31"/>
+    <p:notesMasterId r:id="rId30"/>
   </p:notesMasterIdLst>
   <p:sldIdLst>
     <p:sldId id="485" r:id="rId2"/>
@@ -19,45 +19,44 @@
     <p:sldId id="587" r:id="rId10"/>
     <p:sldId id="652" r:id="rId11"/>
     <p:sldId id="681" r:id="rId12"/>
-    <p:sldId id="668" r:id="rId13"/>
-    <p:sldId id="661" r:id="rId14"/>
-    <p:sldId id="663" r:id="rId15"/>
-    <p:sldId id="589" r:id="rId16"/>
-    <p:sldId id="588" r:id="rId17"/>
-    <p:sldId id="658" r:id="rId18"/>
-    <p:sldId id="659" r:id="rId19"/>
-    <p:sldId id="614" r:id="rId20"/>
-    <p:sldId id="640" r:id="rId21"/>
-    <p:sldId id="641" r:id="rId22"/>
-    <p:sldId id="643" r:id="rId23"/>
-    <p:sldId id="644" r:id="rId24"/>
-    <p:sldId id="645" r:id="rId25"/>
-    <p:sldId id="646" r:id="rId26"/>
-    <p:sldId id="289" r:id="rId27"/>
-    <p:sldId id="660" r:id="rId28"/>
-    <p:sldId id="291" r:id="rId29"/>
-    <p:sldId id="669" r:id="rId30"/>
+    <p:sldId id="661" r:id="rId13"/>
+    <p:sldId id="663" r:id="rId14"/>
+    <p:sldId id="589" r:id="rId15"/>
+    <p:sldId id="588" r:id="rId16"/>
+    <p:sldId id="658" r:id="rId17"/>
+    <p:sldId id="659" r:id="rId18"/>
+    <p:sldId id="614" r:id="rId19"/>
+    <p:sldId id="640" r:id="rId20"/>
+    <p:sldId id="641" r:id="rId21"/>
+    <p:sldId id="643" r:id="rId22"/>
+    <p:sldId id="644" r:id="rId23"/>
+    <p:sldId id="645" r:id="rId24"/>
+    <p:sldId id="646" r:id="rId25"/>
+    <p:sldId id="289" r:id="rId26"/>
+    <p:sldId id="660" r:id="rId27"/>
+    <p:sldId id="291" r:id="rId28"/>
+    <p:sldId id="669" r:id="rId29"/>
   </p:sldIdLst>
   <p:sldSz cx="12192000" cy="6858000"/>
   <p:notesSz cx="6858000" cy="9144000"/>
   <p:embeddedFontLst>
     <p:embeddedFont>
       <p:font typeface="Consolas" panose="020B0609020204030204" pitchFamily="49" charset="0"/>
-      <p:regular r:id="rId32"/>
-      <p:bold r:id="rId33"/>
-      <p:italic r:id="rId34"/>
-      <p:boldItalic r:id="rId35"/>
+      <p:regular r:id="rId31"/>
+      <p:bold r:id="rId32"/>
+      <p:italic r:id="rId33"/>
+      <p:boldItalic r:id="rId34"/>
     </p:embeddedFont>
     <p:embeddedFont>
       <p:font typeface="Ink Free" panose="03080402000500000000" pitchFamily="66" charset="0"/>
-      <p:regular r:id="rId36"/>
+      <p:regular r:id="rId35"/>
     </p:embeddedFont>
     <p:embeddedFont>
       <p:font typeface="Verdana" panose="020B0604030504040204" pitchFamily="34" charset="0"/>
-      <p:regular r:id="rId37"/>
-      <p:bold r:id="rId38"/>
-      <p:italic r:id="rId39"/>
-      <p:boldItalic r:id="rId40"/>
+      <p:regular r:id="rId36"/>
+      <p:bold r:id="rId37"/>
+      <p:italic r:id="rId38"/>
+      <p:boldItalic r:id="rId39"/>
     </p:embeddedFont>
   </p:embeddedFontLst>
   <p:defaultTextStyle>
@@ -171,7 +170,6 @@
             <p14:sldId id="587"/>
             <p14:sldId id="652"/>
             <p14:sldId id="681"/>
-            <p14:sldId id="668"/>
             <p14:sldId id="661"/>
             <p14:sldId id="663"/>
             <p14:sldId id="589"/>
@@ -711,7 +709,7 @@
             </a:r>
             <a:r>
               <a:rPr lang="en-US" dirty="0"/>
-              <a:t> that gets </a:t>
+              <a:t> that gets untrusted inputs, there’s an extra branch that needs to be tested: we need to give at least a valid and invalid input.</a:t>
             </a:r>
           </a:p>
         </p:txBody>
@@ -759,126 +757,6 @@
 </file>
 
 <file path=ppt/notesSlides/notesSlide11.xml><?xml version="1.0" encoding="utf-8"?>
-<p:notes xmlns:a="http://schemas.openxmlformats.org/drawingml/2006/main" xmlns:r="http://schemas.openxmlformats.org/officeDocument/2006/relationships" xmlns:p="http://schemas.openxmlformats.org/presentationml/2006/main">
-  <p:cSld>
-    <p:spTree>
-      <p:nvGrpSpPr>
-        <p:cNvPr id="1" name="">
-          <a:extLst>
-            <a:ext uri="{FF2B5EF4-FFF2-40B4-BE49-F238E27FC236}">
-              <a16:creationId xmlns:a16="http://schemas.microsoft.com/office/drawing/2014/main" id="{E5EE018B-B5C0-8E63-922E-16FFF772EF03}"/>
-            </a:ext>
-          </a:extLst>
-        </p:cNvPr>
-        <p:cNvGrpSpPr/>
-        <p:nvPr/>
-      </p:nvGrpSpPr>
-      <p:grpSpPr>
-        <a:xfrm>
-          <a:off x="0" y="0"/>
-          <a:ext cx="0" cy="0"/>
-          <a:chOff x="0" y="0"/>
-          <a:chExt cx="0" cy="0"/>
-        </a:xfrm>
-      </p:grpSpPr>
-      <p:sp>
-        <p:nvSpPr>
-          <p:cNvPr id="2" name="Slide Image Placeholder 1">
-            <a:extLst>
-              <a:ext uri="{FF2B5EF4-FFF2-40B4-BE49-F238E27FC236}">
-                <a16:creationId xmlns:a16="http://schemas.microsoft.com/office/drawing/2014/main" id="{B5EFC89D-9A7E-D0AD-5328-E8CAA21AA8A4}"/>
-              </a:ext>
-            </a:extLst>
-          </p:cNvPr>
-          <p:cNvSpPr>
-            <a:spLocks noGrp="1" noRot="1" noChangeAspect="1"/>
-          </p:cNvSpPr>
-          <p:nvPr>
-            <p:ph type="sldImg"/>
-          </p:nvPr>
-        </p:nvSpPr>
-        <p:spPr/>
-      </p:sp>
-      <p:sp>
-        <p:nvSpPr>
-          <p:cNvPr id="3" name="Notes Placeholder 2">
-            <a:extLst>
-              <a:ext uri="{FF2B5EF4-FFF2-40B4-BE49-F238E27FC236}">
-                <a16:creationId xmlns:a16="http://schemas.microsoft.com/office/drawing/2014/main" id="{F80BA0FE-C0B5-199C-5FA1-D535ACC1E703}"/>
-              </a:ext>
-            </a:extLst>
-          </p:cNvPr>
-          <p:cNvSpPr>
-            <a:spLocks noGrp="1"/>
-          </p:cNvSpPr>
-          <p:nvPr>
-            <p:ph type="body" idx="1"/>
-          </p:nvPr>
-        </p:nvSpPr>
-        <p:spPr/>
-        <p:txBody>
-          <a:bodyPr/>
-          <a:lstStyle/>
-          <a:p>
-            <a:r>
-              <a:rPr lang="en-US" dirty="0"/>
-              <a:t>When we take an </a:t>
-            </a:r>
-            <a:r>
-              <a:rPr lang="en-US" i="1" dirty="0"/>
-              <a:t>unknown </a:t>
-            </a:r>
-            <a:r>
-              <a:rPr lang="en-US" i="0" dirty="0"/>
-              <a:t>input and validate it, that puts a branch in our code, and so branch coverage obligates us to write tests that pass and fail authentication.</a:t>
-            </a:r>
-            <a:endParaRPr lang="en-US" dirty="0"/>
-          </a:p>
-        </p:txBody>
-      </p:sp>
-      <p:sp>
-        <p:nvSpPr>
-          <p:cNvPr id="4" name="Slide Number Placeholder 3">
-            <a:extLst>
-              <a:ext uri="{FF2B5EF4-FFF2-40B4-BE49-F238E27FC236}">
-                <a16:creationId xmlns:a16="http://schemas.microsoft.com/office/drawing/2014/main" id="{E7E1F34A-B2C8-97DF-B7FD-B99B5C8B2671}"/>
-              </a:ext>
-            </a:extLst>
-          </p:cNvPr>
-          <p:cNvSpPr>
-            <a:spLocks noGrp="1"/>
-          </p:cNvSpPr>
-          <p:nvPr>
-            <p:ph type="sldNum" sz="quarter" idx="5"/>
-          </p:nvPr>
-        </p:nvSpPr>
-        <p:spPr/>
-        <p:txBody>
-          <a:bodyPr/>
-          <a:lstStyle/>
-          <a:p>
-            <a:fld id="{07937F07-1250-4CCE-B198-1B2887014F41}" type="slidenum">
-              <a:rPr lang="en-US" smtClean="0"/>
-              <a:t>12</a:t>
-            </a:fld>
-            <a:endParaRPr lang="en-US"/>
-          </a:p>
-        </p:txBody>
-      </p:sp>
-    </p:spTree>
-    <p:extLst>
-      <p:ext uri="{BB962C8B-B14F-4D97-AF65-F5344CB8AC3E}">
-        <p14:creationId xmlns:p14="http://schemas.microsoft.com/office/powerpoint/2010/main" val="2981580793"/>
-      </p:ext>
-    </p:extLst>
-  </p:cSld>
-  <p:clrMapOvr>
-    <a:masterClrMapping/>
-  </p:clrMapOvr>
-</p:notes>
-</file>
-
-<file path=ppt/notesSlides/notesSlide12.xml><?xml version="1.0" encoding="utf-8"?>
 <p:notes xmlns:a="http://schemas.openxmlformats.org/drawingml/2006/main" xmlns:r="http://schemas.openxmlformats.org/officeDocument/2006/relationships" xmlns:p="http://schemas.openxmlformats.org/presentationml/2006/main">
   <p:cSld>
     <p:spTree>
@@ -1007,7 +885,7 @@
           <a:p>
             <a:fld id="{07937F07-1250-4CCE-B198-1B2887014F41}" type="slidenum">
               <a:rPr lang="en-US" smtClean="0"/>
-              <a:t>13</a:t>
+              <a:t>12</a:t>
             </a:fld>
             <a:endParaRPr lang="en-US"/>
           </a:p>
@@ -1026,7 +904,7 @@
 </p:notes>
 </file>
 
-<file path=ppt/notesSlides/notesSlide13.xml><?xml version="1.0" encoding="utf-8"?>
+<file path=ppt/notesSlides/notesSlide12.xml><?xml version="1.0" encoding="utf-8"?>
 <p:notes xmlns:a="http://schemas.openxmlformats.org/drawingml/2006/main" xmlns:r="http://schemas.openxmlformats.org/officeDocument/2006/relationships" xmlns:p="http://schemas.openxmlformats.org/presentationml/2006/main">
   <p:cSld>
     <p:spTree>
@@ -1115,7 +993,7 @@
           <a:p>
             <a:fld id="{07937F07-1250-4CCE-B198-1B2887014F41}" type="slidenum">
               <a:rPr lang="en-US" smtClean="0"/>
-              <a:t>14</a:t>
+              <a:t>13</a:t>
             </a:fld>
             <a:endParaRPr lang="en-US"/>
           </a:p>
@@ -1125,6 +1003,93 @@
     <p:extLst>
       <p:ext uri="{BB962C8B-B14F-4D97-AF65-F5344CB8AC3E}">
         <p14:creationId xmlns:p14="http://schemas.microsoft.com/office/powerpoint/2010/main" val="2943393318"/>
+      </p:ext>
+    </p:extLst>
+  </p:cSld>
+  <p:clrMapOvr>
+    <a:masterClrMapping/>
+  </p:clrMapOvr>
+</p:notes>
+</file>
+
+<file path=ppt/notesSlides/notesSlide13.xml><?xml version="1.0" encoding="utf-8"?>
+<p:notes xmlns:a="http://schemas.openxmlformats.org/drawingml/2006/main" xmlns:r="http://schemas.openxmlformats.org/officeDocument/2006/relationships" xmlns:p="http://schemas.openxmlformats.org/presentationml/2006/main">
+  <p:cSld>
+    <p:spTree>
+      <p:nvGrpSpPr>
+        <p:cNvPr id="1" name=""/>
+        <p:cNvGrpSpPr/>
+        <p:nvPr/>
+      </p:nvGrpSpPr>
+      <p:grpSpPr>
+        <a:xfrm>
+          <a:off x="0" y="0"/>
+          <a:ext cx="0" cy="0"/>
+          <a:chOff x="0" y="0"/>
+          <a:chExt cx="0" cy="0"/>
+        </a:xfrm>
+      </p:grpSpPr>
+      <p:sp>
+        <p:nvSpPr>
+          <p:cNvPr id="2" name="Slide Image Placeholder 1"/>
+          <p:cNvSpPr>
+            <a:spLocks noGrp="1" noRot="1" noChangeAspect="1"/>
+          </p:cNvSpPr>
+          <p:nvPr>
+            <p:ph type="sldImg"/>
+          </p:nvPr>
+        </p:nvSpPr>
+        <p:spPr/>
+      </p:sp>
+      <p:sp>
+        <p:nvSpPr>
+          <p:cNvPr id="3" name="Notes Placeholder 2"/>
+          <p:cNvSpPr>
+            <a:spLocks noGrp="1"/>
+          </p:cNvSpPr>
+          <p:nvPr>
+            <p:ph type="body" idx="1"/>
+          </p:nvPr>
+        </p:nvSpPr>
+        <p:spPr/>
+        <p:txBody>
+          <a:bodyPr/>
+          <a:lstStyle/>
+          <a:p>
+            <a:r>
+              <a:rPr lang="en-US" dirty="0"/>
+              <a:t>(Rob: I’ve been saved more than once by trying to intentionally break my code and noticing that the test I expected to fail didn’t fail — this meant the test wasn’t checking what I expected it to!)</a:t>
+            </a:r>
+          </a:p>
+        </p:txBody>
+      </p:sp>
+      <p:sp>
+        <p:nvSpPr>
+          <p:cNvPr id="4" name="Slide Number Placeholder 3"/>
+          <p:cNvSpPr>
+            <a:spLocks noGrp="1"/>
+          </p:cNvSpPr>
+          <p:nvPr>
+            <p:ph type="sldNum" sz="quarter" idx="5"/>
+          </p:nvPr>
+        </p:nvSpPr>
+        <p:spPr/>
+        <p:txBody>
+          <a:bodyPr/>
+          <a:lstStyle/>
+          <a:p>
+            <a:fld id="{07937F07-1250-4CCE-B198-1B2887014F41}" type="slidenum">
+              <a:rPr lang="en-US" smtClean="0"/>
+              <a:t>14</a:t>
+            </a:fld>
+            <a:endParaRPr lang="en-US"/>
+          </a:p>
+        </p:txBody>
+      </p:sp>
+    </p:spTree>
+    <p:extLst>
+      <p:ext uri="{BB962C8B-B14F-4D97-AF65-F5344CB8AC3E}">
+        <p14:creationId xmlns:p14="http://schemas.microsoft.com/office/powerpoint/2010/main" val="3918090583"/>
       </p:ext>
     </p:extLst>
   </p:cSld>
@@ -1180,8 +1145,32 @@
           <a:p>
             <a:r>
               <a:rPr lang="en-US" dirty="0"/>
-              <a:t>(Rob: I’ve been saved more than once by trying to intentionally break my code and noticing that the test I expected to fail didn’t fail — this meant the test wasn’t checking what I expected it to!)</a:t>
-            </a:r>
+              <a:t>When we need a graph to measure “have we written enough tests,” code coverage is absolutely what everyone uses. But we’ve just seen a couple of ways that this can fail to tell us that we’ve written enough tests — or at least, fail to tell us when our tests are any good.</a:t>
+            </a:r>
+          </a:p>
+          <a:p>
+            <a:endParaRPr lang="en-US" dirty="0"/>
+          </a:p>
+          <a:p>
+            <a:r>
+              <a:rPr lang="en-US" dirty="0"/>
+              <a:t>A much more robust way to think about the question of have I written enough tests is the idea of </a:t>
+            </a:r>
+            <a:r>
+              <a:rPr lang="en-US" i="1" dirty="0"/>
+              <a:t>adversarial testing</a:t>
+            </a:r>
+            <a:r>
+              <a:rPr lang="en-US" i="0" dirty="0"/>
+              <a:t>. Could someone else write a buggy version of your code that your tests would fail to catch?</a:t>
+            </a:r>
+            <a:endParaRPr lang="en-US" dirty="0"/>
+          </a:p>
+          <a:p>
+            <a:endParaRPr lang="en-US" dirty="0"/>
+          </a:p>
+          <a:p>
+            <a:endParaRPr lang="en-US" dirty="0"/>
           </a:p>
         </p:txBody>
       </p:sp>
@@ -1211,7 +1200,7 @@
     </p:spTree>
     <p:extLst>
       <p:ext uri="{BB962C8B-B14F-4D97-AF65-F5344CB8AC3E}">
-        <p14:creationId xmlns:p14="http://schemas.microsoft.com/office/powerpoint/2010/main" val="3918090583"/>
+        <p14:creationId xmlns:p14="http://schemas.microsoft.com/office/powerpoint/2010/main" val="2796793573"/>
       </p:ext>
     </p:extLst>
   </p:cSld>
@@ -1222,117 +1211,6 @@
 </file>
 
 <file path=ppt/notesSlides/notesSlide15.xml><?xml version="1.0" encoding="utf-8"?>
-<p:notes xmlns:a="http://schemas.openxmlformats.org/drawingml/2006/main" xmlns:r="http://schemas.openxmlformats.org/officeDocument/2006/relationships" xmlns:p="http://schemas.openxmlformats.org/presentationml/2006/main">
-  <p:cSld>
-    <p:spTree>
-      <p:nvGrpSpPr>
-        <p:cNvPr id="1" name=""/>
-        <p:cNvGrpSpPr/>
-        <p:nvPr/>
-      </p:nvGrpSpPr>
-      <p:grpSpPr>
-        <a:xfrm>
-          <a:off x="0" y="0"/>
-          <a:ext cx="0" cy="0"/>
-          <a:chOff x="0" y="0"/>
-          <a:chExt cx="0" cy="0"/>
-        </a:xfrm>
-      </p:grpSpPr>
-      <p:sp>
-        <p:nvSpPr>
-          <p:cNvPr id="2" name="Slide Image Placeholder 1"/>
-          <p:cNvSpPr>
-            <a:spLocks noGrp="1" noRot="1" noChangeAspect="1"/>
-          </p:cNvSpPr>
-          <p:nvPr>
-            <p:ph type="sldImg"/>
-          </p:nvPr>
-        </p:nvSpPr>
-        <p:spPr/>
-      </p:sp>
-      <p:sp>
-        <p:nvSpPr>
-          <p:cNvPr id="3" name="Notes Placeholder 2"/>
-          <p:cNvSpPr>
-            <a:spLocks noGrp="1"/>
-          </p:cNvSpPr>
-          <p:nvPr>
-            <p:ph type="body" idx="1"/>
-          </p:nvPr>
-        </p:nvSpPr>
-        <p:spPr/>
-        <p:txBody>
-          <a:bodyPr/>
-          <a:lstStyle/>
-          <a:p>
-            <a:r>
-              <a:rPr lang="en-US" dirty="0"/>
-              <a:t>When we need a graph to measure “have we written enough tests,” code coverage is absolutely what everyone uses. But we’ve just seen a couple of ways that this can fail to tell us that we’ve written enough tests — or at least, fail to tell us when our tests are any good.</a:t>
-            </a:r>
-          </a:p>
-          <a:p>
-            <a:endParaRPr lang="en-US" dirty="0"/>
-          </a:p>
-          <a:p>
-            <a:r>
-              <a:rPr lang="en-US" dirty="0"/>
-              <a:t>A much more robust way to think about the question of have I written enough tests is the idea of </a:t>
-            </a:r>
-            <a:r>
-              <a:rPr lang="en-US" i="1" dirty="0"/>
-              <a:t>adversarial testing</a:t>
-            </a:r>
-            <a:r>
-              <a:rPr lang="en-US" i="0" dirty="0"/>
-              <a:t>. Could someone else write a buggy version of your code that your tests would fail to catch?</a:t>
-            </a:r>
-            <a:endParaRPr lang="en-US" dirty="0"/>
-          </a:p>
-          <a:p>
-            <a:endParaRPr lang="en-US" dirty="0"/>
-          </a:p>
-          <a:p>
-            <a:endParaRPr lang="en-US" dirty="0"/>
-          </a:p>
-        </p:txBody>
-      </p:sp>
-      <p:sp>
-        <p:nvSpPr>
-          <p:cNvPr id="4" name="Slide Number Placeholder 3"/>
-          <p:cNvSpPr>
-            <a:spLocks noGrp="1"/>
-          </p:cNvSpPr>
-          <p:nvPr>
-            <p:ph type="sldNum" sz="quarter" idx="5"/>
-          </p:nvPr>
-        </p:nvSpPr>
-        <p:spPr/>
-        <p:txBody>
-          <a:bodyPr/>
-          <a:lstStyle/>
-          <a:p>
-            <a:fld id="{07937F07-1250-4CCE-B198-1B2887014F41}" type="slidenum">
-              <a:rPr lang="en-US" smtClean="0"/>
-              <a:t>16</a:t>
-            </a:fld>
-            <a:endParaRPr lang="en-US"/>
-          </a:p>
-        </p:txBody>
-      </p:sp>
-    </p:spTree>
-    <p:extLst>
-      <p:ext uri="{BB962C8B-B14F-4D97-AF65-F5344CB8AC3E}">
-        <p14:creationId xmlns:p14="http://schemas.microsoft.com/office/powerpoint/2010/main" val="2796793573"/>
-      </p:ext>
-    </p:extLst>
-  </p:cSld>
-  <p:clrMapOvr>
-    <a:masterClrMapping/>
-  </p:clrMapOvr>
-</p:notes>
-</file>
-
-<file path=ppt/notesSlides/notesSlide16.xml><?xml version="1.0" encoding="utf-8"?>
 <p:notes xmlns:a="http://schemas.openxmlformats.org/drawingml/2006/main" xmlns:r="http://schemas.openxmlformats.org/officeDocument/2006/relationships" xmlns:p="http://schemas.openxmlformats.org/presentationml/2006/main">
   <p:cSld>
     <p:spTree>
@@ -1466,7 +1344,7 @@
 </p:notes>
 </file>
 
-<file path=ppt/notesSlides/notesSlide17.xml><?xml version="1.0" encoding="utf-8"?>
+<file path=ppt/notesSlides/notesSlide16.xml><?xml version="1.0" encoding="utf-8"?>
 <p:notes xmlns:a="http://schemas.openxmlformats.org/drawingml/2006/main" xmlns:r="http://schemas.openxmlformats.org/officeDocument/2006/relationships" xmlns:p="http://schemas.openxmlformats.org/presentationml/2006/main">
   <p:cSld>
     <p:spTree>
@@ -1568,6 +1446,75 @@
     <p:extLst>
       <p:ext uri="{BB962C8B-B14F-4D97-AF65-F5344CB8AC3E}">
         <p14:creationId xmlns:p14="http://schemas.microsoft.com/office/powerpoint/2010/main" val="3667407072"/>
+      </p:ext>
+    </p:extLst>
+  </p:cSld>
+  <p:clrMapOvr>
+    <a:masterClrMapping/>
+  </p:clrMapOvr>
+</p:notes>
+</file>
+
+<file path=ppt/notesSlides/notesSlide17.xml><?xml version="1.0" encoding="utf-8"?>
+<p:notes xmlns:a="http://schemas.openxmlformats.org/drawingml/2006/main" xmlns:r="http://schemas.openxmlformats.org/officeDocument/2006/relationships" xmlns:p="http://schemas.openxmlformats.org/presentationml/2006/main">
+  <p:cSld>
+    <p:spTree>
+      <p:nvGrpSpPr>
+        <p:cNvPr id="1" name=""/>
+        <p:cNvGrpSpPr/>
+        <p:nvPr/>
+      </p:nvGrpSpPr>
+      <p:grpSpPr>
+        <a:xfrm>
+          <a:off x="0" y="0"/>
+          <a:ext cx="0" cy="0"/>
+          <a:chOff x="0" y="0"/>
+          <a:chExt cx="0" cy="0"/>
+        </a:xfrm>
+      </p:grpSpPr>
+      <p:sp>
+        <p:nvSpPr>
+          <p:cNvPr id="2" name="Slide Image Placeholder 1"/>
+          <p:cNvSpPr>
+            <a:spLocks noGrp="1" noRot="1" noChangeAspect="1"/>
+          </p:cNvSpPr>
+          <p:nvPr>
+            <p:ph type="sldImg"/>
+          </p:nvPr>
+        </p:nvSpPr>
+        <p:spPr>
+          <a:xfrm>
+            <a:off x="381000" y="685800"/>
+            <a:ext cx="6096000" cy="3429000"/>
+          </a:xfrm>
+        </p:spPr>
+      </p:sp>
+      <p:sp>
+        <p:nvSpPr>
+          <p:cNvPr id="3" name="Notes Placeholder 2"/>
+          <p:cNvSpPr>
+            <a:spLocks noGrp="1"/>
+          </p:cNvSpPr>
+          <p:nvPr>
+            <p:ph type="body" idx="1"/>
+          </p:nvPr>
+        </p:nvSpPr>
+        <p:spPr/>
+        <p:txBody>
+          <a:bodyPr/>
+          <a:lstStyle/>
+          <a:p>
+            <a:r>
+              <a:rPr lang="en-US" dirty="0"/>
+              <a:t>&lt;read slide&gt;</a:t>
+            </a:r>
+          </a:p>
+        </p:txBody>
+      </p:sp>
+    </p:spTree>
+    <p:extLst>
+      <p:ext uri="{BB962C8B-B14F-4D97-AF65-F5344CB8AC3E}">
+        <p14:creationId xmlns:p14="http://schemas.microsoft.com/office/powerpoint/2010/main" val="682520724"/>
       </p:ext>
     </p:extLst>
   </p:cSld>
@@ -1628,7 +1575,7 @@
           <a:p>
             <a:r>
               <a:rPr lang="en-US" dirty="0"/>
-              <a:t>&lt;read slide&gt;</a:t>
+              <a:t>Let's look at a tiny example. &lt;Read Slide&gt; Next, let's look at the Stryker report for this example.</a:t>
             </a:r>
           </a:p>
         </p:txBody>
@@ -1636,7 +1583,7 @@
     </p:spTree>
     <p:extLst>
       <p:ext uri="{BB962C8B-B14F-4D97-AF65-F5344CB8AC3E}">
-        <p14:creationId xmlns:p14="http://schemas.microsoft.com/office/powerpoint/2010/main" val="682520724"/>
+        <p14:creationId xmlns:p14="http://schemas.microsoft.com/office/powerpoint/2010/main" val="1442141339"/>
       </p:ext>
     </p:extLst>
   </p:cSld>
@@ -1697,15 +1644,27 @@
           <a:p>
             <a:r>
               <a:rPr lang="en-US" dirty="0"/>
-              <a:t>Let's look at a tiny example. &lt;Read Slide&gt; Next, let's look at the Stryker report for this example.</a:t>
-            </a:r>
+              <a:t>Here is the actual Stryker report for my initial set of tests.  (There was actually only one test in my suite, but that doesn't make a difference)</a:t>
+            </a:r>
+          </a:p>
+          <a:p>
+            <a:endParaRPr lang="en-US" dirty="0"/>
+          </a:p>
+          <a:p>
+            <a:r>
+              <a:rPr lang="en-US" dirty="0"/>
+              <a:t>Let's look at each of these mutants in turn.  Point out: the location of the mutation; the titles of the test(s) that covered this location (in this case, there was only one test, so they are both the same).</a:t>
+            </a:r>
+          </a:p>
+          <a:p>
+            <a:endParaRPr lang="en-US" dirty="0"/>
           </a:p>
         </p:txBody>
       </p:sp>
     </p:spTree>
     <p:extLst>
       <p:ext uri="{BB962C8B-B14F-4D97-AF65-F5344CB8AC3E}">
-        <p14:creationId xmlns:p14="http://schemas.microsoft.com/office/powerpoint/2010/main" val="1442141339"/>
+        <p14:creationId xmlns:p14="http://schemas.microsoft.com/office/powerpoint/2010/main" val="4157729365"/>
       </p:ext>
     </p:extLst>
   </p:cSld>
@@ -1934,7 +1893,13 @@
           <a:p>
             <a:r>
               <a:rPr lang="en-US" dirty="0"/>
-              <a:t>Here is the actual Stryker report for my initial set of tests.  (There was actually only one test in my suite, but that doesn't make a difference)</a:t>
+              <a:t>When do these code fragments behave differently?  How could we give the program an input that makes the mutant fail?.</a:t>
+            </a:r>
+          </a:p>
+          <a:p>
+            <a:r>
+              <a:rPr lang="en-US" dirty="0"/>
+              <a:t>Discuss.</a:t>
             </a:r>
           </a:p>
           <a:p>
@@ -1943,18 +1908,15 @@
           <a:p>
             <a:r>
               <a:rPr lang="en-US" dirty="0"/>
-              <a:t>Let's look at each of these mutants in turn.  Point out: the location of the mutation; the titles of the test(s) that covered this location (in this case, there was only one test, so they are both the same).</a:t>
-            </a:r>
-          </a:p>
-          <a:p>
-            <a:endParaRPr lang="en-US" dirty="0"/>
+              <a:t>Ans: the mutant always returns the first element of the list.   You could distinguish them by giving an input that should return some other element of the list</a:t>
+            </a:r>
           </a:p>
         </p:txBody>
       </p:sp>
     </p:spTree>
     <p:extLst>
       <p:ext uri="{BB962C8B-B14F-4D97-AF65-F5344CB8AC3E}">
-        <p14:creationId xmlns:p14="http://schemas.microsoft.com/office/powerpoint/2010/main" val="4157729365"/>
+        <p14:creationId xmlns:p14="http://schemas.microsoft.com/office/powerpoint/2010/main" val="445764883"/>
       </p:ext>
     </p:extLst>
   </p:cSld>
@@ -2015,13 +1977,16 @@
           <a:p>
             <a:r>
               <a:rPr lang="en-US" dirty="0"/>
-              <a:t>When do these code fragments behave differently?  How could we give the program an input that makes the mutant fail?.</a:t>
-            </a:r>
+              <a:t>Under what conditions will these two program fragments behave differently?  How could we write a test to create those conditions? </a:t>
+            </a:r>
+          </a:p>
+          <a:p>
+            <a:endParaRPr lang="en-US" dirty="0"/>
           </a:p>
           <a:p>
             <a:r>
               <a:rPr lang="en-US" dirty="0"/>
-              <a:t>Discuss.</a:t>
+              <a:t>DISCUSS.</a:t>
             </a:r>
           </a:p>
           <a:p>
@@ -2030,7 +1995,7 @@
           <a:p>
             <a:r>
               <a:rPr lang="en-US" dirty="0"/>
-              <a:t>Ans: the mutant always returns the first element of the list.   You could distinguish them by giving an input that should return some other element of the list</a:t>
+              <a:t>ANS: if the target is equal to one of the list items, the second one will keep going and return a different one.</a:t>
             </a:r>
           </a:p>
         </p:txBody>
@@ -2038,7 +2003,7 @@
     </p:spTree>
     <p:extLst>
       <p:ext uri="{BB962C8B-B14F-4D97-AF65-F5344CB8AC3E}">
-        <p14:creationId xmlns:p14="http://schemas.microsoft.com/office/powerpoint/2010/main" val="445764883"/>
+        <p14:creationId xmlns:p14="http://schemas.microsoft.com/office/powerpoint/2010/main" val="169051177"/>
       </p:ext>
     </p:extLst>
   </p:cSld>
@@ -2099,25 +2064,7 @@
           <a:p>
             <a:r>
               <a:rPr lang="en-US" dirty="0"/>
-              <a:t>Under what conditions will these two program fragments behave differently?  How could we write a test to create those conditions? </a:t>
-            </a:r>
-          </a:p>
-          <a:p>
-            <a:endParaRPr lang="en-US" dirty="0"/>
-          </a:p>
-          <a:p>
-            <a:r>
-              <a:rPr lang="en-US" dirty="0"/>
-              <a:t>DISCUSS.</a:t>
-            </a:r>
-          </a:p>
-          <a:p>
-            <a:endParaRPr lang="en-US" dirty="0"/>
-          </a:p>
-          <a:p>
-            <a:r>
-              <a:rPr lang="en-US" dirty="0"/>
-              <a:t>ANS: if the target is equal to one of the list items, the second one will keep going and return a different one.</a:t>
+              <a:t>We've made the mutant fail, but our correct program succeeds.</a:t>
             </a:r>
           </a:p>
         </p:txBody>
@@ -2125,7 +2072,7 @@
     </p:spTree>
     <p:extLst>
       <p:ext uri="{BB962C8B-B14F-4D97-AF65-F5344CB8AC3E}">
-        <p14:creationId xmlns:p14="http://schemas.microsoft.com/office/powerpoint/2010/main" val="169051177"/>
+        <p14:creationId xmlns:p14="http://schemas.microsoft.com/office/powerpoint/2010/main" val="346233588"/>
       </p:ext>
     </p:extLst>
   </p:cSld>
@@ -2186,75 +2133,6 @@
           <a:p>
             <a:r>
               <a:rPr lang="en-US" dirty="0"/>
-              <a:t>We've made the mutant fail, but our correct program succeeds.</a:t>
-            </a:r>
-          </a:p>
-        </p:txBody>
-      </p:sp>
-    </p:spTree>
-    <p:extLst>
-      <p:ext uri="{BB962C8B-B14F-4D97-AF65-F5344CB8AC3E}">
-        <p14:creationId xmlns:p14="http://schemas.microsoft.com/office/powerpoint/2010/main" val="346233588"/>
-      </p:ext>
-    </p:extLst>
-  </p:cSld>
-  <p:clrMapOvr>
-    <a:masterClrMapping/>
-  </p:clrMapOvr>
-</p:notes>
-</file>
-
-<file path=ppt/notesSlides/notesSlide24.xml><?xml version="1.0" encoding="utf-8"?>
-<p:notes xmlns:a="http://schemas.openxmlformats.org/drawingml/2006/main" xmlns:r="http://schemas.openxmlformats.org/officeDocument/2006/relationships" xmlns:p="http://schemas.openxmlformats.org/presentationml/2006/main">
-  <p:cSld>
-    <p:spTree>
-      <p:nvGrpSpPr>
-        <p:cNvPr id="1" name=""/>
-        <p:cNvGrpSpPr/>
-        <p:nvPr/>
-      </p:nvGrpSpPr>
-      <p:grpSpPr>
-        <a:xfrm>
-          <a:off x="0" y="0"/>
-          <a:ext cx="0" cy="0"/>
-          <a:chOff x="0" y="0"/>
-          <a:chExt cx="0" cy="0"/>
-        </a:xfrm>
-      </p:grpSpPr>
-      <p:sp>
-        <p:nvSpPr>
-          <p:cNvPr id="2" name="Slide Image Placeholder 1"/>
-          <p:cNvSpPr>
-            <a:spLocks noGrp="1" noRot="1" noChangeAspect="1"/>
-          </p:cNvSpPr>
-          <p:nvPr>
-            <p:ph type="sldImg"/>
-          </p:nvPr>
-        </p:nvSpPr>
-        <p:spPr>
-          <a:xfrm>
-            <a:off x="381000" y="685800"/>
-            <a:ext cx="6096000" cy="3429000"/>
-          </a:xfrm>
-        </p:spPr>
-      </p:sp>
-      <p:sp>
-        <p:nvSpPr>
-          <p:cNvPr id="3" name="Notes Placeholder 2"/>
-          <p:cNvSpPr>
-            <a:spLocks noGrp="1"/>
-          </p:cNvSpPr>
-          <p:nvPr>
-            <p:ph type="body" idx="1"/>
-          </p:nvPr>
-        </p:nvSpPr>
-        <p:spPr/>
-        <p:txBody>
-          <a:bodyPr/>
-          <a:lstStyle/>
-          <a:p>
-            <a:r>
-              <a:rPr lang="en-US" dirty="0"/>
               <a:t>Mutation analysis helps us improve our tests as we write them, because it shows us changes to our code (potential bugs!) that our tests do not detect. Remember, that to “detect” a mutant means that at least one test  in your test suite fails when run on the mutated code.</a:t>
             </a:r>
           </a:p>
@@ -2315,7 +2193,7 @@
 </p:notes>
 </file>
 
-<file path=ppt/notesSlides/notesSlide25.xml><?xml version="1.0" encoding="utf-8"?>
+<file path=ppt/notesSlides/notesSlide24.xml><?xml version="1.0" encoding="utf-8"?>
 <p:notes xmlns:a="http://schemas.openxmlformats.org/drawingml/2006/main" xmlns:r="http://schemas.openxmlformats.org/officeDocument/2006/relationships" xmlns:p="http://schemas.openxmlformats.org/presentationml/2006/main">
   <p:cSld>
     <p:spTree>
@@ -2467,7 +2345,7 @@
 </p:notes>
 </file>
 
-<file path=ppt/notesSlides/notesSlide26.xml><?xml version="1.0" encoding="utf-8"?>
+<file path=ppt/notesSlides/notesSlide25.xml><?xml version="1.0" encoding="utf-8"?>
 <p:notes xmlns:a="http://schemas.openxmlformats.org/drawingml/2006/main" xmlns:r="http://schemas.openxmlformats.org/officeDocument/2006/relationships" xmlns:p="http://schemas.openxmlformats.org/presentationml/2006/main">
   <p:cSld>
     <p:spTree>
@@ -2545,7 +2423,7 @@
 </p:notes>
 </file>
 
-<file path=ppt/notesSlides/notesSlide27.xml><?xml version="1.0" encoding="utf-8"?>
+<file path=ppt/notesSlides/notesSlide26.xml><?xml version="1.0" encoding="utf-8"?>
 <p:notes xmlns:a="http://schemas.openxmlformats.org/drawingml/2006/main" xmlns:r="http://schemas.openxmlformats.org/officeDocument/2006/relationships" xmlns:p="http://schemas.openxmlformats.org/presentationml/2006/main">
   <p:cSld>
     <p:spTree>
@@ -2702,7 +2580,7 @@
                 <a:tabLst/>
                 <a:defRPr/>
               </a:pPr>
-              <a:t>29</a:t>
+              <a:t>28</a:t>
             </a:fld>
             <a:endParaRPr kumimoji="0" lang="en-US" sz="1200" b="0" i="0" u="none" strike="noStrike" kern="1200" cap="none" spc="0" normalizeH="0" baseline="0" noProof="0">
               <a:ln>
@@ -9676,668 +9554,6 @@
         <p:cNvPr id="1" name="">
           <a:extLst>
             <a:ext uri="{FF2B5EF4-FFF2-40B4-BE49-F238E27FC236}">
-              <a16:creationId xmlns:a16="http://schemas.microsoft.com/office/drawing/2014/main" id="{66772A97-DBC8-0F3D-837E-64A8785CC792}"/>
-            </a:ext>
-          </a:extLst>
-        </p:cNvPr>
-        <p:cNvGrpSpPr/>
-        <p:nvPr/>
-      </p:nvGrpSpPr>
-      <p:grpSpPr>
-        <a:xfrm>
-          <a:off x="0" y="0"/>
-          <a:ext cx="0" cy="0"/>
-          <a:chOff x="0" y="0"/>
-          <a:chExt cx="0" cy="0"/>
-        </a:xfrm>
-      </p:grpSpPr>
-      <p:sp>
-        <p:nvSpPr>
-          <p:cNvPr id="2" name="Title 1">
-            <a:extLst>
-              <a:ext uri="{FF2B5EF4-FFF2-40B4-BE49-F238E27FC236}">
-                <a16:creationId xmlns:a16="http://schemas.microsoft.com/office/drawing/2014/main" id="{C3EC26B1-FFDE-FA93-B74B-1A743C7CE2B4}"/>
-              </a:ext>
-            </a:extLst>
-          </p:cNvPr>
-          <p:cNvSpPr>
-            <a:spLocks noGrp="1"/>
-          </p:cNvSpPr>
-          <p:nvPr>
-            <p:ph type="title"/>
-          </p:nvPr>
-        </p:nvSpPr>
-        <p:spPr/>
-        <p:txBody>
-          <a:bodyPr/>
-          <a:lstStyle/>
-          <a:p>
-            <a:r>
-              <a:rPr lang="en-US" dirty="0"/>
-              <a:t>Code Coverage: Example 2</a:t>
-            </a:r>
-          </a:p>
-        </p:txBody>
-      </p:sp>
-      <p:sp>
-        <p:nvSpPr>
-          <p:cNvPr id="3" name="Content Placeholder 2">
-            <a:extLst>
-              <a:ext uri="{FF2B5EF4-FFF2-40B4-BE49-F238E27FC236}">
-                <a16:creationId xmlns:a16="http://schemas.microsoft.com/office/drawing/2014/main" id="{AED119D0-3E22-301E-435C-CD6CED918D55}"/>
-              </a:ext>
-            </a:extLst>
-          </p:cNvPr>
-          <p:cNvSpPr>
-            <a:spLocks noGrp="1"/>
-          </p:cNvSpPr>
-          <p:nvPr>
-            <p:ph idx="1"/>
-          </p:nvPr>
-        </p:nvSpPr>
-        <p:spPr/>
-        <p:txBody>
-          <a:bodyPr/>
-          <a:lstStyle/>
-          <a:p>
-            <a:pPr marL="0" indent="0">
-              <a:buNone/>
-            </a:pPr>
-            <a:r>
-              <a:rPr lang="en-US" dirty="0"/>
-              <a:t>What tests will get line/branch/path coverage here?</a:t>
-            </a:r>
-          </a:p>
-        </p:txBody>
-      </p:sp>
-      <p:sp>
-        <p:nvSpPr>
-          <p:cNvPr id="4" name="Slide Number Placeholder 3">
-            <a:extLst>
-              <a:ext uri="{FF2B5EF4-FFF2-40B4-BE49-F238E27FC236}">
-                <a16:creationId xmlns:a16="http://schemas.microsoft.com/office/drawing/2014/main" id="{E0F04692-3238-A686-5663-E67829A70035}"/>
-              </a:ext>
-            </a:extLst>
-          </p:cNvPr>
-          <p:cNvSpPr>
-            <a:spLocks noGrp="1"/>
-          </p:cNvSpPr>
-          <p:nvPr>
-            <p:ph type="sldNum" sz="quarter" idx="12"/>
-          </p:nvPr>
-        </p:nvSpPr>
-        <p:spPr/>
-        <p:txBody>
-          <a:bodyPr/>
-          <a:lstStyle/>
-          <a:p>
-            <a:fld id="{20F37917-FD3A-4669-9018-DA04BCDD3D75}" type="slidenum">
-              <a:rPr lang="en-US" smtClean="0"/>
-              <a:t>12</a:t>
-            </a:fld>
-            <a:endParaRPr lang="en-US"/>
-          </a:p>
-        </p:txBody>
-      </p:sp>
-      <p:sp>
-        <p:nvSpPr>
-          <p:cNvPr id="6" name="TextBox 5">
-            <a:extLst>
-              <a:ext uri="{FF2B5EF4-FFF2-40B4-BE49-F238E27FC236}">
-                <a16:creationId xmlns:a16="http://schemas.microsoft.com/office/drawing/2014/main" id="{13B10278-23FA-CAB8-FA66-36A58851839F}"/>
-              </a:ext>
-            </a:extLst>
-          </p:cNvPr>
-          <p:cNvSpPr txBox="1"/>
-          <p:nvPr/>
-        </p:nvSpPr>
-        <p:spPr>
-          <a:xfrm>
-            <a:off x="744069" y="2501474"/>
-            <a:ext cx="11354146" cy="3516284"/>
-          </a:xfrm>
-          <a:prstGeom prst="rect">
-            <a:avLst/>
-          </a:prstGeom>
-          <a:noFill/>
-          <a:ln w="12700" cap="flat" cmpd="sng" algn="ctr">
-            <a:noFill/>
-            <a:prstDash val="solid"/>
-            <a:miter lim="800000"/>
-          </a:ln>
-          <a:effectLst/>
-        </p:spPr>
-        <p:style>
-          <a:lnRef idx="2">
-            <a:schemeClr val="accent1">
-              <a:shade val="50000"/>
-            </a:schemeClr>
-          </a:lnRef>
-          <a:fillRef idx="1">
-            <a:schemeClr val="accent1"/>
-          </a:fillRef>
-          <a:effectRef idx="0">
-            <a:schemeClr val="accent1"/>
-          </a:effectRef>
-          <a:fontRef idx="minor">
-            <a:schemeClr val="lt1"/>
-          </a:fontRef>
-        </p:style>
-        <p:txBody>
-          <a:bodyPr wrap="square">
-            <a:spAutoFit/>
-          </a:bodyPr>
-          <a:lstStyle/>
-          <a:p>
-            <a:pPr>
-              <a:lnSpc>
-                <a:spcPct val="110000"/>
-              </a:lnSpc>
-              <a:buNone/>
-            </a:pPr>
-            <a:r>
-              <a:rPr lang="en-US" sz="2000" dirty="0">
-                <a:solidFill>
-                  <a:srgbClr val="002060"/>
-                </a:solidFill>
-                <a:latin typeface="Consolas" panose="020B0609020204030204" pitchFamily="49" charset="0"/>
-                <a:cs typeface="Consolas" panose="020B0609020204030204" pitchFamily="49" charset="0"/>
-              </a:rPr>
-              <a:t>type</a:t>
-            </a:r>
-            <a:r>
-              <a:rPr lang="en-US" sz="2000" dirty="0">
-                <a:solidFill>
-                  <a:srgbClr val="0000FF"/>
-                </a:solidFill>
-                <a:latin typeface="Consolas" panose="020B0609020204030204" pitchFamily="49" charset="0"/>
-                <a:cs typeface="Consolas" panose="020B0609020204030204" pitchFamily="49" charset="0"/>
-              </a:rPr>
-              <a:t> </a:t>
-            </a:r>
-            <a:r>
-              <a:rPr lang="en-US" sz="2000" dirty="0" err="1">
-                <a:solidFill>
-                  <a:srgbClr val="0070C0"/>
-                </a:solidFill>
-                <a:latin typeface="Consolas" panose="020B0609020204030204" pitchFamily="49" charset="0"/>
-                <a:cs typeface="Consolas" panose="020B0609020204030204" pitchFamily="49" charset="0"/>
-              </a:rPr>
-              <a:t>zAuth</a:t>
-            </a:r>
-            <a:r>
-              <a:rPr lang="en-US" sz="2000" dirty="0">
-                <a:solidFill>
-                  <a:srgbClr val="795E26"/>
-                </a:solidFill>
-                <a:latin typeface="Consolas" panose="020B0609020204030204" pitchFamily="49" charset="0"/>
-                <a:cs typeface="Consolas" panose="020B0609020204030204" pitchFamily="49" charset="0"/>
-              </a:rPr>
-              <a:t> </a:t>
-            </a:r>
-            <a:r>
-              <a:rPr lang="en-US" sz="2000" dirty="0">
-                <a:solidFill>
-                  <a:schemeClr val="tx1"/>
-                </a:solidFill>
-                <a:latin typeface="Consolas" panose="020B0609020204030204" pitchFamily="49" charset="0"/>
-                <a:cs typeface="Consolas" panose="020B0609020204030204" pitchFamily="49" charset="0"/>
-              </a:rPr>
-              <a:t>= </a:t>
-            </a:r>
-            <a:r>
-              <a:rPr lang="en-US" sz="2000" dirty="0" err="1">
-                <a:solidFill>
-                  <a:schemeClr val="tx1"/>
-                </a:solidFill>
-                <a:latin typeface="Consolas" panose="020B0609020204030204" pitchFamily="49" charset="0"/>
-                <a:cs typeface="Consolas" panose="020B0609020204030204" pitchFamily="49" charset="0"/>
-              </a:rPr>
-              <a:t>z.</a:t>
-            </a:r>
-            <a:r>
-              <a:rPr lang="en-US" sz="2000" dirty="0" err="1">
-                <a:solidFill>
-                  <a:schemeClr val="accent4">
-                    <a:lumMod val="50000"/>
-                  </a:schemeClr>
-                </a:solidFill>
-                <a:latin typeface="Consolas" panose="020B0609020204030204" pitchFamily="49" charset="0"/>
-                <a:cs typeface="Consolas" panose="020B0609020204030204" pitchFamily="49" charset="0"/>
-              </a:rPr>
-              <a:t>object</a:t>
-            </a:r>
-            <a:r>
-              <a:rPr lang="en-US" sz="2000" dirty="0">
-                <a:solidFill>
-                  <a:schemeClr val="tx1"/>
-                </a:solidFill>
-                <a:latin typeface="Consolas" panose="020B0609020204030204" pitchFamily="49" charset="0"/>
-                <a:cs typeface="Consolas" panose="020B0609020204030204" pitchFamily="49" charset="0"/>
-              </a:rPr>
-              <a:t>({ username: </a:t>
-            </a:r>
-            <a:r>
-              <a:rPr lang="en-US" sz="2000" dirty="0" err="1">
-                <a:solidFill>
-                  <a:schemeClr val="tx1"/>
-                </a:solidFill>
-                <a:latin typeface="Consolas" panose="020B0609020204030204" pitchFamily="49" charset="0"/>
-                <a:cs typeface="Consolas" panose="020B0609020204030204" pitchFamily="49" charset="0"/>
-              </a:rPr>
-              <a:t>z.</a:t>
-            </a:r>
-            <a:r>
-              <a:rPr lang="en-US" sz="2000" dirty="0" err="1">
-                <a:solidFill>
-                  <a:schemeClr val="accent4">
-                    <a:lumMod val="50000"/>
-                  </a:schemeClr>
-                </a:solidFill>
-                <a:latin typeface="Consolas" panose="020B0609020204030204" pitchFamily="49" charset="0"/>
-                <a:cs typeface="Consolas" panose="020B0609020204030204" pitchFamily="49" charset="0"/>
-              </a:rPr>
-              <a:t>string</a:t>
-            </a:r>
-            <a:r>
-              <a:rPr lang="en-US" sz="2000" dirty="0">
-                <a:solidFill>
-                  <a:schemeClr val="accent5">
-                    <a:lumMod val="50000"/>
-                  </a:schemeClr>
-                </a:solidFill>
-                <a:latin typeface="Consolas" panose="020B0609020204030204" pitchFamily="49" charset="0"/>
-                <a:cs typeface="Consolas" panose="020B0609020204030204" pitchFamily="49" charset="0"/>
-              </a:rPr>
-              <a:t>()</a:t>
-            </a:r>
-            <a:r>
-              <a:rPr lang="en-US" sz="2000" dirty="0">
-                <a:solidFill>
-                  <a:schemeClr val="tx1"/>
-                </a:solidFill>
-                <a:latin typeface="Consolas" panose="020B0609020204030204" pitchFamily="49" charset="0"/>
-                <a:cs typeface="Consolas" panose="020B0609020204030204" pitchFamily="49" charset="0"/>
-              </a:rPr>
-              <a:t>, password: </a:t>
-            </a:r>
-            <a:r>
-              <a:rPr lang="en-US" sz="2000" dirty="0" err="1">
-                <a:solidFill>
-                  <a:schemeClr val="tx1"/>
-                </a:solidFill>
-                <a:latin typeface="Consolas" panose="020B0609020204030204" pitchFamily="49" charset="0"/>
-                <a:cs typeface="Consolas" panose="020B0609020204030204" pitchFamily="49" charset="0"/>
-              </a:rPr>
-              <a:t>z.</a:t>
-            </a:r>
-            <a:r>
-              <a:rPr lang="en-US" sz="2000" dirty="0" err="1">
-                <a:solidFill>
-                  <a:schemeClr val="accent4">
-                    <a:lumMod val="50000"/>
-                  </a:schemeClr>
-                </a:solidFill>
-                <a:latin typeface="Consolas" panose="020B0609020204030204" pitchFamily="49" charset="0"/>
-                <a:cs typeface="Consolas" panose="020B0609020204030204" pitchFamily="49" charset="0"/>
-              </a:rPr>
-              <a:t>string</a:t>
-            </a:r>
-            <a:r>
-              <a:rPr lang="en-US" sz="2000" dirty="0">
-                <a:solidFill>
-                  <a:schemeClr val="accent5">
-                    <a:lumMod val="50000"/>
-                  </a:schemeClr>
-                </a:solidFill>
-                <a:latin typeface="Consolas" panose="020B0609020204030204" pitchFamily="49" charset="0"/>
-                <a:cs typeface="Consolas" panose="020B0609020204030204" pitchFamily="49" charset="0"/>
-              </a:rPr>
-              <a:t>()</a:t>
-            </a:r>
-            <a:r>
-              <a:rPr lang="en-US" sz="2000" dirty="0">
-                <a:solidFill>
-                  <a:schemeClr val="tx1"/>
-                </a:solidFill>
-                <a:latin typeface="Consolas" panose="020B0609020204030204" pitchFamily="49" charset="0"/>
-                <a:cs typeface="Consolas" panose="020B0609020204030204" pitchFamily="49" charset="0"/>
-              </a:rPr>
-              <a:t> })</a:t>
-            </a:r>
-            <a:endParaRPr lang="en-US" sz="2000" b="0" dirty="0">
-              <a:solidFill>
-                <a:schemeClr val="tx1"/>
-              </a:solidFill>
-              <a:effectLst/>
-              <a:latin typeface="Consolas" panose="020B0609020204030204" pitchFamily="49" charset="0"/>
-              <a:cs typeface="Consolas" panose="020B0609020204030204" pitchFamily="49" charset="0"/>
-            </a:endParaRPr>
-          </a:p>
-          <a:p>
-            <a:pPr>
-              <a:lnSpc>
-                <a:spcPct val="110000"/>
-              </a:lnSpc>
-              <a:buNone/>
-            </a:pPr>
-            <a:endParaRPr lang="en-US" sz="2000" b="0" dirty="0">
-              <a:solidFill>
-                <a:schemeClr val="tx1"/>
-              </a:solidFill>
-              <a:effectLst/>
-              <a:latin typeface="Consolas" panose="020B0609020204030204" pitchFamily="49" charset="0"/>
-              <a:ea typeface="Menlo" panose="020B0609030804020204" pitchFamily="49" charset="0"/>
-              <a:cs typeface="Consolas" panose="020B0609020204030204" pitchFamily="49" charset="0"/>
-            </a:endParaRPr>
-          </a:p>
-          <a:p>
-            <a:r>
-              <a:rPr lang="en-US" sz="2000" dirty="0">
-                <a:solidFill>
-                  <a:srgbClr val="002060"/>
-                </a:solidFill>
-                <a:latin typeface="Consolas" panose="020B0609020204030204" pitchFamily="49" charset="0"/>
-                <a:ea typeface="Menlo" panose="020B0609030804020204" pitchFamily="49" charset="0"/>
-                <a:cs typeface="Consolas" panose="020B0609020204030204" pitchFamily="49" charset="0"/>
-              </a:rPr>
-              <a:t>function</a:t>
-            </a:r>
-            <a:r>
-              <a:rPr lang="en-US" sz="2000" dirty="0">
-                <a:solidFill>
-                  <a:schemeClr val="tx1"/>
-                </a:solidFill>
-                <a:latin typeface="Consolas" panose="020B0609020204030204" pitchFamily="49" charset="0"/>
-                <a:ea typeface="Menlo" panose="020B0609030804020204" pitchFamily="49" charset="0"/>
-                <a:cs typeface="Consolas" panose="020B0609020204030204" pitchFamily="49" charset="0"/>
-              </a:rPr>
-              <a:t> </a:t>
-            </a:r>
-            <a:r>
-              <a:rPr lang="en-US" sz="2000" dirty="0" err="1">
-                <a:solidFill>
-                  <a:schemeClr val="accent4">
-                    <a:lumMod val="50000"/>
-                  </a:schemeClr>
-                </a:solidFill>
-                <a:latin typeface="Consolas" panose="020B0609020204030204" pitchFamily="49" charset="0"/>
-                <a:ea typeface="Menlo" panose="020B0609030804020204" pitchFamily="49" charset="0"/>
-                <a:cs typeface="Consolas" panose="020B0609020204030204" pitchFamily="49" charset="0"/>
-              </a:rPr>
-              <a:t>useAuth</a:t>
-            </a:r>
-            <a:r>
-              <a:rPr lang="en-US" sz="2000" dirty="0">
-                <a:solidFill>
-                  <a:schemeClr val="tx1"/>
-                </a:solidFill>
-                <a:latin typeface="Consolas" panose="020B0609020204030204" pitchFamily="49" charset="0"/>
-                <a:ea typeface="Menlo" panose="020B0609030804020204" pitchFamily="49" charset="0"/>
-                <a:cs typeface="Consolas" panose="020B0609020204030204" pitchFamily="49" charset="0"/>
-              </a:rPr>
-              <a:t>(</a:t>
-            </a:r>
-            <a:r>
-              <a:rPr lang="en-US" sz="2000" dirty="0">
-                <a:solidFill>
-                  <a:srgbClr val="002060"/>
-                </a:solidFill>
-                <a:latin typeface="Consolas" panose="020B0609020204030204" pitchFamily="49" charset="0"/>
-                <a:ea typeface="Menlo" panose="020B0609030804020204" pitchFamily="49" charset="0"/>
-                <a:cs typeface="Consolas" panose="020B0609020204030204" pitchFamily="49" charset="0"/>
-              </a:rPr>
-              <a:t>x</a:t>
-            </a:r>
-            <a:r>
-              <a:rPr lang="en-US" sz="2000" dirty="0">
-                <a:solidFill>
-                  <a:schemeClr val="tx1"/>
-                </a:solidFill>
-                <a:latin typeface="Consolas" panose="020B0609020204030204" pitchFamily="49" charset="0"/>
-                <a:ea typeface="Menlo" panose="020B0609030804020204" pitchFamily="49" charset="0"/>
-                <a:cs typeface="Consolas" panose="020B0609020204030204" pitchFamily="49" charset="0"/>
-              </a:rPr>
-              <a:t>: </a:t>
-            </a:r>
-            <a:r>
-              <a:rPr lang="en-US" sz="2000" dirty="0">
-                <a:solidFill>
-                  <a:srgbClr val="0070C0"/>
-                </a:solidFill>
-                <a:latin typeface="Consolas" panose="020B0609020204030204" pitchFamily="49" charset="0"/>
-                <a:ea typeface="Menlo" panose="020B0609030804020204" pitchFamily="49" charset="0"/>
-                <a:cs typeface="Consolas" panose="020B0609020204030204" pitchFamily="49" charset="0"/>
-              </a:rPr>
-              <a:t>unknown</a:t>
-            </a:r>
-            <a:r>
-              <a:rPr lang="en-US" sz="2000" dirty="0">
-                <a:solidFill>
-                  <a:schemeClr val="tx1"/>
-                </a:solidFill>
-                <a:latin typeface="Consolas" panose="020B0609020204030204" pitchFamily="49" charset="0"/>
-                <a:ea typeface="Menlo" panose="020B0609030804020204" pitchFamily="49" charset="0"/>
-                <a:cs typeface="Consolas" panose="020B0609020204030204" pitchFamily="49" charset="0"/>
-              </a:rPr>
-              <a:t>) {</a:t>
-            </a:r>
-          </a:p>
-          <a:p>
-            <a:r>
-              <a:rPr lang="en-US" sz="2000" dirty="0">
-                <a:solidFill>
-                  <a:schemeClr val="tx1"/>
-                </a:solidFill>
-                <a:latin typeface="Consolas" panose="020B0609020204030204" pitchFamily="49" charset="0"/>
-                <a:ea typeface="Menlo" panose="020B0609030804020204" pitchFamily="49" charset="0"/>
-                <a:cs typeface="Consolas" panose="020B0609020204030204" pitchFamily="49" charset="0"/>
-              </a:rPr>
-              <a:t>  const </a:t>
-            </a:r>
-            <a:r>
-              <a:rPr lang="en-US" sz="2000" dirty="0">
-                <a:solidFill>
-                  <a:srgbClr val="002060"/>
-                </a:solidFill>
-                <a:latin typeface="Consolas" panose="020B0609020204030204" pitchFamily="49" charset="0"/>
-                <a:ea typeface="Menlo" panose="020B0609030804020204" pitchFamily="49" charset="0"/>
-                <a:cs typeface="Consolas" panose="020B0609020204030204" pitchFamily="49" charset="0"/>
-              </a:rPr>
-              <a:t>auth</a:t>
-            </a:r>
-            <a:r>
-              <a:rPr lang="en-US" sz="2000" dirty="0">
-                <a:solidFill>
-                  <a:schemeClr val="tx1"/>
-                </a:solidFill>
-                <a:latin typeface="Consolas" panose="020B0609020204030204" pitchFamily="49" charset="0"/>
-                <a:ea typeface="Menlo" panose="020B0609030804020204" pitchFamily="49" charset="0"/>
-                <a:cs typeface="Consolas" panose="020B0609020204030204" pitchFamily="49" charset="0"/>
-              </a:rPr>
-              <a:t> = </a:t>
-            </a:r>
-            <a:r>
-              <a:rPr lang="en-US" sz="2000" dirty="0" err="1">
-                <a:solidFill>
-                  <a:srgbClr val="002060"/>
-                </a:solidFill>
-                <a:latin typeface="Consolas" panose="020B0609020204030204" pitchFamily="49" charset="0"/>
-                <a:ea typeface="Menlo" panose="020B0609030804020204" pitchFamily="49" charset="0"/>
-                <a:cs typeface="Consolas" panose="020B0609020204030204" pitchFamily="49" charset="0"/>
-              </a:rPr>
-              <a:t>zAuth</a:t>
-            </a:r>
-            <a:r>
-              <a:rPr lang="en-US" sz="2000" dirty="0" err="1">
-                <a:solidFill>
-                  <a:schemeClr val="tx1"/>
-                </a:solidFill>
-                <a:latin typeface="Consolas" panose="020B0609020204030204" pitchFamily="49" charset="0"/>
-                <a:ea typeface="Menlo" panose="020B0609030804020204" pitchFamily="49" charset="0"/>
-                <a:cs typeface="Consolas" panose="020B0609020204030204" pitchFamily="49" charset="0"/>
-              </a:rPr>
-              <a:t>.</a:t>
-            </a:r>
-            <a:r>
-              <a:rPr lang="en-US" sz="2000" dirty="0" err="1">
-                <a:solidFill>
-                  <a:schemeClr val="accent4">
-                    <a:lumMod val="50000"/>
-                  </a:schemeClr>
-                </a:solidFill>
-                <a:latin typeface="Consolas" panose="020B0609020204030204" pitchFamily="49" charset="0"/>
-                <a:ea typeface="Menlo" panose="020B0609030804020204" pitchFamily="49" charset="0"/>
-                <a:cs typeface="Consolas" panose="020B0609020204030204" pitchFamily="49" charset="0"/>
-              </a:rPr>
-              <a:t>safeParse</a:t>
-            </a:r>
-            <a:r>
-              <a:rPr lang="en-US" sz="2000" dirty="0">
-                <a:solidFill>
-                  <a:schemeClr val="tx1"/>
-                </a:solidFill>
-                <a:latin typeface="Consolas" panose="020B0609020204030204" pitchFamily="49" charset="0"/>
-                <a:ea typeface="Menlo" panose="020B0609030804020204" pitchFamily="49" charset="0"/>
-                <a:cs typeface="Consolas" panose="020B0609020204030204" pitchFamily="49" charset="0"/>
-              </a:rPr>
-              <a:t>(x);</a:t>
-            </a:r>
-          </a:p>
-          <a:p>
-            <a:r>
-              <a:rPr lang="en-US" sz="2000" dirty="0">
-                <a:solidFill>
-                  <a:schemeClr val="tx1"/>
-                </a:solidFill>
-                <a:latin typeface="Consolas" panose="020B0609020204030204" pitchFamily="49" charset="0"/>
-                <a:ea typeface="Menlo" panose="020B0609030804020204" pitchFamily="49" charset="0"/>
-                <a:cs typeface="Consolas" panose="020B0609020204030204" pitchFamily="49" charset="0"/>
-              </a:rPr>
-              <a:t>  if (!</a:t>
-            </a:r>
-            <a:r>
-              <a:rPr lang="en-US" sz="2000" dirty="0" err="1">
-                <a:solidFill>
-                  <a:srgbClr val="002060"/>
-                </a:solidFill>
-                <a:latin typeface="Consolas" panose="020B0609020204030204" pitchFamily="49" charset="0"/>
-                <a:ea typeface="Menlo" panose="020B0609030804020204" pitchFamily="49" charset="0"/>
-                <a:cs typeface="Consolas" panose="020B0609020204030204" pitchFamily="49" charset="0"/>
-              </a:rPr>
-              <a:t>auth.error</a:t>
-            </a:r>
-            <a:r>
-              <a:rPr lang="en-US" sz="2000" dirty="0">
-                <a:solidFill>
-                  <a:schemeClr val="tx1"/>
-                </a:solidFill>
-                <a:latin typeface="Consolas" panose="020B0609020204030204" pitchFamily="49" charset="0"/>
-                <a:ea typeface="Menlo" panose="020B0609030804020204" pitchFamily="49" charset="0"/>
-                <a:cs typeface="Consolas" panose="020B0609020204030204" pitchFamily="49" charset="0"/>
-              </a:rPr>
-              <a:t>) {</a:t>
-            </a:r>
-          </a:p>
-          <a:p>
-            <a:r>
-              <a:rPr lang="en-US" sz="2000" dirty="0">
-                <a:solidFill>
-                  <a:schemeClr val="accent6">
-                    <a:lumMod val="50000"/>
-                  </a:schemeClr>
-                </a:solidFill>
-                <a:latin typeface="Consolas" panose="020B0609020204030204" pitchFamily="49" charset="0"/>
-                <a:ea typeface="Menlo" panose="020B0609030804020204" pitchFamily="49" charset="0"/>
-                <a:cs typeface="Consolas" panose="020B0609020204030204" pitchFamily="49" charset="0"/>
-              </a:rPr>
-              <a:t>    // write the code you care about here!</a:t>
-            </a:r>
-          </a:p>
-          <a:p>
-            <a:r>
-              <a:rPr lang="en-US" sz="2000" dirty="0">
-                <a:solidFill>
-                  <a:schemeClr val="tx1"/>
-                </a:solidFill>
-                <a:latin typeface="Consolas" panose="020B0609020204030204" pitchFamily="49" charset="0"/>
-                <a:ea typeface="Menlo" panose="020B0609030804020204" pitchFamily="49" charset="0"/>
-                <a:cs typeface="Consolas" panose="020B0609020204030204" pitchFamily="49" charset="0"/>
-              </a:rPr>
-              <a:t>  }</a:t>
-            </a:r>
-          </a:p>
-          <a:p>
-            <a:r>
-              <a:rPr lang="en-US" sz="2000" dirty="0">
-                <a:solidFill>
-                  <a:schemeClr val="tx1"/>
-                </a:solidFill>
-                <a:latin typeface="Consolas" panose="020B0609020204030204" pitchFamily="49" charset="0"/>
-                <a:ea typeface="Menlo" panose="020B0609030804020204" pitchFamily="49" charset="0"/>
-                <a:cs typeface="Consolas" panose="020B0609020204030204" pitchFamily="49" charset="0"/>
-              </a:rPr>
-              <a:t>}</a:t>
-            </a:r>
-          </a:p>
-          <a:p>
-            <a:br>
-              <a:rPr lang="en-US" sz="2000" dirty="0">
-                <a:solidFill>
-                  <a:schemeClr val="tx1"/>
-                </a:solidFill>
-                <a:latin typeface="Consolas" panose="020B0609020204030204" pitchFamily="49" charset="0"/>
-                <a:ea typeface="Menlo" panose="020B0609030804020204" pitchFamily="49" charset="0"/>
-                <a:cs typeface="Consolas" panose="020B0609020204030204" pitchFamily="49" charset="0"/>
-              </a:rPr>
-            </a:br>
-            <a:endParaRPr lang="en-US" sz="2000" dirty="0">
-              <a:solidFill>
-                <a:schemeClr val="tx1"/>
-              </a:solidFill>
-              <a:latin typeface="Consolas" panose="020B0609020204030204" pitchFamily="49" charset="0"/>
-              <a:ea typeface="Menlo" panose="020B0609030804020204" pitchFamily="49" charset="0"/>
-              <a:cs typeface="Consolas" panose="020B0609020204030204" pitchFamily="49" charset="0"/>
-            </a:endParaRPr>
-          </a:p>
-          <a:p>
-            <a:pPr>
-              <a:lnSpc>
-                <a:spcPct val="110000"/>
-              </a:lnSpc>
-            </a:pPr>
-            <a:endParaRPr lang="en-US" b="0" dirty="0">
-              <a:solidFill>
-                <a:srgbClr val="3B3B3B"/>
-              </a:solidFill>
-              <a:effectLst/>
-              <a:latin typeface="Consolas" panose="020B0609020204030204" pitchFamily="49" charset="0"/>
-              <a:cs typeface="Consolas" panose="020B0609020204030204" pitchFamily="49" charset="0"/>
-            </a:endParaRPr>
-          </a:p>
-        </p:txBody>
-      </p:sp>
-    </p:spTree>
-    <p:extLst>
-      <p:ext uri="{BB962C8B-B14F-4D97-AF65-F5344CB8AC3E}">
-        <p14:creationId xmlns:p14="http://schemas.microsoft.com/office/powerpoint/2010/main" val="2727694876"/>
-      </p:ext>
-    </p:extLst>
-  </p:cSld>
-  <p:clrMapOvr>
-    <a:masterClrMapping/>
-  </p:clrMapOvr>
-</p:sld>
-</file>
-
-<file path=ppt/slides/slide13.xml><?xml version="1.0" encoding="utf-8"?>
-<p:sld xmlns:a="http://schemas.openxmlformats.org/drawingml/2006/main" xmlns:r="http://schemas.openxmlformats.org/officeDocument/2006/relationships" xmlns:p="http://schemas.openxmlformats.org/presentationml/2006/main">
-  <p:cSld>
-    <p:spTree>
-      <p:nvGrpSpPr>
-        <p:cNvPr id="1" name="">
-          <a:extLst>
-            <a:ext uri="{FF2B5EF4-FFF2-40B4-BE49-F238E27FC236}">
               <a16:creationId xmlns:a16="http://schemas.microsoft.com/office/drawing/2014/main" id="{239E9652-9D0C-A4FB-126F-5AF99C58BBB3}"/>
             </a:ext>
           </a:extLst>
@@ -10480,7 +9696,7 @@
           <a:p>
             <a:fld id="{20F37917-FD3A-4669-9018-DA04BCDD3D75}" type="slidenum">
               <a:rPr lang="en-US" smtClean="0"/>
-              <a:t>13</a:t>
+              <a:t>12</a:t>
             </a:fld>
             <a:endParaRPr lang="en-US"/>
           </a:p>
@@ -10499,7 +9715,7 @@
 </p:sld>
 </file>
 
-<file path=ppt/slides/slide14.xml><?xml version="1.0" encoding="utf-8"?>
+<file path=ppt/slides/slide13.xml><?xml version="1.0" encoding="utf-8"?>
 <p:sld xmlns:a="http://schemas.openxmlformats.org/drawingml/2006/main" xmlns:r="http://schemas.openxmlformats.org/officeDocument/2006/relationships" xmlns:p="http://schemas.openxmlformats.org/presentationml/2006/main">
   <p:cSld>
     <p:spTree>
@@ -10621,7 +9837,7 @@
           <a:p>
             <a:fld id="{20F37917-FD3A-4669-9018-DA04BCDD3D75}" type="slidenum">
               <a:rPr lang="en-US" smtClean="0"/>
-              <a:t>14</a:t>
+              <a:t>13</a:t>
             </a:fld>
             <a:endParaRPr lang="en-US"/>
           </a:p>
@@ -10843,7 +10059,7 @@
 </p:sld>
 </file>
 
-<file path=ppt/slides/slide15.xml><?xml version="1.0" encoding="utf-8"?>
+<file path=ppt/slides/slide14.xml><?xml version="1.0" encoding="utf-8"?>
 <p:sld xmlns:a="http://schemas.openxmlformats.org/drawingml/2006/main" xmlns:r="http://schemas.openxmlformats.org/officeDocument/2006/relationships" xmlns:p="http://schemas.openxmlformats.org/presentationml/2006/main">
   <p:cSld>
     <p:spTree>
@@ -10994,7 +10210,7 @@
           <a:p>
             <a:fld id="{20F37917-FD3A-4669-9018-DA04BCDD3D75}" type="slidenum">
               <a:rPr lang="en-US" smtClean="0"/>
-              <a:t>15</a:t>
+              <a:t>14</a:t>
             </a:fld>
             <a:endParaRPr lang="en-US"/>
           </a:p>
@@ -11013,7 +10229,7 @@
 </p:sld>
 </file>
 
-<file path=ppt/slides/slide16.xml><?xml version="1.0" encoding="utf-8"?>
+<file path=ppt/slides/slide15.xml><?xml version="1.0" encoding="utf-8"?>
 <p:sld xmlns:a="http://schemas.openxmlformats.org/drawingml/2006/main" xmlns:r="http://schemas.openxmlformats.org/officeDocument/2006/relationships" xmlns:p="http://schemas.openxmlformats.org/presentationml/2006/main">
   <p:cSld>
     <p:spTree>
@@ -11130,7 +10346,7 @@
           <a:p>
             <a:fld id="{20F37917-FD3A-4669-9018-DA04BCDD3D75}" type="slidenum">
               <a:rPr lang="en-US" smtClean="0"/>
-              <a:t>16</a:t>
+              <a:t>15</a:t>
             </a:fld>
             <a:endParaRPr lang="en-US"/>
           </a:p>
@@ -11149,7 +10365,7 @@
 </p:sld>
 </file>
 
-<file path=ppt/slides/slide17.xml><?xml version="1.0" encoding="utf-8"?>
+<file path=ppt/slides/slide16.xml><?xml version="1.0" encoding="utf-8"?>
 <p:sld xmlns:a="http://schemas.openxmlformats.org/drawingml/2006/main" xmlns:r="http://schemas.openxmlformats.org/officeDocument/2006/relationships" xmlns:p="http://schemas.openxmlformats.org/presentationml/2006/main">
   <p:cSld>
     <p:spTree>
@@ -11209,7 +10425,7 @@
           </a:ln>
           <a:extLst>
             <a:ext uri="{C572A759-6A51-4108-AA02-DFA0A04FC94B}">
-              <ma14:wrappingTextBoxFlag xmlns="" xmlns:m="http://schemas.openxmlformats.org/officeDocument/2006/math" xmlns:a14="http://schemas.microsoft.com/office/drawing/2010/main" xmlns:ma14="http://schemas.microsoft.com/office/mac/drawingml/2011/main" val="1"/>
+              <ma14:wrappingTextBoxFlag xmlns:ma14="http://schemas.microsoft.com/office/mac/drawingml/2011/main" xmlns:a14="http://schemas.microsoft.com/office/drawing/2010/main" xmlns:m="http://schemas.openxmlformats.org/officeDocument/2006/math" xmlns="" val="1"/>
             </a:ext>
           </a:extLst>
         </p:spPr>
@@ -11519,7 +10735,7 @@
             <a:fld id="{86CB4B4D-7CA3-9044-876B-883B54F8677D}" type="slidenum">
               <a:rPr lang="en-US" smtClean="0"/>
               <a:pPr/>
-              <a:t>17</a:t>
+              <a:t>16</a:t>
             </a:fld>
             <a:endParaRPr/>
           </a:p>
@@ -11547,7 +10763,7 @@
           </a:ln>
           <a:extLst>
             <a:ext uri="{C572A759-6A51-4108-AA02-DFA0A04FC94B}">
-              <ma14:wrappingTextBoxFlag xmlns="" xmlns:m="http://schemas.openxmlformats.org/officeDocument/2006/math" xmlns:a14="http://schemas.microsoft.com/office/drawing/2010/main" xmlns:ma14="http://schemas.microsoft.com/office/mac/drawingml/2011/main" val="1"/>
+              <ma14:wrappingTextBoxFlag xmlns:ma14="http://schemas.microsoft.com/office/mac/drawingml/2011/main" xmlns:a14="http://schemas.microsoft.com/office/drawing/2010/main" xmlns:m="http://schemas.openxmlformats.org/officeDocument/2006/math" xmlns="" val="1"/>
             </a:ext>
           </a:extLst>
         </p:spPr>
@@ -11972,7 +11188,7 @@
           </a:ln>
           <a:extLst>
             <a:ext uri="{C572A759-6A51-4108-AA02-DFA0A04FC94B}">
-              <ma14:wrappingTextBoxFlag xmlns="" xmlns:m="http://schemas.openxmlformats.org/officeDocument/2006/math" xmlns:a14="http://schemas.microsoft.com/office/drawing/2010/main" xmlns:ma14="http://schemas.microsoft.com/office/mac/drawingml/2011/main" val="1"/>
+              <ma14:wrappingTextBoxFlag xmlns:ma14="http://schemas.microsoft.com/office/mac/drawingml/2011/main" xmlns:a14="http://schemas.microsoft.com/office/drawing/2010/main" xmlns:m="http://schemas.openxmlformats.org/officeDocument/2006/math" xmlns="" val="1"/>
             </a:ext>
           </a:extLst>
         </p:spPr>
@@ -12009,7 +11225,7 @@
           </a:ln>
           <a:extLst>
             <a:ext uri="{C572A759-6A51-4108-AA02-DFA0A04FC94B}">
-              <ma14:wrappingTextBoxFlag xmlns="" xmlns:m="http://schemas.openxmlformats.org/officeDocument/2006/math" xmlns:a14="http://schemas.microsoft.com/office/drawing/2010/main" xmlns:ma14="http://schemas.microsoft.com/office/mac/drawingml/2011/main" val="1"/>
+              <ma14:wrappingTextBoxFlag xmlns:ma14="http://schemas.microsoft.com/office/mac/drawingml/2011/main" xmlns:a14="http://schemas.microsoft.com/office/drawing/2010/main" xmlns:m="http://schemas.openxmlformats.org/officeDocument/2006/math" xmlns="" val="1"/>
             </a:ext>
           </a:extLst>
         </p:spPr>
@@ -12072,7 +11288,7 @@
             </a:ln>
             <a:extLst>
               <a:ext uri="{C572A759-6A51-4108-AA02-DFA0A04FC94B}">
-                <ma14:wrappingTextBoxFlag xmlns="" xmlns:m="http://schemas.openxmlformats.org/officeDocument/2006/math" xmlns:a14="http://schemas.microsoft.com/office/drawing/2010/main" xmlns:ma14="http://schemas.microsoft.com/office/mac/drawingml/2011/main" val="1"/>
+                <ma14:wrappingTextBoxFlag xmlns:ma14="http://schemas.microsoft.com/office/mac/drawingml/2011/main" xmlns:a14="http://schemas.microsoft.com/office/drawing/2010/main" xmlns:m="http://schemas.openxmlformats.org/officeDocument/2006/math" xmlns="" val="1"/>
               </a:ext>
             </a:extLst>
           </p:spPr>
@@ -12581,7 +11797,7 @@
 </p:sld>
 </file>
 
-<file path=ppt/slides/slide18.xml><?xml version="1.0" encoding="utf-8"?>
+<file path=ppt/slides/slide17.xml><?xml version="1.0" encoding="utf-8"?>
 <p:sld xmlns:a="http://schemas.openxmlformats.org/drawingml/2006/main" xmlns:r="http://schemas.openxmlformats.org/officeDocument/2006/relationships" xmlns:p="http://schemas.openxmlformats.org/presentationml/2006/main">
   <p:cSld>
     <p:spTree>
@@ -12703,7 +11919,7 @@
           </a:ln>
           <a:extLst>
             <a:ext uri="{C572A759-6A51-4108-AA02-DFA0A04FC94B}">
-              <ma14:wrappingTextBoxFlag xmlns="" xmlns:m="http://schemas.openxmlformats.org/officeDocument/2006/math" xmlns:a14="http://schemas.microsoft.com/office/drawing/2010/main" xmlns:ma14="http://schemas.microsoft.com/office/mac/drawingml/2011/main" val="1"/>
+              <ma14:wrappingTextBoxFlag xmlns:ma14="http://schemas.microsoft.com/office/mac/drawingml/2011/main" xmlns:a14="http://schemas.microsoft.com/office/drawing/2010/main" xmlns:m="http://schemas.openxmlformats.org/officeDocument/2006/math" xmlns="" val="1"/>
             </a:ext>
           </a:extLst>
         </p:spPr>
@@ -13013,7 +12229,7 @@
             <a:fld id="{86CB4B4D-7CA3-9044-876B-883B54F8677D}" type="slidenum">
               <a:rPr lang="en-US" smtClean="0"/>
               <a:pPr/>
-              <a:t>18</a:t>
+              <a:t>17</a:t>
             </a:fld>
             <a:endParaRPr/>
           </a:p>
@@ -13068,7 +12284,7 @@
 </p:sld>
 </file>
 
-<file path=ppt/slides/slide19.xml><?xml version="1.0" encoding="utf-8"?>
+<file path=ppt/slides/slide18.xml><?xml version="1.0" encoding="utf-8"?>
 <p:sld xmlns:a="http://schemas.openxmlformats.org/drawingml/2006/main" xmlns:r="http://schemas.openxmlformats.org/officeDocument/2006/relationships" xmlns:p="http://schemas.openxmlformats.org/presentationml/2006/main">
   <p:cSld>
     <p:spTree>
@@ -13486,7 +12702,7 @@
               <a:pPr defTabSz="457200" hangingPunct="1">
                 <a:defRPr/>
               </a:pPr>
-              <a:t>19</a:t>
+              <a:t>18</a:t>
             </a:fld>
             <a:endParaRPr lang="en-US" sz="1200">
               <a:solidFill>
@@ -13503,6 +12719,614 @@
     <p:extLst>
       <p:ext uri="{BB962C8B-B14F-4D97-AF65-F5344CB8AC3E}">
         <p14:creationId xmlns:p14="http://schemas.microsoft.com/office/powerpoint/2010/main" val="2847655225"/>
+      </p:ext>
+    </p:extLst>
+  </p:cSld>
+  <p:clrMapOvr>
+    <a:masterClrMapping/>
+  </p:clrMapOvr>
+</p:sld>
+</file>
+
+<file path=ppt/slides/slide19.xml><?xml version="1.0" encoding="utf-8"?>
+<p:sld xmlns:a="http://schemas.openxmlformats.org/drawingml/2006/main" xmlns:r="http://schemas.openxmlformats.org/officeDocument/2006/relationships" xmlns:p="http://schemas.openxmlformats.org/presentationml/2006/main">
+  <p:cSld>
+    <p:spTree>
+      <p:nvGrpSpPr>
+        <p:cNvPr id="1" name=""/>
+        <p:cNvGrpSpPr/>
+        <p:nvPr/>
+      </p:nvGrpSpPr>
+      <p:grpSpPr>
+        <a:xfrm>
+          <a:off x="0" y="0"/>
+          <a:ext cx="0" cy="0"/>
+          <a:chOff x="0" y="0"/>
+          <a:chExt cx="0" cy="0"/>
+        </a:xfrm>
+      </p:grpSpPr>
+      <p:sp>
+        <p:nvSpPr>
+          <p:cNvPr id="4" name="Title 3">
+            <a:extLst>
+              <a:ext uri="{FF2B5EF4-FFF2-40B4-BE49-F238E27FC236}">
+                <a16:creationId xmlns:a16="http://schemas.microsoft.com/office/drawing/2014/main" id="{1444F8DE-8BC6-BECE-4FD9-9006F9063D2D}"/>
+              </a:ext>
+            </a:extLst>
+          </p:cNvPr>
+          <p:cNvSpPr>
+            <a:spLocks noGrp="1"/>
+          </p:cNvSpPr>
+          <p:nvPr>
+            <p:ph type="title"/>
+          </p:nvPr>
+        </p:nvSpPr>
+        <p:spPr/>
+        <p:txBody>
+          <a:bodyPr/>
+          <a:lstStyle/>
+          <a:p>
+            <a:r>
+              <a:rPr lang="en-US" dirty="0"/>
+              <a:t>A tiny example</a:t>
+            </a:r>
+          </a:p>
+        </p:txBody>
+      </p:sp>
+      <p:sp>
+        <p:nvSpPr>
+          <p:cNvPr id="6" name="TextBox 5">
+            <a:extLst>
+              <a:ext uri="{FF2B5EF4-FFF2-40B4-BE49-F238E27FC236}">
+                <a16:creationId xmlns:a16="http://schemas.microsoft.com/office/drawing/2014/main" id="{0361304E-2D94-5F38-A8AF-133184220E6C}"/>
+              </a:ext>
+            </a:extLst>
+          </p:cNvPr>
+          <p:cNvSpPr txBox="1"/>
+          <p:nvPr/>
+        </p:nvSpPr>
+        <p:spPr>
+          <a:xfrm>
+            <a:off x="838200" y="1511669"/>
+            <a:ext cx="10307595" cy="4663456"/>
+          </a:xfrm>
+          <a:prstGeom prst="rect">
+            <a:avLst/>
+          </a:prstGeom>
+          <a:noFill/>
+          <a:ln w="25400" cap="flat">
+            <a:noFill/>
+            <a:miter lim="400000"/>
+          </a:ln>
+          <a:effectLst/>
+          <a:sp3d/>
+        </p:spPr>
+        <p:style>
+          <a:lnRef idx="0">
+            <a:scrgbClr r="0" g="0" b="0"/>
+          </a:lnRef>
+          <a:fillRef idx="0">
+            <a:scrgbClr r="0" g="0" b="0"/>
+          </a:fillRef>
+          <a:effectRef idx="0">
+            <a:scrgbClr r="0" g="0" b="0"/>
+          </a:effectRef>
+          <a:fontRef idx="none"/>
+        </p:style>
+        <p:txBody>
+          <a:bodyPr wrap="square">
+            <a:spAutoFit/>
+          </a:bodyPr>
+          <a:lstStyle/>
+          <a:p>
+            <a:pPr>
+              <a:lnSpc>
+                <a:spcPct val="115000"/>
+              </a:lnSpc>
+            </a:pPr>
+            <a:r>
+              <a:rPr lang="en-US" sz="2400" dirty="0">
+                <a:solidFill>
+                  <a:srgbClr val="000000"/>
+                </a:solidFill>
+                <a:latin typeface="Arial" panose="020B0604020202020204" pitchFamily="34" charset="0"/>
+                <a:ea typeface="Arial" panose="020B0604020202020204" pitchFamily="34" charset="0"/>
+              </a:rPr>
+              <a:t>Imagine that this is the code to be tested</a:t>
+            </a:r>
+            <a:endParaRPr lang="en-US" sz="2400" dirty="0">
+              <a:latin typeface="Arial" panose="020B0604020202020204" pitchFamily="34" charset="0"/>
+              <a:ea typeface="Arial" panose="020B0604020202020204" pitchFamily="34" charset="0"/>
+            </a:endParaRPr>
+          </a:p>
+          <a:p>
+            <a:pPr>
+              <a:lnSpc>
+                <a:spcPct val="115000"/>
+              </a:lnSpc>
+            </a:pPr>
+            <a:r>
+              <a:rPr lang="en-US" sz="2400" dirty="0">
+                <a:latin typeface="Arial" panose="020B0604020202020204" pitchFamily="34" charset="0"/>
+                <a:ea typeface="Arial" panose="020B0604020202020204" pitchFamily="34" charset="0"/>
+              </a:rPr>
+              <a:t> </a:t>
+            </a:r>
+          </a:p>
+          <a:p>
+            <a:pPr>
+              <a:lnSpc>
+                <a:spcPct val="115000"/>
+              </a:lnSpc>
+            </a:pPr>
+            <a:r>
+              <a:rPr lang="en-US" sz="2400" dirty="0">
+                <a:solidFill>
+                  <a:srgbClr val="008000"/>
+                </a:solidFill>
+                <a:latin typeface="Consolas" panose="020B0609020204030204" pitchFamily="49" charset="0"/>
+                <a:ea typeface="Consolas" panose="020B0609020204030204" pitchFamily="49" charset="0"/>
+                <a:cs typeface="Consolas" panose="020B0609020204030204" pitchFamily="49" charset="0"/>
+              </a:rPr>
+              <a:t>// find the first item in the list that is</a:t>
+            </a:r>
+            <a:endParaRPr lang="en-US" sz="2400" dirty="0">
+              <a:latin typeface="Arial" panose="020B0604020202020204" pitchFamily="34" charset="0"/>
+              <a:ea typeface="Arial" panose="020B0604020202020204" pitchFamily="34" charset="0"/>
+            </a:endParaRPr>
+          </a:p>
+          <a:p>
+            <a:pPr>
+              <a:lnSpc>
+                <a:spcPct val="115000"/>
+              </a:lnSpc>
+            </a:pPr>
+            <a:r>
+              <a:rPr lang="en-US" sz="2400" dirty="0">
+                <a:solidFill>
+                  <a:srgbClr val="008000"/>
+                </a:solidFill>
+                <a:latin typeface="Consolas" panose="020B0609020204030204" pitchFamily="49" charset="0"/>
+                <a:ea typeface="Consolas" panose="020B0609020204030204" pitchFamily="49" charset="0"/>
+                <a:cs typeface="Consolas" panose="020B0609020204030204" pitchFamily="49" charset="0"/>
+              </a:rPr>
+              <a:t>// greater than or equal to the target.</a:t>
+            </a:r>
+            <a:endParaRPr lang="en-US" sz="2400" dirty="0">
+              <a:latin typeface="Arial" panose="020B0604020202020204" pitchFamily="34" charset="0"/>
+              <a:ea typeface="Arial" panose="020B0604020202020204" pitchFamily="34" charset="0"/>
+            </a:endParaRPr>
+          </a:p>
+          <a:p>
+            <a:pPr>
+              <a:lnSpc>
+                <a:spcPct val="115000"/>
+              </a:lnSpc>
+            </a:pPr>
+            <a:r>
+              <a:rPr lang="en-US" sz="2400" dirty="0">
+                <a:solidFill>
+                  <a:srgbClr val="AF00DB"/>
+                </a:solidFill>
+                <a:latin typeface="Consolas" panose="020B0609020204030204" pitchFamily="49" charset="0"/>
+                <a:ea typeface="Consolas" panose="020B0609020204030204" pitchFamily="49" charset="0"/>
+                <a:cs typeface="Consolas" panose="020B0609020204030204" pitchFamily="49" charset="0"/>
+              </a:rPr>
+              <a:t>export</a:t>
+            </a:r>
+            <a:r>
+              <a:rPr lang="en-US" sz="2400" dirty="0">
+                <a:solidFill>
+                  <a:srgbClr val="000000"/>
+                </a:solidFill>
+                <a:latin typeface="Consolas" panose="020B0609020204030204" pitchFamily="49" charset="0"/>
+                <a:ea typeface="Consolas" panose="020B0609020204030204" pitchFamily="49" charset="0"/>
+                <a:cs typeface="Consolas" panose="020B0609020204030204" pitchFamily="49" charset="0"/>
+              </a:rPr>
+              <a:t> </a:t>
+            </a:r>
+            <a:r>
+              <a:rPr lang="en-US" sz="2400" dirty="0">
+                <a:solidFill>
+                  <a:srgbClr val="AF00DB"/>
+                </a:solidFill>
+                <a:latin typeface="Consolas" panose="020B0609020204030204" pitchFamily="49" charset="0"/>
+                <a:ea typeface="Consolas" panose="020B0609020204030204" pitchFamily="49" charset="0"/>
+                <a:cs typeface="Consolas" panose="020B0609020204030204" pitchFamily="49" charset="0"/>
+              </a:rPr>
+              <a:t>default</a:t>
+            </a:r>
+            <a:r>
+              <a:rPr lang="en-US" sz="2400" dirty="0">
+                <a:solidFill>
+                  <a:srgbClr val="000000"/>
+                </a:solidFill>
+                <a:latin typeface="Consolas" panose="020B0609020204030204" pitchFamily="49" charset="0"/>
+                <a:ea typeface="Consolas" panose="020B0609020204030204" pitchFamily="49" charset="0"/>
+                <a:cs typeface="Consolas" panose="020B0609020204030204" pitchFamily="49" charset="0"/>
+              </a:rPr>
+              <a:t> </a:t>
+            </a:r>
+            <a:r>
+              <a:rPr lang="en-US" sz="2400" dirty="0">
+                <a:solidFill>
+                  <a:srgbClr val="0000FF"/>
+                </a:solidFill>
+                <a:latin typeface="Consolas" panose="020B0609020204030204" pitchFamily="49" charset="0"/>
+                <a:ea typeface="Consolas" panose="020B0609020204030204" pitchFamily="49" charset="0"/>
+                <a:cs typeface="Consolas" panose="020B0609020204030204" pitchFamily="49" charset="0"/>
+              </a:rPr>
+              <a:t>function</a:t>
+            </a:r>
+            <a:r>
+              <a:rPr lang="en-US" sz="2400" dirty="0">
+                <a:solidFill>
+                  <a:srgbClr val="000000"/>
+                </a:solidFill>
+                <a:latin typeface="Consolas" panose="020B0609020204030204" pitchFamily="49" charset="0"/>
+                <a:ea typeface="Consolas" panose="020B0609020204030204" pitchFamily="49" charset="0"/>
+                <a:cs typeface="Consolas" panose="020B0609020204030204" pitchFamily="49" charset="0"/>
+              </a:rPr>
+              <a:t> </a:t>
+            </a:r>
+            <a:r>
+              <a:rPr lang="en-US" sz="2400" dirty="0">
+                <a:solidFill>
+                  <a:srgbClr val="795E26"/>
+                </a:solidFill>
+                <a:latin typeface="Consolas" panose="020B0609020204030204" pitchFamily="49" charset="0"/>
+                <a:ea typeface="Consolas" panose="020B0609020204030204" pitchFamily="49" charset="0"/>
+                <a:cs typeface="Consolas" panose="020B0609020204030204" pitchFamily="49" charset="0"/>
+              </a:rPr>
+              <a:t>search</a:t>
+            </a:r>
+            <a:r>
+              <a:rPr lang="en-US" sz="2400" dirty="0">
+                <a:solidFill>
+                  <a:srgbClr val="000000"/>
+                </a:solidFill>
+                <a:latin typeface="Consolas" panose="020B0609020204030204" pitchFamily="49" charset="0"/>
+                <a:ea typeface="Consolas" panose="020B0609020204030204" pitchFamily="49" charset="0"/>
+                <a:cs typeface="Consolas" panose="020B0609020204030204" pitchFamily="49" charset="0"/>
+              </a:rPr>
+              <a:t>(</a:t>
+            </a:r>
+            <a:r>
+              <a:rPr lang="en-US" sz="2400" dirty="0" err="1">
+                <a:solidFill>
+                  <a:srgbClr val="001080"/>
+                </a:solidFill>
+                <a:latin typeface="Consolas" panose="020B0609020204030204" pitchFamily="49" charset="0"/>
+                <a:ea typeface="Consolas" panose="020B0609020204030204" pitchFamily="49" charset="0"/>
+                <a:cs typeface="Consolas" panose="020B0609020204030204" pitchFamily="49" charset="0"/>
+              </a:rPr>
+              <a:t>list</a:t>
+            </a:r>
+            <a:r>
+              <a:rPr lang="en-US" sz="2400" dirty="0" err="1">
+                <a:solidFill>
+                  <a:srgbClr val="000000"/>
+                </a:solidFill>
+                <a:latin typeface="Consolas" panose="020B0609020204030204" pitchFamily="49" charset="0"/>
+                <a:ea typeface="Consolas" panose="020B0609020204030204" pitchFamily="49" charset="0"/>
+                <a:cs typeface="Consolas" panose="020B0609020204030204" pitchFamily="49" charset="0"/>
+              </a:rPr>
+              <a:t>:</a:t>
+            </a:r>
+            <a:r>
+              <a:rPr lang="en-US" sz="2400" dirty="0" err="1">
+                <a:solidFill>
+                  <a:srgbClr val="267F99"/>
+                </a:solidFill>
+                <a:latin typeface="Consolas" panose="020B0609020204030204" pitchFamily="49" charset="0"/>
+                <a:ea typeface="Consolas" panose="020B0609020204030204" pitchFamily="49" charset="0"/>
+                <a:cs typeface="Consolas" panose="020B0609020204030204" pitchFamily="49" charset="0"/>
+              </a:rPr>
+              <a:t>number</a:t>
+            </a:r>
+            <a:r>
+              <a:rPr lang="en-US" sz="2400" dirty="0">
+                <a:solidFill>
+                  <a:srgbClr val="000000"/>
+                </a:solidFill>
+                <a:latin typeface="Consolas" panose="020B0609020204030204" pitchFamily="49" charset="0"/>
+                <a:ea typeface="Consolas" panose="020B0609020204030204" pitchFamily="49" charset="0"/>
+                <a:cs typeface="Consolas" panose="020B0609020204030204" pitchFamily="49" charset="0"/>
+              </a:rPr>
+              <a:t>[], </a:t>
+            </a:r>
+            <a:r>
+              <a:rPr lang="en-US" sz="2400" dirty="0" err="1">
+                <a:solidFill>
+                  <a:srgbClr val="001080"/>
+                </a:solidFill>
+                <a:latin typeface="Consolas" panose="020B0609020204030204" pitchFamily="49" charset="0"/>
+                <a:ea typeface="Consolas" panose="020B0609020204030204" pitchFamily="49" charset="0"/>
+                <a:cs typeface="Consolas" panose="020B0609020204030204" pitchFamily="49" charset="0"/>
+              </a:rPr>
+              <a:t>target</a:t>
+            </a:r>
+            <a:r>
+              <a:rPr lang="en-US" sz="2400" dirty="0" err="1">
+                <a:solidFill>
+                  <a:srgbClr val="000000"/>
+                </a:solidFill>
+                <a:latin typeface="Consolas" panose="020B0609020204030204" pitchFamily="49" charset="0"/>
+                <a:ea typeface="Consolas" panose="020B0609020204030204" pitchFamily="49" charset="0"/>
+                <a:cs typeface="Consolas" panose="020B0609020204030204" pitchFamily="49" charset="0"/>
+              </a:rPr>
+              <a:t>:</a:t>
+            </a:r>
+            <a:r>
+              <a:rPr lang="en-US" sz="2400" dirty="0" err="1">
+                <a:solidFill>
+                  <a:srgbClr val="267F99"/>
+                </a:solidFill>
+                <a:latin typeface="Consolas" panose="020B0609020204030204" pitchFamily="49" charset="0"/>
+                <a:ea typeface="Consolas" panose="020B0609020204030204" pitchFamily="49" charset="0"/>
+                <a:cs typeface="Consolas" panose="020B0609020204030204" pitchFamily="49" charset="0"/>
+              </a:rPr>
+              <a:t>number</a:t>
+            </a:r>
+            <a:r>
+              <a:rPr lang="en-US" sz="2400" dirty="0">
+                <a:solidFill>
+                  <a:srgbClr val="000000"/>
+                </a:solidFill>
+                <a:latin typeface="Consolas" panose="020B0609020204030204" pitchFamily="49" charset="0"/>
+                <a:ea typeface="Consolas" panose="020B0609020204030204" pitchFamily="49" charset="0"/>
+                <a:cs typeface="Consolas" panose="020B0609020204030204" pitchFamily="49" charset="0"/>
+              </a:rPr>
+              <a:t>) {</a:t>
+            </a:r>
+            <a:endParaRPr lang="en-US" sz="2400" dirty="0">
+              <a:latin typeface="Arial" panose="020B0604020202020204" pitchFamily="34" charset="0"/>
+              <a:ea typeface="Arial" panose="020B0604020202020204" pitchFamily="34" charset="0"/>
+            </a:endParaRPr>
+          </a:p>
+          <a:p>
+            <a:pPr>
+              <a:lnSpc>
+                <a:spcPct val="115000"/>
+              </a:lnSpc>
+            </a:pPr>
+            <a:r>
+              <a:rPr lang="en-US" sz="2400" dirty="0">
+                <a:solidFill>
+                  <a:srgbClr val="000000"/>
+                </a:solidFill>
+                <a:latin typeface="Consolas" panose="020B0609020204030204" pitchFamily="49" charset="0"/>
+                <a:ea typeface="Consolas" panose="020B0609020204030204" pitchFamily="49" charset="0"/>
+                <a:cs typeface="Consolas" panose="020B0609020204030204" pitchFamily="49" charset="0"/>
+              </a:rPr>
+              <a:t>    </a:t>
+            </a:r>
+            <a:r>
+              <a:rPr lang="en-US" sz="2400" dirty="0">
+                <a:solidFill>
+                  <a:srgbClr val="AF00DB"/>
+                </a:solidFill>
+                <a:latin typeface="Consolas" panose="020B0609020204030204" pitchFamily="49" charset="0"/>
+                <a:ea typeface="Consolas" panose="020B0609020204030204" pitchFamily="49" charset="0"/>
+                <a:cs typeface="Consolas" panose="020B0609020204030204" pitchFamily="49" charset="0"/>
+              </a:rPr>
+              <a:t>return</a:t>
+            </a:r>
+            <a:r>
+              <a:rPr lang="en-US" sz="2400" dirty="0">
+                <a:solidFill>
+                  <a:srgbClr val="000000"/>
+                </a:solidFill>
+                <a:latin typeface="Consolas" panose="020B0609020204030204" pitchFamily="49" charset="0"/>
+                <a:ea typeface="Consolas" panose="020B0609020204030204" pitchFamily="49" charset="0"/>
+                <a:cs typeface="Consolas" panose="020B0609020204030204" pitchFamily="49" charset="0"/>
+              </a:rPr>
+              <a:t> </a:t>
+            </a:r>
+            <a:r>
+              <a:rPr lang="en-US" sz="2400" dirty="0" err="1">
+                <a:solidFill>
+                  <a:srgbClr val="001080"/>
+                </a:solidFill>
+                <a:latin typeface="Consolas" panose="020B0609020204030204" pitchFamily="49" charset="0"/>
+                <a:ea typeface="Consolas" panose="020B0609020204030204" pitchFamily="49" charset="0"/>
+                <a:cs typeface="Consolas" panose="020B0609020204030204" pitchFamily="49" charset="0"/>
+              </a:rPr>
+              <a:t>list</a:t>
+            </a:r>
+            <a:r>
+              <a:rPr lang="en-US" sz="2400" dirty="0" err="1">
+                <a:solidFill>
+                  <a:srgbClr val="000000"/>
+                </a:solidFill>
+                <a:latin typeface="Consolas" panose="020B0609020204030204" pitchFamily="49" charset="0"/>
+                <a:ea typeface="Consolas" panose="020B0609020204030204" pitchFamily="49" charset="0"/>
+                <a:cs typeface="Consolas" panose="020B0609020204030204" pitchFamily="49" charset="0"/>
+              </a:rPr>
+              <a:t>.</a:t>
+            </a:r>
+            <a:r>
+              <a:rPr lang="en-US" sz="2400" dirty="0" err="1">
+                <a:solidFill>
+                  <a:srgbClr val="795E26"/>
+                </a:solidFill>
+                <a:latin typeface="Consolas" panose="020B0609020204030204" pitchFamily="49" charset="0"/>
+                <a:ea typeface="Consolas" panose="020B0609020204030204" pitchFamily="49" charset="0"/>
+                <a:cs typeface="Consolas" panose="020B0609020204030204" pitchFamily="49" charset="0"/>
+              </a:rPr>
+              <a:t>find</a:t>
+            </a:r>
+            <a:r>
+              <a:rPr lang="en-US" sz="2400" dirty="0">
+                <a:solidFill>
+                  <a:srgbClr val="000000"/>
+                </a:solidFill>
+                <a:latin typeface="Consolas" panose="020B0609020204030204" pitchFamily="49" charset="0"/>
+                <a:ea typeface="Consolas" panose="020B0609020204030204" pitchFamily="49" charset="0"/>
+                <a:cs typeface="Consolas" panose="020B0609020204030204" pitchFamily="49" charset="0"/>
+              </a:rPr>
+              <a:t>((</a:t>
+            </a:r>
+            <a:r>
+              <a:rPr lang="en-US" sz="2400" dirty="0">
+                <a:solidFill>
+                  <a:srgbClr val="001080"/>
+                </a:solidFill>
+                <a:latin typeface="Consolas" panose="020B0609020204030204" pitchFamily="49" charset="0"/>
+                <a:ea typeface="Consolas" panose="020B0609020204030204" pitchFamily="49" charset="0"/>
+                <a:cs typeface="Consolas" panose="020B0609020204030204" pitchFamily="49" charset="0"/>
+              </a:rPr>
+              <a:t>item</a:t>
+            </a:r>
+            <a:r>
+              <a:rPr lang="en-US" sz="2400" dirty="0">
+                <a:solidFill>
+                  <a:srgbClr val="000000"/>
+                </a:solidFill>
+                <a:latin typeface="Consolas" panose="020B0609020204030204" pitchFamily="49" charset="0"/>
+                <a:ea typeface="Consolas" panose="020B0609020204030204" pitchFamily="49" charset="0"/>
+                <a:cs typeface="Consolas" panose="020B0609020204030204" pitchFamily="49" charset="0"/>
+              </a:rPr>
+              <a:t>) </a:t>
+            </a:r>
+            <a:r>
+              <a:rPr lang="en-US" sz="2400" dirty="0">
+                <a:solidFill>
+                  <a:srgbClr val="0000FF"/>
+                </a:solidFill>
+                <a:latin typeface="Consolas" panose="020B0609020204030204" pitchFamily="49" charset="0"/>
+                <a:ea typeface="Consolas" panose="020B0609020204030204" pitchFamily="49" charset="0"/>
+                <a:cs typeface="Consolas" panose="020B0609020204030204" pitchFamily="49" charset="0"/>
+              </a:rPr>
+              <a:t>=&gt;</a:t>
+            </a:r>
+            <a:r>
+              <a:rPr lang="en-US" sz="2400" dirty="0">
+                <a:solidFill>
+                  <a:srgbClr val="000000"/>
+                </a:solidFill>
+                <a:latin typeface="Consolas" panose="020B0609020204030204" pitchFamily="49" charset="0"/>
+                <a:ea typeface="Consolas" panose="020B0609020204030204" pitchFamily="49" charset="0"/>
+                <a:cs typeface="Consolas" panose="020B0609020204030204" pitchFamily="49" charset="0"/>
+              </a:rPr>
+              <a:t> </a:t>
+            </a:r>
+            <a:r>
+              <a:rPr lang="en-US" sz="2400" dirty="0">
+                <a:solidFill>
+                  <a:srgbClr val="001080"/>
+                </a:solidFill>
+                <a:latin typeface="Consolas" panose="020B0609020204030204" pitchFamily="49" charset="0"/>
+                <a:ea typeface="Consolas" panose="020B0609020204030204" pitchFamily="49" charset="0"/>
+                <a:cs typeface="Consolas" panose="020B0609020204030204" pitchFamily="49" charset="0"/>
+              </a:rPr>
+              <a:t>item</a:t>
+            </a:r>
+            <a:r>
+              <a:rPr lang="en-US" sz="2400" dirty="0">
+                <a:solidFill>
+                  <a:srgbClr val="000000"/>
+                </a:solidFill>
+                <a:latin typeface="Consolas" panose="020B0609020204030204" pitchFamily="49" charset="0"/>
+                <a:ea typeface="Consolas" panose="020B0609020204030204" pitchFamily="49" charset="0"/>
+                <a:cs typeface="Consolas" panose="020B0609020204030204" pitchFamily="49" charset="0"/>
+              </a:rPr>
+              <a:t> &gt;= </a:t>
+            </a:r>
+            <a:r>
+              <a:rPr lang="en-US" sz="2400" dirty="0">
+                <a:solidFill>
+                  <a:srgbClr val="001080"/>
+                </a:solidFill>
+                <a:latin typeface="Consolas" panose="020B0609020204030204" pitchFamily="49" charset="0"/>
+                <a:ea typeface="Consolas" panose="020B0609020204030204" pitchFamily="49" charset="0"/>
+                <a:cs typeface="Consolas" panose="020B0609020204030204" pitchFamily="49" charset="0"/>
+              </a:rPr>
+              <a:t>target</a:t>
+            </a:r>
+            <a:r>
+              <a:rPr lang="en-US" sz="2400" dirty="0">
+                <a:solidFill>
+                  <a:srgbClr val="000000"/>
+                </a:solidFill>
+                <a:latin typeface="Consolas" panose="020B0609020204030204" pitchFamily="49" charset="0"/>
+                <a:ea typeface="Consolas" panose="020B0609020204030204" pitchFamily="49" charset="0"/>
+                <a:cs typeface="Consolas" panose="020B0609020204030204" pitchFamily="49" charset="0"/>
+              </a:rPr>
+              <a:t>);</a:t>
+            </a:r>
+            <a:endParaRPr lang="en-US" sz="2400" dirty="0">
+              <a:latin typeface="Arial" panose="020B0604020202020204" pitchFamily="34" charset="0"/>
+              <a:ea typeface="Arial" panose="020B0604020202020204" pitchFamily="34" charset="0"/>
+            </a:endParaRPr>
+          </a:p>
+          <a:p>
+            <a:pPr>
+              <a:lnSpc>
+                <a:spcPct val="115000"/>
+              </a:lnSpc>
+            </a:pPr>
+            <a:r>
+              <a:rPr lang="en-US" sz="2400" dirty="0">
+                <a:solidFill>
+                  <a:srgbClr val="000000"/>
+                </a:solidFill>
+                <a:latin typeface="Consolas" panose="020B0609020204030204" pitchFamily="49" charset="0"/>
+                <a:ea typeface="Consolas" panose="020B0609020204030204" pitchFamily="49" charset="0"/>
+                <a:cs typeface="Consolas" panose="020B0609020204030204" pitchFamily="49" charset="0"/>
+              </a:rPr>
+              <a:t>}</a:t>
+            </a:r>
+            <a:r>
+              <a:rPr lang="en-US" sz="2400" dirty="0">
+                <a:latin typeface="Arial" panose="020B0604020202020204" pitchFamily="34" charset="0"/>
+                <a:ea typeface="Arial" panose="020B0604020202020204" pitchFamily="34" charset="0"/>
+              </a:rPr>
+              <a:t> </a:t>
+            </a:r>
+          </a:p>
+          <a:p>
+            <a:pPr>
+              <a:lnSpc>
+                <a:spcPct val="115000"/>
+              </a:lnSpc>
+            </a:pPr>
+            <a:endParaRPr lang="en-US" sz="2400" dirty="0">
+              <a:latin typeface="Arial" panose="020B0604020202020204" pitchFamily="34" charset="0"/>
+              <a:ea typeface="Arial" panose="020B0604020202020204" pitchFamily="34" charset="0"/>
+            </a:endParaRPr>
+          </a:p>
+          <a:p>
+            <a:pPr>
+              <a:lnSpc>
+                <a:spcPct val="115000"/>
+              </a:lnSpc>
+            </a:pPr>
+            <a:r>
+              <a:rPr lang="en-US" sz="2400" dirty="0">
+                <a:latin typeface="Arial" panose="020B0604020202020204" pitchFamily="34" charset="0"/>
+                <a:ea typeface="Arial" panose="020B0604020202020204" pitchFamily="34" charset="0"/>
+              </a:rPr>
+              <a:t>and we have written some tests.</a:t>
+            </a:r>
+          </a:p>
+          <a:p>
+            <a:pPr>
+              <a:lnSpc>
+                <a:spcPct val="115000"/>
+              </a:lnSpc>
+            </a:pPr>
+            <a:endParaRPr lang="en-US" sz="2000" dirty="0">
+              <a:latin typeface="Arial" panose="020B0604020202020204" pitchFamily="34" charset="0"/>
+              <a:ea typeface="Arial" panose="020B0604020202020204" pitchFamily="34" charset="0"/>
+            </a:endParaRPr>
+          </a:p>
+        </p:txBody>
+      </p:sp>
+    </p:spTree>
+    <p:extLst>
+      <p:ext uri="{BB962C8B-B14F-4D97-AF65-F5344CB8AC3E}">
+        <p14:creationId xmlns:p14="http://schemas.microsoft.com/office/powerpoint/2010/main" val="2595956498"/>
       </p:ext>
     </p:extLst>
   </p:cSld>
@@ -13672,614 +13496,6 @@
 </file>
 
 <file path=ppt/slides/slide20.xml><?xml version="1.0" encoding="utf-8"?>
-<p:sld xmlns:a="http://schemas.openxmlformats.org/drawingml/2006/main" xmlns:r="http://schemas.openxmlformats.org/officeDocument/2006/relationships" xmlns:p="http://schemas.openxmlformats.org/presentationml/2006/main">
-  <p:cSld>
-    <p:spTree>
-      <p:nvGrpSpPr>
-        <p:cNvPr id="1" name=""/>
-        <p:cNvGrpSpPr/>
-        <p:nvPr/>
-      </p:nvGrpSpPr>
-      <p:grpSpPr>
-        <a:xfrm>
-          <a:off x="0" y="0"/>
-          <a:ext cx="0" cy="0"/>
-          <a:chOff x="0" y="0"/>
-          <a:chExt cx="0" cy="0"/>
-        </a:xfrm>
-      </p:grpSpPr>
-      <p:sp>
-        <p:nvSpPr>
-          <p:cNvPr id="4" name="Title 3">
-            <a:extLst>
-              <a:ext uri="{FF2B5EF4-FFF2-40B4-BE49-F238E27FC236}">
-                <a16:creationId xmlns:a16="http://schemas.microsoft.com/office/drawing/2014/main" id="{1444F8DE-8BC6-BECE-4FD9-9006F9063D2D}"/>
-              </a:ext>
-            </a:extLst>
-          </p:cNvPr>
-          <p:cNvSpPr>
-            <a:spLocks noGrp="1"/>
-          </p:cNvSpPr>
-          <p:nvPr>
-            <p:ph type="title"/>
-          </p:nvPr>
-        </p:nvSpPr>
-        <p:spPr/>
-        <p:txBody>
-          <a:bodyPr/>
-          <a:lstStyle/>
-          <a:p>
-            <a:r>
-              <a:rPr lang="en-US" dirty="0"/>
-              <a:t>A tiny example</a:t>
-            </a:r>
-          </a:p>
-        </p:txBody>
-      </p:sp>
-      <p:sp>
-        <p:nvSpPr>
-          <p:cNvPr id="6" name="TextBox 5">
-            <a:extLst>
-              <a:ext uri="{FF2B5EF4-FFF2-40B4-BE49-F238E27FC236}">
-                <a16:creationId xmlns:a16="http://schemas.microsoft.com/office/drawing/2014/main" id="{0361304E-2D94-5F38-A8AF-133184220E6C}"/>
-              </a:ext>
-            </a:extLst>
-          </p:cNvPr>
-          <p:cNvSpPr txBox="1"/>
-          <p:nvPr/>
-        </p:nvSpPr>
-        <p:spPr>
-          <a:xfrm>
-            <a:off x="838200" y="1511669"/>
-            <a:ext cx="10307595" cy="4663456"/>
-          </a:xfrm>
-          <a:prstGeom prst="rect">
-            <a:avLst/>
-          </a:prstGeom>
-          <a:noFill/>
-          <a:ln w="25400" cap="flat">
-            <a:noFill/>
-            <a:miter lim="400000"/>
-          </a:ln>
-          <a:effectLst/>
-          <a:sp3d/>
-        </p:spPr>
-        <p:style>
-          <a:lnRef idx="0">
-            <a:scrgbClr r="0" g="0" b="0"/>
-          </a:lnRef>
-          <a:fillRef idx="0">
-            <a:scrgbClr r="0" g="0" b="0"/>
-          </a:fillRef>
-          <a:effectRef idx="0">
-            <a:scrgbClr r="0" g="0" b="0"/>
-          </a:effectRef>
-          <a:fontRef idx="none"/>
-        </p:style>
-        <p:txBody>
-          <a:bodyPr wrap="square">
-            <a:spAutoFit/>
-          </a:bodyPr>
-          <a:lstStyle/>
-          <a:p>
-            <a:pPr>
-              <a:lnSpc>
-                <a:spcPct val="115000"/>
-              </a:lnSpc>
-            </a:pPr>
-            <a:r>
-              <a:rPr lang="en-US" sz="2400" dirty="0">
-                <a:solidFill>
-                  <a:srgbClr val="000000"/>
-                </a:solidFill>
-                <a:latin typeface="Arial" panose="020B0604020202020204" pitchFamily="34" charset="0"/>
-                <a:ea typeface="Arial" panose="020B0604020202020204" pitchFamily="34" charset="0"/>
-              </a:rPr>
-              <a:t>Imagine that this is the code to be tested</a:t>
-            </a:r>
-            <a:endParaRPr lang="en-US" sz="2400" dirty="0">
-              <a:latin typeface="Arial" panose="020B0604020202020204" pitchFamily="34" charset="0"/>
-              <a:ea typeface="Arial" panose="020B0604020202020204" pitchFamily="34" charset="0"/>
-            </a:endParaRPr>
-          </a:p>
-          <a:p>
-            <a:pPr>
-              <a:lnSpc>
-                <a:spcPct val="115000"/>
-              </a:lnSpc>
-            </a:pPr>
-            <a:r>
-              <a:rPr lang="en-US" sz="2400" dirty="0">
-                <a:latin typeface="Arial" panose="020B0604020202020204" pitchFamily="34" charset="0"/>
-                <a:ea typeface="Arial" panose="020B0604020202020204" pitchFamily="34" charset="0"/>
-              </a:rPr>
-              <a:t> </a:t>
-            </a:r>
-          </a:p>
-          <a:p>
-            <a:pPr>
-              <a:lnSpc>
-                <a:spcPct val="115000"/>
-              </a:lnSpc>
-            </a:pPr>
-            <a:r>
-              <a:rPr lang="en-US" sz="2400" dirty="0">
-                <a:solidFill>
-                  <a:srgbClr val="008000"/>
-                </a:solidFill>
-                <a:latin typeface="Consolas" panose="020B0609020204030204" pitchFamily="49" charset="0"/>
-                <a:ea typeface="Consolas" panose="020B0609020204030204" pitchFamily="49" charset="0"/>
-                <a:cs typeface="Consolas" panose="020B0609020204030204" pitchFamily="49" charset="0"/>
-              </a:rPr>
-              <a:t>// find the first item in the list that is</a:t>
-            </a:r>
-            <a:endParaRPr lang="en-US" sz="2400" dirty="0">
-              <a:latin typeface="Arial" panose="020B0604020202020204" pitchFamily="34" charset="0"/>
-              <a:ea typeface="Arial" panose="020B0604020202020204" pitchFamily="34" charset="0"/>
-            </a:endParaRPr>
-          </a:p>
-          <a:p>
-            <a:pPr>
-              <a:lnSpc>
-                <a:spcPct val="115000"/>
-              </a:lnSpc>
-            </a:pPr>
-            <a:r>
-              <a:rPr lang="en-US" sz="2400" dirty="0">
-                <a:solidFill>
-                  <a:srgbClr val="008000"/>
-                </a:solidFill>
-                <a:latin typeface="Consolas" panose="020B0609020204030204" pitchFamily="49" charset="0"/>
-                <a:ea typeface="Consolas" panose="020B0609020204030204" pitchFamily="49" charset="0"/>
-                <a:cs typeface="Consolas" panose="020B0609020204030204" pitchFamily="49" charset="0"/>
-              </a:rPr>
-              <a:t>// greater than or equal to the target.</a:t>
-            </a:r>
-            <a:endParaRPr lang="en-US" sz="2400" dirty="0">
-              <a:latin typeface="Arial" panose="020B0604020202020204" pitchFamily="34" charset="0"/>
-              <a:ea typeface="Arial" panose="020B0604020202020204" pitchFamily="34" charset="0"/>
-            </a:endParaRPr>
-          </a:p>
-          <a:p>
-            <a:pPr>
-              <a:lnSpc>
-                <a:spcPct val="115000"/>
-              </a:lnSpc>
-            </a:pPr>
-            <a:r>
-              <a:rPr lang="en-US" sz="2400" dirty="0">
-                <a:solidFill>
-                  <a:srgbClr val="AF00DB"/>
-                </a:solidFill>
-                <a:latin typeface="Consolas" panose="020B0609020204030204" pitchFamily="49" charset="0"/>
-                <a:ea typeface="Consolas" panose="020B0609020204030204" pitchFamily="49" charset="0"/>
-                <a:cs typeface="Consolas" panose="020B0609020204030204" pitchFamily="49" charset="0"/>
-              </a:rPr>
-              <a:t>export</a:t>
-            </a:r>
-            <a:r>
-              <a:rPr lang="en-US" sz="2400" dirty="0">
-                <a:solidFill>
-                  <a:srgbClr val="000000"/>
-                </a:solidFill>
-                <a:latin typeface="Consolas" panose="020B0609020204030204" pitchFamily="49" charset="0"/>
-                <a:ea typeface="Consolas" panose="020B0609020204030204" pitchFamily="49" charset="0"/>
-                <a:cs typeface="Consolas" panose="020B0609020204030204" pitchFamily="49" charset="0"/>
-              </a:rPr>
-              <a:t> </a:t>
-            </a:r>
-            <a:r>
-              <a:rPr lang="en-US" sz="2400" dirty="0">
-                <a:solidFill>
-                  <a:srgbClr val="AF00DB"/>
-                </a:solidFill>
-                <a:latin typeface="Consolas" panose="020B0609020204030204" pitchFamily="49" charset="0"/>
-                <a:ea typeface="Consolas" panose="020B0609020204030204" pitchFamily="49" charset="0"/>
-                <a:cs typeface="Consolas" panose="020B0609020204030204" pitchFamily="49" charset="0"/>
-              </a:rPr>
-              <a:t>default</a:t>
-            </a:r>
-            <a:r>
-              <a:rPr lang="en-US" sz="2400" dirty="0">
-                <a:solidFill>
-                  <a:srgbClr val="000000"/>
-                </a:solidFill>
-                <a:latin typeface="Consolas" panose="020B0609020204030204" pitchFamily="49" charset="0"/>
-                <a:ea typeface="Consolas" panose="020B0609020204030204" pitchFamily="49" charset="0"/>
-                <a:cs typeface="Consolas" panose="020B0609020204030204" pitchFamily="49" charset="0"/>
-              </a:rPr>
-              <a:t> </a:t>
-            </a:r>
-            <a:r>
-              <a:rPr lang="en-US" sz="2400" dirty="0">
-                <a:solidFill>
-                  <a:srgbClr val="0000FF"/>
-                </a:solidFill>
-                <a:latin typeface="Consolas" panose="020B0609020204030204" pitchFamily="49" charset="0"/>
-                <a:ea typeface="Consolas" panose="020B0609020204030204" pitchFamily="49" charset="0"/>
-                <a:cs typeface="Consolas" panose="020B0609020204030204" pitchFamily="49" charset="0"/>
-              </a:rPr>
-              <a:t>function</a:t>
-            </a:r>
-            <a:r>
-              <a:rPr lang="en-US" sz="2400" dirty="0">
-                <a:solidFill>
-                  <a:srgbClr val="000000"/>
-                </a:solidFill>
-                <a:latin typeface="Consolas" panose="020B0609020204030204" pitchFamily="49" charset="0"/>
-                <a:ea typeface="Consolas" panose="020B0609020204030204" pitchFamily="49" charset="0"/>
-                <a:cs typeface="Consolas" panose="020B0609020204030204" pitchFamily="49" charset="0"/>
-              </a:rPr>
-              <a:t> </a:t>
-            </a:r>
-            <a:r>
-              <a:rPr lang="en-US" sz="2400" dirty="0">
-                <a:solidFill>
-                  <a:srgbClr val="795E26"/>
-                </a:solidFill>
-                <a:latin typeface="Consolas" panose="020B0609020204030204" pitchFamily="49" charset="0"/>
-                <a:ea typeface="Consolas" panose="020B0609020204030204" pitchFamily="49" charset="0"/>
-                <a:cs typeface="Consolas" panose="020B0609020204030204" pitchFamily="49" charset="0"/>
-              </a:rPr>
-              <a:t>search</a:t>
-            </a:r>
-            <a:r>
-              <a:rPr lang="en-US" sz="2400" dirty="0">
-                <a:solidFill>
-                  <a:srgbClr val="000000"/>
-                </a:solidFill>
-                <a:latin typeface="Consolas" panose="020B0609020204030204" pitchFamily="49" charset="0"/>
-                <a:ea typeface="Consolas" panose="020B0609020204030204" pitchFamily="49" charset="0"/>
-                <a:cs typeface="Consolas" panose="020B0609020204030204" pitchFamily="49" charset="0"/>
-              </a:rPr>
-              <a:t>(</a:t>
-            </a:r>
-            <a:r>
-              <a:rPr lang="en-US" sz="2400" dirty="0" err="1">
-                <a:solidFill>
-                  <a:srgbClr val="001080"/>
-                </a:solidFill>
-                <a:latin typeface="Consolas" panose="020B0609020204030204" pitchFamily="49" charset="0"/>
-                <a:ea typeface="Consolas" panose="020B0609020204030204" pitchFamily="49" charset="0"/>
-                <a:cs typeface="Consolas" panose="020B0609020204030204" pitchFamily="49" charset="0"/>
-              </a:rPr>
-              <a:t>list</a:t>
-            </a:r>
-            <a:r>
-              <a:rPr lang="en-US" sz="2400" dirty="0" err="1">
-                <a:solidFill>
-                  <a:srgbClr val="000000"/>
-                </a:solidFill>
-                <a:latin typeface="Consolas" panose="020B0609020204030204" pitchFamily="49" charset="0"/>
-                <a:ea typeface="Consolas" panose="020B0609020204030204" pitchFamily="49" charset="0"/>
-                <a:cs typeface="Consolas" panose="020B0609020204030204" pitchFamily="49" charset="0"/>
-              </a:rPr>
-              <a:t>:</a:t>
-            </a:r>
-            <a:r>
-              <a:rPr lang="en-US" sz="2400" dirty="0" err="1">
-                <a:solidFill>
-                  <a:srgbClr val="267F99"/>
-                </a:solidFill>
-                <a:latin typeface="Consolas" panose="020B0609020204030204" pitchFamily="49" charset="0"/>
-                <a:ea typeface="Consolas" panose="020B0609020204030204" pitchFamily="49" charset="0"/>
-                <a:cs typeface="Consolas" panose="020B0609020204030204" pitchFamily="49" charset="0"/>
-              </a:rPr>
-              <a:t>number</a:t>
-            </a:r>
-            <a:r>
-              <a:rPr lang="en-US" sz="2400" dirty="0">
-                <a:solidFill>
-                  <a:srgbClr val="000000"/>
-                </a:solidFill>
-                <a:latin typeface="Consolas" panose="020B0609020204030204" pitchFamily="49" charset="0"/>
-                <a:ea typeface="Consolas" panose="020B0609020204030204" pitchFamily="49" charset="0"/>
-                <a:cs typeface="Consolas" panose="020B0609020204030204" pitchFamily="49" charset="0"/>
-              </a:rPr>
-              <a:t>[], </a:t>
-            </a:r>
-            <a:r>
-              <a:rPr lang="en-US" sz="2400" dirty="0" err="1">
-                <a:solidFill>
-                  <a:srgbClr val="001080"/>
-                </a:solidFill>
-                <a:latin typeface="Consolas" panose="020B0609020204030204" pitchFamily="49" charset="0"/>
-                <a:ea typeface="Consolas" panose="020B0609020204030204" pitchFamily="49" charset="0"/>
-                <a:cs typeface="Consolas" panose="020B0609020204030204" pitchFamily="49" charset="0"/>
-              </a:rPr>
-              <a:t>target</a:t>
-            </a:r>
-            <a:r>
-              <a:rPr lang="en-US" sz="2400" dirty="0" err="1">
-                <a:solidFill>
-                  <a:srgbClr val="000000"/>
-                </a:solidFill>
-                <a:latin typeface="Consolas" panose="020B0609020204030204" pitchFamily="49" charset="0"/>
-                <a:ea typeface="Consolas" panose="020B0609020204030204" pitchFamily="49" charset="0"/>
-                <a:cs typeface="Consolas" panose="020B0609020204030204" pitchFamily="49" charset="0"/>
-              </a:rPr>
-              <a:t>:</a:t>
-            </a:r>
-            <a:r>
-              <a:rPr lang="en-US" sz="2400" dirty="0" err="1">
-                <a:solidFill>
-                  <a:srgbClr val="267F99"/>
-                </a:solidFill>
-                <a:latin typeface="Consolas" panose="020B0609020204030204" pitchFamily="49" charset="0"/>
-                <a:ea typeface="Consolas" panose="020B0609020204030204" pitchFamily="49" charset="0"/>
-                <a:cs typeface="Consolas" panose="020B0609020204030204" pitchFamily="49" charset="0"/>
-              </a:rPr>
-              <a:t>number</a:t>
-            </a:r>
-            <a:r>
-              <a:rPr lang="en-US" sz="2400" dirty="0">
-                <a:solidFill>
-                  <a:srgbClr val="000000"/>
-                </a:solidFill>
-                <a:latin typeface="Consolas" panose="020B0609020204030204" pitchFamily="49" charset="0"/>
-                <a:ea typeface="Consolas" panose="020B0609020204030204" pitchFamily="49" charset="0"/>
-                <a:cs typeface="Consolas" panose="020B0609020204030204" pitchFamily="49" charset="0"/>
-              </a:rPr>
-              <a:t>) {</a:t>
-            </a:r>
-            <a:endParaRPr lang="en-US" sz="2400" dirty="0">
-              <a:latin typeface="Arial" panose="020B0604020202020204" pitchFamily="34" charset="0"/>
-              <a:ea typeface="Arial" panose="020B0604020202020204" pitchFamily="34" charset="0"/>
-            </a:endParaRPr>
-          </a:p>
-          <a:p>
-            <a:pPr>
-              <a:lnSpc>
-                <a:spcPct val="115000"/>
-              </a:lnSpc>
-            </a:pPr>
-            <a:r>
-              <a:rPr lang="en-US" sz="2400" dirty="0">
-                <a:solidFill>
-                  <a:srgbClr val="000000"/>
-                </a:solidFill>
-                <a:latin typeface="Consolas" panose="020B0609020204030204" pitchFamily="49" charset="0"/>
-                <a:ea typeface="Consolas" panose="020B0609020204030204" pitchFamily="49" charset="0"/>
-                <a:cs typeface="Consolas" panose="020B0609020204030204" pitchFamily="49" charset="0"/>
-              </a:rPr>
-              <a:t>    </a:t>
-            </a:r>
-            <a:r>
-              <a:rPr lang="en-US" sz="2400" dirty="0">
-                <a:solidFill>
-                  <a:srgbClr val="AF00DB"/>
-                </a:solidFill>
-                <a:latin typeface="Consolas" panose="020B0609020204030204" pitchFamily="49" charset="0"/>
-                <a:ea typeface="Consolas" panose="020B0609020204030204" pitchFamily="49" charset="0"/>
-                <a:cs typeface="Consolas" panose="020B0609020204030204" pitchFamily="49" charset="0"/>
-              </a:rPr>
-              <a:t>return</a:t>
-            </a:r>
-            <a:r>
-              <a:rPr lang="en-US" sz="2400" dirty="0">
-                <a:solidFill>
-                  <a:srgbClr val="000000"/>
-                </a:solidFill>
-                <a:latin typeface="Consolas" panose="020B0609020204030204" pitchFamily="49" charset="0"/>
-                <a:ea typeface="Consolas" panose="020B0609020204030204" pitchFamily="49" charset="0"/>
-                <a:cs typeface="Consolas" panose="020B0609020204030204" pitchFamily="49" charset="0"/>
-              </a:rPr>
-              <a:t> </a:t>
-            </a:r>
-            <a:r>
-              <a:rPr lang="en-US" sz="2400" dirty="0" err="1">
-                <a:solidFill>
-                  <a:srgbClr val="001080"/>
-                </a:solidFill>
-                <a:latin typeface="Consolas" panose="020B0609020204030204" pitchFamily="49" charset="0"/>
-                <a:ea typeface="Consolas" panose="020B0609020204030204" pitchFamily="49" charset="0"/>
-                <a:cs typeface="Consolas" panose="020B0609020204030204" pitchFamily="49" charset="0"/>
-              </a:rPr>
-              <a:t>list</a:t>
-            </a:r>
-            <a:r>
-              <a:rPr lang="en-US" sz="2400" dirty="0" err="1">
-                <a:solidFill>
-                  <a:srgbClr val="000000"/>
-                </a:solidFill>
-                <a:latin typeface="Consolas" panose="020B0609020204030204" pitchFamily="49" charset="0"/>
-                <a:ea typeface="Consolas" panose="020B0609020204030204" pitchFamily="49" charset="0"/>
-                <a:cs typeface="Consolas" panose="020B0609020204030204" pitchFamily="49" charset="0"/>
-              </a:rPr>
-              <a:t>.</a:t>
-            </a:r>
-            <a:r>
-              <a:rPr lang="en-US" sz="2400" dirty="0" err="1">
-                <a:solidFill>
-                  <a:srgbClr val="795E26"/>
-                </a:solidFill>
-                <a:latin typeface="Consolas" panose="020B0609020204030204" pitchFamily="49" charset="0"/>
-                <a:ea typeface="Consolas" panose="020B0609020204030204" pitchFamily="49" charset="0"/>
-                <a:cs typeface="Consolas" panose="020B0609020204030204" pitchFamily="49" charset="0"/>
-              </a:rPr>
-              <a:t>find</a:t>
-            </a:r>
-            <a:r>
-              <a:rPr lang="en-US" sz="2400" dirty="0">
-                <a:solidFill>
-                  <a:srgbClr val="000000"/>
-                </a:solidFill>
-                <a:latin typeface="Consolas" panose="020B0609020204030204" pitchFamily="49" charset="0"/>
-                <a:ea typeface="Consolas" panose="020B0609020204030204" pitchFamily="49" charset="0"/>
-                <a:cs typeface="Consolas" panose="020B0609020204030204" pitchFamily="49" charset="0"/>
-              </a:rPr>
-              <a:t>((</a:t>
-            </a:r>
-            <a:r>
-              <a:rPr lang="en-US" sz="2400" dirty="0">
-                <a:solidFill>
-                  <a:srgbClr val="001080"/>
-                </a:solidFill>
-                <a:latin typeface="Consolas" panose="020B0609020204030204" pitchFamily="49" charset="0"/>
-                <a:ea typeface="Consolas" panose="020B0609020204030204" pitchFamily="49" charset="0"/>
-                <a:cs typeface="Consolas" panose="020B0609020204030204" pitchFamily="49" charset="0"/>
-              </a:rPr>
-              <a:t>item</a:t>
-            </a:r>
-            <a:r>
-              <a:rPr lang="en-US" sz="2400" dirty="0">
-                <a:solidFill>
-                  <a:srgbClr val="000000"/>
-                </a:solidFill>
-                <a:latin typeface="Consolas" panose="020B0609020204030204" pitchFamily="49" charset="0"/>
-                <a:ea typeface="Consolas" panose="020B0609020204030204" pitchFamily="49" charset="0"/>
-                <a:cs typeface="Consolas" panose="020B0609020204030204" pitchFamily="49" charset="0"/>
-              </a:rPr>
-              <a:t>) </a:t>
-            </a:r>
-            <a:r>
-              <a:rPr lang="en-US" sz="2400" dirty="0">
-                <a:solidFill>
-                  <a:srgbClr val="0000FF"/>
-                </a:solidFill>
-                <a:latin typeface="Consolas" panose="020B0609020204030204" pitchFamily="49" charset="0"/>
-                <a:ea typeface="Consolas" panose="020B0609020204030204" pitchFamily="49" charset="0"/>
-                <a:cs typeface="Consolas" panose="020B0609020204030204" pitchFamily="49" charset="0"/>
-              </a:rPr>
-              <a:t>=&gt;</a:t>
-            </a:r>
-            <a:r>
-              <a:rPr lang="en-US" sz="2400" dirty="0">
-                <a:solidFill>
-                  <a:srgbClr val="000000"/>
-                </a:solidFill>
-                <a:latin typeface="Consolas" panose="020B0609020204030204" pitchFamily="49" charset="0"/>
-                <a:ea typeface="Consolas" panose="020B0609020204030204" pitchFamily="49" charset="0"/>
-                <a:cs typeface="Consolas" panose="020B0609020204030204" pitchFamily="49" charset="0"/>
-              </a:rPr>
-              <a:t> </a:t>
-            </a:r>
-            <a:r>
-              <a:rPr lang="en-US" sz="2400" dirty="0">
-                <a:solidFill>
-                  <a:srgbClr val="001080"/>
-                </a:solidFill>
-                <a:latin typeface="Consolas" panose="020B0609020204030204" pitchFamily="49" charset="0"/>
-                <a:ea typeface="Consolas" panose="020B0609020204030204" pitchFamily="49" charset="0"/>
-                <a:cs typeface="Consolas" panose="020B0609020204030204" pitchFamily="49" charset="0"/>
-              </a:rPr>
-              <a:t>item</a:t>
-            </a:r>
-            <a:r>
-              <a:rPr lang="en-US" sz="2400" dirty="0">
-                <a:solidFill>
-                  <a:srgbClr val="000000"/>
-                </a:solidFill>
-                <a:latin typeface="Consolas" panose="020B0609020204030204" pitchFamily="49" charset="0"/>
-                <a:ea typeface="Consolas" panose="020B0609020204030204" pitchFamily="49" charset="0"/>
-                <a:cs typeface="Consolas" panose="020B0609020204030204" pitchFamily="49" charset="0"/>
-              </a:rPr>
-              <a:t> &gt;= </a:t>
-            </a:r>
-            <a:r>
-              <a:rPr lang="en-US" sz="2400" dirty="0">
-                <a:solidFill>
-                  <a:srgbClr val="001080"/>
-                </a:solidFill>
-                <a:latin typeface="Consolas" panose="020B0609020204030204" pitchFamily="49" charset="0"/>
-                <a:ea typeface="Consolas" panose="020B0609020204030204" pitchFamily="49" charset="0"/>
-                <a:cs typeface="Consolas" panose="020B0609020204030204" pitchFamily="49" charset="0"/>
-              </a:rPr>
-              <a:t>target</a:t>
-            </a:r>
-            <a:r>
-              <a:rPr lang="en-US" sz="2400" dirty="0">
-                <a:solidFill>
-                  <a:srgbClr val="000000"/>
-                </a:solidFill>
-                <a:latin typeface="Consolas" panose="020B0609020204030204" pitchFamily="49" charset="0"/>
-                <a:ea typeface="Consolas" panose="020B0609020204030204" pitchFamily="49" charset="0"/>
-                <a:cs typeface="Consolas" panose="020B0609020204030204" pitchFamily="49" charset="0"/>
-              </a:rPr>
-              <a:t>);</a:t>
-            </a:r>
-            <a:endParaRPr lang="en-US" sz="2400" dirty="0">
-              <a:latin typeface="Arial" panose="020B0604020202020204" pitchFamily="34" charset="0"/>
-              <a:ea typeface="Arial" panose="020B0604020202020204" pitchFamily="34" charset="0"/>
-            </a:endParaRPr>
-          </a:p>
-          <a:p>
-            <a:pPr>
-              <a:lnSpc>
-                <a:spcPct val="115000"/>
-              </a:lnSpc>
-            </a:pPr>
-            <a:r>
-              <a:rPr lang="en-US" sz="2400" dirty="0">
-                <a:solidFill>
-                  <a:srgbClr val="000000"/>
-                </a:solidFill>
-                <a:latin typeface="Consolas" panose="020B0609020204030204" pitchFamily="49" charset="0"/>
-                <a:ea typeface="Consolas" panose="020B0609020204030204" pitchFamily="49" charset="0"/>
-                <a:cs typeface="Consolas" panose="020B0609020204030204" pitchFamily="49" charset="0"/>
-              </a:rPr>
-              <a:t>}</a:t>
-            </a:r>
-            <a:r>
-              <a:rPr lang="en-US" sz="2400" dirty="0">
-                <a:latin typeface="Arial" panose="020B0604020202020204" pitchFamily="34" charset="0"/>
-                <a:ea typeface="Arial" panose="020B0604020202020204" pitchFamily="34" charset="0"/>
-              </a:rPr>
-              <a:t> </a:t>
-            </a:r>
-          </a:p>
-          <a:p>
-            <a:pPr>
-              <a:lnSpc>
-                <a:spcPct val="115000"/>
-              </a:lnSpc>
-            </a:pPr>
-            <a:endParaRPr lang="en-US" sz="2400" dirty="0">
-              <a:latin typeface="Arial" panose="020B0604020202020204" pitchFamily="34" charset="0"/>
-              <a:ea typeface="Arial" panose="020B0604020202020204" pitchFamily="34" charset="0"/>
-            </a:endParaRPr>
-          </a:p>
-          <a:p>
-            <a:pPr>
-              <a:lnSpc>
-                <a:spcPct val="115000"/>
-              </a:lnSpc>
-            </a:pPr>
-            <a:r>
-              <a:rPr lang="en-US" sz="2400" dirty="0">
-                <a:latin typeface="Arial" panose="020B0604020202020204" pitchFamily="34" charset="0"/>
-                <a:ea typeface="Arial" panose="020B0604020202020204" pitchFamily="34" charset="0"/>
-              </a:rPr>
-              <a:t>and we have written some tests.</a:t>
-            </a:r>
-          </a:p>
-          <a:p>
-            <a:pPr>
-              <a:lnSpc>
-                <a:spcPct val="115000"/>
-              </a:lnSpc>
-            </a:pPr>
-            <a:endParaRPr lang="en-US" sz="2000" dirty="0">
-              <a:latin typeface="Arial" panose="020B0604020202020204" pitchFamily="34" charset="0"/>
-              <a:ea typeface="Arial" panose="020B0604020202020204" pitchFamily="34" charset="0"/>
-            </a:endParaRPr>
-          </a:p>
-        </p:txBody>
-      </p:sp>
-    </p:spTree>
-    <p:extLst>
-      <p:ext uri="{BB962C8B-B14F-4D97-AF65-F5344CB8AC3E}">
-        <p14:creationId xmlns:p14="http://schemas.microsoft.com/office/powerpoint/2010/main" val="2595956498"/>
-      </p:ext>
-    </p:extLst>
-  </p:cSld>
-  <p:clrMapOvr>
-    <a:masterClrMapping/>
-  </p:clrMapOvr>
-</p:sld>
-</file>
-
-<file path=ppt/slides/slide21.xml><?xml version="1.0" encoding="utf-8"?>
 <p:sld xmlns:a="http://schemas.openxmlformats.org/drawingml/2006/main" xmlns:r="http://schemas.openxmlformats.org/officeDocument/2006/relationships" xmlns:p="http://schemas.openxmlformats.org/presentationml/2006/main">
   <p:cSld>
     <p:spTree>
@@ -15130,7 +14346,7 @@
 </p:sld>
 </file>
 
-<file path=ppt/slides/slide22.xml><?xml version="1.0" encoding="utf-8"?>
+<file path=ppt/slides/slide21.xml><?xml version="1.0" encoding="utf-8"?>
 <p:sld xmlns:a="http://schemas.openxmlformats.org/drawingml/2006/main" xmlns:r="http://schemas.openxmlformats.org/officeDocument/2006/relationships" xmlns:p="http://schemas.openxmlformats.org/presentationml/2006/main">
   <p:cSld>
     <p:spTree>
@@ -15788,7 +15004,7 @@
 </p:sld>
 </file>
 
-<file path=ppt/slides/slide23.xml><?xml version="1.0" encoding="utf-8"?>
+<file path=ppt/slides/slide22.xml><?xml version="1.0" encoding="utf-8"?>
 <p:sld xmlns:a="http://schemas.openxmlformats.org/drawingml/2006/main" xmlns:r="http://schemas.openxmlformats.org/officeDocument/2006/relationships" xmlns:p="http://schemas.openxmlformats.org/presentationml/2006/main">
   <p:cSld>
     <p:spTree>
@@ -16136,7 +15352,7 @@
 </p:sld>
 </file>
 
-<file path=ppt/slides/slide24.xml><?xml version="1.0" encoding="utf-8"?>
+<file path=ppt/slides/slide23.xml><?xml version="1.0" encoding="utf-8"?>
 <p:sld xmlns:a="http://schemas.openxmlformats.org/drawingml/2006/main" xmlns:r="http://schemas.openxmlformats.org/officeDocument/2006/relationships" xmlns:p="http://schemas.openxmlformats.org/presentationml/2006/main">
   <p:cSld>
     <p:spTree>
@@ -16807,7 +16023,7 @@
 </p:sld>
 </file>
 
-<file path=ppt/slides/slide25.xml><?xml version="1.0" encoding="utf-8"?>
+<file path=ppt/slides/slide24.xml><?xml version="1.0" encoding="utf-8"?>
 <p:sld xmlns:a="http://schemas.openxmlformats.org/drawingml/2006/main" xmlns:r="http://schemas.openxmlformats.org/officeDocument/2006/relationships" xmlns:p="http://schemas.openxmlformats.org/presentationml/2006/main">
   <p:cSld>
     <p:spTree>
@@ -17134,7 +16350,7 @@
 </p:sld>
 </file>
 
-<file path=ppt/slides/slide26.xml><?xml version="1.0" encoding="utf-8"?>
+<file path=ppt/slides/slide25.xml><?xml version="1.0" encoding="utf-8"?>
 <p:sld xmlns:a="http://schemas.openxmlformats.org/drawingml/2006/main" xmlns:r="http://schemas.openxmlformats.org/officeDocument/2006/relationships" xmlns:p="http://schemas.openxmlformats.org/presentationml/2006/main">
   <p:cSld>
     <p:spTree>
@@ -17236,7 +16452,7 @@
           </a:ln>
           <a:extLst>
             <a:ext uri="{C572A759-6A51-4108-AA02-DFA0A04FC94B}">
-              <ma14:wrappingTextBoxFlag xmlns="" xmlns:m="http://schemas.openxmlformats.org/officeDocument/2006/math" xmlns:a14="http://schemas.microsoft.com/office/drawing/2010/main" xmlns:ma14="http://schemas.microsoft.com/office/mac/drawingml/2011/main" val="1"/>
+              <ma14:wrappingTextBoxFlag xmlns:ma14="http://schemas.microsoft.com/office/mac/drawingml/2011/main" xmlns:a14="http://schemas.microsoft.com/office/drawing/2010/main" xmlns:m="http://schemas.openxmlformats.org/officeDocument/2006/math" xmlns="" val="1"/>
             </a:ext>
           </a:extLst>
         </p:spPr>
@@ -17546,7 +16762,7 @@
             <a:fld id="{86CB4B4D-7CA3-9044-876B-883B54F8677D}" type="slidenum">
               <a:rPr lang="en-US" smtClean="0"/>
               <a:pPr/>
-              <a:t>26</a:t>
+              <a:t>25</a:t>
             </a:fld>
             <a:endParaRPr/>
           </a:p>
@@ -17601,7 +16817,7 @@
           </a:ln>
           <a:extLst>
             <a:ext uri="{C572A759-6A51-4108-AA02-DFA0A04FC94B}">
-              <ma14:wrappingTextBoxFlag xmlns="" xmlns:m="http://schemas.openxmlformats.org/officeDocument/2006/math" xmlns:a14="http://schemas.microsoft.com/office/drawing/2010/main" xmlns:ma14="http://schemas.microsoft.com/office/mac/drawingml/2011/main" val="1"/>
+              <ma14:wrappingTextBoxFlag xmlns:ma14="http://schemas.microsoft.com/office/mac/drawingml/2011/main" xmlns:a14="http://schemas.microsoft.com/office/drawing/2010/main" xmlns:m="http://schemas.openxmlformats.org/officeDocument/2006/math" xmlns="" val="1"/>
             </a:ext>
           </a:extLst>
         </p:spPr>
@@ -17626,7 +16842,7 @@
 </p:sld>
 </file>
 
-<file path=ppt/slides/slide27.xml><?xml version="1.0" encoding="utf-8"?>
+<file path=ppt/slides/slide26.xml><?xml version="1.0" encoding="utf-8"?>
 <p:sld xmlns:a="http://schemas.openxmlformats.org/drawingml/2006/main" xmlns:r="http://schemas.openxmlformats.org/officeDocument/2006/relationships" xmlns:p="http://schemas.openxmlformats.org/presentationml/2006/main">
   <p:cSld>
     <p:spTree>
@@ -17770,7 +16986,7 @@
           </a:ln>
           <a:extLst>
             <a:ext uri="{C572A759-6A51-4108-AA02-DFA0A04FC94B}">
-              <ma14:wrappingTextBoxFlag xmlns="" xmlns:m="http://schemas.openxmlformats.org/officeDocument/2006/math" xmlns:a14="http://schemas.microsoft.com/office/drawing/2010/main" xmlns:ma14="http://schemas.microsoft.com/office/mac/drawingml/2011/main" val="1"/>
+              <ma14:wrappingTextBoxFlag xmlns:ma14="http://schemas.microsoft.com/office/mac/drawingml/2011/main" xmlns:a14="http://schemas.microsoft.com/office/drawing/2010/main" xmlns:m="http://schemas.openxmlformats.org/officeDocument/2006/math" xmlns="" val="1"/>
             </a:ext>
           </a:extLst>
         </p:spPr>
@@ -18080,7 +17296,7 @@
             <a:fld id="{86CB4B4D-7CA3-9044-876B-883B54F8677D}" type="slidenum">
               <a:rPr lang="en-US" smtClean="0"/>
               <a:pPr/>
-              <a:t>27</a:t>
+              <a:t>26</a:t>
             </a:fld>
             <a:endParaRPr lang="en-US"/>
           </a:p>
@@ -18135,7 +17351,7 @@
 </p:sld>
 </file>
 
-<file path=ppt/slides/slide28.xml><?xml version="1.0" encoding="utf-8"?>
+<file path=ppt/slides/slide27.xml><?xml version="1.0" encoding="utf-8"?>
 <p:sld xmlns:a="http://schemas.openxmlformats.org/drawingml/2006/main" xmlns:r="http://schemas.openxmlformats.org/officeDocument/2006/relationships" xmlns:p="http://schemas.openxmlformats.org/presentationml/2006/main">
   <p:cSld>
     <p:spTree>
@@ -18262,7 +17478,7 @@
           </a:ln>
           <a:extLst>
             <a:ext uri="{C572A759-6A51-4108-AA02-DFA0A04FC94B}">
-              <ma14:wrappingTextBoxFlag xmlns:ma14="http://schemas.microsoft.com/office/mac/drawingml/2011/main" xmlns:a14="http://schemas.microsoft.com/office/drawing/2010/main" xmlns:m="http://schemas.openxmlformats.org/officeDocument/2006/math" xmlns="" val="1"/>
+              <ma14:wrappingTextBoxFlag xmlns="" xmlns:m="http://schemas.openxmlformats.org/officeDocument/2006/math" xmlns:a14="http://schemas.microsoft.com/office/drawing/2010/main" xmlns:ma14="http://schemas.microsoft.com/office/mac/drawingml/2011/main" val="1"/>
             </a:ext>
           </a:extLst>
         </p:spPr>
@@ -18572,7 +17788,7 @@
             <a:fld id="{86CB4B4D-7CA3-9044-876B-883B54F8677D}" type="slidenum">
               <a:rPr lang="en-US" smtClean="0"/>
               <a:pPr/>
-              <a:t>28</a:t>
+              <a:t>27</a:t>
             </a:fld>
             <a:endParaRPr/>
           </a:p>
@@ -18654,7 +17870,7 @@
 </p:sld>
 </file>
 
-<file path=ppt/slides/slide29.xml><?xml version="1.0" encoding="utf-8"?>
+<file path=ppt/slides/slide28.xml><?xml version="1.0" encoding="utf-8"?>
 <p:sld xmlns:a="http://schemas.openxmlformats.org/drawingml/2006/main" xmlns:r="http://schemas.openxmlformats.org/officeDocument/2006/relationships" xmlns:p="http://schemas.openxmlformats.org/presentationml/2006/main">
   <p:cSld>
     <p:spTree>
@@ -18838,7 +18054,7 @@
             <a:fld id="{20F37917-FD3A-4669-9018-DA04BCDD3D75}" type="slidenum">
               <a:rPr lang="en-US" noProof="0" smtClean="0"/>
               <a:pPr lvl="0"/>
-              <a:t>29</a:t>
+              <a:t>28</a:t>
             </a:fld>
             <a:endParaRPr lang="en-US" noProof="0"/>
           </a:p>
@@ -19154,7 +18370,7 @@
           </a:ln>
           <a:extLst>
             <a:ext uri="{C572A759-6A51-4108-AA02-DFA0A04FC94B}">
-              <ma14:wrappingTextBoxFlag xmlns:ma14="http://schemas.microsoft.com/office/mac/drawingml/2011/main" xmlns:a14="http://schemas.microsoft.com/office/drawing/2010/main" xmlns:m="http://schemas.openxmlformats.org/officeDocument/2006/math" xmlns="" val="1"/>
+              <ma14:wrappingTextBoxFlag xmlns="" xmlns:m="http://schemas.openxmlformats.org/officeDocument/2006/math" xmlns:a14="http://schemas.microsoft.com/office/drawing/2010/main" xmlns:ma14="http://schemas.microsoft.com/office/mac/drawingml/2011/main" val="1"/>
             </a:ext>
           </a:extLst>
         </p:spPr>
@@ -19887,39 +19103,39 @@
           <a:lstStyle/>
           <a:p>
             <a:r>
-              <a:rPr lang="en-US" i="1"/>
+              <a:rPr lang="en-US" i="1" dirty="0"/>
               <a:t>Line </a:t>
             </a:r>
             <a:r>
-              <a:rPr lang="en-US"/>
+              <a:rPr lang="en-US" dirty="0"/>
               <a:t>and </a:t>
             </a:r>
             <a:r>
-              <a:rPr lang="en-US" i="1"/>
+              <a:rPr lang="en-US" i="1" dirty="0"/>
               <a:t>Statement </a:t>
             </a:r>
             <a:r>
-              <a:rPr lang="en-US"/>
-              <a:t>coverage: coarsest measure.</a:t>
-            </a:r>
-          </a:p>
-          <a:p>
-            <a:r>
-              <a:rPr lang="en-US"/>
-              <a:t>Testing x = 0 exercises lines 1 and 2</a:t>
-            </a:r>
-          </a:p>
-          <a:p>
-            <a:r>
-              <a:rPr lang="en-US"/>
-              <a:t>Testing x = 10 exercises lines 1, 4, 5, and 6.</a:t>
+              <a:rPr lang="en-US" dirty="0"/>
+              <a:t>coverage are a coarse measurement.</a:t>
+            </a:r>
+          </a:p>
+          <a:p>
+            <a:r>
+              <a:rPr lang="en-US" dirty="0"/>
+              <a:t>Testing x = 0 exercises lines 2 and 3</a:t>
+            </a:r>
+          </a:p>
+          <a:p>
+            <a:r>
+              <a:rPr lang="en-US" dirty="0"/>
+              <a:t>Testing x = 10 exercises lines 2, 5, 6, and 7.</a:t>
             </a:r>
           </a:p>
           <a:p>
             <a:pPr marL="0" indent="0">
               <a:buNone/>
             </a:pPr>
-            <a:endParaRPr lang="en-US"/>
+            <a:endParaRPr lang="en-US" dirty="0"/>
           </a:p>
         </p:txBody>
       </p:sp>
@@ -19938,7 +19154,7 @@
         <p:spPr>
           <a:xfrm>
             <a:off x="6283569" y="2501474"/>
-            <a:ext cx="5814645" cy="2306272"/>
+            <a:ext cx="5814645" cy="3051092"/>
           </a:xfrm>
           <a:prstGeom prst="rect">
             <a:avLst/>
@@ -19993,93 +19209,75 @@
               <a:t>1| </a:t>
             </a:r>
             <a:r>
-              <a:rPr lang="en-US" sz="2200" b="0" dirty="0">
+              <a:rPr lang="en-US" sz="2200" dirty="0">
                 <a:solidFill>
                   <a:srgbClr val="AF00DB"/>
                 </a:solidFill>
-                <a:effectLst/>
-                <a:latin typeface="Consolas" panose="020B0609020204030204" pitchFamily="49" charset="0"/>
-                <a:cs typeface="Consolas" panose="020B0609020204030204" pitchFamily="49" charset="0"/>
-              </a:rPr>
-              <a:t>if</a:t>
-            </a:r>
-            <a:r>
-              <a:rPr lang="en-US" sz="2200" b="0" dirty="0">
-                <a:solidFill>
-                  <a:srgbClr val="3B3B3B"/>
-                </a:solidFill>
-                <a:effectLst/>
-                <a:latin typeface="Consolas" panose="020B0609020204030204" pitchFamily="49" charset="0"/>
-                <a:cs typeface="Consolas" panose="020B0609020204030204" pitchFamily="49" charset="0"/>
-              </a:rPr>
-              <a:t> (</a:t>
-            </a:r>
-            <a:r>
-              <a:rPr lang="en-US" sz="2200" b="0" dirty="0">
-                <a:solidFill>
-                  <a:srgbClr val="0070C1"/>
-                </a:solidFill>
-                <a:effectLst/>
-                <a:latin typeface="Consolas" panose="020B0609020204030204" pitchFamily="49" charset="0"/>
-                <a:cs typeface="Consolas" panose="020B0609020204030204" pitchFamily="49" charset="0"/>
-              </a:rPr>
-              <a:t>x</a:t>
-            </a:r>
-            <a:r>
-              <a:rPr lang="en-US" sz="2200" b="0" dirty="0">
-                <a:solidFill>
-                  <a:srgbClr val="3B3B3B"/>
-                </a:solidFill>
-                <a:effectLst/>
-                <a:latin typeface="Consolas" panose="020B0609020204030204" pitchFamily="49" charset="0"/>
-                <a:cs typeface="Consolas" panose="020B0609020204030204" pitchFamily="49" charset="0"/>
-              </a:rPr>
-              <a:t> </a:t>
-            </a:r>
-            <a:r>
-              <a:rPr lang="en-US" sz="2200" b="0" dirty="0">
-                <a:solidFill>
-                  <a:srgbClr val="000000"/>
-                </a:solidFill>
-                <a:effectLst/>
-                <a:latin typeface="Consolas" panose="020B0609020204030204" pitchFamily="49" charset="0"/>
-                <a:cs typeface="Consolas" panose="020B0609020204030204" pitchFamily="49" charset="0"/>
-              </a:rPr>
-              <a:t>===</a:t>
-            </a:r>
-            <a:r>
-              <a:rPr lang="en-US" sz="2200" b="0" dirty="0">
-                <a:solidFill>
-                  <a:srgbClr val="3B3B3B"/>
-                </a:solidFill>
-                <a:effectLst/>
-                <a:latin typeface="Consolas" panose="020B0609020204030204" pitchFamily="49" charset="0"/>
-                <a:cs typeface="Consolas" panose="020B0609020204030204" pitchFamily="49" charset="0"/>
-              </a:rPr>
-              <a:t> </a:t>
-            </a:r>
-            <a:r>
-              <a:rPr lang="en-US" sz="2200" b="0" dirty="0">
-                <a:solidFill>
-                  <a:srgbClr val="098658"/>
-                </a:solidFill>
-                <a:effectLst/>
-                <a:latin typeface="Consolas" panose="020B0609020204030204" pitchFamily="49" charset="0"/>
-                <a:cs typeface="Consolas" panose="020B0609020204030204" pitchFamily="49" charset="0"/>
-              </a:rPr>
-              <a:t>0</a:t>
-            </a:r>
-            <a:r>
-              <a:rPr lang="en-US" sz="2200" b="0" dirty="0">
-                <a:solidFill>
-                  <a:srgbClr val="3B3B3B"/>
-                </a:solidFill>
-                <a:effectLst/>
+                <a:latin typeface="Consolas" panose="020B0609020204030204" pitchFamily="49" charset="0"/>
+                <a:cs typeface="Consolas" panose="020B0609020204030204" pitchFamily="49" charset="0"/>
+              </a:rPr>
+              <a:t>export </a:t>
+            </a:r>
+            <a:r>
+              <a:rPr lang="en-US" sz="2200" dirty="0">
+                <a:solidFill>
+                  <a:srgbClr val="0000FF"/>
+                </a:solidFill>
+                <a:latin typeface="Consolas" panose="020B0609020204030204" pitchFamily="49" charset="0"/>
+                <a:cs typeface="Consolas" panose="020B0609020204030204" pitchFamily="49" charset="0"/>
+              </a:rPr>
+              <a:t>function </a:t>
+            </a:r>
+            <a:r>
+              <a:rPr lang="en-US" sz="2200" dirty="0">
+                <a:solidFill>
+                  <a:schemeClr val="accent4">
+                    <a:lumMod val="50000"/>
+                  </a:schemeClr>
+                </a:solidFill>
+                <a:latin typeface="Consolas" panose="020B0609020204030204" pitchFamily="49" charset="0"/>
+                <a:cs typeface="Consolas" panose="020B0609020204030204" pitchFamily="49" charset="0"/>
+              </a:rPr>
+              <a:t>f</a:t>
+            </a:r>
+            <a:r>
+              <a:rPr lang="en-US" sz="2200" dirty="0">
+                <a:solidFill>
+                  <a:srgbClr val="0000FF"/>
+                </a:solidFill>
+                <a:latin typeface="Consolas" panose="020B0609020204030204" pitchFamily="49" charset="0"/>
+                <a:cs typeface="Consolas" panose="020B0609020204030204" pitchFamily="49" charset="0"/>
+              </a:rPr>
+              <a:t>(x: </a:t>
+            </a:r>
+            <a:r>
+              <a:rPr lang="en-US" sz="2200" dirty="0">
+                <a:solidFill>
+                  <a:srgbClr val="0070C0"/>
+                </a:solidFill>
+                <a:latin typeface="Consolas" panose="020B0609020204030204" pitchFamily="49" charset="0"/>
+                <a:cs typeface="Consolas" panose="020B0609020204030204" pitchFamily="49" charset="0"/>
+              </a:rPr>
+              <a:t>number</a:t>
+            </a:r>
+            <a:r>
+              <a:rPr lang="en-US" sz="2200" dirty="0">
+                <a:solidFill>
+                  <a:schemeClr val="tx1"/>
+                </a:solidFill>
                 <a:latin typeface="Consolas" panose="020B0609020204030204" pitchFamily="49" charset="0"/>
                 <a:cs typeface="Consolas" panose="020B0609020204030204" pitchFamily="49" charset="0"/>
               </a:rPr>
               <a:t>) {</a:t>
             </a:r>
+            <a:endParaRPr lang="en-US" sz="2200" b="0" dirty="0">
+              <a:solidFill>
+                <a:schemeClr val="tx1"/>
+              </a:solidFill>
+              <a:effectLst/>
+              <a:latin typeface="Consolas" panose="020B0609020204030204" pitchFamily="49" charset="0"/>
+              <a:cs typeface="Consolas" panose="020B0609020204030204" pitchFamily="49" charset="0"/>
+            </a:endParaRPr>
           </a:p>
           <a:p>
             <a:pPr>
@@ -20111,7 +19309,7 @@
                 <a:latin typeface="Consolas" panose="020B0609020204030204" pitchFamily="49" charset="0"/>
                 <a:cs typeface="Consolas" panose="020B0609020204030204" pitchFamily="49" charset="0"/>
               </a:rPr>
-              <a:t>|</a:t>
+              <a:t>|   </a:t>
             </a:r>
             <a:r>
               <a:rPr lang="en-US" sz="2200" b="0" dirty="0">
@@ -20122,7 +19320,7 @@
                 <a:latin typeface="Consolas" panose="020B0609020204030204" pitchFamily="49" charset="0"/>
                 <a:cs typeface="Consolas" panose="020B0609020204030204" pitchFamily="49" charset="0"/>
               </a:rPr>
-              <a:t>  return</a:t>
+              <a:t>if</a:t>
             </a:r>
             <a:r>
               <a:rPr lang="en-US" sz="2200" b="0" dirty="0">
@@ -20133,18 +19331,62 @@
                 <a:latin typeface="Consolas" panose="020B0609020204030204" pitchFamily="49" charset="0"/>
                 <a:cs typeface="Consolas" panose="020B0609020204030204" pitchFamily="49" charset="0"/>
               </a:rPr>
+              <a:t> (</a:t>
+            </a:r>
+            <a:r>
+              <a:rPr lang="en-US" sz="2200" b="0" dirty="0">
+                <a:solidFill>
+                  <a:srgbClr val="0070C1"/>
+                </a:solidFill>
+                <a:effectLst/>
+                <a:latin typeface="Consolas" panose="020B0609020204030204" pitchFamily="49" charset="0"/>
+                <a:cs typeface="Consolas" panose="020B0609020204030204" pitchFamily="49" charset="0"/>
+              </a:rPr>
+              <a:t>x</a:t>
+            </a:r>
+            <a:r>
+              <a:rPr lang="en-US" sz="2200" b="0" dirty="0">
+                <a:solidFill>
+                  <a:srgbClr val="3B3B3B"/>
+                </a:solidFill>
+                <a:effectLst/>
+                <a:latin typeface="Consolas" panose="020B0609020204030204" pitchFamily="49" charset="0"/>
+                <a:cs typeface="Consolas" panose="020B0609020204030204" pitchFamily="49" charset="0"/>
+              </a:rPr>
               <a:t> </a:t>
             </a:r>
             <a:r>
               <a:rPr lang="en-US" sz="2200" b="0" dirty="0">
                 <a:solidFill>
+                  <a:srgbClr val="000000"/>
+                </a:solidFill>
+                <a:effectLst/>
+                <a:latin typeface="Consolas" panose="020B0609020204030204" pitchFamily="49" charset="0"/>
+                <a:cs typeface="Consolas" panose="020B0609020204030204" pitchFamily="49" charset="0"/>
+              </a:rPr>
+              <a:t>===</a:t>
+            </a:r>
+            <a:r>
+              <a:rPr lang="en-US" sz="2200" b="0" dirty="0">
+                <a:solidFill>
+                  <a:srgbClr val="3B3B3B"/>
+                </a:solidFill>
+                <a:effectLst/>
+                <a:latin typeface="Consolas" panose="020B0609020204030204" pitchFamily="49" charset="0"/>
+                <a:cs typeface="Consolas" panose="020B0609020204030204" pitchFamily="49" charset="0"/>
+              </a:rPr>
+              <a:t> </a:t>
+            </a:r>
+            <a:r>
+              <a:rPr lang="en-US" sz="2200" b="0" dirty="0">
+                <a:solidFill>
                   <a:srgbClr val="098658"/>
                 </a:solidFill>
                 <a:effectLst/>
                 <a:latin typeface="Consolas" panose="020B0609020204030204" pitchFamily="49" charset="0"/>
                 <a:cs typeface="Consolas" panose="020B0609020204030204" pitchFamily="49" charset="0"/>
               </a:rPr>
-              <a:t>3</a:t>
+              <a:t>0</a:t>
             </a:r>
             <a:r>
               <a:rPr lang="en-US" sz="2200" b="0" dirty="0">
@@ -20155,7 +19397,7 @@
                 <a:latin typeface="Consolas" panose="020B0609020204030204" pitchFamily="49" charset="0"/>
                 <a:cs typeface="Consolas" panose="020B0609020204030204" pitchFamily="49" charset="0"/>
               </a:rPr>
-              <a:t>;</a:t>
+              <a:t>) {</a:t>
             </a:r>
           </a:p>
           <a:p>
@@ -20166,12 +19408,46 @@
               <a:buNone/>
             </a:pPr>
             <a:r>
-              <a:rPr lang="en-US" sz="2200" dirty="0">
+              <a:rPr lang="en-US" sz="2200" b="0" dirty="0">
                 <a:solidFill>
                   <a:schemeClr val="bg2">
                     <a:lumMod val="90000"/>
                   </a:schemeClr>
                 </a:solidFill>
+                <a:effectLst/>
+                <a:latin typeface="Consolas" panose="020B0609020204030204" pitchFamily="49" charset="0"/>
+                <a:cs typeface="Consolas" panose="020B0609020204030204" pitchFamily="49" charset="0"/>
+              </a:rPr>
+              <a:t>3|</a:t>
+            </a:r>
+            <a:r>
+              <a:rPr lang="en-US" sz="2200" b="0" dirty="0">
+                <a:solidFill>
+                  <a:srgbClr val="AF00DB"/>
+                </a:solidFill>
+                <a:effectLst/>
+                <a:latin typeface="Consolas" panose="020B0609020204030204" pitchFamily="49" charset="0"/>
+                <a:cs typeface="Consolas" panose="020B0609020204030204" pitchFamily="49" charset="0"/>
+              </a:rPr>
+              <a:t>     return</a:t>
+            </a:r>
+            <a:r>
+              <a:rPr lang="en-US" sz="2200" b="0" dirty="0">
+                <a:solidFill>
+                  <a:srgbClr val="3B3B3B"/>
+                </a:solidFill>
+                <a:effectLst/>
+                <a:latin typeface="Consolas" panose="020B0609020204030204" pitchFamily="49" charset="0"/>
+                <a:cs typeface="Consolas" panose="020B0609020204030204" pitchFamily="49" charset="0"/>
+              </a:rPr>
+              <a:t> </a:t>
+            </a:r>
+            <a:r>
+              <a:rPr lang="en-US" sz="2200" b="0" dirty="0">
+                <a:solidFill>
+                  <a:srgbClr val="098658"/>
+                </a:solidFill>
+                <a:effectLst/>
                 <a:latin typeface="Consolas" panose="020B0609020204030204" pitchFamily="49" charset="0"/>
                 <a:cs typeface="Consolas" panose="020B0609020204030204" pitchFamily="49" charset="0"/>
               </a:rPr>
@@ -20180,26 +19456,13 @@
             <a:r>
               <a:rPr lang="en-US" sz="2200" b="0" dirty="0">
                 <a:solidFill>
-                  <a:schemeClr val="bg2">
-                    <a:lumMod val="90000"/>
-                  </a:schemeClr>
+                  <a:srgbClr val="3B3B3B"/>
                 </a:solidFill>
                 <a:effectLst/>
                 <a:latin typeface="Consolas" panose="020B0609020204030204" pitchFamily="49" charset="0"/>
                 <a:cs typeface="Consolas" panose="020B0609020204030204" pitchFamily="49" charset="0"/>
               </a:rPr>
-              <a:t>| </a:t>
-            </a:r>
-            <a:r>
-              <a:rPr lang="en-US" sz="2200" b="0" dirty="0">
-                <a:solidFill>
-                  <a:srgbClr val="3B3B3B"/>
-                </a:solidFill>
-                <a:effectLst/>
-                <a:latin typeface="Consolas" panose="020B0609020204030204" pitchFamily="49" charset="0"/>
-                <a:cs typeface="Consolas" panose="020B0609020204030204" pitchFamily="49" charset="0"/>
-              </a:rPr>
-              <a:t>}</a:t>
+              <a:t>;</a:t>
             </a:r>
           </a:p>
           <a:p>
@@ -20210,249 +19473,28 @@
               <a:buNone/>
             </a:pPr>
             <a:r>
-              <a:rPr lang="en-US" sz="2200" dirty="0">
+              <a:rPr lang="en-US" sz="2200" b="0" dirty="0">
                 <a:solidFill>
                   <a:schemeClr val="bg2">
                     <a:lumMod val="90000"/>
                   </a:schemeClr>
                 </a:solidFill>
-                <a:latin typeface="Consolas" panose="020B0609020204030204" pitchFamily="49" charset="0"/>
-                <a:cs typeface="Consolas" panose="020B0609020204030204" pitchFamily="49" charset="0"/>
-              </a:rPr>
-              <a:t>4</a:t>
+                <a:effectLst/>
+                <a:latin typeface="Consolas" panose="020B0609020204030204" pitchFamily="49" charset="0"/>
+                <a:cs typeface="Consolas" panose="020B0609020204030204" pitchFamily="49" charset="0"/>
+              </a:rPr>
+              <a:t>4|   </a:t>
             </a:r>
             <a:r>
               <a:rPr lang="en-US" sz="2200" b="0" dirty="0">
                 <a:solidFill>
-                  <a:schemeClr val="bg2">
-                    <a:lumMod val="90000"/>
-                  </a:schemeClr>
+                  <a:srgbClr val="3B3B3B"/>
                 </a:solidFill>
                 <a:effectLst/>
                 <a:latin typeface="Consolas" panose="020B0609020204030204" pitchFamily="49" charset="0"/>
                 <a:cs typeface="Consolas" panose="020B0609020204030204" pitchFamily="49" charset="0"/>
               </a:rPr>
-              <a:t>| </a:t>
-            </a:r>
-            <a:r>
-              <a:rPr lang="en-US" sz="2200" b="0" dirty="0">
-                <a:solidFill>
-                  <a:srgbClr val="0000FF"/>
-                </a:solidFill>
-                <a:effectLst/>
-                <a:latin typeface="Consolas" panose="020B0609020204030204" pitchFamily="49" charset="0"/>
-                <a:cs typeface="Consolas" panose="020B0609020204030204" pitchFamily="49" charset="0"/>
-              </a:rPr>
-              <a:t>const</a:t>
-            </a:r>
-            <a:r>
-              <a:rPr lang="en-US" sz="2200" b="0" dirty="0">
-                <a:solidFill>
-                  <a:srgbClr val="3B3B3B"/>
-                </a:solidFill>
-                <a:effectLst/>
-                <a:latin typeface="Consolas" panose="020B0609020204030204" pitchFamily="49" charset="0"/>
-                <a:cs typeface="Consolas" panose="020B0609020204030204" pitchFamily="49" charset="0"/>
-              </a:rPr>
-              <a:t> </a:t>
-            </a:r>
-            <a:r>
-              <a:rPr lang="en-US" sz="2200" b="0" dirty="0">
-                <a:solidFill>
-                  <a:srgbClr val="0070C1"/>
-                </a:solidFill>
-                <a:effectLst/>
-                <a:latin typeface="Consolas" panose="020B0609020204030204" pitchFamily="49" charset="0"/>
-                <a:cs typeface="Consolas" panose="020B0609020204030204" pitchFamily="49" charset="0"/>
-              </a:rPr>
-              <a:t>y</a:t>
-            </a:r>
-            <a:r>
-              <a:rPr lang="en-US" sz="2200" b="0" dirty="0">
-                <a:solidFill>
-                  <a:srgbClr val="3B3B3B"/>
-                </a:solidFill>
-                <a:effectLst/>
-                <a:latin typeface="Consolas" panose="020B0609020204030204" pitchFamily="49" charset="0"/>
-                <a:cs typeface="Consolas" panose="020B0609020204030204" pitchFamily="49" charset="0"/>
-              </a:rPr>
-              <a:t> </a:t>
-            </a:r>
-            <a:r>
-              <a:rPr lang="en-US" sz="2200" b="0" dirty="0">
-                <a:solidFill>
-                  <a:srgbClr val="000000"/>
-                </a:solidFill>
-                <a:effectLst/>
-                <a:latin typeface="Consolas" panose="020B0609020204030204" pitchFamily="49" charset="0"/>
-                <a:cs typeface="Consolas" panose="020B0609020204030204" pitchFamily="49" charset="0"/>
-              </a:rPr>
-              <a:t>=</a:t>
-            </a:r>
-            <a:r>
-              <a:rPr lang="en-US" sz="2200" b="0" dirty="0">
-                <a:solidFill>
-                  <a:srgbClr val="3B3B3B"/>
-                </a:solidFill>
-                <a:effectLst/>
-                <a:latin typeface="Consolas" panose="020B0609020204030204" pitchFamily="49" charset="0"/>
-                <a:cs typeface="Consolas" panose="020B0609020204030204" pitchFamily="49" charset="0"/>
-              </a:rPr>
-              <a:t> </a:t>
-            </a:r>
-            <a:r>
-              <a:rPr lang="en-US" sz="2200" b="0" dirty="0">
-                <a:solidFill>
-                  <a:srgbClr val="0070C1"/>
-                </a:solidFill>
-                <a:effectLst/>
-                <a:latin typeface="Consolas" panose="020B0609020204030204" pitchFamily="49" charset="0"/>
-                <a:cs typeface="Consolas" panose="020B0609020204030204" pitchFamily="49" charset="0"/>
-              </a:rPr>
-              <a:t>x</a:t>
-            </a:r>
-            <a:r>
-              <a:rPr lang="en-US" sz="2200" b="0" dirty="0">
-                <a:solidFill>
-                  <a:srgbClr val="3B3B3B"/>
-                </a:solidFill>
-                <a:effectLst/>
-                <a:latin typeface="Consolas" panose="020B0609020204030204" pitchFamily="49" charset="0"/>
-                <a:cs typeface="Consolas" panose="020B0609020204030204" pitchFamily="49" charset="0"/>
-              </a:rPr>
-              <a:t> </a:t>
-            </a:r>
-            <a:r>
-              <a:rPr lang="en-US" sz="2200" b="0" dirty="0">
-                <a:solidFill>
-                  <a:srgbClr val="000000"/>
-                </a:solidFill>
-                <a:effectLst/>
-                <a:latin typeface="Consolas" panose="020B0609020204030204" pitchFamily="49" charset="0"/>
-                <a:cs typeface="Consolas" panose="020B0609020204030204" pitchFamily="49" charset="0"/>
-              </a:rPr>
-              <a:t>&gt;</a:t>
-            </a:r>
-            <a:r>
-              <a:rPr lang="en-US" sz="2200" b="0" dirty="0">
-                <a:solidFill>
-                  <a:srgbClr val="3B3B3B"/>
-                </a:solidFill>
-                <a:effectLst/>
-                <a:latin typeface="Consolas" panose="020B0609020204030204" pitchFamily="49" charset="0"/>
-                <a:cs typeface="Consolas" panose="020B0609020204030204" pitchFamily="49" charset="0"/>
-              </a:rPr>
-              <a:t> </a:t>
-            </a:r>
-            <a:r>
-              <a:rPr lang="en-US" sz="2200" b="0" dirty="0">
-                <a:solidFill>
-                  <a:srgbClr val="098658"/>
-                </a:solidFill>
-                <a:effectLst/>
-                <a:latin typeface="Consolas" panose="020B0609020204030204" pitchFamily="49" charset="0"/>
-                <a:cs typeface="Consolas" panose="020B0609020204030204" pitchFamily="49" charset="0"/>
-              </a:rPr>
-              <a:t>4</a:t>
-            </a:r>
-            <a:r>
-              <a:rPr lang="en-US" sz="2200" b="0" dirty="0">
-                <a:solidFill>
-                  <a:srgbClr val="3B3B3B"/>
-                </a:solidFill>
-                <a:effectLst/>
-                <a:latin typeface="Consolas" panose="020B0609020204030204" pitchFamily="49" charset="0"/>
-                <a:cs typeface="Consolas" panose="020B0609020204030204" pitchFamily="49" charset="0"/>
-              </a:rPr>
-              <a:t> </a:t>
-            </a:r>
-            <a:r>
-              <a:rPr lang="en-US" sz="2200" b="0" dirty="0">
-                <a:solidFill>
-                  <a:srgbClr val="000000"/>
-                </a:solidFill>
-                <a:effectLst/>
-                <a:latin typeface="Consolas" panose="020B0609020204030204" pitchFamily="49" charset="0"/>
-                <a:cs typeface="Consolas" panose="020B0609020204030204" pitchFamily="49" charset="0"/>
-              </a:rPr>
-              <a:t>?</a:t>
-            </a:r>
-            <a:r>
-              <a:rPr lang="en-US" sz="2200" b="0" dirty="0">
-                <a:solidFill>
-                  <a:srgbClr val="3B3B3B"/>
-                </a:solidFill>
-                <a:effectLst/>
-                <a:latin typeface="Consolas" panose="020B0609020204030204" pitchFamily="49" charset="0"/>
-                <a:cs typeface="Consolas" panose="020B0609020204030204" pitchFamily="49" charset="0"/>
-              </a:rPr>
-              <a:t> </a:t>
-            </a:r>
-            <a:r>
-              <a:rPr lang="en-US" sz="2200" b="0" dirty="0">
-                <a:solidFill>
-                  <a:srgbClr val="098658"/>
-                </a:solidFill>
-                <a:effectLst/>
-                <a:latin typeface="Consolas" panose="020B0609020204030204" pitchFamily="49" charset="0"/>
-                <a:cs typeface="Consolas" panose="020B0609020204030204" pitchFamily="49" charset="0"/>
-              </a:rPr>
-              <a:t>2</a:t>
-            </a:r>
-            <a:r>
-              <a:rPr lang="en-US" sz="2200" b="0" dirty="0">
-                <a:solidFill>
-                  <a:srgbClr val="3B3B3B"/>
-                </a:solidFill>
-                <a:effectLst/>
-                <a:latin typeface="Consolas" panose="020B0609020204030204" pitchFamily="49" charset="0"/>
-                <a:cs typeface="Consolas" panose="020B0609020204030204" pitchFamily="49" charset="0"/>
-              </a:rPr>
-              <a:t> </a:t>
-            </a:r>
-            <a:r>
-              <a:rPr lang="en-US" sz="2200" b="0" dirty="0">
-                <a:solidFill>
-                  <a:srgbClr val="000000"/>
-                </a:solidFill>
-                <a:effectLst/>
-                <a:latin typeface="Consolas" panose="020B0609020204030204" pitchFamily="49" charset="0"/>
-                <a:cs typeface="Consolas" panose="020B0609020204030204" pitchFamily="49" charset="0"/>
-              </a:rPr>
-              <a:t>:</a:t>
-            </a:r>
-            <a:r>
-              <a:rPr lang="en-US" sz="2200" b="0" dirty="0">
-                <a:solidFill>
-                  <a:srgbClr val="3B3B3B"/>
-                </a:solidFill>
-                <a:effectLst/>
-                <a:latin typeface="Consolas" panose="020B0609020204030204" pitchFamily="49" charset="0"/>
-                <a:cs typeface="Consolas" panose="020B0609020204030204" pitchFamily="49" charset="0"/>
-              </a:rPr>
-              <a:t> </a:t>
-            </a:r>
-            <a:r>
-              <a:rPr lang="en-US" sz="2200" b="0" dirty="0">
-                <a:solidFill>
-                  <a:srgbClr val="098658"/>
-                </a:solidFill>
-                <a:effectLst/>
-                <a:latin typeface="Consolas" panose="020B0609020204030204" pitchFamily="49" charset="0"/>
-                <a:cs typeface="Consolas" panose="020B0609020204030204" pitchFamily="49" charset="0"/>
-              </a:rPr>
-              <a:t>3</a:t>
-            </a:r>
-            <a:r>
-              <a:rPr lang="en-US" sz="2200" b="0" dirty="0">
-                <a:solidFill>
-                  <a:srgbClr val="3B3B3B"/>
-                </a:solidFill>
-                <a:effectLst/>
-                <a:latin typeface="Consolas" panose="020B0609020204030204" pitchFamily="49" charset="0"/>
-                <a:cs typeface="Consolas" panose="020B0609020204030204" pitchFamily="49" charset="0"/>
-              </a:rPr>
-              <a:t>;</a:t>
+              <a:t>}</a:t>
             </a:r>
           </a:p>
           <a:p>
@@ -20463,17 +19505,246 @@
               <a:buNone/>
             </a:pPr>
             <a:r>
-              <a:rPr lang="en-US" sz="2200" dirty="0">
+              <a:rPr lang="en-US" sz="2200" b="0" dirty="0">
                 <a:solidFill>
                   <a:schemeClr val="bg2">
                     <a:lumMod val="90000"/>
                   </a:schemeClr>
                 </a:solidFill>
-                <a:latin typeface="Consolas" panose="020B0609020204030204" pitchFamily="49" charset="0"/>
-                <a:cs typeface="Consolas" panose="020B0609020204030204" pitchFamily="49" charset="0"/>
-              </a:rPr>
-              <a:t>5</a:t>
-            </a:r>
+                <a:effectLst/>
+                <a:latin typeface="Consolas" panose="020B0609020204030204" pitchFamily="49" charset="0"/>
+                <a:cs typeface="Consolas" panose="020B0609020204030204" pitchFamily="49" charset="0"/>
+              </a:rPr>
+              <a:t>5|   </a:t>
+            </a:r>
+            <a:r>
+              <a:rPr lang="en-US" sz="2200" b="0" dirty="0">
+                <a:solidFill>
+                  <a:srgbClr val="0000FF"/>
+                </a:solidFill>
+                <a:effectLst/>
+                <a:latin typeface="Consolas" panose="020B0609020204030204" pitchFamily="49" charset="0"/>
+                <a:cs typeface="Consolas" panose="020B0609020204030204" pitchFamily="49" charset="0"/>
+              </a:rPr>
+              <a:t>const</a:t>
+            </a:r>
+            <a:r>
+              <a:rPr lang="en-US" sz="2200" b="0" dirty="0">
+                <a:solidFill>
+                  <a:srgbClr val="3B3B3B"/>
+                </a:solidFill>
+                <a:effectLst/>
+                <a:latin typeface="Consolas" panose="020B0609020204030204" pitchFamily="49" charset="0"/>
+                <a:cs typeface="Consolas" panose="020B0609020204030204" pitchFamily="49" charset="0"/>
+              </a:rPr>
+              <a:t> </a:t>
+            </a:r>
+            <a:r>
+              <a:rPr lang="en-US" sz="2200" b="0" dirty="0">
+                <a:solidFill>
+                  <a:srgbClr val="0070C1"/>
+                </a:solidFill>
+                <a:effectLst/>
+                <a:latin typeface="Consolas" panose="020B0609020204030204" pitchFamily="49" charset="0"/>
+                <a:cs typeface="Consolas" panose="020B0609020204030204" pitchFamily="49" charset="0"/>
+              </a:rPr>
+              <a:t>y</a:t>
+            </a:r>
+            <a:r>
+              <a:rPr lang="en-US" sz="2200" b="0" dirty="0">
+                <a:solidFill>
+                  <a:srgbClr val="3B3B3B"/>
+                </a:solidFill>
+                <a:effectLst/>
+                <a:latin typeface="Consolas" panose="020B0609020204030204" pitchFamily="49" charset="0"/>
+                <a:cs typeface="Consolas" panose="020B0609020204030204" pitchFamily="49" charset="0"/>
+              </a:rPr>
+              <a:t> </a:t>
+            </a:r>
+            <a:r>
+              <a:rPr lang="en-US" sz="2200" b="0" dirty="0">
+                <a:solidFill>
+                  <a:srgbClr val="000000"/>
+                </a:solidFill>
+                <a:effectLst/>
+                <a:latin typeface="Consolas" panose="020B0609020204030204" pitchFamily="49" charset="0"/>
+                <a:cs typeface="Consolas" panose="020B0609020204030204" pitchFamily="49" charset="0"/>
+              </a:rPr>
+              <a:t>=</a:t>
+            </a:r>
+            <a:r>
+              <a:rPr lang="en-US" sz="2200" b="0" dirty="0">
+                <a:solidFill>
+                  <a:srgbClr val="3B3B3B"/>
+                </a:solidFill>
+                <a:effectLst/>
+                <a:latin typeface="Consolas" panose="020B0609020204030204" pitchFamily="49" charset="0"/>
+                <a:cs typeface="Consolas" panose="020B0609020204030204" pitchFamily="49" charset="0"/>
+              </a:rPr>
+              <a:t> </a:t>
+            </a:r>
+            <a:r>
+              <a:rPr lang="en-US" sz="2200" b="0" dirty="0">
+                <a:solidFill>
+                  <a:srgbClr val="0070C1"/>
+                </a:solidFill>
+                <a:effectLst/>
+                <a:latin typeface="Consolas" panose="020B0609020204030204" pitchFamily="49" charset="0"/>
+                <a:cs typeface="Consolas" panose="020B0609020204030204" pitchFamily="49" charset="0"/>
+              </a:rPr>
+              <a:t>x</a:t>
+            </a:r>
+            <a:r>
+              <a:rPr lang="en-US" sz="2200" b="0" dirty="0">
+                <a:solidFill>
+                  <a:srgbClr val="3B3B3B"/>
+                </a:solidFill>
+                <a:effectLst/>
+                <a:latin typeface="Consolas" panose="020B0609020204030204" pitchFamily="49" charset="0"/>
+                <a:cs typeface="Consolas" panose="020B0609020204030204" pitchFamily="49" charset="0"/>
+              </a:rPr>
+              <a:t> </a:t>
+            </a:r>
+            <a:r>
+              <a:rPr lang="en-US" sz="2200" b="0" dirty="0">
+                <a:solidFill>
+                  <a:srgbClr val="000000"/>
+                </a:solidFill>
+                <a:effectLst/>
+                <a:latin typeface="Consolas" panose="020B0609020204030204" pitchFamily="49" charset="0"/>
+                <a:cs typeface="Consolas" panose="020B0609020204030204" pitchFamily="49" charset="0"/>
+              </a:rPr>
+              <a:t>&gt;</a:t>
+            </a:r>
+            <a:r>
+              <a:rPr lang="en-US" sz="2200" b="0" dirty="0">
+                <a:solidFill>
+                  <a:srgbClr val="3B3B3B"/>
+                </a:solidFill>
+                <a:effectLst/>
+                <a:latin typeface="Consolas" panose="020B0609020204030204" pitchFamily="49" charset="0"/>
+                <a:cs typeface="Consolas" panose="020B0609020204030204" pitchFamily="49" charset="0"/>
+              </a:rPr>
+              <a:t> </a:t>
+            </a:r>
+            <a:r>
+              <a:rPr lang="en-US" sz="2200" b="0" dirty="0">
+                <a:solidFill>
+                  <a:srgbClr val="098658"/>
+                </a:solidFill>
+                <a:effectLst/>
+                <a:latin typeface="Consolas" panose="020B0609020204030204" pitchFamily="49" charset="0"/>
+                <a:cs typeface="Consolas" panose="020B0609020204030204" pitchFamily="49" charset="0"/>
+              </a:rPr>
+              <a:t>4</a:t>
+            </a:r>
+            <a:r>
+              <a:rPr lang="en-US" sz="2200" b="0" dirty="0">
+                <a:solidFill>
+                  <a:srgbClr val="3B3B3B"/>
+                </a:solidFill>
+                <a:effectLst/>
+                <a:latin typeface="Consolas" panose="020B0609020204030204" pitchFamily="49" charset="0"/>
+                <a:cs typeface="Consolas" panose="020B0609020204030204" pitchFamily="49" charset="0"/>
+              </a:rPr>
+              <a:t> </a:t>
+            </a:r>
+            <a:r>
+              <a:rPr lang="en-US" sz="2200" b="0" dirty="0">
+                <a:solidFill>
+                  <a:srgbClr val="000000"/>
+                </a:solidFill>
+                <a:effectLst/>
+                <a:latin typeface="Consolas" panose="020B0609020204030204" pitchFamily="49" charset="0"/>
+                <a:cs typeface="Consolas" panose="020B0609020204030204" pitchFamily="49" charset="0"/>
+              </a:rPr>
+              <a:t>?</a:t>
+            </a:r>
+            <a:r>
+              <a:rPr lang="en-US" sz="2200" b="0" dirty="0">
+                <a:solidFill>
+                  <a:srgbClr val="3B3B3B"/>
+                </a:solidFill>
+                <a:effectLst/>
+                <a:latin typeface="Consolas" panose="020B0609020204030204" pitchFamily="49" charset="0"/>
+                <a:cs typeface="Consolas" panose="020B0609020204030204" pitchFamily="49" charset="0"/>
+              </a:rPr>
+              <a:t> </a:t>
+            </a:r>
+            <a:r>
+              <a:rPr lang="en-US" sz="2200" b="0" dirty="0">
+                <a:solidFill>
+                  <a:srgbClr val="098658"/>
+                </a:solidFill>
+                <a:effectLst/>
+                <a:latin typeface="Consolas" panose="020B0609020204030204" pitchFamily="49" charset="0"/>
+                <a:cs typeface="Consolas" panose="020B0609020204030204" pitchFamily="49" charset="0"/>
+              </a:rPr>
+              <a:t>2</a:t>
+            </a:r>
+            <a:r>
+              <a:rPr lang="en-US" sz="2200" b="0" dirty="0">
+                <a:solidFill>
+                  <a:srgbClr val="3B3B3B"/>
+                </a:solidFill>
+                <a:effectLst/>
+                <a:latin typeface="Consolas" panose="020B0609020204030204" pitchFamily="49" charset="0"/>
+                <a:cs typeface="Consolas" panose="020B0609020204030204" pitchFamily="49" charset="0"/>
+              </a:rPr>
+              <a:t> </a:t>
+            </a:r>
+            <a:r>
+              <a:rPr lang="en-US" sz="2200" b="0" dirty="0">
+                <a:solidFill>
+                  <a:srgbClr val="000000"/>
+                </a:solidFill>
+                <a:effectLst/>
+                <a:latin typeface="Consolas" panose="020B0609020204030204" pitchFamily="49" charset="0"/>
+                <a:cs typeface="Consolas" panose="020B0609020204030204" pitchFamily="49" charset="0"/>
+              </a:rPr>
+              <a:t>:</a:t>
+            </a:r>
+            <a:r>
+              <a:rPr lang="en-US" sz="2200" b="0" dirty="0">
+                <a:solidFill>
+                  <a:srgbClr val="3B3B3B"/>
+                </a:solidFill>
+                <a:effectLst/>
+                <a:latin typeface="Consolas" panose="020B0609020204030204" pitchFamily="49" charset="0"/>
+                <a:cs typeface="Consolas" panose="020B0609020204030204" pitchFamily="49" charset="0"/>
+              </a:rPr>
+              <a:t> </a:t>
+            </a:r>
+            <a:r>
+              <a:rPr lang="en-US" sz="2200" b="0" dirty="0">
+                <a:solidFill>
+                  <a:srgbClr val="098658"/>
+                </a:solidFill>
+                <a:effectLst/>
+                <a:latin typeface="Consolas" panose="020B0609020204030204" pitchFamily="49" charset="0"/>
+                <a:cs typeface="Consolas" panose="020B0609020204030204" pitchFamily="49" charset="0"/>
+              </a:rPr>
+              <a:t>3</a:t>
+            </a:r>
+            <a:r>
+              <a:rPr lang="en-US" sz="2200" b="0" dirty="0">
+                <a:solidFill>
+                  <a:srgbClr val="3B3B3B"/>
+                </a:solidFill>
+                <a:effectLst/>
+                <a:latin typeface="Consolas" panose="020B0609020204030204" pitchFamily="49" charset="0"/>
+                <a:cs typeface="Consolas" panose="020B0609020204030204" pitchFamily="49" charset="0"/>
+              </a:rPr>
+              <a:t>;</a:t>
+            </a:r>
+          </a:p>
+          <a:p>
+            <a:pPr>
+              <a:lnSpc>
+                <a:spcPct val="110000"/>
+              </a:lnSpc>
+              <a:buNone/>
+            </a:pPr>
             <a:r>
               <a:rPr lang="en-US" sz="2200" b="0" dirty="0">
                 <a:solidFill>
@@ -20485,7 +19756,7 @@
                 <a:latin typeface="Consolas" panose="020B0609020204030204" pitchFamily="49" charset="0"/>
                 <a:cs typeface="Consolas" panose="020B0609020204030204" pitchFamily="49" charset="0"/>
               </a:rPr>
-              <a:t>| </a:t>
+              <a:t>6|   </a:t>
             </a:r>
             <a:r>
               <a:rPr lang="en-US" sz="2200" b="0" dirty="0">
@@ -20628,7 +19899,7 @@
                 <a:latin typeface="Consolas" panose="020B0609020204030204" pitchFamily="49" charset="0"/>
                 <a:cs typeface="Consolas" panose="020B0609020204030204" pitchFamily="49" charset="0"/>
               </a:rPr>
-              <a:t>==</a:t>
+              <a:t>===</a:t>
             </a:r>
             <a:r>
               <a:rPr lang="en-US" sz="2200" b="0" dirty="0">
@@ -20766,152 +20037,168 @@
                 <a:latin typeface="Consolas" panose="020B0609020204030204" pitchFamily="49" charset="0"/>
                 <a:cs typeface="Consolas" panose="020B0609020204030204" pitchFamily="49" charset="0"/>
               </a:rPr>
-              <a:t>6</a:t>
+              <a:t>7|   </a:t>
             </a:r>
             <a:r>
               <a:rPr lang="en-US" sz="2200" b="0" dirty="0">
+                <a:solidFill>
+                  <a:srgbClr val="AF00DB"/>
+                </a:solidFill>
+                <a:effectLst/>
+                <a:latin typeface="Consolas" panose="020B0609020204030204" pitchFamily="49" charset="0"/>
+                <a:cs typeface="Consolas" panose="020B0609020204030204" pitchFamily="49" charset="0"/>
+              </a:rPr>
+              <a:t>return</a:t>
+            </a:r>
+            <a:r>
+              <a:rPr lang="en-US" sz="2200" b="0" dirty="0">
+                <a:solidFill>
+                  <a:srgbClr val="3B3B3B"/>
+                </a:solidFill>
+                <a:effectLst/>
+                <a:latin typeface="Consolas" panose="020B0609020204030204" pitchFamily="49" charset="0"/>
+                <a:cs typeface="Consolas" panose="020B0609020204030204" pitchFamily="49" charset="0"/>
+              </a:rPr>
+              <a:t> </a:t>
+            </a:r>
+            <a:r>
+              <a:rPr lang="en-US" sz="2200" b="0" dirty="0">
+                <a:solidFill>
+                  <a:srgbClr val="0070C1"/>
+                </a:solidFill>
+                <a:effectLst/>
+                <a:latin typeface="Consolas" panose="020B0609020204030204" pitchFamily="49" charset="0"/>
+                <a:cs typeface="Consolas" panose="020B0609020204030204" pitchFamily="49" charset="0"/>
+              </a:rPr>
+              <a:t>x</a:t>
+            </a:r>
+            <a:r>
+              <a:rPr lang="en-US" sz="2200" b="0" dirty="0">
+                <a:solidFill>
+                  <a:srgbClr val="3B3B3B"/>
+                </a:solidFill>
+                <a:effectLst/>
+                <a:latin typeface="Consolas" panose="020B0609020204030204" pitchFamily="49" charset="0"/>
+                <a:cs typeface="Consolas" panose="020B0609020204030204" pitchFamily="49" charset="0"/>
+              </a:rPr>
+              <a:t> </a:t>
+            </a:r>
+            <a:r>
+              <a:rPr lang="en-US" sz="2200" b="0" dirty="0">
+                <a:solidFill>
+                  <a:srgbClr val="000000"/>
+                </a:solidFill>
+                <a:effectLst/>
+                <a:latin typeface="Consolas" panose="020B0609020204030204" pitchFamily="49" charset="0"/>
+                <a:cs typeface="Consolas" panose="020B0609020204030204" pitchFamily="49" charset="0"/>
+              </a:rPr>
+              <a:t>/</a:t>
+            </a:r>
+            <a:r>
+              <a:rPr lang="en-US" sz="2200" b="0" dirty="0">
+                <a:solidFill>
+                  <a:srgbClr val="3B3B3B"/>
+                </a:solidFill>
+                <a:effectLst/>
+                <a:latin typeface="Consolas" panose="020B0609020204030204" pitchFamily="49" charset="0"/>
+                <a:cs typeface="Consolas" panose="020B0609020204030204" pitchFamily="49" charset="0"/>
+              </a:rPr>
+              <a:t> (</a:t>
+            </a:r>
+            <a:r>
+              <a:rPr lang="en-US" sz="2200" b="0" dirty="0">
+                <a:solidFill>
+                  <a:srgbClr val="0070C1"/>
+                </a:solidFill>
+                <a:effectLst/>
+                <a:latin typeface="Consolas" panose="020B0609020204030204" pitchFamily="49" charset="0"/>
+                <a:cs typeface="Consolas" panose="020B0609020204030204" pitchFamily="49" charset="0"/>
+              </a:rPr>
+              <a:t>y</a:t>
+            </a:r>
+            <a:r>
+              <a:rPr lang="en-US" sz="2200" b="0" dirty="0">
+                <a:solidFill>
+                  <a:srgbClr val="3B3B3B"/>
+                </a:solidFill>
+                <a:effectLst/>
+                <a:latin typeface="Consolas" panose="020B0609020204030204" pitchFamily="49" charset="0"/>
+                <a:cs typeface="Consolas" panose="020B0609020204030204" pitchFamily="49" charset="0"/>
+              </a:rPr>
+              <a:t> </a:t>
+            </a:r>
+            <a:r>
+              <a:rPr lang="en-US" sz="2200" b="0" dirty="0">
+                <a:solidFill>
+                  <a:srgbClr val="000000"/>
+                </a:solidFill>
+                <a:effectLst/>
+                <a:latin typeface="Consolas" panose="020B0609020204030204" pitchFamily="49" charset="0"/>
+                <a:cs typeface="Consolas" panose="020B0609020204030204" pitchFamily="49" charset="0"/>
+              </a:rPr>
+              <a:t>-</a:t>
+            </a:r>
+            <a:r>
+              <a:rPr lang="en-US" sz="2200" b="0" dirty="0">
+                <a:solidFill>
+                  <a:srgbClr val="3B3B3B"/>
+                </a:solidFill>
+                <a:effectLst/>
+                <a:latin typeface="Consolas" panose="020B0609020204030204" pitchFamily="49" charset="0"/>
+                <a:cs typeface="Consolas" panose="020B0609020204030204" pitchFamily="49" charset="0"/>
+              </a:rPr>
+              <a:t> </a:t>
+            </a:r>
+            <a:r>
+              <a:rPr lang="en-US" sz="2200" b="0" dirty="0">
+                <a:solidFill>
+                  <a:srgbClr val="0070C1"/>
+                </a:solidFill>
+                <a:effectLst/>
+                <a:latin typeface="Consolas" panose="020B0609020204030204" pitchFamily="49" charset="0"/>
+                <a:cs typeface="Consolas" panose="020B0609020204030204" pitchFamily="49" charset="0"/>
+              </a:rPr>
+              <a:t>z</a:t>
+            </a:r>
+            <a:r>
+              <a:rPr lang="en-US" sz="2200" b="0" dirty="0">
+                <a:solidFill>
+                  <a:srgbClr val="3B3B3B"/>
+                </a:solidFill>
+                <a:effectLst/>
+                <a:latin typeface="Consolas" panose="020B0609020204030204" pitchFamily="49" charset="0"/>
+                <a:cs typeface="Consolas" panose="020B0609020204030204" pitchFamily="49" charset="0"/>
+              </a:rPr>
+              <a:t>);</a:t>
+            </a:r>
+          </a:p>
+          <a:p>
+            <a:pPr>
+              <a:lnSpc>
+                <a:spcPct val="110000"/>
+              </a:lnSpc>
+            </a:pPr>
+            <a:r>
+              <a:rPr lang="en-US" sz="2200" dirty="0">
                 <a:solidFill>
                   <a:schemeClr val="bg2">
                     <a:lumMod val="90000"/>
                   </a:schemeClr>
                 </a:solidFill>
-                <a:effectLst/>
-                <a:latin typeface="Consolas" panose="020B0609020204030204" pitchFamily="49" charset="0"/>
-                <a:cs typeface="Consolas" panose="020B0609020204030204" pitchFamily="49" charset="0"/>
-              </a:rPr>
-              <a:t>| </a:t>
-            </a:r>
-            <a:r>
-              <a:rPr lang="en-US" sz="2200" b="0" dirty="0">
-                <a:solidFill>
-                  <a:srgbClr val="AF00DB"/>
-                </a:solidFill>
-                <a:effectLst/>
-                <a:latin typeface="Consolas" panose="020B0609020204030204" pitchFamily="49" charset="0"/>
-                <a:cs typeface="Consolas" panose="020B0609020204030204" pitchFamily="49" charset="0"/>
-              </a:rPr>
-              <a:t>return</a:t>
-            </a:r>
-            <a:r>
-              <a:rPr lang="en-US" sz="2200" b="0" dirty="0">
+                <a:latin typeface="Consolas" panose="020B0609020204030204" pitchFamily="49" charset="0"/>
+                <a:cs typeface="Consolas" panose="020B0609020204030204" pitchFamily="49" charset="0"/>
+              </a:rPr>
+              <a:t>8| </a:t>
+            </a:r>
+            <a:r>
+              <a:rPr lang="en-US" sz="2200" dirty="0">
                 <a:solidFill>
                   <a:srgbClr val="3B3B3B"/>
                 </a:solidFill>
-                <a:effectLst/>
-                <a:latin typeface="Consolas" panose="020B0609020204030204" pitchFamily="49" charset="0"/>
-                <a:cs typeface="Consolas" panose="020B0609020204030204" pitchFamily="49" charset="0"/>
-              </a:rPr>
-              <a:t> </a:t>
-            </a:r>
-            <a:r>
-              <a:rPr lang="en-US" sz="2200" b="0" dirty="0">
-                <a:solidFill>
-                  <a:srgbClr val="0070C1"/>
-                </a:solidFill>
-                <a:effectLst/>
-                <a:latin typeface="Consolas" panose="020B0609020204030204" pitchFamily="49" charset="0"/>
-                <a:cs typeface="Consolas" panose="020B0609020204030204" pitchFamily="49" charset="0"/>
-              </a:rPr>
-              <a:t>x</a:t>
-            </a:r>
-            <a:r>
-              <a:rPr lang="en-US" sz="2200" b="0" dirty="0">
-                <a:solidFill>
-                  <a:srgbClr val="3B3B3B"/>
-                </a:solidFill>
-                <a:effectLst/>
-                <a:latin typeface="Consolas" panose="020B0609020204030204" pitchFamily="49" charset="0"/>
-                <a:cs typeface="Consolas" panose="020B0609020204030204" pitchFamily="49" charset="0"/>
-              </a:rPr>
-              <a:t> </a:t>
-            </a:r>
-            <a:r>
-              <a:rPr lang="en-US" sz="2200" b="0" dirty="0">
-                <a:solidFill>
-                  <a:srgbClr val="000000"/>
-                </a:solidFill>
-                <a:effectLst/>
-                <a:latin typeface="Consolas" panose="020B0609020204030204" pitchFamily="49" charset="0"/>
-                <a:cs typeface="Consolas" panose="020B0609020204030204" pitchFamily="49" charset="0"/>
-              </a:rPr>
-              <a:t>/</a:t>
-            </a:r>
-            <a:r>
-              <a:rPr lang="en-US" sz="2200" b="0" dirty="0">
-                <a:solidFill>
-                  <a:srgbClr val="3B3B3B"/>
-                </a:solidFill>
-                <a:effectLst/>
-                <a:latin typeface="Consolas" panose="020B0609020204030204" pitchFamily="49" charset="0"/>
-                <a:cs typeface="Consolas" panose="020B0609020204030204" pitchFamily="49" charset="0"/>
-              </a:rPr>
-              <a:t> (</a:t>
-            </a:r>
-            <a:r>
-              <a:rPr lang="en-US" sz="2200" b="0" dirty="0">
-                <a:solidFill>
-                  <a:srgbClr val="0070C1"/>
-                </a:solidFill>
-                <a:effectLst/>
-                <a:latin typeface="Consolas" panose="020B0609020204030204" pitchFamily="49" charset="0"/>
-                <a:cs typeface="Consolas" panose="020B0609020204030204" pitchFamily="49" charset="0"/>
-              </a:rPr>
-              <a:t>y</a:t>
-            </a:r>
-            <a:r>
-              <a:rPr lang="en-US" sz="2200" b="0" dirty="0">
-                <a:solidFill>
-                  <a:srgbClr val="3B3B3B"/>
-                </a:solidFill>
-                <a:effectLst/>
-                <a:latin typeface="Consolas" panose="020B0609020204030204" pitchFamily="49" charset="0"/>
-                <a:cs typeface="Consolas" panose="020B0609020204030204" pitchFamily="49" charset="0"/>
-              </a:rPr>
-              <a:t> </a:t>
-            </a:r>
-            <a:r>
-              <a:rPr lang="en-US" sz="2200" b="0" dirty="0">
-                <a:solidFill>
-                  <a:srgbClr val="000000"/>
-                </a:solidFill>
-                <a:effectLst/>
-                <a:latin typeface="Consolas" panose="020B0609020204030204" pitchFamily="49" charset="0"/>
-                <a:cs typeface="Consolas" panose="020B0609020204030204" pitchFamily="49" charset="0"/>
-              </a:rPr>
-              <a:t>-</a:t>
-            </a:r>
-            <a:r>
-              <a:rPr lang="en-US" sz="2200" b="0" dirty="0">
-                <a:solidFill>
-                  <a:srgbClr val="3B3B3B"/>
-                </a:solidFill>
-                <a:effectLst/>
-                <a:latin typeface="Consolas" panose="020B0609020204030204" pitchFamily="49" charset="0"/>
-                <a:cs typeface="Consolas" panose="020B0609020204030204" pitchFamily="49" charset="0"/>
-              </a:rPr>
-              <a:t> </a:t>
-            </a:r>
-            <a:r>
-              <a:rPr lang="en-US" sz="2200" b="0" dirty="0">
-                <a:solidFill>
-                  <a:srgbClr val="0070C1"/>
-                </a:solidFill>
-                <a:effectLst/>
-                <a:latin typeface="Consolas" panose="020B0609020204030204" pitchFamily="49" charset="0"/>
-                <a:cs typeface="Consolas" panose="020B0609020204030204" pitchFamily="49" charset="0"/>
-              </a:rPr>
-              <a:t>z</a:t>
-            </a:r>
-            <a:r>
-              <a:rPr lang="en-US" sz="2200" b="0" dirty="0">
-                <a:solidFill>
-                  <a:srgbClr val="3B3B3B"/>
-                </a:solidFill>
-                <a:effectLst/>
-                <a:latin typeface="Consolas" panose="020B0609020204030204" pitchFamily="49" charset="0"/>
-                <a:cs typeface="Consolas" panose="020B0609020204030204" pitchFamily="49" charset="0"/>
-              </a:rPr>
-              <a:t>);</a:t>
+                <a:latin typeface="Consolas" panose="020B0609020204030204" pitchFamily="49" charset="0"/>
+                <a:cs typeface="Consolas" panose="020B0609020204030204" pitchFamily="49" charset="0"/>
+              </a:rPr>
+              <a:t>}</a:t>
             </a:r>
           </a:p>
         </p:txBody>
@@ -21049,29 +20336,29 @@
           <a:lstStyle/>
           <a:p>
             <a:r>
-              <a:rPr lang="en-US" i="1"/>
+              <a:rPr lang="en-US" i="1" dirty="0"/>
               <a:t>Branch </a:t>
             </a:r>
             <a:r>
-              <a:rPr lang="en-US"/>
-              <a:t>coverage: most widely used in industry.</a:t>
-            </a:r>
-          </a:p>
-          <a:p>
-            <a:r>
-              <a:rPr lang="en-US"/>
-              <a:t>Testing with x &gt; 4 and x &lt;= 4 necessary to handle both branches on line 4.</a:t>
-            </a:r>
-          </a:p>
-          <a:p>
-            <a:r>
-              <a:rPr lang="en-US"/>
-              <a:t>Testing with odd and even numbers necessary to handle both branches on line 5.</a:t>
-            </a:r>
-          </a:p>
-          <a:p>
-            <a:r>
-              <a:rPr lang="en-US"/>
+              <a:rPr lang="en-US" dirty="0"/>
+              <a:t>coverage: widely used in industry.</a:t>
+            </a:r>
+          </a:p>
+          <a:p>
+            <a:r>
+              <a:rPr lang="en-US" dirty="0"/>
+              <a:t>Testing with x &gt; 4 and x &lt;= 4 necessary to handle both branches on line 5.</a:t>
+            </a:r>
+          </a:p>
+          <a:p>
+            <a:r>
+              <a:rPr lang="en-US" dirty="0"/>
+              <a:t>Testing with odd and even numbers necessary to handle both branches on line 6.</a:t>
+            </a:r>
+          </a:p>
+          <a:p>
+            <a:r>
+              <a:rPr lang="en-US" dirty="0"/>
               <a:t>The values -2, 0, 1, and 10 get full branch coverage.</a:t>
             </a:r>
           </a:p>
@@ -21079,7 +20366,7 @@
             <a:pPr marL="0" indent="0">
               <a:buNone/>
             </a:pPr>
-            <a:endParaRPr lang="en-US"/>
+            <a:endParaRPr lang="en-US" dirty="0"/>
           </a:p>
         </p:txBody>
       </p:sp>
@@ -21098,7 +20385,7 @@
         <p:spPr>
           <a:xfrm>
             <a:off x="6283569" y="2501474"/>
-            <a:ext cx="5814645" cy="2306272"/>
+            <a:ext cx="5814645" cy="3051092"/>
           </a:xfrm>
           <a:prstGeom prst="rect">
             <a:avLst/>
@@ -21140,101 +20427,74 @@
               <a:buNone/>
             </a:pPr>
             <a:r>
-              <a:rPr lang="en-US" sz="2200" b="0" dirty="0">
+              <a:rPr lang="en-US" sz="2200" dirty="0">
                 <a:solidFill>
                   <a:schemeClr val="bg2">
                     <a:lumMod val="90000"/>
                   </a:schemeClr>
                 </a:solidFill>
-                <a:effectLst/>
                 <a:latin typeface="Consolas" panose="020B0609020204030204" pitchFamily="49" charset="0"/>
                 <a:cs typeface="Consolas" panose="020B0609020204030204" pitchFamily="49" charset="0"/>
               </a:rPr>
               <a:t>1| </a:t>
             </a:r>
             <a:r>
-              <a:rPr lang="en-US" sz="2200" b="0" dirty="0">
+              <a:rPr lang="en-US" sz="2200" dirty="0">
                 <a:solidFill>
                   <a:srgbClr val="AF00DB"/>
                 </a:solidFill>
-                <a:effectLst/>
-                <a:latin typeface="Consolas" panose="020B0609020204030204" pitchFamily="49" charset="0"/>
-                <a:cs typeface="Consolas" panose="020B0609020204030204" pitchFamily="49" charset="0"/>
-              </a:rPr>
-              <a:t>if</a:t>
-            </a:r>
-            <a:r>
-              <a:rPr lang="en-US" sz="2200" b="0" dirty="0">
-                <a:solidFill>
-                  <a:srgbClr val="3B3B3B"/>
-                </a:solidFill>
-                <a:effectLst/>
-                <a:latin typeface="Consolas" panose="020B0609020204030204" pitchFamily="49" charset="0"/>
-                <a:cs typeface="Consolas" panose="020B0609020204030204" pitchFamily="49" charset="0"/>
-              </a:rPr>
-              <a:t> (</a:t>
-            </a:r>
-            <a:r>
-              <a:rPr lang="en-US" sz="2200" b="0" dirty="0">
-                <a:solidFill>
-                  <a:srgbClr val="0070C1"/>
-                </a:solidFill>
-                <a:effectLst/>
-                <a:latin typeface="Consolas" panose="020B0609020204030204" pitchFamily="49" charset="0"/>
-                <a:cs typeface="Consolas" panose="020B0609020204030204" pitchFamily="49" charset="0"/>
-              </a:rPr>
-              <a:t>x</a:t>
-            </a:r>
-            <a:r>
-              <a:rPr lang="en-US" sz="2200" b="0" dirty="0">
-                <a:solidFill>
-                  <a:srgbClr val="3B3B3B"/>
-                </a:solidFill>
-                <a:effectLst/>
-                <a:latin typeface="Consolas" panose="020B0609020204030204" pitchFamily="49" charset="0"/>
-                <a:cs typeface="Consolas" panose="020B0609020204030204" pitchFamily="49" charset="0"/>
-              </a:rPr>
-              <a:t> </a:t>
-            </a:r>
-            <a:r>
-              <a:rPr lang="en-US" sz="2200" b="0" dirty="0">
-                <a:solidFill>
-                  <a:srgbClr val="000000"/>
-                </a:solidFill>
-                <a:effectLst/>
-                <a:latin typeface="Consolas" panose="020B0609020204030204" pitchFamily="49" charset="0"/>
-                <a:cs typeface="Consolas" panose="020B0609020204030204" pitchFamily="49" charset="0"/>
-              </a:rPr>
-              <a:t>===</a:t>
-            </a:r>
-            <a:r>
-              <a:rPr lang="en-US" sz="2200" b="0" dirty="0">
-                <a:solidFill>
-                  <a:srgbClr val="3B3B3B"/>
-                </a:solidFill>
-                <a:effectLst/>
-                <a:latin typeface="Consolas" panose="020B0609020204030204" pitchFamily="49" charset="0"/>
-                <a:cs typeface="Consolas" panose="020B0609020204030204" pitchFamily="49" charset="0"/>
-              </a:rPr>
-              <a:t> </a:t>
-            </a:r>
-            <a:r>
-              <a:rPr lang="en-US" sz="2200" b="0" dirty="0">
-                <a:solidFill>
-                  <a:srgbClr val="098658"/>
-                </a:solidFill>
-                <a:effectLst/>
-                <a:latin typeface="Consolas" panose="020B0609020204030204" pitchFamily="49" charset="0"/>
-                <a:cs typeface="Consolas" panose="020B0609020204030204" pitchFamily="49" charset="0"/>
-              </a:rPr>
-              <a:t>0</a:t>
-            </a:r>
-            <a:r>
-              <a:rPr lang="en-US" sz="2200" b="0" dirty="0">
-                <a:solidFill>
-                  <a:srgbClr val="3B3B3B"/>
-                </a:solidFill>
-                <a:effectLst/>
+                <a:latin typeface="Consolas" panose="020B0609020204030204" pitchFamily="49" charset="0"/>
+                <a:cs typeface="Consolas" panose="020B0609020204030204" pitchFamily="49" charset="0"/>
+              </a:rPr>
+              <a:t>export </a:t>
+            </a:r>
+            <a:r>
+              <a:rPr lang="en-US" sz="2200" dirty="0">
+                <a:solidFill>
+                  <a:srgbClr val="0000FF"/>
+                </a:solidFill>
+                <a:latin typeface="Consolas" panose="020B0609020204030204" pitchFamily="49" charset="0"/>
+                <a:cs typeface="Consolas" panose="020B0609020204030204" pitchFamily="49" charset="0"/>
+              </a:rPr>
+              <a:t>function </a:t>
+            </a:r>
+            <a:r>
+              <a:rPr lang="en-US" sz="2200" dirty="0">
+                <a:solidFill>
+                  <a:schemeClr val="accent4">
+                    <a:lumMod val="50000"/>
+                  </a:schemeClr>
+                </a:solidFill>
+                <a:latin typeface="Consolas" panose="020B0609020204030204" pitchFamily="49" charset="0"/>
+                <a:cs typeface="Consolas" panose="020B0609020204030204" pitchFamily="49" charset="0"/>
+              </a:rPr>
+              <a:t>f</a:t>
+            </a:r>
+            <a:r>
+              <a:rPr lang="en-US" sz="2200" dirty="0">
+                <a:solidFill>
+                  <a:srgbClr val="0000FF"/>
+                </a:solidFill>
+                <a:latin typeface="Consolas" panose="020B0609020204030204" pitchFamily="49" charset="0"/>
+                <a:cs typeface="Consolas" panose="020B0609020204030204" pitchFamily="49" charset="0"/>
+              </a:rPr>
+              <a:t>(x: </a:t>
+            </a:r>
+            <a:r>
+              <a:rPr lang="en-US" sz="2200" dirty="0">
+                <a:solidFill>
+                  <a:srgbClr val="0070C0"/>
+                </a:solidFill>
+                <a:latin typeface="Consolas" panose="020B0609020204030204" pitchFamily="49" charset="0"/>
+                <a:cs typeface="Consolas" panose="020B0609020204030204" pitchFamily="49" charset="0"/>
+              </a:rPr>
+              <a:t>number</a:t>
+            </a:r>
+            <a:r>
+              <a:rPr lang="en-US" sz="2200" dirty="0">
+                <a:solidFill>
+                  <a:schemeClr val="tx1"/>
+                </a:solidFill>
                 <a:latin typeface="Consolas" panose="020B0609020204030204" pitchFamily="49" charset="0"/>
                 <a:cs typeface="Consolas" panose="020B0609020204030204" pitchFamily="49" charset="0"/>
               </a:rPr>
@@ -21258,64 +20518,87 @@
                 <a:latin typeface="Consolas" panose="020B0609020204030204" pitchFamily="49" charset="0"/>
                 <a:cs typeface="Consolas" panose="020B0609020204030204" pitchFamily="49" charset="0"/>
               </a:rPr>
-              <a:t>2</a:t>
-            </a:r>
-            <a:r>
-              <a:rPr lang="en-US" sz="2200" b="0" dirty="0">
-                <a:solidFill>
-                  <a:schemeClr val="bg2">
-                    <a:lumMod val="90000"/>
-                  </a:schemeClr>
-                </a:solidFill>
-                <a:effectLst/>
-                <a:latin typeface="Consolas" panose="020B0609020204030204" pitchFamily="49" charset="0"/>
-                <a:cs typeface="Consolas" panose="020B0609020204030204" pitchFamily="49" charset="0"/>
-              </a:rPr>
-              <a:t>|</a:t>
-            </a:r>
-            <a:r>
-              <a:rPr lang="en-US" sz="2200" b="0" dirty="0">
+              <a:t>2|   </a:t>
+            </a:r>
+            <a:r>
+              <a:rPr lang="en-US" sz="2200" dirty="0">
                 <a:solidFill>
                   <a:srgbClr val="AF00DB"/>
                 </a:solidFill>
-                <a:effectLst/>
-                <a:latin typeface="Consolas" panose="020B0609020204030204" pitchFamily="49" charset="0"/>
-                <a:cs typeface="Consolas" panose="020B0609020204030204" pitchFamily="49" charset="0"/>
-              </a:rPr>
-              <a:t>  return</a:t>
-            </a:r>
-            <a:r>
-              <a:rPr lang="en-US" sz="2200" b="0" dirty="0">
+                <a:latin typeface="Consolas" panose="020B0609020204030204" pitchFamily="49" charset="0"/>
+                <a:cs typeface="Consolas" panose="020B0609020204030204" pitchFamily="49" charset="0"/>
+              </a:rPr>
+              <a:t>if</a:t>
+            </a:r>
+            <a:r>
+              <a:rPr lang="en-US" sz="2200" dirty="0">
                 <a:solidFill>
                   <a:srgbClr val="3B3B3B"/>
                 </a:solidFill>
-                <a:effectLst/>
+                <a:latin typeface="Consolas" panose="020B0609020204030204" pitchFamily="49" charset="0"/>
+                <a:cs typeface="Consolas" panose="020B0609020204030204" pitchFamily="49" charset="0"/>
+              </a:rPr>
+              <a:t> (</a:t>
+            </a:r>
+            <a:r>
+              <a:rPr lang="en-US" sz="2200" dirty="0">
+                <a:solidFill>
+                  <a:srgbClr val="0070C1"/>
+                </a:solidFill>
+                <a:latin typeface="Consolas" panose="020B0609020204030204" pitchFamily="49" charset="0"/>
+                <a:cs typeface="Consolas" panose="020B0609020204030204" pitchFamily="49" charset="0"/>
+              </a:rPr>
+              <a:t>x</a:t>
+            </a:r>
+            <a:r>
+              <a:rPr lang="en-US" sz="2200" dirty="0">
+                <a:solidFill>
+                  <a:srgbClr val="3B3B3B"/>
+                </a:solidFill>
                 <a:latin typeface="Consolas" panose="020B0609020204030204" pitchFamily="49" charset="0"/>
                 <a:cs typeface="Consolas" panose="020B0609020204030204" pitchFamily="49" charset="0"/>
               </a:rPr>
               <a:t> </a:t>
             </a:r>
             <a:r>
-              <a:rPr lang="en-US" sz="2200" b="0" dirty="0">
+              <a:rPr lang="en-US" sz="2200" dirty="0">
+                <a:solidFill>
+                  <a:srgbClr val="000000"/>
+                </a:solidFill>
+                <a:latin typeface="Consolas" panose="020B0609020204030204" pitchFamily="49" charset="0"/>
+                <a:cs typeface="Consolas" panose="020B0609020204030204" pitchFamily="49" charset="0"/>
+              </a:rPr>
+              <a:t>===</a:t>
+            </a:r>
+            <a:r>
+              <a:rPr lang="en-US" sz="2200" dirty="0">
+                <a:solidFill>
+                  <a:srgbClr val="3B3B3B"/>
+                </a:solidFill>
+                <a:latin typeface="Consolas" panose="020B0609020204030204" pitchFamily="49" charset="0"/>
+                <a:cs typeface="Consolas" panose="020B0609020204030204" pitchFamily="49" charset="0"/>
+              </a:rPr>
+              <a:t> </a:t>
+            </a:r>
+            <a:r>
+              <a:rPr lang="en-US" sz="2200" dirty="0">
                 <a:solidFill>
                   <a:srgbClr val="098658"/>
                 </a:solidFill>
-                <a:effectLst/>
-                <a:latin typeface="Consolas" panose="020B0609020204030204" pitchFamily="49" charset="0"/>
-                <a:cs typeface="Consolas" panose="020B0609020204030204" pitchFamily="49" charset="0"/>
-              </a:rPr>
-              <a:t>3</a:t>
-            </a:r>
-            <a:r>
-              <a:rPr lang="en-US" sz="2200" b="0" dirty="0">
+                <a:latin typeface="Consolas" panose="020B0609020204030204" pitchFamily="49" charset="0"/>
+                <a:cs typeface="Consolas" panose="020B0609020204030204" pitchFamily="49" charset="0"/>
+              </a:rPr>
+              <a:t>0</a:t>
+            </a:r>
+            <a:r>
+              <a:rPr lang="en-US" sz="2200" dirty="0">
                 <a:solidFill>
                   <a:srgbClr val="3B3B3B"/>
                 </a:solidFill>
-                <a:effectLst/>
-                <a:latin typeface="Consolas" panose="020B0609020204030204" pitchFamily="49" charset="0"/>
-                <a:cs typeface="Consolas" panose="020B0609020204030204" pitchFamily="49" charset="0"/>
-              </a:rPr>
-              <a:t>;</a:t>
+                <a:latin typeface="Consolas" panose="020B0609020204030204" pitchFamily="49" charset="0"/>
+                <a:cs typeface="Consolas" panose="020B0609020204030204" pitchFamily="49" charset="0"/>
+              </a:rPr>
+              <a:t>) {</a:t>
             </a:r>
           </a:p>
           <a:p>
@@ -21335,31 +20618,47 @@
                 <a:latin typeface="Consolas" panose="020B0609020204030204" pitchFamily="49" charset="0"/>
                 <a:cs typeface="Consolas" panose="020B0609020204030204" pitchFamily="49" charset="0"/>
               </a:rPr>
+              <a:t>3|</a:t>
+            </a:r>
+            <a:r>
+              <a:rPr lang="en-US" sz="2200" dirty="0">
+                <a:solidFill>
+                  <a:srgbClr val="AF00DB"/>
+                </a:solidFill>
+                <a:latin typeface="Consolas" panose="020B0609020204030204" pitchFamily="49" charset="0"/>
+                <a:cs typeface="Consolas" panose="020B0609020204030204" pitchFamily="49" charset="0"/>
+              </a:rPr>
+              <a:t>     return</a:t>
+            </a:r>
+            <a:r>
+              <a:rPr lang="en-US" sz="2200" dirty="0">
+                <a:solidFill>
+                  <a:srgbClr val="3B3B3B"/>
+                </a:solidFill>
+                <a:latin typeface="Consolas" panose="020B0609020204030204" pitchFamily="49" charset="0"/>
+                <a:cs typeface="Consolas" panose="020B0609020204030204" pitchFamily="49" charset="0"/>
+              </a:rPr>
+              <a:t> </a:t>
+            </a:r>
+            <a:r>
+              <a:rPr lang="en-US" sz="2200" dirty="0">
+                <a:solidFill>
+                  <a:srgbClr val="098658"/>
+                </a:solidFill>
+                <a:latin typeface="Consolas" panose="020B0609020204030204" pitchFamily="49" charset="0"/>
+                <a:cs typeface="Consolas" panose="020B0609020204030204" pitchFamily="49" charset="0"/>
+              </a:rPr>
               <a:t>3</a:t>
             </a:r>
             <a:r>
-              <a:rPr lang="en-US" sz="2200" b="0" dirty="0">
-                <a:solidFill>
-                  <a:schemeClr val="bg2">
-                    <a:lumMod val="90000"/>
-                  </a:schemeClr>
-                </a:solidFill>
-                <a:effectLst/>
-                <a:latin typeface="Consolas" panose="020B0609020204030204" pitchFamily="49" charset="0"/>
-                <a:cs typeface="Consolas" panose="020B0609020204030204" pitchFamily="49" charset="0"/>
-              </a:rPr>
-              <a:t>| </a:t>
-            </a:r>
-            <a:r>
-              <a:rPr lang="en-US" sz="2200" b="0" dirty="0">
+              <a:rPr lang="en-US" sz="2200" dirty="0">
                 <a:solidFill>
                   <a:srgbClr val="3B3B3B"/>
                 </a:solidFill>
-                <a:effectLst/>
-                <a:latin typeface="Consolas" panose="020B0609020204030204" pitchFamily="49" charset="0"/>
-                <a:cs typeface="Consolas" panose="020B0609020204030204" pitchFamily="49" charset="0"/>
-              </a:rPr>
-              <a:t>}</a:t>
+                <a:latin typeface="Consolas" panose="020B0609020204030204" pitchFamily="49" charset="0"/>
+                <a:cs typeface="Consolas" panose="020B0609020204030204" pitchFamily="49" charset="0"/>
+              </a:rPr>
+              <a:t>;</a:t>
             </a:r>
           </a:p>
           <a:p>
@@ -21379,240 +20678,17 @@
                 <a:latin typeface="Consolas" panose="020B0609020204030204" pitchFamily="49" charset="0"/>
                 <a:cs typeface="Consolas" panose="020B0609020204030204" pitchFamily="49" charset="0"/>
               </a:rPr>
-              <a:t>4</a:t>
-            </a:r>
-            <a:r>
-              <a:rPr lang="en-US" sz="2200" b="0" dirty="0">
-                <a:solidFill>
-                  <a:schemeClr val="bg2">
-                    <a:lumMod val="90000"/>
-                  </a:schemeClr>
-                </a:solidFill>
-                <a:effectLst/>
-                <a:latin typeface="Consolas" panose="020B0609020204030204" pitchFamily="49" charset="0"/>
-                <a:cs typeface="Consolas" panose="020B0609020204030204" pitchFamily="49" charset="0"/>
-              </a:rPr>
-              <a:t>| </a:t>
-            </a:r>
-            <a:r>
-              <a:rPr lang="en-US" sz="2200" b="0" dirty="0">
-                <a:solidFill>
-                  <a:srgbClr val="0000FF"/>
-                </a:solidFill>
-                <a:effectLst/>
-                <a:latin typeface="Consolas" panose="020B0609020204030204" pitchFamily="49" charset="0"/>
-                <a:cs typeface="Consolas" panose="020B0609020204030204" pitchFamily="49" charset="0"/>
-              </a:rPr>
-              <a:t>const</a:t>
-            </a:r>
-            <a:r>
-              <a:rPr lang="en-US" sz="2200" b="0" dirty="0">
+              <a:t>4|   </a:t>
+            </a:r>
+            <a:r>
+              <a:rPr lang="en-US" sz="2200" dirty="0">
                 <a:solidFill>
                   <a:srgbClr val="3B3B3B"/>
                 </a:solidFill>
-                <a:effectLst/>
-                <a:latin typeface="Consolas" panose="020B0609020204030204" pitchFamily="49" charset="0"/>
-                <a:cs typeface="Consolas" panose="020B0609020204030204" pitchFamily="49" charset="0"/>
-              </a:rPr>
-              <a:t> </a:t>
-            </a:r>
-            <a:r>
-              <a:rPr lang="en-US" sz="2200" b="0" dirty="0">
-                <a:solidFill>
-                  <a:srgbClr val="0070C1"/>
-                </a:solidFill>
-                <a:effectLst/>
-                <a:latin typeface="Consolas" panose="020B0609020204030204" pitchFamily="49" charset="0"/>
-                <a:cs typeface="Consolas" panose="020B0609020204030204" pitchFamily="49" charset="0"/>
-              </a:rPr>
-              <a:t>y</a:t>
-            </a:r>
-            <a:r>
-              <a:rPr lang="en-US" sz="2200" b="0" dirty="0">
-                <a:solidFill>
-                  <a:srgbClr val="3B3B3B"/>
-                </a:solidFill>
-                <a:effectLst/>
-                <a:latin typeface="Consolas" panose="020B0609020204030204" pitchFamily="49" charset="0"/>
-                <a:cs typeface="Consolas" panose="020B0609020204030204" pitchFamily="49" charset="0"/>
-              </a:rPr>
-              <a:t> </a:t>
-            </a:r>
-            <a:r>
-              <a:rPr lang="en-US" sz="2200" b="0" dirty="0">
-                <a:solidFill>
-                  <a:srgbClr val="000000"/>
-                </a:solidFill>
-                <a:effectLst/>
-                <a:latin typeface="Consolas" panose="020B0609020204030204" pitchFamily="49" charset="0"/>
-                <a:cs typeface="Consolas" panose="020B0609020204030204" pitchFamily="49" charset="0"/>
-              </a:rPr>
-              <a:t>=</a:t>
-            </a:r>
-            <a:r>
-              <a:rPr lang="en-US" sz="2200" b="0" dirty="0">
-                <a:solidFill>
-                  <a:srgbClr val="3B3B3B"/>
-                </a:solidFill>
-                <a:effectLst/>
-                <a:latin typeface="Consolas" panose="020B0609020204030204" pitchFamily="49" charset="0"/>
-                <a:cs typeface="Consolas" panose="020B0609020204030204" pitchFamily="49" charset="0"/>
-              </a:rPr>
-              <a:t> </a:t>
-            </a:r>
-            <a:r>
-              <a:rPr lang="en-US" sz="2200" b="0" dirty="0">
-                <a:solidFill>
-                  <a:srgbClr val="0070C1"/>
-                </a:solidFill>
-                <a:effectLst/>
-                <a:latin typeface="Consolas" panose="020B0609020204030204" pitchFamily="49" charset="0"/>
-                <a:cs typeface="Consolas" panose="020B0609020204030204" pitchFamily="49" charset="0"/>
-              </a:rPr>
-              <a:t>x</a:t>
-            </a:r>
-            <a:r>
-              <a:rPr lang="en-US" sz="2200" b="0" dirty="0">
-                <a:solidFill>
-                  <a:srgbClr val="3B3B3B"/>
-                </a:solidFill>
-                <a:effectLst/>
-                <a:latin typeface="Consolas" panose="020B0609020204030204" pitchFamily="49" charset="0"/>
-                <a:cs typeface="Consolas" panose="020B0609020204030204" pitchFamily="49" charset="0"/>
-              </a:rPr>
-              <a:t> </a:t>
-            </a:r>
-            <a:r>
-              <a:rPr lang="en-US" sz="2200" b="0" dirty="0">
-                <a:solidFill>
-                  <a:srgbClr val="000000"/>
-                </a:solidFill>
-                <a:effectLst/>
-                <a:latin typeface="Consolas" panose="020B0609020204030204" pitchFamily="49" charset="0"/>
-                <a:cs typeface="Consolas" panose="020B0609020204030204" pitchFamily="49" charset="0"/>
-              </a:rPr>
-              <a:t>&gt;</a:t>
-            </a:r>
-            <a:r>
-              <a:rPr lang="en-US" sz="2200" b="0" dirty="0">
-                <a:solidFill>
-                  <a:srgbClr val="3B3B3B"/>
-                </a:solidFill>
-                <a:effectLst/>
-                <a:latin typeface="Consolas" panose="020B0609020204030204" pitchFamily="49" charset="0"/>
-                <a:cs typeface="Consolas" panose="020B0609020204030204" pitchFamily="49" charset="0"/>
-              </a:rPr>
-              <a:t> </a:t>
-            </a:r>
-            <a:r>
-              <a:rPr lang="en-US" sz="2200" b="0" dirty="0">
-                <a:solidFill>
-                  <a:srgbClr val="098658"/>
-                </a:solidFill>
-                <a:effectLst/>
-                <a:latin typeface="Consolas" panose="020B0609020204030204" pitchFamily="49" charset="0"/>
-                <a:cs typeface="Consolas" panose="020B0609020204030204" pitchFamily="49" charset="0"/>
-              </a:rPr>
-              <a:t>4</a:t>
-            </a:r>
-            <a:r>
-              <a:rPr lang="en-US" sz="2200" b="0" dirty="0">
-                <a:solidFill>
-                  <a:srgbClr val="3B3B3B"/>
-                </a:solidFill>
-                <a:effectLst/>
-                <a:latin typeface="Consolas" panose="020B0609020204030204" pitchFamily="49" charset="0"/>
-                <a:cs typeface="Consolas" panose="020B0609020204030204" pitchFamily="49" charset="0"/>
-              </a:rPr>
-              <a:t> </a:t>
-            </a:r>
-            <a:r>
-              <a:rPr lang="en-US" sz="2200" b="0" dirty="0">
-                <a:solidFill>
-                  <a:srgbClr val="000000"/>
-                </a:solidFill>
-                <a:effectLst/>
-                <a:latin typeface="Consolas" panose="020B0609020204030204" pitchFamily="49" charset="0"/>
-                <a:cs typeface="Consolas" panose="020B0609020204030204" pitchFamily="49" charset="0"/>
-              </a:rPr>
-              <a:t>?</a:t>
-            </a:r>
-            <a:r>
-              <a:rPr lang="en-US" sz="2200" b="0" dirty="0">
-                <a:solidFill>
-                  <a:srgbClr val="3B3B3B"/>
-                </a:solidFill>
-                <a:effectLst/>
-                <a:latin typeface="Consolas" panose="020B0609020204030204" pitchFamily="49" charset="0"/>
-                <a:cs typeface="Consolas" panose="020B0609020204030204" pitchFamily="49" charset="0"/>
-              </a:rPr>
-              <a:t> </a:t>
-            </a:r>
-            <a:r>
-              <a:rPr lang="en-US" sz="2200" b="0" dirty="0">
-                <a:solidFill>
-                  <a:srgbClr val="098658"/>
-                </a:solidFill>
-                <a:effectLst/>
-                <a:latin typeface="Consolas" panose="020B0609020204030204" pitchFamily="49" charset="0"/>
-                <a:cs typeface="Consolas" panose="020B0609020204030204" pitchFamily="49" charset="0"/>
-              </a:rPr>
-              <a:t>2</a:t>
-            </a:r>
-            <a:r>
-              <a:rPr lang="en-US" sz="2200" b="0" dirty="0">
-                <a:solidFill>
-                  <a:srgbClr val="3B3B3B"/>
-                </a:solidFill>
-                <a:effectLst/>
-                <a:latin typeface="Consolas" panose="020B0609020204030204" pitchFamily="49" charset="0"/>
-                <a:cs typeface="Consolas" panose="020B0609020204030204" pitchFamily="49" charset="0"/>
-              </a:rPr>
-              <a:t> </a:t>
-            </a:r>
-            <a:r>
-              <a:rPr lang="en-US" sz="2200" b="0" dirty="0">
-                <a:solidFill>
-                  <a:srgbClr val="000000"/>
-                </a:solidFill>
-                <a:effectLst/>
-                <a:latin typeface="Consolas" panose="020B0609020204030204" pitchFamily="49" charset="0"/>
-                <a:cs typeface="Consolas" panose="020B0609020204030204" pitchFamily="49" charset="0"/>
-              </a:rPr>
-              <a:t>:</a:t>
-            </a:r>
-            <a:r>
-              <a:rPr lang="en-US" sz="2200" b="0" dirty="0">
-                <a:solidFill>
-                  <a:srgbClr val="3B3B3B"/>
-                </a:solidFill>
-                <a:effectLst/>
-                <a:latin typeface="Consolas" panose="020B0609020204030204" pitchFamily="49" charset="0"/>
-                <a:cs typeface="Consolas" panose="020B0609020204030204" pitchFamily="49" charset="0"/>
-              </a:rPr>
-              <a:t> </a:t>
-            </a:r>
-            <a:r>
-              <a:rPr lang="en-US" sz="2200" b="0" dirty="0">
-                <a:solidFill>
-                  <a:srgbClr val="098658"/>
-                </a:solidFill>
-                <a:effectLst/>
-                <a:latin typeface="Consolas" panose="020B0609020204030204" pitchFamily="49" charset="0"/>
-                <a:cs typeface="Consolas" panose="020B0609020204030204" pitchFamily="49" charset="0"/>
-              </a:rPr>
-              <a:t>3</a:t>
-            </a:r>
-            <a:r>
-              <a:rPr lang="en-US" sz="2200" b="0" dirty="0">
-                <a:solidFill>
-                  <a:srgbClr val="3B3B3B"/>
-                </a:solidFill>
-                <a:effectLst/>
-                <a:latin typeface="Consolas" panose="020B0609020204030204" pitchFamily="49" charset="0"/>
-                <a:cs typeface="Consolas" panose="020B0609020204030204" pitchFamily="49" charset="0"/>
-              </a:rPr>
-              <a:t>;</a:t>
+                <a:latin typeface="Consolas" panose="020B0609020204030204" pitchFamily="49" charset="0"/>
+                <a:cs typeface="Consolas" panose="020B0609020204030204" pitchFamily="49" charset="0"/>
+              </a:rPr>
+              <a:t>}</a:t>
             </a:r>
           </a:p>
           <a:p>
@@ -21632,214 +20708,403 @@
                 <a:latin typeface="Consolas" panose="020B0609020204030204" pitchFamily="49" charset="0"/>
                 <a:cs typeface="Consolas" panose="020B0609020204030204" pitchFamily="49" charset="0"/>
               </a:rPr>
-              <a:t>5</a:t>
-            </a:r>
-            <a:r>
-              <a:rPr lang="en-US" sz="2200" b="0" dirty="0">
+              <a:t>5|   </a:t>
+            </a:r>
+            <a:r>
+              <a:rPr lang="en-US" sz="2200" dirty="0">
+                <a:solidFill>
+                  <a:srgbClr val="0000FF"/>
+                </a:solidFill>
+                <a:latin typeface="Consolas" panose="020B0609020204030204" pitchFamily="49" charset="0"/>
+                <a:cs typeface="Consolas" panose="020B0609020204030204" pitchFamily="49" charset="0"/>
+              </a:rPr>
+              <a:t>const</a:t>
+            </a:r>
+            <a:r>
+              <a:rPr lang="en-US" sz="2200" dirty="0">
+                <a:solidFill>
+                  <a:srgbClr val="3B3B3B"/>
+                </a:solidFill>
+                <a:latin typeface="Consolas" panose="020B0609020204030204" pitchFamily="49" charset="0"/>
+                <a:cs typeface="Consolas" panose="020B0609020204030204" pitchFamily="49" charset="0"/>
+              </a:rPr>
+              <a:t> </a:t>
+            </a:r>
+            <a:r>
+              <a:rPr lang="en-US" sz="2200" dirty="0">
+                <a:solidFill>
+                  <a:srgbClr val="0070C1"/>
+                </a:solidFill>
+                <a:latin typeface="Consolas" panose="020B0609020204030204" pitchFamily="49" charset="0"/>
+                <a:cs typeface="Consolas" panose="020B0609020204030204" pitchFamily="49" charset="0"/>
+              </a:rPr>
+              <a:t>y</a:t>
+            </a:r>
+            <a:r>
+              <a:rPr lang="en-US" sz="2200" dirty="0">
+                <a:solidFill>
+                  <a:srgbClr val="3B3B3B"/>
+                </a:solidFill>
+                <a:latin typeface="Consolas" panose="020B0609020204030204" pitchFamily="49" charset="0"/>
+                <a:cs typeface="Consolas" panose="020B0609020204030204" pitchFamily="49" charset="0"/>
+              </a:rPr>
+              <a:t> </a:t>
+            </a:r>
+            <a:r>
+              <a:rPr lang="en-US" sz="2200" dirty="0">
+                <a:solidFill>
+                  <a:srgbClr val="000000"/>
+                </a:solidFill>
+                <a:latin typeface="Consolas" panose="020B0609020204030204" pitchFamily="49" charset="0"/>
+                <a:cs typeface="Consolas" panose="020B0609020204030204" pitchFamily="49" charset="0"/>
+              </a:rPr>
+              <a:t>=</a:t>
+            </a:r>
+            <a:r>
+              <a:rPr lang="en-US" sz="2200" dirty="0">
+                <a:solidFill>
+                  <a:srgbClr val="3B3B3B"/>
+                </a:solidFill>
+                <a:latin typeface="Consolas" panose="020B0609020204030204" pitchFamily="49" charset="0"/>
+                <a:cs typeface="Consolas" panose="020B0609020204030204" pitchFamily="49" charset="0"/>
+              </a:rPr>
+              <a:t> </a:t>
+            </a:r>
+            <a:r>
+              <a:rPr lang="en-US" sz="2200" dirty="0">
+                <a:solidFill>
+                  <a:srgbClr val="0070C1"/>
+                </a:solidFill>
+                <a:latin typeface="Consolas" panose="020B0609020204030204" pitchFamily="49" charset="0"/>
+                <a:cs typeface="Consolas" panose="020B0609020204030204" pitchFamily="49" charset="0"/>
+              </a:rPr>
+              <a:t>x</a:t>
+            </a:r>
+            <a:r>
+              <a:rPr lang="en-US" sz="2200" dirty="0">
+                <a:solidFill>
+                  <a:srgbClr val="3B3B3B"/>
+                </a:solidFill>
+                <a:latin typeface="Consolas" panose="020B0609020204030204" pitchFamily="49" charset="0"/>
+                <a:cs typeface="Consolas" panose="020B0609020204030204" pitchFamily="49" charset="0"/>
+              </a:rPr>
+              <a:t> </a:t>
+            </a:r>
+            <a:r>
+              <a:rPr lang="en-US" sz="2200" dirty="0">
+                <a:solidFill>
+                  <a:srgbClr val="000000"/>
+                </a:solidFill>
+                <a:latin typeface="Consolas" panose="020B0609020204030204" pitchFamily="49" charset="0"/>
+                <a:cs typeface="Consolas" panose="020B0609020204030204" pitchFamily="49" charset="0"/>
+              </a:rPr>
+              <a:t>&gt;</a:t>
+            </a:r>
+            <a:r>
+              <a:rPr lang="en-US" sz="2200" dirty="0">
+                <a:solidFill>
+                  <a:srgbClr val="3B3B3B"/>
+                </a:solidFill>
+                <a:latin typeface="Consolas" panose="020B0609020204030204" pitchFamily="49" charset="0"/>
+                <a:cs typeface="Consolas" panose="020B0609020204030204" pitchFamily="49" charset="0"/>
+              </a:rPr>
+              <a:t> </a:t>
+            </a:r>
+            <a:r>
+              <a:rPr lang="en-US" sz="2200" dirty="0">
+                <a:solidFill>
+                  <a:srgbClr val="098658"/>
+                </a:solidFill>
+                <a:latin typeface="Consolas" panose="020B0609020204030204" pitchFamily="49" charset="0"/>
+                <a:cs typeface="Consolas" panose="020B0609020204030204" pitchFamily="49" charset="0"/>
+              </a:rPr>
+              <a:t>4</a:t>
+            </a:r>
+            <a:r>
+              <a:rPr lang="en-US" sz="2200" dirty="0">
+                <a:solidFill>
+                  <a:srgbClr val="3B3B3B"/>
+                </a:solidFill>
+                <a:latin typeface="Consolas" panose="020B0609020204030204" pitchFamily="49" charset="0"/>
+                <a:cs typeface="Consolas" panose="020B0609020204030204" pitchFamily="49" charset="0"/>
+              </a:rPr>
+              <a:t> </a:t>
+            </a:r>
+            <a:r>
+              <a:rPr lang="en-US" sz="2200" dirty="0">
+                <a:solidFill>
+                  <a:srgbClr val="000000"/>
+                </a:solidFill>
+                <a:latin typeface="Consolas" panose="020B0609020204030204" pitchFamily="49" charset="0"/>
+                <a:cs typeface="Consolas" panose="020B0609020204030204" pitchFamily="49" charset="0"/>
+              </a:rPr>
+              <a:t>?</a:t>
+            </a:r>
+            <a:r>
+              <a:rPr lang="en-US" sz="2200" dirty="0">
+                <a:solidFill>
+                  <a:srgbClr val="3B3B3B"/>
+                </a:solidFill>
+                <a:latin typeface="Consolas" panose="020B0609020204030204" pitchFamily="49" charset="0"/>
+                <a:cs typeface="Consolas" panose="020B0609020204030204" pitchFamily="49" charset="0"/>
+              </a:rPr>
+              <a:t> </a:t>
+            </a:r>
+            <a:r>
+              <a:rPr lang="en-US" sz="2200" dirty="0">
+                <a:solidFill>
+                  <a:srgbClr val="098658"/>
+                </a:solidFill>
+                <a:latin typeface="Consolas" panose="020B0609020204030204" pitchFamily="49" charset="0"/>
+                <a:cs typeface="Consolas" panose="020B0609020204030204" pitchFamily="49" charset="0"/>
+              </a:rPr>
+              <a:t>2</a:t>
+            </a:r>
+            <a:r>
+              <a:rPr lang="en-US" sz="2200" dirty="0">
+                <a:solidFill>
+                  <a:srgbClr val="3B3B3B"/>
+                </a:solidFill>
+                <a:latin typeface="Consolas" panose="020B0609020204030204" pitchFamily="49" charset="0"/>
+                <a:cs typeface="Consolas" panose="020B0609020204030204" pitchFamily="49" charset="0"/>
+              </a:rPr>
+              <a:t> </a:t>
+            </a:r>
+            <a:r>
+              <a:rPr lang="en-US" sz="2200" dirty="0">
+                <a:solidFill>
+                  <a:srgbClr val="000000"/>
+                </a:solidFill>
+                <a:latin typeface="Consolas" panose="020B0609020204030204" pitchFamily="49" charset="0"/>
+                <a:cs typeface="Consolas" panose="020B0609020204030204" pitchFamily="49" charset="0"/>
+              </a:rPr>
+              <a:t>:</a:t>
+            </a:r>
+            <a:r>
+              <a:rPr lang="en-US" sz="2200" dirty="0">
+                <a:solidFill>
+                  <a:srgbClr val="3B3B3B"/>
+                </a:solidFill>
+                <a:latin typeface="Consolas" panose="020B0609020204030204" pitchFamily="49" charset="0"/>
+                <a:cs typeface="Consolas" panose="020B0609020204030204" pitchFamily="49" charset="0"/>
+              </a:rPr>
+              <a:t> </a:t>
+            </a:r>
+            <a:r>
+              <a:rPr lang="en-US" sz="2200" dirty="0">
+                <a:solidFill>
+                  <a:srgbClr val="098658"/>
+                </a:solidFill>
+                <a:latin typeface="Consolas" panose="020B0609020204030204" pitchFamily="49" charset="0"/>
+                <a:cs typeface="Consolas" panose="020B0609020204030204" pitchFamily="49" charset="0"/>
+              </a:rPr>
+              <a:t>3</a:t>
+            </a:r>
+            <a:r>
+              <a:rPr lang="en-US" sz="2200" dirty="0">
+                <a:solidFill>
+                  <a:srgbClr val="3B3B3B"/>
+                </a:solidFill>
+                <a:latin typeface="Consolas" panose="020B0609020204030204" pitchFamily="49" charset="0"/>
+                <a:cs typeface="Consolas" panose="020B0609020204030204" pitchFamily="49" charset="0"/>
+              </a:rPr>
+              <a:t>;</a:t>
+            </a:r>
+          </a:p>
+          <a:p>
+            <a:pPr>
+              <a:lnSpc>
+                <a:spcPct val="110000"/>
+              </a:lnSpc>
+              <a:buNone/>
+            </a:pPr>
+            <a:r>
+              <a:rPr lang="en-US" sz="2200" dirty="0">
                 <a:solidFill>
                   <a:schemeClr val="bg2">
                     <a:lumMod val="90000"/>
                   </a:schemeClr>
                 </a:solidFill>
-                <a:effectLst/>
-                <a:latin typeface="Consolas" panose="020B0609020204030204" pitchFamily="49" charset="0"/>
-                <a:cs typeface="Consolas" panose="020B0609020204030204" pitchFamily="49" charset="0"/>
-              </a:rPr>
-              <a:t>| </a:t>
-            </a:r>
-            <a:r>
-              <a:rPr lang="en-US" sz="2200" b="0" dirty="0">
+                <a:latin typeface="Consolas" panose="020B0609020204030204" pitchFamily="49" charset="0"/>
+                <a:cs typeface="Consolas" panose="020B0609020204030204" pitchFamily="49" charset="0"/>
+              </a:rPr>
+              <a:t>6|   </a:t>
+            </a:r>
+            <a:r>
+              <a:rPr lang="en-US" sz="2200" dirty="0">
                 <a:solidFill>
                   <a:srgbClr val="0000FF"/>
                 </a:solidFill>
-                <a:effectLst/>
                 <a:latin typeface="Consolas" panose="020B0609020204030204" pitchFamily="49" charset="0"/>
                 <a:cs typeface="Consolas" panose="020B0609020204030204" pitchFamily="49" charset="0"/>
               </a:rPr>
               <a:t>const</a:t>
             </a:r>
             <a:r>
-              <a:rPr lang="en-US" sz="2200" b="0" dirty="0">
+              <a:rPr lang="en-US" sz="2200" dirty="0">
                 <a:solidFill>
                   <a:srgbClr val="3B3B3B"/>
                 </a:solidFill>
-                <a:effectLst/>
                 <a:latin typeface="Consolas" panose="020B0609020204030204" pitchFamily="49" charset="0"/>
                 <a:cs typeface="Consolas" panose="020B0609020204030204" pitchFamily="49" charset="0"/>
               </a:rPr>
               <a:t> </a:t>
             </a:r>
             <a:r>
-              <a:rPr lang="en-US" sz="2200" b="0" dirty="0">
+              <a:rPr lang="en-US" sz="2200" dirty="0">
                 <a:solidFill>
                   <a:srgbClr val="0070C1"/>
                 </a:solidFill>
-                <a:effectLst/>
                 <a:latin typeface="Consolas" panose="020B0609020204030204" pitchFamily="49" charset="0"/>
                 <a:cs typeface="Consolas" panose="020B0609020204030204" pitchFamily="49" charset="0"/>
               </a:rPr>
               <a:t>z</a:t>
             </a:r>
             <a:r>
-              <a:rPr lang="en-US" sz="2200" b="0" dirty="0">
+              <a:rPr lang="en-US" sz="2200" dirty="0">
                 <a:solidFill>
                   <a:srgbClr val="3B3B3B"/>
                 </a:solidFill>
-                <a:effectLst/>
                 <a:latin typeface="Consolas" panose="020B0609020204030204" pitchFamily="49" charset="0"/>
                 <a:cs typeface="Consolas" panose="020B0609020204030204" pitchFamily="49" charset="0"/>
               </a:rPr>
               <a:t> </a:t>
             </a:r>
             <a:r>
-              <a:rPr lang="en-US" sz="2200" b="0" dirty="0">
+              <a:rPr lang="en-US" sz="2200" dirty="0">
                 <a:solidFill>
                   <a:srgbClr val="000000"/>
                 </a:solidFill>
-                <a:effectLst/>
                 <a:latin typeface="Consolas" panose="020B0609020204030204" pitchFamily="49" charset="0"/>
                 <a:cs typeface="Consolas" panose="020B0609020204030204" pitchFamily="49" charset="0"/>
               </a:rPr>
               <a:t>=</a:t>
             </a:r>
             <a:r>
-              <a:rPr lang="en-US" sz="2200" b="0" dirty="0">
+              <a:rPr lang="en-US" sz="2200" dirty="0">
                 <a:solidFill>
                   <a:srgbClr val="3B3B3B"/>
                 </a:solidFill>
-                <a:effectLst/>
                 <a:latin typeface="Consolas" panose="020B0609020204030204" pitchFamily="49" charset="0"/>
                 <a:cs typeface="Consolas" panose="020B0609020204030204" pitchFamily="49" charset="0"/>
               </a:rPr>
               <a:t> </a:t>
             </a:r>
             <a:r>
-              <a:rPr lang="en-US" sz="2200" b="0" dirty="0">
+              <a:rPr lang="en-US" sz="2200" dirty="0">
                 <a:solidFill>
                   <a:srgbClr val="0070C1"/>
                 </a:solidFill>
-                <a:effectLst/>
                 <a:latin typeface="Consolas" panose="020B0609020204030204" pitchFamily="49" charset="0"/>
                 <a:cs typeface="Consolas" panose="020B0609020204030204" pitchFamily="49" charset="0"/>
               </a:rPr>
               <a:t>x</a:t>
             </a:r>
             <a:r>
-              <a:rPr lang="en-US" sz="2200" b="0" dirty="0">
+              <a:rPr lang="en-US" sz="2200" dirty="0">
                 <a:solidFill>
                   <a:srgbClr val="3B3B3B"/>
                 </a:solidFill>
-                <a:effectLst/>
                 <a:latin typeface="Consolas" panose="020B0609020204030204" pitchFamily="49" charset="0"/>
                 <a:cs typeface="Consolas" panose="020B0609020204030204" pitchFamily="49" charset="0"/>
               </a:rPr>
               <a:t> </a:t>
             </a:r>
             <a:r>
-              <a:rPr lang="en-US" sz="2200" b="0" dirty="0">
+              <a:rPr lang="en-US" sz="2200" dirty="0">
                 <a:solidFill>
                   <a:srgbClr val="000000"/>
                 </a:solidFill>
-                <a:effectLst/>
                 <a:latin typeface="Consolas" panose="020B0609020204030204" pitchFamily="49" charset="0"/>
                 <a:cs typeface="Consolas" panose="020B0609020204030204" pitchFamily="49" charset="0"/>
               </a:rPr>
               <a:t>%</a:t>
             </a:r>
             <a:r>
-              <a:rPr lang="en-US" sz="2200" b="0" dirty="0">
+              <a:rPr lang="en-US" sz="2200" dirty="0">
                 <a:solidFill>
                   <a:srgbClr val="3B3B3B"/>
                 </a:solidFill>
-                <a:effectLst/>
                 <a:latin typeface="Consolas" panose="020B0609020204030204" pitchFamily="49" charset="0"/>
                 <a:cs typeface="Consolas" panose="020B0609020204030204" pitchFamily="49" charset="0"/>
               </a:rPr>
               <a:t> </a:t>
             </a:r>
             <a:r>
-              <a:rPr lang="en-US" sz="2200" b="0" dirty="0">
+              <a:rPr lang="en-US" sz="2200" dirty="0">
                 <a:solidFill>
                   <a:srgbClr val="098658"/>
                 </a:solidFill>
-                <a:effectLst/>
                 <a:latin typeface="Consolas" panose="020B0609020204030204" pitchFamily="49" charset="0"/>
                 <a:cs typeface="Consolas" panose="020B0609020204030204" pitchFamily="49" charset="0"/>
               </a:rPr>
               <a:t>2</a:t>
             </a:r>
             <a:r>
-              <a:rPr lang="en-US" sz="2200" b="0" dirty="0">
+              <a:rPr lang="en-US" sz="2200" dirty="0">
                 <a:solidFill>
                   <a:srgbClr val="3B3B3B"/>
                 </a:solidFill>
-                <a:effectLst/>
                 <a:latin typeface="Consolas" panose="020B0609020204030204" pitchFamily="49" charset="0"/>
                 <a:cs typeface="Consolas" panose="020B0609020204030204" pitchFamily="49" charset="0"/>
               </a:rPr>
               <a:t> </a:t>
             </a:r>
             <a:r>
-              <a:rPr lang="en-US" sz="2200" b="0" dirty="0">
+              <a:rPr lang="en-US" sz="2200" dirty="0">
                 <a:solidFill>
                   <a:srgbClr val="000000"/>
                 </a:solidFill>
-                <a:effectLst/>
-                <a:latin typeface="Consolas" panose="020B0609020204030204" pitchFamily="49" charset="0"/>
-                <a:cs typeface="Consolas" panose="020B0609020204030204" pitchFamily="49" charset="0"/>
-              </a:rPr>
-              <a:t>==</a:t>
-            </a:r>
-            <a:r>
-              <a:rPr lang="en-US" sz="2200" b="0" dirty="0">
+                <a:latin typeface="Consolas" panose="020B0609020204030204" pitchFamily="49" charset="0"/>
+                <a:cs typeface="Consolas" panose="020B0609020204030204" pitchFamily="49" charset="0"/>
+              </a:rPr>
+              <a:t>===</a:t>
+            </a:r>
+            <a:r>
+              <a:rPr lang="en-US" sz="2200" dirty="0">
                 <a:solidFill>
                   <a:srgbClr val="3B3B3B"/>
                 </a:solidFill>
-                <a:effectLst/>
                 <a:latin typeface="Consolas" panose="020B0609020204030204" pitchFamily="49" charset="0"/>
                 <a:cs typeface="Consolas" panose="020B0609020204030204" pitchFamily="49" charset="0"/>
               </a:rPr>
               <a:t> </a:t>
             </a:r>
             <a:r>
-              <a:rPr lang="en-US" sz="2200" b="0" dirty="0">
+              <a:rPr lang="en-US" sz="2200" dirty="0">
                 <a:solidFill>
                   <a:srgbClr val="098658"/>
                 </a:solidFill>
-                <a:effectLst/>
                 <a:latin typeface="Consolas" panose="020B0609020204030204" pitchFamily="49" charset="0"/>
                 <a:cs typeface="Consolas" panose="020B0609020204030204" pitchFamily="49" charset="0"/>
               </a:rPr>
               <a:t>0</a:t>
             </a:r>
             <a:r>
-              <a:rPr lang="en-US" sz="2200" b="0" dirty="0">
+              <a:rPr lang="en-US" sz="2200" dirty="0">
                 <a:solidFill>
                   <a:srgbClr val="3B3B3B"/>
                 </a:solidFill>
-                <a:effectLst/>
                 <a:latin typeface="Consolas" panose="020B0609020204030204" pitchFamily="49" charset="0"/>
                 <a:cs typeface="Consolas" panose="020B0609020204030204" pitchFamily="49" charset="0"/>
               </a:rPr>
               <a:t> </a:t>
             </a:r>
             <a:r>
-              <a:rPr lang="en-US" sz="2200" b="0" dirty="0">
+              <a:rPr lang="en-US" sz="2200" dirty="0">
                 <a:solidFill>
                   <a:srgbClr val="000000"/>
                 </a:solidFill>
-                <a:effectLst/>
                 <a:latin typeface="Consolas" panose="020B0609020204030204" pitchFamily="49" charset="0"/>
                 <a:cs typeface="Consolas" panose="020B0609020204030204" pitchFamily="49" charset="0"/>
               </a:rPr>
               <a:t>?</a:t>
             </a:r>
             <a:r>
-              <a:rPr lang="en-US" sz="2200" b="0" dirty="0">
+              <a:rPr lang="en-US" sz="2200" dirty="0">
                 <a:solidFill>
                   <a:srgbClr val="3B3B3B"/>
                 </a:solidFill>
-                <a:effectLst/>
                 <a:latin typeface="Consolas" panose="020B0609020204030204" pitchFamily="49" charset="0"/>
                 <a:cs typeface="Consolas" panose="020B0609020204030204" pitchFamily="49" charset="0"/>
               </a:rPr>
@@ -21856,33 +21121,30 @@
               <a:t>1</a:t>
             </a:r>
             <a:r>
-              <a:rPr lang="en-US" sz="2200" b="0" dirty="0">
+              <a:rPr lang="en-US" sz="2200" dirty="0">
                 <a:solidFill>
                   <a:srgbClr val="3B3B3B"/>
                 </a:solidFill>
-                <a:effectLst/>
                 <a:latin typeface="Consolas" panose="020B0609020204030204" pitchFamily="49" charset="0"/>
                 <a:cs typeface="Consolas" panose="020B0609020204030204" pitchFamily="49" charset="0"/>
               </a:rPr>
               <a:t> </a:t>
             </a:r>
             <a:r>
-              <a:rPr lang="en-US" sz="2200" b="0" dirty="0">
+              <a:rPr lang="en-US" sz="2200" dirty="0">
                 <a:solidFill>
                   <a:srgbClr val="000000"/>
                 </a:solidFill>
-                <a:effectLst/>
                 <a:latin typeface="Consolas" panose="020B0609020204030204" pitchFamily="49" charset="0"/>
                 <a:cs typeface="Consolas" panose="020B0609020204030204" pitchFamily="49" charset="0"/>
               </a:rPr>
               <a:t>:</a:t>
             </a:r>
             <a:r>
-              <a:rPr lang="en-US" sz="2200" b="0" dirty="0">
+              <a:rPr lang="en-US" sz="2200" dirty="0">
                 <a:solidFill>
                   <a:srgbClr val="3B3B3B"/>
                 </a:solidFill>
-                <a:effectLst/>
                 <a:latin typeface="Consolas" panose="020B0609020204030204" pitchFamily="49" charset="0"/>
                 <a:cs typeface="Consolas" panose="020B0609020204030204" pitchFamily="49" charset="0"/>
               </a:rPr>
@@ -21899,11 +21161,10 @@
               <a:t>2</a:t>
             </a:r>
             <a:r>
-              <a:rPr lang="en-US" sz="2200" b="0" dirty="0">
+              <a:rPr lang="en-US" sz="2200" dirty="0">
                 <a:solidFill>
                   <a:srgbClr val="3B3B3B"/>
                 </a:solidFill>
-                <a:effectLst/>
                 <a:latin typeface="Consolas" panose="020B0609020204030204" pitchFamily="49" charset="0"/>
                 <a:cs typeface="Consolas" panose="020B0609020204030204" pitchFamily="49" charset="0"/>
               </a:rPr>
@@ -21926,152 +21187,156 @@
                 <a:latin typeface="Consolas" panose="020B0609020204030204" pitchFamily="49" charset="0"/>
                 <a:cs typeface="Consolas" panose="020B0609020204030204" pitchFamily="49" charset="0"/>
               </a:rPr>
-              <a:t>6</a:t>
-            </a:r>
-            <a:r>
-              <a:rPr lang="en-US" sz="2200" b="0" dirty="0">
+              <a:t>7|   </a:t>
+            </a:r>
+            <a:r>
+              <a:rPr lang="en-US" sz="2200" dirty="0">
+                <a:solidFill>
+                  <a:srgbClr val="AF00DB"/>
+                </a:solidFill>
+                <a:latin typeface="Consolas" panose="020B0609020204030204" pitchFamily="49" charset="0"/>
+                <a:cs typeface="Consolas" panose="020B0609020204030204" pitchFamily="49" charset="0"/>
+              </a:rPr>
+              <a:t>return</a:t>
+            </a:r>
+            <a:r>
+              <a:rPr lang="en-US" sz="2200" dirty="0">
+                <a:solidFill>
+                  <a:srgbClr val="3B3B3B"/>
+                </a:solidFill>
+                <a:latin typeface="Consolas" panose="020B0609020204030204" pitchFamily="49" charset="0"/>
+                <a:cs typeface="Consolas" panose="020B0609020204030204" pitchFamily="49" charset="0"/>
+              </a:rPr>
+              <a:t> </a:t>
+            </a:r>
+            <a:r>
+              <a:rPr lang="en-US" sz="2200" dirty="0">
+                <a:solidFill>
+                  <a:srgbClr val="0070C1"/>
+                </a:solidFill>
+                <a:latin typeface="Consolas" panose="020B0609020204030204" pitchFamily="49" charset="0"/>
+                <a:cs typeface="Consolas" panose="020B0609020204030204" pitchFamily="49" charset="0"/>
+              </a:rPr>
+              <a:t>x</a:t>
+            </a:r>
+            <a:r>
+              <a:rPr lang="en-US" sz="2200" dirty="0">
+                <a:solidFill>
+                  <a:srgbClr val="3B3B3B"/>
+                </a:solidFill>
+                <a:latin typeface="Consolas" panose="020B0609020204030204" pitchFamily="49" charset="0"/>
+                <a:cs typeface="Consolas" panose="020B0609020204030204" pitchFamily="49" charset="0"/>
+              </a:rPr>
+              <a:t> </a:t>
+            </a:r>
+            <a:r>
+              <a:rPr lang="en-US" sz="2200" dirty="0">
+                <a:solidFill>
+                  <a:srgbClr val="000000"/>
+                </a:solidFill>
+                <a:latin typeface="Consolas" panose="020B0609020204030204" pitchFamily="49" charset="0"/>
+                <a:cs typeface="Consolas" panose="020B0609020204030204" pitchFamily="49" charset="0"/>
+              </a:rPr>
+              <a:t>/</a:t>
+            </a:r>
+            <a:r>
+              <a:rPr lang="en-US" sz="2200" dirty="0">
+                <a:solidFill>
+                  <a:srgbClr val="3B3B3B"/>
+                </a:solidFill>
+                <a:latin typeface="Consolas" panose="020B0609020204030204" pitchFamily="49" charset="0"/>
+                <a:cs typeface="Consolas" panose="020B0609020204030204" pitchFamily="49" charset="0"/>
+              </a:rPr>
+              <a:t> (</a:t>
+            </a:r>
+            <a:r>
+              <a:rPr lang="en-US" sz="2200" dirty="0">
+                <a:solidFill>
+                  <a:srgbClr val="0070C1"/>
+                </a:solidFill>
+                <a:latin typeface="Consolas" panose="020B0609020204030204" pitchFamily="49" charset="0"/>
+                <a:cs typeface="Consolas" panose="020B0609020204030204" pitchFamily="49" charset="0"/>
+              </a:rPr>
+              <a:t>y</a:t>
+            </a:r>
+            <a:r>
+              <a:rPr lang="en-US" sz="2200" dirty="0">
+                <a:solidFill>
+                  <a:srgbClr val="3B3B3B"/>
+                </a:solidFill>
+                <a:latin typeface="Consolas" panose="020B0609020204030204" pitchFamily="49" charset="0"/>
+                <a:cs typeface="Consolas" panose="020B0609020204030204" pitchFamily="49" charset="0"/>
+              </a:rPr>
+              <a:t> </a:t>
+            </a:r>
+            <a:r>
+              <a:rPr lang="en-US" sz="2200" dirty="0">
+                <a:solidFill>
+                  <a:srgbClr val="000000"/>
+                </a:solidFill>
+                <a:latin typeface="Consolas" panose="020B0609020204030204" pitchFamily="49" charset="0"/>
+                <a:cs typeface="Consolas" panose="020B0609020204030204" pitchFamily="49" charset="0"/>
+              </a:rPr>
+              <a:t>-</a:t>
+            </a:r>
+            <a:r>
+              <a:rPr lang="en-US" sz="2200" dirty="0">
+                <a:solidFill>
+                  <a:srgbClr val="3B3B3B"/>
+                </a:solidFill>
+                <a:latin typeface="Consolas" panose="020B0609020204030204" pitchFamily="49" charset="0"/>
+                <a:cs typeface="Consolas" panose="020B0609020204030204" pitchFamily="49" charset="0"/>
+              </a:rPr>
+              <a:t> </a:t>
+            </a:r>
+            <a:r>
+              <a:rPr lang="en-US" sz="2200" dirty="0">
+                <a:solidFill>
+                  <a:srgbClr val="0070C1"/>
+                </a:solidFill>
+                <a:latin typeface="Consolas" panose="020B0609020204030204" pitchFamily="49" charset="0"/>
+                <a:cs typeface="Consolas" panose="020B0609020204030204" pitchFamily="49" charset="0"/>
+              </a:rPr>
+              <a:t>z</a:t>
+            </a:r>
+            <a:r>
+              <a:rPr lang="en-US" sz="2200" dirty="0">
+                <a:solidFill>
+                  <a:srgbClr val="3B3B3B"/>
+                </a:solidFill>
+                <a:latin typeface="Consolas" panose="020B0609020204030204" pitchFamily="49" charset="0"/>
+                <a:cs typeface="Consolas" panose="020B0609020204030204" pitchFamily="49" charset="0"/>
+              </a:rPr>
+              <a:t>);</a:t>
+            </a:r>
+          </a:p>
+          <a:p>
+            <a:pPr>
+              <a:lnSpc>
+                <a:spcPct val="110000"/>
+              </a:lnSpc>
+            </a:pPr>
+            <a:r>
+              <a:rPr lang="en-US" sz="2200" dirty="0">
                 <a:solidFill>
                   <a:schemeClr val="bg2">
                     <a:lumMod val="90000"/>
                   </a:schemeClr>
                 </a:solidFill>
-                <a:effectLst/>
-                <a:latin typeface="Consolas" panose="020B0609020204030204" pitchFamily="49" charset="0"/>
-                <a:cs typeface="Consolas" panose="020B0609020204030204" pitchFamily="49" charset="0"/>
-              </a:rPr>
-              <a:t>| </a:t>
-            </a:r>
-            <a:r>
-              <a:rPr lang="en-US" sz="2200" b="0" dirty="0">
-                <a:solidFill>
-                  <a:srgbClr val="AF00DB"/>
-                </a:solidFill>
-                <a:effectLst/>
-                <a:latin typeface="Consolas" panose="020B0609020204030204" pitchFamily="49" charset="0"/>
-                <a:cs typeface="Consolas" panose="020B0609020204030204" pitchFamily="49" charset="0"/>
-              </a:rPr>
-              <a:t>return</a:t>
-            </a:r>
-            <a:r>
-              <a:rPr lang="en-US" sz="2200" b="0" dirty="0">
+                <a:latin typeface="Consolas" panose="020B0609020204030204" pitchFamily="49" charset="0"/>
+                <a:cs typeface="Consolas" panose="020B0609020204030204" pitchFamily="49" charset="0"/>
+              </a:rPr>
+              <a:t>8| </a:t>
+            </a:r>
+            <a:r>
+              <a:rPr lang="en-US" sz="2200" dirty="0">
                 <a:solidFill>
                   <a:srgbClr val="3B3B3B"/>
                 </a:solidFill>
-                <a:effectLst/>
-                <a:latin typeface="Consolas" panose="020B0609020204030204" pitchFamily="49" charset="0"/>
-                <a:cs typeface="Consolas" panose="020B0609020204030204" pitchFamily="49" charset="0"/>
-              </a:rPr>
-              <a:t> </a:t>
-            </a:r>
-            <a:r>
-              <a:rPr lang="en-US" sz="2200" b="0" dirty="0">
-                <a:solidFill>
-                  <a:srgbClr val="0070C1"/>
-                </a:solidFill>
-                <a:effectLst/>
-                <a:latin typeface="Consolas" panose="020B0609020204030204" pitchFamily="49" charset="0"/>
-                <a:cs typeface="Consolas" panose="020B0609020204030204" pitchFamily="49" charset="0"/>
-              </a:rPr>
-              <a:t>x</a:t>
-            </a:r>
-            <a:r>
-              <a:rPr lang="en-US" sz="2200" b="0" dirty="0">
-                <a:solidFill>
-                  <a:srgbClr val="3B3B3B"/>
-                </a:solidFill>
-                <a:effectLst/>
-                <a:latin typeface="Consolas" panose="020B0609020204030204" pitchFamily="49" charset="0"/>
-                <a:cs typeface="Consolas" panose="020B0609020204030204" pitchFamily="49" charset="0"/>
-              </a:rPr>
-              <a:t> </a:t>
-            </a:r>
-            <a:r>
-              <a:rPr lang="en-US" sz="2200" b="0" dirty="0">
-                <a:solidFill>
-                  <a:srgbClr val="000000"/>
-                </a:solidFill>
-                <a:effectLst/>
-                <a:latin typeface="Consolas" panose="020B0609020204030204" pitchFamily="49" charset="0"/>
-                <a:cs typeface="Consolas" panose="020B0609020204030204" pitchFamily="49" charset="0"/>
-              </a:rPr>
-              <a:t>/</a:t>
-            </a:r>
-            <a:r>
-              <a:rPr lang="en-US" sz="2200" b="0" dirty="0">
-                <a:solidFill>
-                  <a:srgbClr val="3B3B3B"/>
-                </a:solidFill>
-                <a:effectLst/>
-                <a:latin typeface="Consolas" panose="020B0609020204030204" pitchFamily="49" charset="0"/>
-                <a:cs typeface="Consolas" panose="020B0609020204030204" pitchFamily="49" charset="0"/>
-              </a:rPr>
-              <a:t> (</a:t>
-            </a:r>
-            <a:r>
-              <a:rPr lang="en-US" sz="2200" b="0" dirty="0">
-                <a:solidFill>
-                  <a:srgbClr val="0070C1"/>
-                </a:solidFill>
-                <a:effectLst/>
-                <a:latin typeface="Consolas" panose="020B0609020204030204" pitchFamily="49" charset="0"/>
-                <a:cs typeface="Consolas" panose="020B0609020204030204" pitchFamily="49" charset="0"/>
-              </a:rPr>
-              <a:t>y</a:t>
-            </a:r>
-            <a:r>
-              <a:rPr lang="en-US" sz="2200" b="0" dirty="0">
-                <a:solidFill>
-                  <a:srgbClr val="3B3B3B"/>
-                </a:solidFill>
-                <a:effectLst/>
-                <a:latin typeface="Consolas" panose="020B0609020204030204" pitchFamily="49" charset="0"/>
-                <a:cs typeface="Consolas" panose="020B0609020204030204" pitchFamily="49" charset="0"/>
-              </a:rPr>
-              <a:t> </a:t>
-            </a:r>
-            <a:r>
-              <a:rPr lang="en-US" sz="2200" b="0" dirty="0">
-                <a:solidFill>
-                  <a:srgbClr val="000000"/>
-                </a:solidFill>
-                <a:effectLst/>
-                <a:latin typeface="Consolas" panose="020B0609020204030204" pitchFamily="49" charset="0"/>
-                <a:cs typeface="Consolas" panose="020B0609020204030204" pitchFamily="49" charset="0"/>
-              </a:rPr>
-              <a:t>-</a:t>
-            </a:r>
-            <a:r>
-              <a:rPr lang="en-US" sz="2200" b="0" dirty="0">
-                <a:solidFill>
-                  <a:srgbClr val="3B3B3B"/>
-                </a:solidFill>
-                <a:effectLst/>
-                <a:latin typeface="Consolas" panose="020B0609020204030204" pitchFamily="49" charset="0"/>
-                <a:cs typeface="Consolas" panose="020B0609020204030204" pitchFamily="49" charset="0"/>
-              </a:rPr>
-              <a:t> </a:t>
-            </a:r>
-            <a:r>
-              <a:rPr lang="en-US" sz="2200" b="0" dirty="0">
-                <a:solidFill>
-                  <a:srgbClr val="0070C1"/>
-                </a:solidFill>
-                <a:effectLst/>
-                <a:latin typeface="Consolas" panose="020B0609020204030204" pitchFamily="49" charset="0"/>
-                <a:cs typeface="Consolas" panose="020B0609020204030204" pitchFamily="49" charset="0"/>
-              </a:rPr>
-              <a:t>z</a:t>
-            </a:r>
-            <a:r>
-              <a:rPr lang="en-US" sz="2200" b="0" dirty="0">
-                <a:solidFill>
-                  <a:srgbClr val="3B3B3B"/>
-                </a:solidFill>
-                <a:effectLst/>
-                <a:latin typeface="Consolas" panose="020B0609020204030204" pitchFamily="49" charset="0"/>
-                <a:cs typeface="Consolas" panose="020B0609020204030204" pitchFamily="49" charset="0"/>
-              </a:rPr>
-              <a:t>);</a:t>
+                <a:latin typeface="Consolas" panose="020B0609020204030204" pitchFamily="49" charset="0"/>
+                <a:cs typeface="Consolas" panose="020B0609020204030204" pitchFamily="49" charset="0"/>
+              </a:rPr>
+              <a:t>}</a:t>
             </a:r>
           </a:p>
         </p:txBody>
@@ -22199,12 +21464,12 @@
         <p:spPr>
           <a:xfrm>
             <a:off x="838200" y="1500159"/>
-            <a:ext cx="4882662" cy="5221316"/>
+            <a:ext cx="5257800" cy="5221316"/>
           </a:xfrm>
         </p:spPr>
         <p:txBody>
           <a:bodyPr>
-            <a:normAutofit/>
+            <a:normAutofit lnSpcReduction="10000"/>
           </a:bodyPr>
           <a:lstStyle/>
           <a:p>
@@ -22216,14 +21481,22 @@
           <a:p>
             <a:r>
               <a:rPr lang="en-US" dirty="0"/>
-              <a:t>…but 5 causes line 6 to divide by zero! </a:t>
+              <a:t>…but 5 causes line 7 to divide by zero! </a:t>
             </a:r>
           </a:p>
           <a:p>
             <a:pPr lvl="1"/>
             <a:r>
               <a:rPr lang="en-US" dirty="0"/>
-              <a:t>In JavaScript/TypeScript, this doesn’t cause an exception, there’s a number called “</a:t>
+              <a:t>In JavaScript/TypeScript, this doesn’t cause an exception, there’s a number called “Infinity” (which is  </a:t>
+            </a:r>
+            <a:r>
+              <a:rPr lang="en-US" i="1" dirty="0"/>
+              <a:t>different</a:t>
+            </a:r>
+            <a:r>
+              <a:rPr lang="en-US" dirty="0"/>
+              <a:t> from “</a:t>
             </a:r>
             <a:r>
               <a:rPr lang="en-US" dirty="0" err="1"/>
@@ -22231,7 +21504,7 @@
             </a:r>
             <a:r>
               <a:rPr lang="en-US" dirty="0"/>
-              <a:t>” for “not a number”</a:t>
+              <a:t>,” for “not a number”)</a:t>
             </a:r>
           </a:p>
           <a:p>
@@ -22262,7 +21535,7 @@
         <p:spPr>
           <a:xfrm>
             <a:off x="6283569" y="2501474"/>
-            <a:ext cx="5814645" cy="2306272"/>
+            <a:ext cx="5814645" cy="3051092"/>
           </a:xfrm>
           <a:prstGeom prst="rect">
             <a:avLst/>
@@ -22304,101 +21577,74 @@
               <a:buNone/>
             </a:pPr>
             <a:r>
-              <a:rPr lang="en-US" sz="2200" b="0" dirty="0">
+              <a:rPr lang="en-US" sz="2200" dirty="0">
                 <a:solidFill>
                   <a:schemeClr val="bg2">
                     <a:lumMod val="90000"/>
                   </a:schemeClr>
                 </a:solidFill>
-                <a:effectLst/>
                 <a:latin typeface="Consolas" panose="020B0609020204030204" pitchFamily="49" charset="0"/>
                 <a:cs typeface="Consolas" panose="020B0609020204030204" pitchFamily="49" charset="0"/>
               </a:rPr>
               <a:t>1| </a:t>
             </a:r>
             <a:r>
-              <a:rPr lang="en-US" sz="2200" b="0" dirty="0">
+              <a:rPr lang="en-US" sz="2200" dirty="0">
                 <a:solidFill>
                   <a:srgbClr val="AF00DB"/>
                 </a:solidFill>
-                <a:effectLst/>
-                <a:latin typeface="Consolas" panose="020B0609020204030204" pitchFamily="49" charset="0"/>
-                <a:cs typeface="Consolas" panose="020B0609020204030204" pitchFamily="49" charset="0"/>
-              </a:rPr>
-              <a:t>if</a:t>
-            </a:r>
-            <a:r>
-              <a:rPr lang="en-US" sz="2200" b="0" dirty="0">
-                <a:solidFill>
-                  <a:srgbClr val="3B3B3B"/>
-                </a:solidFill>
-                <a:effectLst/>
-                <a:latin typeface="Consolas" panose="020B0609020204030204" pitchFamily="49" charset="0"/>
-                <a:cs typeface="Consolas" panose="020B0609020204030204" pitchFamily="49" charset="0"/>
-              </a:rPr>
-              <a:t> (</a:t>
-            </a:r>
-            <a:r>
-              <a:rPr lang="en-US" sz="2200" b="0" dirty="0">
-                <a:solidFill>
-                  <a:srgbClr val="0070C1"/>
-                </a:solidFill>
-                <a:effectLst/>
-                <a:latin typeface="Consolas" panose="020B0609020204030204" pitchFamily="49" charset="0"/>
-                <a:cs typeface="Consolas" panose="020B0609020204030204" pitchFamily="49" charset="0"/>
-              </a:rPr>
-              <a:t>x</a:t>
-            </a:r>
-            <a:r>
-              <a:rPr lang="en-US" sz="2200" b="0" dirty="0">
-                <a:solidFill>
-                  <a:srgbClr val="3B3B3B"/>
-                </a:solidFill>
-                <a:effectLst/>
-                <a:latin typeface="Consolas" panose="020B0609020204030204" pitchFamily="49" charset="0"/>
-                <a:cs typeface="Consolas" panose="020B0609020204030204" pitchFamily="49" charset="0"/>
-              </a:rPr>
-              <a:t> </a:t>
-            </a:r>
-            <a:r>
-              <a:rPr lang="en-US" sz="2200" b="0" dirty="0">
-                <a:solidFill>
-                  <a:srgbClr val="000000"/>
-                </a:solidFill>
-                <a:effectLst/>
-                <a:latin typeface="Consolas" panose="020B0609020204030204" pitchFamily="49" charset="0"/>
-                <a:cs typeface="Consolas" panose="020B0609020204030204" pitchFamily="49" charset="0"/>
-              </a:rPr>
-              <a:t>===</a:t>
-            </a:r>
-            <a:r>
-              <a:rPr lang="en-US" sz="2200" b="0" dirty="0">
-                <a:solidFill>
-                  <a:srgbClr val="3B3B3B"/>
-                </a:solidFill>
-                <a:effectLst/>
-                <a:latin typeface="Consolas" panose="020B0609020204030204" pitchFamily="49" charset="0"/>
-                <a:cs typeface="Consolas" panose="020B0609020204030204" pitchFamily="49" charset="0"/>
-              </a:rPr>
-              <a:t> </a:t>
-            </a:r>
-            <a:r>
-              <a:rPr lang="en-US" sz="2200" b="0" dirty="0">
-                <a:solidFill>
-                  <a:srgbClr val="098658"/>
-                </a:solidFill>
-                <a:effectLst/>
-                <a:latin typeface="Consolas" panose="020B0609020204030204" pitchFamily="49" charset="0"/>
-                <a:cs typeface="Consolas" panose="020B0609020204030204" pitchFamily="49" charset="0"/>
-              </a:rPr>
-              <a:t>0</a:t>
-            </a:r>
-            <a:r>
-              <a:rPr lang="en-US" sz="2200" b="0" dirty="0">
-                <a:solidFill>
-                  <a:srgbClr val="3B3B3B"/>
-                </a:solidFill>
-                <a:effectLst/>
+                <a:latin typeface="Consolas" panose="020B0609020204030204" pitchFamily="49" charset="0"/>
+                <a:cs typeface="Consolas" panose="020B0609020204030204" pitchFamily="49" charset="0"/>
+              </a:rPr>
+              <a:t>export </a:t>
+            </a:r>
+            <a:r>
+              <a:rPr lang="en-US" sz="2200" dirty="0">
+                <a:solidFill>
+                  <a:srgbClr val="0000FF"/>
+                </a:solidFill>
+                <a:latin typeface="Consolas" panose="020B0609020204030204" pitchFamily="49" charset="0"/>
+                <a:cs typeface="Consolas" panose="020B0609020204030204" pitchFamily="49" charset="0"/>
+              </a:rPr>
+              <a:t>function </a:t>
+            </a:r>
+            <a:r>
+              <a:rPr lang="en-US" sz="2200" dirty="0">
+                <a:solidFill>
+                  <a:schemeClr val="accent4">
+                    <a:lumMod val="50000"/>
+                  </a:schemeClr>
+                </a:solidFill>
+                <a:latin typeface="Consolas" panose="020B0609020204030204" pitchFamily="49" charset="0"/>
+                <a:cs typeface="Consolas" panose="020B0609020204030204" pitchFamily="49" charset="0"/>
+              </a:rPr>
+              <a:t>f</a:t>
+            </a:r>
+            <a:r>
+              <a:rPr lang="en-US" sz="2200" dirty="0">
+                <a:solidFill>
+                  <a:srgbClr val="0000FF"/>
+                </a:solidFill>
+                <a:latin typeface="Consolas" panose="020B0609020204030204" pitchFamily="49" charset="0"/>
+                <a:cs typeface="Consolas" panose="020B0609020204030204" pitchFamily="49" charset="0"/>
+              </a:rPr>
+              <a:t>(x: </a:t>
+            </a:r>
+            <a:r>
+              <a:rPr lang="en-US" sz="2200" dirty="0">
+                <a:solidFill>
+                  <a:srgbClr val="0070C0"/>
+                </a:solidFill>
+                <a:latin typeface="Consolas" panose="020B0609020204030204" pitchFamily="49" charset="0"/>
+                <a:cs typeface="Consolas" panose="020B0609020204030204" pitchFamily="49" charset="0"/>
+              </a:rPr>
+              <a:t>number</a:t>
+            </a:r>
+            <a:r>
+              <a:rPr lang="en-US" sz="2200" dirty="0">
+                <a:solidFill>
+                  <a:schemeClr val="tx1"/>
+                </a:solidFill>
                 <a:latin typeface="Consolas" panose="020B0609020204030204" pitchFamily="49" charset="0"/>
                 <a:cs typeface="Consolas" panose="020B0609020204030204" pitchFamily="49" charset="0"/>
               </a:rPr>
@@ -22422,64 +21668,87 @@
                 <a:latin typeface="Consolas" panose="020B0609020204030204" pitchFamily="49" charset="0"/>
                 <a:cs typeface="Consolas" panose="020B0609020204030204" pitchFamily="49" charset="0"/>
               </a:rPr>
-              <a:t>2</a:t>
-            </a:r>
-            <a:r>
-              <a:rPr lang="en-US" sz="2200" b="0" dirty="0">
-                <a:solidFill>
-                  <a:schemeClr val="bg2">
-                    <a:lumMod val="90000"/>
-                  </a:schemeClr>
-                </a:solidFill>
-                <a:effectLst/>
-                <a:latin typeface="Consolas" panose="020B0609020204030204" pitchFamily="49" charset="0"/>
-                <a:cs typeface="Consolas" panose="020B0609020204030204" pitchFamily="49" charset="0"/>
-              </a:rPr>
-              <a:t>|</a:t>
-            </a:r>
-            <a:r>
-              <a:rPr lang="en-US" sz="2200" b="0" dirty="0">
+              <a:t>2|   </a:t>
+            </a:r>
+            <a:r>
+              <a:rPr lang="en-US" sz="2200" dirty="0">
                 <a:solidFill>
                   <a:srgbClr val="AF00DB"/>
                 </a:solidFill>
-                <a:effectLst/>
-                <a:latin typeface="Consolas" panose="020B0609020204030204" pitchFamily="49" charset="0"/>
-                <a:cs typeface="Consolas" panose="020B0609020204030204" pitchFamily="49" charset="0"/>
-              </a:rPr>
-              <a:t>  return</a:t>
-            </a:r>
-            <a:r>
-              <a:rPr lang="en-US" sz="2200" b="0" dirty="0">
+                <a:latin typeface="Consolas" panose="020B0609020204030204" pitchFamily="49" charset="0"/>
+                <a:cs typeface="Consolas" panose="020B0609020204030204" pitchFamily="49" charset="0"/>
+              </a:rPr>
+              <a:t>if</a:t>
+            </a:r>
+            <a:r>
+              <a:rPr lang="en-US" sz="2200" dirty="0">
                 <a:solidFill>
                   <a:srgbClr val="3B3B3B"/>
                 </a:solidFill>
-                <a:effectLst/>
+                <a:latin typeface="Consolas" panose="020B0609020204030204" pitchFamily="49" charset="0"/>
+                <a:cs typeface="Consolas" panose="020B0609020204030204" pitchFamily="49" charset="0"/>
+              </a:rPr>
+              <a:t> (</a:t>
+            </a:r>
+            <a:r>
+              <a:rPr lang="en-US" sz="2200" dirty="0">
+                <a:solidFill>
+                  <a:srgbClr val="0070C1"/>
+                </a:solidFill>
+                <a:latin typeface="Consolas" panose="020B0609020204030204" pitchFamily="49" charset="0"/>
+                <a:cs typeface="Consolas" panose="020B0609020204030204" pitchFamily="49" charset="0"/>
+              </a:rPr>
+              <a:t>x</a:t>
+            </a:r>
+            <a:r>
+              <a:rPr lang="en-US" sz="2200" dirty="0">
+                <a:solidFill>
+                  <a:srgbClr val="3B3B3B"/>
+                </a:solidFill>
                 <a:latin typeface="Consolas" panose="020B0609020204030204" pitchFamily="49" charset="0"/>
                 <a:cs typeface="Consolas" panose="020B0609020204030204" pitchFamily="49" charset="0"/>
               </a:rPr>
               <a:t> </a:t>
             </a:r>
             <a:r>
-              <a:rPr lang="en-US" sz="2200" b="0" dirty="0">
+              <a:rPr lang="en-US" sz="2200" dirty="0">
+                <a:solidFill>
+                  <a:srgbClr val="000000"/>
+                </a:solidFill>
+                <a:latin typeface="Consolas" panose="020B0609020204030204" pitchFamily="49" charset="0"/>
+                <a:cs typeface="Consolas" panose="020B0609020204030204" pitchFamily="49" charset="0"/>
+              </a:rPr>
+              <a:t>===</a:t>
+            </a:r>
+            <a:r>
+              <a:rPr lang="en-US" sz="2200" dirty="0">
+                <a:solidFill>
+                  <a:srgbClr val="3B3B3B"/>
+                </a:solidFill>
+                <a:latin typeface="Consolas" panose="020B0609020204030204" pitchFamily="49" charset="0"/>
+                <a:cs typeface="Consolas" panose="020B0609020204030204" pitchFamily="49" charset="0"/>
+              </a:rPr>
+              <a:t> </a:t>
+            </a:r>
+            <a:r>
+              <a:rPr lang="en-US" sz="2200" dirty="0">
                 <a:solidFill>
                   <a:srgbClr val="098658"/>
                 </a:solidFill>
-                <a:effectLst/>
-                <a:latin typeface="Consolas" panose="020B0609020204030204" pitchFamily="49" charset="0"/>
-                <a:cs typeface="Consolas" panose="020B0609020204030204" pitchFamily="49" charset="0"/>
-              </a:rPr>
-              <a:t>3</a:t>
-            </a:r>
-            <a:r>
-              <a:rPr lang="en-US" sz="2200" b="0" dirty="0">
+                <a:latin typeface="Consolas" panose="020B0609020204030204" pitchFamily="49" charset="0"/>
+                <a:cs typeface="Consolas" panose="020B0609020204030204" pitchFamily="49" charset="0"/>
+              </a:rPr>
+              <a:t>0</a:t>
+            </a:r>
+            <a:r>
+              <a:rPr lang="en-US" sz="2200" dirty="0">
                 <a:solidFill>
                   <a:srgbClr val="3B3B3B"/>
                 </a:solidFill>
-                <a:effectLst/>
-                <a:latin typeface="Consolas" panose="020B0609020204030204" pitchFamily="49" charset="0"/>
-                <a:cs typeface="Consolas" panose="020B0609020204030204" pitchFamily="49" charset="0"/>
-              </a:rPr>
-              <a:t>;</a:t>
+                <a:latin typeface="Consolas" panose="020B0609020204030204" pitchFamily="49" charset="0"/>
+                <a:cs typeface="Consolas" panose="020B0609020204030204" pitchFamily="49" charset="0"/>
+              </a:rPr>
+              <a:t>) {</a:t>
             </a:r>
           </a:p>
           <a:p>
@@ -22499,31 +21768,47 @@
                 <a:latin typeface="Consolas" panose="020B0609020204030204" pitchFamily="49" charset="0"/>
                 <a:cs typeface="Consolas" panose="020B0609020204030204" pitchFamily="49" charset="0"/>
               </a:rPr>
+              <a:t>3|</a:t>
+            </a:r>
+            <a:r>
+              <a:rPr lang="en-US" sz="2200" dirty="0">
+                <a:solidFill>
+                  <a:srgbClr val="AF00DB"/>
+                </a:solidFill>
+                <a:latin typeface="Consolas" panose="020B0609020204030204" pitchFamily="49" charset="0"/>
+                <a:cs typeface="Consolas" panose="020B0609020204030204" pitchFamily="49" charset="0"/>
+              </a:rPr>
+              <a:t>     return</a:t>
+            </a:r>
+            <a:r>
+              <a:rPr lang="en-US" sz="2200" dirty="0">
+                <a:solidFill>
+                  <a:srgbClr val="3B3B3B"/>
+                </a:solidFill>
+                <a:latin typeface="Consolas" panose="020B0609020204030204" pitchFamily="49" charset="0"/>
+                <a:cs typeface="Consolas" panose="020B0609020204030204" pitchFamily="49" charset="0"/>
+              </a:rPr>
+              <a:t> </a:t>
+            </a:r>
+            <a:r>
+              <a:rPr lang="en-US" sz="2200" dirty="0">
+                <a:solidFill>
+                  <a:srgbClr val="098658"/>
+                </a:solidFill>
+                <a:latin typeface="Consolas" panose="020B0609020204030204" pitchFamily="49" charset="0"/>
+                <a:cs typeface="Consolas" panose="020B0609020204030204" pitchFamily="49" charset="0"/>
+              </a:rPr>
               <a:t>3</a:t>
             </a:r>
             <a:r>
-              <a:rPr lang="en-US" sz="2200" b="0" dirty="0">
-                <a:solidFill>
-                  <a:schemeClr val="bg2">
-                    <a:lumMod val="90000"/>
-                  </a:schemeClr>
-                </a:solidFill>
-                <a:effectLst/>
-                <a:latin typeface="Consolas" panose="020B0609020204030204" pitchFamily="49" charset="0"/>
-                <a:cs typeface="Consolas" panose="020B0609020204030204" pitchFamily="49" charset="0"/>
-              </a:rPr>
-              <a:t>| </a:t>
-            </a:r>
-            <a:r>
-              <a:rPr lang="en-US" sz="2200" b="0" dirty="0">
+              <a:rPr lang="en-US" sz="2200" dirty="0">
                 <a:solidFill>
                   <a:srgbClr val="3B3B3B"/>
                 </a:solidFill>
-                <a:effectLst/>
-                <a:latin typeface="Consolas" panose="020B0609020204030204" pitchFamily="49" charset="0"/>
-                <a:cs typeface="Consolas" panose="020B0609020204030204" pitchFamily="49" charset="0"/>
-              </a:rPr>
-              <a:t>}</a:t>
+                <a:latin typeface="Consolas" panose="020B0609020204030204" pitchFamily="49" charset="0"/>
+                <a:cs typeface="Consolas" panose="020B0609020204030204" pitchFamily="49" charset="0"/>
+              </a:rPr>
+              <a:t>;</a:t>
             </a:r>
           </a:p>
           <a:p>
@@ -22543,240 +21828,17 @@
                 <a:latin typeface="Consolas" panose="020B0609020204030204" pitchFamily="49" charset="0"/>
                 <a:cs typeface="Consolas" panose="020B0609020204030204" pitchFamily="49" charset="0"/>
               </a:rPr>
-              <a:t>4</a:t>
-            </a:r>
-            <a:r>
-              <a:rPr lang="en-US" sz="2200" b="0" dirty="0">
-                <a:solidFill>
-                  <a:schemeClr val="bg2">
-                    <a:lumMod val="90000"/>
-                  </a:schemeClr>
-                </a:solidFill>
-                <a:effectLst/>
-                <a:latin typeface="Consolas" panose="020B0609020204030204" pitchFamily="49" charset="0"/>
-                <a:cs typeface="Consolas" panose="020B0609020204030204" pitchFamily="49" charset="0"/>
-              </a:rPr>
-              <a:t>| </a:t>
-            </a:r>
-            <a:r>
-              <a:rPr lang="en-US" sz="2200" b="0" dirty="0">
-                <a:solidFill>
-                  <a:srgbClr val="0000FF"/>
-                </a:solidFill>
-                <a:effectLst/>
-                <a:latin typeface="Consolas" panose="020B0609020204030204" pitchFamily="49" charset="0"/>
-                <a:cs typeface="Consolas" panose="020B0609020204030204" pitchFamily="49" charset="0"/>
-              </a:rPr>
-              <a:t>const</a:t>
-            </a:r>
-            <a:r>
-              <a:rPr lang="en-US" sz="2200" b="0" dirty="0">
+              <a:t>4|   </a:t>
+            </a:r>
+            <a:r>
+              <a:rPr lang="en-US" sz="2200" dirty="0">
                 <a:solidFill>
                   <a:srgbClr val="3B3B3B"/>
                 </a:solidFill>
-                <a:effectLst/>
-                <a:latin typeface="Consolas" panose="020B0609020204030204" pitchFamily="49" charset="0"/>
-                <a:cs typeface="Consolas" panose="020B0609020204030204" pitchFamily="49" charset="0"/>
-              </a:rPr>
-              <a:t> </a:t>
-            </a:r>
-            <a:r>
-              <a:rPr lang="en-US" sz="2200" b="0" dirty="0">
-                <a:solidFill>
-                  <a:srgbClr val="0070C1"/>
-                </a:solidFill>
-                <a:effectLst/>
-                <a:latin typeface="Consolas" panose="020B0609020204030204" pitchFamily="49" charset="0"/>
-                <a:cs typeface="Consolas" panose="020B0609020204030204" pitchFamily="49" charset="0"/>
-              </a:rPr>
-              <a:t>y</a:t>
-            </a:r>
-            <a:r>
-              <a:rPr lang="en-US" sz="2200" b="0" dirty="0">
-                <a:solidFill>
-                  <a:srgbClr val="3B3B3B"/>
-                </a:solidFill>
-                <a:effectLst/>
-                <a:latin typeface="Consolas" panose="020B0609020204030204" pitchFamily="49" charset="0"/>
-                <a:cs typeface="Consolas" panose="020B0609020204030204" pitchFamily="49" charset="0"/>
-              </a:rPr>
-              <a:t> </a:t>
-            </a:r>
-            <a:r>
-              <a:rPr lang="en-US" sz="2200" b="0" dirty="0">
-                <a:solidFill>
-                  <a:srgbClr val="000000"/>
-                </a:solidFill>
-                <a:effectLst/>
-                <a:latin typeface="Consolas" panose="020B0609020204030204" pitchFamily="49" charset="0"/>
-                <a:cs typeface="Consolas" panose="020B0609020204030204" pitchFamily="49" charset="0"/>
-              </a:rPr>
-              <a:t>=</a:t>
-            </a:r>
-            <a:r>
-              <a:rPr lang="en-US" sz="2200" b="0" dirty="0">
-                <a:solidFill>
-                  <a:srgbClr val="3B3B3B"/>
-                </a:solidFill>
-                <a:effectLst/>
-                <a:latin typeface="Consolas" panose="020B0609020204030204" pitchFamily="49" charset="0"/>
-                <a:cs typeface="Consolas" panose="020B0609020204030204" pitchFamily="49" charset="0"/>
-              </a:rPr>
-              <a:t> </a:t>
-            </a:r>
-            <a:r>
-              <a:rPr lang="en-US" sz="2200" b="0" dirty="0">
-                <a:solidFill>
-                  <a:srgbClr val="0070C1"/>
-                </a:solidFill>
-                <a:effectLst/>
-                <a:latin typeface="Consolas" panose="020B0609020204030204" pitchFamily="49" charset="0"/>
-                <a:cs typeface="Consolas" panose="020B0609020204030204" pitchFamily="49" charset="0"/>
-              </a:rPr>
-              <a:t>x</a:t>
-            </a:r>
-            <a:r>
-              <a:rPr lang="en-US" sz="2200" b="0" dirty="0">
-                <a:solidFill>
-                  <a:srgbClr val="3B3B3B"/>
-                </a:solidFill>
-                <a:effectLst/>
-                <a:latin typeface="Consolas" panose="020B0609020204030204" pitchFamily="49" charset="0"/>
-                <a:cs typeface="Consolas" panose="020B0609020204030204" pitchFamily="49" charset="0"/>
-              </a:rPr>
-              <a:t> </a:t>
-            </a:r>
-            <a:r>
-              <a:rPr lang="en-US" sz="2200" b="0" dirty="0">
-                <a:solidFill>
-                  <a:srgbClr val="000000"/>
-                </a:solidFill>
-                <a:effectLst/>
-                <a:latin typeface="Consolas" panose="020B0609020204030204" pitchFamily="49" charset="0"/>
-                <a:cs typeface="Consolas" panose="020B0609020204030204" pitchFamily="49" charset="0"/>
-              </a:rPr>
-              <a:t>&gt;</a:t>
-            </a:r>
-            <a:r>
-              <a:rPr lang="en-US" sz="2200" b="0" dirty="0">
-                <a:solidFill>
-                  <a:srgbClr val="3B3B3B"/>
-                </a:solidFill>
-                <a:effectLst/>
-                <a:latin typeface="Consolas" panose="020B0609020204030204" pitchFamily="49" charset="0"/>
-                <a:cs typeface="Consolas" panose="020B0609020204030204" pitchFamily="49" charset="0"/>
-              </a:rPr>
-              <a:t> </a:t>
-            </a:r>
-            <a:r>
-              <a:rPr lang="en-US" sz="2200" b="0" dirty="0">
-                <a:solidFill>
-                  <a:srgbClr val="098658"/>
-                </a:solidFill>
-                <a:effectLst/>
-                <a:latin typeface="Consolas" panose="020B0609020204030204" pitchFamily="49" charset="0"/>
-                <a:cs typeface="Consolas" panose="020B0609020204030204" pitchFamily="49" charset="0"/>
-              </a:rPr>
-              <a:t>4</a:t>
-            </a:r>
-            <a:r>
-              <a:rPr lang="en-US" sz="2200" b="0" dirty="0">
-                <a:solidFill>
-                  <a:srgbClr val="3B3B3B"/>
-                </a:solidFill>
-                <a:effectLst/>
-                <a:latin typeface="Consolas" panose="020B0609020204030204" pitchFamily="49" charset="0"/>
-                <a:cs typeface="Consolas" panose="020B0609020204030204" pitchFamily="49" charset="0"/>
-              </a:rPr>
-              <a:t> </a:t>
-            </a:r>
-            <a:r>
-              <a:rPr lang="en-US" sz="2200" b="0" dirty="0">
-                <a:solidFill>
-                  <a:srgbClr val="000000"/>
-                </a:solidFill>
-                <a:effectLst/>
-                <a:latin typeface="Consolas" panose="020B0609020204030204" pitchFamily="49" charset="0"/>
-                <a:cs typeface="Consolas" panose="020B0609020204030204" pitchFamily="49" charset="0"/>
-              </a:rPr>
-              <a:t>?</a:t>
-            </a:r>
-            <a:r>
-              <a:rPr lang="en-US" sz="2200" b="0" dirty="0">
-                <a:solidFill>
-                  <a:srgbClr val="3B3B3B"/>
-                </a:solidFill>
-                <a:effectLst/>
-                <a:latin typeface="Consolas" panose="020B0609020204030204" pitchFamily="49" charset="0"/>
-                <a:cs typeface="Consolas" panose="020B0609020204030204" pitchFamily="49" charset="0"/>
-              </a:rPr>
-              <a:t> </a:t>
-            </a:r>
-            <a:r>
-              <a:rPr lang="en-US" sz="2200" b="0" dirty="0">
-                <a:solidFill>
-                  <a:srgbClr val="098658"/>
-                </a:solidFill>
-                <a:effectLst/>
-                <a:latin typeface="Consolas" panose="020B0609020204030204" pitchFamily="49" charset="0"/>
-                <a:cs typeface="Consolas" panose="020B0609020204030204" pitchFamily="49" charset="0"/>
-              </a:rPr>
-              <a:t>2</a:t>
-            </a:r>
-            <a:r>
-              <a:rPr lang="en-US" sz="2200" b="0" dirty="0">
-                <a:solidFill>
-                  <a:srgbClr val="3B3B3B"/>
-                </a:solidFill>
-                <a:effectLst/>
-                <a:latin typeface="Consolas" panose="020B0609020204030204" pitchFamily="49" charset="0"/>
-                <a:cs typeface="Consolas" panose="020B0609020204030204" pitchFamily="49" charset="0"/>
-              </a:rPr>
-              <a:t> </a:t>
-            </a:r>
-            <a:r>
-              <a:rPr lang="en-US" sz="2200" b="0" dirty="0">
-                <a:solidFill>
-                  <a:srgbClr val="000000"/>
-                </a:solidFill>
-                <a:effectLst/>
-                <a:latin typeface="Consolas" panose="020B0609020204030204" pitchFamily="49" charset="0"/>
-                <a:cs typeface="Consolas" panose="020B0609020204030204" pitchFamily="49" charset="0"/>
-              </a:rPr>
-              <a:t>:</a:t>
-            </a:r>
-            <a:r>
-              <a:rPr lang="en-US" sz="2200" b="0" dirty="0">
-                <a:solidFill>
-                  <a:srgbClr val="3B3B3B"/>
-                </a:solidFill>
-                <a:effectLst/>
-                <a:latin typeface="Consolas" panose="020B0609020204030204" pitchFamily="49" charset="0"/>
-                <a:cs typeface="Consolas" panose="020B0609020204030204" pitchFamily="49" charset="0"/>
-              </a:rPr>
-              <a:t> </a:t>
-            </a:r>
-            <a:r>
-              <a:rPr lang="en-US" sz="2200" b="0" dirty="0">
-                <a:solidFill>
-                  <a:srgbClr val="098658"/>
-                </a:solidFill>
-                <a:effectLst/>
-                <a:latin typeface="Consolas" panose="020B0609020204030204" pitchFamily="49" charset="0"/>
-                <a:cs typeface="Consolas" panose="020B0609020204030204" pitchFamily="49" charset="0"/>
-              </a:rPr>
-              <a:t>3</a:t>
-            </a:r>
-            <a:r>
-              <a:rPr lang="en-US" sz="2200" b="0" dirty="0">
-                <a:solidFill>
-                  <a:srgbClr val="3B3B3B"/>
-                </a:solidFill>
-                <a:effectLst/>
-                <a:latin typeface="Consolas" panose="020B0609020204030204" pitchFamily="49" charset="0"/>
-                <a:cs typeface="Consolas" panose="020B0609020204030204" pitchFamily="49" charset="0"/>
-              </a:rPr>
-              <a:t>;</a:t>
+                <a:latin typeface="Consolas" panose="020B0609020204030204" pitchFamily="49" charset="0"/>
+                <a:cs typeface="Consolas" panose="020B0609020204030204" pitchFamily="49" charset="0"/>
+              </a:rPr>
+              <a:t>}</a:t>
             </a:r>
           </a:p>
           <a:p>
@@ -22796,214 +21858,403 @@
                 <a:latin typeface="Consolas" panose="020B0609020204030204" pitchFamily="49" charset="0"/>
                 <a:cs typeface="Consolas" panose="020B0609020204030204" pitchFamily="49" charset="0"/>
               </a:rPr>
-              <a:t>5</a:t>
-            </a:r>
-            <a:r>
-              <a:rPr lang="en-US" sz="2200" b="0" dirty="0">
+              <a:t>5|   </a:t>
+            </a:r>
+            <a:r>
+              <a:rPr lang="en-US" sz="2200" dirty="0">
+                <a:solidFill>
+                  <a:srgbClr val="0000FF"/>
+                </a:solidFill>
+                <a:latin typeface="Consolas" panose="020B0609020204030204" pitchFamily="49" charset="0"/>
+                <a:cs typeface="Consolas" panose="020B0609020204030204" pitchFamily="49" charset="0"/>
+              </a:rPr>
+              <a:t>const</a:t>
+            </a:r>
+            <a:r>
+              <a:rPr lang="en-US" sz="2200" dirty="0">
+                <a:solidFill>
+                  <a:srgbClr val="3B3B3B"/>
+                </a:solidFill>
+                <a:latin typeface="Consolas" panose="020B0609020204030204" pitchFamily="49" charset="0"/>
+                <a:cs typeface="Consolas" panose="020B0609020204030204" pitchFamily="49" charset="0"/>
+              </a:rPr>
+              <a:t> </a:t>
+            </a:r>
+            <a:r>
+              <a:rPr lang="en-US" sz="2200" dirty="0">
+                <a:solidFill>
+                  <a:srgbClr val="0070C1"/>
+                </a:solidFill>
+                <a:latin typeface="Consolas" panose="020B0609020204030204" pitchFamily="49" charset="0"/>
+                <a:cs typeface="Consolas" panose="020B0609020204030204" pitchFamily="49" charset="0"/>
+              </a:rPr>
+              <a:t>y</a:t>
+            </a:r>
+            <a:r>
+              <a:rPr lang="en-US" sz="2200" dirty="0">
+                <a:solidFill>
+                  <a:srgbClr val="3B3B3B"/>
+                </a:solidFill>
+                <a:latin typeface="Consolas" panose="020B0609020204030204" pitchFamily="49" charset="0"/>
+                <a:cs typeface="Consolas" panose="020B0609020204030204" pitchFamily="49" charset="0"/>
+              </a:rPr>
+              <a:t> </a:t>
+            </a:r>
+            <a:r>
+              <a:rPr lang="en-US" sz="2200" dirty="0">
+                <a:solidFill>
+                  <a:srgbClr val="000000"/>
+                </a:solidFill>
+                <a:latin typeface="Consolas" panose="020B0609020204030204" pitchFamily="49" charset="0"/>
+                <a:cs typeface="Consolas" panose="020B0609020204030204" pitchFamily="49" charset="0"/>
+              </a:rPr>
+              <a:t>=</a:t>
+            </a:r>
+            <a:r>
+              <a:rPr lang="en-US" sz="2200" dirty="0">
+                <a:solidFill>
+                  <a:srgbClr val="3B3B3B"/>
+                </a:solidFill>
+                <a:latin typeface="Consolas" panose="020B0609020204030204" pitchFamily="49" charset="0"/>
+                <a:cs typeface="Consolas" panose="020B0609020204030204" pitchFamily="49" charset="0"/>
+              </a:rPr>
+              <a:t> </a:t>
+            </a:r>
+            <a:r>
+              <a:rPr lang="en-US" sz="2200" dirty="0">
+                <a:solidFill>
+                  <a:srgbClr val="0070C1"/>
+                </a:solidFill>
+                <a:latin typeface="Consolas" panose="020B0609020204030204" pitchFamily="49" charset="0"/>
+                <a:cs typeface="Consolas" panose="020B0609020204030204" pitchFamily="49" charset="0"/>
+              </a:rPr>
+              <a:t>x</a:t>
+            </a:r>
+            <a:r>
+              <a:rPr lang="en-US" sz="2200" dirty="0">
+                <a:solidFill>
+                  <a:srgbClr val="3B3B3B"/>
+                </a:solidFill>
+                <a:latin typeface="Consolas" panose="020B0609020204030204" pitchFamily="49" charset="0"/>
+                <a:cs typeface="Consolas" panose="020B0609020204030204" pitchFamily="49" charset="0"/>
+              </a:rPr>
+              <a:t> </a:t>
+            </a:r>
+            <a:r>
+              <a:rPr lang="en-US" sz="2200" dirty="0">
+                <a:solidFill>
+                  <a:srgbClr val="000000"/>
+                </a:solidFill>
+                <a:latin typeface="Consolas" panose="020B0609020204030204" pitchFamily="49" charset="0"/>
+                <a:cs typeface="Consolas" panose="020B0609020204030204" pitchFamily="49" charset="0"/>
+              </a:rPr>
+              <a:t>&gt;</a:t>
+            </a:r>
+            <a:r>
+              <a:rPr lang="en-US" sz="2200" dirty="0">
+                <a:solidFill>
+                  <a:srgbClr val="3B3B3B"/>
+                </a:solidFill>
+                <a:latin typeface="Consolas" panose="020B0609020204030204" pitchFamily="49" charset="0"/>
+                <a:cs typeface="Consolas" panose="020B0609020204030204" pitchFamily="49" charset="0"/>
+              </a:rPr>
+              <a:t> </a:t>
+            </a:r>
+            <a:r>
+              <a:rPr lang="en-US" sz="2200" dirty="0">
+                <a:solidFill>
+                  <a:srgbClr val="098658"/>
+                </a:solidFill>
+                <a:latin typeface="Consolas" panose="020B0609020204030204" pitchFamily="49" charset="0"/>
+                <a:cs typeface="Consolas" panose="020B0609020204030204" pitchFamily="49" charset="0"/>
+              </a:rPr>
+              <a:t>4</a:t>
+            </a:r>
+            <a:r>
+              <a:rPr lang="en-US" sz="2200" dirty="0">
+                <a:solidFill>
+                  <a:srgbClr val="3B3B3B"/>
+                </a:solidFill>
+                <a:latin typeface="Consolas" panose="020B0609020204030204" pitchFamily="49" charset="0"/>
+                <a:cs typeface="Consolas" panose="020B0609020204030204" pitchFamily="49" charset="0"/>
+              </a:rPr>
+              <a:t> </a:t>
+            </a:r>
+            <a:r>
+              <a:rPr lang="en-US" sz="2200" dirty="0">
+                <a:solidFill>
+                  <a:srgbClr val="000000"/>
+                </a:solidFill>
+                <a:latin typeface="Consolas" panose="020B0609020204030204" pitchFamily="49" charset="0"/>
+                <a:cs typeface="Consolas" panose="020B0609020204030204" pitchFamily="49" charset="0"/>
+              </a:rPr>
+              <a:t>?</a:t>
+            </a:r>
+            <a:r>
+              <a:rPr lang="en-US" sz="2200" dirty="0">
+                <a:solidFill>
+                  <a:srgbClr val="3B3B3B"/>
+                </a:solidFill>
+                <a:latin typeface="Consolas" panose="020B0609020204030204" pitchFamily="49" charset="0"/>
+                <a:cs typeface="Consolas" panose="020B0609020204030204" pitchFamily="49" charset="0"/>
+              </a:rPr>
+              <a:t> </a:t>
+            </a:r>
+            <a:r>
+              <a:rPr lang="en-US" sz="2200" dirty="0">
+                <a:solidFill>
+                  <a:srgbClr val="098658"/>
+                </a:solidFill>
+                <a:latin typeface="Consolas" panose="020B0609020204030204" pitchFamily="49" charset="0"/>
+                <a:cs typeface="Consolas" panose="020B0609020204030204" pitchFamily="49" charset="0"/>
+              </a:rPr>
+              <a:t>2</a:t>
+            </a:r>
+            <a:r>
+              <a:rPr lang="en-US" sz="2200" dirty="0">
+                <a:solidFill>
+                  <a:srgbClr val="3B3B3B"/>
+                </a:solidFill>
+                <a:latin typeface="Consolas" panose="020B0609020204030204" pitchFamily="49" charset="0"/>
+                <a:cs typeface="Consolas" panose="020B0609020204030204" pitchFamily="49" charset="0"/>
+              </a:rPr>
+              <a:t> </a:t>
+            </a:r>
+            <a:r>
+              <a:rPr lang="en-US" sz="2200" dirty="0">
+                <a:solidFill>
+                  <a:srgbClr val="000000"/>
+                </a:solidFill>
+                <a:latin typeface="Consolas" panose="020B0609020204030204" pitchFamily="49" charset="0"/>
+                <a:cs typeface="Consolas" panose="020B0609020204030204" pitchFamily="49" charset="0"/>
+              </a:rPr>
+              <a:t>:</a:t>
+            </a:r>
+            <a:r>
+              <a:rPr lang="en-US" sz="2200" dirty="0">
+                <a:solidFill>
+                  <a:srgbClr val="3B3B3B"/>
+                </a:solidFill>
+                <a:latin typeface="Consolas" panose="020B0609020204030204" pitchFamily="49" charset="0"/>
+                <a:cs typeface="Consolas" panose="020B0609020204030204" pitchFamily="49" charset="0"/>
+              </a:rPr>
+              <a:t> </a:t>
+            </a:r>
+            <a:r>
+              <a:rPr lang="en-US" sz="2200" dirty="0">
+                <a:solidFill>
+                  <a:srgbClr val="098658"/>
+                </a:solidFill>
+                <a:latin typeface="Consolas" panose="020B0609020204030204" pitchFamily="49" charset="0"/>
+                <a:cs typeface="Consolas" panose="020B0609020204030204" pitchFamily="49" charset="0"/>
+              </a:rPr>
+              <a:t>3</a:t>
+            </a:r>
+            <a:r>
+              <a:rPr lang="en-US" sz="2200" dirty="0">
+                <a:solidFill>
+                  <a:srgbClr val="3B3B3B"/>
+                </a:solidFill>
+                <a:latin typeface="Consolas" panose="020B0609020204030204" pitchFamily="49" charset="0"/>
+                <a:cs typeface="Consolas" panose="020B0609020204030204" pitchFamily="49" charset="0"/>
+              </a:rPr>
+              <a:t>;</a:t>
+            </a:r>
+          </a:p>
+          <a:p>
+            <a:pPr>
+              <a:lnSpc>
+                <a:spcPct val="110000"/>
+              </a:lnSpc>
+              <a:buNone/>
+            </a:pPr>
+            <a:r>
+              <a:rPr lang="en-US" sz="2200" dirty="0">
                 <a:solidFill>
                   <a:schemeClr val="bg2">
                     <a:lumMod val="90000"/>
                   </a:schemeClr>
                 </a:solidFill>
-                <a:effectLst/>
-                <a:latin typeface="Consolas" panose="020B0609020204030204" pitchFamily="49" charset="0"/>
-                <a:cs typeface="Consolas" panose="020B0609020204030204" pitchFamily="49" charset="0"/>
-              </a:rPr>
-              <a:t>| </a:t>
-            </a:r>
-            <a:r>
-              <a:rPr lang="en-US" sz="2200" b="0" dirty="0">
+                <a:latin typeface="Consolas" panose="020B0609020204030204" pitchFamily="49" charset="0"/>
+                <a:cs typeface="Consolas" panose="020B0609020204030204" pitchFamily="49" charset="0"/>
+              </a:rPr>
+              <a:t>6|   </a:t>
+            </a:r>
+            <a:r>
+              <a:rPr lang="en-US" sz="2200" dirty="0">
                 <a:solidFill>
                   <a:srgbClr val="0000FF"/>
                 </a:solidFill>
-                <a:effectLst/>
                 <a:latin typeface="Consolas" panose="020B0609020204030204" pitchFamily="49" charset="0"/>
                 <a:cs typeface="Consolas" panose="020B0609020204030204" pitchFamily="49" charset="0"/>
               </a:rPr>
               <a:t>const</a:t>
             </a:r>
             <a:r>
-              <a:rPr lang="en-US" sz="2200" b="0" dirty="0">
+              <a:rPr lang="en-US" sz="2200" dirty="0">
                 <a:solidFill>
                   <a:srgbClr val="3B3B3B"/>
                 </a:solidFill>
-                <a:effectLst/>
                 <a:latin typeface="Consolas" panose="020B0609020204030204" pitchFamily="49" charset="0"/>
                 <a:cs typeface="Consolas" panose="020B0609020204030204" pitchFamily="49" charset="0"/>
               </a:rPr>
               <a:t> </a:t>
             </a:r>
             <a:r>
-              <a:rPr lang="en-US" sz="2200" b="0" dirty="0">
+              <a:rPr lang="en-US" sz="2200" dirty="0">
                 <a:solidFill>
                   <a:srgbClr val="0070C1"/>
                 </a:solidFill>
-                <a:effectLst/>
                 <a:latin typeface="Consolas" panose="020B0609020204030204" pitchFamily="49" charset="0"/>
                 <a:cs typeface="Consolas" panose="020B0609020204030204" pitchFamily="49" charset="0"/>
               </a:rPr>
               <a:t>z</a:t>
             </a:r>
             <a:r>
-              <a:rPr lang="en-US" sz="2200" b="0" dirty="0">
+              <a:rPr lang="en-US" sz="2200" dirty="0">
                 <a:solidFill>
                   <a:srgbClr val="3B3B3B"/>
                 </a:solidFill>
-                <a:effectLst/>
                 <a:latin typeface="Consolas" panose="020B0609020204030204" pitchFamily="49" charset="0"/>
                 <a:cs typeface="Consolas" panose="020B0609020204030204" pitchFamily="49" charset="0"/>
               </a:rPr>
               <a:t> </a:t>
             </a:r>
             <a:r>
-              <a:rPr lang="en-US" sz="2200" b="0" dirty="0">
+              <a:rPr lang="en-US" sz="2200" dirty="0">
                 <a:solidFill>
                   <a:srgbClr val="000000"/>
                 </a:solidFill>
-                <a:effectLst/>
                 <a:latin typeface="Consolas" panose="020B0609020204030204" pitchFamily="49" charset="0"/>
                 <a:cs typeface="Consolas" panose="020B0609020204030204" pitchFamily="49" charset="0"/>
               </a:rPr>
               <a:t>=</a:t>
             </a:r>
             <a:r>
-              <a:rPr lang="en-US" sz="2200" b="0" dirty="0">
+              <a:rPr lang="en-US" sz="2200" dirty="0">
                 <a:solidFill>
                   <a:srgbClr val="3B3B3B"/>
                 </a:solidFill>
-                <a:effectLst/>
                 <a:latin typeface="Consolas" panose="020B0609020204030204" pitchFamily="49" charset="0"/>
                 <a:cs typeface="Consolas" panose="020B0609020204030204" pitchFamily="49" charset="0"/>
               </a:rPr>
               <a:t> </a:t>
             </a:r>
             <a:r>
-              <a:rPr lang="en-US" sz="2200" b="0" dirty="0">
+              <a:rPr lang="en-US" sz="2200" dirty="0">
                 <a:solidFill>
                   <a:srgbClr val="0070C1"/>
                 </a:solidFill>
-                <a:effectLst/>
                 <a:latin typeface="Consolas" panose="020B0609020204030204" pitchFamily="49" charset="0"/>
                 <a:cs typeface="Consolas" panose="020B0609020204030204" pitchFamily="49" charset="0"/>
               </a:rPr>
               <a:t>x</a:t>
             </a:r>
             <a:r>
-              <a:rPr lang="en-US" sz="2200" b="0" dirty="0">
+              <a:rPr lang="en-US" sz="2200" dirty="0">
                 <a:solidFill>
                   <a:srgbClr val="3B3B3B"/>
                 </a:solidFill>
-                <a:effectLst/>
                 <a:latin typeface="Consolas" panose="020B0609020204030204" pitchFamily="49" charset="0"/>
                 <a:cs typeface="Consolas" panose="020B0609020204030204" pitchFamily="49" charset="0"/>
               </a:rPr>
               <a:t> </a:t>
             </a:r>
             <a:r>
-              <a:rPr lang="en-US" sz="2200" b="0" dirty="0">
+              <a:rPr lang="en-US" sz="2200" dirty="0">
                 <a:solidFill>
                   <a:srgbClr val="000000"/>
                 </a:solidFill>
-                <a:effectLst/>
                 <a:latin typeface="Consolas" panose="020B0609020204030204" pitchFamily="49" charset="0"/>
                 <a:cs typeface="Consolas" panose="020B0609020204030204" pitchFamily="49" charset="0"/>
               </a:rPr>
               <a:t>%</a:t>
             </a:r>
             <a:r>
-              <a:rPr lang="en-US" sz="2200" b="0" dirty="0">
+              <a:rPr lang="en-US" sz="2200" dirty="0">
                 <a:solidFill>
                   <a:srgbClr val="3B3B3B"/>
                 </a:solidFill>
-                <a:effectLst/>
                 <a:latin typeface="Consolas" panose="020B0609020204030204" pitchFamily="49" charset="0"/>
                 <a:cs typeface="Consolas" panose="020B0609020204030204" pitchFamily="49" charset="0"/>
               </a:rPr>
               <a:t> </a:t>
             </a:r>
             <a:r>
-              <a:rPr lang="en-US" sz="2200" b="0" dirty="0">
+              <a:rPr lang="en-US" sz="2200" dirty="0">
                 <a:solidFill>
                   <a:srgbClr val="098658"/>
                 </a:solidFill>
-                <a:effectLst/>
                 <a:latin typeface="Consolas" panose="020B0609020204030204" pitchFamily="49" charset="0"/>
                 <a:cs typeface="Consolas" panose="020B0609020204030204" pitchFamily="49" charset="0"/>
               </a:rPr>
               <a:t>2</a:t>
             </a:r>
             <a:r>
-              <a:rPr lang="en-US" sz="2200" b="0" dirty="0">
+              <a:rPr lang="en-US" sz="2200" dirty="0">
                 <a:solidFill>
                   <a:srgbClr val="3B3B3B"/>
                 </a:solidFill>
-                <a:effectLst/>
                 <a:latin typeface="Consolas" panose="020B0609020204030204" pitchFamily="49" charset="0"/>
                 <a:cs typeface="Consolas" panose="020B0609020204030204" pitchFamily="49" charset="0"/>
               </a:rPr>
               <a:t> </a:t>
             </a:r>
             <a:r>
-              <a:rPr lang="en-US" sz="2200" b="0" dirty="0">
+              <a:rPr lang="en-US" sz="2200" dirty="0">
                 <a:solidFill>
                   <a:srgbClr val="000000"/>
                 </a:solidFill>
-                <a:effectLst/>
-                <a:latin typeface="Consolas" panose="020B0609020204030204" pitchFamily="49" charset="0"/>
-                <a:cs typeface="Consolas" panose="020B0609020204030204" pitchFamily="49" charset="0"/>
-              </a:rPr>
-              <a:t>==</a:t>
-            </a:r>
-            <a:r>
-              <a:rPr lang="en-US" sz="2200" b="0" dirty="0">
+                <a:latin typeface="Consolas" panose="020B0609020204030204" pitchFamily="49" charset="0"/>
+                <a:cs typeface="Consolas" panose="020B0609020204030204" pitchFamily="49" charset="0"/>
+              </a:rPr>
+              <a:t>===</a:t>
+            </a:r>
+            <a:r>
+              <a:rPr lang="en-US" sz="2200" dirty="0">
                 <a:solidFill>
                   <a:srgbClr val="3B3B3B"/>
                 </a:solidFill>
-                <a:effectLst/>
                 <a:latin typeface="Consolas" panose="020B0609020204030204" pitchFamily="49" charset="0"/>
                 <a:cs typeface="Consolas" panose="020B0609020204030204" pitchFamily="49" charset="0"/>
               </a:rPr>
               <a:t> </a:t>
             </a:r>
             <a:r>
-              <a:rPr lang="en-US" sz="2200" b="0" dirty="0">
+              <a:rPr lang="en-US" sz="2200" dirty="0">
                 <a:solidFill>
                   <a:srgbClr val="098658"/>
                 </a:solidFill>
-                <a:effectLst/>
                 <a:latin typeface="Consolas" panose="020B0609020204030204" pitchFamily="49" charset="0"/>
                 <a:cs typeface="Consolas" panose="020B0609020204030204" pitchFamily="49" charset="0"/>
               </a:rPr>
               <a:t>0</a:t>
             </a:r>
             <a:r>
-              <a:rPr lang="en-US" sz="2200" b="0" dirty="0">
+              <a:rPr lang="en-US" sz="2200" dirty="0">
                 <a:solidFill>
                   <a:srgbClr val="3B3B3B"/>
                 </a:solidFill>
-                <a:effectLst/>
                 <a:latin typeface="Consolas" panose="020B0609020204030204" pitchFamily="49" charset="0"/>
                 <a:cs typeface="Consolas" panose="020B0609020204030204" pitchFamily="49" charset="0"/>
               </a:rPr>
               <a:t> </a:t>
             </a:r>
             <a:r>
-              <a:rPr lang="en-US" sz="2200" b="0" dirty="0">
+              <a:rPr lang="en-US" sz="2200" dirty="0">
                 <a:solidFill>
                   <a:srgbClr val="000000"/>
                 </a:solidFill>
-                <a:effectLst/>
                 <a:latin typeface="Consolas" panose="020B0609020204030204" pitchFamily="49" charset="0"/>
                 <a:cs typeface="Consolas" panose="020B0609020204030204" pitchFamily="49" charset="0"/>
               </a:rPr>
               <a:t>?</a:t>
             </a:r>
             <a:r>
-              <a:rPr lang="en-US" sz="2200" b="0" dirty="0">
+              <a:rPr lang="en-US" sz="2200" dirty="0">
                 <a:solidFill>
                   <a:srgbClr val="3B3B3B"/>
                 </a:solidFill>
-                <a:effectLst/>
                 <a:latin typeface="Consolas" panose="020B0609020204030204" pitchFamily="49" charset="0"/>
                 <a:cs typeface="Consolas" panose="020B0609020204030204" pitchFamily="49" charset="0"/>
               </a:rPr>
@@ -23020,33 +22271,30 @@
               <a:t>1</a:t>
             </a:r>
             <a:r>
-              <a:rPr lang="en-US" sz="2200" b="0" dirty="0">
+              <a:rPr lang="en-US" sz="2200" dirty="0">
                 <a:solidFill>
                   <a:srgbClr val="3B3B3B"/>
                 </a:solidFill>
-                <a:effectLst/>
                 <a:latin typeface="Consolas" panose="020B0609020204030204" pitchFamily="49" charset="0"/>
                 <a:cs typeface="Consolas" panose="020B0609020204030204" pitchFamily="49" charset="0"/>
               </a:rPr>
               <a:t> </a:t>
             </a:r>
             <a:r>
-              <a:rPr lang="en-US" sz="2200" b="0" dirty="0">
+              <a:rPr lang="en-US" sz="2200" dirty="0">
                 <a:solidFill>
                   <a:srgbClr val="000000"/>
                 </a:solidFill>
-                <a:effectLst/>
                 <a:latin typeface="Consolas" panose="020B0609020204030204" pitchFamily="49" charset="0"/>
                 <a:cs typeface="Consolas" panose="020B0609020204030204" pitchFamily="49" charset="0"/>
               </a:rPr>
               <a:t>:</a:t>
             </a:r>
             <a:r>
-              <a:rPr lang="en-US" sz="2200" b="0" dirty="0">
+              <a:rPr lang="en-US" sz="2200" dirty="0">
                 <a:solidFill>
                   <a:srgbClr val="3B3B3B"/>
                 </a:solidFill>
-                <a:effectLst/>
                 <a:latin typeface="Consolas" panose="020B0609020204030204" pitchFamily="49" charset="0"/>
                 <a:cs typeface="Consolas" panose="020B0609020204030204" pitchFamily="49" charset="0"/>
               </a:rPr>
@@ -23063,11 +22311,10 @@
               <a:t>2</a:t>
             </a:r>
             <a:r>
-              <a:rPr lang="en-US" sz="2200" b="0" dirty="0">
+              <a:rPr lang="en-US" sz="2200" dirty="0">
                 <a:solidFill>
                   <a:srgbClr val="3B3B3B"/>
                 </a:solidFill>
-                <a:effectLst/>
                 <a:latin typeface="Consolas" panose="020B0609020204030204" pitchFamily="49" charset="0"/>
                 <a:cs typeface="Consolas" panose="020B0609020204030204" pitchFamily="49" charset="0"/>
               </a:rPr>
@@ -23090,152 +22337,156 @@
                 <a:latin typeface="Consolas" panose="020B0609020204030204" pitchFamily="49" charset="0"/>
                 <a:cs typeface="Consolas" panose="020B0609020204030204" pitchFamily="49" charset="0"/>
               </a:rPr>
-              <a:t>6</a:t>
-            </a:r>
-            <a:r>
-              <a:rPr lang="en-US" sz="2200" b="0" dirty="0">
+              <a:t>7|   </a:t>
+            </a:r>
+            <a:r>
+              <a:rPr lang="en-US" sz="2200" dirty="0">
+                <a:solidFill>
+                  <a:srgbClr val="AF00DB"/>
+                </a:solidFill>
+                <a:latin typeface="Consolas" panose="020B0609020204030204" pitchFamily="49" charset="0"/>
+                <a:cs typeface="Consolas" panose="020B0609020204030204" pitchFamily="49" charset="0"/>
+              </a:rPr>
+              <a:t>return</a:t>
+            </a:r>
+            <a:r>
+              <a:rPr lang="en-US" sz="2200" dirty="0">
+                <a:solidFill>
+                  <a:srgbClr val="3B3B3B"/>
+                </a:solidFill>
+                <a:latin typeface="Consolas" panose="020B0609020204030204" pitchFamily="49" charset="0"/>
+                <a:cs typeface="Consolas" panose="020B0609020204030204" pitchFamily="49" charset="0"/>
+              </a:rPr>
+              <a:t> </a:t>
+            </a:r>
+            <a:r>
+              <a:rPr lang="en-US" sz="2200" dirty="0">
+                <a:solidFill>
+                  <a:srgbClr val="0070C1"/>
+                </a:solidFill>
+                <a:latin typeface="Consolas" panose="020B0609020204030204" pitchFamily="49" charset="0"/>
+                <a:cs typeface="Consolas" panose="020B0609020204030204" pitchFamily="49" charset="0"/>
+              </a:rPr>
+              <a:t>x</a:t>
+            </a:r>
+            <a:r>
+              <a:rPr lang="en-US" sz="2200" dirty="0">
+                <a:solidFill>
+                  <a:srgbClr val="3B3B3B"/>
+                </a:solidFill>
+                <a:latin typeface="Consolas" panose="020B0609020204030204" pitchFamily="49" charset="0"/>
+                <a:cs typeface="Consolas" panose="020B0609020204030204" pitchFamily="49" charset="0"/>
+              </a:rPr>
+              <a:t> </a:t>
+            </a:r>
+            <a:r>
+              <a:rPr lang="en-US" sz="2200" dirty="0">
+                <a:solidFill>
+                  <a:srgbClr val="000000"/>
+                </a:solidFill>
+                <a:latin typeface="Consolas" panose="020B0609020204030204" pitchFamily="49" charset="0"/>
+                <a:cs typeface="Consolas" panose="020B0609020204030204" pitchFamily="49" charset="0"/>
+              </a:rPr>
+              <a:t>/</a:t>
+            </a:r>
+            <a:r>
+              <a:rPr lang="en-US" sz="2200" dirty="0">
+                <a:solidFill>
+                  <a:srgbClr val="3B3B3B"/>
+                </a:solidFill>
+                <a:latin typeface="Consolas" panose="020B0609020204030204" pitchFamily="49" charset="0"/>
+                <a:cs typeface="Consolas" panose="020B0609020204030204" pitchFamily="49" charset="0"/>
+              </a:rPr>
+              <a:t> (</a:t>
+            </a:r>
+            <a:r>
+              <a:rPr lang="en-US" sz="2200" dirty="0">
+                <a:solidFill>
+                  <a:srgbClr val="0070C1"/>
+                </a:solidFill>
+                <a:latin typeface="Consolas" panose="020B0609020204030204" pitchFamily="49" charset="0"/>
+                <a:cs typeface="Consolas" panose="020B0609020204030204" pitchFamily="49" charset="0"/>
+              </a:rPr>
+              <a:t>y</a:t>
+            </a:r>
+            <a:r>
+              <a:rPr lang="en-US" sz="2200" dirty="0">
+                <a:solidFill>
+                  <a:srgbClr val="3B3B3B"/>
+                </a:solidFill>
+                <a:latin typeface="Consolas" panose="020B0609020204030204" pitchFamily="49" charset="0"/>
+                <a:cs typeface="Consolas" panose="020B0609020204030204" pitchFamily="49" charset="0"/>
+              </a:rPr>
+              <a:t> </a:t>
+            </a:r>
+            <a:r>
+              <a:rPr lang="en-US" sz="2200" dirty="0">
+                <a:solidFill>
+                  <a:srgbClr val="000000"/>
+                </a:solidFill>
+                <a:latin typeface="Consolas" panose="020B0609020204030204" pitchFamily="49" charset="0"/>
+                <a:cs typeface="Consolas" panose="020B0609020204030204" pitchFamily="49" charset="0"/>
+              </a:rPr>
+              <a:t>-</a:t>
+            </a:r>
+            <a:r>
+              <a:rPr lang="en-US" sz="2200" dirty="0">
+                <a:solidFill>
+                  <a:srgbClr val="3B3B3B"/>
+                </a:solidFill>
+                <a:latin typeface="Consolas" panose="020B0609020204030204" pitchFamily="49" charset="0"/>
+                <a:cs typeface="Consolas" panose="020B0609020204030204" pitchFamily="49" charset="0"/>
+              </a:rPr>
+              <a:t> </a:t>
+            </a:r>
+            <a:r>
+              <a:rPr lang="en-US" sz="2200" dirty="0">
+                <a:solidFill>
+                  <a:srgbClr val="0070C1"/>
+                </a:solidFill>
+                <a:latin typeface="Consolas" panose="020B0609020204030204" pitchFamily="49" charset="0"/>
+                <a:cs typeface="Consolas" panose="020B0609020204030204" pitchFamily="49" charset="0"/>
+              </a:rPr>
+              <a:t>z</a:t>
+            </a:r>
+            <a:r>
+              <a:rPr lang="en-US" sz="2200" dirty="0">
+                <a:solidFill>
+                  <a:srgbClr val="3B3B3B"/>
+                </a:solidFill>
+                <a:latin typeface="Consolas" panose="020B0609020204030204" pitchFamily="49" charset="0"/>
+                <a:cs typeface="Consolas" panose="020B0609020204030204" pitchFamily="49" charset="0"/>
+              </a:rPr>
+              <a:t>);</a:t>
+            </a:r>
+          </a:p>
+          <a:p>
+            <a:pPr>
+              <a:lnSpc>
+                <a:spcPct val="110000"/>
+              </a:lnSpc>
+            </a:pPr>
+            <a:r>
+              <a:rPr lang="en-US" sz="2200" dirty="0">
                 <a:solidFill>
                   <a:schemeClr val="bg2">
                     <a:lumMod val="90000"/>
                   </a:schemeClr>
                 </a:solidFill>
-                <a:effectLst/>
-                <a:latin typeface="Consolas" panose="020B0609020204030204" pitchFamily="49" charset="0"/>
-                <a:cs typeface="Consolas" panose="020B0609020204030204" pitchFamily="49" charset="0"/>
-              </a:rPr>
-              <a:t>| </a:t>
-            </a:r>
-            <a:r>
-              <a:rPr lang="en-US" sz="2200" b="0" dirty="0">
-                <a:solidFill>
-                  <a:srgbClr val="AF00DB"/>
-                </a:solidFill>
-                <a:effectLst/>
-                <a:latin typeface="Consolas" panose="020B0609020204030204" pitchFamily="49" charset="0"/>
-                <a:cs typeface="Consolas" panose="020B0609020204030204" pitchFamily="49" charset="0"/>
-              </a:rPr>
-              <a:t>return</a:t>
-            </a:r>
-            <a:r>
-              <a:rPr lang="en-US" sz="2200" b="0" dirty="0">
+                <a:latin typeface="Consolas" panose="020B0609020204030204" pitchFamily="49" charset="0"/>
+                <a:cs typeface="Consolas" panose="020B0609020204030204" pitchFamily="49" charset="0"/>
+              </a:rPr>
+              <a:t>8| </a:t>
+            </a:r>
+            <a:r>
+              <a:rPr lang="en-US" sz="2200" dirty="0">
                 <a:solidFill>
                   <a:srgbClr val="3B3B3B"/>
                 </a:solidFill>
-                <a:effectLst/>
-                <a:latin typeface="Consolas" panose="020B0609020204030204" pitchFamily="49" charset="0"/>
-                <a:cs typeface="Consolas" panose="020B0609020204030204" pitchFamily="49" charset="0"/>
-              </a:rPr>
-              <a:t> </a:t>
-            </a:r>
-            <a:r>
-              <a:rPr lang="en-US" sz="2200" b="0" dirty="0">
-                <a:solidFill>
-                  <a:srgbClr val="0070C1"/>
-                </a:solidFill>
-                <a:effectLst/>
-                <a:latin typeface="Consolas" panose="020B0609020204030204" pitchFamily="49" charset="0"/>
-                <a:cs typeface="Consolas" panose="020B0609020204030204" pitchFamily="49" charset="0"/>
-              </a:rPr>
-              <a:t>x</a:t>
-            </a:r>
-            <a:r>
-              <a:rPr lang="en-US" sz="2200" b="0" dirty="0">
-                <a:solidFill>
-                  <a:srgbClr val="3B3B3B"/>
-                </a:solidFill>
-                <a:effectLst/>
-                <a:latin typeface="Consolas" panose="020B0609020204030204" pitchFamily="49" charset="0"/>
-                <a:cs typeface="Consolas" panose="020B0609020204030204" pitchFamily="49" charset="0"/>
-              </a:rPr>
-              <a:t> </a:t>
-            </a:r>
-            <a:r>
-              <a:rPr lang="en-US" sz="2200" b="0" dirty="0">
-                <a:solidFill>
-                  <a:srgbClr val="000000"/>
-                </a:solidFill>
-                <a:effectLst/>
-                <a:latin typeface="Consolas" panose="020B0609020204030204" pitchFamily="49" charset="0"/>
-                <a:cs typeface="Consolas" panose="020B0609020204030204" pitchFamily="49" charset="0"/>
-              </a:rPr>
-              <a:t>/</a:t>
-            </a:r>
-            <a:r>
-              <a:rPr lang="en-US" sz="2200" b="0" dirty="0">
-                <a:solidFill>
-                  <a:srgbClr val="3B3B3B"/>
-                </a:solidFill>
-                <a:effectLst/>
-                <a:latin typeface="Consolas" panose="020B0609020204030204" pitchFamily="49" charset="0"/>
-                <a:cs typeface="Consolas" panose="020B0609020204030204" pitchFamily="49" charset="0"/>
-              </a:rPr>
-              <a:t> (</a:t>
-            </a:r>
-            <a:r>
-              <a:rPr lang="en-US" sz="2200" b="0" dirty="0">
-                <a:solidFill>
-                  <a:srgbClr val="0070C1"/>
-                </a:solidFill>
-                <a:effectLst/>
-                <a:latin typeface="Consolas" panose="020B0609020204030204" pitchFamily="49" charset="0"/>
-                <a:cs typeface="Consolas" panose="020B0609020204030204" pitchFamily="49" charset="0"/>
-              </a:rPr>
-              <a:t>y</a:t>
-            </a:r>
-            <a:r>
-              <a:rPr lang="en-US" sz="2200" b="0" dirty="0">
-                <a:solidFill>
-                  <a:srgbClr val="3B3B3B"/>
-                </a:solidFill>
-                <a:effectLst/>
-                <a:latin typeface="Consolas" panose="020B0609020204030204" pitchFamily="49" charset="0"/>
-                <a:cs typeface="Consolas" panose="020B0609020204030204" pitchFamily="49" charset="0"/>
-              </a:rPr>
-              <a:t> </a:t>
-            </a:r>
-            <a:r>
-              <a:rPr lang="en-US" sz="2200" b="0" dirty="0">
-                <a:solidFill>
-                  <a:srgbClr val="000000"/>
-                </a:solidFill>
-                <a:effectLst/>
-                <a:latin typeface="Consolas" panose="020B0609020204030204" pitchFamily="49" charset="0"/>
-                <a:cs typeface="Consolas" panose="020B0609020204030204" pitchFamily="49" charset="0"/>
-              </a:rPr>
-              <a:t>-</a:t>
-            </a:r>
-            <a:r>
-              <a:rPr lang="en-US" sz="2200" b="0" dirty="0">
-                <a:solidFill>
-                  <a:srgbClr val="3B3B3B"/>
-                </a:solidFill>
-                <a:effectLst/>
-                <a:latin typeface="Consolas" panose="020B0609020204030204" pitchFamily="49" charset="0"/>
-                <a:cs typeface="Consolas" panose="020B0609020204030204" pitchFamily="49" charset="0"/>
-              </a:rPr>
-              <a:t> </a:t>
-            </a:r>
-            <a:r>
-              <a:rPr lang="en-US" sz="2200" b="0" dirty="0">
-                <a:solidFill>
-                  <a:srgbClr val="0070C1"/>
-                </a:solidFill>
-                <a:effectLst/>
-                <a:latin typeface="Consolas" panose="020B0609020204030204" pitchFamily="49" charset="0"/>
-                <a:cs typeface="Consolas" panose="020B0609020204030204" pitchFamily="49" charset="0"/>
-              </a:rPr>
-              <a:t>z</a:t>
-            </a:r>
-            <a:r>
-              <a:rPr lang="en-US" sz="2200" b="0" dirty="0">
-                <a:solidFill>
-                  <a:srgbClr val="3B3B3B"/>
-                </a:solidFill>
-                <a:effectLst/>
-                <a:latin typeface="Consolas" panose="020B0609020204030204" pitchFamily="49" charset="0"/>
-                <a:cs typeface="Consolas" panose="020B0609020204030204" pitchFamily="49" charset="0"/>
-              </a:rPr>
-              <a:t>);</a:t>
+                <a:latin typeface="Consolas" panose="020B0609020204030204" pitchFamily="49" charset="0"/>
+                <a:cs typeface="Consolas" panose="020B0609020204030204" pitchFamily="49" charset="0"/>
+              </a:rPr>
+              <a:t>}</a:t>
             </a:r>
           </a:p>
         </p:txBody>
